--- a/figures/flow_charts.pptx
+++ b/figures/flow_charts.pptx
@@ -7,6 +7,8 @@
   <p:sldIdLst>
     <p:sldId id="256" r:id="rId2"/>
     <p:sldId id="257" r:id="rId3"/>
+    <p:sldId id="258" r:id="rId4"/>
+    <p:sldId id="260" r:id="rId5"/>
   </p:sldIdLst>
   <p:sldSz cx="12192000" cy="6858000"/>
   <p:notesSz cx="6858000" cy="9144000"/>
@@ -861,6 +863,753 @@
 </file>
 
 <file path=ppt/diagrams/colors2.xml><?xml version="1.0" encoding="utf-8"?>
+<dgm:colorsDef xmlns:dgm="http://schemas.openxmlformats.org/drawingml/2006/diagram" xmlns:a="http://schemas.openxmlformats.org/drawingml/2006/main" uniqueId="urn:microsoft.com/office/officeart/2005/8/colors/accent1_2">
+  <dgm:title val=""/>
+  <dgm:desc val=""/>
+  <dgm:catLst>
+    <dgm:cat type="accent1" pri="11200"/>
+  </dgm:catLst>
+  <dgm:styleLbl name="node0">
+    <dgm:fillClrLst meth="repeat">
+      <a:schemeClr val="accent1"/>
+    </dgm:fillClrLst>
+    <dgm:linClrLst meth="repeat">
+      <a:schemeClr val="lt1"/>
+    </dgm:linClrLst>
+    <dgm:effectClrLst/>
+    <dgm:txLinClrLst/>
+    <dgm:txFillClrLst/>
+    <dgm:txEffectClrLst/>
+  </dgm:styleLbl>
+  <dgm:styleLbl name="alignNode1">
+    <dgm:fillClrLst meth="repeat">
+      <a:schemeClr val="accent1"/>
+    </dgm:fillClrLst>
+    <dgm:linClrLst meth="repeat">
+      <a:schemeClr val="accent1"/>
+    </dgm:linClrLst>
+    <dgm:effectClrLst/>
+    <dgm:txLinClrLst/>
+    <dgm:txFillClrLst/>
+    <dgm:txEffectClrLst/>
+  </dgm:styleLbl>
+  <dgm:styleLbl name="node1">
+    <dgm:fillClrLst meth="repeat">
+      <a:schemeClr val="accent1"/>
+    </dgm:fillClrLst>
+    <dgm:linClrLst meth="repeat">
+      <a:schemeClr val="lt1"/>
+    </dgm:linClrLst>
+    <dgm:effectClrLst/>
+    <dgm:txLinClrLst/>
+    <dgm:txFillClrLst/>
+    <dgm:txEffectClrLst/>
+  </dgm:styleLbl>
+  <dgm:styleLbl name="lnNode1">
+    <dgm:fillClrLst meth="repeat">
+      <a:schemeClr val="accent1"/>
+    </dgm:fillClrLst>
+    <dgm:linClrLst meth="repeat">
+      <a:schemeClr val="lt1"/>
+    </dgm:linClrLst>
+    <dgm:effectClrLst/>
+    <dgm:txLinClrLst/>
+    <dgm:txFillClrLst/>
+    <dgm:txEffectClrLst/>
+  </dgm:styleLbl>
+  <dgm:styleLbl name="vennNode1">
+    <dgm:fillClrLst meth="repeat">
+      <a:schemeClr val="accent1">
+        <a:alpha val="50000"/>
+      </a:schemeClr>
+    </dgm:fillClrLst>
+    <dgm:linClrLst meth="repeat">
+      <a:schemeClr val="lt1"/>
+    </dgm:linClrLst>
+    <dgm:effectClrLst/>
+    <dgm:txLinClrLst/>
+    <dgm:txFillClrLst/>
+    <dgm:txEffectClrLst/>
+  </dgm:styleLbl>
+  <dgm:styleLbl name="node2">
+    <dgm:fillClrLst meth="repeat">
+      <a:schemeClr val="accent1"/>
+    </dgm:fillClrLst>
+    <dgm:linClrLst meth="repeat">
+      <a:schemeClr val="lt1"/>
+    </dgm:linClrLst>
+    <dgm:effectClrLst/>
+    <dgm:txLinClrLst/>
+    <dgm:txFillClrLst/>
+    <dgm:txEffectClrLst/>
+  </dgm:styleLbl>
+  <dgm:styleLbl name="node3">
+    <dgm:fillClrLst meth="repeat">
+      <a:schemeClr val="accent1"/>
+    </dgm:fillClrLst>
+    <dgm:linClrLst meth="repeat">
+      <a:schemeClr val="lt1"/>
+    </dgm:linClrLst>
+    <dgm:effectClrLst/>
+    <dgm:txLinClrLst/>
+    <dgm:txFillClrLst/>
+    <dgm:txEffectClrLst/>
+  </dgm:styleLbl>
+  <dgm:styleLbl name="node4">
+    <dgm:fillClrLst meth="repeat">
+      <a:schemeClr val="accent1"/>
+    </dgm:fillClrLst>
+    <dgm:linClrLst meth="repeat">
+      <a:schemeClr val="lt1"/>
+    </dgm:linClrLst>
+    <dgm:effectClrLst/>
+    <dgm:txLinClrLst/>
+    <dgm:txFillClrLst/>
+    <dgm:txEffectClrLst/>
+  </dgm:styleLbl>
+  <dgm:styleLbl name="fgImgPlace1">
+    <dgm:fillClrLst meth="repeat">
+      <a:schemeClr val="accent1">
+        <a:tint val="50000"/>
+      </a:schemeClr>
+    </dgm:fillClrLst>
+    <dgm:linClrLst meth="repeat">
+      <a:schemeClr val="lt1"/>
+    </dgm:linClrLst>
+    <dgm:effectClrLst/>
+    <dgm:txLinClrLst/>
+    <dgm:txFillClrLst meth="repeat">
+      <a:schemeClr val="lt1"/>
+    </dgm:txFillClrLst>
+    <dgm:txEffectClrLst/>
+  </dgm:styleLbl>
+  <dgm:styleLbl name="alignImgPlace1">
+    <dgm:fillClrLst meth="repeat">
+      <a:schemeClr val="accent1">
+        <a:tint val="50000"/>
+      </a:schemeClr>
+    </dgm:fillClrLst>
+    <dgm:linClrLst meth="repeat">
+      <a:schemeClr val="lt1"/>
+    </dgm:linClrLst>
+    <dgm:effectClrLst/>
+    <dgm:txLinClrLst/>
+    <dgm:txFillClrLst meth="repeat">
+      <a:schemeClr val="lt1"/>
+    </dgm:txFillClrLst>
+    <dgm:txEffectClrLst/>
+  </dgm:styleLbl>
+  <dgm:styleLbl name="bgImgPlace1">
+    <dgm:fillClrLst meth="repeat">
+      <a:schemeClr val="accent1">
+        <a:tint val="50000"/>
+      </a:schemeClr>
+    </dgm:fillClrLst>
+    <dgm:linClrLst meth="repeat">
+      <a:schemeClr val="lt1"/>
+    </dgm:linClrLst>
+    <dgm:effectClrLst/>
+    <dgm:txLinClrLst/>
+    <dgm:txFillClrLst meth="repeat">
+      <a:schemeClr val="lt1"/>
+    </dgm:txFillClrLst>
+    <dgm:txEffectClrLst/>
+  </dgm:styleLbl>
+  <dgm:styleLbl name="sibTrans2D1">
+    <dgm:fillClrLst meth="repeat">
+      <a:schemeClr val="accent1">
+        <a:tint val="60000"/>
+      </a:schemeClr>
+    </dgm:fillClrLst>
+    <dgm:linClrLst meth="repeat">
+      <a:schemeClr val="accent1">
+        <a:tint val="60000"/>
+      </a:schemeClr>
+    </dgm:linClrLst>
+    <dgm:effectClrLst/>
+    <dgm:txLinClrLst/>
+    <dgm:txFillClrLst/>
+    <dgm:txEffectClrLst/>
+  </dgm:styleLbl>
+  <dgm:styleLbl name="fgSibTrans2D1">
+    <dgm:fillClrLst meth="repeat">
+      <a:schemeClr val="accent1">
+        <a:tint val="60000"/>
+      </a:schemeClr>
+    </dgm:fillClrLst>
+    <dgm:linClrLst meth="repeat">
+      <a:schemeClr val="accent1">
+        <a:tint val="60000"/>
+      </a:schemeClr>
+    </dgm:linClrLst>
+    <dgm:effectClrLst/>
+    <dgm:txLinClrLst/>
+    <dgm:txFillClrLst/>
+    <dgm:txEffectClrLst/>
+  </dgm:styleLbl>
+  <dgm:styleLbl name="bgSibTrans2D1">
+    <dgm:fillClrLst meth="repeat">
+      <a:schemeClr val="accent1">
+        <a:tint val="60000"/>
+      </a:schemeClr>
+    </dgm:fillClrLst>
+    <dgm:linClrLst meth="repeat">
+      <a:schemeClr val="accent1">
+        <a:tint val="60000"/>
+      </a:schemeClr>
+    </dgm:linClrLst>
+    <dgm:effectClrLst/>
+    <dgm:txLinClrLst/>
+    <dgm:txFillClrLst/>
+    <dgm:txEffectClrLst/>
+  </dgm:styleLbl>
+  <dgm:styleLbl name="sibTrans1D1">
+    <dgm:fillClrLst meth="repeat">
+      <a:schemeClr val="accent1"/>
+    </dgm:fillClrLst>
+    <dgm:linClrLst meth="repeat">
+      <a:schemeClr val="accent1"/>
+    </dgm:linClrLst>
+    <dgm:effectClrLst/>
+    <dgm:txLinClrLst/>
+    <dgm:txFillClrLst meth="repeat">
+      <a:schemeClr val="tx1"/>
+    </dgm:txFillClrLst>
+    <dgm:txEffectClrLst/>
+  </dgm:styleLbl>
+  <dgm:styleLbl name="callout">
+    <dgm:fillClrLst meth="repeat">
+      <a:schemeClr val="accent1"/>
+    </dgm:fillClrLst>
+    <dgm:linClrLst meth="repeat">
+      <a:schemeClr val="accent1">
+        <a:tint val="50000"/>
+      </a:schemeClr>
+    </dgm:linClrLst>
+    <dgm:effectClrLst/>
+    <dgm:txLinClrLst/>
+    <dgm:txFillClrLst meth="repeat">
+      <a:schemeClr val="tx1"/>
+    </dgm:txFillClrLst>
+    <dgm:txEffectClrLst/>
+  </dgm:styleLbl>
+  <dgm:styleLbl name="asst0">
+    <dgm:fillClrLst meth="repeat">
+      <a:schemeClr val="accent1"/>
+    </dgm:fillClrLst>
+    <dgm:linClrLst meth="repeat">
+      <a:schemeClr val="lt1"/>
+    </dgm:linClrLst>
+    <dgm:effectClrLst/>
+    <dgm:txLinClrLst/>
+    <dgm:txFillClrLst/>
+    <dgm:txEffectClrLst/>
+  </dgm:styleLbl>
+  <dgm:styleLbl name="asst1">
+    <dgm:fillClrLst meth="repeat">
+      <a:schemeClr val="accent1"/>
+    </dgm:fillClrLst>
+    <dgm:linClrLst meth="repeat">
+      <a:schemeClr val="lt1"/>
+    </dgm:linClrLst>
+    <dgm:effectClrLst/>
+    <dgm:txLinClrLst/>
+    <dgm:txFillClrLst/>
+    <dgm:txEffectClrLst/>
+  </dgm:styleLbl>
+  <dgm:styleLbl name="asst2">
+    <dgm:fillClrLst meth="repeat">
+      <a:schemeClr val="accent1"/>
+    </dgm:fillClrLst>
+    <dgm:linClrLst meth="repeat">
+      <a:schemeClr val="lt1"/>
+    </dgm:linClrLst>
+    <dgm:effectClrLst/>
+    <dgm:txLinClrLst/>
+    <dgm:txFillClrLst/>
+    <dgm:txEffectClrLst/>
+  </dgm:styleLbl>
+  <dgm:styleLbl name="asst3">
+    <dgm:fillClrLst meth="repeat">
+      <a:schemeClr val="accent1"/>
+    </dgm:fillClrLst>
+    <dgm:linClrLst meth="repeat">
+      <a:schemeClr val="lt1"/>
+    </dgm:linClrLst>
+    <dgm:effectClrLst/>
+    <dgm:txLinClrLst/>
+    <dgm:txFillClrLst/>
+    <dgm:txEffectClrLst/>
+  </dgm:styleLbl>
+  <dgm:styleLbl name="asst4">
+    <dgm:fillClrLst meth="repeat">
+      <a:schemeClr val="accent1"/>
+    </dgm:fillClrLst>
+    <dgm:linClrLst meth="repeat">
+      <a:schemeClr val="lt1"/>
+    </dgm:linClrLst>
+    <dgm:effectClrLst/>
+    <dgm:txLinClrLst/>
+    <dgm:txFillClrLst/>
+    <dgm:txEffectClrLst/>
+  </dgm:styleLbl>
+  <dgm:styleLbl name="parChTrans2D1">
+    <dgm:fillClrLst meth="repeat">
+      <a:schemeClr val="accent1">
+        <a:tint val="60000"/>
+      </a:schemeClr>
+    </dgm:fillClrLst>
+    <dgm:linClrLst meth="repeat">
+      <a:schemeClr val="accent1">
+        <a:tint val="60000"/>
+      </a:schemeClr>
+    </dgm:linClrLst>
+    <dgm:effectClrLst/>
+    <dgm:txLinClrLst/>
+    <dgm:txFillClrLst meth="repeat">
+      <a:schemeClr val="lt1"/>
+    </dgm:txFillClrLst>
+    <dgm:txEffectClrLst/>
+  </dgm:styleLbl>
+  <dgm:styleLbl name="parChTrans2D2">
+    <dgm:fillClrLst meth="repeat">
+      <a:schemeClr val="accent1"/>
+    </dgm:fillClrLst>
+    <dgm:linClrLst meth="repeat">
+      <a:schemeClr val="accent1"/>
+    </dgm:linClrLst>
+    <dgm:effectClrLst/>
+    <dgm:txLinClrLst/>
+    <dgm:txFillClrLst meth="repeat">
+      <a:schemeClr val="lt1"/>
+    </dgm:txFillClrLst>
+    <dgm:txEffectClrLst/>
+  </dgm:styleLbl>
+  <dgm:styleLbl name="parChTrans2D3">
+    <dgm:fillClrLst meth="repeat">
+      <a:schemeClr val="accent1"/>
+    </dgm:fillClrLst>
+    <dgm:linClrLst meth="repeat">
+      <a:schemeClr val="accent1"/>
+    </dgm:linClrLst>
+    <dgm:effectClrLst/>
+    <dgm:txLinClrLst/>
+    <dgm:txFillClrLst meth="repeat">
+      <a:schemeClr val="lt1"/>
+    </dgm:txFillClrLst>
+    <dgm:txEffectClrLst/>
+  </dgm:styleLbl>
+  <dgm:styleLbl name="parChTrans2D4">
+    <dgm:fillClrLst meth="repeat">
+      <a:schemeClr val="accent1"/>
+    </dgm:fillClrLst>
+    <dgm:linClrLst meth="repeat">
+      <a:schemeClr val="accent1"/>
+    </dgm:linClrLst>
+    <dgm:effectClrLst/>
+    <dgm:txLinClrLst/>
+    <dgm:txFillClrLst meth="repeat">
+      <a:schemeClr val="lt1"/>
+    </dgm:txFillClrLst>
+    <dgm:txEffectClrLst/>
+  </dgm:styleLbl>
+  <dgm:styleLbl name="parChTrans1D1">
+    <dgm:fillClrLst meth="repeat">
+      <a:schemeClr val="accent1"/>
+    </dgm:fillClrLst>
+    <dgm:linClrLst meth="repeat">
+      <a:schemeClr val="accent1">
+        <a:shade val="60000"/>
+      </a:schemeClr>
+    </dgm:linClrLst>
+    <dgm:effectClrLst/>
+    <dgm:txLinClrLst/>
+    <dgm:txFillClrLst meth="repeat">
+      <a:schemeClr val="tx1"/>
+    </dgm:txFillClrLst>
+    <dgm:txEffectClrLst/>
+  </dgm:styleLbl>
+  <dgm:styleLbl name="parChTrans1D2">
+    <dgm:fillClrLst meth="repeat">
+      <a:schemeClr val="accent1"/>
+    </dgm:fillClrLst>
+    <dgm:linClrLst meth="repeat">
+      <a:schemeClr val="accent1">
+        <a:shade val="60000"/>
+      </a:schemeClr>
+    </dgm:linClrLst>
+    <dgm:effectClrLst/>
+    <dgm:txLinClrLst/>
+    <dgm:txFillClrLst meth="repeat">
+      <a:schemeClr val="tx1"/>
+    </dgm:txFillClrLst>
+    <dgm:txEffectClrLst/>
+  </dgm:styleLbl>
+  <dgm:styleLbl name="parChTrans1D3">
+    <dgm:fillClrLst meth="repeat">
+      <a:schemeClr val="accent1"/>
+    </dgm:fillClrLst>
+    <dgm:linClrLst meth="repeat">
+      <a:schemeClr val="accent1">
+        <a:shade val="80000"/>
+      </a:schemeClr>
+    </dgm:linClrLst>
+    <dgm:effectClrLst/>
+    <dgm:txLinClrLst/>
+    <dgm:txFillClrLst meth="repeat">
+      <a:schemeClr val="tx1"/>
+    </dgm:txFillClrLst>
+    <dgm:txEffectClrLst/>
+  </dgm:styleLbl>
+  <dgm:styleLbl name="parChTrans1D4">
+    <dgm:fillClrLst meth="repeat">
+      <a:schemeClr val="accent1"/>
+    </dgm:fillClrLst>
+    <dgm:linClrLst meth="repeat">
+      <a:schemeClr val="accent1">
+        <a:shade val="80000"/>
+      </a:schemeClr>
+    </dgm:linClrLst>
+    <dgm:effectClrLst/>
+    <dgm:txLinClrLst/>
+    <dgm:txFillClrLst meth="repeat">
+      <a:schemeClr val="tx1"/>
+    </dgm:txFillClrLst>
+    <dgm:txEffectClrLst/>
+  </dgm:styleLbl>
+  <dgm:styleLbl name="fgAcc1">
+    <dgm:fillClrLst meth="repeat">
+      <a:schemeClr val="lt1">
+        <a:alpha val="90000"/>
+      </a:schemeClr>
+    </dgm:fillClrLst>
+    <dgm:linClrLst meth="repeat">
+      <a:schemeClr val="accent1"/>
+    </dgm:linClrLst>
+    <dgm:effectClrLst/>
+    <dgm:txLinClrLst/>
+    <dgm:txFillClrLst meth="repeat">
+      <a:schemeClr val="dk1"/>
+    </dgm:txFillClrLst>
+    <dgm:txEffectClrLst/>
+  </dgm:styleLbl>
+  <dgm:styleLbl name="conFgAcc1">
+    <dgm:fillClrLst meth="repeat">
+      <a:schemeClr val="lt1">
+        <a:alpha val="90000"/>
+      </a:schemeClr>
+    </dgm:fillClrLst>
+    <dgm:linClrLst meth="repeat">
+      <a:schemeClr val="accent1"/>
+    </dgm:linClrLst>
+    <dgm:effectClrLst/>
+    <dgm:txLinClrLst/>
+    <dgm:txFillClrLst meth="repeat">
+      <a:schemeClr val="dk1"/>
+    </dgm:txFillClrLst>
+    <dgm:txEffectClrLst/>
+  </dgm:styleLbl>
+  <dgm:styleLbl name="alignAcc1">
+    <dgm:fillClrLst meth="repeat">
+      <a:schemeClr val="lt1">
+        <a:alpha val="90000"/>
+      </a:schemeClr>
+    </dgm:fillClrLst>
+    <dgm:linClrLst meth="repeat">
+      <a:schemeClr val="accent1"/>
+    </dgm:linClrLst>
+    <dgm:effectClrLst/>
+    <dgm:txLinClrLst/>
+    <dgm:txFillClrLst meth="repeat">
+      <a:schemeClr val="dk1"/>
+    </dgm:txFillClrLst>
+    <dgm:txEffectClrLst/>
+  </dgm:styleLbl>
+  <dgm:styleLbl name="trAlignAcc1">
+    <dgm:fillClrLst meth="repeat">
+      <a:schemeClr val="lt1">
+        <a:alpha val="40000"/>
+      </a:schemeClr>
+    </dgm:fillClrLst>
+    <dgm:linClrLst meth="repeat">
+      <a:schemeClr val="accent1"/>
+    </dgm:linClrLst>
+    <dgm:effectClrLst/>
+    <dgm:txLinClrLst/>
+    <dgm:txFillClrLst meth="repeat">
+      <a:schemeClr val="dk1"/>
+    </dgm:txFillClrLst>
+    <dgm:txEffectClrLst/>
+  </dgm:styleLbl>
+  <dgm:styleLbl name="bgAcc1">
+    <dgm:fillClrLst meth="repeat">
+      <a:schemeClr val="lt1">
+        <a:alpha val="90000"/>
+      </a:schemeClr>
+    </dgm:fillClrLst>
+    <dgm:linClrLst meth="repeat">
+      <a:schemeClr val="accent1"/>
+    </dgm:linClrLst>
+    <dgm:effectClrLst/>
+    <dgm:txLinClrLst/>
+    <dgm:txFillClrLst meth="repeat">
+      <a:schemeClr val="dk1"/>
+    </dgm:txFillClrLst>
+    <dgm:txEffectClrLst/>
+  </dgm:styleLbl>
+  <dgm:styleLbl name="solidFgAcc1">
+    <dgm:fillClrLst meth="repeat">
+      <a:schemeClr val="lt1"/>
+    </dgm:fillClrLst>
+    <dgm:linClrLst meth="repeat">
+      <a:schemeClr val="accent1"/>
+    </dgm:linClrLst>
+    <dgm:effectClrLst/>
+    <dgm:txLinClrLst/>
+    <dgm:txFillClrLst meth="repeat">
+      <a:schemeClr val="dk1"/>
+    </dgm:txFillClrLst>
+    <dgm:txEffectClrLst/>
+  </dgm:styleLbl>
+  <dgm:styleLbl name="solidAlignAcc1">
+    <dgm:fillClrLst meth="repeat">
+      <a:schemeClr val="lt1"/>
+    </dgm:fillClrLst>
+    <dgm:linClrLst meth="repeat">
+      <a:schemeClr val="accent1"/>
+    </dgm:linClrLst>
+    <dgm:effectClrLst/>
+    <dgm:txLinClrLst/>
+    <dgm:txFillClrLst meth="repeat">
+      <a:schemeClr val="dk1"/>
+    </dgm:txFillClrLst>
+    <dgm:txEffectClrLst/>
+  </dgm:styleLbl>
+  <dgm:styleLbl name="solidBgAcc1">
+    <dgm:fillClrLst meth="repeat">
+      <a:schemeClr val="lt1"/>
+    </dgm:fillClrLst>
+    <dgm:linClrLst meth="repeat">
+      <a:schemeClr val="accent1"/>
+    </dgm:linClrLst>
+    <dgm:effectClrLst/>
+    <dgm:txLinClrLst/>
+    <dgm:txFillClrLst meth="repeat">
+      <a:schemeClr val="dk1"/>
+    </dgm:txFillClrLst>
+    <dgm:txEffectClrLst/>
+  </dgm:styleLbl>
+  <dgm:styleLbl name="fgAccFollowNode1">
+    <dgm:fillClrLst meth="repeat">
+      <a:schemeClr val="accent1">
+        <a:alpha val="90000"/>
+        <a:tint val="40000"/>
+      </a:schemeClr>
+    </dgm:fillClrLst>
+    <dgm:linClrLst meth="repeat">
+      <a:schemeClr val="accent1">
+        <a:alpha val="90000"/>
+        <a:tint val="40000"/>
+      </a:schemeClr>
+    </dgm:linClrLst>
+    <dgm:effectClrLst/>
+    <dgm:txLinClrLst/>
+    <dgm:txFillClrLst meth="repeat">
+      <a:schemeClr val="dk1"/>
+    </dgm:txFillClrLst>
+    <dgm:txEffectClrLst/>
+  </dgm:styleLbl>
+  <dgm:styleLbl name="alignAccFollowNode1">
+    <dgm:fillClrLst meth="repeat">
+      <a:schemeClr val="accent1">
+        <a:alpha val="90000"/>
+        <a:tint val="40000"/>
+      </a:schemeClr>
+    </dgm:fillClrLst>
+    <dgm:linClrLst meth="repeat">
+      <a:schemeClr val="accent1">
+        <a:alpha val="90000"/>
+        <a:tint val="40000"/>
+      </a:schemeClr>
+    </dgm:linClrLst>
+    <dgm:effectClrLst/>
+    <dgm:txLinClrLst/>
+    <dgm:txFillClrLst meth="repeat">
+      <a:schemeClr val="dk1"/>
+    </dgm:txFillClrLst>
+    <dgm:txEffectClrLst/>
+  </dgm:styleLbl>
+  <dgm:styleLbl name="bgAccFollowNode1">
+    <dgm:fillClrLst meth="repeat">
+      <a:schemeClr val="accent1">
+        <a:alpha val="90000"/>
+        <a:tint val="40000"/>
+      </a:schemeClr>
+    </dgm:fillClrLst>
+    <dgm:linClrLst meth="repeat">
+      <a:schemeClr val="accent1">
+        <a:alpha val="90000"/>
+        <a:tint val="40000"/>
+      </a:schemeClr>
+    </dgm:linClrLst>
+    <dgm:effectClrLst/>
+    <dgm:txLinClrLst/>
+    <dgm:txFillClrLst meth="repeat">
+      <a:schemeClr val="dk1"/>
+    </dgm:txFillClrLst>
+    <dgm:txEffectClrLst/>
+  </dgm:styleLbl>
+  <dgm:styleLbl name="fgAcc0">
+    <dgm:fillClrLst meth="repeat">
+      <a:schemeClr val="lt1">
+        <a:alpha val="90000"/>
+      </a:schemeClr>
+    </dgm:fillClrLst>
+    <dgm:linClrLst meth="repeat">
+      <a:schemeClr val="accent1"/>
+    </dgm:linClrLst>
+    <dgm:effectClrLst/>
+    <dgm:txLinClrLst/>
+    <dgm:txFillClrLst meth="repeat">
+      <a:schemeClr val="dk1"/>
+    </dgm:txFillClrLst>
+    <dgm:txEffectClrLst/>
+  </dgm:styleLbl>
+  <dgm:styleLbl name="fgAcc2">
+    <dgm:fillClrLst meth="repeat">
+      <a:schemeClr val="lt1">
+        <a:alpha val="90000"/>
+      </a:schemeClr>
+    </dgm:fillClrLst>
+    <dgm:linClrLst meth="repeat">
+      <a:schemeClr val="accent1"/>
+    </dgm:linClrLst>
+    <dgm:effectClrLst/>
+    <dgm:txLinClrLst/>
+    <dgm:txFillClrLst meth="repeat">
+      <a:schemeClr val="dk1"/>
+    </dgm:txFillClrLst>
+    <dgm:txEffectClrLst/>
+  </dgm:styleLbl>
+  <dgm:styleLbl name="fgAcc3">
+    <dgm:fillClrLst meth="repeat">
+      <a:schemeClr val="lt1">
+        <a:alpha val="90000"/>
+      </a:schemeClr>
+    </dgm:fillClrLst>
+    <dgm:linClrLst meth="repeat">
+      <a:schemeClr val="accent1"/>
+    </dgm:linClrLst>
+    <dgm:effectClrLst/>
+    <dgm:txLinClrLst/>
+    <dgm:txFillClrLst meth="repeat">
+      <a:schemeClr val="dk1"/>
+    </dgm:txFillClrLst>
+    <dgm:txEffectClrLst/>
+  </dgm:styleLbl>
+  <dgm:styleLbl name="fgAcc4">
+    <dgm:fillClrLst meth="repeat">
+      <a:schemeClr val="lt1">
+        <a:alpha val="90000"/>
+      </a:schemeClr>
+    </dgm:fillClrLst>
+    <dgm:linClrLst meth="repeat">
+      <a:schemeClr val="accent1"/>
+    </dgm:linClrLst>
+    <dgm:effectClrLst/>
+    <dgm:txLinClrLst/>
+    <dgm:txFillClrLst meth="repeat">
+      <a:schemeClr val="dk1"/>
+    </dgm:txFillClrLst>
+    <dgm:txEffectClrLst/>
+  </dgm:styleLbl>
+  <dgm:styleLbl name="bgShp">
+    <dgm:fillClrLst meth="repeat">
+      <a:schemeClr val="accent1">
+        <a:tint val="40000"/>
+      </a:schemeClr>
+    </dgm:fillClrLst>
+    <dgm:linClrLst meth="repeat">
+      <a:schemeClr val="accent1"/>
+    </dgm:linClrLst>
+    <dgm:effectClrLst/>
+    <dgm:txLinClrLst/>
+    <dgm:txFillClrLst meth="repeat">
+      <a:schemeClr val="dk1"/>
+    </dgm:txFillClrLst>
+    <dgm:txEffectClrLst/>
+  </dgm:styleLbl>
+  <dgm:styleLbl name="dkBgShp">
+    <dgm:fillClrLst meth="repeat">
+      <a:schemeClr val="accent1">
+        <a:shade val="80000"/>
+      </a:schemeClr>
+    </dgm:fillClrLst>
+    <dgm:linClrLst meth="repeat">
+      <a:schemeClr val="accent1"/>
+    </dgm:linClrLst>
+    <dgm:effectClrLst/>
+    <dgm:txLinClrLst/>
+    <dgm:txFillClrLst meth="repeat">
+      <a:schemeClr val="lt1"/>
+    </dgm:txFillClrLst>
+    <dgm:txEffectClrLst/>
+  </dgm:styleLbl>
+  <dgm:styleLbl name="trBgShp">
+    <dgm:fillClrLst meth="repeat">
+      <a:schemeClr val="accent1">
+        <a:tint val="50000"/>
+        <a:alpha val="40000"/>
+      </a:schemeClr>
+    </dgm:fillClrLst>
+    <dgm:linClrLst meth="repeat">
+      <a:schemeClr val="accent1"/>
+    </dgm:linClrLst>
+    <dgm:effectClrLst/>
+    <dgm:txLinClrLst/>
+    <dgm:txFillClrLst meth="repeat">
+      <a:schemeClr val="lt1"/>
+    </dgm:txFillClrLst>
+    <dgm:txEffectClrLst/>
+  </dgm:styleLbl>
+  <dgm:styleLbl name="fgShp">
+    <dgm:fillClrLst meth="repeat">
+      <a:schemeClr val="accent1">
+        <a:tint val="60000"/>
+      </a:schemeClr>
+    </dgm:fillClrLst>
+    <dgm:linClrLst meth="repeat">
+      <a:schemeClr val="lt1"/>
+    </dgm:linClrLst>
+    <dgm:effectClrLst/>
+    <dgm:txLinClrLst/>
+    <dgm:txFillClrLst meth="repeat">
+      <a:schemeClr val="dk1"/>
+    </dgm:txFillClrLst>
+    <dgm:txEffectClrLst/>
+  </dgm:styleLbl>
+  <dgm:styleLbl name="revTx">
+    <dgm:fillClrLst meth="repeat">
+      <a:schemeClr val="lt1">
+        <a:alpha val="0"/>
+      </a:schemeClr>
+    </dgm:fillClrLst>
+    <dgm:linClrLst meth="repeat">
+      <a:schemeClr val="dk1">
+        <a:alpha val="0"/>
+      </a:schemeClr>
+    </dgm:linClrLst>
+    <dgm:effectClrLst/>
+    <dgm:txLinClrLst/>
+    <dgm:txFillClrLst meth="repeat">
+      <a:schemeClr val="tx1"/>
+    </dgm:txFillClrLst>
+    <dgm:txEffectClrLst/>
+  </dgm:styleLbl>
+</dgm:colorsDef>
+</file>
+
+<file path=ppt/diagrams/colors3.xml><?xml version="1.0" encoding="utf-8"?>
 <dgm:colorsDef xmlns:dgm="http://schemas.openxmlformats.org/drawingml/2006/diagram" xmlns:a="http://schemas.openxmlformats.org/drawingml/2006/main" uniqueId="urn:microsoft.com/office/officeart/2005/8/colors/accent1_2">
   <dgm:title val=""/>
   <dgm:desc val=""/>
@@ -3260,6 +4009,1464 @@
     <dgm:cxn modelId="{1EB3DB83-F0E2-754E-9044-BC7034AE9606}" type="presParOf" srcId="{E96F9590-96E3-A845-BDEC-DD270C570B9C}" destId="{8AD460FA-00F9-F948-95D8-72227144F42E}" srcOrd="2" destOrd="0" presId="urn:microsoft.com/office/officeart/2005/8/layout/orgChart1"/>
     <dgm:cxn modelId="{8B4161B0-0F2B-7B48-B3D0-D56A7B60F74F}" type="presParOf" srcId="{D933EB67-B5BF-F041-95F7-70641803076E}" destId="{D1B36D2A-033A-3947-8BF6-D1ACD296593A}" srcOrd="2" destOrd="0" presId="urn:microsoft.com/office/officeart/2005/8/layout/orgChart1"/>
     <dgm:cxn modelId="{FD0A4687-DFBA-8746-8D04-74C9CB58F785}" type="presParOf" srcId="{B2976406-1A78-E34F-BB05-D6917E5DCA3F}" destId="{8EC00019-ADF6-6F48-B854-62817677E67B}" srcOrd="2" destOrd="0" presId="urn:microsoft.com/office/officeart/2005/8/layout/orgChart1"/>
+  </dgm:cxnLst>
+  <dgm:bg/>
+  <dgm:whole/>
+  <dgm:extLst>
+    <a:ext uri="http://schemas.microsoft.com/office/drawing/2008/diagram">
+      <dsp:dataModelExt xmlns:dsp="http://schemas.microsoft.com/office/drawing/2008/diagram" relId="rId6" minVer="http://schemas.openxmlformats.org/drawingml/2006/diagram"/>
+    </a:ext>
+  </dgm:extLst>
+</dgm:dataModel>
+</file>
+
+<file path=ppt/diagrams/data3.xml><?xml version="1.0" encoding="utf-8"?>
+<dgm:dataModel xmlns:dgm="http://schemas.openxmlformats.org/drawingml/2006/diagram" xmlns:a="http://schemas.openxmlformats.org/drawingml/2006/main">
+  <dgm:ptLst>
+    <dgm:pt modelId="{8843D19D-CA5D-754E-A7E3-F3D82AF0C613}" type="doc">
+      <dgm:prSet loTypeId="urn:microsoft.com/office/officeart/2005/8/layout/orgChart1" loCatId="" qsTypeId="urn:microsoft.com/office/officeart/2005/8/quickstyle/simple1" qsCatId="simple" csTypeId="urn:microsoft.com/office/officeart/2005/8/colors/accent1_2" csCatId="accent1" phldr="1"/>
+      <dgm:spPr/>
+      <dgm:t>
+        <a:bodyPr/>
+        <a:lstStyle/>
+        <a:p>
+          <a:endParaRPr lang="en-US"/>
+        </a:p>
+      </dgm:t>
+    </dgm:pt>
+    <dgm:pt modelId="{9EDB6A98-A9E1-CC4C-AA7D-8B4C1F2388C1}">
+      <dgm:prSet phldrT="[Text]"/>
+      <dgm:spPr/>
+      <dgm:t>
+        <a:bodyPr/>
+        <a:lstStyle/>
+        <a:p>
+          <a:r>
+            <a:rPr lang="en-US" dirty="0"/>
+            <a:t>Catch</a:t>
+          </a:r>
+        </a:p>
+      </dgm:t>
+    </dgm:pt>
+    <dgm:pt modelId="{4E13CA82-E874-9349-A6E2-17B42C4D5018}" type="parTrans" cxnId="{1D901C13-68E0-5646-91C4-C26D433223CE}">
+      <dgm:prSet/>
+      <dgm:spPr/>
+      <dgm:t>
+        <a:bodyPr/>
+        <a:lstStyle/>
+        <a:p>
+          <a:endParaRPr lang="en-US"/>
+        </a:p>
+      </dgm:t>
+    </dgm:pt>
+    <dgm:pt modelId="{00D1CBD0-9AF0-274F-925B-3722DE29D81C}" type="sibTrans" cxnId="{1D901C13-68E0-5646-91C4-C26D433223CE}">
+      <dgm:prSet/>
+      <dgm:spPr/>
+      <dgm:t>
+        <a:bodyPr/>
+        <a:lstStyle/>
+        <a:p>
+          <a:endParaRPr lang="en-US"/>
+        </a:p>
+      </dgm:t>
+    </dgm:pt>
+    <dgm:pt modelId="{63B14DC6-B726-684F-B9A6-D67CF660FB5E}">
+      <dgm:prSet phldrT="[Text]"/>
+      <dgm:spPr/>
+      <dgm:t>
+        <a:bodyPr/>
+        <a:lstStyle/>
+        <a:p>
+          <a:r>
+            <a:rPr lang="en-US" dirty="0"/>
+            <a:t>Canada</a:t>
+          </a:r>
+        </a:p>
+      </dgm:t>
+    </dgm:pt>
+    <dgm:pt modelId="{AC845045-5514-064F-B7DB-FDF80C14E149}" type="parTrans" cxnId="{E7010C4E-685C-454F-BFFD-9F5111EBA38D}">
+      <dgm:prSet/>
+      <dgm:spPr/>
+      <dgm:t>
+        <a:bodyPr/>
+        <a:lstStyle/>
+        <a:p>
+          <a:endParaRPr lang="en-US"/>
+        </a:p>
+      </dgm:t>
+    </dgm:pt>
+    <dgm:pt modelId="{4728A033-675F-734D-95E0-E43FF5FC14CB}" type="sibTrans" cxnId="{E7010C4E-685C-454F-BFFD-9F5111EBA38D}">
+      <dgm:prSet/>
+      <dgm:spPr/>
+      <dgm:t>
+        <a:bodyPr/>
+        <a:lstStyle/>
+        <a:p>
+          <a:endParaRPr lang="en-US"/>
+        </a:p>
+      </dgm:t>
+    </dgm:pt>
+    <dgm:pt modelId="{EC87CEA7-C335-C249-A4D9-C315C3363DC6}">
+      <dgm:prSet phldrT="[Text]"/>
+      <dgm:spPr/>
+      <dgm:t>
+        <a:bodyPr/>
+        <a:lstStyle/>
+        <a:p>
+          <a:r>
+            <a:rPr lang="en-US" dirty="0"/>
+            <a:t>US</a:t>
+          </a:r>
+        </a:p>
+      </dgm:t>
+    </dgm:pt>
+    <dgm:pt modelId="{040A7765-82AB-7041-AB24-FE44F95F0233}" type="parTrans" cxnId="{B27F02D5-47ED-9B4C-A154-B48762F731B6}">
+      <dgm:prSet/>
+      <dgm:spPr/>
+      <dgm:t>
+        <a:bodyPr/>
+        <a:lstStyle/>
+        <a:p>
+          <a:endParaRPr lang="en-US"/>
+        </a:p>
+      </dgm:t>
+    </dgm:pt>
+    <dgm:pt modelId="{06B203B7-E870-E74E-B932-01C83A6F5725}" type="sibTrans" cxnId="{B27F02D5-47ED-9B4C-A154-B48762F731B6}">
+      <dgm:prSet/>
+      <dgm:spPr/>
+      <dgm:t>
+        <a:bodyPr/>
+        <a:lstStyle/>
+        <a:p>
+          <a:endParaRPr lang="en-US"/>
+        </a:p>
+      </dgm:t>
+    </dgm:pt>
+    <dgm:pt modelId="{605C8F1E-DA6C-9143-9DD0-D414112D9258}">
+      <dgm:prSet/>
+      <dgm:spPr/>
+      <dgm:t>
+        <a:bodyPr/>
+        <a:lstStyle/>
+        <a:p>
+          <a:r>
+            <a:rPr lang="en-US" dirty="0"/>
+            <a:t>Recreational</a:t>
+          </a:r>
+        </a:p>
+      </dgm:t>
+    </dgm:pt>
+    <dgm:pt modelId="{E556DC90-8D75-2441-B3C4-349E1945C094}" type="parTrans" cxnId="{6AC57FD4-19AD-C241-801D-771FCC5AF337}">
+      <dgm:prSet/>
+      <dgm:spPr/>
+      <dgm:t>
+        <a:bodyPr/>
+        <a:lstStyle/>
+        <a:p>
+          <a:endParaRPr lang="en-US"/>
+        </a:p>
+      </dgm:t>
+    </dgm:pt>
+    <dgm:pt modelId="{E9C56D57-3797-9048-8F75-26EAE9493CAB}" type="sibTrans" cxnId="{6AC57FD4-19AD-C241-801D-771FCC5AF337}">
+      <dgm:prSet/>
+      <dgm:spPr/>
+      <dgm:t>
+        <a:bodyPr/>
+        <a:lstStyle/>
+        <a:p>
+          <a:endParaRPr lang="en-US"/>
+        </a:p>
+      </dgm:t>
+    </dgm:pt>
+    <dgm:pt modelId="{79614999-89A6-704D-B3C2-F1EA7D8B95D5}">
+      <dgm:prSet/>
+      <dgm:spPr/>
+      <dgm:t>
+        <a:bodyPr/>
+        <a:lstStyle/>
+        <a:p>
+          <a:r>
+            <a:rPr lang="en-US" dirty="0"/>
+            <a:t>Commercial</a:t>
+          </a:r>
+        </a:p>
+      </dgm:t>
+    </dgm:pt>
+    <dgm:pt modelId="{C44A9499-0E71-974A-AB01-5AC883932C74}" type="parTrans" cxnId="{52F99237-451C-CD44-8FC2-F4ECF2B6051D}">
+      <dgm:prSet/>
+      <dgm:spPr/>
+      <dgm:t>
+        <a:bodyPr/>
+        <a:lstStyle/>
+        <a:p>
+          <a:endParaRPr lang="en-US"/>
+        </a:p>
+      </dgm:t>
+    </dgm:pt>
+    <dgm:pt modelId="{48FA5F08-66F5-4B4B-96B0-67BF4081FCC9}" type="sibTrans" cxnId="{52F99237-451C-CD44-8FC2-F4ECF2B6051D}">
+      <dgm:prSet/>
+      <dgm:spPr/>
+      <dgm:t>
+        <a:bodyPr/>
+        <a:lstStyle/>
+        <a:p>
+          <a:endParaRPr lang="en-US"/>
+        </a:p>
+      </dgm:t>
+    </dgm:pt>
+    <dgm:pt modelId="{AB095B2A-9058-5A41-B870-FC96D7129BC9}">
+      <dgm:prSet/>
+      <dgm:spPr/>
+      <dgm:t>
+        <a:bodyPr/>
+        <a:lstStyle/>
+        <a:p>
+          <a:r>
+            <a:rPr lang="en-US" dirty="0"/>
+            <a:t>Sectors</a:t>
+          </a:r>
+        </a:p>
+        <a:p>
+          <a:r>
+            <a:rPr lang="en-US" dirty="0"/>
+            <a:t>98%</a:t>
+          </a:r>
+        </a:p>
+      </dgm:t>
+    </dgm:pt>
+    <dgm:pt modelId="{AA12967A-F772-9A4F-A2E7-1989A4D64F03}" type="parTrans" cxnId="{78AA1D31-7080-4F45-9E27-CCE6A21FA7CC}">
+      <dgm:prSet/>
+      <dgm:spPr/>
+      <dgm:t>
+        <a:bodyPr/>
+        <a:lstStyle/>
+        <a:p>
+          <a:endParaRPr lang="en-US"/>
+        </a:p>
+      </dgm:t>
+    </dgm:pt>
+    <dgm:pt modelId="{16986C35-E7DB-E849-9604-06E58BAA0B4A}" type="sibTrans" cxnId="{78AA1D31-7080-4F45-9E27-CCE6A21FA7CC}">
+      <dgm:prSet/>
+      <dgm:spPr/>
+      <dgm:t>
+        <a:bodyPr/>
+        <a:lstStyle/>
+        <a:p>
+          <a:endParaRPr lang="en-US"/>
+        </a:p>
+      </dgm:t>
+    </dgm:pt>
+    <dgm:pt modelId="{2CCDBE2D-CD40-D24F-A692-FE83BC737376}">
+      <dgm:prSet/>
+      <dgm:spPr/>
+      <dgm:t>
+        <a:bodyPr/>
+        <a:lstStyle/>
+        <a:p>
+          <a:r>
+            <a:rPr lang="en-US" dirty="0"/>
+            <a:t>Common pool</a:t>
+          </a:r>
+        </a:p>
+        <a:p>
+          <a:r>
+            <a:rPr lang="en-US" dirty="0"/>
+            <a:t>2%</a:t>
+          </a:r>
+        </a:p>
+      </dgm:t>
+    </dgm:pt>
+    <dgm:pt modelId="{93AE3849-A2CD-8046-A795-444A44946F8C}" type="parTrans" cxnId="{60777761-C2FF-3B4C-913E-D37383FF7609}">
+      <dgm:prSet/>
+      <dgm:spPr/>
+      <dgm:t>
+        <a:bodyPr/>
+        <a:lstStyle/>
+        <a:p>
+          <a:endParaRPr lang="en-US"/>
+        </a:p>
+      </dgm:t>
+    </dgm:pt>
+    <dgm:pt modelId="{829D038D-2E1C-C640-9988-349FB302E2C4}" type="sibTrans" cxnId="{60777761-C2FF-3B4C-913E-D37383FF7609}">
+      <dgm:prSet/>
+      <dgm:spPr/>
+      <dgm:t>
+        <a:bodyPr/>
+        <a:lstStyle/>
+        <a:p>
+          <a:endParaRPr lang="en-US"/>
+        </a:p>
+      </dgm:t>
+    </dgm:pt>
+    <dgm:pt modelId="{2FE9FC5E-B981-7E4D-AC92-D9EC6C36EDBC}">
+      <dgm:prSet/>
+      <dgm:spPr/>
+      <dgm:t>
+        <a:bodyPr/>
+        <a:lstStyle/>
+        <a:p>
+          <a:r>
+            <a:rPr lang="en-US" dirty="0"/>
+            <a:t>Groundfish fleet</a:t>
+          </a:r>
+        </a:p>
+      </dgm:t>
+    </dgm:pt>
+    <dgm:pt modelId="{C003559A-72E6-0749-BDE3-BF889B412637}" type="parTrans" cxnId="{3964FCF0-49E2-9A41-8B03-5C496E326386}">
+      <dgm:prSet/>
+      <dgm:spPr/>
+      <dgm:t>
+        <a:bodyPr/>
+        <a:lstStyle/>
+        <a:p>
+          <a:endParaRPr lang="en-US"/>
+        </a:p>
+      </dgm:t>
+    </dgm:pt>
+    <dgm:pt modelId="{CC4EA00F-C96B-8D47-9443-F31FA82857F2}" type="sibTrans" cxnId="{3964FCF0-49E2-9A41-8B03-5C496E326386}">
+      <dgm:prSet/>
+      <dgm:spPr/>
+      <dgm:t>
+        <a:bodyPr/>
+        <a:lstStyle/>
+        <a:p>
+          <a:endParaRPr lang="en-US"/>
+        </a:p>
+      </dgm:t>
+    </dgm:pt>
+    <dgm:pt modelId="{6F89CAE9-1F70-EA4D-84D9-D54DF2193B39}">
+      <dgm:prSet/>
+      <dgm:spPr/>
+      <dgm:t>
+        <a:bodyPr/>
+        <a:lstStyle/>
+        <a:p>
+          <a:r>
+            <a:rPr lang="en-US" dirty="0"/>
+            <a:t>Other</a:t>
+          </a:r>
+        </a:p>
+      </dgm:t>
+    </dgm:pt>
+    <dgm:pt modelId="{FC408433-B96C-AC4C-BE7A-38126ADC3D40}" type="parTrans" cxnId="{88DA5B47-1AA1-9A41-9F95-A57F71FD541C}">
+      <dgm:prSet/>
+      <dgm:spPr/>
+      <dgm:t>
+        <a:bodyPr/>
+        <a:lstStyle/>
+        <a:p>
+          <a:endParaRPr lang="en-US"/>
+        </a:p>
+      </dgm:t>
+    </dgm:pt>
+    <dgm:pt modelId="{82CA3498-D8ED-DE4A-84BE-D67085A4ABF0}" type="sibTrans" cxnId="{88DA5B47-1AA1-9A41-9F95-A57F71FD541C}">
+      <dgm:prSet/>
+      <dgm:spPr/>
+      <dgm:t>
+        <a:bodyPr/>
+        <a:lstStyle/>
+        <a:p>
+          <a:endParaRPr lang="en-US"/>
+        </a:p>
+      </dgm:t>
+    </dgm:pt>
+    <dgm:pt modelId="{B5176AD0-F8A2-DA46-B1FA-4527B63DC371}">
+      <dgm:prSet/>
+      <dgm:spPr/>
+      <dgm:t>
+        <a:bodyPr/>
+        <a:lstStyle/>
+        <a:p>
+          <a:r>
+            <a:rPr lang="en-US" dirty="0"/>
+            <a:t>Midwater trawl</a:t>
+          </a:r>
+        </a:p>
+      </dgm:t>
+    </dgm:pt>
+    <dgm:pt modelId="{B856E607-E32D-BF42-A4E4-48BD99633DB9}" type="parTrans" cxnId="{5E5D1CC1-AE32-7341-9849-70EC487D17AC}">
+      <dgm:prSet/>
+      <dgm:spPr/>
+      <dgm:t>
+        <a:bodyPr/>
+        <a:lstStyle/>
+        <a:p>
+          <a:endParaRPr lang="en-US"/>
+        </a:p>
+      </dgm:t>
+    </dgm:pt>
+    <dgm:pt modelId="{6426784A-6863-5241-9DE8-8F1D9F82B2E5}" type="sibTrans" cxnId="{5E5D1CC1-AE32-7341-9849-70EC487D17AC}">
+      <dgm:prSet/>
+      <dgm:spPr/>
+      <dgm:t>
+        <a:bodyPr/>
+        <a:lstStyle/>
+        <a:p>
+          <a:endParaRPr lang="en-US"/>
+        </a:p>
+      </dgm:t>
+    </dgm:pt>
+    <dgm:pt modelId="{2A4EE662-B9BC-7547-8163-8364D938A6B2}">
+      <dgm:prSet/>
+      <dgm:spPr/>
+      <dgm:t>
+        <a:bodyPr/>
+        <a:lstStyle/>
+        <a:p>
+          <a:r>
+            <a:rPr lang="en-US" dirty="0"/>
+            <a:t>Scallop</a:t>
+          </a:r>
+        </a:p>
+      </dgm:t>
+    </dgm:pt>
+    <dgm:pt modelId="{F9FF9888-25F4-D24A-9211-DBB8AF6E0144}" type="parTrans" cxnId="{3B383189-9008-1346-8EFB-E79F581E8DE4}">
+      <dgm:prSet/>
+      <dgm:spPr/>
+      <dgm:t>
+        <a:bodyPr/>
+        <a:lstStyle/>
+        <a:p>
+          <a:endParaRPr lang="en-US"/>
+        </a:p>
+      </dgm:t>
+    </dgm:pt>
+    <dgm:pt modelId="{CCA01BA6-EEB2-9B48-8694-93021D332D56}" type="sibTrans" cxnId="{3B383189-9008-1346-8EFB-E79F581E8DE4}">
+      <dgm:prSet/>
+      <dgm:spPr/>
+      <dgm:t>
+        <a:bodyPr/>
+        <a:lstStyle/>
+        <a:p>
+          <a:endParaRPr lang="en-US"/>
+        </a:p>
+      </dgm:t>
+    </dgm:pt>
+    <dgm:pt modelId="{A7FFA139-EA5B-E648-915D-A82C6F15FAEB}">
+      <dgm:prSet/>
+      <dgm:spPr/>
+      <dgm:t>
+        <a:bodyPr/>
+        <a:lstStyle/>
+        <a:p>
+          <a:r>
+            <a:rPr lang="en-US" dirty="0"/>
+            <a:t>Small-mesh</a:t>
+          </a:r>
+        </a:p>
+      </dgm:t>
+    </dgm:pt>
+    <dgm:pt modelId="{E6844DE7-8212-2C44-B849-EB6AE4918F5C}" type="parTrans" cxnId="{88F7D414-5F3E-8743-8A33-B74B0553248C}">
+      <dgm:prSet/>
+      <dgm:spPr/>
+      <dgm:t>
+        <a:bodyPr/>
+        <a:lstStyle/>
+        <a:p>
+          <a:endParaRPr lang="en-US"/>
+        </a:p>
+      </dgm:t>
+    </dgm:pt>
+    <dgm:pt modelId="{B588E369-1C2B-744C-9AB2-E97EA7B728A2}" type="sibTrans" cxnId="{88F7D414-5F3E-8743-8A33-B74B0553248C}">
+      <dgm:prSet/>
+      <dgm:spPr/>
+      <dgm:t>
+        <a:bodyPr/>
+        <a:lstStyle/>
+        <a:p>
+          <a:endParaRPr lang="en-US"/>
+        </a:p>
+      </dgm:t>
+    </dgm:pt>
+    <dgm:pt modelId="{30DA6232-BD8E-5F4F-A8ED-4ED38864497F}">
+      <dgm:prSet/>
+      <dgm:spPr/>
+      <dgm:t>
+        <a:bodyPr/>
+        <a:lstStyle/>
+        <a:p>
+          <a:r>
+            <a:rPr lang="en-US" dirty="0"/>
+            <a:t>State waters</a:t>
+          </a:r>
+        </a:p>
+      </dgm:t>
+    </dgm:pt>
+    <dgm:pt modelId="{71D92B89-6A5E-E542-8591-4B2F11A97254}" type="parTrans" cxnId="{52EC1DBF-EEFE-4741-89F1-91EB221152DA}">
+      <dgm:prSet/>
+      <dgm:spPr/>
+      <dgm:t>
+        <a:bodyPr/>
+        <a:lstStyle/>
+        <a:p>
+          <a:endParaRPr lang="en-US"/>
+        </a:p>
+      </dgm:t>
+    </dgm:pt>
+    <dgm:pt modelId="{FBDB0781-D2D0-434A-A4BB-47E69FDC321A}" type="sibTrans" cxnId="{52EC1DBF-EEFE-4741-89F1-91EB221152DA}">
+      <dgm:prSet/>
+      <dgm:spPr/>
+      <dgm:t>
+        <a:bodyPr/>
+        <a:lstStyle/>
+        <a:p>
+          <a:endParaRPr lang="en-US"/>
+        </a:p>
+      </dgm:t>
+    </dgm:pt>
+    <dgm:pt modelId="{D71C3EFF-5585-4B49-BAF2-8864DED31D83}">
+      <dgm:prSet/>
+      <dgm:spPr/>
+      <dgm:t>
+        <a:bodyPr/>
+        <a:lstStyle/>
+        <a:p>
+          <a:r>
+            <a:rPr lang="en-US" dirty="0"/>
+            <a:t>Other sub-component</a:t>
+          </a:r>
+        </a:p>
+      </dgm:t>
+    </dgm:pt>
+    <dgm:pt modelId="{4C7B449E-5536-4341-B3FF-E0C1F45A0CAE}" type="parTrans" cxnId="{36E01A31-E288-C74C-8E1B-6030E871A8FF}">
+      <dgm:prSet/>
+      <dgm:spPr/>
+      <dgm:t>
+        <a:bodyPr/>
+        <a:lstStyle/>
+        <a:p>
+          <a:endParaRPr lang="en-US"/>
+        </a:p>
+      </dgm:t>
+    </dgm:pt>
+    <dgm:pt modelId="{61B98C61-0FB9-EC42-AE97-21C0C097425F}" type="sibTrans" cxnId="{36E01A31-E288-C74C-8E1B-6030E871A8FF}">
+      <dgm:prSet/>
+      <dgm:spPr/>
+      <dgm:t>
+        <a:bodyPr/>
+        <a:lstStyle/>
+        <a:p>
+          <a:endParaRPr lang="en-US"/>
+        </a:p>
+      </dgm:t>
+    </dgm:pt>
+    <dgm:pt modelId="{18972EAA-2B0D-7948-96EA-38856287373F}">
+      <dgm:prSet/>
+      <dgm:spPr/>
+      <dgm:t>
+        <a:bodyPr/>
+        <a:lstStyle/>
+        <a:p>
+          <a:r>
+            <a:rPr lang="en-US" dirty="0"/>
+            <a:t>Trimester 1</a:t>
+          </a:r>
+        </a:p>
+      </dgm:t>
+    </dgm:pt>
+    <dgm:pt modelId="{0D7520A2-E15D-C54E-84C4-5E480DE0C43D}" type="parTrans" cxnId="{94B900C6-7AA3-6443-96EC-9AC202D4158C}">
+      <dgm:prSet/>
+      <dgm:spPr/>
+      <dgm:t>
+        <a:bodyPr/>
+        <a:lstStyle/>
+        <a:p>
+          <a:endParaRPr lang="en-US"/>
+        </a:p>
+      </dgm:t>
+    </dgm:pt>
+    <dgm:pt modelId="{0FA4D2B8-6B5C-D441-8065-3E0646FBF080}" type="sibTrans" cxnId="{94B900C6-7AA3-6443-96EC-9AC202D4158C}">
+      <dgm:prSet/>
+      <dgm:spPr/>
+      <dgm:t>
+        <a:bodyPr/>
+        <a:lstStyle/>
+        <a:p>
+          <a:endParaRPr lang="en-US"/>
+        </a:p>
+      </dgm:t>
+    </dgm:pt>
+    <dgm:pt modelId="{2E6B4BCE-860A-8449-B8E5-DBE0F8F63945}">
+      <dgm:prSet/>
+      <dgm:spPr/>
+      <dgm:t>
+        <a:bodyPr/>
+        <a:lstStyle/>
+        <a:p>
+          <a:r>
+            <a:rPr lang="en-US" dirty="0"/>
+            <a:t>Trimester 2</a:t>
+          </a:r>
+        </a:p>
+      </dgm:t>
+    </dgm:pt>
+    <dgm:pt modelId="{89704A14-8E5F-A34A-A3CD-CED1207FB450}" type="parTrans" cxnId="{247284B1-B86E-CC46-AC22-967CF8BE19C6}">
+      <dgm:prSet/>
+      <dgm:spPr/>
+      <dgm:t>
+        <a:bodyPr/>
+        <a:lstStyle/>
+        <a:p>
+          <a:endParaRPr lang="en-US"/>
+        </a:p>
+      </dgm:t>
+    </dgm:pt>
+    <dgm:pt modelId="{E2881B84-3CF8-2F48-AF09-8F9ECB443C2B}" type="sibTrans" cxnId="{247284B1-B86E-CC46-AC22-967CF8BE19C6}">
+      <dgm:prSet/>
+      <dgm:spPr/>
+      <dgm:t>
+        <a:bodyPr/>
+        <a:lstStyle/>
+        <a:p>
+          <a:endParaRPr lang="en-US"/>
+        </a:p>
+      </dgm:t>
+    </dgm:pt>
+    <dgm:pt modelId="{BECB6D06-3BCB-CA4A-A6E6-9A54D7F3FE6A}">
+      <dgm:prSet/>
+      <dgm:spPr/>
+      <dgm:t>
+        <a:bodyPr/>
+        <a:lstStyle/>
+        <a:p>
+          <a:r>
+            <a:rPr lang="en-US" dirty="0"/>
+            <a:t>Trimester 3</a:t>
+          </a:r>
+        </a:p>
+      </dgm:t>
+    </dgm:pt>
+    <dgm:pt modelId="{1AC83564-0235-524A-83D7-648976A6081D}" type="parTrans" cxnId="{DEB0B801-AB2C-F84C-A582-4A099C335962}">
+      <dgm:prSet/>
+      <dgm:spPr/>
+      <dgm:t>
+        <a:bodyPr/>
+        <a:lstStyle/>
+        <a:p>
+          <a:endParaRPr lang="en-US"/>
+        </a:p>
+      </dgm:t>
+    </dgm:pt>
+    <dgm:pt modelId="{72DAE25A-4CDF-3840-BED8-FA7090DD946F}" type="sibTrans" cxnId="{DEB0B801-AB2C-F84C-A582-4A099C335962}">
+      <dgm:prSet/>
+      <dgm:spPr/>
+      <dgm:t>
+        <a:bodyPr/>
+        <a:lstStyle/>
+        <a:p>
+          <a:endParaRPr lang="en-US"/>
+        </a:p>
+      </dgm:t>
+    </dgm:pt>
+    <dgm:pt modelId="{82CCA982-1DB6-0146-802E-9236FA2048C8}" type="pres">
+      <dgm:prSet presAssocID="{8843D19D-CA5D-754E-A7E3-F3D82AF0C613}" presName="hierChild1" presStyleCnt="0">
+        <dgm:presLayoutVars>
+          <dgm:orgChart val="1"/>
+          <dgm:chPref val="1"/>
+          <dgm:dir/>
+          <dgm:animOne val="branch"/>
+          <dgm:animLvl val="lvl"/>
+          <dgm:resizeHandles/>
+        </dgm:presLayoutVars>
+      </dgm:prSet>
+      <dgm:spPr/>
+    </dgm:pt>
+    <dgm:pt modelId="{B2976406-1A78-E34F-BB05-D6917E5DCA3F}" type="pres">
+      <dgm:prSet presAssocID="{9EDB6A98-A9E1-CC4C-AA7D-8B4C1F2388C1}" presName="hierRoot1" presStyleCnt="0">
+        <dgm:presLayoutVars>
+          <dgm:hierBranch/>
+        </dgm:presLayoutVars>
+      </dgm:prSet>
+      <dgm:spPr/>
+    </dgm:pt>
+    <dgm:pt modelId="{586E33AC-0A90-4548-AA21-6F324784FAD4}" type="pres">
+      <dgm:prSet presAssocID="{9EDB6A98-A9E1-CC4C-AA7D-8B4C1F2388C1}" presName="rootComposite1" presStyleCnt="0"/>
+      <dgm:spPr/>
+    </dgm:pt>
+    <dgm:pt modelId="{D16225A5-AC8D-604D-857F-A97DFC74364E}" type="pres">
+      <dgm:prSet presAssocID="{9EDB6A98-A9E1-CC4C-AA7D-8B4C1F2388C1}" presName="rootText1" presStyleLbl="node0" presStyleIdx="0" presStyleCnt="1">
+        <dgm:presLayoutVars>
+          <dgm:chPref val="3"/>
+        </dgm:presLayoutVars>
+      </dgm:prSet>
+      <dgm:spPr/>
+    </dgm:pt>
+    <dgm:pt modelId="{E4526696-D729-304F-8B91-A3A0395B577B}" type="pres">
+      <dgm:prSet presAssocID="{9EDB6A98-A9E1-CC4C-AA7D-8B4C1F2388C1}" presName="rootConnector1" presStyleLbl="node1" presStyleIdx="0" presStyleCnt="0"/>
+      <dgm:spPr/>
+    </dgm:pt>
+    <dgm:pt modelId="{6C5B700F-649D-9041-BE03-6C028CF18396}" type="pres">
+      <dgm:prSet presAssocID="{9EDB6A98-A9E1-CC4C-AA7D-8B4C1F2388C1}" presName="hierChild2" presStyleCnt="0"/>
+      <dgm:spPr/>
+    </dgm:pt>
+    <dgm:pt modelId="{08961B0F-7A0B-8A47-874D-5E98F02B22E9}" type="pres">
+      <dgm:prSet presAssocID="{AC845045-5514-064F-B7DB-FDF80C14E149}" presName="Name35" presStyleLbl="parChTrans1D2" presStyleIdx="0" presStyleCnt="2"/>
+      <dgm:spPr/>
+    </dgm:pt>
+    <dgm:pt modelId="{147DD188-F81D-D343-9B9D-E42A1C488543}" type="pres">
+      <dgm:prSet presAssocID="{63B14DC6-B726-684F-B9A6-D67CF660FB5E}" presName="hierRoot2" presStyleCnt="0">
+        <dgm:presLayoutVars>
+          <dgm:hierBranch val="init"/>
+        </dgm:presLayoutVars>
+      </dgm:prSet>
+      <dgm:spPr/>
+    </dgm:pt>
+    <dgm:pt modelId="{8C84C442-E264-8E41-9047-3C118A8448ED}" type="pres">
+      <dgm:prSet presAssocID="{63B14DC6-B726-684F-B9A6-D67CF660FB5E}" presName="rootComposite" presStyleCnt="0"/>
+      <dgm:spPr/>
+    </dgm:pt>
+    <dgm:pt modelId="{AFFBEF4C-20C3-A24B-95EA-8561507803E4}" type="pres">
+      <dgm:prSet presAssocID="{63B14DC6-B726-684F-B9A6-D67CF660FB5E}" presName="rootText" presStyleLbl="node2" presStyleIdx="0" presStyleCnt="2">
+        <dgm:presLayoutVars>
+          <dgm:chPref val="3"/>
+        </dgm:presLayoutVars>
+      </dgm:prSet>
+      <dgm:spPr/>
+    </dgm:pt>
+    <dgm:pt modelId="{FD5F2C9D-1690-2C47-8018-2526D6C88B11}" type="pres">
+      <dgm:prSet presAssocID="{63B14DC6-B726-684F-B9A6-D67CF660FB5E}" presName="rootConnector" presStyleLbl="node2" presStyleIdx="0" presStyleCnt="2"/>
+      <dgm:spPr/>
+    </dgm:pt>
+    <dgm:pt modelId="{9B6EE540-0AD9-E642-8BB7-103C84E792A5}" type="pres">
+      <dgm:prSet presAssocID="{63B14DC6-B726-684F-B9A6-D67CF660FB5E}" presName="hierChild4" presStyleCnt="0"/>
+      <dgm:spPr/>
+    </dgm:pt>
+    <dgm:pt modelId="{928B618B-D58F-D543-925B-53FB5DCB9BCA}" type="pres">
+      <dgm:prSet presAssocID="{63B14DC6-B726-684F-B9A6-D67CF660FB5E}" presName="hierChild5" presStyleCnt="0"/>
+      <dgm:spPr/>
+    </dgm:pt>
+    <dgm:pt modelId="{81597DCE-A2CE-8E41-8610-25EED82ECA7A}" type="pres">
+      <dgm:prSet presAssocID="{040A7765-82AB-7041-AB24-FE44F95F0233}" presName="Name35" presStyleLbl="parChTrans1D2" presStyleIdx="1" presStyleCnt="2"/>
+      <dgm:spPr/>
+    </dgm:pt>
+    <dgm:pt modelId="{D933EB67-B5BF-F041-95F7-70641803076E}" type="pres">
+      <dgm:prSet presAssocID="{EC87CEA7-C335-C249-A4D9-C315C3363DC6}" presName="hierRoot2" presStyleCnt="0">
+        <dgm:presLayoutVars>
+          <dgm:hierBranch val="init"/>
+        </dgm:presLayoutVars>
+      </dgm:prSet>
+      <dgm:spPr/>
+    </dgm:pt>
+    <dgm:pt modelId="{14AB5EDE-A25F-D349-A298-1CA0247857A0}" type="pres">
+      <dgm:prSet presAssocID="{EC87CEA7-C335-C249-A4D9-C315C3363DC6}" presName="rootComposite" presStyleCnt="0"/>
+      <dgm:spPr/>
+    </dgm:pt>
+    <dgm:pt modelId="{8C9A0B79-F0E3-2749-96B0-A5875CBFAA27}" type="pres">
+      <dgm:prSet presAssocID="{EC87CEA7-C335-C249-A4D9-C315C3363DC6}" presName="rootText" presStyleLbl="node2" presStyleIdx="1" presStyleCnt="2">
+        <dgm:presLayoutVars>
+          <dgm:chPref val="3"/>
+        </dgm:presLayoutVars>
+      </dgm:prSet>
+      <dgm:spPr/>
+    </dgm:pt>
+    <dgm:pt modelId="{402EDAC4-3A42-3A41-8B9F-41D3449004AF}" type="pres">
+      <dgm:prSet presAssocID="{EC87CEA7-C335-C249-A4D9-C315C3363DC6}" presName="rootConnector" presStyleLbl="node2" presStyleIdx="1" presStyleCnt="2"/>
+      <dgm:spPr/>
+    </dgm:pt>
+    <dgm:pt modelId="{79B1684E-4739-CB4E-AB31-06E4E2971AEA}" type="pres">
+      <dgm:prSet presAssocID="{EC87CEA7-C335-C249-A4D9-C315C3363DC6}" presName="hierChild4" presStyleCnt="0"/>
+      <dgm:spPr/>
+    </dgm:pt>
+    <dgm:pt modelId="{C09707D4-B620-4847-BC5D-565DAE8F8A8E}" type="pres">
+      <dgm:prSet presAssocID="{C003559A-72E6-0749-BDE3-BF889B412637}" presName="Name37" presStyleLbl="parChTrans1D3" presStyleIdx="0" presStyleCnt="2"/>
+      <dgm:spPr/>
+    </dgm:pt>
+    <dgm:pt modelId="{FC994287-6423-414D-8B6F-E735EF4A424D}" type="pres">
+      <dgm:prSet presAssocID="{2FE9FC5E-B981-7E4D-AC92-D9EC6C36EDBC}" presName="hierRoot2" presStyleCnt="0">
+        <dgm:presLayoutVars>
+          <dgm:hierBranch val="init"/>
+        </dgm:presLayoutVars>
+      </dgm:prSet>
+      <dgm:spPr/>
+    </dgm:pt>
+    <dgm:pt modelId="{F2996065-351F-A74D-A9DA-947B66984552}" type="pres">
+      <dgm:prSet presAssocID="{2FE9FC5E-B981-7E4D-AC92-D9EC6C36EDBC}" presName="rootComposite" presStyleCnt="0"/>
+      <dgm:spPr/>
+    </dgm:pt>
+    <dgm:pt modelId="{AD66414D-5913-8141-80C0-4FB3C7BAF0CE}" type="pres">
+      <dgm:prSet presAssocID="{2FE9FC5E-B981-7E4D-AC92-D9EC6C36EDBC}" presName="rootText" presStyleLbl="node3" presStyleIdx="0" presStyleCnt="2">
+        <dgm:presLayoutVars>
+          <dgm:chPref val="3"/>
+        </dgm:presLayoutVars>
+      </dgm:prSet>
+      <dgm:spPr/>
+    </dgm:pt>
+    <dgm:pt modelId="{C75AD5A6-D0B5-684D-AB5F-D8530F598897}" type="pres">
+      <dgm:prSet presAssocID="{2FE9FC5E-B981-7E4D-AC92-D9EC6C36EDBC}" presName="rootConnector" presStyleLbl="node3" presStyleIdx="0" presStyleCnt="2"/>
+      <dgm:spPr/>
+    </dgm:pt>
+    <dgm:pt modelId="{0320552A-0030-7641-9D3B-29CC26196C50}" type="pres">
+      <dgm:prSet presAssocID="{2FE9FC5E-B981-7E4D-AC92-D9EC6C36EDBC}" presName="hierChild4" presStyleCnt="0"/>
+      <dgm:spPr/>
+    </dgm:pt>
+    <dgm:pt modelId="{C5FB34AA-1850-7C43-8D49-7F6B278CC5F6}" type="pres">
+      <dgm:prSet presAssocID="{E556DC90-8D75-2441-B3C4-349E1945C094}" presName="Name37" presStyleLbl="parChTrans1D4" presStyleIdx="0" presStyleCnt="12"/>
+      <dgm:spPr/>
+    </dgm:pt>
+    <dgm:pt modelId="{74CB3E5E-3022-5649-A665-B5A80D2945B5}" type="pres">
+      <dgm:prSet presAssocID="{605C8F1E-DA6C-9143-9DD0-D414112D9258}" presName="hierRoot2" presStyleCnt="0">
+        <dgm:presLayoutVars>
+          <dgm:hierBranch val="init"/>
+        </dgm:presLayoutVars>
+      </dgm:prSet>
+      <dgm:spPr/>
+    </dgm:pt>
+    <dgm:pt modelId="{3C6E957E-87C9-8646-A70F-CA2A3BED58BA}" type="pres">
+      <dgm:prSet presAssocID="{605C8F1E-DA6C-9143-9DD0-D414112D9258}" presName="rootComposite" presStyleCnt="0"/>
+      <dgm:spPr/>
+    </dgm:pt>
+    <dgm:pt modelId="{CDAF039D-B252-E84D-BCED-23FE943C1D4B}" type="pres">
+      <dgm:prSet presAssocID="{605C8F1E-DA6C-9143-9DD0-D414112D9258}" presName="rootText" presStyleLbl="node4" presStyleIdx="0" presStyleCnt="12" custLinFactX="21055" custLinFactNeighborX="100000" custLinFactNeighborY="11058">
+        <dgm:presLayoutVars>
+          <dgm:chPref val="3"/>
+        </dgm:presLayoutVars>
+      </dgm:prSet>
+      <dgm:spPr/>
+    </dgm:pt>
+    <dgm:pt modelId="{E622597F-3EBC-624E-AD54-29516F95543F}" type="pres">
+      <dgm:prSet presAssocID="{605C8F1E-DA6C-9143-9DD0-D414112D9258}" presName="rootConnector" presStyleLbl="node4" presStyleIdx="0" presStyleCnt="12"/>
+      <dgm:spPr/>
+    </dgm:pt>
+    <dgm:pt modelId="{670B0A5F-7EAE-A64F-816A-2902B5B8732C}" type="pres">
+      <dgm:prSet presAssocID="{605C8F1E-DA6C-9143-9DD0-D414112D9258}" presName="hierChild4" presStyleCnt="0"/>
+      <dgm:spPr/>
+    </dgm:pt>
+    <dgm:pt modelId="{279EFA41-E23F-B34D-B886-A99342BB7C14}" type="pres">
+      <dgm:prSet presAssocID="{605C8F1E-DA6C-9143-9DD0-D414112D9258}" presName="hierChild5" presStyleCnt="0"/>
+      <dgm:spPr/>
+    </dgm:pt>
+    <dgm:pt modelId="{2113F9D9-D20E-9342-97C0-8D556822BB79}" type="pres">
+      <dgm:prSet presAssocID="{C44A9499-0E71-974A-AB01-5AC883932C74}" presName="Name37" presStyleLbl="parChTrans1D4" presStyleIdx="1" presStyleCnt="12"/>
+      <dgm:spPr/>
+    </dgm:pt>
+    <dgm:pt modelId="{E96F9590-96E3-A845-BDEC-DD270C570B9C}" type="pres">
+      <dgm:prSet presAssocID="{79614999-89A6-704D-B3C2-F1EA7D8B95D5}" presName="hierRoot2" presStyleCnt="0">
+        <dgm:presLayoutVars>
+          <dgm:hierBranch val="init"/>
+        </dgm:presLayoutVars>
+      </dgm:prSet>
+      <dgm:spPr/>
+    </dgm:pt>
+    <dgm:pt modelId="{83D1293F-6ED6-5343-97A8-C2F8F20EE16B}" type="pres">
+      <dgm:prSet presAssocID="{79614999-89A6-704D-B3C2-F1EA7D8B95D5}" presName="rootComposite" presStyleCnt="0"/>
+      <dgm:spPr/>
+    </dgm:pt>
+    <dgm:pt modelId="{6DECA8F8-812B-784B-AE35-3184CBAA7F1B}" type="pres">
+      <dgm:prSet presAssocID="{79614999-89A6-704D-B3C2-F1EA7D8B95D5}" presName="rootText" presStyleLbl="node4" presStyleIdx="1" presStyleCnt="12" custLinFactX="-21100" custLinFactNeighborX="-100000" custLinFactNeighborY="11058">
+        <dgm:presLayoutVars>
+          <dgm:chPref val="3"/>
+        </dgm:presLayoutVars>
+      </dgm:prSet>
+      <dgm:spPr/>
+    </dgm:pt>
+    <dgm:pt modelId="{847129E5-67F8-3F4B-ABFD-BF677EAD96CE}" type="pres">
+      <dgm:prSet presAssocID="{79614999-89A6-704D-B3C2-F1EA7D8B95D5}" presName="rootConnector" presStyleLbl="node4" presStyleIdx="1" presStyleCnt="12"/>
+      <dgm:spPr/>
+    </dgm:pt>
+    <dgm:pt modelId="{DD4A08F9-7291-C94D-9E80-89FAAA6A1BB0}" type="pres">
+      <dgm:prSet presAssocID="{79614999-89A6-704D-B3C2-F1EA7D8B95D5}" presName="hierChild4" presStyleCnt="0"/>
+      <dgm:spPr/>
+    </dgm:pt>
+    <dgm:pt modelId="{7ACE4531-6AE8-B34E-9C1D-CD7C1B494F83}" type="pres">
+      <dgm:prSet presAssocID="{AA12967A-F772-9A4F-A2E7-1989A4D64F03}" presName="Name37" presStyleLbl="parChTrans1D4" presStyleIdx="2" presStyleCnt="12"/>
+      <dgm:spPr/>
+    </dgm:pt>
+    <dgm:pt modelId="{0389FB87-8421-8E41-94AF-C525B1FF9663}" type="pres">
+      <dgm:prSet presAssocID="{AB095B2A-9058-5A41-B870-FC96D7129BC9}" presName="hierRoot2" presStyleCnt="0">
+        <dgm:presLayoutVars>
+          <dgm:hierBranch val="init"/>
+        </dgm:presLayoutVars>
+      </dgm:prSet>
+      <dgm:spPr/>
+    </dgm:pt>
+    <dgm:pt modelId="{A19851A7-648D-804F-96AE-6772B2B729FB}" type="pres">
+      <dgm:prSet presAssocID="{AB095B2A-9058-5A41-B870-FC96D7129BC9}" presName="rootComposite" presStyleCnt="0"/>
+      <dgm:spPr/>
+    </dgm:pt>
+    <dgm:pt modelId="{C0D54584-6380-714F-AA60-29F3A487BA45}" type="pres">
+      <dgm:prSet presAssocID="{AB095B2A-9058-5A41-B870-FC96D7129BC9}" presName="rootText" presStyleLbl="node4" presStyleIdx="2" presStyleCnt="12" custLinFactNeighborX="-5877" custLinFactNeighborY="82408">
+        <dgm:presLayoutVars>
+          <dgm:chPref val="3"/>
+        </dgm:presLayoutVars>
+      </dgm:prSet>
+      <dgm:spPr/>
+    </dgm:pt>
+    <dgm:pt modelId="{9D7F4D28-B053-A442-A348-01FD5B2B5F08}" type="pres">
+      <dgm:prSet presAssocID="{AB095B2A-9058-5A41-B870-FC96D7129BC9}" presName="rootConnector" presStyleLbl="node4" presStyleIdx="2" presStyleCnt="12"/>
+      <dgm:spPr/>
+    </dgm:pt>
+    <dgm:pt modelId="{F7CDAB75-6E3A-B947-9DCB-9681316510D2}" type="pres">
+      <dgm:prSet presAssocID="{AB095B2A-9058-5A41-B870-FC96D7129BC9}" presName="hierChild4" presStyleCnt="0"/>
+      <dgm:spPr/>
+    </dgm:pt>
+    <dgm:pt modelId="{EF1530F8-61CD-5A47-890C-61BFEB1413A3}" type="pres">
+      <dgm:prSet presAssocID="{AB095B2A-9058-5A41-B870-FC96D7129BC9}" presName="hierChild5" presStyleCnt="0"/>
+      <dgm:spPr/>
+    </dgm:pt>
+    <dgm:pt modelId="{73235BC4-4C36-5C4D-B2E3-B8FC51498EBE}" type="pres">
+      <dgm:prSet presAssocID="{93AE3849-A2CD-8046-A795-444A44946F8C}" presName="Name37" presStyleLbl="parChTrans1D4" presStyleIdx="3" presStyleCnt="12"/>
+      <dgm:spPr/>
+    </dgm:pt>
+    <dgm:pt modelId="{989D0B30-BEE5-DC44-A393-9373997F2DBE}" type="pres">
+      <dgm:prSet presAssocID="{2CCDBE2D-CD40-D24F-A692-FE83BC737376}" presName="hierRoot2" presStyleCnt="0">
+        <dgm:presLayoutVars>
+          <dgm:hierBranch val="init"/>
+        </dgm:presLayoutVars>
+      </dgm:prSet>
+      <dgm:spPr/>
+    </dgm:pt>
+    <dgm:pt modelId="{D64D93A6-60A8-AE41-914B-616E8C001FC8}" type="pres">
+      <dgm:prSet presAssocID="{2CCDBE2D-CD40-D24F-A692-FE83BC737376}" presName="rootComposite" presStyleCnt="0"/>
+      <dgm:spPr/>
+    </dgm:pt>
+    <dgm:pt modelId="{15104183-150F-E043-AA68-16E356119BBD}" type="pres">
+      <dgm:prSet presAssocID="{2CCDBE2D-CD40-D24F-A692-FE83BC737376}" presName="rootText" presStyleLbl="node4" presStyleIdx="3" presStyleCnt="12" custLinFactX="-100000" custLinFactNeighborX="-148804" custLinFactNeighborY="81944">
+        <dgm:presLayoutVars>
+          <dgm:chPref val="3"/>
+        </dgm:presLayoutVars>
+      </dgm:prSet>
+      <dgm:spPr/>
+    </dgm:pt>
+    <dgm:pt modelId="{3B3C0869-08D5-3E47-8C46-157936E143D7}" type="pres">
+      <dgm:prSet presAssocID="{2CCDBE2D-CD40-D24F-A692-FE83BC737376}" presName="rootConnector" presStyleLbl="node4" presStyleIdx="3" presStyleCnt="12"/>
+      <dgm:spPr/>
+    </dgm:pt>
+    <dgm:pt modelId="{11D6F82A-7ED8-CB4C-A4DB-F60DB0437A43}" type="pres">
+      <dgm:prSet presAssocID="{2CCDBE2D-CD40-D24F-A692-FE83BC737376}" presName="hierChild4" presStyleCnt="0"/>
+      <dgm:spPr/>
+    </dgm:pt>
+    <dgm:pt modelId="{1D06E6BC-90BC-3C4F-8E5F-CD3961316B04}" type="pres">
+      <dgm:prSet presAssocID="{0D7520A2-E15D-C54E-84C4-5E480DE0C43D}" presName="Name37" presStyleLbl="parChTrans1D4" presStyleIdx="4" presStyleCnt="12"/>
+      <dgm:spPr/>
+    </dgm:pt>
+    <dgm:pt modelId="{B6CF37C9-49D9-8649-9D26-BE01B1EA3A6F}" type="pres">
+      <dgm:prSet presAssocID="{18972EAA-2B0D-7948-96EA-38856287373F}" presName="hierRoot2" presStyleCnt="0">
+        <dgm:presLayoutVars>
+          <dgm:hierBranch val="init"/>
+        </dgm:presLayoutVars>
+      </dgm:prSet>
+      <dgm:spPr/>
+    </dgm:pt>
+    <dgm:pt modelId="{01FD91A1-77CD-EC42-A9C1-DCBA1C9CF0FA}" type="pres">
+      <dgm:prSet presAssocID="{18972EAA-2B0D-7948-96EA-38856287373F}" presName="rootComposite" presStyleCnt="0"/>
+      <dgm:spPr/>
+    </dgm:pt>
+    <dgm:pt modelId="{8070880A-6D9D-3E45-BBA5-857722588F19}" type="pres">
+      <dgm:prSet presAssocID="{18972EAA-2B0D-7948-96EA-38856287373F}" presName="rootText" presStyleLbl="node4" presStyleIdx="4" presStyleCnt="12" custLinFactX="-198285" custLinFactNeighborX="-200000" custLinFactNeighborY="63386">
+        <dgm:presLayoutVars>
+          <dgm:chPref val="3"/>
+        </dgm:presLayoutVars>
+      </dgm:prSet>
+      <dgm:spPr/>
+    </dgm:pt>
+    <dgm:pt modelId="{87189835-0967-8044-A641-DF494EDED7FD}" type="pres">
+      <dgm:prSet presAssocID="{18972EAA-2B0D-7948-96EA-38856287373F}" presName="rootConnector" presStyleLbl="node4" presStyleIdx="4" presStyleCnt="12"/>
+      <dgm:spPr/>
+    </dgm:pt>
+    <dgm:pt modelId="{670BD775-5E96-2040-AB67-45AFD6D52133}" type="pres">
+      <dgm:prSet presAssocID="{18972EAA-2B0D-7948-96EA-38856287373F}" presName="hierChild4" presStyleCnt="0"/>
+      <dgm:spPr/>
+    </dgm:pt>
+    <dgm:pt modelId="{7A2021B6-E5D2-C743-9D15-423C7B6516AB}" type="pres">
+      <dgm:prSet presAssocID="{18972EAA-2B0D-7948-96EA-38856287373F}" presName="hierChild5" presStyleCnt="0"/>
+      <dgm:spPr/>
+    </dgm:pt>
+    <dgm:pt modelId="{6CD4CCA3-ADBD-DA47-BDCB-B2C4609F041A}" type="pres">
+      <dgm:prSet presAssocID="{89704A14-8E5F-A34A-A3CD-CED1207FB450}" presName="Name37" presStyleLbl="parChTrans1D4" presStyleIdx="5" presStyleCnt="12"/>
+      <dgm:spPr/>
+    </dgm:pt>
+    <dgm:pt modelId="{517B9393-14E4-064D-A2A3-CB0F0F7E0437}" type="pres">
+      <dgm:prSet presAssocID="{2E6B4BCE-860A-8449-B8E5-DBE0F8F63945}" presName="hierRoot2" presStyleCnt="0">
+        <dgm:presLayoutVars>
+          <dgm:hierBranch val="init"/>
+        </dgm:presLayoutVars>
+      </dgm:prSet>
+      <dgm:spPr/>
+    </dgm:pt>
+    <dgm:pt modelId="{124AD52B-5E42-C84E-A341-BCC4B1D9EF6A}" type="pres">
+      <dgm:prSet presAssocID="{2E6B4BCE-860A-8449-B8E5-DBE0F8F63945}" presName="rootComposite" presStyleCnt="0"/>
+      <dgm:spPr/>
+    </dgm:pt>
+    <dgm:pt modelId="{7E75A885-90A3-2F4E-871B-4C65946DDE1A}" type="pres">
+      <dgm:prSet presAssocID="{2E6B4BCE-860A-8449-B8E5-DBE0F8F63945}" presName="rootText" presStyleLbl="node4" presStyleIdx="5" presStyleCnt="12" custLinFactX="-100000" custLinFactNeighborX="-137001" custLinFactNeighborY="866">
+        <dgm:presLayoutVars>
+          <dgm:chPref val="3"/>
+        </dgm:presLayoutVars>
+      </dgm:prSet>
+      <dgm:spPr/>
+    </dgm:pt>
+    <dgm:pt modelId="{51C085B7-6160-BF42-9AC9-8AFAF050F94D}" type="pres">
+      <dgm:prSet presAssocID="{2E6B4BCE-860A-8449-B8E5-DBE0F8F63945}" presName="rootConnector" presStyleLbl="node4" presStyleIdx="5" presStyleCnt="12"/>
+      <dgm:spPr/>
+    </dgm:pt>
+    <dgm:pt modelId="{DE16C8EC-ABD7-3C4A-9231-76BB951A8DFF}" type="pres">
+      <dgm:prSet presAssocID="{2E6B4BCE-860A-8449-B8E5-DBE0F8F63945}" presName="hierChild4" presStyleCnt="0"/>
+      <dgm:spPr/>
+    </dgm:pt>
+    <dgm:pt modelId="{507A89A8-43AA-CF4B-8D65-7411DF9F596A}" type="pres">
+      <dgm:prSet presAssocID="{2E6B4BCE-860A-8449-B8E5-DBE0F8F63945}" presName="hierChild5" presStyleCnt="0"/>
+      <dgm:spPr/>
+    </dgm:pt>
+    <dgm:pt modelId="{CB42EF46-0B58-914A-BA03-E1340278B5F7}" type="pres">
+      <dgm:prSet presAssocID="{1AC83564-0235-524A-83D7-648976A6081D}" presName="Name37" presStyleLbl="parChTrans1D4" presStyleIdx="6" presStyleCnt="12"/>
+      <dgm:spPr/>
+    </dgm:pt>
+    <dgm:pt modelId="{438DA038-97C9-7C46-BDCA-2F7FD586B32E}" type="pres">
+      <dgm:prSet presAssocID="{BECB6D06-3BCB-CA4A-A6E6-9A54D7F3FE6A}" presName="hierRoot2" presStyleCnt="0">
+        <dgm:presLayoutVars>
+          <dgm:hierBranch val="init"/>
+        </dgm:presLayoutVars>
+      </dgm:prSet>
+      <dgm:spPr/>
+    </dgm:pt>
+    <dgm:pt modelId="{05518DDD-02BA-D241-97CF-B19827BFEA58}" type="pres">
+      <dgm:prSet presAssocID="{BECB6D06-3BCB-CA4A-A6E6-9A54D7F3FE6A}" presName="rootComposite" presStyleCnt="0"/>
+      <dgm:spPr/>
+    </dgm:pt>
+    <dgm:pt modelId="{758C4E8E-D5A9-C842-A8AD-147A5CCD7FC5}" type="pres">
+      <dgm:prSet presAssocID="{BECB6D06-3BCB-CA4A-A6E6-9A54D7F3FE6A}" presName="rootText" presStyleLbl="node4" presStyleIdx="6" presStyleCnt="12" custLinFactX="-198284" custLinFactNeighborX="-200000" custLinFactNeighborY="-52815">
+        <dgm:presLayoutVars>
+          <dgm:chPref val="3"/>
+        </dgm:presLayoutVars>
+      </dgm:prSet>
+      <dgm:spPr/>
+    </dgm:pt>
+    <dgm:pt modelId="{E5DDF00B-8072-A24E-966D-A191534B7861}" type="pres">
+      <dgm:prSet presAssocID="{BECB6D06-3BCB-CA4A-A6E6-9A54D7F3FE6A}" presName="rootConnector" presStyleLbl="node4" presStyleIdx="6" presStyleCnt="12"/>
+      <dgm:spPr/>
+    </dgm:pt>
+    <dgm:pt modelId="{AF889728-0E8C-1141-875A-81B66A5FF213}" type="pres">
+      <dgm:prSet presAssocID="{BECB6D06-3BCB-CA4A-A6E6-9A54D7F3FE6A}" presName="hierChild4" presStyleCnt="0"/>
+      <dgm:spPr/>
+    </dgm:pt>
+    <dgm:pt modelId="{5A02502F-7D60-0E40-8220-5D0AAFD036EE}" type="pres">
+      <dgm:prSet presAssocID="{BECB6D06-3BCB-CA4A-A6E6-9A54D7F3FE6A}" presName="hierChild5" presStyleCnt="0"/>
+      <dgm:spPr/>
+    </dgm:pt>
+    <dgm:pt modelId="{05DCE06A-5FB5-334E-A7EE-35785F1548BC}" type="pres">
+      <dgm:prSet presAssocID="{2CCDBE2D-CD40-D24F-A692-FE83BC737376}" presName="hierChild5" presStyleCnt="0"/>
+      <dgm:spPr/>
+    </dgm:pt>
+    <dgm:pt modelId="{8AD460FA-00F9-F948-95D8-72227144F42E}" type="pres">
+      <dgm:prSet presAssocID="{79614999-89A6-704D-B3C2-F1EA7D8B95D5}" presName="hierChild5" presStyleCnt="0"/>
+      <dgm:spPr/>
+    </dgm:pt>
+    <dgm:pt modelId="{95EF57AA-C6E2-B74F-BB25-D4A1338ECE49}" type="pres">
+      <dgm:prSet presAssocID="{2FE9FC5E-B981-7E4D-AC92-D9EC6C36EDBC}" presName="hierChild5" presStyleCnt="0"/>
+      <dgm:spPr/>
+    </dgm:pt>
+    <dgm:pt modelId="{C3A94117-F689-C948-8150-BA2468B3B468}" type="pres">
+      <dgm:prSet presAssocID="{FC408433-B96C-AC4C-BE7A-38126ADC3D40}" presName="Name37" presStyleLbl="parChTrans1D3" presStyleIdx="1" presStyleCnt="2"/>
+      <dgm:spPr/>
+    </dgm:pt>
+    <dgm:pt modelId="{0F4ADD66-8B67-DE41-A040-7E1966FA625A}" type="pres">
+      <dgm:prSet presAssocID="{6F89CAE9-1F70-EA4D-84D9-D54DF2193B39}" presName="hierRoot2" presStyleCnt="0">
+        <dgm:presLayoutVars>
+          <dgm:hierBranch val="init"/>
+        </dgm:presLayoutVars>
+      </dgm:prSet>
+      <dgm:spPr/>
+    </dgm:pt>
+    <dgm:pt modelId="{2F4C40CD-AAB2-A849-B2C8-353925174737}" type="pres">
+      <dgm:prSet presAssocID="{6F89CAE9-1F70-EA4D-84D9-D54DF2193B39}" presName="rootComposite" presStyleCnt="0"/>
+      <dgm:spPr/>
+    </dgm:pt>
+    <dgm:pt modelId="{C97AE745-CC77-1F47-B480-5D52ACC033D5}" type="pres">
+      <dgm:prSet presAssocID="{6F89CAE9-1F70-EA4D-84D9-D54DF2193B39}" presName="rootText" presStyleLbl="node3" presStyleIdx="1" presStyleCnt="2">
+        <dgm:presLayoutVars>
+          <dgm:chPref val="3"/>
+        </dgm:presLayoutVars>
+      </dgm:prSet>
+      <dgm:spPr/>
+    </dgm:pt>
+    <dgm:pt modelId="{B1C82148-B214-6748-AC9F-7A6509A56F5E}" type="pres">
+      <dgm:prSet presAssocID="{6F89CAE9-1F70-EA4D-84D9-D54DF2193B39}" presName="rootConnector" presStyleLbl="node3" presStyleIdx="1" presStyleCnt="2"/>
+      <dgm:spPr/>
+    </dgm:pt>
+    <dgm:pt modelId="{8DD93B25-D891-C645-8839-25EF2CE402ED}" type="pres">
+      <dgm:prSet presAssocID="{6F89CAE9-1F70-EA4D-84D9-D54DF2193B39}" presName="hierChild4" presStyleCnt="0"/>
+      <dgm:spPr/>
+    </dgm:pt>
+    <dgm:pt modelId="{B0DFBA58-285D-1D49-9D33-7C487279F8B2}" type="pres">
+      <dgm:prSet presAssocID="{B856E607-E32D-BF42-A4E4-48BD99633DB9}" presName="Name37" presStyleLbl="parChTrans1D4" presStyleIdx="7" presStyleCnt="12"/>
+      <dgm:spPr/>
+    </dgm:pt>
+    <dgm:pt modelId="{4CC16E5D-DD5E-404F-8D18-F0F0AEF70D09}" type="pres">
+      <dgm:prSet presAssocID="{B5176AD0-F8A2-DA46-B1FA-4527B63DC371}" presName="hierRoot2" presStyleCnt="0">
+        <dgm:presLayoutVars>
+          <dgm:hierBranch val="init"/>
+        </dgm:presLayoutVars>
+      </dgm:prSet>
+      <dgm:spPr/>
+    </dgm:pt>
+    <dgm:pt modelId="{57ABA32F-162F-D145-809A-3818679D14A2}" type="pres">
+      <dgm:prSet presAssocID="{B5176AD0-F8A2-DA46-B1FA-4527B63DC371}" presName="rootComposite" presStyleCnt="0"/>
+      <dgm:spPr/>
+    </dgm:pt>
+    <dgm:pt modelId="{CAA7EF78-4902-E245-8C22-2198A88A5FFF}" type="pres">
+      <dgm:prSet presAssocID="{B5176AD0-F8A2-DA46-B1FA-4527B63DC371}" presName="rootText" presStyleLbl="node4" presStyleIdx="7" presStyleCnt="12">
+        <dgm:presLayoutVars>
+          <dgm:chPref val="3"/>
+        </dgm:presLayoutVars>
+      </dgm:prSet>
+      <dgm:spPr/>
+    </dgm:pt>
+    <dgm:pt modelId="{ECFBCE6C-78B3-A947-B861-402EAB14070E}" type="pres">
+      <dgm:prSet presAssocID="{B5176AD0-F8A2-DA46-B1FA-4527B63DC371}" presName="rootConnector" presStyleLbl="node4" presStyleIdx="7" presStyleCnt="12"/>
+      <dgm:spPr/>
+    </dgm:pt>
+    <dgm:pt modelId="{7A7F3B2F-5881-C246-A71B-76FABFC0B005}" type="pres">
+      <dgm:prSet presAssocID="{B5176AD0-F8A2-DA46-B1FA-4527B63DC371}" presName="hierChild4" presStyleCnt="0"/>
+      <dgm:spPr/>
+    </dgm:pt>
+    <dgm:pt modelId="{EF3ACCA5-8CAA-9D4B-9C92-52E791BB3A06}" type="pres">
+      <dgm:prSet presAssocID="{B5176AD0-F8A2-DA46-B1FA-4527B63DC371}" presName="hierChild5" presStyleCnt="0"/>
+      <dgm:spPr/>
+    </dgm:pt>
+    <dgm:pt modelId="{B47AB7B8-6B72-C449-BF2A-7837270302BB}" type="pres">
+      <dgm:prSet presAssocID="{F9FF9888-25F4-D24A-9211-DBB8AF6E0144}" presName="Name37" presStyleLbl="parChTrans1D4" presStyleIdx="8" presStyleCnt="12"/>
+      <dgm:spPr/>
+    </dgm:pt>
+    <dgm:pt modelId="{8829B229-91C6-284A-A193-80A3F80970C6}" type="pres">
+      <dgm:prSet presAssocID="{2A4EE662-B9BC-7547-8163-8364D938A6B2}" presName="hierRoot2" presStyleCnt="0">
+        <dgm:presLayoutVars>
+          <dgm:hierBranch val="init"/>
+        </dgm:presLayoutVars>
+      </dgm:prSet>
+      <dgm:spPr/>
+    </dgm:pt>
+    <dgm:pt modelId="{2D90C8B9-77C2-504F-828D-22152A316E6F}" type="pres">
+      <dgm:prSet presAssocID="{2A4EE662-B9BC-7547-8163-8364D938A6B2}" presName="rootComposite" presStyleCnt="0"/>
+      <dgm:spPr/>
+    </dgm:pt>
+    <dgm:pt modelId="{8FDD0EE8-1D2D-2A4F-9C58-B79EC28712EF}" type="pres">
+      <dgm:prSet presAssocID="{2A4EE662-B9BC-7547-8163-8364D938A6B2}" presName="rootText" presStyleLbl="node4" presStyleIdx="8" presStyleCnt="12">
+        <dgm:presLayoutVars>
+          <dgm:chPref val="3"/>
+        </dgm:presLayoutVars>
+      </dgm:prSet>
+      <dgm:spPr/>
+    </dgm:pt>
+    <dgm:pt modelId="{126BB115-96D0-2748-8C7B-3A504BC4DAD2}" type="pres">
+      <dgm:prSet presAssocID="{2A4EE662-B9BC-7547-8163-8364D938A6B2}" presName="rootConnector" presStyleLbl="node4" presStyleIdx="8" presStyleCnt="12"/>
+      <dgm:spPr/>
+    </dgm:pt>
+    <dgm:pt modelId="{BE44AA79-4542-9F40-8DA0-6406DA7955E8}" type="pres">
+      <dgm:prSet presAssocID="{2A4EE662-B9BC-7547-8163-8364D938A6B2}" presName="hierChild4" presStyleCnt="0"/>
+      <dgm:spPr/>
+    </dgm:pt>
+    <dgm:pt modelId="{25BAA757-8ED0-F54C-A3B6-B7CB1A6E6018}" type="pres">
+      <dgm:prSet presAssocID="{2A4EE662-B9BC-7547-8163-8364D938A6B2}" presName="hierChild5" presStyleCnt="0"/>
+      <dgm:spPr/>
+    </dgm:pt>
+    <dgm:pt modelId="{12AC7B23-8B0F-3747-8CD9-49A4988E7B4D}" type="pres">
+      <dgm:prSet presAssocID="{E6844DE7-8212-2C44-B849-EB6AE4918F5C}" presName="Name37" presStyleLbl="parChTrans1D4" presStyleIdx="9" presStyleCnt="12"/>
+      <dgm:spPr/>
+    </dgm:pt>
+    <dgm:pt modelId="{4E5DB618-5CFF-724E-8984-B3A726976438}" type="pres">
+      <dgm:prSet presAssocID="{A7FFA139-EA5B-E648-915D-A82C6F15FAEB}" presName="hierRoot2" presStyleCnt="0">
+        <dgm:presLayoutVars>
+          <dgm:hierBranch val="init"/>
+        </dgm:presLayoutVars>
+      </dgm:prSet>
+      <dgm:spPr/>
+    </dgm:pt>
+    <dgm:pt modelId="{3A9792A9-888C-244C-80CB-9C058C67C28A}" type="pres">
+      <dgm:prSet presAssocID="{A7FFA139-EA5B-E648-915D-A82C6F15FAEB}" presName="rootComposite" presStyleCnt="0"/>
+      <dgm:spPr/>
+    </dgm:pt>
+    <dgm:pt modelId="{58797BCC-77B3-2847-B167-E46B253C146C}" type="pres">
+      <dgm:prSet presAssocID="{A7FFA139-EA5B-E648-915D-A82C6F15FAEB}" presName="rootText" presStyleLbl="node4" presStyleIdx="9" presStyleCnt="12">
+        <dgm:presLayoutVars>
+          <dgm:chPref val="3"/>
+        </dgm:presLayoutVars>
+      </dgm:prSet>
+      <dgm:spPr/>
+    </dgm:pt>
+    <dgm:pt modelId="{89F47174-F227-814C-80BC-D8548ACB1C0F}" type="pres">
+      <dgm:prSet presAssocID="{A7FFA139-EA5B-E648-915D-A82C6F15FAEB}" presName="rootConnector" presStyleLbl="node4" presStyleIdx="9" presStyleCnt="12"/>
+      <dgm:spPr/>
+    </dgm:pt>
+    <dgm:pt modelId="{A3D354F6-5684-AA4D-BD64-490FED5AD1CB}" type="pres">
+      <dgm:prSet presAssocID="{A7FFA139-EA5B-E648-915D-A82C6F15FAEB}" presName="hierChild4" presStyleCnt="0"/>
+      <dgm:spPr/>
+    </dgm:pt>
+    <dgm:pt modelId="{56D966CA-59CE-884E-874D-62D8B9B5A8AD}" type="pres">
+      <dgm:prSet presAssocID="{A7FFA139-EA5B-E648-915D-A82C6F15FAEB}" presName="hierChild5" presStyleCnt="0"/>
+      <dgm:spPr/>
+    </dgm:pt>
+    <dgm:pt modelId="{AF269B89-BB95-5049-BE1B-3F51A503FF77}" type="pres">
+      <dgm:prSet presAssocID="{71D92B89-6A5E-E542-8591-4B2F11A97254}" presName="Name37" presStyleLbl="parChTrans1D4" presStyleIdx="10" presStyleCnt="12"/>
+      <dgm:spPr/>
+    </dgm:pt>
+    <dgm:pt modelId="{B0B358BC-7BBD-4144-87DD-4A91FC3353AD}" type="pres">
+      <dgm:prSet presAssocID="{30DA6232-BD8E-5F4F-A8ED-4ED38864497F}" presName="hierRoot2" presStyleCnt="0">
+        <dgm:presLayoutVars>
+          <dgm:hierBranch val="init"/>
+        </dgm:presLayoutVars>
+      </dgm:prSet>
+      <dgm:spPr/>
+    </dgm:pt>
+    <dgm:pt modelId="{D31AB668-D22D-E24E-BEBB-FBFE8C341648}" type="pres">
+      <dgm:prSet presAssocID="{30DA6232-BD8E-5F4F-A8ED-4ED38864497F}" presName="rootComposite" presStyleCnt="0"/>
+      <dgm:spPr/>
+    </dgm:pt>
+    <dgm:pt modelId="{C4FFA5A3-9BF8-8F43-9259-12332A2E49D9}" type="pres">
+      <dgm:prSet presAssocID="{30DA6232-BD8E-5F4F-A8ED-4ED38864497F}" presName="rootText" presStyleLbl="node4" presStyleIdx="10" presStyleCnt="12">
+        <dgm:presLayoutVars>
+          <dgm:chPref val="3"/>
+        </dgm:presLayoutVars>
+      </dgm:prSet>
+      <dgm:spPr/>
+    </dgm:pt>
+    <dgm:pt modelId="{59A5ADB2-91ED-5843-8AB2-06C56EDF53D9}" type="pres">
+      <dgm:prSet presAssocID="{30DA6232-BD8E-5F4F-A8ED-4ED38864497F}" presName="rootConnector" presStyleLbl="node4" presStyleIdx="10" presStyleCnt="12"/>
+      <dgm:spPr/>
+    </dgm:pt>
+    <dgm:pt modelId="{3C04BBA8-C0C1-0240-B999-E5314524B0BE}" type="pres">
+      <dgm:prSet presAssocID="{30DA6232-BD8E-5F4F-A8ED-4ED38864497F}" presName="hierChild4" presStyleCnt="0"/>
+      <dgm:spPr/>
+    </dgm:pt>
+    <dgm:pt modelId="{447B93A3-5BEB-8245-BFED-5423311B046D}" type="pres">
+      <dgm:prSet presAssocID="{30DA6232-BD8E-5F4F-A8ED-4ED38864497F}" presName="hierChild5" presStyleCnt="0"/>
+      <dgm:spPr/>
+    </dgm:pt>
+    <dgm:pt modelId="{BB61DD17-1F78-B74B-857E-EFA29B9DFFBC}" type="pres">
+      <dgm:prSet presAssocID="{4C7B449E-5536-4341-B3FF-E0C1F45A0CAE}" presName="Name37" presStyleLbl="parChTrans1D4" presStyleIdx="11" presStyleCnt="12"/>
+      <dgm:spPr/>
+    </dgm:pt>
+    <dgm:pt modelId="{07C11235-3DD3-CD4B-B046-6E4CECEAD0AC}" type="pres">
+      <dgm:prSet presAssocID="{D71C3EFF-5585-4B49-BAF2-8864DED31D83}" presName="hierRoot2" presStyleCnt="0">
+        <dgm:presLayoutVars>
+          <dgm:hierBranch val="init"/>
+        </dgm:presLayoutVars>
+      </dgm:prSet>
+      <dgm:spPr/>
+    </dgm:pt>
+    <dgm:pt modelId="{A4279AB1-CE0D-E04B-9683-D525EC302451}" type="pres">
+      <dgm:prSet presAssocID="{D71C3EFF-5585-4B49-BAF2-8864DED31D83}" presName="rootComposite" presStyleCnt="0"/>
+      <dgm:spPr/>
+    </dgm:pt>
+    <dgm:pt modelId="{EC1F51F2-5BB8-9245-AEE3-117A7CFADAB8}" type="pres">
+      <dgm:prSet presAssocID="{D71C3EFF-5585-4B49-BAF2-8864DED31D83}" presName="rootText" presStyleLbl="node4" presStyleIdx="11" presStyleCnt="12">
+        <dgm:presLayoutVars>
+          <dgm:chPref val="3"/>
+        </dgm:presLayoutVars>
+      </dgm:prSet>
+      <dgm:spPr/>
+    </dgm:pt>
+    <dgm:pt modelId="{A0A529AD-E4B0-C441-BCD0-1C6D37848A7E}" type="pres">
+      <dgm:prSet presAssocID="{D71C3EFF-5585-4B49-BAF2-8864DED31D83}" presName="rootConnector" presStyleLbl="node4" presStyleIdx="11" presStyleCnt="12"/>
+      <dgm:spPr/>
+    </dgm:pt>
+    <dgm:pt modelId="{310635A1-49A1-E34B-81E4-613171F68587}" type="pres">
+      <dgm:prSet presAssocID="{D71C3EFF-5585-4B49-BAF2-8864DED31D83}" presName="hierChild4" presStyleCnt="0"/>
+      <dgm:spPr/>
+    </dgm:pt>
+    <dgm:pt modelId="{BC15CE84-9348-9A44-A1DC-F568E081F7AF}" type="pres">
+      <dgm:prSet presAssocID="{D71C3EFF-5585-4B49-BAF2-8864DED31D83}" presName="hierChild5" presStyleCnt="0"/>
+      <dgm:spPr/>
+    </dgm:pt>
+    <dgm:pt modelId="{933CF59D-A3E1-DD45-8B1F-21F1FF154556}" type="pres">
+      <dgm:prSet presAssocID="{6F89CAE9-1F70-EA4D-84D9-D54DF2193B39}" presName="hierChild5" presStyleCnt="0"/>
+      <dgm:spPr/>
+    </dgm:pt>
+    <dgm:pt modelId="{D1B36D2A-033A-3947-8BF6-D1ACD296593A}" type="pres">
+      <dgm:prSet presAssocID="{EC87CEA7-C335-C249-A4D9-C315C3363DC6}" presName="hierChild5" presStyleCnt="0"/>
+      <dgm:spPr/>
+    </dgm:pt>
+    <dgm:pt modelId="{8EC00019-ADF6-6F48-B854-62817677E67B}" type="pres">
+      <dgm:prSet presAssocID="{9EDB6A98-A9E1-CC4C-AA7D-8B4C1F2388C1}" presName="hierChild3" presStyleCnt="0"/>
+      <dgm:spPr/>
+    </dgm:pt>
+  </dgm:ptLst>
+  <dgm:cxnLst>
+    <dgm:cxn modelId="{DEB0B801-AB2C-F84C-A582-4A099C335962}" srcId="{2CCDBE2D-CD40-D24F-A692-FE83BC737376}" destId="{BECB6D06-3BCB-CA4A-A6E6-9A54D7F3FE6A}" srcOrd="2" destOrd="0" parTransId="{1AC83564-0235-524A-83D7-648976A6081D}" sibTransId="{72DAE25A-4CDF-3840-BED8-FA7090DD946F}"/>
+    <dgm:cxn modelId="{A1A27A0A-C375-304D-AD6D-949DD4C46DBA}" type="presOf" srcId="{2FE9FC5E-B981-7E4D-AC92-D9EC6C36EDBC}" destId="{C75AD5A6-D0B5-684D-AB5F-D8530F598897}" srcOrd="1" destOrd="0" presId="urn:microsoft.com/office/officeart/2005/8/layout/orgChart1"/>
+    <dgm:cxn modelId="{003D2B12-BECE-BA44-90D7-3BF9A42C6F7B}" type="presOf" srcId="{4C7B449E-5536-4341-B3FF-E0C1F45A0CAE}" destId="{BB61DD17-1F78-B74B-857E-EFA29B9DFFBC}" srcOrd="0" destOrd="0" presId="urn:microsoft.com/office/officeart/2005/8/layout/orgChart1"/>
+    <dgm:cxn modelId="{3BE37412-3B95-8741-904C-F3B43833B54C}" type="presOf" srcId="{18972EAA-2B0D-7948-96EA-38856287373F}" destId="{87189835-0967-8044-A641-DF494EDED7FD}" srcOrd="1" destOrd="0" presId="urn:microsoft.com/office/officeart/2005/8/layout/orgChart1"/>
+    <dgm:cxn modelId="{C311FD12-513D-6248-B8F8-BC8FB32DC455}" type="presOf" srcId="{605C8F1E-DA6C-9143-9DD0-D414112D9258}" destId="{CDAF039D-B252-E84D-BCED-23FE943C1D4B}" srcOrd="0" destOrd="0" presId="urn:microsoft.com/office/officeart/2005/8/layout/orgChart1"/>
+    <dgm:cxn modelId="{1D901C13-68E0-5646-91C4-C26D433223CE}" srcId="{8843D19D-CA5D-754E-A7E3-F3D82AF0C613}" destId="{9EDB6A98-A9E1-CC4C-AA7D-8B4C1F2388C1}" srcOrd="0" destOrd="0" parTransId="{4E13CA82-E874-9349-A6E2-17B42C4D5018}" sibTransId="{00D1CBD0-9AF0-274F-925B-3722DE29D81C}"/>
+    <dgm:cxn modelId="{FA47D113-CBB0-F249-983E-DE198F503E23}" type="presOf" srcId="{63B14DC6-B726-684F-B9A6-D67CF660FB5E}" destId="{FD5F2C9D-1690-2C47-8018-2526D6C88B11}" srcOrd="1" destOrd="0" presId="urn:microsoft.com/office/officeart/2005/8/layout/orgChart1"/>
+    <dgm:cxn modelId="{BFA72814-676A-5E47-B83F-E1B5A690D068}" type="presOf" srcId="{EC87CEA7-C335-C249-A4D9-C315C3363DC6}" destId="{8C9A0B79-F0E3-2749-96B0-A5875CBFAA27}" srcOrd="0" destOrd="0" presId="urn:microsoft.com/office/officeart/2005/8/layout/orgChart1"/>
+    <dgm:cxn modelId="{88F7D414-5F3E-8743-8A33-B74B0553248C}" srcId="{6F89CAE9-1F70-EA4D-84D9-D54DF2193B39}" destId="{A7FFA139-EA5B-E648-915D-A82C6F15FAEB}" srcOrd="2" destOrd="0" parTransId="{E6844DE7-8212-2C44-B849-EB6AE4918F5C}" sibTransId="{B588E369-1C2B-744C-9AB2-E97EA7B728A2}"/>
+    <dgm:cxn modelId="{1C49D617-E8F9-774F-87CE-F2D84A486EAF}" type="presOf" srcId="{71D92B89-6A5E-E542-8591-4B2F11A97254}" destId="{AF269B89-BB95-5049-BE1B-3F51A503FF77}" srcOrd="0" destOrd="0" presId="urn:microsoft.com/office/officeart/2005/8/layout/orgChart1"/>
+    <dgm:cxn modelId="{DD233F19-52B6-B740-BB38-1C935001B092}" type="presOf" srcId="{C44A9499-0E71-974A-AB01-5AC883932C74}" destId="{2113F9D9-D20E-9342-97C0-8D556822BB79}" srcOrd="0" destOrd="0" presId="urn:microsoft.com/office/officeart/2005/8/layout/orgChart1"/>
+    <dgm:cxn modelId="{0A96341B-4224-9D4B-84FE-444DD08EB8BC}" type="presOf" srcId="{A7FFA139-EA5B-E648-915D-A82C6F15FAEB}" destId="{89F47174-F227-814C-80BC-D8548ACB1C0F}" srcOrd="1" destOrd="0" presId="urn:microsoft.com/office/officeart/2005/8/layout/orgChart1"/>
+    <dgm:cxn modelId="{F65FAC28-059B-D84A-88DB-4BF88B47826A}" type="presOf" srcId="{2E6B4BCE-860A-8449-B8E5-DBE0F8F63945}" destId="{7E75A885-90A3-2F4E-871B-4C65946DDE1A}" srcOrd="0" destOrd="0" presId="urn:microsoft.com/office/officeart/2005/8/layout/orgChart1"/>
+    <dgm:cxn modelId="{36E01A31-E288-C74C-8E1B-6030E871A8FF}" srcId="{6F89CAE9-1F70-EA4D-84D9-D54DF2193B39}" destId="{D71C3EFF-5585-4B49-BAF2-8864DED31D83}" srcOrd="4" destOrd="0" parTransId="{4C7B449E-5536-4341-B3FF-E0C1F45A0CAE}" sibTransId="{61B98C61-0FB9-EC42-AE97-21C0C097425F}"/>
+    <dgm:cxn modelId="{78AA1D31-7080-4F45-9E27-CCE6A21FA7CC}" srcId="{79614999-89A6-704D-B3C2-F1EA7D8B95D5}" destId="{AB095B2A-9058-5A41-B870-FC96D7129BC9}" srcOrd="0" destOrd="0" parTransId="{AA12967A-F772-9A4F-A2E7-1989A4D64F03}" sibTransId="{16986C35-E7DB-E849-9604-06E58BAA0B4A}"/>
+    <dgm:cxn modelId="{23342C32-A303-9F49-A3AE-5B293F0D36F4}" type="presOf" srcId="{2A4EE662-B9BC-7547-8163-8364D938A6B2}" destId="{126BB115-96D0-2748-8C7B-3A504BC4DAD2}" srcOrd="1" destOrd="0" presId="urn:microsoft.com/office/officeart/2005/8/layout/orgChart1"/>
+    <dgm:cxn modelId="{D2398033-CED2-4840-906C-0EA46F68778D}" type="presOf" srcId="{EC87CEA7-C335-C249-A4D9-C315C3363DC6}" destId="{402EDAC4-3A42-3A41-8B9F-41D3449004AF}" srcOrd="1" destOrd="0" presId="urn:microsoft.com/office/officeart/2005/8/layout/orgChart1"/>
+    <dgm:cxn modelId="{806D4536-DCCF-D04B-9426-553589FF59E4}" type="presOf" srcId="{D71C3EFF-5585-4B49-BAF2-8864DED31D83}" destId="{EC1F51F2-5BB8-9245-AEE3-117A7CFADAB8}" srcOrd="0" destOrd="0" presId="urn:microsoft.com/office/officeart/2005/8/layout/orgChart1"/>
+    <dgm:cxn modelId="{52F99237-451C-CD44-8FC2-F4ECF2B6051D}" srcId="{2FE9FC5E-B981-7E4D-AC92-D9EC6C36EDBC}" destId="{79614999-89A6-704D-B3C2-F1EA7D8B95D5}" srcOrd="1" destOrd="0" parTransId="{C44A9499-0E71-974A-AB01-5AC883932C74}" sibTransId="{48FA5F08-66F5-4B4B-96B0-67BF4081FCC9}"/>
+    <dgm:cxn modelId="{D3A71A3B-2422-094F-A9FC-8D97BF0EC7F6}" type="presOf" srcId="{B856E607-E32D-BF42-A4E4-48BD99633DB9}" destId="{B0DFBA58-285D-1D49-9D33-7C487279F8B2}" srcOrd="0" destOrd="0" presId="urn:microsoft.com/office/officeart/2005/8/layout/orgChart1"/>
+    <dgm:cxn modelId="{0233DC3B-7C12-2048-B863-A3DE3E9B2490}" type="presOf" srcId="{B5176AD0-F8A2-DA46-B1FA-4527B63DC371}" destId="{ECFBCE6C-78B3-A947-B861-402EAB14070E}" srcOrd="1" destOrd="0" presId="urn:microsoft.com/office/officeart/2005/8/layout/orgChart1"/>
+    <dgm:cxn modelId="{88DA5B47-1AA1-9A41-9F95-A57F71FD541C}" srcId="{EC87CEA7-C335-C249-A4D9-C315C3363DC6}" destId="{6F89CAE9-1F70-EA4D-84D9-D54DF2193B39}" srcOrd="1" destOrd="0" parTransId="{FC408433-B96C-AC4C-BE7A-38126ADC3D40}" sibTransId="{82CA3498-D8ED-DE4A-84BE-D67085A4ABF0}"/>
+    <dgm:cxn modelId="{B8515548-1AA4-9841-85E4-C3528838F873}" type="presOf" srcId="{30DA6232-BD8E-5F4F-A8ED-4ED38864497F}" destId="{59A5ADB2-91ED-5843-8AB2-06C56EDF53D9}" srcOrd="1" destOrd="0" presId="urn:microsoft.com/office/officeart/2005/8/layout/orgChart1"/>
+    <dgm:cxn modelId="{BCB50349-732D-6747-8B44-A06C43460F51}" type="presOf" srcId="{E556DC90-8D75-2441-B3C4-349E1945C094}" destId="{C5FB34AA-1850-7C43-8D49-7F6B278CC5F6}" srcOrd="0" destOrd="0" presId="urn:microsoft.com/office/officeart/2005/8/layout/orgChart1"/>
+    <dgm:cxn modelId="{207E9A49-6445-2642-9393-A2328834949C}" type="presOf" srcId="{AA12967A-F772-9A4F-A2E7-1989A4D64F03}" destId="{7ACE4531-6AE8-B34E-9C1D-CD7C1B494F83}" srcOrd="0" destOrd="0" presId="urn:microsoft.com/office/officeart/2005/8/layout/orgChart1"/>
+    <dgm:cxn modelId="{E7010C4E-685C-454F-BFFD-9F5111EBA38D}" srcId="{9EDB6A98-A9E1-CC4C-AA7D-8B4C1F2388C1}" destId="{63B14DC6-B726-684F-B9A6-D67CF660FB5E}" srcOrd="0" destOrd="0" parTransId="{AC845045-5514-064F-B7DB-FDF80C14E149}" sibTransId="{4728A033-675F-734D-95E0-E43FF5FC14CB}"/>
+    <dgm:cxn modelId="{60BDA154-4AA5-D74C-A8E0-B4F188EA2665}" type="presOf" srcId="{2E6B4BCE-860A-8449-B8E5-DBE0F8F63945}" destId="{51C085B7-6160-BF42-9AC9-8AFAF050F94D}" srcOrd="1" destOrd="0" presId="urn:microsoft.com/office/officeart/2005/8/layout/orgChart1"/>
+    <dgm:cxn modelId="{1BAFB559-A906-2D47-8BAF-66F3C5AD0F45}" type="presOf" srcId="{605C8F1E-DA6C-9143-9DD0-D414112D9258}" destId="{E622597F-3EBC-624E-AD54-29516F95543F}" srcOrd="1" destOrd="0" presId="urn:microsoft.com/office/officeart/2005/8/layout/orgChart1"/>
+    <dgm:cxn modelId="{507AB05B-F99E-7C48-8F85-2F35D3384999}" type="presOf" srcId="{30DA6232-BD8E-5F4F-A8ED-4ED38864497F}" destId="{C4FFA5A3-9BF8-8F43-9259-12332A2E49D9}" srcOrd="0" destOrd="0" presId="urn:microsoft.com/office/officeart/2005/8/layout/orgChart1"/>
+    <dgm:cxn modelId="{60777761-C2FF-3B4C-913E-D37383FF7609}" srcId="{79614999-89A6-704D-B3C2-F1EA7D8B95D5}" destId="{2CCDBE2D-CD40-D24F-A692-FE83BC737376}" srcOrd="1" destOrd="0" parTransId="{93AE3849-A2CD-8046-A795-444A44946F8C}" sibTransId="{829D038D-2E1C-C640-9988-349FB302E2C4}"/>
+    <dgm:cxn modelId="{DCDC3F65-7213-7B40-92DC-D149A6472017}" type="presOf" srcId="{2FE9FC5E-B981-7E4D-AC92-D9EC6C36EDBC}" destId="{AD66414D-5913-8141-80C0-4FB3C7BAF0CE}" srcOrd="0" destOrd="0" presId="urn:microsoft.com/office/officeart/2005/8/layout/orgChart1"/>
+    <dgm:cxn modelId="{26640066-2CD5-A64F-B9E6-D19EC28903DE}" type="presOf" srcId="{D71C3EFF-5585-4B49-BAF2-8864DED31D83}" destId="{A0A529AD-E4B0-C441-BCD0-1C6D37848A7E}" srcOrd="1" destOrd="0" presId="urn:microsoft.com/office/officeart/2005/8/layout/orgChart1"/>
+    <dgm:cxn modelId="{78BB277A-6D87-DD40-8976-D6F4B1CC45FE}" type="presOf" srcId="{C003559A-72E6-0749-BDE3-BF889B412637}" destId="{C09707D4-B620-4847-BC5D-565DAE8F8A8E}" srcOrd="0" destOrd="0" presId="urn:microsoft.com/office/officeart/2005/8/layout/orgChart1"/>
+    <dgm:cxn modelId="{3B383189-9008-1346-8EFB-E79F581E8DE4}" srcId="{6F89CAE9-1F70-EA4D-84D9-D54DF2193B39}" destId="{2A4EE662-B9BC-7547-8163-8364D938A6B2}" srcOrd="1" destOrd="0" parTransId="{F9FF9888-25F4-D24A-9211-DBB8AF6E0144}" sibTransId="{CCA01BA6-EEB2-9B48-8694-93021D332D56}"/>
+    <dgm:cxn modelId="{D544098A-E733-1E4B-9C57-9FA3B18095DD}" type="presOf" srcId="{79614999-89A6-704D-B3C2-F1EA7D8B95D5}" destId="{6DECA8F8-812B-784B-AE35-3184CBAA7F1B}" srcOrd="0" destOrd="0" presId="urn:microsoft.com/office/officeart/2005/8/layout/orgChart1"/>
+    <dgm:cxn modelId="{765B428D-E8E1-CB49-A15E-86E863BF059E}" type="presOf" srcId="{9EDB6A98-A9E1-CC4C-AA7D-8B4C1F2388C1}" destId="{E4526696-D729-304F-8B91-A3A0395B577B}" srcOrd="1" destOrd="0" presId="urn:microsoft.com/office/officeart/2005/8/layout/orgChart1"/>
+    <dgm:cxn modelId="{E2635B91-1C8C-4B44-8371-AAFBCF5CB64F}" type="presOf" srcId="{2A4EE662-B9BC-7547-8163-8364D938A6B2}" destId="{8FDD0EE8-1D2D-2A4F-9C58-B79EC28712EF}" srcOrd="0" destOrd="0" presId="urn:microsoft.com/office/officeart/2005/8/layout/orgChart1"/>
+    <dgm:cxn modelId="{26FA6098-8E97-C343-AC30-D492F4BA653A}" type="presOf" srcId="{6F89CAE9-1F70-EA4D-84D9-D54DF2193B39}" destId="{C97AE745-CC77-1F47-B480-5D52ACC033D5}" srcOrd="0" destOrd="0" presId="urn:microsoft.com/office/officeart/2005/8/layout/orgChart1"/>
+    <dgm:cxn modelId="{315EC49A-D69D-B54E-8C02-835D80F6605D}" type="presOf" srcId="{A7FFA139-EA5B-E648-915D-A82C6F15FAEB}" destId="{58797BCC-77B3-2847-B167-E46B253C146C}" srcOrd="0" destOrd="0" presId="urn:microsoft.com/office/officeart/2005/8/layout/orgChart1"/>
+    <dgm:cxn modelId="{C6AF639F-1D16-1C44-B80A-65F315AA29D8}" type="presOf" srcId="{BECB6D06-3BCB-CA4A-A6E6-9A54D7F3FE6A}" destId="{E5DDF00B-8072-A24E-966D-A191534B7861}" srcOrd="1" destOrd="0" presId="urn:microsoft.com/office/officeart/2005/8/layout/orgChart1"/>
+    <dgm:cxn modelId="{DA24F6A7-715D-6342-84F0-4B64408F7831}" type="presOf" srcId="{63B14DC6-B726-684F-B9A6-D67CF660FB5E}" destId="{AFFBEF4C-20C3-A24B-95EA-8561507803E4}" srcOrd="0" destOrd="0" presId="urn:microsoft.com/office/officeart/2005/8/layout/orgChart1"/>
+    <dgm:cxn modelId="{092981A9-545B-8145-B9BC-4FFB2735ED20}" type="presOf" srcId="{2CCDBE2D-CD40-D24F-A692-FE83BC737376}" destId="{3B3C0869-08D5-3E47-8C46-157936E143D7}" srcOrd="1" destOrd="0" presId="urn:microsoft.com/office/officeart/2005/8/layout/orgChart1"/>
+    <dgm:cxn modelId="{7842B8AE-BDEA-E742-BDC6-64F24E9CBAAF}" type="presOf" srcId="{6F89CAE9-1F70-EA4D-84D9-D54DF2193B39}" destId="{B1C82148-B214-6748-AC9F-7A6509A56F5E}" srcOrd="1" destOrd="0" presId="urn:microsoft.com/office/officeart/2005/8/layout/orgChart1"/>
+    <dgm:cxn modelId="{247284B1-B86E-CC46-AC22-967CF8BE19C6}" srcId="{2CCDBE2D-CD40-D24F-A692-FE83BC737376}" destId="{2E6B4BCE-860A-8449-B8E5-DBE0F8F63945}" srcOrd="1" destOrd="0" parTransId="{89704A14-8E5F-A34A-A3CD-CED1207FB450}" sibTransId="{E2881B84-3CF8-2F48-AF09-8F9ECB443C2B}"/>
+    <dgm:cxn modelId="{1CFCC8B5-4617-8640-985E-03853705B798}" type="presOf" srcId="{89704A14-8E5F-A34A-A3CD-CED1207FB450}" destId="{6CD4CCA3-ADBD-DA47-BDCB-B2C4609F041A}" srcOrd="0" destOrd="0" presId="urn:microsoft.com/office/officeart/2005/8/layout/orgChart1"/>
+    <dgm:cxn modelId="{A0E792BA-FAE5-DA4E-800B-97D6CF834703}" type="presOf" srcId="{FC408433-B96C-AC4C-BE7A-38126ADC3D40}" destId="{C3A94117-F689-C948-8150-BA2468B3B468}" srcOrd="0" destOrd="0" presId="urn:microsoft.com/office/officeart/2005/8/layout/orgChart1"/>
+    <dgm:cxn modelId="{D23181BB-7141-A54B-939E-F1857B256411}" type="presOf" srcId="{18972EAA-2B0D-7948-96EA-38856287373F}" destId="{8070880A-6D9D-3E45-BBA5-857722588F19}" srcOrd="0" destOrd="0" presId="urn:microsoft.com/office/officeart/2005/8/layout/orgChart1"/>
+    <dgm:cxn modelId="{52EC1DBF-EEFE-4741-89F1-91EB221152DA}" srcId="{6F89CAE9-1F70-EA4D-84D9-D54DF2193B39}" destId="{30DA6232-BD8E-5F4F-A8ED-4ED38864497F}" srcOrd="3" destOrd="0" parTransId="{71D92B89-6A5E-E542-8591-4B2F11A97254}" sibTransId="{FBDB0781-D2D0-434A-A4BB-47E69FDC321A}"/>
+    <dgm:cxn modelId="{5E5D1CC1-AE32-7341-9849-70EC487D17AC}" srcId="{6F89CAE9-1F70-EA4D-84D9-D54DF2193B39}" destId="{B5176AD0-F8A2-DA46-B1FA-4527B63DC371}" srcOrd="0" destOrd="0" parTransId="{B856E607-E32D-BF42-A4E4-48BD99633DB9}" sibTransId="{6426784A-6863-5241-9DE8-8F1D9F82B2E5}"/>
+    <dgm:cxn modelId="{94B900C6-7AA3-6443-96EC-9AC202D4158C}" srcId="{2CCDBE2D-CD40-D24F-A692-FE83BC737376}" destId="{18972EAA-2B0D-7948-96EA-38856287373F}" srcOrd="0" destOrd="0" parTransId="{0D7520A2-E15D-C54E-84C4-5E480DE0C43D}" sibTransId="{0FA4D2B8-6B5C-D441-8065-3E0646FBF080}"/>
+    <dgm:cxn modelId="{3D95B6C9-B5D9-1940-8891-F05F2FA48533}" type="presOf" srcId="{B5176AD0-F8A2-DA46-B1FA-4527B63DC371}" destId="{CAA7EF78-4902-E245-8C22-2198A88A5FFF}" srcOrd="0" destOrd="0" presId="urn:microsoft.com/office/officeart/2005/8/layout/orgChart1"/>
+    <dgm:cxn modelId="{06AD84CA-58CC-7145-ADDD-6DE8C1402430}" type="presOf" srcId="{040A7765-82AB-7041-AB24-FE44F95F0233}" destId="{81597DCE-A2CE-8E41-8610-25EED82ECA7A}" srcOrd="0" destOrd="0" presId="urn:microsoft.com/office/officeart/2005/8/layout/orgChart1"/>
+    <dgm:cxn modelId="{CD304ACD-6E27-2F45-ABF7-46D11A785224}" type="presOf" srcId="{AC845045-5514-064F-B7DB-FDF80C14E149}" destId="{08961B0F-7A0B-8A47-874D-5E98F02B22E9}" srcOrd="0" destOrd="0" presId="urn:microsoft.com/office/officeart/2005/8/layout/orgChart1"/>
+    <dgm:cxn modelId="{A27872D1-0D0F-7149-873C-4022FCE0F8F4}" type="presOf" srcId="{2CCDBE2D-CD40-D24F-A692-FE83BC737376}" destId="{15104183-150F-E043-AA68-16E356119BBD}" srcOrd="0" destOrd="0" presId="urn:microsoft.com/office/officeart/2005/8/layout/orgChart1"/>
+    <dgm:cxn modelId="{8E2D93D3-DA2A-EA42-80F5-419F63B4C56A}" type="presOf" srcId="{F9FF9888-25F4-D24A-9211-DBB8AF6E0144}" destId="{B47AB7B8-6B72-C449-BF2A-7837270302BB}" srcOrd="0" destOrd="0" presId="urn:microsoft.com/office/officeart/2005/8/layout/orgChart1"/>
+    <dgm:cxn modelId="{5515B5D3-EE90-A644-AA4A-BFD42BD8773C}" type="presOf" srcId="{9EDB6A98-A9E1-CC4C-AA7D-8B4C1F2388C1}" destId="{D16225A5-AC8D-604D-857F-A97DFC74364E}" srcOrd="0" destOrd="0" presId="urn:microsoft.com/office/officeart/2005/8/layout/orgChart1"/>
+    <dgm:cxn modelId="{6AC57FD4-19AD-C241-801D-771FCC5AF337}" srcId="{2FE9FC5E-B981-7E4D-AC92-D9EC6C36EDBC}" destId="{605C8F1E-DA6C-9143-9DD0-D414112D9258}" srcOrd="0" destOrd="0" parTransId="{E556DC90-8D75-2441-B3C4-349E1945C094}" sibTransId="{E9C56D57-3797-9048-8F75-26EAE9493CAB}"/>
+    <dgm:cxn modelId="{B27F02D5-47ED-9B4C-A154-B48762F731B6}" srcId="{9EDB6A98-A9E1-CC4C-AA7D-8B4C1F2388C1}" destId="{EC87CEA7-C335-C249-A4D9-C315C3363DC6}" srcOrd="1" destOrd="0" parTransId="{040A7765-82AB-7041-AB24-FE44F95F0233}" sibTransId="{06B203B7-E870-E74E-B932-01C83A6F5725}"/>
+    <dgm:cxn modelId="{5D00A4E2-FFEE-8B4E-8819-F9F1A7E6501A}" type="presOf" srcId="{AB095B2A-9058-5A41-B870-FC96D7129BC9}" destId="{C0D54584-6380-714F-AA60-29F3A487BA45}" srcOrd="0" destOrd="0" presId="urn:microsoft.com/office/officeart/2005/8/layout/orgChart1"/>
+    <dgm:cxn modelId="{FDE9C6E4-3774-9445-9139-0A04964BB787}" type="presOf" srcId="{0D7520A2-E15D-C54E-84C4-5E480DE0C43D}" destId="{1D06E6BC-90BC-3C4F-8E5F-CD3961316B04}" srcOrd="0" destOrd="0" presId="urn:microsoft.com/office/officeart/2005/8/layout/orgChart1"/>
+    <dgm:cxn modelId="{31DF56E5-D98B-054C-8968-89007DA9FFF5}" type="presOf" srcId="{BECB6D06-3BCB-CA4A-A6E6-9A54D7F3FE6A}" destId="{758C4E8E-D5A9-C842-A8AD-147A5CCD7FC5}" srcOrd="0" destOrd="0" presId="urn:microsoft.com/office/officeart/2005/8/layout/orgChart1"/>
+    <dgm:cxn modelId="{A380C5EC-8090-6A40-9B12-AD7DAFA82E95}" type="presOf" srcId="{E6844DE7-8212-2C44-B849-EB6AE4918F5C}" destId="{12AC7B23-8B0F-3747-8CD9-49A4988E7B4D}" srcOrd="0" destOrd="0" presId="urn:microsoft.com/office/officeart/2005/8/layout/orgChart1"/>
+    <dgm:cxn modelId="{744F6DED-3601-944F-92E6-115D787659B3}" type="presOf" srcId="{93AE3849-A2CD-8046-A795-444A44946F8C}" destId="{73235BC4-4C36-5C4D-B2E3-B8FC51498EBE}" srcOrd="0" destOrd="0" presId="urn:microsoft.com/office/officeart/2005/8/layout/orgChart1"/>
+    <dgm:cxn modelId="{3964FCF0-49E2-9A41-8B03-5C496E326386}" srcId="{EC87CEA7-C335-C249-A4D9-C315C3363DC6}" destId="{2FE9FC5E-B981-7E4D-AC92-D9EC6C36EDBC}" srcOrd="0" destOrd="0" parTransId="{C003559A-72E6-0749-BDE3-BF889B412637}" sibTransId="{CC4EA00F-C96B-8D47-9443-F31FA82857F2}"/>
+    <dgm:cxn modelId="{2FB1A4F1-FC85-164A-A340-A385E4E9EE4B}" type="presOf" srcId="{1AC83564-0235-524A-83D7-648976A6081D}" destId="{CB42EF46-0B58-914A-BA03-E1340278B5F7}" srcOrd="0" destOrd="0" presId="urn:microsoft.com/office/officeart/2005/8/layout/orgChart1"/>
+    <dgm:cxn modelId="{C8C531FD-9A18-7949-8800-D625ED67EEEB}" type="presOf" srcId="{8843D19D-CA5D-754E-A7E3-F3D82AF0C613}" destId="{82CCA982-1DB6-0146-802E-9236FA2048C8}" srcOrd="0" destOrd="0" presId="urn:microsoft.com/office/officeart/2005/8/layout/orgChart1"/>
+    <dgm:cxn modelId="{DCC3CEFD-F471-1948-B90A-8ADD6CDC82AD}" type="presOf" srcId="{AB095B2A-9058-5A41-B870-FC96D7129BC9}" destId="{9D7F4D28-B053-A442-A348-01FD5B2B5F08}" srcOrd="1" destOrd="0" presId="urn:microsoft.com/office/officeart/2005/8/layout/orgChart1"/>
+    <dgm:cxn modelId="{5F3560FE-5A9D-FC48-AF46-15E6B2D04100}" type="presOf" srcId="{79614999-89A6-704D-B3C2-F1EA7D8B95D5}" destId="{847129E5-67F8-3F4B-ABFD-BF677EAD96CE}" srcOrd="1" destOrd="0" presId="urn:microsoft.com/office/officeart/2005/8/layout/orgChart1"/>
+    <dgm:cxn modelId="{D7D5A45E-CE63-6F42-BE39-B3BF1C84D533}" type="presParOf" srcId="{82CCA982-1DB6-0146-802E-9236FA2048C8}" destId="{B2976406-1A78-E34F-BB05-D6917E5DCA3F}" srcOrd="0" destOrd="0" presId="urn:microsoft.com/office/officeart/2005/8/layout/orgChart1"/>
+    <dgm:cxn modelId="{92F16845-6871-544D-976F-7B88AFBF9A49}" type="presParOf" srcId="{B2976406-1A78-E34F-BB05-D6917E5DCA3F}" destId="{586E33AC-0A90-4548-AA21-6F324784FAD4}" srcOrd="0" destOrd="0" presId="urn:microsoft.com/office/officeart/2005/8/layout/orgChart1"/>
+    <dgm:cxn modelId="{6290ACEE-583A-9447-9C73-298C7FBE09A0}" type="presParOf" srcId="{586E33AC-0A90-4548-AA21-6F324784FAD4}" destId="{D16225A5-AC8D-604D-857F-A97DFC74364E}" srcOrd="0" destOrd="0" presId="urn:microsoft.com/office/officeart/2005/8/layout/orgChart1"/>
+    <dgm:cxn modelId="{007E5B47-1381-724C-801A-DE58F443EB97}" type="presParOf" srcId="{586E33AC-0A90-4548-AA21-6F324784FAD4}" destId="{E4526696-D729-304F-8B91-A3A0395B577B}" srcOrd="1" destOrd="0" presId="urn:microsoft.com/office/officeart/2005/8/layout/orgChart1"/>
+    <dgm:cxn modelId="{275117D8-A87B-1A43-A089-0D00A3C72D3B}" type="presParOf" srcId="{B2976406-1A78-E34F-BB05-D6917E5DCA3F}" destId="{6C5B700F-649D-9041-BE03-6C028CF18396}" srcOrd="1" destOrd="0" presId="urn:microsoft.com/office/officeart/2005/8/layout/orgChart1"/>
+    <dgm:cxn modelId="{3FDD121A-D2B9-9348-9B3B-BFBF639A6BED}" type="presParOf" srcId="{6C5B700F-649D-9041-BE03-6C028CF18396}" destId="{08961B0F-7A0B-8A47-874D-5E98F02B22E9}" srcOrd="0" destOrd="0" presId="urn:microsoft.com/office/officeart/2005/8/layout/orgChart1"/>
+    <dgm:cxn modelId="{C70E3A78-676F-BF47-A1D0-73A0AEA0EBC9}" type="presParOf" srcId="{6C5B700F-649D-9041-BE03-6C028CF18396}" destId="{147DD188-F81D-D343-9B9D-E42A1C488543}" srcOrd="1" destOrd="0" presId="urn:microsoft.com/office/officeart/2005/8/layout/orgChart1"/>
+    <dgm:cxn modelId="{9BE3446A-5EBB-FD48-8DFB-7A5D1CA0CFAF}" type="presParOf" srcId="{147DD188-F81D-D343-9B9D-E42A1C488543}" destId="{8C84C442-E264-8E41-9047-3C118A8448ED}" srcOrd="0" destOrd="0" presId="urn:microsoft.com/office/officeart/2005/8/layout/orgChart1"/>
+    <dgm:cxn modelId="{05A97CD4-AAFD-7C4A-AA23-7882EBEC597C}" type="presParOf" srcId="{8C84C442-E264-8E41-9047-3C118A8448ED}" destId="{AFFBEF4C-20C3-A24B-95EA-8561507803E4}" srcOrd="0" destOrd="0" presId="urn:microsoft.com/office/officeart/2005/8/layout/orgChart1"/>
+    <dgm:cxn modelId="{55E8AF52-7EF3-8649-AF19-366B2A250971}" type="presParOf" srcId="{8C84C442-E264-8E41-9047-3C118A8448ED}" destId="{FD5F2C9D-1690-2C47-8018-2526D6C88B11}" srcOrd="1" destOrd="0" presId="urn:microsoft.com/office/officeart/2005/8/layout/orgChart1"/>
+    <dgm:cxn modelId="{C4CFA60E-7574-A449-BAB2-A9BA14F4C49D}" type="presParOf" srcId="{147DD188-F81D-D343-9B9D-E42A1C488543}" destId="{9B6EE540-0AD9-E642-8BB7-103C84E792A5}" srcOrd="1" destOrd="0" presId="urn:microsoft.com/office/officeart/2005/8/layout/orgChart1"/>
+    <dgm:cxn modelId="{3E74F759-CF8F-FB42-B6A3-2F070210C492}" type="presParOf" srcId="{147DD188-F81D-D343-9B9D-E42A1C488543}" destId="{928B618B-D58F-D543-925B-53FB5DCB9BCA}" srcOrd="2" destOrd="0" presId="urn:microsoft.com/office/officeart/2005/8/layout/orgChart1"/>
+    <dgm:cxn modelId="{4C42CA88-A7EA-EA4F-A561-1302EACB7C31}" type="presParOf" srcId="{6C5B700F-649D-9041-BE03-6C028CF18396}" destId="{81597DCE-A2CE-8E41-8610-25EED82ECA7A}" srcOrd="2" destOrd="0" presId="urn:microsoft.com/office/officeart/2005/8/layout/orgChart1"/>
+    <dgm:cxn modelId="{6E3A5601-0487-1C4A-94A4-119E75B2BB1A}" type="presParOf" srcId="{6C5B700F-649D-9041-BE03-6C028CF18396}" destId="{D933EB67-B5BF-F041-95F7-70641803076E}" srcOrd="3" destOrd="0" presId="urn:microsoft.com/office/officeart/2005/8/layout/orgChart1"/>
+    <dgm:cxn modelId="{DDA10D13-E09D-B94C-A145-F4BCA944A9C6}" type="presParOf" srcId="{D933EB67-B5BF-F041-95F7-70641803076E}" destId="{14AB5EDE-A25F-D349-A298-1CA0247857A0}" srcOrd="0" destOrd="0" presId="urn:microsoft.com/office/officeart/2005/8/layout/orgChart1"/>
+    <dgm:cxn modelId="{3D3DC11F-0868-0441-AA7A-EA639146A1C5}" type="presParOf" srcId="{14AB5EDE-A25F-D349-A298-1CA0247857A0}" destId="{8C9A0B79-F0E3-2749-96B0-A5875CBFAA27}" srcOrd="0" destOrd="0" presId="urn:microsoft.com/office/officeart/2005/8/layout/orgChart1"/>
+    <dgm:cxn modelId="{B2F2A7E2-8A18-8242-A520-EDB307C71772}" type="presParOf" srcId="{14AB5EDE-A25F-D349-A298-1CA0247857A0}" destId="{402EDAC4-3A42-3A41-8B9F-41D3449004AF}" srcOrd="1" destOrd="0" presId="urn:microsoft.com/office/officeart/2005/8/layout/orgChart1"/>
+    <dgm:cxn modelId="{06465C82-8E01-7B4F-9250-EA054371744E}" type="presParOf" srcId="{D933EB67-B5BF-F041-95F7-70641803076E}" destId="{79B1684E-4739-CB4E-AB31-06E4E2971AEA}" srcOrd="1" destOrd="0" presId="urn:microsoft.com/office/officeart/2005/8/layout/orgChart1"/>
+    <dgm:cxn modelId="{5751CF89-CC45-BF4A-8198-9F4ACFB11BC1}" type="presParOf" srcId="{79B1684E-4739-CB4E-AB31-06E4E2971AEA}" destId="{C09707D4-B620-4847-BC5D-565DAE8F8A8E}" srcOrd="0" destOrd="0" presId="urn:microsoft.com/office/officeart/2005/8/layout/orgChart1"/>
+    <dgm:cxn modelId="{24AF841C-98E3-0D46-9026-8F05CB75B3DF}" type="presParOf" srcId="{79B1684E-4739-CB4E-AB31-06E4E2971AEA}" destId="{FC994287-6423-414D-8B6F-E735EF4A424D}" srcOrd="1" destOrd="0" presId="urn:microsoft.com/office/officeart/2005/8/layout/orgChart1"/>
+    <dgm:cxn modelId="{89B6D9D9-FCC0-4D43-BB53-B825C8844237}" type="presParOf" srcId="{FC994287-6423-414D-8B6F-E735EF4A424D}" destId="{F2996065-351F-A74D-A9DA-947B66984552}" srcOrd="0" destOrd="0" presId="urn:microsoft.com/office/officeart/2005/8/layout/orgChart1"/>
+    <dgm:cxn modelId="{A77D59C8-08AB-B54C-9C22-45D27745907A}" type="presParOf" srcId="{F2996065-351F-A74D-A9DA-947B66984552}" destId="{AD66414D-5913-8141-80C0-4FB3C7BAF0CE}" srcOrd="0" destOrd="0" presId="urn:microsoft.com/office/officeart/2005/8/layout/orgChart1"/>
+    <dgm:cxn modelId="{0A43A0AE-E871-AE4E-B19D-B8D60D42EE2E}" type="presParOf" srcId="{F2996065-351F-A74D-A9DA-947B66984552}" destId="{C75AD5A6-D0B5-684D-AB5F-D8530F598897}" srcOrd="1" destOrd="0" presId="urn:microsoft.com/office/officeart/2005/8/layout/orgChart1"/>
+    <dgm:cxn modelId="{0E89E664-57AF-2640-981B-A1104254ACC7}" type="presParOf" srcId="{FC994287-6423-414D-8B6F-E735EF4A424D}" destId="{0320552A-0030-7641-9D3B-29CC26196C50}" srcOrd="1" destOrd="0" presId="urn:microsoft.com/office/officeart/2005/8/layout/orgChart1"/>
+    <dgm:cxn modelId="{2A72B59A-AB18-8F4D-868C-7189C8AD6666}" type="presParOf" srcId="{0320552A-0030-7641-9D3B-29CC26196C50}" destId="{C5FB34AA-1850-7C43-8D49-7F6B278CC5F6}" srcOrd="0" destOrd="0" presId="urn:microsoft.com/office/officeart/2005/8/layout/orgChart1"/>
+    <dgm:cxn modelId="{96837B9B-719D-474E-B95E-A83AB7CBD7F6}" type="presParOf" srcId="{0320552A-0030-7641-9D3B-29CC26196C50}" destId="{74CB3E5E-3022-5649-A665-B5A80D2945B5}" srcOrd="1" destOrd="0" presId="urn:microsoft.com/office/officeart/2005/8/layout/orgChart1"/>
+    <dgm:cxn modelId="{0F49BE5B-7642-BA40-8BAB-5686D61066B3}" type="presParOf" srcId="{74CB3E5E-3022-5649-A665-B5A80D2945B5}" destId="{3C6E957E-87C9-8646-A70F-CA2A3BED58BA}" srcOrd="0" destOrd="0" presId="urn:microsoft.com/office/officeart/2005/8/layout/orgChart1"/>
+    <dgm:cxn modelId="{AFDD71AE-C8B7-6D46-89FD-87EBD8642E00}" type="presParOf" srcId="{3C6E957E-87C9-8646-A70F-CA2A3BED58BA}" destId="{CDAF039D-B252-E84D-BCED-23FE943C1D4B}" srcOrd="0" destOrd="0" presId="urn:microsoft.com/office/officeart/2005/8/layout/orgChart1"/>
+    <dgm:cxn modelId="{CA187777-3ABC-8240-8234-2B993F69024F}" type="presParOf" srcId="{3C6E957E-87C9-8646-A70F-CA2A3BED58BA}" destId="{E622597F-3EBC-624E-AD54-29516F95543F}" srcOrd="1" destOrd="0" presId="urn:microsoft.com/office/officeart/2005/8/layout/orgChart1"/>
+    <dgm:cxn modelId="{86524B54-12F8-2E40-A4A3-B4A0333D1CFB}" type="presParOf" srcId="{74CB3E5E-3022-5649-A665-B5A80D2945B5}" destId="{670B0A5F-7EAE-A64F-816A-2902B5B8732C}" srcOrd="1" destOrd="0" presId="urn:microsoft.com/office/officeart/2005/8/layout/orgChart1"/>
+    <dgm:cxn modelId="{C3A81B3E-5E8B-B44E-A519-9BDE82498567}" type="presParOf" srcId="{74CB3E5E-3022-5649-A665-B5A80D2945B5}" destId="{279EFA41-E23F-B34D-B886-A99342BB7C14}" srcOrd="2" destOrd="0" presId="urn:microsoft.com/office/officeart/2005/8/layout/orgChart1"/>
+    <dgm:cxn modelId="{64B29F7B-9EFE-724C-BD5C-85884BF68B86}" type="presParOf" srcId="{0320552A-0030-7641-9D3B-29CC26196C50}" destId="{2113F9D9-D20E-9342-97C0-8D556822BB79}" srcOrd="2" destOrd="0" presId="urn:microsoft.com/office/officeart/2005/8/layout/orgChart1"/>
+    <dgm:cxn modelId="{E9A687A9-7936-BE48-B861-79B03D140521}" type="presParOf" srcId="{0320552A-0030-7641-9D3B-29CC26196C50}" destId="{E96F9590-96E3-A845-BDEC-DD270C570B9C}" srcOrd="3" destOrd="0" presId="urn:microsoft.com/office/officeart/2005/8/layout/orgChart1"/>
+    <dgm:cxn modelId="{BF640A57-572B-804E-9343-947BB6087AA5}" type="presParOf" srcId="{E96F9590-96E3-A845-BDEC-DD270C570B9C}" destId="{83D1293F-6ED6-5343-97A8-C2F8F20EE16B}" srcOrd="0" destOrd="0" presId="urn:microsoft.com/office/officeart/2005/8/layout/orgChart1"/>
+    <dgm:cxn modelId="{4E128284-F739-844E-B2A2-60A1859C910C}" type="presParOf" srcId="{83D1293F-6ED6-5343-97A8-C2F8F20EE16B}" destId="{6DECA8F8-812B-784B-AE35-3184CBAA7F1B}" srcOrd="0" destOrd="0" presId="urn:microsoft.com/office/officeart/2005/8/layout/orgChart1"/>
+    <dgm:cxn modelId="{E17F015B-24D8-F243-865B-DF2362AD821E}" type="presParOf" srcId="{83D1293F-6ED6-5343-97A8-C2F8F20EE16B}" destId="{847129E5-67F8-3F4B-ABFD-BF677EAD96CE}" srcOrd="1" destOrd="0" presId="urn:microsoft.com/office/officeart/2005/8/layout/orgChart1"/>
+    <dgm:cxn modelId="{384A5935-1A46-6447-9058-E3CE01A80179}" type="presParOf" srcId="{E96F9590-96E3-A845-BDEC-DD270C570B9C}" destId="{DD4A08F9-7291-C94D-9E80-89FAAA6A1BB0}" srcOrd="1" destOrd="0" presId="urn:microsoft.com/office/officeart/2005/8/layout/orgChart1"/>
+    <dgm:cxn modelId="{B230C50D-614B-964D-93C5-B1491C094675}" type="presParOf" srcId="{DD4A08F9-7291-C94D-9E80-89FAAA6A1BB0}" destId="{7ACE4531-6AE8-B34E-9C1D-CD7C1B494F83}" srcOrd="0" destOrd="0" presId="urn:microsoft.com/office/officeart/2005/8/layout/orgChart1"/>
+    <dgm:cxn modelId="{73ABF453-5361-114F-A3F0-BC50DDA7BF16}" type="presParOf" srcId="{DD4A08F9-7291-C94D-9E80-89FAAA6A1BB0}" destId="{0389FB87-8421-8E41-94AF-C525B1FF9663}" srcOrd="1" destOrd="0" presId="urn:microsoft.com/office/officeart/2005/8/layout/orgChart1"/>
+    <dgm:cxn modelId="{4FE9BD16-A937-4B43-9CDB-A549032A4B1D}" type="presParOf" srcId="{0389FB87-8421-8E41-94AF-C525B1FF9663}" destId="{A19851A7-648D-804F-96AE-6772B2B729FB}" srcOrd="0" destOrd="0" presId="urn:microsoft.com/office/officeart/2005/8/layout/orgChart1"/>
+    <dgm:cxn modelId="{2B8D71C5-4B45-7B4A-858A-25EC22DA61A8}" type="presParOf" srcId="{A19851A7-648D-804F-96AE-6772B2B729FB}" destId="{C0D54584-6380-714F-AA60-29F3A487BA45}" srcOrd="0" destOrd="0" presId="urn:microsoft.com/office/officeart/2005/8/layout/orgChart1"/>
+    <dgm:cxn modelId="{0B3D9359-B1E9-1D44-A900-2E312745DD08}" type="presParOf" srcId="{A19851A7-648D-804F-96AE-6772B2B729FB}" destId="{9D7F4D28-B053-A442-A348-01FD5B2B5F08}" srcOrd="1" destOrd="0" presId="urn:microsoft.com/office/officeart/2005/8/layout/orgChart1"/>
+    <dgm:cxn modelId="{68A93010-561B-1A4A-9602-C020756F6C64}" type="presParOf" srcId="{0389FB87-8421-8E41-94AF-C525B1FF9663}" destId="{F7CDAB75-6E3A-B947-9DCB-9681316510D2}" srcOrd="1" destOrd="0" presId="urn:microsoft.com/office/officeart/2005/8/layout/orgChart1"/>
+    <dgm:cxn modelId="{767ED597-532F-D248-A5E9-792E33BBD477}" type="presParOf" srcId="{0389FB87-8421-8E41-94AF-C525B1FF9663}" destId="{EF1530F8-61CD-5A47-890C-61BFEB1413A3}" srcOrd="2" destOrd="0" presId="urn:microsoft.com/office/officeart/2005/8/layout/orgChart1"/>
+    <dgm:cxn modelId="{CED43DA3-5513-CA49-ABC8-6AF7DAF67EC4}" type="presParOf" srcId="{DD4A08F9-7291-C94D-9E80-89FAAA6A1BB0}" destId="{73235BC4-4C36-5C4D-B2E3-B8FC51498EBE}" srcOrd="2" destOrd="0" presId="urn:microsoft.com/office/officeart/2005/8/layout/orgChart1"/>
+    <dgm:cxn modelId="{2601B00D-B9F1-BE48-9518-50E928991CC1}" type="presParOf" srcId="{DD4A08F9-7291-C94D-9E80-89FAAA6A1BB0}" destId="{989D0B30-BEE5-DC44-A393-9373997F2DBE}" srcOrd="3" destOrd="0" presId="urn:microsoft.com/office/officeart/2005/8/layout/orgChart1"/>
+    <dgm:cxn modelId="{DD6C84F9-3C74-2149-A0BD-A1D8FE049B02}" type="presParOf" srcId="{989D0B30-BEE5-DC44-A393-9373997F2DBE}" destId="{D64D93A6-60A8-AE41-914B-616E8C001FC8}" srcOrd="0" destOrd="0" presId="urn:microsoft.com/office/officeart/2005/8/layout/orgChart1"/>
+    <dgm:cxn modelId="{E886CF15-279D-BD49-AD45-1A92F5F0EDA5}" type="presParOf" srcId="{D64D93A6-60A8-AE41-914B-616E8C001FC8}" destId="{15104183-150F-E043-AA68-16E356119BBD}" srcOrd="0" destOrd="0" presId="urn:microsoft.com/office/officeart/2005/8/layout/orgChart1"/>
+    <dgm:cxn modelId="{558F212E-5393-9042-99F3-FFE4CDE63532}" type="presParOf" srcId="{D64D93A6-60A8-AE41-914B-616E8C001FC8}" destId="{3B3C0869-08D5-3E47-8C46-157936E143D7}" srcOrd="1" destOrd="0" presId="urn:microsoft.com/office/officeart/2005/8/layout/orgChart1"/>
+    <dgm:cxn modelId="{0589BA30-C920-4344-9120-F8CAA970846C}" type="presParOf" srcId="{989D0B30-BEE5-DC44-A393-9373997F2DBE}" destId="{11D6F82A-7ED8-CB4C-A4DB-F60DB0437A43}" srcOrd="1" destOrd="0" presId="urn:microsoft.com/office/officeart/2005/8/layout/orgChart1"/>
+    <dgm:cxn modelId="{311B3C82-8AAF-3047-A1D5-AF0136A059EF}" type="presParOf" srcId="{11D6F82A-7ED8-CB4C-A4DB-F60DB0437A43}" destId="{1D06E6BC-90BC-3C4F-8E5F-CD3961316B04}" srcOrd="0" destOrd="0" presId="urn:microsoft.com/office/officeart/2005/8/layout/orgChart1"/>
+    <dgm:cxn modelId="{9F483E61-36E8-B647-8D69-CF55C430DC42}" type="presParOf" srcId="{11D6F82A-7ED8-CB4C-A4DB-F60DB0437A43}" destId="{B6CF37C9-49D9-8649-9D26-BE01B1EA3A6F}" srcOrd="1" destOrd="0" presId="urn:microsoft.com/office/officeart/2005/8/layout/orgChart1"/>
+    <dgm:cxn modelId="{45F8BF0D-587C-5E45-B1B3-54490F01287B}" type="presParOf" srcId="{B6CF37C9-49D9-8649-9D26-BE01B1EA3A6F}" destId="{01FD91A1-77CD-EC42-A9C1-DCBA1C9CF0FA}" srcOrd="0" destOrd="0" presId="urn:microsoft.com/office/officeart/2005/8/layout/orgChart1"/>
+    <dgm:cxn modelId="{C81B7D8C-E9F3-B248-BE6E-F5BAFC590F1F}" type="presParOf" srcId="{01FD91A1-77CD-EC42-A9C1-DCBA1C9CF0FA}" destId="{8070880A-6D9D-3E45-BBA5-857722588F19}" srcOrd="0" destOrd="0" presId="urn:microsoft.com/office/officeart/2005/8/layout/orgChart1"/>
+    <dgm:cxn modelId="{AC4C5D78-0F24-CC4C-9A91-A1D248100778}" type="presParOf" srcId="{01FD91A1-77CD-EC42-A9C1-DCBA1C9CF0FA}" destId="{87189835-0967-8044-A641-DF494EDED7FD}" srcOrd="1" destOrd="0" presId="urn:microsoft.com/office/officeart/2005/8/layout/orgChart1"/>
+    <dgm:cxn modelId="{000C2383-4C19-204C-9E0E-EC338E3EC4EA}" type="presParOf" srcId="{B6CF37C9-49D9-8649-9D26-BE01B1EA3A6F}" destId="{670BD775-5E96-2040-AB67-45AFD6D52133}" srcOrd="1" destOrd="0" presId="urn:microsoft.com/office/officeart/2005/8/layout/orgChart1"/>
+    <dgm:cxn modelId="{563A6F82-D34C-9A4A-965F-7AA3D1454158}" type="presParOf" srcId="{B6CF37C9-49D9-8649-9D26-BE01B1EA3A6F}" destId="{7A2021B6-E5D2-C743-9D15-423C7B6516AB}" srcOrd="2" destOrd="0" presId="urn:microsoft.com/office/officeart/2005/8/layout/orgChart1"/>
+    <dgm:cxn modelId="{AC7B29AD-C6DB-494A-9A1A-91FFB5AD959A}" type="presParOf" srcId="{11D6F82A-7ED8-CB4C-A4DB-F60DB0437A43}" destId="{6CD4CCA3-ADBD-DA47-BDCB-B2C4609F041A}" srcOrd="2" destOrd="0" presId="urn:microsoft.com/office/officeart/2005/8/layout/orgChart1"/>
+    <dgm:cxn modelId="{39495965-0F57-4D4F-8D66-4683892FDBF3}" type="presParOf" srcId="{11D6F82A-7ED8-CB4C-A4DB-F60DB0437A43}" destId="{517B9393-14E4-064D-A2A3-CB0F0F7E0437}" srcOrd="3" destOrd="0" presId="urn:microsoft.com/office/officeart/2005/8/layout/orgChart1"/>
+    <dgm:cxn modelId="{DC18CF2D-3BB9-AE4B-B5D2-9DC368E9A90F}" type="presParOf" srcId="{517B9393-14E4-064D-A2A3-CB0F0F7E0437}" destId="{124AD52B-5E42-C84E-A341-BCC4B1D9EF6A}" srcOrd="0" destOrd="0" presId="urn:microsoft.com/office/officeart/2005/8/layout/orgChart1"/>
+    <dgm:cxn modelId="{0B80E2A7-DA20-E944-BB6D-0C66A0A8013A}" type="presParOf" srcId="{124AD52B-5E42-C84E-A341-BCC4B1D9EF6A}" destId="{7E75A885-90A3-2F4E-871B-4C65946DDE1A}" srcOrd="0" destOrd="0" presId="urn:microsoft.com/office/officeart/2005/8/layout/orgChart1"/>
+    <dgm:cxn modelId="{1E16E542-7C24-5C48-AD1A-38B3F4B89CC6}" type="presParOf" srcId="{124AD52B-5E42-C84E-A341-BCC4B1D9EF6A}" destId="{51C085B7-6160-BF42-9AC9-8AFAF050F94D}" srcOrd="1" destOrd="0" presId="urn:microsoft.com/office/officeart/2005/8/layout/orgChart1"/>
+    <dgm:cxn modelId="{D3BD107E-FDD1-1E43-BD3F-9A9F77480A5A}" type="presParOf" srcId="{517B9393-14E4-064D-A2A3-CB0F0F7E0437}" destId="{DE16C8EC-ABD7-3C4A-9231-76BB951A8DFF}" srcOrd="1" destOrd="0" presId="urn:microsoft.com/office/officeart/2005/8/layout/orgChart1"/>
+    <dgm:cxn modelId="{A72B8CA1-8002-2045-A1C7-55BFBA3F869F}" type="presParOf" srcId="{517B9393-14E4-064D-A2A3-CB0F0F7E0437}" destId="{507A89A8-43AA-CF4B-8D65-7411DF9F596A}" srcOrd="2" destOrd="0" presId="urn:microsoft.com/office/officeart/2005/8/layout/orgChart1"/>
+    <dgm:cxn modelId="{1E66EEDE-8B33-104E-8EC1-773F8BFF025D}" type="presParOf" srcId="{11D6F82A-7ED8-CB4C-A4DB-F60DB0437A43}" destId="{CB42EF46-0B58-914A-BA03-E1340278B5F7}" srcOrd="4" destOrd="0" presId="urn:microsoft.com/office/officeart/2005/8/layout/orgChart1"/>
+    <dgm:cxn modelId="{78E687C2-3DC2-F64F-A15E-7CB1AED65EB8}" type="presParOf" srcId="{11D6F82A-7ED8-CB4C-A4DB-F60DB0437A43}" destId="{438DA038-97C9-7C46-BDCA-2F7FD586B32E}" srcOrd="5" destOrd="0" presId="urn:microsoft.com/office/officeart/2005/8/layout/orgChart1"/>
+    <dgm:cxn modelId="{ADD14E1A-698D-1D4C-AB3D-1E56DBB4F6B3}" type="presParOf" srcId="{438DA038-97C9-7C46-BDCA-2F7FD586B32E}" destId="{05518DDD-02BA-D241-97CF-B19827BFEA58}" srcOrd="0" destOrd="0" presId="urn:microsoft.com/office/officeart/2005/8/layout/orgChart1"/>
+    <dgm:cxn modelId="{08CEEC73-675D-5341-A2BB-D072FEE02949}" type="presParOf" srcId="{05518DDD-02BA-D241-97CF-B19827BFEA58}" destId="{758C4E8E-D5A9-C842-A8AD-147A5CCD7FC5}" srcOrd="0" destOrd="0" presId="urn:microsoft.com/office/officeart/2005/8/layout/orgChart1"/>
+    <dgm:cxn modelId="{6332E6C5-DC3D-6545-84A1-E3F488541982}" type="presParOf" srcId="{05518DDD-02BA-D241-97CF-B19827BFEA58}" destId="{E5DDF00B-8072-A24E-966D-A191534B7861}" srcOrd="1" destOrd="0" presId="urn:microsoft.com/office/officeart/2005/8/layout/orgChart1"/>
+    <dgm:cxn modelId="{47C6519E-2DDC-A448-9986-4A03892853B7}" type="presParOf" srcId="{438DA038-97C9-7C46-BDCA-2F7FD586B32E}" destId="{AF889728-0E8C-1141-875A-81B66A5FF213}" srcOrd="1" destOrd="0" presId="urn:microsoft.com/office/officeart/2005/8/layout/orgChart1"/>
+    <dgm:cxn modelId="{763BC9CD-42C9-F64E-B177-24925FC44B08}" type="presParOf" srcId="{438DA038-97C9-7C46-BDCA-2F7FD586B32E}" destId="{5A02502F-7D60-0E40-8220-5D0AAFD036EE}" srcOrd="2" destOrd="0" presId="urn:microsoft.com/office/officeart/2005/8/layout/orgChart1"/>
+    <dgm:cxn modelId="{30DF4787-7C22-8945-8061-17F18740E77A}" type="presParOf" srcId="{989D0B30-BEE5-DC44-A393-9373997F2DBE}" destId="{05DCE06A-5FB5-334E-A7EE-35785F1548BC}" srcOrd="2" destOrd="0" presId="urn:microsoft.com/office/officeart/2005/8/layout/orgChart1"/>
+    <dgm:cxn modelId="{57B64B4A-5D46-E348-B51E-6919CA69B7A6}" type="presParOf" srcId="{E96F9590-96E3-A845-BDEC-DD270C570B9C}" destId="{8AD460FA-00F9-F948-95D8-72227144F42E}" srcOrd="2" destOrd="0" presId="urn:microsoft.com/office/officeart/2005/8/layout/orgChart1"/>
+    <dgm:cxn modelId="{E58F63E9-3F1C-FE44-B375-E483D572032B}" type="presParOf" srcId="{FC994287-6423-414D-8B6F-E735EF4A424D}" destId="{95EF57AA-C6E2-B74F-BB25-D4A1338ECE49}" srcOrd="2" destOrd="0" presId="urn:microsoft.com/office/officeart/2005/8/layout/orgChart1"/>
+    <dgm:cxn modelId="{AB7A3928-CCCA-D241-BDCA-D92E0A4E4915}" type="presParOf" srcId="{79B1684E-4739-CB4E-AB31-06E4E2971AEA}" destId="{C3A94117-F689-C948-8150-BA2468B3B468}" srcOrd="2" destOrd="0" presId="urn:microsoft.com/office/officeart/2005/8/layout/orgChart1"/>
+    <dgm:cxn modelId="{22C711DC-1DDC-2A41-82E8-1DBBEB93193F}" type="presParOf" srcId="{79B1684E-4739-CB4E-AB31-06E4E2971AEA}" destId="{0F4ADD66-8B67-DE41-A040-7E1966FA625A}" srcOrd="3" destOrd="0" presId="urn:microsoft.com/office/officeart/2005/8/layout/orgChart1"/>
+    <dgm:cxn modelId="{D8487AAB-2248-164A-866F-A117D70A52DD}" type="presParOf" srcId="{0F4ADD66-8B67-DE41-A040-7E1966FA625A}" destId="{2F4C40CD-AAB2-A849-B2C8-353925174737}" srcOrd="0" destOrd="0" presId="urn:microsoft.com/office/officeart/2005/8/layout/orgChart1"/>
+    <dgm:cxn modelId="{26568F02-6795-AC45-BA41-F633FCC5253E}" type="presParOf" srcId="{2F4C40CD-AAB2-A849-B2C8-353925174737}" destId="{C97AE745-CC77-1F47-B480-5D52ACC033D5}" srcOrd="0" destOrd="0" presId="urn:microsoft.com/office/officeart/2005/8/layout/orgChart1"/>
+    <dgm:cxn modelId="{31ACCB76-1A41-AD4E-8078-BEFB5CAD5441}" type="presParOf" srcId="{2F4C40CD-AAB2-A849-B2C8-353925174737}" destId="{B1C82148-B214-6748-AC9F-7A6509A56F5E}" srcOrd="1" destOrd="0" presId="urn:microsoft.com/office/officeart/2005/8/layout/orgChart1"/>
+    <dgm:cxn modelId="{A5A26661-18AE-B548-8D92-B8239E1EAD61}" type="presParOf" srcId="{0F4ADD66-8B67-DE41-A040-7E1966FA625A}" destId="{8DD93B25-D891-C645-8839-25EF2CE402ED}" srcOrd="1" destOrd="0" presId="urn:microsoft.com/office/officeart/2005/8/layout/orgChart1"/>
+    <dgm:cxn modelId="{E5FDB568-ED4C-784D-8692-25EDBBF0BC20}" type="presParOf" srcId="{8DD93B25-D891-C645-8839-25EF2CE402ED}" destId="{B0DFBA58-285D-1D49-9D33-7C487279F8B2}" srcOrd="0" destOrd="0" presId="urn:microsoft.com/office/officeart/2005/8/layout/orgChart1"/>
+    <dgm:cxn modelId="{4989B6A2-8581-F64F-AEA6-F39205DFD071}" type="presParOf" srcId="{8DD93B25-D891-C645-8839-25EF2CE402ED}" destId="{4CC16E5D-DD5E-404F-8D18-F0F0AEF70D09}" srcOrd="1" destOrd="0" presId="urn:microsoft.com/office/officeart/2005/8/layout/orgChart1"/>
+    <dgm:cxn modelId="{CBB97D2A-052E-B844-A974-5DE571C9F3F0}" type="presParOf" srcId="{4CC16E5D-DD5E-404F-8D18-F0F0AEF70D09}" destId="{57ABA32F-162F-D145-809A-3818679D14A2}" srcOrd="0" destOrd="0" presId="urn:microsoft.com/office/officeart/2005/8/layout/orgChart1"/>
+    <dgm:cxn modelId="{F6331EBA-4E0A-BB4D-9D9C-9607962D8F83}" type="presParOf" srcId="{57ABA32F-162F-D145-809A-3818679D14A2}" destId="{CAA7EF78-4902-E245-8C22-2198A88A5FFF}" srcOrd="0" destOrd="0" presId="urn:microsoft.com/office/officeart/2005/8/layout/orgChart1"/>
+    <dgm:cxn modelId="{4DA18E6C-1E3F-D14B-B27B-14161CEBF1FA}" type="presParOf" srcId="{57ABA32F-162F-D145-809A-3818679D14A2}" destId="{ECFBCE6C-78B3-A947-B861-402EAB14070E}" srcOrd="1" destOrd="0" presId="urn:microsoft.com/office/officeart/2005/8/layout/orgChart1"/>
+    <dgm:cxn modelId="{C1A6B6AB-2AC6-0141-8330-FA5A34E906AC}" type="presParOf" srcId="{4CC16E5D-DD5E-404F-8D18-F0F0AEF70D09}" destId="{7A7F3B2F-5881-C246-A71B-76FABFC0B005}" srcOrd="1" destOrd="0" presId="urn:microsoft.com/office/officeart/2005/8/layout/orgChart1"/>
+    <dgm:cxn modelId="{07F9DD4C-062E-E244-93F6-DE08E1131367}" type="presParOf" srcId="{4CC16E5D-DD5E-404F-8D18-F0F0AEF70D09}" destId="{EF3ACCA5-8CAA-9D4B-9C92-52E791BB3A06}" srcOrd="2" destOrd="0" presId="urn:microsoft.com/office/officeart/2005/8/layout/orgChart1"/>
+    <dgm:cxn modelId="{3B429F34-7738-4841-98B7-7F107CF3914B}" type="presParOf" srcId="{8DD93B25-D891-C645-8839-25EF2CE402ED}" destId="{B47AB7B8-6B72-C449-BF2A-7837270302BB}" srcOrd="2" destOrd="0" presId="urn:microsoft.com/office/officeart/2005/8/layout/orgChart1"/>
+    <dgm:cxn modelId="{68682AB6-2186-264C-8DD6-2ACFF90D82CF}" type="presParOf" srcId="{8DD93B25-D891-C645-8839-25EF2CE402ED}" destId="{8829B229-91C6-284A-A193-80A3F80970C6}" srcOrd="3" destOrd="0" presId="urn:microsoft.com/office/officeart/2005/8/layout/orgChart1"/>
+    <dgm:cxn modelId="{8C2BF548-23C1-6248-84B3-87FABE0BC96C}" type="presParOf" srcId="{8829B229-91C6-284A-A193-80A3F80970C6}" destId="{2D90C8B9-77C2-504F-828D-22152A316E6F}" srcOrd="0" destOrd="0" presId="urn:microsoft.com/office/officeart/2005/8/layout/orgChart1"/>
+    <dgm:cxn modelId="{7BC19D77-B416-3447-9791-87B7FD398D9D}" type="presParOf" srcId="{2D90C8B9-77C2-504F-828D-22152A316E6F}" destId="{8FDD0EE8-1D2D-2A4F-9C58-B79EC28712EF}" srcOrd="0" destOrd="0" presId="urn:microsoft.com/office/officeart/2005/8/layout/orgChart1"/>
+    <dgm:cxn modelId="{2F3F8968-0ADF-3D42-9D68-EB70DF6EE4DF}" type="presParOf" srcId="{2D90C8B9-77C2-504F-828D-22152A316E6F}" destId="{126BB115-96D0-2748-8C7B-3A504BC4DAD2}" srcOrd="1" destOrd="0" presId="urn:microsoft.com/office/officeart/2005/8/layout/orgChart1"/>
+    <dgm:cxn modelId="{23C84507-3DF6-9A4E-A5EB-53DBA847F08F}" type="presParOf" srcId="{8829B229-91C6-284A-A193-80A3F80970C6}" destId="{BE44AA79-4542-9F40-8DA0-6406DA7955E8}" srcOrd="1" destOrd="0" presId="urn:microsoft.com/office/officeart/2005/8/layout/orgChart1"/>
+    <dgm:cxn modelId="{FCC0E5CB-99CE-044C-A2B2-3072871C71AF}" type="presParOf" srcId="{8829B229-91C6-284A-A193-80A3F80970C6}" destId="{25BAA757-8ED0-F54C-A3B6-B7CB1A6E6018}" srcOrd="2" destOrd="0" presId="urn:microsoft.com/office/officeart/2005/8/layout/orgChart1"/>
+    <dgm:cxn modelId="{CD896988-E4EA-DB45-97C0-64FAF6DA7068}" type="presParOf" srcId="{8DD93B25-D891-C645-8839-25EF2CE402ED}" destId="{12AC7B23-8B0F-3747-8CD9-49A4988E7B4D}" srcOrd="4" destOrd="0" presId="urn:microsoft.com/office/officeart/2005/8/layout/orgChart1"/>
+    <dgm:cxn modelId="{4FE741C2-ACD1-EA45-AE18-8125F6A2B0BA}" type="presParOf" srcId="{8DD93B25-D891-C645-8839-25EF2CE402ED}" destId="{4E5DB618-5CFF-724E-8984-B3A726976438}" srcOrd="5" destOrd="0" presId="urn:microsoft.com/office/officeart/2005/8/layout/orgChart1"/>
+    <dgm:cxn modelId="{25A5D964-FA18-4443-929F-98CDECA58FF2}" type="presParOf" srcId="{4E5DB618-5CFF-724E-8984-B3A726976438}" destId="{3A9792A9-888C-244C-80CB-9C058C67C28A}" srcOrd="0" destOrd="0" presId="urn:microsoft.com/office/officeart/2005/8/layout/orgChart1"/>
+    <dgm:cxn modelId="{08A803FB-50C7-8748-82CD-6A0975127DE5}" type="presParOf" srcId="{3A9792A9-888C-244C-80CB-9C058C67C28A}" destId="{58797BCC-77B3-2847-B167-E46B253C146C}" srcOrd="0" destOrd="0" presId="urn:microsoft.com/office/officeart/2005/8/layout/orgChart1"/>
+    <dgm:cxn modelId="{F420EC27-E5E2-CA45-A930-E67FD98A9135}" type="presParOf" srcId="{3A9792A9-888C-244C-80CB-9C058C67C28A}" destId="{89F47174-F227-814C-80BC-D8548ACB1C0F}" srcOrd="1" destOrd="0" presId="urn:microsoft.com/office/officeart/2005/8/layout/orgChart1"/>
+    <dgm:cxn modelId="{D5AD5FA8-176F-AE41-BD4C-4A1ADEB54696}" type="presParOf" srcId="{4E5DB618-5CFF-724E-8984-B3A726976438}" destId="{A3D354F6-5684-AA4D-BD64-490FED5AD1CB}" srcOrd="1" destOrd="0" presId="urn:microsoft.com/office/officeart/2005/8/layout/orgChart1"/>
+    <dgm:cxn modelId="{F5F01E40-E839-8146-9159-F565A1B527D8}" type="presParOf" srcId="{4E5DB618-5CFF-724E-8984-B3A726976438}" destId="{56D966CA-59CE-884E-874D-62D8B9B5A8AD}" srcOrd="2" destOrd="0" presId="urn:microsoft.com/office/officeart/2005/8/layout/orgChart1"/>
+    <dgm:cxn modelId="{DEBD8397-63F2-F641-9C5D-70D7434FD74D}" type="presParOf" srcId="{8DD93B25-D891-C645-8839-25EF2CE402ED}" destId="{AF269B89-BB95-5049-BE1B-3F51A503FF77}" srcOrd="6" destOrd="0" presId="urn:microsoft.com/office/officeart/2005/8/layout/orgChart1"/>
+    <dgm:cxn modelId="{6A2EA263-FC26-6344-ABE7-F582C46CADA4}" type="presParOf" srcId="{8DD93B25-D891-C645-8839-25EF2CE402ED}" destId="{B0B358BC-7BBD-4144-87DD-4A91FC3353AD}" srcOrd="7" destOrd="0" presId="urn:microsoft.com/office/officeart/2005/8/layout/orgChart1"/>
+    <dgm:cxn modelId="{861A11F6-CE83-A04E-A105-90AD3E186698}" type="presParOf" srcId="{B0B358BC-7BBD-4144-87DD-4A91FC3353AD}" destId="{D31AB668-D22D-E24E-BEBB-FBFE8C341648}" srcOrd="0" destOrd="0" presId="urn:microsoft.com/office/officeart/2005/8/layout/orgChart1"/>
+    <dgm:cxn modelId="{55FDC2E9-6FFB-484B-ABCE-A45B35C01FB9}" type="presParOf" srcId="{D31AB668-D22D-E24E-BEBB-FBFE8C341648}" destId="{C4FFA5A3-9BF8-8F43-9259-12332A2E49D9}" srcOrd="0" destOrd="0" presId="urn:microsoft.com/office/officeart/2005/8/layout/orgChart1"/>
+    <dgm:cxn modelId="{BE2410E9-B3FD-5341-9910-1E3AB3F5008F}" type="presParOf" srcId="{D31AB668-D22D-E24E-BEBB-FBFE8C341648}" destId="{59A5ADB2-91ED-5843-8AB2-06C56EDF53D9}" srcOrd="1" destOrd="0" presId="urn:microsoft.com/office/officeart/2005/8/layout/orgChart1"/>
+    <dgm:cxn modelId="{041D9742-8B9E-1A41-9D75-78C8E201353E}" type="presParOf" srcId="{B0B358BC-7BBD-4144-87DD-4A91FC3353AD}" destId="{3C04BBA8-C0C1-0240-B999-E5314524B0BE}" srcOrd="1" destOrd="0" presId="urn:microsoft.com/office/officeart/2005/8/layout/orgChart1"/>
+    <dgm:cxn modelId="{B2A60806-40B7-3941-8F80-7AE65DA854F7}" type="presParOf" srcId="{B0B358BC-7BBD-4144-87DD-4A91FC3353AD}" destId="{447B93A3-5BEB-8245-BFED-5423311B046D}" srcOrd="2" destOrd="0" presId="urn:microsoft.com/office/officeart/2005/8/layout/orgChart1"/>
+    <dgm:cxn modelId="{D6B1ED46-1B0F-4C4C-AD68-404E73EF8DB1}" type="presParOf" srcId="{8DD93B25-D891-C645-8839-25EF2CE402ED}" destId="{BB61DD17-1F78-B74B-857E-EFA29B9DFFBC}" srcOrd="8" destOrd="0" presId="urn:microsoft.com/office/officeart/2005/8/layout/orgChart1"/>
+    <dgm:cxn modelId="{B583140E-F871-E941-B9D7-399CF476A167}" type="presParOf" srcId="{8DD93B25-D891-C645-8839-25EF2CE402ED}" destId="{07C11235-3DD3-CD4B-B046-6E4CECEAD0AC}" srcOrd="9" destOrd="0" presId="urn:microsoft.com/office/officeart/2005/8/layout/orgChart1"/>
+    <dgm:cxn modelId="{065B01AC-1EC7-114D-A299-5F2CC1C31FE3}" type="presParOf" srcId="{07C11235-3DD3-CD4B-B046-6E4CECEAD0AC}" destId="{A4279AB1-CE0D-E04B-9683-D525EC302451}" srcOrd="0" destOrd="0" presId="urn:microsoft.com/office/officeart/2005/8/layout/orgChart1"/>
+    <dgm:cxn modelId="{64DED14E-C8DA-2A46-9DFC-D5A25EE34E5C}" type="presParOf" srcId="{A4279AB1-CE0D-E04B-9683-D525EC302451}" destId="{EC1F51F2-5BB8-9245-AEE3-117A7CFADAB8}" srcOrd="0" destOrd="0" presId="urn:microsoft.com/office/officeart/2005/8/layout/orgChart1"/>
+    <dgm:cxn modelId="{7D51F906-AC3D-EE46-8CF8-8FE22CDD4BC6}" type="presParOf" srcId="{A4279AB1-CE0D-E04B-9683-D525EC302451}" destId="{A0A529AD-E4B0-C441-BCD0-1C6D37848A7E}" srcOrd="1" destOrd="0" presId="urn:microsoft.com/office/officeart/2005/8/layout/orgChart1"/>
+    <dgm:cxn modelId="{A4013FC0-C123-F046-9211-1D0C536A7F48}" type="presParOf" srcId="{07C11235-3DD3-CD4B-B046-6E4CECEAD0AC}" destId="{310635A1-49A1-E34B-81E4-613171F68587}" srcOrd="1" destOrd="0" presId="urn:microsoft.com/office/officeart/2005/8/layout/orgChart1"/>
+    <dgm:cxn modelId="{5B31126A-3288-5E48-BE0A-25656EE19505}" type="presParOf" srcId="{07C11235-3DD3-CD4B-B046-6E4CECEAD0AC}" destId="{BC15CE84-9348-9A44-A1DC-F568E081F7AF}" srcOrd="2" destOrd="0" presId="urn:microsoft.com/office/officeart/2005/8/layout/orgChart1"/>
+    <dgm:cxn modelId="{3D6B05C7-F9B0-D64E-8B5D-C610CBBBA9C6}" type="presParOf" srcId="{0F4ADD66-8B67-DE41-A040-7E1966FA625A}" destId="{933CF59D-A3E1-DD45-8B1F-21F1FF154556}" srcOrd="2" destOrd="0" presId="urn:microsoft.com/office/officeart/2005/8/layout/orgChart1"/>
+    <dgm:cxn modelId="{75E5C311-8E3C-C84F-BD57-18E83A6E2EDA}" type="presParOf" srcId="{D933EB67-B5BF-F041-95F7-70641803076E}" destId="{D1B36D2A-033A-3947-8BF6-D1ACD296593A}" srcOrd="2" destOrd="0" presId="urn:microsoft.com/office/officeart/2005/8/layout/orgChart1"/>
+    <dgm:cxn modelId="{D72D4451-89DF-5942-B362-19ABFF972C7B}" type="presParOf" srcId="{B2976406-1A78-E34F-BB05-D6917E5DCA3F}" destId="{8EC00019-ADF6-6F48-B854-62817677E67B}" srcOrd="2" destOrd="0" presId="urn:microsoft.com/office/officeart/2005/8/layout/orgChart1"/>
   </dgm:cxnLst>
   <dgm:bg/>
   <dgm:whole/>
@@ -5842,6 +8049,2348 @@
 </dsp:drawing>
 </file>
 
+<file path=ppt/diagrams/drawing3.xml><?xml version="1.0" encoding="utf-8"?>
+<dsp:drawing xmlns:dgm="http://schemas.openxmlformats.org/drawingml/2006/diagram" xmlns:dsp="http://schemas.microsoft.com/office/drawing/2008/diagram" xmlns:a="http://schemas.openxmlformats.org/drawingml/2006/main">
+  <dsp:spTree>
+    <dsp:nvGrpSpPr>
+      <dsp:cNvPr id="0" name=""/>
+      <dsp:cNvGrpSpPr/>
+    </dsp:nvGrpSpPr>
+    <dsp:grpSpPr/>
+    <dsp:sp modelId="{BB61DD17-1F78-B74B-857E-EFA29B9DFFBC}">
+      <dsp:nvSpPr>
+        <dsp:cNvPr id="0" name=""/>
+        <dsp:cNvSpPr/>
+      </dsp:nvSpPr>
+      <dsp:spPr>
+        <a:xfrm>
+          <a:off x="6505524" y="2136933"/>
+          <a:ext cx="166624" cy="3665744"/>
+        </a:xfrm>
+        <a:custGeom>
+          <a:avLst/>
+          <a:gdLst/>
+          <a:ahLst/>
+          <a:cxnLst/>
+          <a:rect l="0" t="0" r="0" b="0"/>
+          <a:pathLst>
+            <a:path>
+              <a:moveTo>
+                <a:pt x="0" y="0"/>
+              </a:moveTo>
+              <a:lnTo>
+                <a:pt x="0" y="3665744"/>
+              </a:lnTo>
+              <a:lnTo>
+                <a:pt x="166624" y="3665744"/>
+              </a:lnTo>
+            </a:path>
+          </a:pathLst>
+        </a:custGeom>
+        <a:noFill/>
+        <a:ln w="12700" cap="flat" cmpd="sng" algn="ctr">
+          <a:solidFill>
+            <a:schemeClr val="accent1">
+              <a:shade val="80000"/>
+              <a:hueOff val="0"/>
+              <a:satOff val="0"/>
+              <a:lumOff val="0"/>
+              <a:alphaOff val="0"/>
+            </a:schemeClr>
+          </a:solidFill>
+          <a:prstDash val="solid"/>
+          <a:miter lim="800000"/>
+        </a:ln>
+        <a:effectLst/>
+      </dsp:spPr>
+      <dsp:style>
+        <a:lnRef idx="2">
+          <a:scrgbClr r="0" g="0" b="0"/>
+        </a:lnRef>
+        <a:fillRef idx="0">
+          <a:scrgbClr r="0" g="0" b="0"/>
+        </a:fillRef>
+        <a:effectRef idx="0">
+          <a:scrgbClr r="0" g="0" b="0"/>
+        </a:effectRef>
+        <a:fontRef idx="minor"/>
+      </dsp:style>
+    </dsp:sp>
+    <dsp:sp modelId="{AF269B89-BB95-5049-BE1B-3F51A503FF77}">
+      <dsp:nvSpPr>
+        <dsp:cNvPr id="0" name=""/>
+        <dsp:cNvSpPr/>
+      </dsp:nvSpPr>
+      <dsp:spPr>
+        <a:xfrm>
+          <a:off x="6505524" y="2136933"/>
+          <a:ext cx="166624" cy="2877053"/>
+        </a:xfrm>
+        <a:custGeom>
+          <a:avLst/>
+          <a:gdLst/>
+          <a:ahLst/>
+          <a:cxnLst/>
+          <a:rect l="0" t="0" r="0" b="0"/>
+          <a:pathLst>
+            <a:path>
+              <a:moveTo>
+                <a:pt x="0" y="0"/>
+              </a:moveTo>
+              <a:lnTo>
+                <a:pt x="0" y="2877053"/>
+              </a:lnTo>
+              <a:lnTo>
+                <a:pt x="166624" y="2877053"/>
+              </a:lnTo>
+            </a:path>
+          </a:pathLst>
+        </a:custGeom>
+        <a:noFill/>
+        <a:ln w="12700" cap="flat" cmpd="sng" algn="ctr">
+          <a:solidFill>
+            <a:schemeClr val="accent1">
+              <a:shade val="80000"/>
+              <a:hueOff val="0"/>
+              <a:satOff val="0"/>
+              <a:lumOff val="0"/>
+              <a:alphaOff val="0"/>
+            </a:schemeClr>
+          </a:solidFill>
+          <a:prstDash val="solid"/>
+          <a:miter lim="800000"/>
+        </a:ln>
+        <a:effectLst/>
+      </dsp:spPr>
+      <dsp:style>
+        <a:lnRef idx="2">
+          <a:scrgbClr r="0" g="0" b="0"/>
+        </a:lnRef>
+        <a:fillRef idx="0">
+          <a:scrgbClr r="0" g="0" b="0"/>
+        </a:fillRef>
+        <a:effectRef idx="0">
+          <a:scrgbClr r="0" g="0" b="0"/>
+        </a:effectRef>
+        <a:fontRef idx="minor"/>
+      </dsp:style>
+    </dsp:sp>
+    <dsp:sp modelId="{12AC7B23-8B0F-3747-8CD9-49A4988E7B4D}">
+      <dsp:nvSpPr>
+        <dsp:cNvPr id="0" name=""/>
+        <dsp:cNvSpPr/>
+      </dsp:nvSpPr>
+      <dsp:spPr>
+        <a:xfrm>
+          <a:off x="6505524" y="2136933"/>
+          <a:ext cx="166624" cy="2088363"/>
+        </a:xfrm>
+        <a:custGeom>
+          <a:avLst/>
+          <a:gdLst/>
+          <a:ahLst/>
+          <a:cxnLst/>
+          <a:rect l="0" t="0" r="0" b="0"/>
+          <a:pathLst>
+            <a:path>
+              <a:moveTo>
+                <a:pt x="0" y="0"/>
+              </a:moveTo>
+              <a:lnTo>
+                <a:pt x="0" y="2088363"/>
+              </a:lnTo>
+              <a:lnTo>
+                <a:pt x="166624" y="2088363"/>
+              </a:lnTo>
+            </a:path>
+          </a:pathLst>
+        </a:custGeom>
+        <a:noFill/>
+        <a:ln w="12700" cap="flat" cmpd="sng" algn="ctr">
+          <a:solidFill>
+            <a:schemeClr val="accent1">
+              <a:shade val="80000"/>
+              <a:hueOff val="0"/>
+              <a:satOff val="0"/>
+              <a:lumOff val="0"/>
+              <a:alphaOff val="0"/>
+            </a:schemeClr>
+          </a:solidFill>
+          <a:prstDash val="solid"/>
+          <a:miter lim="800000"/>
+        </a:ln>
+        <a:effectLst/>
+      </dsp:spPr>
+      <dsp:style>
+        <a:lnRef idx="2">
+          <a:scrgbClr r="0" g="0" b="0"/>
+        </a:lnRef>
+        <a:fillRef idx="0">
+          <a:scrgbClr r="0" g="0" b="0"/>
+        </a:fillRef>
+        <a:effectRef idx="0">
+          <a:scrgbClr r="0" g="0" b="0"/>
+        </a:effectRef>
+        <a:fontRef idx="minor"/>
+      </dsp:style>
+    </dsp:sp>
+    <dsp:sp modelId="{B47AB7B8-6B72-C449-BF2A-7837270302BB}">
+      <dsp:nvSpPr>
+        <dsp:cNvPr id="0" name=""/>
+        <dsp:cNvSpPr/>
+      </dsp:nvSpPr>
+      <dsp:spPr>
+        <a:xfrm>
+          <a:off x="6505524" y="2136933"/>
+          <a:ext cx="166624" cy="1299672"/>
+        </a:xfrm>
+        <a:custGeom>
+          <a:avLst/>
+          <a:gdLst/>
+          <a:ahLst/>
+          <a:cxnLst/>
+          <a:rect l="0" t="0" r="0" b="0"/>
+          <a:pathLst>
+            <a:path>
+              <a:moveTo>
+                <a:pt x="0" y="0"/>
+              </a:moveTo>
+              <a:lnTo>
+                <a:pt x="0" y="1299672"/>
+              </a:lnTo>
+              <a:lnTo>
+                <a:pt x="166624" y="1299672"/>
+              </a:lnTo>
+            </a:path>
+          </a:pathLst>
+        </a:custGeom>
+        <a:noFill/>
+        <a:ln w="12700" cap="flat" cmpd="sng" algn="ctr">
+          <a:solidFill>
+            <a:schemeClr val="accent1">
+              <a:shade val="80000"/>
+              <a:hueOff val="0"/>
+              <a:satOff val="0"/>
+              <a:lumOff val="0"/>
+              <a:alphaOff val="0"/>
+            </a:schemeClr>
+          </a:solidFill>
+          <a:prstDash val="solid"/>
+          <a:miter lim="800000"/>
+        </a:ln>
+        <a:effectLst/>
+      </dsp:spPr>
+      <dsp:style>
+        <a:lnRef idx="2">
+          <a:scrgbClr r="0" g="0" b="0"/>
+        </a:lnRef>
+        <a:fillRef idx="0">
+          <a:scrgbClr r="0" g="0" b="0"/>
+        </a:fillRef>
+        <a:effectRef idx="0">
+          <a:scrgbClr r="0" g="0" b="0"/>
+        </a:effectRef>
+        <a:fontRef idx="minor"/>
+      </dsp:style>
+    </dsp:sp>
+    <dsp:sp modelId="{B0DFBA58-285D-1D49-9D33-7C487279F8B2}">
+      <dsp:nvSpPr>
+        <dsp:cNvPr id="0" name=""/>
+        <dsp:cNvSpPr/>
+      </dsp:nvSpPr>
+      <dsp:spPr>
+        <a:xfrm>
+          <a:off x="6505524" y="2136933"/>
+          <a:ext cx="166624" cy="510982"/>
+        </a:xfrm>
+        <a:custGeom>
+          <a:avLst/>
+          <a:gdLst/>
+          <a:ahLst/>
+          <a:cxnLst/>
+          <a:rect l="0" t="0" r="0" b="0"/>
+          <a:pathLst>
+            <a:path>
+              <a:moveTo>
+                <a:pt x="0" y="0"/>
+              </a:moveTo>
+              <a:lnTo>
+                <a:pt x="0" y="510982"/>
+              </a:lnTo>
+              <a:lnTo>
+                <a:pt x="166624" y="510982"/>
+              </a:lnTo>
+            </a:path>
+          </a:pathLst>
+        </a:custGeom>
+        <a:noFill/>
+        <a:ln w="12700" cap="flat" cmpd="sng" algn="ctr">
+          <a:solidFill>
+            <a:schemeClr val="accent1">
+              <a:shade val="80000"/>
+              <a:hueOff val="0"/>
+              <a:satOff val="0"/>
+              <a:lumOff val="0"/>
+              <a:alphaOff val="0"/>
+            </a:schemeClr>
+          </a:solidFill>
+          <a:prstDash val="solid"/>
+          <a:miter lim="800000"/>
+        </a:ln>
+        <a:effectLst/>
+      </dsp:spPr>
+      <dsp:style>
+        <a:lnRef idx="2">
+          <a:scrgbClr r="0" g="0" b="0"/>
+        </a:lnRef>
+        <a:fillRef idx="0">
+          <a:scrgbClr r="0" g="0" b="0"/>
+        </a:fillRef>
+        <a:effectRef idx="0">
+          <a:scrgbClr r="0" g="0" b="0"/>
+        </a:effectRef>
+        <a:fontRef idx="minor"/>
+      </dsp:style>
+    </dsp:sp>
+    <dsp:sp modelId="{C3A94117-F689-C948-8150-BA2468B3B468}">
+      <dsp:nvSpPr>
+        <dsp:cNvPr id="0" name=""/>
+        <dsp:cNvSpPr/>
+      </dsp:nvSpPr>
+      <dsp:spPr>
+        <a:xfrm>
+          <a:off x="5605750" y="1348242"/>
+          <a:ext cx="1344106" cy="233274"/>
+        </a:xfrm>
+        <a:custGeom>
+          <a:avLst/>
+          <a:gdLst/>
+          <a:ahLst/>
+          <a:cxnLst/>
+          <a:rect l="0" t="0" r="0" b="0"/>
+          <a:pathLst>
+            <a:path>
+              <a:moveTo>
+                <a:pt x="0" y="0"/>
+              </a:moveTo>
+              <a:lnTo>
+                <a:pt x="0" y="116637"/>
+              </a:lnTo>
+              <a:lnTo>
+                <a:pt x="1344106" y="116637"/>
+              </a:lnTo>
+              <a:lnTo>
+                <a:pt x="1344106" y="233274"/>
+              </a:lnTo>
+            </a:path>
+          </a:pathLst>
+        </a:custGeom>
+        <a:noFill/>
+        <a:ln w="12700" cap="flat" cmpd="sng" algn="ctr">
+          <a:solidFill>
+            <a:schemeClr val="accent1">
+              <a:shade val="80000"/>
+              <a:hueOff val="0"/>
+              <a:satOff val="0"/>
+              <a:lumOff val="0"/>
+              <a:alphaOff val="0"/>
+            </a:schemeClr>
+          </a:solidFill>
+          <a:prstDash val="solid"/>
+          <a:miter lim="800000"/>
+        </a:ln>
+        <a:effectLst/>
+      </dsp:spPr>
+      <dsp:style>
+        <a:lnRef idx="2">
+          <a:scrgbClr r="0" g="0" b="0"/>
+        </a:lnRef>
+        <a:fillRef idx="0">
+          <a:scrgbClr r="0" g="0" b="0"/>
+        </a:fillRef>
+        <a:effectRef idx="0">
+          <a:scrgbClr r="0" g="0" b="0"/>
+        </a:effectRef>
+        <a:fontRef idx="minor"/>
+      </dsp:style>
+    </dsp:sp>
+    <dsp:sp modelId="{CB42EF46-0B58-914A-BA03-E1340278B5F7}">
+      <dsp:nvSpPr>
+        <dsp:cNvPr id="0" name=""/>
+        <dsp:cNvSpPr/>
+      </dsp:nvSpPr>
+      <dsp:spPr>
+        <a:xfrm>
+          <a:off x="2014609" y="4169444"/>
+          <a:ext cx="383014" cy="1339890"/>
+        </a:xfrm>
+        <a:custGeom>
+          <a:avLst/>
+          <a:gdLst/>
+          <a:ahLst/>
+          <a:cxnLst/>
+          <a:rect l="0" t="0" r="0" b="0"/>
+          <a:pathLst>
+            <a:path>
+              <a:moveTo>
+                <a:pt x="383014" y="0"/>
+              </a:moveTo>
+              <a:lnTo>
+                <a:pt x="383014" y="1339890"/>
+              </a:lnTo>
+              <a:lnTo>
+                <a:pt x="0" y="1339890"/>
+              </a:lnTo>
+            </a:path>
+          </a:pathLst>
+        </a:custGeom>
+        <a:noFill/>
+        <a:ln w="12700" cap="flat" cmpd="sng" algn="ctr">
+          <a:solidFill>
+            <a:schemeClr val="accent1">
+              <a:shade val="80000"/>
+              <a:hueOff val="0"/>
+              <a:satOff val="0"/>
+              <a:lumOff val="0"/>
+              <a:alphaOff val="0"/>
+            </a:schemeClr>
+          </a:solidFill>
+          <a:prstDash val="solid"/>
+          <a:miter lim="800000"/>
+        </a:ln>
+        <a:effectLst/>
+      </dsp:spPr>
+      <dsp:style>
+        <a:lnRef idx="2">
+          <a:scrgbClr r="0" g="0" b="0"/>
+        </a:lnRef>
+        <a:fillRef idx="0">
+          <a:scrgbClr r="0" g="0" b="0"/>
+        </a:fillRef>
+        <a:effectRef idx="0">
+          <a:scrgbClr r="0" g="0" b="0"/>
+        </a:effectRef>
+        <a:fontRef idx="minor"/>
+      </dsp:style>
+    </dsp:sp>
+    <dsp:sp modelId="{6CD4CCA3-ADBD-DA47-BDCB-B2C4609F041A}">
+      <dsp:nvSpPr>
+        <dsp:cNvPr id="0" name=""/>
+        <dsp:cNvSpPr/>
+      </dsp:nvSpPr>
+      <dsp:spPr>
+        <a:xfrm>
+          <a:off x="2397624" y="4169444"/>
+          <a:ext cx="297736" cy="849352"/>
+        </a:xfrm>
+        <a:custGeom>
+          <a:avLst/>
+          <a:gdLst/>
+          <a:ahLst/>
+          <a:cxnLst/>
+          <a:rect l="0" t="0" r="0" b="0"/>
+          <a:pathLst>
+            <a:path>
+              <a:moveTo>
+                <a:pt x="0" y="0"/>
+              </a:moveTo>
+              <a:lnTo>
+                <a:pt x="0" y="849352"/>
+              </a:lnTo>
+              <a:lnTo>
+                <a:pt x="297736" y="849352"/>
+              </a:lnTo>
+            </a:path>
+          </a:pathLst>
+        </a:custGeom>
+        <a:noFill/>
+        <a:ln w="12700" cap="flat" cmpd="sng" algn="ctr">
+          <a:solidFill>
+            <a:schemeClr val="accent1">
+              <a:shade val="80000"/>
+              <a:hueOff val="0"/>
+              <a:satOff val="0"/>
+              <a:lumOff val="0"/>
+              <a:alphaOff val="0"/>
+            </a:schemeClr>
+          </a:solidFill>
+          <a:prstDash val="solid"/>
+          <a:miter lim="800000"/>
+        </a:ln>
+        <a:effectLst/>
+      </dsp:spPr>
+      <dsp:style>
+        <a:lnRef idx="2">
+          <a:scrgbClr r="0" g="0" b="0"/>
+        </a:lnRef>
+        <a:fillRef idx="0">
+          <a:scrgbClr r="0" g="0" b="0"/>
+        </a:fillRef>
+        <a:effectRef idx="0">
+          <a:scrgbClr r="0" g="0" b="0"/>
+        </a:effectRef>
+        <a:fontRef idx="minor"/>
+      </dsp:style>
+    </dsp:sp>
+    <dsp:sp modelId="{1D06E6BC-90BC-3C4F-8E5F-CD3961316B04}">
+      <dsp:nvSpPr>
+        <dsp:cNvPr id="0" name=""/>
+        <dsp:cNvSpPr/>
+      </dsp:nvSpPr>
+      <dsp:spPr>
+        <a:xfrm>
+          <a:off x="2014598" y="4169444"/>
+          <a:ext cx="383025" cy="407908"/>
+        </a:xfrm>
+        <a:custGeom>
+          <a:avLst/>
+          <a:gdLst/>
+          <a:ahLst/>
+          <a:cxnLst/>
+          <a:rect l="0" t="0" r="0" b="0"/>
+          <a:pathLst>
+            <a:path>
+              <a:moveTo>
+                <a:pt x="383025" y="0"/>
+              </a:moveTo>
+              <a:lnTo>
+                <a:pt x="383025" y="407908"/>
+              </a:lnTo>
+              <a:lnTo>
+                <a:pt x="0" y="407908"/>
+              </a:lnTo>
+            </a:path>
+          </a:pathLst>
+        </a:custGeom>
+        <a:noFill/>
+        <a:ln w="12700" cap="flat" cmpd="sng" algn="ctr">
+          <a:solidFill>
+            <a:schemeClr val="accent1">
+              <a:shade val="80000"/>
+              <a:hueOff val="0"/>
+              <a:satOff val="0"/>
+              <a:lumOff val="0"/>
+              <a:alphaOff val="0"/>
+            </a:schemeClr>
+          </a:solidFill>
+          <a:prstDash val="solid"/>
+          <a:miter lim="800000"/>
+        </a:ln>
+        <a:effectLst/>
+      </dsp:spPr>
+      <dsp:style>
+        <a:lnRef idx="2">
+          <a:scrgbClr r="0" g="0" b="0"/>
+        </a:lnRef>
+        <a:fillRef idx="0">
+          <a:scrgbClr r="0" g="0" b="0"/>
+        </a:fillRef>
+        <a:effectRef idx="0">
+          <a:scrgbClr r="0" g="0" b="0"/>
+        </a:effectRef>
+        <a:fontRef idx="minor"/>
+      </dsp:style>
+    </dsp:sp>
+    <dsp:sp modelId="{73235BC4-4C36-5C4D-B2E3-B8FC51498EBE}">
+      <dsp:nvSpPr>
+        <dsp:cNvPr id="0" name=""/>
+        <dsp:cNvSpPr/>
+      </dsp:nvSpPr>
+      <dsp:spPr>
+        <a:xfrm>
+          <a:off x="2841957" y="2987041"/>
+          <a:ext cx="746523" cy="626986"/>
+        </a:xfrm>
+        <a:custGeom>
+          <a:avLst/>
+          <a:gdLst/>
+          <a:ahLst/>
+          <a:cxnLst/>
+          <a:rect l="0" t="0" r="0" b="0"/>
+          <a:pathLst>
+            <a:path>
+              <a:moveTo>
+                <a:pt x="746523" y="0"/>
+              </a:moveTo>
+              <a:lnTo>
+                <a:pt x="746523" y="510349"/>
+              </a:lnTo>
+              <a:lnTo>
+                <a:pt x="0" y="510349"/>
+              </a:lnTo>
+              <a:lnTo>
+                <a:pt x="0" y="626986"/>
+              </a:lnTo>
+            </a:path>
+          </a:pathLst>
+        </a:custGeom>
+        <a:noFill/>
+        <a:ln w="12700" cap="flat" cmpd="sng" algn="ctr">
+          <a:solidFill>
+            <a:schemeClr val="accent1">
+              <a:shade val="80000"/>
+              <a:hueOff val="0"/>
+              <a:satOff val="0"/>
+              <a:lumOff val="0"/>
+              <a:alphaOff val="0"/>
+            </a:schemeClr>
+          </a:solidFill>
+          <a:prstDash val="solid"/>
+          <a:miter lim="800000"/>
+        </a:ln>
+        <a:effectLst/>
+      </dsp:spPr>
+      <dsp:style>
+        <a:lnRef idx="2">
+          <a:scrgbClr r="0" g="0" b="0"/>
+        </a:lnRef>
+        <a:fillRef idx="0">
+          <a:scrgbClr r="0" g="0" b="0"/>
+        </a:fillRef>
+        <a:effectRef idx="0">
+          <a:scrgbClr r="0" g="0" b="0"/>
+        </a:effectRef>
+        <a:fontRef idx="minor"/>
+      </dsp:style>
+    </dsp:sp>
+    <dsp:sp modelId="{7ACE4531-6AE8-B34E-9C1D-CD7C1B494F83}">
+      <dsp:nvSpPr>
+        <dsp:cNvPr id="0" name=""/>
+        <dsp:cNvSpPr/>
+      </dsp:nvSpPr>
+      <dsp:spPr>
+        <a:xfrm>
+          <a:off x="3588480" y="2987041"/>
+          <a:ext cx="607880" cy="629563"/>
+        </a:xfrm>
+        <a:custGeom>
+          <a:avLst/>
+          <a:gdLst/>
+          <a:ahLst/>
+          <a:cxnLst/>
+          <a:rect l="0" t="0" r="0" b="0"/>
+          <a:pathLst>
+            <a:path>
+              <a:moveTo>
+                <a:pt x="0" y="0"/>
+              </a:moveTo>
+              <a:lnTo>
+                <a:pt x="0" y="512926"/>
+              </a:lnTo>
+              <a:lnTo>
+                <a:pt x="607880" y="512926"/>
+              </a:lnTo>
+              <a:lnTo>
+                <a:pt x="607880" y="629563"/>
+              </a:lnTo>
+            </a:path>
+          </a:pathLst>
+        </a:custGeom>
+        <a:noFill/>
+        <a:ln w="12700" cap="flat" cmpd="sng" algn="ctr">
+          <a:solidFill>
+            <a:schemeClr val="accent1">
+              <a:shade val="80000"/>
+              <a:hueOff val="0"/>
+              <a:satOff val="0"/>
+              <a:lumOff val="0"/>
+              <a:alphaOff val="0"/>
+            </a:schemeClr>
+          </a:solidFill>
+          <a:prstDash val="solid"/>
+          <a:miter lim="800000"/>
+        </a:ln>
+        <a:effectLst/>
+      </dsp:spPr>
+      <dsp:style>
+        <a:lnRef idx="2">
+          <a:scrgbClr r="0" g="0" b="0"/>
+        </a:lnRef>
+        <a:fillRef idx="0">
+          <a:scrgbClr r="0" g="0" b="0"/>
+        </a:fillRef>
+        <a:effectRef idx="0">
+          <a:scrgbClr r="0" g="0" b="0"/>
+        </a:effectRef>
+        <a:fontRef idx="minor"/>
+      </dsp:style>
+    </dsp:sp>
+    <dsp:sp modelId="{2113F9D9-D20E-9342-97C0-8D556822BB79}">
+      <dsp:nvSpPr>
+        <dsp:cNvPr id="0" name=""/>
+        <dsp:cNvSpPr/>
+      </dsp:nvSpPr>
+      <dsp:spPr>
+        <a:xfrm>
+          <a:off x="3588480" y="2136933"/>
+          <a:ext cx="673163" cy="294692"/>
+        </a:xfrm>
+        <a:custGeom>
+          <a:avLst/>
+          <a:gdLst/>
+          <a:ahLst/>
+          <a:cxnLst/>
+          <a:rect l="0" t="0" r="0" b="0"/>
+          <a:pathLst>
+            <a:path>
+              <a:moveTo>
+                <a:pt x="673163" y="0"/>
+              </a:moveTo>
+              <a:lnTo>
+                <a:pt x="673163" y="178055"/>
+              </a:lnTo>
+              <a:lnTo>
+                <a:pt x="0" y="178055"/>
+              </a:lnTo>
+              <a:lnTo>
+                <a:pt x="0" y="294692"/>
+              </a:lnTo>
+            </a:path>
+          </a:pathLst>
+        </a:custGeom>
+        <a:noFill/>
+        <a:ln w="12700" cap="flat" cmpd="sng" algn="ctr">
+          <a:solidFill>
+            <a:schemeClr val="accent1">
+              <a:shade val="80000"/>
+              <a:hueOff val="0"/>
+              <a:satOff val="0"/>
+              <a:lumOff val="0"/>
+              <a:alphaOff val="0"/>
+            </a:schemeClr>
+          </a:solidFill>
+          <a:prstDash val="solid"/>
+          <a:miter lim="800000"/>
+        </a:ln>
+        <a:effectLst/>
+      </dsp:spPr>
+      <dsp:style>
+        <a:lnRef idx="2">
+          <a:scrgbClr r="0" g="0" b="0"/>
+        </a:lnRef>
+        <a:fillRef idx="0">
+          <a:scrgbClr r="0" g="0" b="0"/>
+        </a:fillRef>
+        <a:effectRef idx="0">
+          <a:scrgbClr r="0" g="0" b="0"/>
+        </a:effectRef>
+        <a:fontRef idx="minor"/>
+      </dsp:style>
+    </dsp:sp>
+    <dsp:sp modelId="{C5FB34AA-1850-7C43-8D49-7F6B278CC5F6}">
+      <dsp:nvSpPr>
+        <dsp:cNvPr id="0" name=""/>
+        <dsp:cNvSpPr/>
+      </dsp:nvSpPr>
+      <dsp:spPr>
+        <a:xfrm>
+          <a:off x="4261644" y="2136933"/>
+          <a:ext cx="672664" cy="294692"/>
+        </a:xfrm>
+        <a:custGeom>
+          <a:avLst/>
+          <a:gdLst/>
+          <a:ahLst/>
+          <a:cxnLst/>
+          <a:rect l="0" t="0" r="0" b="0"/>
+          <a:pathLst>
+            <a:path>
+              <a:moveTo>
+                <a:pt x="0" y="0"/>
+              </a:moveTo>
+              <a:lnTo>
+                <a:pt x="0" y="178055"/>
+              </a:lnTo>
+              <a:lnTo>
+                <a:pt x="672664" y="178055"/>
+              </a:lnTo>
+              <a:lnTo>
+                <a:pt x="672664" y="294692"/>
+              </a:lnTo>
+            </a:path>
+          </a:pathLst>
+        </a:custGeom>
+        <a:noFill/>
+        <a:ln w="12700" cap="flat" cmpd="sng" algn="ctr">
+          <a:solidFill>
+            <a:schemeClr val="accent1">
+              <a:shade val="80000"/>
+              <a:hueOff val="0"/>
+              <a:satOff val="0"/>
+              <a:lumOff val="0"/>
+              <a:alphaOff val="0"/>
+            </a:schemeClr>
+          </a:solidFill>
+          <a:prstDash val="solid"/>
+          <a:miter lim="800000"/>
+        </a:ln>
+        <a:effectLst/>
+      </dsp:spPr>
+      <dsp:style>
+        <a:lnRef idx="2">
+          <a:scrgbClr r="0" g="0" b="0"/>
+        </a:lnRef>
+        <a:fillRef idx="0">
+          <a:scrgbClr r="0" g="0" b="0"/>
+        </a:fillRef>
+        <a:effectRef idx="0">
+          <a:scrgbClr r="0" g="0" b="0"/>
+        </a:effectRef>
+        <a:fontRef idx="minor"/>
+      </dsp:style>
+    </dsp:sp>
+    <dsp:sp modelId="{C09707D4-B620-4847-BC5D-565DAE8F8A8E}">
+      <dsp:nvSpPr>
+        <dsp:cNvPr id="0" name=""/>
+        <dsp:cNvSpPr/>
+      </dsp:nvSpPr>
+      <dsp:spPr>
+        <a:xfrm>
+          <a:off x="4261644" y="1348242"/>
+          <a:ext cx="1344106" cy="233274"/>
+        </a:xfrm>
+        <a:custGeom>
+          <a:avLst/>
+          <a:gdLst/>
+          <a:ahLst/>
+          <a:cxnLst/>
+          <a:rect l="0" t="0" r="0" b="0"/>
+          <a:pathLst>
+            <a:path>
+              <a:moveTo>
+                <a:pt x="1344106" y="0"/>
+              </a:moveTo>
+              <a:lnTo>
+                <a:pt x="1344106" y="116637"/>
+              </a:lnTo>
+              <a:lnTo>
+                <a:pt x="0" y="116637"/>
+              </a:lnTo>
+              <a:lnTo>
+                <a:pt x="0" y="233274"/>
+              </a:lnTo>
+            </a:path>
+          </a:pathLst>
+        </a:custGeom>
+        <a:noFill/>
+        <a:ln w="12700" cap="flat" cmpd="sng" algn="ctr">
+          <a:solidFill>
+            <a:schemeClr val="accent1">
+              <a:shade val="80000"/>
+              <a:hueOff val="0"/>
+              <a:satOff val="0"/>
+              <a:lumOff val="0"/>
+              <a:alphaOff val="0"/>
+            </a:schemeClr>
+          </a:solidFill>
+          <a:prstDash val="solid"/>
+          <a:miter lim="800000"/>
+        </a:ln>
+        <a:effectLst/>
+      </dsp:spPr>
+      <dsp:style>
+        <a:lnRef idx="2">
+          <a:scrgbClr r="0" g="0" b="0"/>
+        </a:lnRef>
+        <a:fillRef idx="0">
+          <a:scrgbClr r="0" g="0" b="0"/>
+        </a:fillRef>
+        <a:effectRef idx="0">
+          <a:scrgbClr r="0" g="0" b="0"/>
+        </a:effectRef>
+        <a:fontRef idx="minor"/>
+      </dsp:style>
+    </dsp:sp>
+    <dsp:sp modelId="{81597DCE-A2CE-8E41-8610-25EED82ECA7A}">
+      <dsp:nvSpPr>
+        <dsp:cNvPr id="0" name=""/>
+        <dsp:cNvSpPr/>
+      </dsp:nvSpPr>
+      <dsp:spPr>
+        <a:xfrm>
+          <a:off x="4933697" y="559552"/>
+          <a:ext cx="672053" cy="233274"/>
+        </a:xfrm>
+        <a:custGeom>
+          <a:avLst/>
+          <a:gdLst/>
+          <a:ahLst/>
+          <a:cxnLst/>
+          <a:rect l="0" t="0" r="0" b="0"/>
+          <a:pathLst>
+            <a:path>
+              <a:moveTo>
+                <a:pt x="0" y="0"/>
+              </a:moveTo>
+              <a:lnTo>
+                <a:pt x="0" y="116637"/>
+              </a:lnTo>
+              <a:lnTo>
+                <a:pt x="672053" y="116637"/>
+              </a:lnTo>
+              <a:lnTo>
+                <a:pt x="672053" y="233274"/>
+              </a:lnTo>
+            </a:path>
+          </a:pathLst>
+        </a:custGeom>
+        <a:noFill/>
+        <a:ln w="12700" cap="flat" cmpd="sng" algn="ctr">
+          <a:solidFill>
+            <a:schemeClr val="accent1">
+              <a:shade val="60000"/>
+              <a:hueOff val="0"/>
+              <a:satOff val="0"/>
+              <a:lumOff val="0"/>
+              <a:alphaOff val="0"/>
+            </a:schemeClr>
+          </a:solidFill>
+          <a:prstDash val="solid"/>
+          <a:miter lim="800000"/>
+        </a:ln>
+        <a:effectLst/>
+      </dsp:spPr>
+      <dsp:style>
+        <a:lnRef idx="2">
+          <a:scrgbClr r="0" g="0" b="0"/>
+        </a:lnRef>
+        <a:fillRef idx="0">
+          <a:scrgbClr r="0" g="0" b="0"/>
+        </a:fillRef>
+        <a:effectRef idx="0">
+          <a:scrgbClr r="0" g="0" b="0"/>
+        </a:effectRef>
+        <a:fontRef idx="minor"/>
+      </dsp:style>
+    </dsp:sp>
+    <dsp:sp modelId="{08961B0F-7A0B-8A47-874D-5E98F02B22E9}">
+      <dsp:nvSpPr>
+        <dsp:cNvPr id="0" name=""/>
+        <dsp:cNvSpPr/>
+      </dsp:nvSpPr>
+      <dsp:spPr>
+        <a:xfrm>
+          <a:off x="4261644" y="559552"/>
+          <a:ext cx="672053" cy="233274"/>
+        </a:xfrm>
+        <a:custGeom>
+          <a:avLst/>
+          <a:gdLst/>
+          <a:ahLst/>
+          <a:cxnLst/>
+          <a:rect l="0" t="0" r="0" b="0"/>
+          <a:pathLst>
+            <a:path>
+              <a:moveTo>
+                <a:pt x="672053" y="0"/>
+              </a:moveTo>
+              <a:lnTo>
+                <a:pt x="672053" y="116637"/>
+              </a:lnTo>
+              <a:lnTo>
+                <a:pt x="0" y="116637"/>
+              </a:lnTo>
+              <a:lnTo>
+                <a:pt x="0" y="233274"/>
+              </a:lnTo>
+            </a:path>
+          </a:pathLst>
+        </a:custGeom>
+        <a:noFill/>
+        <a:ln w="12700" cap="flat" cmpd="sng" algn="ctr">
+          <a:solidFill>
+            <a:schemeClr val="accent1">
+              <a:shade val="60000"/>
+              <a:hueOff val="0"/>
+              <a:satOff val="0"/>
+              <a:lumOff val="0"/>
+              <a:alphaOff val="0"/>
+            </a:schemeClr>
+          </a:solidFill>
+          <a:prstDash val="solid"/>
+          <a:miter lim="800000"/>
+        </a:ln>
+        <a:effectLst/>
+      </dsp:spPr>
+      <dsp:style>
+        <a:lnRef idx="2">
+          <a:scrgbClr r="0" g="0" b="0"/>
+        </a:lnRef>
+        <a:fillRef idx="0">
+          <a:scrgbClr r="0" g="0" b="0"/>
+        </a:fillRef>
+        <a:effectRef idx="0">
+          <a:scrgbClr r="0" g="0" b="0"/>
+        </a:effectRef>
+        <a:fontRef idx="minor"/>
+      </dsp:style>
+    </dsp:sp>
+    <dsp:sp modelId="{D16225A5-AC8D-604D-857F-A97DFC74364E}">
+      <dsp:nvSpPr>
+        <dsp:cNvPr id="0" name=""/>
+        <dsp:cNvSpPr/>
+      </dsp:nvSpPr>
+      <dsp:spPr>
+        <a:xfrm>
+          <a:off x="4378281" y="4136"/>
+          <a:ext cx="1110831" cy="555415"/>
+        </a:xfrm>
+        <a:prstGeom prst="rect">
+          <a:avLst/>
+        </a:prstGeom>
+        <a:solidFill>
+          <a:schemeClr val="accent1">
+            <a:hueOff val="0"/>
+            <a:satOff val="0"/>
+            <a:lumOff val="0"/>
+            <a:alphaOff val="0"/>
+          </a:schemeClr>
+        </a:solidFill>
+        <a:ln w="12700" cap="flat" cmpd="sng" algn="ctr">
+          <a:solidFill>
+            <a:schemeClr val="lt1">
+              <a:hueOff val="0"/>
+              <a:satOff val="0"/>
+              <a:lumOff val="0"/>
+              <a:alphaOff val="0"/>
+            </a:schemeClr>
+          </a:solidFill>
+          <a:prstDash val="solid"/>
+          <a:miter lim="800000"/>
+        </a:ln>
+        <a:effectLst/>
+      </dsp:spPr>
+      <dsp:style>
+        <a:lnRef idx="2">
+          <a:scrgbClr r="0" g="0" b="0"/>
+        </a:lnRef>
+        <a:fillRef idx="1">
+          <a:scrgbClr r="0" g="0" b="0"/>
+        </a:fillRef>
+        <a:effectRef idx="0">
+          <a:scrgbClr r="0" g="0" b="0"/>
+        </a:effectRef>
+        <a:fontRef idx="minor">
+          <a:schemeClr val="lt1"/>
+        </a:fontRef>
+      </dsp:style>
+      <dsp:txBody>
+        <a:bodyPr spcFirstLastPara="0" vert="horz" wrap="square" lIns="8890" tIns="8890" rIns="8890" bIns="8890" numCol="1" spcCol="1270" anchor="ctr" anchorCtr="0">
+          <a:noAutofit/>
+        </a:bodyPr>
+        <a:lstStyle/>
+        <a:p>
+          <a:pPr marL="0" lvl="0" indent="0" algn="ctr" defTabSz="622300">
+            <a:lnSpc>
+              <a:spcPct val="90000"/>
+            </a:lnSpc>
+            <a:spcBef>
+              <a:spcPct val="0"/>
+            </a:spcBef>
+            <a:spcAft>
+              <a:spcPct val="35000"/>
+            </a:spcAft>
+            <a:buNone/>
+          </a:pPr>
+          <a:r>
+            <a:rPr lang="en-US" sz="1400" kern="1200" dirty="0"/>
+            <a:t>Catch</a:t>
+          </a:r>
+        </a:p>
+      </dsp:txBody>
+      <dsp:txXfrm>
+        <a:off x="4378281" y="4136"/>
+        <a:ext cx="1110831" cy="555415"/>
+      </dsp:txXfrm>
+    </dsp:sp>
+    <dsp:sp modelId="{AFFBEF4C-20C3-A24B-95EA-8561507803E4}">
+      <dsp:nvSpPr>
+        <dsp:cNvPr id="0" name=""/>
+        <dsp:cNvSpPr/>
+      </dsp:nvSpPr>
+      <dsp:spPr>
+        <a:xfrm>
+          <a:off x="3706228" y="792827"/>
+          <a:ext cx="1110831" cy="555415"/>
+        </a:xfrm>
+        <a:prstGeom prst="rect">
+          <a:avLst/>
+        </a:prstGeom>
+        <a:solidFill>
+          <a:schemeClr val="accent1">
+            <a:hueOff val="0"/>
+            <a:satOff val="0"/>
+            <a:lumOff val="0"/>
+            <a:alphaOff val="0"/>
+          </a:schemeClr>
+        </a:solidFill>
+        <a:ln w="12700" cap="flat" cmpd="sng" algn="ctr">
+          <a:solidFill>
+            <a:schemeClr val="lt1">
+              <a:hueOff val="0"/>
+              <a:satOff val="0"/>
+              <a:lumOff val="0"/>
+              <a:alphaOff val="0"/>
+            </a:schemeClr>
+          </a:solidFill>
+          <a:prstDash val="solid"/>
+          <a:miter lim="800000"/>
+        </a:ln>
+        <a:effectLst/>
+      </dsp:spPr>
+      <dsp:style>
+        <a:lnRef idx="2">
+          <a:scrgbClr r="0" g="0" b="0"/>
+        </a:lnRef>
+        <a:fillRef idx="1">
+          <a:scrgbClr r="0" g="0" b="0"/>
+        </a:fillRef>
+        <a:effectRef idx="0">
+          <a:scrgbClr r="0" g="0" b="0"/>
+        </a:effectRef>
+        <a:fontRef idx="minor">
+          <a:schemeClr val="lt1"/>
+        </a:fontRef>
+      </dsp:style>
+      <dsp:txBody>
+        <a:bodyPr spcFirstLastPara="0" vert="horz" wrap="square" lIns="8890" tIns="8890" rIns="8890" bIns="8890" numCol="1" spcCol="1270" anchor="ctr" anchorCtr="0">
+          <a:noAutofit/>
+        </a:bodyPr>
+        <a:lstStyle/>
+        <a:p>
+          <a:pPr marL="0" lvl="0" indent="0" algn="ctr" defTabSz="622300">
+            <a:lnSpc>
+              <a:spcPct val="90000"/>
+            </a:lnSpc>
+            <a:spcBef>
+              <a:spcPct val="0"/>
+            </a:spcBef>
+            <a:spcAft>
+              <a:spcPct val="35000"/>
+            </a:spcAft>
+            <a:buNone/>
+          </a:pPr>
+          <a:r>
+            <a:rPr lang="en-US" sz="1400" kern="1200" dirty="0"/>
+            <a:t>Canada</a:t>
+          </a:r>
+        </a:p>
+      </dsp:txBody>
+      <dsp:txXfrm>
+        <a:off x="3706228" y="792827"/>
+        <a:ext cx="1110831" cy="555415"/>
+      </dsp:txXfrm>
+    </dsp:sp>
+    <dsp:sp modelId="{8C9A0B79-F0E3-2749-96B0-A5875CBFAA27}">
+      <dsp:nvSpPr>
+        <dsp:cNvPr id="0" name=""/>
+        <dsp:cNvSpPr/>
+      </dsp:nvSpPr>
+      <dsp:spPr>
+        <a:xfrm>
+          <a:off x="5050334" y="792827"/>
+          <a:ext cx="1110831" cy="555415"/>
+        </a:xfrm>
+        <a:prstGeom prst="rect">
+          <a:avLst/>
+        </a:prstGeom>
+        <a:solidFill>
+          <a:schemeClr val="accent1">
+            <a:hueOff val="0"/>
+            <a:satOff val="0"/>
+            <a:lumOff val="0"/>
+            <a:alphaOff val="0"/>
+          </a:schemeClr>
+        </a:solidFill>
+        <a:ln w="12700" cap="flat" cmpd="sng" algn="ctr">
+          <a:solidFill>
+            <a:schemeClr val="lt1">
+              <a:hueOff val="0"/>
+              <a:satOff val="0"/>
+              <a:lumOff val="0"/>
+              <a:alphaOff val="0"/>
+            </a:schemeClr>
+          </a:solidFill>
+          <a:prstDash val="solid"/>
+          <a:miter lim="800000"/>
+        </a:ln>
+        <a:effectLst/>
+      </dsp:spPr>
+      <dsp:style>
+        <a:lnRef idx="2">
+          <a:scrgbClr r="0" g="0" b="0"/>
+        </a:lnRef>
+        <a:fillRef idx="1">
+          <a:scrgbClr r="0" g="0" b="0"/>
+        </a:fillRef>
+        <a:effectRef idx="0">
+          <a:scrgbClr r="0" g="0" b="0"/>
+        </a:effectRef>
+        <a:fontRef idx="minor">
+          <a:schemeClr val="lt1"/>
+        </a:fontRef>
+      </dsp:style>
+      <dsp:txBody>
+        <a:bodyPr spcFirstLastPara="0" vert="horz" wrap="square" lIns="8890" tIns="8890" rIns="8890" bIns="8890" numCol="1" spcCol="1270" anchor="ctr" anchorCtr="0">
+          <a:noAutofit/>
+        </a:bodyPr>
+        <a:lstStyle/>
+        <a:p>
+          <a:pPr marL="0" lvl="0" indent="0" algn="ctr" defTabSz="622300">
+            <a:lnSpc>
+              <a:spcPct val="90000"/>
+            </a:lnSpc>
+            <a:spcBef>
+              <a:spcPct val="0"/>
+            </a:spcBef>
+            <a:spcAft>
+              <a:spcPct val="35000"/>
+            </a:spcAft>
+            <a:buNone/>
+          </a:pPr>
+          <a:r>
+            <a:rPr lang="en-US" sz="1400" kern="1200" dirty="0"/>
+            <a:t>US</a:t>
+          </a:r>
+        </a:p>
+      </dsp:txBody>
+      <dsp:txXfrm>
+        <a:off x="5050334" y="792827"/>
+        <a:ext cx="1110831" cy="555415"/>
+      </dsp:txXfrm>
+    </dsp:sp>
+    <dsp:sp modelId="{AD66414D-5913-8141-80C0-4FB3C7BAF0CE}">
+      <dsp:nvSpPr>
+        <dsp:cNvPr id="0" name=""/>
+        <dsp:cNvSpPr/>
+      </dsp:nvSpPr>
+      <dsp:spPr>
+        <a:xfrm>
+          <a:off x="3706228" y="1581517"/>
+          <a:ext cx="1110831" cy="555415"/>
+        </a:xfrm>
+        <a:prstGeom prst="rect">
+          <a:avLst/>
+        </a:prstGeom>
+        <a:solidFill>
+          <a:schemeClr val="accent1">
+            <a:hueOff val="0"/>
+            <a:satOff val="0"/>
+            <a:lumOff val="0"/>
+            <a:alphaOff val="0"/>
+          </a:schemeClr>
+        </a:solidFill>
+        <a:ln w="12700" cap="flat" cmpd="sng" algn="ctr">
+          <a:solidFill>
+            <a:schemeClr val="lt1">
+              <a:hueOff val="0"/>
+              <a:satOff val="0"/>
+              <a:lumOff val="0"/>
+              <a:alphaOff val="0"/>
+            </a:schemeClr>
+          </a:solidFill>
+          <a:prstDash val="solid"/>
+          <a:miter lim="800000"/>
+        </a:ln>
+        <a:effectLst/>
+      </dsp:spPr>
+      <dsp:style>
+        <a:lnRef idx="2">
+          <a:scrgbClr r="0" g="0" b="0"/>
+        </a:lnRef>
+        <a:fillRef idx="1">
+          <a:scrgbClr r="0" g="0" b="0"/>
+        </a:fillRef>
+        <a:effectRef idx="0">
+          <a:scrgbClr r="0" g="0" b="0"/>
+        </a:effectRef>
+        <a:fontRef idx="minor">
+          <a:schemeClr val="lt1"/>
+        </a:fontRef>
+      </dsp:style>
+      <dsp:txBody>
+        <a:bodyPr spcFirstLastPara="0" vert="horz" wrap="square" lIns="8890" tIns="8890" rIns="8890" bIns="8890" numCol="1" spcCol="1270" anchor="ctr" anchorCtr="0">
+          <a:noAutofit/>
+        </a:bodyPr>
+        <a:lstStyle/>
+        <a:p>
+          <a:pPr marL="0" lvl="0" indent="0" algn="ctr" defTabSz="622300">
+            <a:lnSpc>
+              <a:spcPct val="90000"/>
+            </a:lnSpc>
+            <a:spcBef>
+              <a:spcPct val="0"/>
+            </a:spcBef>
+            <a:spcAft>
+              <a:spcPct val="35000"/>
+            </a:spcAft>
+            <a:buNone/>
+          </a:pPr>
+          <a:r>
+            <a:rPr lang="en-US" sz="1400" kern="1200" dirty="0"/>
+            <a:t>Groundfish fleet</a:t>
+          </a:r>
+        </a:p>
+      </dsp:txBody>
+      <dsp:txXfrm>
+        <a:off x="3706228" y="1581517"/>
+        <a:ext cx="1110831" cy="555415"/>
+      </dsp:txXfrm>
+    </dsp:sp>
+    <dsp:sp modelId="{CDAF039D-B252-E84D-BCED-23FE943C1D4B}">
+      <dsp:nvSpPr>
+        <dsp:cNvPr id="0" name=""/>
+        <dsp:cNvSpPr/>
+      </dsp:nvSpPr>
+      <dsp:spPr>
+        <a:xfrm>
+          <a:off x="4378892" y="2431625"/>
+          <a:ext cx="1110831" cy="555415"/>
+        </a:xfrm>
+        <a:prstGeom prst="rect">
+          <a:avLst/>
+        </a:prstGeom>
+        <a:solidFill>
+          <a:schemeClr val="accent1">
+            <a:hueOff val="0"/>
+            <a:satOff val="0"/>
+            <a:lumOff val="0"/>
+            <a:alphaOff val="0"/>
+          </a:schemeClr>
+        </a:solidFill>
+        <a:ln w="12700" cap="flat" cmpd="sng" algn="ctr">
+          <a:solidFill>
+            <a:schemeClr val="lt1">
+              <a:hueOff val="0"/>
+              <a:satOff val="0"/>
+              <a:lumOff val="0"/>
+              <a:alphaOff val="0"/>
+            </a:schemeClr>
+          </a:solidFill>
+          <a:prstDash val="solid"/>
+          <a:miter lim="800000"/>
+        </a:ln>
+        <a:effectLst/>
+      </dsp:spPr>
+      <dsp:style>
+        <a:lnRef idx="2">
+          <a:scrgbClr r="0" g="0" b="0"/>
+        </a:lnRef>
+        <a:fillRef idx="1">
+          <a:scrgbClr r="0" g="0" b="0"/>
+        </a:fillRef>
+        <a:effectRef idx="0">
+          <a:scrgbClr r="0" g="0" b="0"/>
+        </a:effectRef>
+        <a:fontRef idx="minor">
+          <a:schemeClr val="lt1"/>
+        </a:fontRef>
+      </dsp:style>
+      <dsp:txBody>
+        <a:bodyPr spcFirstLastPara="0" vert="horz" wrap="square" lIns="8890" tIns="8890" rIns="8890" bIns="8890" numCol="1" spcCol="1270" anchor="ctr" anchorCtr="0">
+          <a:noAutofit/>
+        </a:bodyPr>
+        <a:lstStyle/>
+        <a:p>
+          <a:pPr marL="0" lvl="0" indent="0" algn="ctr" defTabSz="622300">
+            <a:lnSpc>
+              <a:spcPct val="90000"/>
+            </a:lnSpc>
+            <a:spcBef>
+              <a:spcPct val="0"/>
+            </a:spcBef>
+            <a:spcAft>
+              <a:spcPct val="35000"/>
+            </a:spcAft>
+            <a:buNone/>
+          </a:pPr>
+          <a:r>
+            <a:rPr lang="en-US" sz="1400" kern="1200" dirty="0"/>
+            <a:t>Recreational</a:t>
+          </a:r>
+        </a:p>
+      </dsp:txBody>
+      <dsp:txXfrm>
+        <a:off x="4378892" y="2431625"/>
+        <a:ext cx="1110831" cy="555415"/>
+      </dsp:txXfrm>
+    </dsp:sp>
+    <dsp:sp modelId="{6DECA8F8-812B-784B-AE35-3184CBAA7F1B}">
+      <dsp:nvSpPr>
+        <dsp:cNvPr id="0" name=""/>
+        <dsp:cNvSpPr/>
+      </dsp:nvSpPr>
+      <dsp:spPr>
+        <a:xfrm>
+          <a:off x="3033064" y="2431625"/>
+          <a:ext cx="1110831" cy="555415"/>
+        </a:xfrm>
+        <a:prstGeom prst="rect">
+          <a:avLst/>
+        </a:prstGeom>
+        <a:solidFill>
+          <a:schemeClr val="accent1">
+            <a:hueOff val="0"/>
+            <a:satOff val="0"/>
+            <a:lumOff val="0"/>
+            <a:alphaOff val="0"/>
+          </a:schemeClr>
+        </a:solidFill>
+        <a:ln w="12700" cap="flat" cmpd="sng" algn="ctr">
+          <a:solidFill>
+            <a:schemeClr val="lt1">
+              <a:hueOff val="0"/>
+              <a:satOff val="0"/>
+              <a:lumOff val="0"/>
+              <a:alphaOff val="0"/>
+            </a:schemeClr>
+          </a:solidFill>
+          <a:prstDash val="solid"/>
+          <a:miter lim="800000"/>
+        </a:ln>
+        <a:effectLst/>
+      </dsp:spPr>
+      <dsp:style>
+        <a:lnRef idx="2">
+          <a:scrgbClr r="0" g="0" b="0"/>
+        </a:lnRef>
+        <a:fillRef idx="1">
+          <a:scrgbClr r="0" g="0" b="0"/>
+        </a:fillRef>
+        <a:effectRef idx="0">
+          <a:scrgbClr r="0" g="0" b="0"/>
+        </a:effectRef>
+        <a:fontRef idx="minor">
+          <a:schemeClr val="lt1"/>
+        </a:fontRef>
+      </dsp:style>
+      <dsp:txBody>
+        <a:bodyPr spcFirstLastPara="0" vert="horz" wrap="square" lIns="8890" tIns="8890" rIns="8890" bIns="8890" numCol="1" spcCol="1270" anchor="ctr" anchorCtr="0">
+          <a:noAutofit/>
+        </a:bodyPr>
+        <a:lstStyle/>
+        <a:p>
+          <a:pPr marL="0" lvl="0" indent="0" algn="ctr" defTabSz="622300">
+            <a:lnSpc>
+              <a:spcPct val="90000"/>
+            </a:lnSpc>
+            <a:spcBef>
+              <a:spcPct val="0"/>
+            </a:spcBef>
+            <a:spcAft>
+              <a:spcPct val="35000"/>
+            </a:spcAft>
+            <a:buNone/>
+          </a:pPr>
+          <a:r>
+            <a:rPr lang="en-US" sz="1400" kern="1200" dirty="0"/>
+            <a:t>Commercial</a:t>
+          </a:r>
+        </a:p>
+      </dsp:txBody>
+      <dsp:txXfrm>
+        <a:off x="3033064" y="2431625"/>
+        <a:ext cx="1110831" cy="555415"/>
+      </dsp:txXfrm>
+    </dsp:sp>
+    <dsp:sp modelId="{C0D54584-6380-714F-AA60-29F3A487BA45}">
+      <dsp:nvSpPr>
+        <dsp:cNvPr id="0" name=""/>
+        <dsp:cNvSpPr/>
+      </dsp:nvSpPr>
+      <dsp:spPr>
+        <a:xfrm>
+          <a:off x="3640944" y="3616605"/>
+          <a:ext cx="1110831" cy="555415"/>
+        </a:xfrm>
+        <a:prstGeom prst="rect">
+          <a:avLst/>
+        </a:prstGeom>
+        <a:solidFill>
+          <a:schemeClr val="accent1">
+            <a:hueOff val="0"/>
+            <a:satOff val="0"/>
+            <a:lumOff val="0"/>
+            <a:alphaOff val="0"/>
+          </a:schemeClr>
+        </a:solidFill>
+        <a:ln w="12700" cap="flat" cmpd="sng" algn="ctr">
+          <a:solidFill>
+            <a:schemeClr val="lt1">
+              <a:hueOff val="0"/>
+              <a:satOff val="0"/>
+              <a:lumOff val="0"/>
+              <a:alphaOff val="0"/>
+            </a:schemeClr>
+          </a:solidFill>
+          <a:prstDash val="solid"/>
+          <a:miter lim="800000"/>
+        </a:ln>
+        <a:effectLst/>
+      </dsp:spPr>
+      <dsp:style>
+        <a:lnRef idx="2">
+          <a:scrgbClr r="0" g="0" b="0"/>
+        </a:lnRef>
+        <a:fillRef idx="1">
+          <a:scrgbClr r="0" g="0" b="0"/>
+        </a:fillRef>
+        <a:effectRef idx="0">
+          <a:scrgbClr r="0" g="0" b="0"/>
+        </a:effectRef>
+        <a:fontRef idx="minor">
+          <a:schemeClr val="lt1"/>
+        </a:fontRef>
+      </dsp:style>
+      <dsp:txBody>
+        <a:bodyPr spcFirstLastPara="0" vert="horz" wrap="square" lIns="8890" tIns="8890" rIns="8890" bIns="8890" numCol="1" spcCol="1270" anchor="ctr" anchorCtr="0">
+          <a:noAutofit/>
+        </a:bodyPr>
+        <a:lstStyle/>
+        <a:p>
+          <a:pPr marL="0" lvl="0" indent="0" algn="ctr" defTabSz="622300">
+            <a:lnSpc>
+              <a:spcPct val="90000"/>
+            </a:lnSpc>
+            <a:spcBef>
+              <a:spcPct val="0"/>
+            </a:spcBef>
+            <a:spcAft>
+              <a:spcPct val="35000"/>
+            </a:spcAft>
+            <a:buNone/>
+          </a:pPr>
+          <a:r>
+            <a:rPr lang="en-US" sz="1400" kern="1200" dirty="0"/>
+            <a:t>Sectors</a:t>
+          </a:r>
+        </a:p>
+        <a:p>
+          <a:pPr marL="0" lvl="0" indent="0" algn="ctr" defTabSz="622300">
+            <a:lnSpc>
+              <a:spcPct val="90000"/>
+            </a:lnSpc>
+            <a:spcBef>
+              <a:spcPct val="0"/>
+            </a:spcBef>
+            <a:spcAft>
+              <a:spcPct val="35000"/>
+            </a:spcAft>
+            <a:buNone/>
+          </a:pPr>
+          <a:r>
+            <a:rPr lang="en-US" sz="1400" kern="1200" dirty="0"/>
+            <a:t>98%</a:t>
+          </a:r>
+        </a:p>
+      </dsp:txBody>
+      <dsp:txXfrm>
+        <a:off x="3640944" y="3616605"/>
+        <a:ext cx="1110831" cy="555415"/>
+      </dsp:txXfrm>
+    </dsp:sp>
+    <dsp:sp modelId="{15104183-150F-E043-AA68-16E356119BBD}">
+      <dsp:nvSpPr>
+        <dsp:cNvPr id="0" name=""/>
+        <dsp:cNvSpPr/>
+      </dsp:nvSpPr>
+      <dsp:spPr>
+        <a:xfrm>
+          <a:off x="2286541" y="3614028"/>
+          <a:ext cx="1110831" cy="555415"/>
+        </a:xfrm>
+        <a:prstGeom prst="rect">
+          <a:avLst/>
+        </a:prstGeom>
+        <a:solidFill>
+          <a:schemeClr val="accent1">
+            <a:hueOff val="0"/>
+            <a:satOff val="0"/>
+            <a:lumOff val="0"/>
+            <a:alphaOff val="0"/>
+          </a:schemeClr>
+        </a:solidFill>
+        <a:ln w="12700" cap="flat" cmpd="sng" algn="ctr">
+          <a:solidFill>
+            <a:schemeClr val="lt1">
+              <a:hueOff val="0"/>
+              <a:satOff val="0"/>
+              <a:lumOff val="0"/>
+              <a:alphaOff val="0"/>
+            </a:schemeClr>
+          </a:solidFill>
+          <a:prstDash val="solid"/>
+          <a:miter lim="800000"/>
+        </a:ln>
+        <a:effectLst/>
+      </dsp:spPr>
+      <dsp:style>
+        <a:lnRef idx="2">
+          <a:scrgbClr r="0" g="0" b="0"/>
+        </a:lnRef>
+        <a:fillRef idx="1">
+          <a:scrgbClr r="0" g="0" b="0"/>
+        </a:fillRef>
+        <a:effectRef idx="0">
+          <a:scrgbClr r="0" g="0" b="0"/>
+        </a:effectRef>
+        <a:fontRef idx="minor">
+          <a:schemeClr val="lt1"/>
+        </a:fontRef>
+      </dsp:style>
+      <dsp:txBody>
+        <a:bodyPr spcFirstLastPara="0" vert="horz" wrap="square" lIns="8890" tIns="8890" rIns="8890" bIns="8890" numCol="1" spcCol="1270" anchor="ctr" anchorCtr="0">
+          <a:noAutofit/>
+        </a:bodyPr>
+        <a:lstStyle/>
+        <a:p>
+          <a:pPr marL="0" lvl="0" indent="0" algn="ctr" defTabSz="622300">
+            <a:lnSpc>
+              <a:spcPct val="90000"/>
+            </a:lnSpc>
+            <a:spcBef>
+              <a:spcPct val="0"/>
+            </a:spcBef>
+            <a:spcAft>
+              <a:spcPct val="35000"/>
+            </a:spcAft>
+            <a:buNone/>
+          </a:pPr>
+          <a:r>
+            <a:rPr lang="en-US" sz="1400" kern="1200" dirty="0"/>
+            <a:t>Common pool</a:t>
+          </a:r>
+        </a:p>
+        <a:p>
+          <a:pPr marL="0" lvl="0" indent="0" algn="ctr" defTabSz="622300">
+            <a:lnSpc>
+              <a:spcPct val="90000"/>
+            </a:lnSpc>
+            <a:spcBef>
+              <a:spcPct val="0"/>
+            </a:spcBef>
+            <a:spcAft>
+              <a:spcPct val="35000"/>
+            </a:spcAft>
+            <a:buNone/>
+          </a:pPr>
+          <a:r>
+            <a:rPr lang="en-US" sz="1400" kern="1200" dirty="0"/>
+            <a:t>2%</a:t>
+          </a:r>
+        </a:p>
+      </dsp:txBody>
+      <dsp:txXfrm>
+        <a:off x="2286541" y="3614028"/>
+        <a:ext cx="1110831" cy="555415"/>
+      </dsp:txXfrm>
+    </dsp:sp>
+    <dsp:sp modelId="{8070880A-6D9D-3E45-BBA5-857722588F19}">
+      <dsp:nvSpPr>
+        <dsp:cNvPr id="0" name=""/>
+        <dsp:cNvSpPr/>
+      </dsp:nvSpPr>
+      <dsp:spPr>
+        <a:xfrm>
+          <a:off x="903767" y="4299644"/>
+          <a:ext cx="1110831" cy="555415"/>
+        </a:xfrm>
+        <a:prstGeom prst="rect">
+          <a:avLst/>
+        </a:prstGeom>
+        <a:solidFill>
+          <a:schemeClr val="accent1">
+            <a:hueOff val="0"/>
+            <a:satOff val="0"/>
+            <a:lumOff val="0"/>
+            <a:alphaOff val="0"/>
+          </a:schemeClr>
+        </a:solidFill>
+        <a:ln w="12700" cap="flat" cmpd="sng" algn="ctr">
+          <a:solidFill>
+            <a:schemeClr val="lt1">
+              <a:hueOff val="0"/>
+              <a:satOff val="0"/>
+              <a:lumOff val="0"/>
+              <a:alphaOff val="0"/>
+            </a:schemeClr>
+          </a:solidFill>
+          <a:prstDash val="solid"/>
+          <a:miter lim="800000"/>
+        </a:ln>
+        <a:effectLst/>
+      </dsp:spPr>
+      <dsp:style>
+        <a:lnRef idx="2">
+          <a:scrgbClr r="0" g="0" b="0"/>
+        </a:lnRef>
+        <a:fillRef idx="1">
+          <a:scrgbClr r="0" g="0" b="0"/>
+        </a:fillRef>
+        <a:effectRef idx="0">
+          <a:scrgbClr r="0" g="0" b="0"/>
+        </a:effectRef>
+        <a:fontRef idx="minor">
+          <a:schemeClr val="lt1"/>
+        </a:fontRef>
+      </dsp:style>
+      <dsp:txBody>
+        <a:bodyPr spcFirstLastPara="0" vert="horz" wrap="square" lIns="8890" tIns="8890" rIns="8890" bIns="8890" numCol="1" spcCol="1270" anchor="ctr" anchorCtr="0">
+          <a:noAutofit/>
+        </a:bodyPr>
+        <a:lstStyle/>
+        <a:p>
+          <a:pPr marL="0" lvl="0" indent="0" algn="ctr" defTabSz="622300">
+            <a:lnSpc>
+              <a:spcPct val="90000"/>
+            </a:lnSpc>
+            <a:spcBef>
+              <a:spcPct val="0"/>
+            </a:spcBef>
+            <a:spcAft>
+              <a:spcPct val="35000"/>
+            </a:spcAft>
+            <a:buNone/>
+          </a:pPr>
+          <a:r>
+            <a:rPr lang="en-US" sz="1400" kern="1200" dirty="0"/>
+            <a:t>Trimester 1</a:t>
+          </a:r>
+        </a:p>
+      </dsp:txBody>
+      <dsp:txXfrm>
+        <a:off x="903767" y="4299644"/>
+        <a:ext cx="1110831" cy="555415"/>
+      </dsp:txXfrm>
+    </dsp:sp>
+    <dsp:sp modelId="{7E75A885-90A3-2F4E-871B-4C65946DDE1A}">
+      <dsp:nvSpPr>
+        <dsp:cNvPr id="0" name=""/>
+        <dsp:cNvSpPr/>
+      </dsp:nvSpPr>
+      <dsp:spPr>
+        <a:xfrm>
+          <a:off x="2695360" y="4741089"/>
+          <a:ext cx="1110831" cy="555415"/>
+        </a:xfrm>
+        <a:prstGeom prst="rect">
+          <a:avLst/>
+        </a:prstGeom>
+        <a:solidFill>
+          <a:schemeClr val="accent1">
+            <a:hueOff val="0"/>
+            <a:satOff val="0"/>
+            <a:lumOff val="0"/>
+            <a:alphaOff val="0"/>
+          </a:schemeClr>
+        </a:solidFill>
+        <a:ln w="12700" cap="flat" cmpd="sng" algn="ctr">
+          <a:solidFill>
+            <a:schemeClr val="lt1">
+              <a:hueOff val="0"/>
+              <a:satOff val="0"/>
+              <a:lumOff val="0"/>
+              <a:alphaOff val="0"/>
+            </a:schemeClr>
+          </a:solidFill>
+          <a:prstDash val="solid"/>
+          <a:miter lim="800000"/>
+        </a:ln>
+        <a:effectLst/>
+      </dsp:spPr>
+      <dsp:style>
+        <a:lnRef idx="2">
+          <a:scrgbClr r="0" g="0" b="0"/>
+        </a:lnRef>
+        <a:fillRef idx="1">
+          <a:scrgbClr r="0" g="0" b="0"/>
+        </a:fillRef>
+        <a:effectRef idx="0">
+          <a:scrgbClr r="0" g="0" b="0"/>
+        </a:effectRef>
+        <a:fontRef idx="minor">
+          <a:schemeClr val="lt1"/>
+        </a:fontRef>
+      </dsp:style>
+      <dsp:txBody>
+        <a:bodyPr spcFirstLastPara="0" vert="horz" wrap="square" lIns="8890" tIns="8890" rIns="8890" bIns="8890" numCol="1" spcCol="1270" anchor="ctr" anchorCtr="0">
+          <a:noAutofit/>
+        </a:bodyPr>
+        <a:lstStyle/>
+        <a:p>
+          <a:pPr marL="0" lvl="0" indent="0" algn="ctr" defTabSz="622300">
+            <a:lnSpc>
+              <a:spcPct val="90000"/>
+            </a:lnSpc>
+            <a:spcBef>
+              <a:spcPct val="0"/>
+            </a:spcBef>
+            <a:spcAft>
+              <a:spcPct val="35000"/>
+            </a:spcAft>
+            <a:buNone/>
+          </a:pPr>
+          <a:r>
+            <a:rPr lang="en-US" sz="1400" kern="1200" dirty="0"/>
+            <a:t>Trimester 2</a:t>
+          </a:r>
+        </a:p>
+      </dsp:txBody>
+      <dsp:txXfrm>
+        <a:off x="2695360" y="4741089"/>
+        <a:ext cx="1110831" cy="555415"/>
+      </dsp:txXfrm>
+    </dsp:sp>
+    <dsp:sp modelId="{758C4E8E-D5A9-C842-A8AD-147A5CCD7FC5}">
+      <dsp:nvSpPr>
+        <dsp:cNvPr id="0" name=""/>
+        <dsp:cNvSpPr/>
+      </dsp:nvSpPr>
+      <dsp:spPr>
+        <a:xfrm>
+          <a:off x="903778" y="5231626"/>
+          <a:ext cx="1110831" cy="555415"/>
+        </a:xfrm>
+        <a:prstGeom prst="rect">
+          <a:avLst/>
+        </a:prstGeom>
+        <a:solidFill>
+          <a:schemeClr val="accent1">
+            <a:hueOff val="0"/>
+            <a:satOff val="0"/>
+            <a:lumOff val="0"/>
+            <a:alphaOff val="0"/>
+          </a:schemeClr>
+        </a:solidFill>
+        <a:ln w="12700" cap="flat" cmpd="sng" algn="ctr">
+          <a:solidFill>
+            <a:schemeClr val="lt1">
+              <a:hueOff val="0"/>
+              <a:satOff val="0"/>
+              <a:lumOff val="0"/>
+              <a:alphaOff val="0"/>
+            </a:schemeClr>
+          </a:solidFill>
+          <a:prstDash val="solid"/>
+          <a:miter lim="800000"/>
+        </a:ln>
+        <a:effectLst/>
+      </dsp:spPr>
+      <dsp:style>
+        <a:lnRef idx="2">
+          <a:scrgbClr r="0" g="0" b="0"/>
+        </a:lnRef>
+        <a:fillRef idx="1">
+          <a:scrgbClr r="0" g="0" b="0"/>
+        </a:fillRef>
+        <a:effectRef idx="0">
+          <a:scrgbClr r="0" g="0" b="0"/>
+        </a:effectRef>
+        <a:fontRef idx="minor">
+          <a:schemeClr val="lt1"/>
+        </a:fontRef>
+      </dsp:style>
+      <dsp:txBody>
+        <a:bodyPr spcFirstLastPara="0" vert="horz" wrap="square" lIns="8890" tIns="8890" rIns="8890" bIns="8890" numCol="1" spcCol="1270" anchor="ctr" anchorCtr="0">
+          <a:noAutofit/>
+        </a:bodyPr>
+        <a:lstStyle/>
+        <a:p>
+          <a:pPr marL="0" lvl="0" indent="0" algn="ctr" defTabSz="622300">
+            <a:lnSpc>
+              <a:spcPct val="90000"/>
+            </a:lnSpc>
+            <a:spcBef>
+              <a:spcPct val="0"/>
+            </a:spcBef>
+            <a:spcAft>
+              <a:spcPct val="35000"/>
+            </a:spcAft>
+            <a:buNone/>
+          </a:pPr>
+          <a:r>
+            <a:rPr lang="en-US" sz="1400" kern="1200" dirty="0"/>
+            <a:t>Trimester 3</a:t>
+          </a:r>
+        </a:p>
+      </dsp:txBody>
+      <dsp:txXfrm>
+        <a:off x="903778" y="5231626"/>
+        <a:ext cx="1110831" cy="555415"/>
+      </dsp:txXfrm>
+    </dsp:sp>
+    <dsp:sp modelId="{C97AE745-CC77-1F47-B480-5D52ACC033D5}">
+      <dsp:nvSpPr>
+        <dsp:cNvPr id="0" name=""/>
+        <dsp:cNvSpPr/>
+      </dsp:nvSpPr>
+      <dsp:spPr>
+        <a:xfrm>
+          <a:off x="6394441" y="1581517"/>
+          <a:ext cx="1110831" cy="555415"/>
+        </a:xfrm>
+        <a:prstGeom prst="rect">
+          <a:avLst/>
+        </a:prstGeom>
+        <a:solidFill>
+          <a:schemeClr val="accent1">
+            <a:hueOff val="0"/>
+            <a:satOff val="0"/>
+            <a:lumOff val="0"/>
+            <a:alphaOff val="0"/>
+          </a:schemeClr>
+        </a:solidFill>
+        <a:ln w="12700" cap="flat" cmpd="sng" algn="ctr">
+          <a:solidFill>
+            <a:schemeClr val="lt1">
+              <a:hueOff val="0"/>
+              <a:satOff val="0"/>
+              <a:lumOff val="0"/>
+              <a:alphaOff val="0"/>
+            </a:schemeClr>
+          </a:solidFill>
+          <a:prstDash val="solid"/>
+          <a:miter lim="800000"/>
+        </a:ln>
+        <a:effectLst/>
+      </dsp:spPr>
+      <dsp:style>
+        <a:lnRef idx="2">
+          <a:scrgbClr r="0" g="0" b="0"/>
+        </a:lnRef>
+        <a:fillRef idx="1">
+          <a:scrgbClr r="0" g="0" b="0"/>
+        </a:fillRef>
+        <a:effectRef idx="0">
+          <a:scrgbClr r="0" g="0" b="0"/>
+        </a:effectRef>
+        <a:fontRef idx="minor">
+          <a:schemeClr val="lt1"/>
+        </a:fontRef>
+      </dsp:style>
+      <dsp:txBody>
+        <a:bodyPr spcFirstLastPara="0" vert="horz" wrap="square" lIns="8890" tIns="8890" rIns="8890" bIns="8890" numCol="1" spcCol="1270" anchor="ctr" anchorCtr="0">
+          <a:noAutofit/>
+        </a:bodyPr>
+        <a:lstStyle/>
+        <a:p>
+          <a:pPr marL="0" lvl="0" indent="0" algn="ctr" defTabSz="622300">
+            <a:lnSpc>
+              <a:spcPct val="90000"/>
+            </a:lnSpc>
+            <a:spcBef>
+              <a:spcPct val="0"/>
+            </a:spcBef>
+            <a:spcAft>
+              <a:spcPct val="35000"/>
+            </a:spcAft>
+            <a:buNone/>
+          </a:pPr>
+          <a:r>
+            <a:rPr lang="en-US" sz="1400" kern="1200" dirty="0"/>
+            <a:t>Other</a:t>
+          </a:r>
+        </a:p>
+      </dsp:txBody>
+      <dsp:txXfrm>
+        <a:off x="6394441" y="1581517"/>
+        <a:ext cx="1110831" cy="555415"/>
+      </dsp:txXfrm>
+    </dsp:sp>
+    <dsp:sp modelId="{CAA7EF78-4902-E245-8C22-2198A88A5FFF}">
+      <dsp:nvSpPr>
+        <dsp:cNvPr id="0" name=""/>
+        <dsp:cNvSpPr/>
+      </dsp:nvSpPr>
+      <dsp:spPr>
+        <a:xfrm>
+          <a:off x="6672148" y="2370207"/>
+          <a:ext cx="1110831" cy="555415"/>
+        </a:xfrm>
+        <a:prstGeom prst="rect">
+          <a:avLst/>
+        </a:prstGeom>
+        <a:solidFill>
+          <a:schemeClr val="accent1">
+            <a:hueOff val="0"/>
+            <a:satOff val="0"/>
+            <a:lumOff val="0"/>
+            <a:alphaOff val="0"/>
+          </a:schemeClr>
+        </a:solidFill>
+        <a:ln w="12700" cap="flat" cmpd="sng" algn="ctr">
+          <a:solidFill>
+            <a:schemeClr val="lt1">
+              <a:hueOff val="0"/>
+              <a:satOff val="0"/>
+              <a:lumOff val="0"/>
+              <a:alphaOff val="0"/>
+            </a:schemeClr>
+          </a:solidFill>
+          <a:prstDash val="solid"/>
+          <a:miter lim="800000"/>
+        </a:ln>
+        <a:effectLst/>
+      </dsp:spPr>
+      <dsp:style>
+        <a:lnRef idx="2">
+          <a:scrgbClr r="0" g="0" b="0"/>
+        </a:lnRef>
+        <a:fillRef idx="1">
+          <a:scrgbClr r="0" g="0" b="0"/>
+        </a:fillRef>
+        <a:effectRef idx="0">
+          <a:scrgbClr r="0" g="0" b="0"/>
+        </a:effectRef>
+        <a:fontRef idx="minor">
+          <a:schemeClr val="lt1"/>
+        </a:fontRef>
+      </dsp:style>
+      <dsp:txBody>
+        <a:bodyPr spcFirstLastPara="0" vert="horz" wrap="square" lIns="8890" tIns="8890" rIns="8890" bIns="8890" numCol="1" spcCol="1270" anchor="ctr" anchorCtr="0">
+          <a:noAutofit/>
+        </a:bodyPr>
+        <a:lstStyle/>
+        <a:p>
+          <a:pPr marL="0" lvl="0" indent="0" algn="ctr" defTabSz="622300">
+            <a:lnSpc>
+              <a:spcPct val="90000"/>
+            </a:lnSpc>
+            <a:spcBef>
+              <a:spcPct val="0"/>
+            </a:spcBef>
+            <a:spcAft>
+              <a:spcPct val="35000"/>
+            </a:spcAft>
+            <a:buNone/>
+          </a:pPr>
+          <a:r>
+            <a:rPr lang="en-US" sz="1400" kern="1200" dirty="0"/>
+            <a:t>Midwater trawl</a:t>
+          </a:r>
+        </a:p>
+      </dsp:txBody>
+      <dsp:txXfrm>
+        <a:off x="6672148" y="2370207"/>
+        <a:ext cx="1110831" cy="555415"/>
+      </dsp:txXfrm>
+    </dsp:sp>
+    <dsp:sp modelId="{8FDD0EE8-1D2D-2A4F-9C58-B79EC28712EF}">
+      <dsp:nvSpPr>
+        <dsp:cNvPr id="0" name=""/>
+        <dsp:cNvSpPr/>
+      </dsp:nvSpPr>
+      <dsp:spPr>
+        <a:xfrm>
+          <a:off x="6672148" y="3158898"/>
+          <a:ext cx="1110831" cy="555415"/>
+        </a:xfrm>
+        <a:prstGeom prst="rect">
+          <a:avLst/>
+        </a:prstGeom>
+        <a:solidFill>
+          <a:schemeClr val="accent1">
+            <a:hueOff val="0"/>
+            <a:satOff val="0"/>
+            <a:lumOff val="0"/>
+            <a:alphaOff val="0"/>
+          </a:schemeClr>
+        </a:solidFill>
+        <a:ln w="12700" cap="flat" cmpd="sng" algn="ctr">
+          <a:solidFill>
+            <a:schemeClr val="lt1">
+              <a:hueOff val="0"/>
+              <a:satOff val="0"/>
+              <a:lumOff val="0"/>
+              <a:alphaOff val="0"/>
+            </a:schemeClr>
+          </a:solidFill>
+          <a:prstDash val="solid"/>
+          <a:miter lim="800000"/>
+        </a:ln>
+        <a:effectLst/>
+      </dsp:spPr>
+      <dsp:style>
+        <a:lnRef idx="2">
+          <a:scrgbClr r="0" g="0" b="0"/>
+        </a:lnRef>
+        <a:fillRef idx="1">
+          <a:scrgbClr r="0" g="0" b="0"/>
+        </a:fillRef>
+        <a:effectRef idx="0">
+          <a:scrgbClr r="0" g="0" b="0"/>
+        </a:effectRef>
+        <a:fontRef idx="minor">
+          <a:schemeClr val="lt1"/>
+        </a:fontRef>
+      </dsp:style>
+      <dsp:txBody>
+        <a:bodyPr spcFirstLastPara="0" vert="horz" wrap="square" lIns="8890" tIns="8890" rIns="8890" bIns="8890" numCol="1" spcCol="1270" anchor="ctr" anchorCtr="0">
+          <a:noAutofit/>
+        </a:bodyPr>
+        <a:lstStyle/>
+        <a:p>
+          <a:pPr marL="0" lvl="0" indent="0" algn="ctr" defTabSz="622300">
+            <a:lnSpc>
+              <a:spcPct val="90000"/>
+            </a:lnSpc>
+            <a:spcBef>
+              <a:spcPct val="0"/>
+            </a:spcBef>
+            <a:spcAft>
+              <a:spcPct val="35000"/>
+            </a:spcAft>
+            <a:buNone/>
+          </a:pPr>
+          <a:r>
+            <a:rPr lang="en-US" sz="1400" kern="1200" dirty="0"/>
+            <a:t>Scallop</a:t>
+          </a:r>
+        </a:p>
+      </dsp:txBody>
+      <dsp:txXfrm>
+        <a:off x="6672148" y="3158898"/>
+        <a:ext cx="1110831" cy="555415"/>
+      </dsp:txXfrm>
+    </dsp:sp>
+    <dsp:sp modelId="{58797BCC-77B3-2847-B167-E46B253C146C}">
+      <dsp:nvSpPr>
+        <dsp:cNvPr id="0" name=""/>
+        <dsp:cNvSpPr/>
+      </dsp:nvSpPr>
+      <dsp:spPr>
+        <a:xfrm>
+          <a:off x="6672148" y="3947588"/>
+          <a:ext cx="1110831" cy="555415"/>
+        </a:xfrm>
+        <a:prstGeom prst="rect">
+          <a:avLst/>
+        </a:prstGeom>
+        <a:solidFill>
+          <a:schemeClr val="accent1">
+            <a:hueOff val="0"/>
+            <a:satOff val="0"/>
+            <a:lumOff val="0"/>
+            <a:alphaOff val="0"/>
+          </a:schemeClr>
+        </a:solidFill>
+        <a:ln w="12700" cap="flat" cmpd="sng" algn="ctr">
+          <a:solidFill>
+            <a:schemeClr val="lt1">
+              <a:hueOff val="0"/>
+              <a:satOff val="0"/>
+              <a:lumOff val="0"/>
+              <a:alphaOff val="0"/>
+            </a:schemeClr>
+          </a:solidFill>
+          <a:prstDash val="solid"/>
+          <a:miter lim="800000"/>
+        </a:ln>
+        <a:effectLst/>
+      </dsp:spPr>
+      <dsp:style>
+        <a:lnRef idx="2">
+          <a:scrgbClr r="0" g="0" b="0"/>
+        </a:lnRef>
+        <a:fillRef idx="1">
+          <a:scrgbClr r="0" g="0" b="0"/>
+        </a:fillRef>
+        <a:effectRef idx="0">
+          <a:scrgbClr r="0" g="0" b="0"/>
+        </a:effectRef>
+        <a:fontRef idx="minor">
+          <a:schemeClr val="lt1"/>
+        </a:fontRef>
+      </dsp:style>
+      <dsp:txBody>
+        <a:bodyPr spcFirstLastPara="0" vert="horz" wrap="square" lIns="8890" tIns="8890" rIns="8890" bIns="8890" numCol="1" spcCol="1270" anchor="ctr" anchorCtr="0">
+          <a:noAutofit/>
+        </a:bodyPr>
+        <a:lstStyle/>
+        <a:p>
+          <a:pPr marL="0" lvl="0" indent="0" algn="ctr" defTabSz="622300">
+            <a:lnSpc>
+              <a:spcPct val="90000"/>
+            </a:lnSpc>
+            <a:spcBef>
+              <a:spcPct val="0"/>
+            </a:spcBef>
+            <a:spcAft>
+              <a:spcPct val="35000"/>
+            </a:spcAft>
+            <a:buNone/>
+          </a:pPr>
+          <a:r>
+            <a:rPr lang="en-US" sz="1400" kern="1200" dirty="0"/>
+            <a:t>Small-mesh</a:t>
+          </a:r>
+        </a:p>
+      </dsp:txBody>
+      <dsp:txXfrm>
+        <a:off x="6672148" y="3947588"/>
+        <a:ext cx="1110831" cy="555415"/>
+      </dsp:txXfrm>
+    </dsp:sp>
+    <dsp:sp modelId="{C4FFA5A3-9BF8-8F43-9259-12332A2E49D9}">
+      <dsp:nvSpPr>
+        <dsp:cNvPr id="0" name=""/>
+        <dsp:cNvSpPr/>
+      </dsp:nvSpPr>
+      <dsp:spPr>
+        <a:xfrm>
+          <a:off x="6672148" y="4736279"/>
+          <a:ext cx="1110831" cy="555415"/>
+        </a:xfrm>
+        <a:prstGeom prst="rect">
+          <a:avLst/>
+        </a:prstGeom>
+        <a:solidFill>
+          <a:schemeClr val="accent1">
+            <a:hueOff val="0"/>
+            <a:satOff val="0"/>
+            <a:lumOff val="0"/>
+            <a:alphaOff val="0"/>
+          </a:schemeClr>
+        </a:solidFill>
+        <a:ln w="12700" cap="flat" cmpd="sng" algn="ctr">
+          <a:solidFill>
+            <a:schemeClr val="lt1">
+              <a:hueOff val="0"/>
+              <a:satOff val="0"/>
+              <a:lumOff val="0"/>
+              <a:alphaOff val="0"/>
+            </a:schemeClr>
+          </a:solidFill>
+          <a:prstDash val="solid"/>
+          <a:miter lim="800000"/>
+        </a:ln>
+        <a:effectLst/>
+      </dsp:spPr>
+      <dsp:style>
+        <a:lnRef idx="2">
+          <a:scrgbClr r="0" g="0" b="0"/>
+        </a:lnRef>
+        <a:fillRef idx="1">
+          <a:scrgbClr r="0" g="0" b="0"/>
+        </a:fillRef>
+        <a:effectRef idx="0">
+          <a:scrgbClr r="0" g="0" b="0"/>
+        </a:effectRef>
+        <a:fontRef idx="minor">
+          <a:schemeClr val="lt1"/>
+        </a:fontRef>
+      </dsp:style>
+      <dsp:txBody>
+        <a:bodyPr spcFirstLastPara="0" vert="horz" wrap="square" lIns="8890" tIns="8890" rIns="8890" bIns="8890" numCol="1" spcCol="1270" anchor="ctr" anchorCtr="0">
+          <a:noAutofit/>
+        </a:bodyPr>
+        <a:lstStyle/>
+        <a:p>
+          <a:pPr marL="0" lvl="0" indent="0" algn="ctr" defTabSz="622300">
+            <a:lnSpc>
+              <a:spcPct val="90000"/>
+            </a:lnSpc>
+            <a:spcBef>
+              <a:spcPct val="0"/>
+            </a:spcBef>
+            <a:spcAft>
+              <a:spcPct val="35000"/>
+            </a:spcAft>
+            <a:buNone/>
+          </a:pPr>
+          <a:r>
+            <a:rPr lang="en-US" sz="1400" kern="1200" dirty="0"/>
+            <a:t>State waters</a:t>
+          </a:r>
+        </a:p>
+      </dsp:txBody>
+      <dsp:txXfrm>
+        <a:off x="6672148" y="4736279"/>
+        <a:ext cx="1110831" cy="555415"/>
+      </dsp:txXfrm>
+    </dsp:sp>
+    <dsp:sp modelId="{EC1F51F2-5BB8-9245-AEE3-117A7CFADAB8}">
+      <dsp:nvSpPr>
+        <dsp:cNvPr id="0" name=""/>
+        <dsp:cNvSpPr/>
+      </dsp:nvSpPr>
+      <dsp:spPr>
+        <a:xfrm>
+          <a:off x="6672148" y="5524969"/>
+          <a:ext cx="1110831" cy="555415"/>
+        </a:xfrm>
+        <a:prstGeom prst="rect">
+          <a:avLst/>
+        </a:prstGeom>
+        <a:solidFill>
+          <a:schemeClr val="accent1">
+            <a:hueOff val="0"/>
+            <a:satOff val="0"/>
+            <a:lumOff val="0"/>
+            <a:alphaOff val="0"/>
+          </a:schemeClr>
+        </a:solidFill>
+        <a:ln w="12700" cap="flat" cmpd="sng" algn="ctr">
+          <a:solidFill>
+            <a:schemeClr val="lt1">
+              <a:hueOff val="0"/>
+              <a:satOff val="0"/>
+              <a:lumOff val="0"/>
+              <a:alphaOff val="0"/>
+            </a:schemeClr>
+          </a:solidFill>
+          <a:prstDash val="solid"/>
+          <a:miter lim="800000"/>
+        </a:ln>
+        <a:effectLst/>
+      </dsp:spPr>
+      <dsp:style>
+        <a:lnRef idx="2">
+          <a:scrgbClr r="0" g="0" b="0"/>
+        </a:lnRef>
+        <a:fillRef idx="1">
+          <a:scrgbClr r="0" g="0" b="0"/>
+        </a:fillRef>
+        <a:effectRef idx="0">
+          <a:scrgbClr r="0" g="0" b="0"/>
+        </a:effectRef>
+        <a:fontRef idx="minor">
+          <a:schemeClr val="lt1"/>
+        </a:fontRef>
+      </dsp:style>
+      <dsp:txBody>
+        <a:bodyPr spcFirstLastPara="0" vert="horz" wrap="square" lIns="8890" tIns="8890" rIns="8890" bIns="8890" numCol="1" spcCol="1270" anchor="ctr" anchorCtr="0">
+          <a:noAutofit/>
+        </a:bodyPr>
+        <a:lstStyle/>
+        <a:p>
+          <a:pPr marL="0" lvl="0" indent="0" algn="ctr" defTabSz="622300">
+            <a:lnSpc>
+              <a:spcPct val="90000"/>
+            </a:lnSpc>
+            <a:spcBef>
+              <a:spcPct val="0"/>
+            </a:spcBef>
+            <a:spcAft>
+              <a:spcPct val="35000"/>
+            </a:spcAft>
+            <a:buNone/>
+          </a:pPr>
+          <a:r>
+            <a:rPr lang="en-US" sz="1400" kern="1200" dirty="0"/>
+            <a:t>Other sub-component</a:t>
+          </a:r>
+        </a:p>
+      </dsp:txBody>
+      <dsp:txXfrm>
+        <a:off x="6672148" y="5524969"/>
+        <a:ext cx="1110831" cy="555415"/>
+      </dsp:txXfrm>
+    </dsp:sp>
+  </dsp:spTree>
+</dsp:drawing>
+</file>
+
 <file path=ppt/diagrams/layout1.xml><?xml version="1.0" encoding="utf-8"?>
 <dgm:layoutDef xmlns:dgm="http://schemas.openxmlformats.org/drawingml/2006/diagram" xmlns:a="http://schemas.openxmlformats.org/drawingml/2006/main" uniqueId="urn:microsoft.com/office/officeart/2005/8/layout/orgChart1">
   <dgm:title val=""/>
@@ -8134,6 +12683,1152 @@
 </dgm:layoutDef>
 </file>
 
+<file path=ppt/diagrams/layout3.xml><?xml version="1.0" encoding="utf-8"?>
+<dgm:layoutDef xmlns:dgm="http://schemas.openxmlformats.org/drawingml/2006/diagram" xmlns:a="http://schemas.openxmlformats.org/drawingml/2006/main" uniqueId="urn:microsoft.com/office/officeart/2005/8/layout/orgChart1">
+  <dgm:title val=""/>
+  <dgm:desc val=""/>
+  <dgm:catLst>
+    <dgm:cat type="hierarchy" pri="1000"/>
+    <dgm:cat type="convert" pri="6000"/>
+  </dgm:catLst>
+  <dgm:sampData>
+    <dgm:dataModel>
+      <dgm:ptLst>
+        <dgm:pt modelId="0" type="doc"/>
+        <dgm:pt modelId="1">
+          <dgm:prSet phldr="1"/>
+        </dgm:pt>
+        <dgm:pt modelId="2" type="asst">
+          <dgm:prSet phldr="1"/>
+        </dgm:pt>
+        <dgm:pt modelId="3">
+          <dgm:prSet phldr="1"/>
+        </dgm:pt>
+        <dgm:pt modelId="4">
+          <dgm:prSet phldr="1"/>
+        </dgm:pt>
+        <dgm:pt modelId="5">
+          <dgm:prSet phldr="1"/>
+        </dgm:pt>
+      </dgm:ptLst>
+      <dgm:cxnLst>
+        <dgm:cxn modelId="5" srcId="0" destId="1" srcOrd="0" destOrd="0"/>
+        <dgm:cxn modelId="6" srcId="1" destId="2" srcOrd="0" destOrd="0"/>
+        <dgm:cxn modelId="7" srcId="1" destId="3" srcOrd="1" destOrd="0"/>
+        <dgm:cxn modelId="8" srcId="1" destId="4" srcOrd="2" destOrd="0"/>
+        <dgm:cxn modelId="9" srcId="1" destId="5" srcOrd="3" destOrd="0"/>
+      </dgm:cxnLst>
+      <dgm:bg/>
+      <dgm:whole/>
+    </dgm:dataModel>
+  </dgm:sampData>
+  <dgm:styleData>
+    <dgm:dataModel>
+      <dgm:ptLst>
+        <dgm:pt modelId="0" type="doc"/>
+        <dgm:pt modelId="1"/>
+        <dgm:pt modelId="12"/>
+        <dgm:pt modelId="13"/>
+      </dgm:ptLst>
+      <dgm:cxnLst>
+        <dgm:cxn modelId="2" srcId="0" destId="1" srcOrd="0" destOrd="0"/>
+        <dgm:cxn modelId="16" srcId="1" destId="12" srcOrd="1" destOrd="0"/>
+        <dgm:cxn modelId="17" srcId="1" destId="13" srcOrd="2" destOrd="0"/>
+      </dgm:cxnLst>
+      <dgm:bg/>
+      <dgm:whole/>
+    </dgm:dataModel>
+  </dgm:styleData>
+  <dgm:clrData>
+    <dgm:dataModel>
+      <dgm:ptLst>
+        <dgm:pt modelId="0" type="doc"/>
+        <dgm:pt modelId="1"/>
+        <dgm:pt modelId="11" type="asst"/>
+        <dgm:pt modelId="12"/>
+        <dgm:pt modelId="13"/>
+        <dgm:pt modelId="14"/>
+      </dgm:ptLst>
+      <dgm:cxnLst>
+        <dgm:cxn modelId="2" srcId="0" destId="1" srcOrd="0" destOrd="0"/>
+        <dgm:cxn modelId="15" srcId="1" destId="11" srcOrd="0" destOrd="0"/>
+        <dgm:cxn modelId="16" srcId="1" destId="12" srcOrd="1" destOrd="0"/>
+        <dgm:cxn modelId="17" srcId="1" destId="13" srcOrd="2" destOrd="0"/>
+        <dgm:cxn modelId="18" srcId="1" destId="14" srcOrd="2" destOrd="0"/>
+      </dgm:cxnLst>
+      <dgm:bg/>
+      <dgm:whole/>
+    </dgm:dataModel>
+  </dgm:clrData>
+  <dgm:layoutNode name="hierChild1">
+    <dgm:varLst>
+      <dgm:orgChart val="1"/>
+      <dgm:chPref val="1"/>
+      <dgm:dir/>
+      <dgm:animOne val="branch"/>
+      <dgm:animLvl val="lvl"/>
+      <dgm:resizeHandles/>
+    </dgm:varLst>
+    <dgm:choose name="Name0">
+      <dgm:if name="Name1" func="var" arg="dir" op="equ" val="norm">
+        <dgm:alg type="hierChild">
+          <dgm:param type="linDir" val="fromL"/>
+        </dgm:alg>
+      </dgm:if>
+      <dgm:else name="Name2">
+        <dgm:alg type="hierChild">
+          <dgm:param type="linDir" val="fromR"/>
+        </dgm:alg>
+      </dgm:else>
+    </dgm:choose>
+    <dgm:shape xmlns:r="http://schemas.openxmlformats.org/officeDocument/2006/relationships" r:blip="">
+      <dgm:adjLst/>
+    </dgm:shape>
+    <dgm:presOf/>
+    <dgm:constrLst>
+      <dgm:constr type="w" for="des" forName="rootComposite1" refType="w" fact="10"/>
+      <dgm:constr type="h" for="des" forName="rootComposite1" refType="w" refFor="des" refForName="rootComposite1" fact="0.5"/>
+      <dgm:constr type="w" for="des" forName="rootComposite" refType="w" fact="10"/>
+      <dgm:constr type="h" for="des" forName="rootComposite" refType="w" refFor="des" refForName="rootComposite1" fact="0.5"/>
+      <dgm:constr type="w" for="des" forName="rootComposite3" refType="w" fact="10"/>
+      <dgm:constr type="h" for="des" forName="rootComposite3" refType="w" refFor="des" refForName="rootComposite1" fact="0.5"/>
+      <dgm:constr type="primFontSz" for="des" ptType="node" op="equ"/>
+      <dgm:constr type="sp" for="des" op="equ"/>
+      <dgm:constr type="sp" for="des" forName="hierRoot1" refType="w" refFor="des" refForName="rootComposite1" fact="0.21"/>
+      <dgm:constr type="sp" for="des" forName="hierRoot2" refType="sp" refFor="des" refForName="hierRoot1"/>
+      <dgm:constr type="sp" for="des" forName="hierRoot3" refType="sp" refFor="des" refForName="hierRoot1"/>
+      <dgm:constr type="sibSp" refType="w" refFor="des" refForName="rootComposite1" fact="0.21"/>
+      <dgm:constr type="sibSp" for="des" forName="hierChild2" refType="sibSp"/>
+      <dgm:constr type="sibSp" for="des" forName="hierChild3" refType="sibSp"/>
+      <dgm:constr type="sibSp" for="des" forName="hierChild4" refType="sibSp"/>
+      <dgm:constr type="sibSp" for="des" forName="hierChild5" refType="sibSp"/>
+      <dgm:constr type="sibSp" for="des" forName="hierChild6" refType="sibSp"/>
+      <dgm:constr type="sibSp" for="des" forName="hierChild7" refType="sibSp"/>
+      <dgm:constr type="secSibSp" refType="w" refFor="des" refForName="rootComposite1" fact="0.21"/>
+      <dgm:constr type="secSibSp" for="des" forName="hierChild2" refType="secSibSp"/>
+      <dgm:constr type="secSibSp" for="des" forName="hierChild3" refType="secSibSp"/>
+      <dgm:constr type="secSibSp" for="des" forName="hierChild4" refType="secSibSp"/>
+      <dgm:constr type="secSibSp" for="des" forName="hierChild5" refType="secSibSp"/>
+      <dgm:constr type="secSibSp" for="des" forName="hierChild6" refType="secSibSp"/>
+      <dgm:constr type="secSibSp" for="des" forName="hierChild7" refType="secSibSp"/>
+    </dgm:constrLst>
+    <dgm:ruleLst/>
+    <dgm:forEach name="Name3" axis="ch">
+      <dgm:forEach name="Name4" axis="self" ptType="node">
+        <dgm:layoutNode name="hierRoot1">
+          <dgm:varLst>
+            <dgm:hierBranch val="init"/>
+          </dgm:varLst>
+          <dgm:choose name="Name5">
+            <dgm:if name="Name6" func="var" arg="hierBranch" op="equ" val="l">
+              <dgm:choose name="Name7">
+                <dgm:if name="Name8" axis="ch" ptType="asst" func="cnt" op="gte" val="1">
+                  <dgm:alg type="hierRoot">
+                    <dgm:param type="hierAlign" val="tR"/>
+                  </dgm:alg>
+                  <dgm:constrLst>
+                    <dgm:constr type="alignOff" val="0.65"/>
+                  </dgm:constrLst>
+                </dgm:if>
+                <dgm:else name="Name9">
+                  <dgm:alg type="hierRoot">
+                    <dgm:param type="hierAlign" val="tR"/>
+                  </dgm:alg>
+                  <dgm:constrLst>
+                    <dgm:constr type="alignOff" val="0.25"/>
+                  </dgm:constrLst>
+                </dgm:else>
+              </dgm:choose>
+            </dgm:if>
+            <dgm:if name="Name10" func="var" arg="hierBranch" op="equ" val="r">
+              <dgm:choose name="Name11">
+                <dgm:if name="Name12" axis="ch" ptType="asst" func="cnt" op="gte" val="1">
+                  <dgm:alg type="hierRoot">
+                    <dgm:param type="hierAlign" val="tL"/>
+                  </dgm:alg>
+                  <dgm:constrLst>
+                    <dgm:constr type="alignOff" val="0.65"/>
+                  </dgm:constrLst>
+                </dgm:if>
+                <dgm:else name="Name13">
+                  <dgm:alg type="hierRoot">
+                    <dgm:param type="hierAlign" val="tL"/>
+                  </dgm:alg>
+                  <dgm:constrLst>
+                    <dgm:constr type="alignOff" val="0.25"/>
+                  </dgm:constrLst>
+                </dgm:else>
+              </dgm:choose>
+            </dgm:if>
+            <dgm:if name="Name14" func="var" arg="hierBranch" op="equ" val="hang">
+              <dgm:alg type="hierRoot"/>
+              <dgm:constrLst>
+                <dgm:constr type="alignOff" val="0.65"/>
+              </dgm:constrLst>
+            </dgm:if>
+            <dgm:else name="Name15">
+              <dgm:alg type="hierRoot"/>
+              <dgm:constrLst>
+                <dgm:constr type="alignOff"/>
+                <dgm:constr type="bendDist" for="des" ptType="parTrans" refType="sp" fact="0.5"/>
+              </dgm:constrLst>
+            </dgm:else>
+          </dgm:choose>
+          <dgm:shape xmlns:r="http://schemas.openxmlformats.org/officeDocument/2006/relationships" r:blip="">
+            <dgm:adjLst/>
+          </dgm:shape>
+          <dgm:presOf/>
+          <dgm:ruleLst/>
+          <dgm:layoutNode name="rootComposite1">
+            <dgm:alg type="composite"/>
+            <dgm:shape xmlns:r="http://schemas.openxmlformats.org/officeDocument/2006/relationships" r:blip="">
+              <dgm:adjLst/>
+            </dgm:shape>
+            <dgm:presOf axis="self" ptType="node" cnt="1"/>
+            <dgm:choose name="Name16">
+              <dgm:if name="Name17" func="var" arg="hierBranch" op="equ" val="init">
+                <dgm:constrLst>
+                  <dgm:constr type="l" for="ch" forName="rootText1"/>
+                  <dgm:constr type="t" for="ch" forName="rootText1"/>
+                  <dgm:constr type="w" for="ch" forName="rootText1" refType="w"/>
+                  <dgm:constr type="h" for="ch" forName="rootText1" refType="h"/>
+                  <dgm:constr type="l" for="ch" forName="rootConnector1"/>
+                  <dgm:constr type="t" for="ch" forName="rootConnector1"/>
+                  <dgm:constr type="w" for="ch" forName="rootConnector1" refType="w" refFor="ch" refForName="rootText1" fact="0.2"/>
+                  <dgm:constr type="h" for="ch" forName="rootConnector1" refType="h" refFor="ch" refForName="rootText1"/>
+                </dgm:constrLst>
+              </dgm:if>
+              <dgm:if name="Name18" func="var" arg="hierBranch" op="equ" val="l">
+                <dgm:constrLst>
+                  <dgm:constr type="l" for="ch" forName="rootText1"/>
+                  <dgm:constr type="t" for="ch" forName="rootText1"/>
+                  <dgm:constr type="w" for="ch" forName="rootText1" refType="w"/>
+                  <dgm:constr type="h" for="ch" forName="rootText1" refType="h"/>
+                  <dgm:constr type="r" for="ch" forName="rootConnector1" refType="w"/>
+                  <dgm:constr type="t" for="ch" forName="rootConnector1"/>
+                  <dgm:constr type="w" for="ch" forName="rootConnector1" refType="w" refFor="ch" refForName="rootText1" fact="0.2"/>
+                  <dgm:constr type="h" for="ch" forName="rootConnector1" refType="h" refFor="ch" refForName="rootText1"/>
+                </dgm:constrLst>
+              </dgm:if>
+              <dgm:if name="Name19" func="var" arg="hierBranch" op="equ" val="r">
+                <dgm:constrLst>
+                  <dgm:constr type="l" for="ch" forName="rootText1"/>
+                  <dgm:constr type="t" for="ch" forName="rootText1"/>
+                  <dgm:constr type="w" for="ch" forName="rootText1" refType="w"/>
+                  <dgm:constr type="h" for="ch" forName="rootText1" refType="h"/>
+                  <dgm:constr type="l" for="ch" forName="rootConnector1"/>
+                  <dgm:constr type="t" for="ch" forName="rootConnector1"/>
+                  <dgm:constr type="w" for="ch" forName="rootConnector1" refType="w" refFor="ch" refForName="rootText1" fact="0.2"/>
+                  <dgm:constr type="h" for="ch" forName="rootConnector1" refType="h" refFor="ch" refForName="rootText1"/>
+                </dgm:constrLst>
+              </dgm:if>
+              <dgm:else name="Name20">
+                <dgm:constrLst>
+                  <dgm:constr type="l" for="ch" forName="rootText1"/>
+                  <dgm:constr type="t" for="ch" forName="rootText1"/>
+                  <dgm:constr type="w" for="ch" forName="rootText1" refType="w"/>
+                  <dgm:constr type="h" for="ch" forName="rootText1" refType="h"/>
+                  <dgm:constr type="r" for="ch" forName="rootConnector1" refType="w"/>
+                  <dgm:constr type="t" for="ch" forName="rootConnector1"/>
+                  <dgm:constr type="w" for="ch" forName="rootConnector1" refType="w" refFor="ch" refForName="rootText1" fact="0.2"/>
+                  <dgm:constr type="h" for="ch" forName="rootConnector1" refType="h" refFor="ch" refForName="rootText1"/>
+                </dgm:constrLst>
+              </dgm:else>
+            </dgm:choose>
+            <dgm:ruleLst/>
+            <dgm:layoutNode name="rootText1" styleLbl="node0">
+              <dgm:varLst>
+                <dgm:chPref val="3"/>
+              </dgm:varLst>
+              <dgm:alg type="tx"/>
+              <dgm:shape xmlns:r="http://schemas.openxmlformats.org/officeDocument/2006/relationships" type="rect" r:blip="">
+                <dgm:adjLst/>
+              </dgm:shape>
+              <dgm:presOf axis="self" ptType="node" cnt="1"/>
+              <dgm:constrLst>
+                <dgm:constr type="primFontSz" val="65"/>
+                <dgm:constr type="lMarg" refType="primFontSz" fact="0.05"/>
+                <dgm:constr type="rMarg" refType="primFontSz" fact="0.05"/>
+                <dgm:constr type="tMarg" refType="primFontSz" fact="0.05"/>
+                <dgm:constr type="bMarg" refType="primFontSz" fact="0.05"/>
+              </dgm:constrLst>
+              <dgm:ruleLst>
+                <dgm:rule type="primFontSz" val="5" fact="NaN" max="NaN"/>
+              </dgm:ruleLst>
+            </dgm:layoutNode>
+            <dgm:layoutNode name="rootConnector1" moveWith="rootText1">
+              <dgm:alg type="sp"/>
+              <dgm:shape xmlns:r="http://schemas.openxmlformats.org/officeDocument/2006/relationships" type="rect" r:blip="" hideGeom="1">
+                <dgm:adjLst/>
+              </dgm:shape>
+              <dgm:presOf axis="self" ptType="node" cnt="1"/>
+              <dgm:constrLst/>
+              <dgm:ruleLst/>
+            </dgm:layoutNode>
+          </dgm:layoutNode>
+          <dgm:layoutNode name="hierChild2">
+            <dgm:choose name="Name21">
+              <dgm:if name="Name22" func="var" arg="hierBranch" op="equ" val="l">
+                <dgm:alg type="hierChild">
+                  <dgm:param type="chAlign" val="r"/>
+                  <dgm:param type="linDir" val="fromT"/>
+                </dgm:alg>
+              </dgm:if>
+              <dgm:if name="Name23" func="var" arg="hierBranch" op="equ" val="r">
+                <dgm:alg type="hierChild">
+                  <dgm:param type="chAlign" val="l"/>
+                  <dgm:param type="linDir" val="fromT"/>
+                </dgm:alg>
+              </dgm:if>
+              <dgm:if name="Name24" func="var" arg="hierBranch" op="equ" val="hang">
+                <dgm:choose name="Name25">
+                  <dgm:if name="Name26" func="var" arg="dir" op="equ" val="norm">
+                    <dgm:alg type="hierChild">
+                      <dgm:param type="chAlign" val="l"/>
+                      <dgm:param type="linDir" val="fromL"/>
+                      <dgm:param type="secChAlign" val="t"/>
+                      <dgm:param type="secLinDir" val="fromT"/>
+                    </dgm:alg>
+                  </dgm:if>
+                  <dgm:else name="Name27">
+                    <dgm:alg type="hierChild">
+                      <dgm:param type="chAlign" val="l"/>
+                      <dgm:param type="linDir" val="fromR"/>
+                      <dgm:param type="secChAlign" val="t"/>
+                      <dgm:param type="secLinDir" val="fromT"/>
+                    </dgm:alg>
+                  </dgm:else>
+                </dgm:choose>
+              </dgm:if>
+              <dgm:else name="Name28">
+                <dgm:choose name="Name29">
+                  <dgm:if name="Name30" func="var" arg="dir" op="equ" val="norm">
+                    <dgm:alg type="hierChild"/>
+                  </dgm:if>
+                  <dgm:else name="Name31">
+                    <dgm:alg type="hierChild">
+                      <dgm:param type="linDir" val="fromR"/>
+                    </dgm:alg>
+                  </dgm:else>
+                </dgm:choose>
+              </dgm:else>
+            </dgm:choose>
+            <dgm:shape xmlns:r="http://schemas.openxmlformats.org/officeDocument/2006/relationships" r:blip="">
+              <dgm:adjLst/>
+            </dgm:shape>
+            <dgm:presOf/>
+            <dgm:constrLst/>
+            <dgm:ruleLst/>
+            <dgm:forEach name="rep2a" axis="ch" ptType="nonAsst">
+              <dgm:forEach name="Name32" axis="precedSib" ptType="parTrans" st="-1" cnt="1">
+                <dgm:choose name="Name33">
+                  <dgm:if name="Name34" func="var" arg="hierBranch" op="equ" val="std">
+                    <dgm:layoutNode name="Name35">
+                      <dgm:alg type="conn">
+                        <dgm:param type="connRout" val="bend"/>
+                        <dgm:param type="dim" val="1D"/>
+                        <dgm:param type="endSty" val="noArr"/>
+                        <dgm:param type="begPts" val="bCtr"/>
+                        <dgm:param type="endPts" val="tCtr"/>
+                        <dgm:param type="bendPt" val="end"/>
+                      </dgm:alg>
+                      <dgm:shape xmlns:r="http://schemas.openxmlformats.org/officeDocument/2006/relationships" type="conn" r:blip="" zOrderOff="-99999">
+                        <dgm:adjLst/>
+                      </dgm:shape>
+                      <dgm:presOf axis="self"/>
+                      <dgm:constrLst>
+                        <dgm:constr type="begPad"/>
+                        <dgm:constr type="endPad"/>
+                      </dgm:constrLst>
+                      <dgm:ruleLst/>
+                    </dgm:layoutNode>
+                  </dgm:if>
+                  <dgm:if name="Name36" func="var" arg="hierBranch" op="equ" val="init">
+                    <dgm:layoutNode name="Name37">
+                      <dgm:choose name="Name38">
+                        <dgm:if name="Name39" axis="self" func="depth" op="lte" val="2">
+                          <dgm:alg type="conn">
+                            <dgm:param type="connRout" val="bend"/>
+                            <dgm:param type="dim" val="1D"/>
+                            <dgm:param type="endSty" val="noArr"/>
+                            <dgm:param type="begPts" val="bCtr"/>
+                            <dgm:param type="endPts" val="tCtr"/>
+                            <dgm:param type="bendPt" val="end"/>
+                          </dgm:alg>
+                        </dgm:if>
+                        <dgm:else name="Name40">
+                          <dgm:choose name="Name41">
+                            <dgm:if name="Name42" axis="par des" func="maxDepth" op="lte" val="1">
+                              <dgm:choose name="Name43">
+                                <dgm:if name="Name44" axis="par ch" ptType="node asst" func="cnt" op="gte" val="1">
+                                  <dgm:alg type="conn">
+                                    <dgm:param type="connRout" val="bend"/>
+                                    <dgm:param type="dim" val="1D"/>
+                                    <dgm:param type="endSty" val="noArr"/>
+                                    <dgm:param type="begPts" val="bCtr"/>
+                                    <dgm:param type="endPts" val="midL midR"/>
+                                  </dgm:alg>
+                                </dgm:if>
+                                <dgm:else name="Name45">
+                                  <dgm:alg type="conn">
+                                    <dgm:param type="connRout" val="bend"/>
+                                    <dgm:param type="dim" val="1D"/>
+                                    <dgm:param type="endSty" val="noArr"/>
+                                    <dgm:param type="begPts" val="bCtr"/>
+                                    <dgm:param type="endPts" val="midL midR"/>
+                                    <dgm:param type="srcNode" val="rootConnector"/>
+                                  </dgm:alg>
+                                </dgm:else>
+                              </dgm:choose>
+                            </dgm:if>
+                            <dgm:else name="Name46">
+                              <dgm:alg type="conn">
+                                <dgm:param type="connRout" val="bend"/>
+                                <dgm:param type="dim" val="1D"/>
+                                <dgm:param type="endSty" val="noArr"/>
+                                <dgm:param type="begPts" val="bCtr"/>
+                                <dgm:param type="endPts" val="tCtr"/>
+                                <dgm:param type="bendPt" val="end"/>
+                              </dgm:alg>
+                            </dgm:else>
+                          </dgm:choose>
+                        </dgm:else>
+                      </dgm:choose>
+                      <dgm:shape xmlns:r="http://schemas.openxmlformats.org/officeDocument/2006/relationships" type="conn" r:blip="" zOrderOff="-99999">
+                        <dgm:adjLst/>
+                      </dgm:shape>
+                      <dgm:presOf axis="self"/>
+                      <dgm:constrLst>
+                        <dgm:constr type="begPad"/>
+                        <dgm:constr type="endPad"/>
+                      </dgm:constrLst>
+                      <dgm:ruleLst/>
+                    </dgm:layoutNode>
+                  </dgm:if>
+                  <dgm:if name="Name47" func="var" arg="hierBranch" op="equ" val="hang">
+                    <dgm:layoutNode name="Name48">
+                      <dgm:alg type="conn">
+                        <dgm:param type="connRout" val="bend"/>
+                        <dgm:param type="dim" val="1D"/>
+                        <dgm:param type="endSty" val="noArr"/>
+                        <dgm:param type="begPts" val="bCtr"/>
+                        <dgm:param type="endPts" val="midL midR"/>
+                      </dgm:alg>
+                      <dgm:shape xmlns:r="http://schemas.openxmlformats.org/officeDocument/2006/relationships" type="conn" r:blip="" zOrderOff="-99999">
+                        <dgm:adjLst/>
+                      </dgm:shape>
+                      <dgm:presOf axis="self"/>
+                      <dgm:constrLst>
+                        <dgm:constr type="begPad"/>
+                        <dgm:constr type="endPad"/>
+                      </dgm:constrLst>
+                      <dgm:ruleLst/>
+                    </dgm:layoutNode>
+                  </dgm:if>
+                  <dgm:else name="Name49">
+                    <dgm:layoutNode name="Name50">
+                      <dgm:choose name="Name51">
+                        <dgm:if name="Name52" axis="self" func="depth" op="lte" val="2">
+                          <dgm:choose name="Name53">
+                            <dgm:if name="Name54" axis="par ch" ptType="node asst" func="cnt" op="gte" val="1">
+                              <dgm:alg type="conn">
+                                <dgm:param type="connRout" val="bend"/>
+                                <dgm:param type="dim" val="1D"/>
+                                <dgm:param type="endSty" val="noArr"/>
+                                <dgm:param type="begPts" val="bCtr"/>
+                                <dgm:param type="endPts" val="midL midR"/>
+                              </dgm:alg>
+                            </dgm:if>
+                            <dgm:else name="Name55">
+                              <dgm:alg type="conn">
+                                <dgm:param type="connRout" val="bend"/>
+                                <dgm:param type="dim" val="1D"/>
+                                <dgm:param type="endSty" val="noArr"/>
+                                <dgm:param type="begPts" val="bCtr"/>
+                                <dgm:param type="endPts" val="midL midR"/>
+                                <dgm:param type="srcNode" val="rootConnector1"/>
+                              </dgm:alg>
+                            </dgm:else>
+                          </dgm:choose>
+                        </dgm:if>
+                        <dgm:else name="Name56">
+                          <dgm:choose name="Name57">
+                            <dgm:if name="Name58" axis="par ch" ptType="node asst" func="cnt" op="gte" val="1">
+                              <dgm:alg type="conn">
+                                <dgm:param type="connRout" val="bend"/>
+                                <dgm:param type="dim" val="1D"/>
+                                <dgm:param type="endSty" val="noArr"/>
+                                <dgm:param type="begPts" val="bCtr"/>
+                                <dgm:param type="endPts" val="midL midR"/>
+                              </dgm:alg>
+                            </dgm:if>
+                            <dgm:else name="Name59">
+                              <dgm:alg type="conn">
+                                <dgm:param type="connRout" val="bend"/>
+                                <dgm:param type="dim" val="1D"/>
+                                <dgm:param type="endSty" val="noArr"/>
+                                <dgm:param type="begPts" val="bCtr"/>
+                                <dgm:param type="endPts" val="midL midR"/>
+                                <dgm:param type="srcNode" val="rootConnector"/>
+                              </dgm:alg>
+                            </dgm:else>
+                          </dgm:choose>
+                        </dgm:else>
+                      </dgm:choose>
+                      <dgm:shape xmlns:r="http://schemas.openxmlformats.org/officeDocument/2006/relationships" type="conn" r:blip="" zOrderOff="-99999">
+                        <dgm:adjLst/>
+                      </dgm:shape>
+                      <dgm:presOf axis="self"/>
+                      <dgm:constrLst>
+                        <dgm:constr type="begPad"/>
+                        <dgm:constr type="endPad"/>
+                      </dgm:constrLst>
+                      <dgm:ruleLst/>
+                    </dgm:layoutNode>
+                  </dgm:else>
+                </dgm:choose>
+              </dgm:forEach>
+              <dgm:layoutNode name="hierRoot2">
+                <dgm:varLst>
+                  <dgm:hierBranch val="init"/>
+                </dgm:varLst>
+                <dgm:choose name="Name60">
+                  <dgm:if name="Name61" func="var" arg="hierBranch" op="equ" val="l">
+                    <dgm:choose name="Name62">
+                      <dgm:if name="Name63" axis="ch" ptType="asst" func="cnt" op="gte" val="1">
+                        <dgm:alg type="hierRoot">
+                          <dgm:param type="hierAlign" val="tR"/>
+                        </dgm:alg>
+                        <dgm:shape xmlns:r="http://schemas.openxmlformats.org/officeDocument/2006/relationships" r:blip="">
+                          <dgm:adjLst/>
+                        </dgm:shape>
+                        <dgm:presOf/>
+                        <dgm:constrLst>
+                          <dgm:constr type="alignOff" val="0.65"/>
+                        </dgm:constrLst>
+                      </dgm:if>
+                      <dgm:else name="Name64">
+                        <dgm:alg type="hierRoot">
+                          <dgm:param type="hierAlign" val="tR"/>
+                        </dgm:alg>
+                        <dgm:shape xmlns:r="http://schemas.openxmlformats.org/officeDocument/2006/relationships" r:blip="">
+                          <dgm:adjLst/>
+                        </dgm:shape>
+                        <dgm:presOf/>
+                        <dgm:constrLst>
+                          <dgm:constr type="alignOff" val="0.25"/>
+                        </dgm:constrLst>
+                      </dgm:else>
+                    </dgm:choose>
+                  </dgm:if>
+                  <dgm:if name="Name65" func="var" arg="hierBranch" op="equ" val="r">
+                    <dgm:choose name="Name66">
+                      <dgm:if name="Name67" axis="ch" ptType="asst" func="cnt" op="gte" val="1">
+                        <dgm:alg type="hierRoot">
+                          <dgm:param type="hierAlign" val="tL"/>
+                        </dgm:alg>
+                        <dgm:shape xmlns:r="http://schemas.openxmlformats.org/officeDocument/2006/relationships" r:blip="">
+                          <dgm:adjLst/>
+                        </dgm:shape>
+                        <dgm:presOf/>
+                        <dgm:constrLst>
+                          <dgm:constr type="alignOff" val="0.65"/>
+                        </dgm:constrLst>
+                      </dgm:if>
+                      <dgm:else name="Name68">
+                        <dgm:alg type="hierRoot">
+                          <dgm:param type="hierAlign" val="tL"/>
+                        </dgm:alg>
+                        <dgm:shape xmlns:r="http://schemas.openxmlformats.org/officeDocument/2006/relationships" r:blip="">
+                          <dgm:adjLst/>
+                        </dgm:shape>
+                        <dgm:presOf/>
+                        <dgm:constrLst>
+                          <dgm:constr type="alignOff" val="0.25"/>
+                        </dgm:constrLst>
+                      </dgm:else>
+                    </dgm:choose>
+                  </dgm:if>
+                  <dgm:if name="Name69" func="var" arg="hierBranch" op="equ" val="std">
+                    <dgm:alg type="hierRoot"/>
+                    <dgm:shape xmlns:r="http://schemas.openxmlformats.org/officeDocument/2006/relationships" r:blip="">
+                      <dgm:adjLst/>
+                    </dgm:shape>
+                    <dgm:presOf/>
+                    <dgm:constrLst>
+                      <dgm:constr type="alignOff"/>
+                      <dgm:constr type="bendDist" for="des" ptType="parTrans" refType="sp" fact="0.5"/>
+                    </dgm:constrLst>
+                  </dgm:if>
+                  <dgm:if name="Name70" func="var" arg="hierBranch" op="equ" val="init">
+                    <dgm:choose name="Name71">
+                      <dgm:if name="Name72" axis="des" func="maxDepth" op="lte" val="1">
+                        <dgm:choose name="Name73">
+                          <dgm:if name="Name74" axis="ch" ptType="asst" func="cnt" op="gte" val="1">
+                            <dgm:alg type="hierRoot">
+                              <dgm:param type="hierAlign" val="tL"/>
+                            </dgm:alg>
+                            <dgm:shape xmlns:r="http://schemas.openxmlformats.org/officeDocument/2006/relationships" r:blip="">
+                              <dgm:adjLst/>
+                            </dgm:shape>
+                            <dgm:presOf/>
+                            <dgm:constrLst>
+                              <dgm:constr type="alignOff" val="0.65"/>
+                            </dgm:constrLst>
+                          </dgm:if>
+                          <dgm:else name="Name75">
+                            <dgm:alg type="hierRoot">
+                              <dgm:param type="hierAlign" val="tL"/>
+                            </dgm:alg>
+                            <dgm:shape xmlns:r="http://schemas.openxmlformats.org/officeDocument/2006/relationships" r:blip="">
+                              <dgm:adjLst/>
+                            </dgm:shape>
+                            <dgm:presOf/>
+                            <dgm:constrLst>
+                              <dgm:constr type="alignOff" val="0.25"/>
+                            </dgm:constrLst>
+                          </dgm:else>
+                        </dgm:choose>
+                      </dgm:if>
+                      <dgm:else name="Name76">
+                        <dgm:alg type="hierRoot"/>
+                        <dgm:shape xmlns:r="http://schemas.openxmlformats.org/officeDocument/2006/relationships" r:blip="">
+                          <dgm:adjLst/>
+                        </dgm:shape>
+                        <dgm:presOf/>
+                        <dgm:constrLst>
+                          <dgm:constr type="alignOff"/>
+                          <dgm:constr type="bendDist" for="des" ptType="parTrans" refType="sp" fact="0.5"/>
+                        </dgm:constrLst>
+                      </dgm:else>
+                    </dgm:choose>
+                  </dgm:if>
+                  <dgm:else name="Name77">
+                    <dgm:alg type="hierRoot"/>
+                    <dgm:shape xmlns:r="http://schemas.openxmlformats.org/officeDocument/2006/relationships" r:blip="">
+                      <dgm:adjLst/>
+                    </dgm:shape>
+                    <dgm:presOf/>
+                    <dgm:constrLst>
+                      <dgm:constr type="alignOff" val="0.65"/>
+                    </dgm:constrLst>
+                  </dgm:else>
+                </dgm:choose>
+                <dgm:ruleLst/>
+                <dgm:layoutNode name="rootComposite">
+                  <dgm:alg type="composite"/>
+                  <dgm:shape xmlns:r="http://schemas.openxmlformats.org/officeDocument/2006/relationships" r:blip="">
+                    <dgm:adjLst/>
+                  </dgm:shape>
+                  <dgm:presOf axis="self" ptType="node" cnt="1"/>
+                  <dgm:choose name="Name78">
+                    <dgm:if name="Name79" func="var" arg="hierBranch" op="equ" val="init">
+                      <dgm:constrLst>
+                        <dgm:constr type="l" for="ch" forName="rootText"/>
+                        <dgm:constr type="t" for="ch" forName="rootText"/>
+                        <dgm:constr type="w" for="ch" forName="rootText" refType="w"/>
+                        <dgm:constr type="h" for="ch" forName="rootText" refType="h"/>
+                        <dgm:constr type="l" for="ch" forName="rootConnector"/>
+                        <dgm:constr type="t" for="ch" forName="rootConnector"/>
+                        <dgm:constr type="w" for="ch" forName="rootConnector" refType="w" refFor="ch" refForName="rootText" fact="0.2"/>
+                        <dgm:constr type="h" for="ch" forName="rootConnector" refType="h" refFor="ch" refForName="rootText"/>
+                      </dgm:constrLst>
+                    </dgm:if>
+                    <dgm:if name="Name80" func="var" arg="hierBranch" op="equ" val="l">
+                      <dgm:constrLst>
+                        <dgm:constr type="l" for="ch" forName="rootText"/>
+                        <dgm:constr type="t" for="ch" forName="rootText"/>
+                        <dgm:constr type="w" for="ch" forName="rootText" refType="w"/>
+                        <dgm:constr type="h" for="ch" forName="rootText" refType="h"/>
+                        <dgm:constr type="r" for="ch" forName="rootConnector" refType="w"/>
+                        <dgm:constr type="t" for="ch" forName="rootConnector"/>
+                        <dgm:constr type="w" for="ch" forName="rootConnector" refType="w" refFor="ch" refForName="rootText" fact="0.2"/>
+                        <dgm:constr type="h" for="ch" forName="rootConnector" refType="h" refFor="ch" refForName="rootText"/>
+                      </dgm:constrLst>
+                    </dgm:if>
+                    <dgm:if name="Name81" func="var" arg="hierBranch" op="equ" val="r">
+                      <dgm:constrLst>
+                        <dgm:constr type="l" for="ch" forName="rootText"/>
+                        <dgm:constr type="t" for="ch" forName="rootText"/>
+                        <dgm:constr type="w" for="ch" forName="rootText" refType="w"/>
+                        <dgm:constr type="h" for="ch" forName="rootText" refType="h"/>
+                        <dgm:constr type="l" for="ch" forName="rootConnector"/>
+                        <dgm:constr type="t" for="ch" forName="rootConnector"/>
+                        <dgm:constr type="w" for="ch" forName="rootConnector" refType="w" refFor="ch" refForName="rootText" fact="0.2"/>
+                        <dgm:constr type="h" for="ch" forName="rootConnector" refType="h" refFor="ch" refForName="rootText"/>
+                      </dgm:constrLst>
+                    </dgm:if>
+                    <dgm:else name="Name82">
+                      <dgm:constrLst>
+                        <dgm:constr type="l" for="ch" forName="rootText"/>
+                        <dgm:constr type="t" for="ch" forName="rootText"/>
+                        <dgm:constr type="w" for="ch" forName="rootText" refType="w"/>
+                        <dgm:constr type="h" for="ch" forName="rootText" refType="h"/>
+                        <dgm:constr type="r" for="ch" forName="rootConnector" refType="w"/>
+                        <dgm:constr type="t" for="ch" forName="rootConnector"/>
+                        <dgm:constr type="w" for="ch" forName="rootConnector" refType="w" refFor="ch" refForName="rootText" fact="0.2"/>
+                        <dgm:constr type="h" for="ch" forName="rootConnector" refType="h" refFor="ch" refForName="rootText"/>
+                      </dgm:constrLst>
+                    </dgm:else>
+                  </dgm:choose>
+                  <dgm:ruleLst/>
+                  <dgm:layoutNode name="rootText">
+                    <dgm:varLst>
+                      <dgm:chPref val="3"/>
+                    </dgm:varLst>
+                    <dgm:alg type="tx"/>
+                    <dgm:shape xmlns:r="http://schemas.openxmlformats.org/officeDocument/2006/relationships" type="rect" r:blip="">
+                      <dgm:adjLst/>
+                    </dgm:shape>
+                    <dgm:presOf axis="self" ptType="node" cnt="1"/>
+                    <dgm:constrLst>
+                      <dgm:constr type="primFontSz" val="65"/>
+                      <dgm:constr type="lMarg" refType="primFontSz" fact="0.05"/>
+                      <dgm:constr type="rMarg" refType="primFontSz" fact="0.05"/>
+                      <dgm:constr type="tMarg" refType="primFontSz" fact="0.05"/>
+                      <dgm:constr type="bMarg" refType="primFontSz" fact="0.05"/>
+                    </dgm:constrLst>
+                    <dgm:ruleLst>
+                      <dgm:rule type="primFontSz" val="5" fact="NaN" max="NaN"/>
+                    </dgm:ruleLst>
+                  </dgm:layoutNode>
+                  <dgm:layoutNode name="rootConnector" moveWith="rootText">
+                    <dgm:alg type="sp"/>
+                    <dgm:shape xmlns:r="http://schemas.openxmlformats.org/officeDocument/2006/relationships" type="rect" r:blip="" hideGeom="1">
+                      <dgm:adjLst/>
+                    </dgm:shape>
+                    <dgm:presOf axis="self" ptType="node" cnt="1"/>
+                    <dgm:constrLst/>
+                    <dgm:ruleLst/>
+                  </dgm:layoutNode>
+                </dgm:layoutNode>
+                <dgm:layoutNode name="hierChild4">
+                  <dgm:choose name="Name83">
+                    <dgm:if name="Name84" func="var" arg="hierBranch" op="equ" val="l">
+                      <dgm:alg type="hierChild">
+                        <dgm:param type="chAlign" val="r"/>
+                        <dgm:param type="linDir" val="fromT"/>
+                      </dgm:alg>
+                    </dgm:if>
+                    <dgm:if name="Name85" func="var" arg="hierBranch" op="equ" val="r">
+                      <dgm:alg type="hierChild">
+                        <dgm:param type="chAlign" val="l"/>
+                        <dgm:param type="linDir" val="fromT"/>
+                      </dgm:alg>
+                    </dgm:if>
+                    <dgm:if name="Name86" func="var" arg="hierBranch" op="equ" val="hang">
+                      <dgm:choose name="Name87">
+                        <dgm:if name="Name88" func="var" arg="dir" op="equ" val="norm">
+                          <dgm:alg type="hierChild">
+                            <dgm:param type="chAlign" val="l"/>
+                            <dgm:param type="linDir" val="fromL"/>
+                            <dgm:param type="secChAlign" val="t"/>
+                            <dgm:param type="secLinDir" val="fromT"/>
+                          </dgm:alg>
+                        </dgm:if>
+                        <dgm:else name="Name89">
+                          <dgm:alg type="hierChild">
+                            <dgm:param type="chAlign" val="l"/>
+                            <dgm:param type="linDir" val="fromR"/>
+                            <dgm:param type="secChAlign" val="t"/>
+                            <dgm:param type="secLinDir" val="fromT"/>
+                          </dgm:alg>
+                        </dgm:else>
+                      </dgm:choose>
+                    </dgm:if>
+                    <dgm:if name="Name90" func="var" arg="hierBranch" op="equ" val="std">
+                      <dgm:choose name="Name91">
+                        <dgm:if name="Name92" func="var" arg="dir" op="equ" val="norm">
+                          <dgm:alg type="hierChild"/>
+                        </dgm:if>
+                        <dgm:else name="Name93">
+                          <dgm:alg type="hierChild">
+                            <dgm:param type="linDir" val="fromR"/>
+                          </dgm:alg>
+                        </dgm:else>
+                      </dgm:choose>
+                    </dgm:if>
+                    <dgm:if name="Name94" func="var" arg="hierBranch" op="equ" val="init">
+                      <dgm:choose name="Name95">
+                        <dgm:if name="Name96" axis="des" func="maxDepth" op="lte" val="1">
+                          <dgm:alg type="hierChild">
+                            <dgm:param type="chAlign" val="l"/>
+                            <dgm:param type="linDir" val="fromT"/>
+                          </dgm:alg>
+                        </dgm:if>
+                        <dgm:else name="Name97">
+                          <dgm:choose name="Name98">
+                            <dgm:if name="Name99" func="var" arg="dir" op="equ" val="norm">
+                              <dgm:alg type="hierChild"/>
+                            </dgm:if>
+                            <dgm:else name="Name100">
+                              <dgm:alg type="hierChild">
+                                <dgm:param type="linDir" val="fromR"/>
+                              </dgm:alg>
+                            </dgm:else>
+                          </dgm:choose>
+                        </dgm:else>
+                      </dgm:choose>
+                    </dgm:if>
+                    <dgm:else name="Name101"/>
+                  </dgm:choose>
+                  <dgm:shape xmlns:r="http://schemas.openxmlformats.org/officeDocument/2006/relationships" r:blip="">
+                    <dgm:adjLst/>
+                  </dgm:shape>
+                  <dgm:presOf/>
+                  <dgm:constrLst/>
+                  <dgm:ruleLst/>
+                  <dgm:forEach name="Name102" ref="rep2a"/>
+                </dgm:layoutNode>
+                <dgm:layoutNode name="hierChild5">
+                  <dgm:choose name="Name103">
+                    <dgm:if name="Name104" func="var" arg="dir" op="equ" val="norm">
+                      <dgm:alg type="hierChild">
+                        <dgm:param type="chAlign" val="l"/>
+                        <dgm:param type="linDir" val="fromL"/>
+                        <dgm:param type="secChAlign" val="t"/>
+                        <dgm:param type="secLinDir" val="fromT"/>
+                      </dgm:alg>
+                    </dgm:if>
+                    <dgm:else name="Name105">
+                      <dgm:alg type="hierChild">
+                        <dgm:param type="chAlign" val="l"/>
+                        <dgm:param type="linDir" val="fromR"/>
+                        <dgm:param type="secChAlign" val="t"/>
+                        <dgm:param type="secLinDir" val="fromT"/>
+                      </dgm:alg>
+                    </dgm:else>
+                  </dgm:choose>
+                  <dgm:shape xmlns:r="http://schemas.openxmlformats.org/officeDocument/2006/relationships" r:blip="">
+                    <dgm:adjLst/>
+                  </dgm:shape>
+                  <dgm:presOf/>
+                  <dgm:constrLst/>
+                  <dgm:ruleLst/>
+                  <dgm:forEach name="Name106" ref="rep2b"/>
+                </dgm:layoutNode>
+              </dgm:layoutNode>
+            </dgm:forEach>
+          </dgm:layoutNode>
+          <dgm:layoutNode name="hierChild3">
+            <dgm:choose name="Name107">
+              <dgm:if name="Name108" func="var" arg="dir" op="equ" val="norm">
+                <dgm:alg type="hierChild">
+                  <dgm:param type="chAlign" val="l"/>
+                  <dgm:param type="linDir" val="fromL"/>
+                  <dgm:param type="secChAlign" val="t"/>
+                  <dgm:param type="secLinDir" val="fromT"/>
+                </dgm:alg>
+              </dgm:if>
+              <dgm:else name="Name109">
+                <dgm:alg type="hierChild">
+                  <dgm:param type="chAlign" val="l"/>
+                  <dgm:param type="linDir" val="fromR"/>
+                  <dgm:param type="secChAlign" val="t"/>
+                  <dgm:param type="secLinDir" val="fromT"/>
+                </dgm:alg>
+              </dgm:else>
+            </dgm:choose>
+            <dgm:shape xmlns:r="http://schemas.openxmlformats.org/officeDocument/2006/relationships" r:blip="">
+              <dgm:adjLst/>
+            </dgm:shape>
+            <dgm:presOf/>
+            <dgm:constrLst/>
+            <dgm:ruleLst/>
+            <dgm:forEach name="rep2b" axis="ch" ptType="asst">
+              <dgm:forEach name="Name110" axis="precedSib" ptType="parTrans" st="-1" cnt="1">
+                <dgm:layoutNode name="Name111">
+                  <dgm:alg type="conn">
+                    <dgm:param type="connRout" val="bend"/>
+                    <dgm:param type="dim" val="1D"/>
+                    <dgm:param type="endSty" val="noArr"/>
+                    <dgm:param type="begPts" val="bCtr"/>
+                    <dgm:param type="endPts" val="midL midR"/>
+                  </dgm:alg>
+                  <dgm:shape xmlns:r="http://schemas.openxmlformats.org/officeDocument/2006/relationships" type="conn" r:blip="" zOrderOff="-99999">
+                    <dgm:adjLst/>
+                  </dgm:shape>
+                  <dgm:presOf axis="self"/>
+                  <dgm:constrLst>
+                    <dgm:constr type="begPad"/>
+                    <dgm:constr type="endPad"/>
+                  </dgm:constrLst>
+                  <dgm:ruleLst/>
+                </dgm:layoutNode>
+              </dgm:forEach>
+              <dgm:layoutNode name="hierRoot3">
+                <dgm:varLst>
+                  <dgm:hierBranch val="init"/>
+                </dgm:varLst>
+                <dgm:choose name="Name112">
+                  <dgm:if name="Name113" func="var" arg="hierBranch" op="equ" val="l">
+                    <dgm:alg type="hierRoot">
+                      <dgm:param type="hierAlign" val="tR"/>
+                    </dgm:alg>
+                    <dgm:shape xmlns:r="http://schemas.openxmlformats.org/officeDocument/2006/relationships" r:blip="">
+                      <dgm:adjLst/>
+                    </dgm:shape>
+                    <dgm:presOf/>
+                    <dgm:constrLst>
+                      <dgm:constr type="alignOff" val="0.65"/>
+                    </dgm:constrLst>
+                  </dgm:if>
+                  <dgm:if name="Name114" func="var" arg="hierBranch" op="equ" val="r">
+                    <dgm:alg type="hierRoot">
+                      <dgm:param type="hierAlign" val="tL"/>
+                    </dgm:alg>
+                    <dgm:shape xmlns:r="http://schemas.openxmlformats.org/officeDocument/2006/relationships" r:blip="">
+                      <dgm:adjLst/>
+                    </dgm:shape>
+                    <dgm:presOf/>
+                    <dgm:constrLst>
+                      <dgm:constr type="alignOff" val="0.65"/>
+                    </dgm:constrLst>
+                  </dgm:if>
+                  <dgm:if name="Name115" func="var" arg="hierBranch" op="equ" val="hang">
+                    <dgm:alg type="hierRoot"/>
+                    <dgm:shape xmlns:r="http://schemas.openxmlformats.org/officeDocument/2006/relationships" r:blip="">
+                      <dgm:adjLst/>
+                    </dgm:shape>
+                    <dgm:presOf/>
+                    <dgm:constrLst>
+                      <dgm:constr type="alignOff" val="0.65"/>
+                    </dgm:constrLst>
+                  </dgm:if>
+                  <dgm:if name="Name116" func="var" arg="hierBranch" op="equ" val="std">
+                    <dgm:alg type="hierRoot"/>
+                    <dgm:shape xmlns:r="http://schemas.openxmlformats.org/officeDocument/2006/relationships" r:blip="">
+                      <dgm:adjLst/>
+                    </dgm:shape>
+                    <dgm:presOf/>
+                    <dgm:constrLst>
+                      <dgm:constr type="alignOff"/>
+                      <dgm:constr type="bendDist" for="des" ptType="parTrans" refType="sp" fact="0.5"/>
+                    </dgm:constrLst>
+                  </dgm:if>
+                  <dgm:if name="Name117" func="var" arg="hierBranch" op="equ" val="init">
+                    <dgm:choose name="Name118">
+                      <dgm:if name="Name119" axis="des" func="maxDepth" op="lte" val="1">
+                        <dgm:alg type="hierRoot">
+                          <dgm:param type="hierAlign" val="tL"/>
+                        </dgm:alg>
+                        <dgm:shape xmlns:r="http://schemas.openxmlformats.org/officeDocument/2006/relationships" r:blip="">
+                          <dgm:adjLst/>
+                        </dgm:shape>
+                        <dgm:presOf/>
+                        <dgm:constrLst>
+                          <dgm:constr type="alignOff" val="0.65"/>
+                        </dgm:constrLst>
+                      </dgm:if>
+                      <dgm:else name="Name120">
+                        <dgm:alg type="hierRoot"/>
+                        <dgm:shape xmlns:r="http://schemas.openxmlformats.org/officeDocument/2006/relationships" r:blip="">
+                          <dgm:adjLst/>
+                        </dgm:shape>
+                        <dgm:presOf/>
+                        <dgm:constrLst>
+                          <dgm:constr type="alignOff"/>
+                          <dgm:constr type="bendDist" for="des" ptType="parTrans" refType="sp" fact="0.5"/>
+                        </dgm:constrLst>
+                      </dgm:else>
+                    </dgm:choose>
+                  </dgm:if>
+                  <dgm:else name="Name121"/>
+                </dgm:choose>
+                <dgm:ruleLst/>
+                <dgm:layoutNode name="rootComposite3">
+                  <dgm:alg type="composite"/>
+                  <dgm:shape xmlns:r="http://schemas.openxmlformats.org/officeDocument/2006/relationships" r:blip="">
+                    <dgm:adjLst/>
+                  </dgm:shape>
+                  <dgm:presOf axis="self" ptType="node" cnt="1"/>
+                  <dgm:choose name="Name122">
+                    <dgm:if name="Name123" func="var" arg="hierBranch" op="equ" val="init">
+                      <dgm:constrLst>
+                        <dgm:constr type="l" for="ch" forName="rootText3"/>
+                        <dgm:constr type="t" for="ch" forName="rootText3"/>
+                        <dgm:constr type="w" for="ch" forName="rootText3" refType="w"/>
+                        <dgm:constr type="h" for="ch" forName="rootText3" refType="h"/>
+                        <dgm:constr type="l" for="ch" forName="rootConnector3"/>
+                        <dgm:constr type="t" for="ch" forName="rootConnector3"/>
+                        <dgm:constr type="w" for="ch" forName="rootConnector3" refType="w" refFor="ch" refForName="rootText3" fact="0.2"/>
+                        <dgm:constr type="h" for="ch" forName="rootConnector3" refType="h" refFor="ch" refForName="rootText3"/>
+                      </dgm:constrLst>
+                    </dgm:if>
+                    <dgm:if name="Name124" func="var" arg="hierBranch" op="equ" val="l">
+                      <dgm:constrLst>
+                        <dgm:constr type="l" for="ch" forName="rootText3"/>
+                        <dgm:constr type="t" for="ch" forName="rootText3"/>
+                        <dgm:constr type="w" for="ch" forName="rootText3" refType="w"/>
+                        <dgm:constr type="h" for="ch" forName="rootText3" refType="h"/>
+                        <dgm:constr type="r" for="ch" forName="rootConnector3" refType="w"/>
+                        <dgm:constr type="t" for="ch" forName="rootConnector3"/>
+                        <dgm:constr type="w" for="ch" forName="rootConnector3" refType="w" refFor="ch" refForName="rootText3" fact="0.2"/>
+                        <dgm:constr type="h" for="ch" forName="rootConnector3" refType="h" refFor="ch" refForName="rootText3"/>
+                      </dgm:constrLst>
+                    </dgm:if>
+                    <dgm:if name="Name125" func="var" arg="hierBranch" op="equ" val="r">
+                      <dgm:constrLst>
+                        <dgm:constr type="l" for="ch" forName="rootText3"/>
+                        <dgm:constr type="t" for="ch" forName="rootText3"/>
+                        <dgm:constr type="w" for="ch" forName="rootText3" refType="w"/>
+                        <dgm:constr type="h" for="ch" forName="rootText3" refType="h"/>
+                        <dgm:constr type="l" for="ch" forName="rootConnector3"/>
+                        <dgm:constr type="t" for="ch" forName="rootConnector3"/>
+                        <dgm:constr type="w" for="ch" forName="rootConnector3" refType="w" refFor="ch" refForName="rootText3" fact="0.2"/>
+                        <dgm:constr type="h" for="ch" forName="rootConnector3" refType="h" refFor="ch" refForName="rootText3"/>
+                      </dgm:constrLst>
+                    </dgm:if>
+                    <dgm:else name="Name126">
+                      <dgm:constrLst>
+                        <dgm:constr type="l" for="ch" forName="rootText3"/>
+                        <dgm:constr type="t" for="ch" forName="rootText3"/>
+                        <dgm:constr type="w" for="ch" forName="rootText3" refType="w"/>
+                        <dgm:constr type="h" for="ch" forName="rootText3" refType="h"/>
+                        <dgm:constr type="r" for="ch" forName="rootConnector3" refType="w"/>
+                        <dgm:constr type="t" for="ch" forName="rootConnector3"/>
+                        <dgm:constr type="w" for="ch" forName="rootConnector3" refType="w" refFor="ch" refForName="rootText3" fact="0.2"/>
+                        <dgm:constr type="h" for="ch" forName="rootConnector3" refType="h" refFor="ch" refForName="rootText3"/>
+                      </dgm:constrLst>
+                    </dgm:else>
+                  </dgm:choose>
+                  <dgm:ruleLst/>
+                  <dgm:layoutNode name="rootText3">
+                    <dgm:varLst>
+                      <dgm:chPref val="3"/>
+                    </dgm:varLst>
+                    <dgm:alg type="tx"/>
+                    <dgm:shape xmlns:r="http://schemas.openxmlformats.org/officeDocument/2006/relationships" type="rect" r:blip="">
+                      <dgm:adjLst/>
+                    </dgm:shape>
+                    <dgm:presOf axis="self" ptType="node" cnt="1"/>
+                    <dgm:constrLst>
+                      <dgm:constr type="primFontSz" val="65"/>
+                      <dgm:constr type="lMarg" refType="primFontSz" fact="0.05"/>
+                      <dgm:constr type="rMarg" refType="primFontSz" fact="0.05"/>
+                      <dgm:constr type="tMarg" refType="primFontSz" fact="0.05"/>
+                      <dgm:constr type="bMarg" refType="primFontSz" fact="0.05"/>
+                    </dgm:constrLst>
+                    <dgm:ruleLst>
+                      <dgm:rule type="primFontSz" val="5" fact="NaN" max="NaN"/>
+                    </dgm:ruleLst>
+                  </dgm:layoutNode>
+                  <dgm:layoutNode name="rootConnector3" moveWith="rootText1">
+                    <dgm:alg type="sp"/>
+                    <dgm:shape xmlns:r="http://schemas.openxmlformats.org/officeDocument/2006/relationships" type="rect" r:blip="" hideGeom="1">
+                      <dgm:adjLst/>
+                    </dgm:shape>
+                    <dgm:presOf axis="self" ptType="node" cnt="1"/>
+                    <dgm:constrLst/>
+                    <dgm:ruleLst/>
+                  </dgm:layoutNode>
+                </dgm:layoutNode>
+                <dgm:layoutNode name="hierChild6">
+                  <dgm:choose name="Name127">
+                    <dgm:if name="Name128" func="var" arg="hierBranch" op="equ" val="l">
+                      <dgm:alg type="hierChild">
+                        <dgm:param type="chAlign" val="r"/>
+                        <dgm:param type="linDir" val="fromT"/>
+                      </dgm:alg>
+                    </dgm:if>
+                    <dgm:if name="Name129" func="var" arg="hierBranch" op="equ" val="r">
+                      <dgm:alg type="hierChild">
+                        <dgm:param type="chAlign" val="l"/>
+                        <dgm:param type="linDir" val="fromT"/>
+                      </dgm:alg>
+                    </dgm:if>
+                    <dgm:if name="Name130" func="var" arg="hierBranch" op="equ" val="hang">
+                      <dgm:choose name="Name131">
+                        <dgm:if name="Name132" func="var" arg="dir" op="equ" val="norm">
+                          <dgm:alg type="hierChild">
+                            <dgm:param type="chAlign" val="l"/>
+                            <dgm:param type="linDir" val="fromL"/>
+                            <dgm:param type="secChAlign" val="t"/>
+                            <dgm:param type="secLinDir" val="fromT"/>
+                          </dgm:alg>
+                        </dgm:if>
+                        <dgm:else name="Name133">
+                          <dgm:alg type="hierChild">
+                            <dgm:param type="chAlign" val="l"/>
+                            <dgm:param type="linDir" val="fromR"/>
+                            <dgm:param type="secChAlign" val="t"/>
+                            <dgm:param type="secLinDir" val="fromT"/>
+                          </dgm:alg>
+                        </dgm:else>
+                      </dgm:choose>
+                    </dgm:if>
+                    <dgm:if name="Name134" func="var" arg="hierBranch" op="equ" val="std">
+                      <dgm:choose name="Name135">
+                        <dgm:if name="Name136" func="var" arg="dir" op="equ" val="norm">
+                          <dgm:alg type="hierChild"/>
+                        </dgm:if>
+                        <dgm:else name="Name137">
+                          <dgm:alg type="hierChild">
+                            <dgm:param type="linDir" val="fromR"/>
+                          </dgm:alg>
+                        </dgm:else>
+                      </dgm:choose>
+                    </dgm:if>
+                    <dgm:if name="Name138" func="var" arg="hierBranch" op="equ" val="init">
+                      <dgm:choose name="Name139">
+                        <dgm:if name="Name140" axis="des" func="maxDepth" op="lte" val="1">
+                          <dgm:alg type="hierChild">
+                            <dgm:param type="chAlign" val="l"/>
+                            <dgm:param type="linDir" val="fromT"/>
+                          </dgm:alg>
+                        </dgm:if>
+                        <dgm:else name="Name141">
+                          <dgm:alg type="hierChild"/>
+                        </dgm:else>
+                      </dgm:choose>
+                    </dgm:if>
+                    <dgm:else name="Name142"/>
+                  </dgm:choose>
+                  <dgm:shape xmlns:r="http://schemas.openxmlformats.org/officeDocument/2006/relationships" r:blip="">
+                    <dgm:adjLst/>
+                  </dgm:shape>
+                  <dgm:presOf/>
+                  <dgm:constrLst/>
+                  <dgm:ruleLst/>
+                  <dgm:forEach name="Name143" ref="rep2a"/>
+                </dgm:layoutNode>
+                <dgm:layoutNode name="hierChild7">
+                  <dgm:choose name="Name144">
+                    <dgm:if name="Name145" func="var" arg="dir" op="equ" val="norm">
+                      <dgm:alg type="hierChild">
+                        <dgm:param type="chAlign" val="l"/>
+                        <dgm:param type="linDir" val="fromL"/>
+                        <dgm:param type="secChAlign" val="t"/>
+                        <dgm:param type="secLinDir" val="fromT"/>
+                      </dgm:alg>
+                    </dgm:if>
+                    <dgm:else name="Name146">
+                      <dgm:alg type="hierChild">
+                        <dgm:param type="chAlign" val="l"/>
+                        <dgm:param type="linDir" val="fromR"/>
+                        <dgm:param type="secChAlign" val="t"/>
+                        <dgm:param type="secLinDir" val="fromT"/>
+                      </dgm:alg>
+                    </dgm:else>
+                  </dgm:choose>
+                  <dgm:shape xmlns:r="http://schemas.openxmlformats.org/officeDocument/2006/relationships" r:blip="">
+                    <dgm:adjLst/>
+                  </dgm:shape>
+                  <dgm:presOf/>
+                  <dgm:constrLst/>
+                  <dgm:ruleLst/>
+                  <dgm:forEach name="Name147" ref="rep2b"/>
+                </dgm:layoutNode>
+              </dgm:layoutNode>
+            </dgm:forEach>
+          </dgm:layoutNode>
+        </dgm:layoutNode>
+      </dgm:forEach>
+    </dgm:forEach>
+  </dgm:layoutNode>
+</dgm:layoutDef>
+</file>
+
 <file path=ppt/diagrams/quickStyle1.xml><?xml version="1.0" encoding="utf-8"?>
 <dgm:styleDef xmlns:dgm="http://schemas.openxmlformats.org/drawingml/2006/diagram" xmlns:a="http://schemas.openxmlformats.org/drawingml/2006/main" uniqueId="urn:microsoft.com/office/officeart/2005/8/quickstyle/simple1">
   <dgm:title val=""/>
@@ -9169,6 +14864,1040 @@
 </file>
 
 <file path=ppt/diagrams/quickStyle2.xml><?xml version="1.0" encoding="utf-8"?>
+<dgm:styleDef xmlns:dgm="http://schemas.openxmlformats.org/drawingml/2006/diagram" xmlns:a="http://schemas.openxmlformats.org/drawingml/2006/main" uniqueId="urn:microsoft.com/office/officeart/2005/8/quickstyle/simple1">
+  <dgm:title val=""/>
+  <dgm:desc val=""/>
+  <dgm:catLst>
+    <dgm:cat type="simple" pri="10100"/>
+  </dgm:catLst>
+  <dgm:scene3d>
+    <a:camera prst="orthographicFront"/>
+    <a:lightRig rig="threePt" dir="t"/>
+  </dgm:scene3d>
+  <dgm:styleLbl name="node0">
+    <dgm:scene3d>
+      <a:camera prst="orthographicFront"/>
+      <a:lightRig rig="threePt" dir="t"/>
+    </dgm:scene3d>
+    <dgm:sp3d/>
+    <dgm:txPr/>
+    <dgm:style>
+      <a:lnRef idx="2">
+        <a:scrgbClr r="0" g="0" b="0"/>
+      </a:lnRef>
+      <a:fillRef idx="1">
+        <a:scrgbClr r="0" g="0" b="0"/>
+      </a:fillRef>
+      <a:effectRef idx="0">
+        <a:scrgbClr r="0" g="0" b="0"/>
+      </a:effectRef>
+      <a:fontRef idx="minor">
+        <a:schemeClr val="lt1"/>
+      </a:fontRef>
+    </dgm:style>
+  </dgm:styleLbl>
+  <dgm:styleLbl name="lnNode1">
+    <dgm:scene3d>
+      <a:camera prst="orthographicFront"/>
+      <a:lightRig rig="threePt" dir="t"/>
+    </dgm:scene3d>
+    <dgm:sp3d/>
+    <dgm:txPr/>
+    <dgm:style>
+      <a:lnRef idx="2">
+        <a:scrgbClr r="0" g="0" b="0"/>
+      </a:lnRef>
+      <a:fillRef idx="1">
+        <a:scrgbClr r="0" g="0" b="0"/>
+      </a:fillRef>
+      <a:effectRef idx="0">
+        <a:scrgbClr r="0" g="0" b="0"/>
+      </a:effectRef>
+      <a:fontRef idx="minor">
+        <a:schemeClr val="lt1"/>
+      </a:fontRef>
+    </dgm:style>
+  </dgm:styleLbl>
+  <dgm:styleLbl name="vennNode1">
+    <dgm:scene3d>
+      <a:camera prst="orthographicFront"/>
+      <a:lightRig rig="threePt" dir="t"/>
+    </dgm:scene3d>
+    <dgm:sp3d/>
+    <dgm:txPr/>
+    <dgm:style>
+      <a:lnRef idx="2">
+        <a:scrgbClr r="0" g="0" b="0"/>
+      </a:lnRef>
+      <a:fillRef idx="1">
+        <a:scrgbClr r="0" g="0" b="0"/>
+      </a:fillRef>
+      <a:effectRef idx="0">
+        <a:scrgbClr r="0" g="0" b="0"/>
+      </a:effectRef>
+      <a:fontRef idx="minor">
+        <a:schemeClr val="tx1"/>
+      </a:fontRef>
+    </dgm:style>
+  </dgm:styleLbl>
+  <dgm:styleLbl name="alignNode1">
+    <dgm:scene3d>
+      <a:camera prst="orthographicFront"/>
+      <a:lightRig rig="threePt" dir="t"/>
+    </dgm:scene3d>
+    <dgm:sp3d/>
+    <dgm:txPr/>
+    <dgm:style>
+      <a:lnRef idx="2">
+        <a:scrgbClr r="0" g="0" b="0"/>
+      </a:lnRef>
+      <a:fillRef idx="1">
+        <a:scrgbClr r="0" g="0" b="0"/>
+      </a:fillRef>
+      <a:effectRef idx="0">
+        <a:scrgbClr r="0" g="0" b="0"/>
+      </a:effectRef>
+      <a:fontRef idx="minor">
+        <a:schemeClr val="lt1"/>
+      </a:fontRef>
+    </dgm:style>
+  </dgm:styleLbl>
+  <dgm:styleLbl name="node1">
+    <dgm:scene3d>
+      <a:camera prst="orthographicFront"/>
+      <a:lightRig rig="threePt" dir="t"/>
+    </dgm:scene3d>
+    <dgm:sp3d/>
+    <dgm:txPr/>
+    <dgm:style>
+      <a:lnRef idx="2">
+        <a:scrgbClr r="0" g="0" b="0"/>
+      </a:lnRef>
+      <a:fillRef idx="1">
+        <a:scrgbClr r="0" g="0" b="0"/>
+      </a:fillRef>
+      <a:effectRef idx="0">
+        <a:scrgbClr r="0" g="0" b="0"/>
+      </a:effectRef>
+      <a:fontRef idx="minor">
+        <a:schemeClr val="lt1"/>
+      </a:fontRef>
+    </dgm:style>
+  </dgm:styleLbl>
+  <dgm:styleLbl name="node2">
+    <dgm:scene3d>
+      <a:camera prst="orthographicFront"/>
+      <a:lightRig rig="threePt" dir="t"/>
+    </dgm:scene3d>
+    <dgm:sp3d/>
+    <dgm:txPr/>
+    <dgm:style>
+      <a:lnRef idx="2">
+        <a:scrgbClr r="0" g="0" b="0"/>
+      </a:lnRef>
+      <a:fillRef idx="1">
+        <a:scrgbClr r="0" g="0" b="0"/>
+      </a:fillRef>
+      <a:effectRef idx="0">
+        <a:scrgbClr r="0" g="0" b="0"/>
+      </a:effectRef>
+      <a:fontRef idx="minor">
+        <a:schemeClr val="lt1"/>
+      </a:fontRef>
+    </dgm:style>
+  </dgm:styleLbl>
+  <dgm:styleLbl name="node3">
+    <dgm:scene3d>
+      <a:camera prst="orthographicFront"/>
+      <a:lightRig rig="threePt" dir="t"/>
+    </dgm:scene3d>
+    <dgm:sp3d/>
+    <dgm:txPr/>
+    <dgm:style>
+      <a:lnRef idx="2">
+        <a:scrgbClr r="0" g="0" b="0"/>
+      </a:lnRef>
+      <a:fillRef idx="1">
+        <a:scrgbClr r="0" g="0" b="0"/>
+      </a:fillRef>
+      <a:effectRef idx="0">
+        <a:scrgbClr r="0" g="0" b="0"/>
+      </a:effectRef>
+      <a:fontRef idx="minor">
+        <a:schemeClr val="lt1"/>
+      </a:fontRef>
+    </dgm:style>
+  </dgm:styleLbl>
+  <dgm:styleLbl name="node4">
+    <dgm:scene3d>
+      <a:camera prst="orthographicFront"/>
+      <a:lightRig rig="threePt" dir="t"/>
+    </dgm:scene3d>
+    <dgm:sp3d/>
+    <dgm:txPr/>
+    <dgm:style>
+      <a:lnRef idx="2">
+        <a:scrgbClr r="0" g="0" b="0"/>
+      </a:lnRef>
+      <a:fillRef idx="1">
+        <a:scrgbClr r="0" g="0" b="0"/>
+      </a:fillRef>
+      <a:effectRef idx="0">
+        <a:scrgbClr r="0" g="0" b="0"/>
+      </a:effectRef>
+      <a:fontRef idx="minor">
+        <a:schemeClr val="lt1"/>
+      </a:fontRef>
+    </dgm:style>
+  </dgm:styleLbl>
+  <dgm:styleLbl name="fgImgPlace1">
+    <dgm:scene3d>
+      <a:camera prst="orthographicFront"/>
+      <a:lightRig rig="threePt" dir="t"/>
+    </dgm:scene3d>
+    <dgm:sp3d/>
+    <dgm:txPr/>
+    <dgm:style>
+      <a:lnRef idx="2">
+        <a:scrgbClr r="0" g="0" b="0"/>
+      </a:lnRef>
+      <a:fillRef idx="1">
+        <a:scrgbClr r="0" g="0" b="0"/>
+      </a:fillRef>
+      <a:effectRef idx="0">
+        <a:scrgbClr r="0" g="0" b="0"/>
+      </a:effectRef>
+      <a:fontRef idx="minor"/>
+    </dgm:style>
+  </dgm:styleLbl>
+  <dgm:styleLbl name="alignImgPlace1">
+    <dgm:scene3d>
+      <a:camera prst="orthographicFront"/>
+      <a:lightRig rig="threePt" dir="t"/>
+    </dgm:scene3d>
+    <dgm:sp3d/>
+    <dgm:txPr/>
+    <dgm:style>
+      <a:lnRef idx="2">
+        <a:scrgbClr r="0" g="0" b="0"/>
+      </a:lnRef>
+      <a:fillRef idx="1">
+        <a:scrgbClr r="0" g="0" b="0"/>
+      </a:fillRef>
+      <a:effectRef idx="0">
+        <a:scrgbClr r="0" g="0" b="0"/>
+      </a:effectRef>
+      <a:fontRef idx="minor"/>
+    </dgm:style>
+  </dgm:styleLbl>
+  <dgm:styleLbl name="bgImgPlace1">
+    <dgm:scene3d>
+      <a:camera prst="orthographicFront"/>
+      <a:lightRig rig="threePt" dir="t"/>
+    </dgm:scene3d>
+    <dgm:sp3d/>
+    <dgm:txPr/>
+    <dgm:style>
+      <a:lnRef idx="2">
+        <a:scrgbClr r="0" g="0" b="0"/>
+      </a:lnRef>
+      <a:fillRef idx="1">
+        <a:scrgbClr r="0" g="0" b="0"/>
+      </a:fillRef>
+      <a:effectRef idx="0">
+        <a:scrgbClr r="0" g="0" b="0"/>
+      </a:effectRef>
+      <a:fontRef idx="minor"/>
+    </dgm:style>
+  </dgm:styleLbl>
+  <dgm:styleLbl name="sibTrans2D1">
+    <dgm:scene3d>
+      <a:camera prst="orthographicFront"/>
+      <a:lightRig rig="threePt" dir="t"/>
+    </dgm:scene3d>
+    <dgm:sp3d/>
+    <dgm:txPr/>
+    <dgm:style>
+      <a:lnRef idx="0">
+        <a:scrgbClr r="0" g="0" b="0"/>
+      </a:lnRef>
+      <a:fillRef idx="1">
+        <a:scrgbClr r="0" g="0" b="0"/>
+      </a:fillRef>
+      <a:effectRef idx="0">
+        <a:scrgbClr r="0" g="0" b="0"/>
+      </a:effectRef>
+      <a:fontRef idx="minor">
+        <a:schemeClr val="lt1"/>
+      </a:fontRef>
+    </dgm:style>
+  </dgm:styleLbl>
+  <dgm:styleLbl name="fgSibTrans2D1">
+    <dgm:scene3d>
+      <a:camera prst="orthographicFront"/>
+      <a:lightRig rig="threePt" dir="t"/>
+    </dgm:scene3d>
+    <dgm:sp3d/>
+    <dgm:txPr/>
+    <dgm:style>
+      <a:lnRef idx="0">
+        <a:scrgbClr r="0" g="0" b="0"/>
+      </a:lnRef>
+      <a:fillRef idx="1">
+        <a:scrgbClr r="0" g="0" b="0"/>
+      </a:fillRef>
+      <a:effectRef idx="0">
+        <a:scrgbClr r="0" g="0" b="0"/>
+      </a:effectRef>
+      <a:fontRef idx="minor">
+        <a:schemeClr val="lt1"/>
+      </a:fontRef>
+    </dgm:style>
+  </dgm:styleLbl>
+  <dgm:styleLbl name="bgSibTrans2D1">
+    <dgm:scene3d>
+      <a:camera prst="orthographicFront"/>
+      <a:lightRig rig="threePt" dir="t"/>
+    </dgm:scene3d>
+    <dgm:sp3d/>
+    <dgm:txPr/>
+    <dgm:style>
+      <a:lnRef idx="0">
+        <a:scrgbClr r="0" g="0" b="0"/>
+      </a:lnRef>
+      <a:fillRef idx="1">
+        <a:scrgbClr r="0" g="0" b="0"/>
+      </a:fillRef>
+      <a:effectRef idx="0">
+        <a:scrgbClr r="0" g="0" b="0"/>
+      </a:effectRef>
+      <a:fontRef idx="minor">
+        <a:schemeClr val="lt1"/>
+      </a:fontRef>
+    </dgm:style>
+  </dgm:styleLbl>
+  <dgm:styleLbl name="sibTrans1D1">
+    <dgm:scene3d>
+      <a:camera prst="orthographicFront"/>
+      <a:lightRig rig="threePt" dir="t"/>
+    </dgm:scene3d>
+    <dgm:sp3d/>
+    <dgm:txPr/>
+    <dgm:style>
+      <a:lnRef idx="1">
+        <a:scrgbClr r="0" g="0" b="0"/>
+      </a:lnRef>
+      <a:fillRef idx="0">
+        <a:scrgbClr r="0" g="0" b="0"/>
+      </a:fillRef>
+      <a:effectRef idx="0">
+        <a:scrgbClr r="0" g="0" b="0"/>
+      </a:effectRef>
+      <a:fontRef idx="minor"/>
+    </dgm:style>
+  </dgm:styleLbl>
+  <dgm:styleLbl name="callout">
+    <dgm:scene3d>
+      <a:camera prst="orthographicFront"/>
+      <a:lightRig rig="threePt" dir="t"/>
+    </dgm:scene3d>
+    <dgm:sp3d/>
+    <dgm:txPr/>
+    <dgm:style>
+      <a:lnRef idx="2">
+        <a:scrgbClr r="0" g="0" b="0"/>
+      </a:lnRef>
+      <a:fillRef idx="1">
+        <a:scrgbClr r="0" g="0" b="0"/>
+      </a:fillRef>
+      <a:effectRef idx="0">
+        <a:scrgbClr r="0" g="0" b="0"/>
+      </a:effectRef>
+      <a:fontRef idx="minor"/>
+    </dgm:style>
+  </dgm:styleLbl>
+  <dgm:styleLbl name="asst0">
+    <dgm:scene3d>
+      <a:camera prst="orthographicFront"/>
+      <a:lightRig rig="threePt" dir="t"/>
+    </dgm:scene3d>
+    <dgm:sp3d/>
+    <dgm:txPr/>
+    <dgm:style>
+      <a:lnRef idx="2">
+        <a:scrgbClr r="0" g="0" b="0"/>
+      </a:lnRef>
+      <a:fillRef idx="1">
+        <a:scrgbClr r="0" g="0" b="0"/>
+      </a:fillRef>
+      <a:effectRef idx="0">
+        <a:scrgbClr r="0" g="0" b="0"/>
+      </a:effectRef>
+      <a:fontRef idx="minor">
+        <a:schemeClr val="lt1"/>
+      </a:fontRef>
+    </dgm:style>
+  </dgm:styleLbl>
+  <dgm:styleLbl name="asst1">
+    <dgm:scene3d>
+      <a:camera prst="orthographicFront"/>
+      <a:lightRig rig="threePt" dir="t"/>
+    </dgm:scene3d>
+    <dgm:sp3d/>
+    <dgm:txPr/>
+    <dgm:style>
+      <a:lnRef idx="2">
+        <a:scrgbClr r="0" g="0" b="0"/>
+      </a:lnRef>
+      <a:fillRef idx="1">
+        <a:scrgbClr r="0" g="0" b="0"/>
+      </a:fillRef>
+      <a:effectRef idx="0">
+        <a:scrgbClr r="0" g="0" b="0"/>
+      </a:effectRef>
+      <a:fontRef idx="minor">
+        <a:schemeClr val="lt1"/>
+      </a:fontRef>
+    </dgm:style>
+  </dgm:styleLbl>
+  <dgm:styleLbl name="asst2">
+    <dgm:scene3d>
+      <a:camera prst="orthographicFront"/>
+      <a:lightRig rig="threePt" dir="t"/>
+    </dgm:scene3d>
+    <dgm:sp3d/>
+    <dgm:txPr/>
+    <dgm:style>
+      <a:lnRef idx="2">
+        <a:scrgbClr r="0" g="0" b="0"/>
+      </a:lnRef>
+      <a:fillRef idx="1">
+        <a:scrgbClr r="0" g="0" b="0"/>
+      </a:fillRef>
+      <a:effectRef idx="0">
+        <a:scrgbClr r="0" g="0" b="0"/>
+      </a:effectRef>
+      <a:fontRef idx="minor">
+        <a:schemeClr val="lt1"/>
+      </a:fontRef>
+    </dgm:style>
+  </dgm:styleLbl>
+  <dgm:styleLbl name="asst3">
+    <dgm:scene3d>
+      <a:camera prst="orthographicFront"/>
+      <a:lightRig rig="threePt" dir="t"/>
+    </dgm:scene3d>
+    <dgm:sp3d/>
+    <dgm:txPr/>
+    <dgm:style>
+      <a:lnRef idx="2">
+        <a:scrgbClr r="0" g="0" b="0"/>
+      </a:lnRef>
+      <a:fillRef idx="1">
+        <a:scrgbClr r="0" g="0" b="0"/>
+      </a:fillRef>
+      <a:effectRef idx="0">
+        <a:scrgbClr r="0" g="0" b="0"/>
+      </a:effectRef>
+      <a:fontRef idx="minor">
+        <a:schemeClr val="lt1"/>
+      </a:fontRef>
+    </dgm:style>
+  </dgm:styleLbl>
+  <dgm:styleLbl name="asst4">
+    <dgm:scene3d>
+      <a:camera prst="orthographicFront"/>
+      <a:lightRig rig="threePt" dir="t"/>
+    </dgm:scene3d>
+    <dgm:sp3d/>
+    <dgm:txPr/>
+    <dgm:style>
+      <a:lnRef idx="2">
+        <a:scrgbClr r="0" g="0" b="0"/>
+      </a:lnRef>
+      <a:fillRef idx="1">
+        <a:scrgbClr r="0" g="0" b="0"/>
+      </a:fillRef>
+      <a:effectRef idx="0">
+        <a:scrgbClr r="0" g="0" b="0"/>
+      </a:effectRef>
+      <a:fontRef idx="minor">
+        <a:schemeClr val="lt1"/>
+      </a:fontRef>
+    </dgm:style>
+  </dgm:styleLbl>
+  <dgm:styleLbl name="parChTrans2D1">
+    <dgm:scene3d>
+      <a:camera prst="orthographicFront"/>
+      <a:lightRig rig="threePt" dir="t"/>
+    </dgm:scene3d>
+    <dgm:sp3d/>
+    <dgm:txPr/>
+    <dgm:style>
+      <a:lnRef idx="2">
+        <a:scrgbClr r="0" g="0" b="0"/>
+      </a:lnRef>
+      <a:fillRef idx="1">
+        <a:scrgbClr r="0" g="0" b="0"/>
+      </a:fillRef>
+      <a:effectRef idx="0">
+        <a:scrgbClr r="0" g="0" b="0"/>
+      </a:effectRef>
+      <a:fontRef idx="minor">
+        <a:schemeClr val="lt1"/>
+      </a:fontRef>
+    </dgm:style>
+  </dgm:styleLbl>
+  <dgm:styleLbl name="parChTrans2D2">
+    <dgm:scene3d>
+      <a:camera prst="orthographicFront"/>
+      <a:lightRig rig="threePt" dir="t"/>
+    </dgm:scene3d>
+    <dgm:sp3d/>
+    <dgm:txPr/>
+    <dgm:style>
+      <a:lnRef idx="2">
+        <a:scrgbClr r="0" g="0" b="0"/>
+      </a:lnRef>
+      <a:fillRef idx="1">
+        <a:scrgbClr r="0" g="0" b="0"/>
+      </a:fillRef>
+      <a:effectRef idx="0">
+        <a:scrgbClr r="0" g="0" b="0"/>
+      </a:effectRef>
+      <a:fontRef idx="minor">
+        <a:schemeClr val="lt1"/>
+      </a:fontRef>
+    </dgm:style>
+  </dgm:styleLbl>
+  <dgm:styleLbl name="parChTrans2D3">
+    <dgm:scene3d>
+      <a:camera prst="orthographicFront"/>
+      <a:lightRig rig="threePt" dir="t"/>
+    </dgm:scene3d>
+    <dgm:sp3d/>
+    <dgm:txPr/>
+    <dgm:style>
+      <a:lnRef idx="2">
+        <a:scrgbClr r="0" g="0" b="0"/>
+      </a:lnRef>
+      <a:fillRef idx="1">
+        <a:scrgbClr r="0" g="0" b="0"/>
+      </a:fillRef>
+      <a:effectRef idx="0">
+        <a:scrgbClr r="0" g="0" b="0"/>
+      </a:effectRef>
+      <a:fontRef idx="minor">
+        <a:schemeClr val="lt1"/>
+      </a:fontRef>
+    </dgm:style>
+  </dgm:styleLbl>
+  <dgm:styleLbl name="parChTrans2D4">
+    <dgm:scene3d>
+      <a:camera prst="orthographicFront"/>
+      <a:lightRig rig="threePt" dir="t"/>
+    </dgm:scene3d>
+    <dgm:sp3d/>
+    <dgm:txPr/>
+    <dgm:style>
+      <a:lnRef idx="2">
+        <a:scrgbClr r="0" g="0" b="0"/>
+      </a:lnRef>
+      <a:fillRef idx="1">
+        <a:scrgbClr r="0" g="0" b="0"/>
+      </a:fillRef>
+      <a:effectRef idx="0">
+        <a:scrgbClr r="0" g="0" b="0"/>
+      </a:effectRef>
+      <a:fontRef idx="minor">
+        <a:schemeClr val="lt1"/>
+      </a:fontRef>
+    </dgm:style>
+  </dgm:styleLbl>
+  <dgm:styleLbl name="parChTrans1D1">
+    <dgm:scene3d>
+      <a:camera prst="orthographicFront"/>
+      <a:lightRig rig="threePt" dir="t"/>
+    </dgm:scene3d>
+    <dgm:sp3d/>
+    <dgm:txPr/>
+    <dgm:style>
+      <a:lnRef idx="2">
+        <a:scrgbClr r="0" g="0" b="0"/>
+      </a:lnRef>
+      <a:fillRef idx="0">
+        <a:scrgbClr r="0" g="0" b="0"/>
+      </a:fillRef>
+      <a:effectRef idx="0">
+        <a:scrgbClr r="0" g="0" b="0"/>
+      </a:effectRef>
+      <a:fontRef idx="minor"/>
+    </dgm:style>
+  </dgm:styleLbl>
+  <dgm:styleLbl name="parChTrans1D2">
+    <dgm:scene3d>
+      <a:camera prst="orthographicFront"/>
+      <a:lightRig rig="threePt" dir="t"/>
+    </dgm:scene3d>
+    <dgm:sp3d/>
+    <dgm:txPr/>
+    <dgm:style>
+      <a:lnRef idx="2">
+        <a:scrgbClr r="0" g="0" b="0"/>
+      </a:lnRef>
+      <a:fillRef idx="0">
+        <a:scrgbClr r="0" g="0" b="0"/>
+      </a:fillRef>
+      <a:effectRef idx="0">
+        <a:scrgbClr r="0" g="0" b="0"/>
+      </a:effectRef>
+      <a:fontRef idx="minor"/>
+    </dgm:style>
+  </dgm:styleLbl>
+  <dgm:styleLbl name="parChTrans1D3">
+    <dgm:scene3d>
+      <a:camera prst="orthographicFront"/>
+      <a:lightRig rig="threePt" dir="t"/>
+    </dgm:scene3d>
+    <dgm:sp3d/>
+    <dgm:txPr/>
+    <dgm:style>
+      <a:lnRef idx="2">
+        <a:scrgbClr r="0" g="0" b="0"/>
+      </a:lnRef>
+      <a:fillRef idx="0">
+        <a:scrgbClr r="0" g="0" b="0"/>
+      </a:fillRef>
+      <a:effectRef idx="0">
+        <a:scrgbClr r="0" g="0" b="0"/>
+      </a:effectRef>
+      <a:fontRef idx="minor"/>
+    </dgm:style>
+  </dgm:styleLbl>
+  <dgm:styleLbl name="parChTrans1D4">
+    <dgm:scene3d>
+      <a:camera prst="orthographicFront"/>
+      <a:lightRig rig="threePt" dir="t"/>
+    </dgm:scene3d>
+    <dgm:sp3d/>
+    <dgm:txPr/>
+    <dgm:style>
+      <a:lnRef idx="2">
+        <a:scrgbClr r="0" g="0" b="0"/>
+      </a:lnRef>
+      <a:fillRef idx="0">
+        <a:scrgbClr r="0" g="0" b="0"/>
+      </a:fillRef>
+      <a:effectRef idx="0">
+        <a:scrgbClr r="0" g="0" b="0"/>
+      </a:effectRef>
+      <a:fontRef idx="minor"/>
+    </dgm:style>
+  </dgm:styleLbl>
+  <dgm:styleLbl name="fgAcc1">
+    <dgm:scene3d>
+      <a:camera prst="orthographicFront"/>
+      <a:lightRig rig="threePt" dir="t"/>
+    </dgm:scene3d>
+    <dgm:sp3d/>
+    <dgm:txPr/>
+    <dgm:style>
+      <a:lnRef idx="2">
+        <a:scrgbClr r="0" g="0" b="0"/>
+      </a:lnRef>
+      <a:fillRef idx="1">
+        <a:scrgbClr r="0" g="0" b="0"/>
+      </a:fillRef>
+      <a:effectRef idx="0">
+        <a:scrgbClr r="0" g="0" b="0"/>
+      </a:effectRef>
+      <a:fontRef idx="minor"/>
+    </dgm:style>
+  </dgm:styleLbl>
+  <dgm:styleLbl name="conFgAcc1">
+    <dgm:scene3d>
+      <a:camera prst="orthographicFront"/>
+      <a:lightRig rig="threePt" dir="t"/>
+    </dgm:scene3d>
+    <dgm:sp3d/>
+    <dgm:txPr/>
+    <dgm:style>
+      <a:lnRef idx="2">
+        <a:scrgbClr r="0" g="0" b="0"/>
+      </a:lnRef>
+      <a:fillRef idx="1">
+        <a:scrgbClr r="0" g="0" b="0"/>
+      </a:fillRef>
+      <a:effectRef idx="0">
+        <a:scrgbClr r="0" g="0" b="0"/>
+      </a:effectRef>
+      <a:fontRef idx="minor"/>
+    </dgm:style>
+  </dgm:styleLbl>
+  <dgm:styleLbl name="alignAcc1">
+    <dgm:scene3d>
+      <a:camera prst="orthographicFront"/>
+      <a:lightRig rig="threePt" dir="t"/>
+    </dgm:scene3d>
+    <dgm:sp3d/>
+    <dgm:txPr/>
+    <dgm:style>
+      <a:lnRef idx="2">
+        <a:scrgbClr r="0" g="0" b="0"/>
+      </a:lnRef>
+      <a:fillRef idx="1">
+        <a:scrgbClr r="0" g="0" b="0"/>
+      </a:fillRef>
+      <a:effectRef idx="0">
+        <a:scrgbClr r="0" g="0" b="0"/>
+      </a:effectRef>
+      <a:fontRef idx="minor"/>
+    </dgm:style>
+  </dgm:styleLbl>
+  <dgm:styleLbl name="trAlignAcc1">
+    <dgm:scene3d>
+      <a:camera prst="orthographicFront"/>
+      <a:lightRig rig="threePt" dir="t"/>
+    </dgm:scene3d>
+    <dgm:sp3d/>
+    <dgm:txPr/>
+    <dgm:style>
+      <a:lnRef idx="1">
+        <a:scrgbClr r="0" g="0" b="0"/>
+      </a:lnRef>
+      <a:fillRef idx="1">
+        <a:scrgbClr r="0" g="0" b="0"/>
+      </a:fillRef>
+      <a:effectRef idx="0">
+        <a:scrgbClr r="0" g="0" b="0"/>
+      </a:effectRef>
+      <a:fontRef idx="minor"/>
+    </dgm:style>
+  </dgm:styleLbl>
+  <dgm:styleLbl name="bgAcc1">
+    <dgm:scene3d>
+      <a:camera prst="orthographicFront"/>
+      <a:lightRig rig="threePt" dir="t"/>
+    </dgm:scene3d>
+    <dgm:sp3d/>
+    <dgm:txPr/>
+    <dgm:style>
+      <a:lnRef idx="2">
+        <a:scrgbClr r="0" g="0" b="0"/>
+      </a:lnRef>
+      <a:fillRef idx="1">
+        <a:scrgbClr r="0" g="0" b="0"/>
+      </a:fillRef>
+      <a:effectRef idx="0">
+        <a:scrgbClr r="0" g="0" b="0"/>
+      </a:effectRef>
+      <a:fontRef idx="minor"/>
+    </dgm:style>
+  </dgm:styleLbl>
+  <dgm:styleLbl name="solidFgAcc1">
+    <dgm:scene3d>
+      <a:camera prst="orthographicFront"/>
+      <a:lightRig rig="threePt" dir="t"/>
+    </dgm:scene3d>
+    <dgm:sp3d/>
+    <dgm:txPr/>
+    <dgm:style>
+      <a:lnRef idx="2">
+        <a:scrgbClr r="0" g="0" b="0"/>
+      </a:lnRef>
+      <a:fillRef idx="1">
+        <a:scrgbClr r="0" g="0" b="0"/>
+      </a:fillRef>
+      <a:effectRef idx="0">
+        <a:scrgbClr r="0" g="0" b="0"/>
+      </a:effectRef>
+      <a:fontRef idx="minor"/>
+    </dgm:style>
+  </dgm:styleLbl>
+  <dgm:styleLbl name="solidAlignAcc1">
+    <dgm:scene3d>
+      <a:camera prst="orthographicFront"/>
+      <a:lightRig rig="threePt" dir="t"/>
+    </dgm:scene3d>
+    <dgm:sp3d/>
+    <dgm:txPr/>
+    <dgm:style>
+      <a:lnRef idx="2">
+        <a:scrgbClr r="0" g="0" b="0"/>
+      </a:lnRef>
+      <a:fillRef idx="1">
+        <a:scrgbClr r="0" g="0" b="0"/>
+      </a:fillRef>
+      <a:effectRef idx="0">
+        <a:scrgbClr r="0" g="0" b="0"/>
+      </a:effectRef>
+      <a:fontRef idx="minor"/>
+    </dgm:style>
+  </dgm:styleLbl>
+  <dgm:styleLbl name="solidBgAcc1">
+    <dgm:scene3d>
+      <a:camera prst="orthographicFront"/>
+      <a:lightRig rig="threePt" dir="t"/>
+    </dgm:scene3d>
+    <dgm:sp3d/>
+    <dgm:txPr/>
+    <dgm:style>
+      <a:lnRef idx="2">
+        <a:scrgbClr r="0" g="0" b="0"/>
+      </a:lnRef>
+      <a:fillRef idx="1">
+        <a:scrgbClr r="0" g="0" b="0"/>
+      </a:fillRef>
+      <a:effectRef idx="0">
+        <a:scrgbClr r="0" g="0" b="0"/>
+      </a:effectRef>
+      <a:fontRef idx="minor"/>
+    </dgm:style>
+  </dgm:styleLbl>
+  <dgm:styleLbl name="fgAccFollowNode1">
+    <dgm:scene3d>
+      <a:camera prst="orthographicFront"/>
+      <a:lightRig rig="threePt" dir="t"/>
+    </dgm:scene3d>
+    <dgm:sp3d/>
+    <dgm:txPr/>
+    <dgm:style>
+      <a:lnRef idx="2">
+        <a:scrgbClr r="0" g="0" b="0"/>
+      </a:lnRef>
+      <a:fillRef idx="1">
+        <a:scrgbClr r="0" g="0" b="0"/>
+      </a:fillRef>
+      <a:effectRef idx="0">
+        <a:scrgbClr r="0" g="0" b="0"/>
+      </a:effectRef>
+      <a:fontRef idx="minor"/>
+    </dgm:style>
+  </dgm:styleLbl>
+  <dgm:styleLbl name="alignAccFollowNode1">
+    <dgm:scene3d>
+      <a:camera prst="orthographicFront"/>
+      <a:lightRig rig="threePt" dir="t"/>
+    </dgm:scene3d>
+    <dgm:sp3d/>
+    <dgm:txPr/>
+    <dgm:style>
+      <a:lnRef idx="2">
+        <a:scrgbClr r="0" g="0" b="0"/>
+      </a:lnRef>
+      <a:fillRef idx="1">
+        <a:scrgbClr r="0" g="0" b="0"/>
+      </a:fillRef>
+      <a:effectRef idx="0">
+        <a:scrgbClr r="0" g="0" b="0"/>
+      </a:effectRef>
+      <a:fontRef idx="minor"/>
+    </dgm:style>
+  </dgm:styleLbl>
+  <dgm:styleLbl name="bgAccFollowNode1">
+    <dgm:scene3d>
+      <a:camera prst="orthographicFront"/>
+      <a:lightRig rig="threePt" dir="t"/>
+    </dgm:scene3d>
+    <dgm:sp3d/>
+    <dgm:txPr/>
+    <dgm:style>
+      <a:lnRef idx="2">
+        <a:scrgbClr r="0" g="0" b="0"/>
+      </a:lnRef>
+      <a:fillRef idx="1">
+        <a:scrgbClr r="0" g="0" b="0"/>
+      </a:fillRef>
+      <a:effectRef idx="0">
+        <a:scrgbClr r="0" g="0" b="0"/>
+      </a:effectRef>
+      <a:fontRef idx="minor"/>
+    </dgm:style>
+  </dgm:styleLbl>
+  <dgm:styleLbl name="fgAcc0">
+    <dgm:scene3d>
+      <a:camera prst="orthographicFront"/>
+      <a:lightRig rig="threePt" dir="t"/>
+    </dgm:scene3d>
+    <dgm:sp3d/>
+    <dgm:txPr/>
+    <dgm:style>
+      <a:lnRef idx="2">
+        <a:scrgbClr r="0" g="0" b="0"/>
+      </a:lnRef>
+      <a:fillRef idx="1">
+        <a:scrgbClr r="0" g="0" b="0"/>
+      </a:fillRef>
+      <a:effectRef idx="0">
+        <a:scrgbClr r="0" g="0" b="0"/>
+      </a:effectRef>
+      <a:fontRef idx="minor"/>
+    </dgm:style>
+  </dgm:styleLbl>
+  <dgm:styleLbl name="fgAcc2">
+    <dgm:scene3d>
+      <a:camera prst="orthographicFront"/>
+      <a:lightRig rig="threePt" dir="t"/>
+    </dgm:scene3d>
+    <dgm:sp3d/>
+    <dgm:txPr/>
+    <dgm:style>
+      <a:lnRef idx="2">
+        <a:scrgbClr r="0" g="0" b="0"/>
+      </a:lnRef>
+      <a:fillRef idx="1">
+        <a:scrgbClr r="0" g="0" b="0"/>
+      </a:fillRef>
+      <a:effectRef idx="0">
+        <a:scrgbClr r="0" g="0" b="0"/>
+      </a:effectRef>
+      <a:fontRef idx="minor"/>
+    </dgm:style>
+  </dgm:styleLbl>
+  <dgm:styleLbl name="fgAcc3">
+    <dgm:scene3d>
+      <a:camera prst="orthographicFront"/>
+      <a:lightRig rig="threePt" dir="t"/>
+    </dgm:scene3d>
+    <dgm:sp3d/>
+    <dgm:txPr/>
+    <dgm:style>
+      <a:lnRef idx="2">
+        <a:scrgbClr r="0" g="0" b="0"/>
+      </a:lnRef>
+      <a:fillRef idx="1">
+        <a:scrgbClr r="0" g="0" b="0"/>
+      </a:fillRef>
+      <a:effectRef idx="0">
+        <a:scrgbClr r="0" g="0" b="0"/>
+      </a:effectRef>
+      <a:fontRef idx="minor"/>
+    </dgm:style>
+  </dgm:styleLbl>
+  <dgm:styleLbl name="fgAcc4">
+    <dgm:scene3d>
+      <a:camera prst="orthographicFront"/>
+      <a:lightRig rig="threePt" dir="t"/>
+    </dgm:scene3d>
+    <dgm:sp3d/>
+    <dgm:txPr/>
+    <dgm:style>
+      <a:lnRef idx="2">
+        <a:scrgbClr r="0" g="0" b="0"/>
+      </a:lnRef>
+      <a:fillRef idx="1">
+        <a:scrgbClr r="0" g="0" b="0"/>
+      </a:fillRef>
+      <a:effectRef idx="0">
+        <a:scrgbClr r="0" g="0" b="0"/>
+      </a:effectRef>
+      <a:fontRef idx="minor"/>
+    </dgm:style>
+  </dgm:styleLbl>
+  <dgm:styleLbl name="bgShp">
+    <dgm:scene3d>
+      <a:camera prst="orthographicFront"/>
+      <a:lightRig rig="threePt" dir="t"/>
+    </dgm:scene3d>
+    <dgm:sp3d/>
+    <dgm:txPr/>
+    <dgm:style>
+      <a:lnRef idx="0">
+        <a:scrgbClr r="0" g="0" b="0"/>
+      </a:lnRef>
+      <a:fillRef idx="1">
+        <a:scrgbClr r="0" g="0" b="0"/>
+      </a:fillRef>
+      <a:effectRef idx="0">
+        <a:scrgbClr r="0" g="0" b="0"/>
+      </a:effectRef>
+      <a:fontRef idx="minor"/>
+    </dgm:style>
+  </dgm:styleLbl>
+  <dgm:styleLbl name="dkBgShp">
+    <dgm:scene3d>
+      <a:camera prst="orthographicFront"/>
+      <a:lightRig rig="threePt" dir="t"/>
+    </dgm:scene3d>
+    <dgm:sp3d/>
+    <dgm:txPr/>
+    <dgm:style>
+      <a:lnRef idx="0">
+        <a:scrgbClr r="0" g="0" b="0"/>
+      </a:lnRef>
+      <a:fillRef idx="1">
+        <a:scrgbClr r="0" g="0" b="0"/>
+      </a:fillRef>
+      <a:effectRef idx="0">
+        <a:scrgbClr r="0" g="0" b="0"/>
+      </a:effectRef>
+      <a:fontRef idx="minor"/>
+    </dgm:style>
+  </dgm:styleLbl>
+  <dgm:styleLbl name="trBgShp">
+    <dgm:scene3d>
+      <a:camera prst="orthographicFront"/>
+      <a:lightRig rig="threePt" dir="t"/>
+    </dgm:scene3d>
+    <dgm:sp3d/>
+    <dgm:txPr/>
+    <dgm:style>
+      <a:lnRef idx="0">
+        <a:scrgbClr r="0" g="0" b="0"/>
+      </a:lnRef>
+      <a:fillRef idx="1">
+        <a:scrgbClr r="0" g="0" b="0"/>
+      </a:fillRef>
+      <a:effectRef idx="0">
+        <a:scrgbClr r="0" g="0" b="0"/>
+      </a:effectRef>
+      <a:fontRef idx="minor"/>
+    </dgm:style>
+  </dgm:styleLbl>
+  <dgm:styleLbl name="fgShp">
+    <dgm:scene3d>
+      <a:camera prst="orthographicFront"/>
+      <a:lightRig rig="threePt" dir="t"/>
+    </dgm:scene3d>
+    <dgm:sp3d/>
+    <dgm:txPr/>
+    <dgm:style>
+      <a:lnRef idx="2">
+        <a:scrgbClr r="0" g="0" b="0"/>
+      </a:lnRef>
+      <a:fillRef idx="1">
+        <a:scrgbClr r="0" g="0" b="0"/>
+      </a:fillRef>
+      <a:effectRef idx="0">
+        <a:scrgbClr r="0" g="0" b="0"/>
+      </a:effectRef>
+      <a:fontRef idx="minor"/>
+    </dgm:style>
+  </dgm:styleLbl>
+  <dgm:styleLbl name="revTx">
+    <dgm:scene3d>
+      <a:camera prst="orthographicFront"/>
+      <a:lightRig rig="threePt" dir="t"/>
+    </dgm:scene3d>
+    <dgm:sp3d/>
+    <dgm:txPr/>
+    <dgm:style>
+      <a:lnRef idx="0">
+        <a:scrgbClr r="0" g="0" b="0"/>
+      </a:lnRef>
+      <a:fillRef idx="0">
+        <a:scrgbClr r="0" g="0" b="0"/>
+      </a:fillRef>
+      <a:effectRef idx="0">
+        <a:scrgbClr r="0" g="0" b="0"/>
+      </a:effectRef>
+      <a:fontRef idx="minor"/>
+    </dgm:style>
+  </dgm:styleLbl>
+</dgm:styleDef>
+</file>
+
+<file path=ppt/diagrams/quickStyle3.xml><?xml version="1.0" encoding="utf-8"?>
 <dgm:styleDef xmlns:dgm="http://schemas.openxmlformats.org/drawingml/2006/diagram" xmlns:a="http://schemas.openxmlformats.org/drawingml/2006/main" uniqueId="urn:microsoft.com/office/officeart/2005/8/quickstyle/simple1">
   <dgm:title val=""/>
   <dgm:desc val=""/>
@@ -10349,7 +17078,7 @@
           <a:p>
             <a:fld id="{7FCD9E77-C000-8647-A168-CF67FEF06FB1}" type="datetimeFigureOut">
               <a:rPr lang="en-US" smtClean="0"/>
-              <a:t>1/22/24</a:t>
+              <a:t>2/22/24</a:t>
             </a:fld>
             <a:endParaRPr lang="en-US"/>
           </a:p>
@@ -10547,7 +17276,7 @@
           <a:p>
             <a:fld id="{7FCD9E77-C000-8647-A168-CF67FEF06FB1}" type="datetimeFigureOut">
               <a:rPr lang="en-US" smtClean="0"/>
-              <a:t>1/22/24</a:t>
+              <a:t>2/22/24</a:t>
             </a:fld>
             <a:endParaRPr lang="en-US"/>
           </a:p>
@@ -10755,7 +17484,7 @@
           <a:p>
             <a:fld id="{7FCD9E77-C000-8647-A168-CF67FEF06FB1}" type="datetimeFigureOut">
               <a:rPr lang="en-US" smtClean="0"/>
-              <a:t>1/22/24</a:t>
+              <a:t>2/22/24</a:t>
             </a:fld>
             <a:endParaRPr lang="en-US"/>
           </a:p>
@@ -10953,7 +17682,7 @@
           <a:p>
             <a:fld id="{7FCD9E77-C000-8647-A168-CF67FEF06FB1}" type="datetimeFigureOut">
               <a:rPr lang="en-US" smtClean="0"/>
-              <a:t>1/22/24</a:t>
+              <a:t>2/22/24</a:t>
             </a:fld>
             <a:endParaRPr lang="en-US"/>
           </a:p>
@@ -11228,7 +17957,7 @@
           <a:p>
             <a:fld id="{7FCD9E77-C000-8647-A168-CF67FEF06FB1}" type="datetimeFigureOut">
               <a:rPr lang="en-US" smtClean="0"/>
-              <a:t>1/22/24</a:t>
+              <a:t>2/22/24</a:t>
             </a:fld>
             <a:endParaRPr lang="en-US"/>
           </a:p>
@@ -11493,7 +18222,7 @@
           <a:p>
             <a:fld id="{7FCD9E77-C000-8647-A168-CF67FEF06FB1}" type="datetimeFigureOut">
               <a:rPr lang="en-US" smtClean="0"/>
-              <a:t>1/22/24</a:t>
+              <a:t>2/22/24</a:t>
             </a:fld>
             <a:endParaRPr lang="en-US"/>
           </a:p>
@@ -11905,7 +18634,7 @@
           <a:p>
             <a:fld id="{7FCD9E77-C000-8647-A168-CF67FEF06FB1}" type="datetimeFigureOut">
               <a:rPr lang="en-US" smtClean="0"/>
-              <a:t>1/22/24</a:t>
+              <a:t>2/22/24</a:t>
             </a:fld>
             <a:endParaRPr lang="en-US"/>
           </a:p>
@@ -12046,7 +18775,7 @@
           <a:p>
             <a:fld id="{7FCD9E77-C000-8647-A168-CF67FEF06FB1}" type="datetimeFigureOut">
               <a:rPr lang="en-US" smtClean="0"/>
-              <a:t>1/22/24</a:t>
+              <a:t>2/22/24</a:t>
             </a:fld>
             <a:endParaRPr lang="en-US"/>
           </a:p>
@@ -12159,7 +18888,7 @@
           <a:p>
             <a:fld id="{7FCD9E77-C000-8647-A168-CF67FEF06FB1}" type="datetimeFigureOut">
               <a:rPr lang="en-US" smtClean="0"/>
-              <a:t>1/22/24</a:t>
+              <a:t>2/22/24</a:t>
             </a:fld>
             <a:endParaRPr lang="en-US"/>
           </a:p>
@@ -12470,7 +19199,7 @@
           <a:p>
             <a:fld id="{7FCD9E77-C000-8647-A168-CF67FEF06FB1}" type="datetimeFigureOut">
               <a:rPr lang="en-US" smtClean="0"/>
-              <a:t>1/22/24</a:t>
+              <a:t>2/22/24</a:t>
             </a:fld>
             <a:endParaRPr lang="en-US"/>
           </a:p>
@@ -12758,7 +19487,7 @@
           <a:p>
             <a:fld id="{7FCD9E77-C000-8647-A168-CF67FEF06FB1}" type="datetimeFigureOut">
               <a:rPr lang="en-US" smtClean="0"/>
-              <a:t>1/22/24</a:t>
+              <a:t>2/22/24</a:t>
             </a:fld>
             <a:endParaRPr lang="en-US"/>
           </a:p>
@@ -12999,7 +19728,7 @@
           <a:p>
             <a:fld id="{7FCD9E77-C000-8647-A168-CF67FEF06FB1}" type="datetimeFigureOut">
               <a:rPr lang="en-US" smtClean="0"/>
-              <a:t>1/22/24</a:t>
+              <a:t>2/22/24</a:t>
             </a:fld>
             <a:endParaRPr lang="en-US"/>
           </a:p>
@@ -13591,6 +20320,848 @@
 </p:sld>
 </file>
 
+<file path=ppt/slides/slide3.xml><?xml version="1.0" encoding="utf-8"?>
+<p:sld xmlns:a="http://schemas.openxmlformats.org/drawingml/2006/main" xmlns:r="http://schemas.openxmlformats.org/officeDocument/2006/relationships" xmlns:p="http://schemas.openxmlformats.org/presentationml/2006/main">
+  <p:cSld>
+    <p:spTree>
+      <p:nvGrpSpPr>
+        <p:cNvPr id="1" name=""/>
+        <p:cNvGrpSpPr/>
+        <p:nvPr/>
+      </p:nvGrpSpPr>
+      <p:grpSpPr>
+        <a:xfrm>
+          <a:off x="0" y="0"/>
+          <a:ext cx="0" cy="0"/>
+          <a:chOff x="0" y="0"/>
+          <a:chExt cx="0" cy="0"/>
+        </a:xfrm>
+      </p:grpSpPr>
+      <p:sp>
+        <p:nvSpPr>
+          <p:cNvPr id="2" name="Title 1">
+            <a:extLst>
+              <a:ext uri="{FF2B5EF4-FFF2-40B4-BE49-F238E27FC236}">
+                <a16:creationId xmlns:a16="http://schemas.microsoft.com/office/drawing/2014/main" id="{37D30AF3-F671-AA3F-2281-F378F0E3C0D6}"/>
+              </a:ext>
+            </a:extLst>
+          </p:cNvPr>
+          <p:cNvSpPr>
+            <a:spLocks noGrp="1"/>
+          </p:cNvSpPr>
+          <p:nvPr>
+            <p:ph type="title"/>
+          </p:nvPr>
+        </p:nvSpPr>
+        <p:spPr/>
+        <p:txBody>
+          <a:bodyPr/>
+          <a:lstStyle/>
+          <a:p>
+            <a:r>
+              <a:rPr lang="en-US" dirty="0"/>
+              <a:t>NEFMC</a:t>
+            </a:r>
+          </a:p>
+        </p:txBody>
+      </p:sp>
+      <p:sp>
+        <p:nvSpPr>
+          <p:cNvPr id="3" name="Content Placeholder 2">
+            <a:extLst>
+              <a:ext uri="{FF2B5EF4-FFF2-40B4-BE49-F238E27FC236}">
+                <a16:creationId xmlns:a16="http://schemas.microsoft.com/office/drawing/2014/main" id="{5B1EFEFB-76C7-71B3-1E1A-147C35578EBD}"/>
+              </a:ext>
+            </a:extLst>
+          </p:cNvPr>
+          <p:cNvSpPr>
+            <a:spLocks noGrp="1"/>
+          </p:cNvSpPr>
+          <p:nvPr>
+            <p:ph idx="1"/>
+          </p:nvPr>
+        </p:nvSpPr>
+        <p:spPr/>
+        <p:txBody>
+          <a:bodyPr/>
+          <a:lstStyle/>
+          <a:p>
+            <a:endParaRPr lang="en-US"/>
+          </a:p>
+        </p:txBody>
+      </p:sp>
+    </p:spTree>
+    <p:extLst>
+      <p:ext uri="{BB962C8B-B14F-4D97-AF65-F5344CB8AC3E}">
+        <p14:creationId xmlns:p14="http://schemas.microsoft.com/office/powerpoint/2010/main" val="1883693217"/>
+      </p:ext>
+    </p:extLst>
+  </p:cSld>
+  <p:clrMapOvr>
+    <a:masterClrMapping/>
+  </p:clrMapOvr>
+</p:sld>
+</file>
+
+<file path=ppt/slides/slide4.xml><?xml version="1.0" encoding="utf-8"?>
+<p:sld xmlns:a="http://schemas.openxmlformats.org/drawingml/2006/main" xmlns:r="http://schemas.openxmlformats.org/officeDocument/2006/relationships" xmlns:p="http://schemas.openxmlformats.org/presentationml/2006/main">
+  <p:cSld>
+    <p:spTree>
+      <p:nvGrpSpPr>
+        <p:cNvPr id="1" name="">
+          <a:extLst>
+            <a:ext uri="{FF2B5EF4-FFF2-40B4-BE49-F238E27FC236}">
+              <a16:creationId xmlns:a16="http://schemas.microsoft.com/office/drawing/2014/main" id="{526DA3DC-A90E-03A2-FB04-DAE26E8F7347}"/>
+            </a:ext>
+          </a:extLst>
+        </p:cNvPr>
+        <p:cNvGrpSpPr/>
+        <p:nvPr/>
+      </p:nvGrpSpPr>
+      <p:grpSpPr>
+        <a:xfrm>
+          <a:off x="0" y="0"/>
+          <a:ext cx="0" cy="0"/>
+          <a:chOff x="0" y="0"/>
+          <a:chExt cx="0" cy="0"/>
+        </a:xfrm>
+      </p:grpSpPr>
+      <p:graphicFrame>
+        <p:nvGraphicFramePr>
+          <p:cNvPr id="4" name="Diagram 3">
+            <a:extLst>
+              <a:ext uri="{FF2B5EF4-FFF2-40B4-BE49-F238E27FC236}">
+                <a16:creationId xmlns:a16="http://schemas.microsoft.com/office/drawing/2014/main" id="{F86CA876-85EE-ADDE-7AEC-1EF7841468C9}"/>
+              </a:ext>
+            </a:extLst>
+          </p:cNvPr>
+          <p:cNvGraphicFramePr/>
+          <p:nvPr>
+            <p:extLst>
+              <p:ext uri="{D42A27DB-BD31-4B8C-83A1-F6EECF244321}">
+                <p14:modId xmlns:p14="http://schemas.microsoft.com/office/powerpoint/2010/main" val="2890495969"/>
+              </p:ext>
+            </p:extLst>
+          </p:nvPr>
+        </p:nvGraphicFramePr>
+        <p:xfrm>
+          <a:off x="1" y="719666"/>
+          <a:ext cx="10817156" cy="6084522"/>
+        </p:xfrm>
+        <a:graphic>
+          <a:graphicData uri="http://schemas.openxmlformats.org/drawingml/2006/diagram">
+            <dgm:relIds xmlns:dgm="http://schemas.openxmlformats.org/drawingml/2006/diagram" xmlns:r="http://schemas.openxmlformats.org/officeDocument/2006/relationships" r:dm="rId2" r:lo="rId3" r:qs="rId4" r:cs="rId5"/>
+          </a:graphicData>
+        </a:graphic>
+      </p:graphicFrame>
+      <p:sp>
+        <p:nvSpPr>
+          <p:cNvPr id="2" name="TextBox 1">
+            <a:extLst>
+              <a:ext uri="{FF2B5EF4-FFF2-40B4-BE49-F238E27FC236}">
+                <a16:creationId xmlns:a16="http://schemas.microsoft.com/office/drawing/2014/main" id="{388C3912-1430-3F7A-3389-3932763A7FE0}"/>
+              </a:ext>
+            </a:extLst>
+          </p:cNvPr>
+          <p:cNvSpPr txBox="1"/>
+          <p:nvPr/>
+        </p:nvSpPr>
+        <p:spPr>
+          <a:xfrm>
+            <a:off x="0" y="0"/>
+            <a:ext cx="1807546" cy="523220"/>
+          </a:xfrm>
+          <a:prstGeom prst="rect">
+            <a:avLst/>
+          </a:prstGeom>
+          <a:noFill/>
+        </p:spPr>
+        <p:txBody>
+          <a:bodyPr wrap="none" rtlCol="0">
+            <a:spAutoFit/>
+          </a:bodyPr>
+          <a:lstStyle/>
+          <a:p>
+            <a:r>
+              <a:rPr lang="en-US" sz="2800" dirty="0"/>
+              <a:t>Groundfish</a:t>
+            </a:r>
+          </a:p>
+        </p:txBody>
+      </p:sp>
+      <p:sp>
+        <p:nvSpPr>
+          <p:cNvPr id="5" name="TextBox 4">
+            <a:extLst>
+              <a:ext uri="{FF2B5EF4-FFF2-40B4-BE49-F238E27FC236}">
+                <a16:creationId xmlns:a16="http://schemas.microsoft.com/office/drawing/2014/main" id="{C2723639-C7E6-B490-FB6A-D49E9B8357A6}"/>
+              </a:ext>
+            </a:extLst>
+          </p:cNvPr>
+          <p:cNvSpPr txBox="1"/>
+          <p:nvPr/>
+        </p:nvSpPr>
+        <p:spPr>
+          <a:xfrm>
+            <a:off x="8518558" y="53812"/>
+            <a:ext cx="3673442" cy="2354491"/>
+          </a:xfrm>
+          <a:prstGeom prst="rect">
+            <a:avLst/>
+          </a:prstGeom>
+          <a:noFill/>
+        </p:spPr>
+        <p:txBody>
+          <a:bodyPr wrap="square" numCol="2" rtlCol="0">
+            <a:spAutoFit/>
+          </a:bodyPr>
+          <a:lstStyle/>
+          <a:p>
+            <a:r>
+              <a:rPr lang="en-US" sz="1050" dirty="0">
+                <a:latin typeface="Arial" panose="020B0604020202020204" pitchFamily="34" charset="0"/>
+                <a:cs typeface="Arial" panose="020B0604020202020204" pitchFamily="34" charset="0"/>
+              </a:rPr>
+              <a:t>Atlantic cod (Gadus </a:t>
+            </a:r>
+            <a:r>
+              <a:rPr lang="en-US" sz="1050" dirty="0" err="1">
+                <a:latin typeface="Arial" panose="020B0604020202020204" pitchFamily="34" charset="0"/>
+                <a:cs typeface="Arial" panose="020B0604020202020204" pitchFamily="34" charset="0"/>
+              </a:rPr>
+              <a:t>morhua</a:t>
+            </a:r>
+            <a:r>
+              <a:rPr lang="en-US" sz="1050" dirty="0">
+                <a:latin typeface="Arial" panose="020B0604020202020204" pitchFamily="34" charset="0"/>
+                <a:cs typeface="Arial" panose="020B0604020202020204" pitchFamily="34" charset="0"/>
+              </a:rPr>
+              <a:t>)</a:t>
+            </a:r>
+          </a:p>
+          <a:p>
+            <a:r>
+              <a:rPr lang="en-US" sz="1050" dirty="0">
+                <a:latin typeface="Arial" panose="020B0604020202020204" pitchFamily="34" charset="0"/>
+                <a:cs typeface="Arial" panose="020B0604020202020204" pitchFamily="34" charset="0"/>
+              </a:rPr>
+              <a:t>Haddock (Melanogrammus aeglefinus)</a:t>
+            </a:r>
+          </a:p>
+          <a:p>
+            <a:r>
+              <a:rPr lang="en-US" sz="1050" dirty="0">
+                <a:latin typeface="Arial" panose="020B0604020202020204" pitchFamily="34" charset="0"/>
+                <a:cs typeface="Arial" panose="020B0604020202020204" pitchFamily="34" charset="0"/>
+              </a:rPr>
+              <a:t>Yellowtail flounder (</a:t>
+            </a:r>
+            <a:r>
+              <a:rPr lang="en-US" sz="1050" dirty="0" err="1">
+                <a:latin typeface="Arial" panose="020B0604020202020204" pitchFamily="34" charset="0"/>
+                <a:cs typeface="Arial" panose="020B0604020202020204" pitchFamily="34" charset="0"/>
+              </a:rPr>
+              <a:t>Limanda</a:t>
+            </a:r>
+            <a:r>
+              <a:rPr lang="en-US" sz="1050" dirty="0">
+                <a:latin typeface="Arial" panose="020B0604020202020204" pitchFamily="34" charset="0"/>
+                <a:cs typeface="Arial" panose="020B0604020202020204" pitchFamily="34" charset="0"/>
+              </a:rPr>
+              <a:t> </a:t>
+            </a:r>
+            <a:r>
+              <a:rPr lang="en-US" sz="1050" dirty="0" err="1">
+                <a:latin typeface="Arial" panose="020B0604020202020204" pitchFamily="34" charset="0"/>
+                <a:cs typeface="Arial" panose="020B0604020202020204" pitchFamily="34" charset="0"/>
+              </a:rPr>
+              <a:t>ferruginea</a:t>
+            </a:r>
+            <a:r>
+              <a:rPr lang="en-US" sz="1050" dirty="0">
+                <a:latin typeface="Arial" panose="020B0604020202020204" pitchFamily="34" charset="0"/>
+                <a:cs typeface="Arial" panose="020B0604020202020204" pitchFamily="34" charset="0"/>
+              </a:rPr>
+              <a:t>)</a:t>
+            </a:r>
+          </a:p>
+          <a:p>
+            <a:r>
+              <a:rPr lang="en-US" sz="1050" dirty="0">
+                <a:latin typeface="Arial" panose="020B0604020202020204" pitchFamily="34" charset="0"/>
+                <a:cs typeface="Arial" panose="020B0604020202020204" pitchFamily="34" charset="0"/>
+              </a:rPr>
+              <a:t>Pollock (Pollachius virens)</a:t>
+            </a:r>
+          </a:p>
+          <a:p>
+            <a:r>
+              <a:rPr lang="en-US" sz="1050" dirty="0">
+                <a:latin typeface="Arial" panose="020B0604020202020204" pitchFamily="34" charset="0"/>
+                <a:cs typeface="Arial" panose="020B0604020202020204" pitchFamily="34" charset="0"/>
+              </a:rPr>
+              <a:t>American plaice (</a:t>
+            </a:r>
+            <a:r>
+              <a:rPr lang="en-US" sz="1050" dirty="0" err="1">
+                <a:latin typeface="Arial" panose="020B0604020202020204" pitchFamily="34" charset="0"/>
+                <a:cs typeface="Arial" panose="020B0604020202020204" pitchFamily="34" charset="0"/>
+              </a:rPr>
+              <a:t>Hippoglossoides</a:t>
+            </a:r>
+            <a:r>
+              <a:rPr lang="en-US" sz="1050" dirty="0">
+                <a:latin typeface="Arial" panose="020B0604020202020204" pitchFamily="34" charset="0"/>
+                <a:cs typeface="Arial" panose="020B0604020202020204" pitchFamily="34" charset="0"/>
+              </a:rPr>
+              <a:t> </a:t>
+            </a:r>
+            <a:r>
+              <a:rPr lang="en-US" sz="1050" dirty="0" err="1">
+                <a:latin typeface="Arial" panose="020B0604020202020204" pitchFamily="34" charset="0"/>
+                <a:cs typeface="Arial" panose="020B0604020202020204" pitchFamily="34" charset="0"/>
+              </a:rPr>
+              <a:t>platessoides</a:t>
+            </a:r>
+            <a:r>
+              <a:rPr lang="en-US" sz="1050" dirty="0">
+                <a:latin typeface="Arial" panose="020B0604020202020204" pitchFamily="34" charset="0"/>
+                <a:cs typeface="Arial" panose="020B0604020202020204" pitchFamily="34" charset="0"/>
+              </a:rPr>
+              <a:t>)</a:t>
+            </a:r>
+          </a:p>
+          <a:p>
+            <a:r>
+              <a:rPr lang="en-US" sz="1050" dirty="0">
+                <a:latin typeface="Arial" panose="020B0604020202020204" pitchFamily="34" charset="0"/>
+                <a:cs typeface="Arial" panose="020B0604020202020204" pitchFamily="34" charset="0"/>
+              </a:rPr>
+              <a:t>Witch flounder (</a:t>
+            </a:r>
+            <a:r>
+              <a:rPr lang="en-US" sz="1050" dirty="0" err="1">
+                <a:latin typeface="Arial" panose="020B0604020202020204" pitchFamily="34" charset="0"/>
+                <a:cs typeface="Arial" panose="020B0604020202020204" pitchFamily="34" charset="0"/>
+              </a:rPr>
+              <a:t>Glyptocephalus</a:t>
+            </a:r>
+            <a:r>
+              <a:rPr lang="en-US" sz="1050" dirty="0">
+                <a:latin typeface="Arial" panose="020B0604020202020204" pitchFamily="34" charset="0"/>
+                <a:cs typeface="Arial" panose="020B0604020202020204" pitchFamily="34" charset="0"/>
+              </a:rPr>
+              <a:t> </a:t>
+            </a:r>
+            <a:r>
+              <a:rPr lang="en-US" sz="1050" dirty="0" err="1">
+                <a:latin typeface="Arial" panose="020B0604020202020204" pitchFamily="34" charset="0"/>
+                <a:cs typeface="Arial" panose="020B0604020202020204" pitchFamily="34" charset="0"/>
+              </a:rPr>
+              <a:t>cynoglossus</a:t>
+            </a:r>
+            <a:r>
+              <a:rPr lang="en-US" sz="1050" dirty="0">
+                <a:latin typeface="Arial" panose="020B0604020202020204" pitchFamily="34" charset="0"/>
+                <a:cs typeface="Arial" panose="020B0604020202020204" pitchFamily="34" charset="0"/>
+              </a:rPr>
+              <a:t>)</a:t>
+            </a:r>
+          </a:p>
+          <a:p>
+            <a:r>
+              <a:rPr lang="en-US" sz="1050" dirty="0">
+                <a:latin typeface="Arial" panose="020B0604020202020204" pitchFamily="34" charset="0"/>
+                <a:cs typeface="Arial" panose="020B0604020202020204" pitchFamily="34" charset="0"/>
+              </a:rPr>
+              <a:t>White hake (</a:t>
+            </a:r>
+            <a:r>
+              <a:rPr lang="en-US" sz="1050" dirty="0" err="1">
+                <a:latin typeface="Arial" panose="020B0604020202020204" pitchFamily="34" charset="0"/>
+                <a:cs typeface="Arial" panose="020B0604020202020204" pitchFamily="34" charset="0"/>
+              </a:rPr>
+              <a:t>Urophycis</a:t>
+            </a:r>
+            <a:r>
+              <a:rPr lang="en-US" sz="1050" dirty="0">
+                <a:latin typeface="Arial" panose="020B0604020202020204" pitchFamily="34" charset="0"/>
+                <a:cs typeface="Arial" panose="020B0604020202020204" pitchFamily="34" charset="0"/>
+              </a:rPr>
+              <a:t> tenuis)</a:t>
+            </a:r>
+          </a:p>
+          <a:p>
+            <a:r>
+              <a:rPr lang="en-US" sz="1050" dirty="0">
+                <a:latin typeface="Arial" panose="020B0604020202020204" pitchFamily="34" charset="0"/>
+                <a:cs typeface="Arial" panose="020B0604020202020204" pitchFamily="34" charset="0"/>
+              </a:rPr>
+              <a:t>Windowpane flounder (Scophthalmus </a:t>
+            </a:r>
+            <a:r>
+              <a:rPr lang="en-US" sz="1050" dirty="0" err="1">
+                <a:latin typeface="Arial" panose="020B0604020202020204" pitchFamily="34" charset="0"/>
+                <a:cs typeface="Arial" panose="020B0604020202020204" pitchFamily="34" charset="0"/>
+              </a:rPr>
+              <a:t>aquosus</a:t>
+            </a:r>
+            <a:r>
+              <a:rPr lang="en-US" sz="1050" dirty="0">
+                <a:latin typeface="Arial" panose="020B0604020202020204" pitchFamily="34" charset="0"/>
+                <a:cs typeface="Arial" panose="020B0604020202020204" pitchFamily="34" charset="0"/>
+              </a:rPr>
+              <a:t>)</a:t>
+            </a:r>
+          </a:p>
+          <a:p>
+            <a:r>
+              <a:rPr lang="en-US" sz="1050" dirty="0">
+                <a:latin typeface="Arial" panose="020B0604020202020204" pitchFamily="34" charset="0"/>
+                <a:cs typeface="Arial" panose="020B0604020202020204" pitchFamily="34" charset="0"/>
+              </a:rPr>
+              <a:t>Winter flounder (</a:t>
+            </a:r>
+            <a:r>
+              <a:rPr lang="en-US" sz="1050" dirty="0" err="1">
+                <a:latin typeface="Arial" panose="020B0604020202020204" pitchFamily="34" charset="0"/>
+                <a:cs typeface="Arial" panose="020B0604020202020204" pitchFamily="34" charset="0"/>
+              </a:rPr>
+              <a:t>Pseudopleuronectes</a:t>
+            </a:r>
+            <a:r>
+              <a:rPr lang="en-US" sz="1050" dirty="0">
+                <a:latin typeface="Arial" panose="020B0604020202020204" pitchFamily="34" charset="0"/>
+                <a:cs typeface="Arial" panose="020B0604020202020204" pitchFamily="34" charset="0"/>
+              </a:rPr>
+              <a:t> americanus)</a:t>
+            </a:r>
+          </a:p>
+          <a:p>
+            <a:r>
+              <a:rPr lang="en-US" sz="1050" dirty="0">
+                <a:latin typeface="Arial" panose="020B0604020202020204" pitchFamily="34" charset="0"/>
+                <a:cs typeface="Arial" panose="020B0604020202020204" pitchFamily="34" charset="0"/>
+              </a:rPr>
+              <a:t>Acadian redfish (Sebastes fasciatus)</a:t>
+            </a:r>
+          </a:p>
+          <a:p>
+            <a:r>
+              <a:rPr lang="en-US" sz="1050" dirty="0">
+                <a:latin typeface="Arial" panose="020B0604020202020204" pitchFamily="34" charset="0"/>
+                <a:cs typeface="Arial" panose="020B0604020202020204" pitchFamily="34" charset="0"/>
+              </a:rPr>
+              <a:t>Atlantic halibut (</a:t>
+            </a:r>
+            <a:r>
+              <a:rPr lang="en-US" sz="1050" dirty="0" err="1">
+                <a:latin typeface="Arial" panose="020B0604020202020204" pitchFamily="34" charset="0"/>
+                <a:cs typeface="Arial" panose="020B0604020202020204" pitchFamily="34" charset="0"/>
+              </a:rPr>
+              <a:t>Hippoglossus</a:t>
+            </a:r>
+            <a:r>
+              <a:rPr lang="en-US" sz="1050" dirty="0">
+                <a:latin typeface="Arial" panose="020B0604020202020204" pitchFamily="34" charset="0"/>
+                <a:cs typeface="Arial" panose="020B0604020202020204" pitchFamily="34" charset="0"/>
+              </a:rPr>
+              <a:t> </a:t>
+            </a:r>
+            <a:r>
+              <a:rPr lang="en-US" sz="1050" dirty="0" err="1">
+                <a:latin typeface="Arial" panose="020B0604020202020204" pitchFamily="34" charset="0"/>
+                <a:cs typeface="Arial" panose="020B0604020202020204" pitchFamily="34" charset="0"/>
+              </a:rPr>
+              <a:t>hippoglossus</a:t>
+            </a:r>
+            <a:r>
+              <a:rPr lang="en-US" sz="1050" dirty="0">
+                <a:latin typeface="Arial" panose="020B0604020202020204" pitchFamily="34" charset="0"/>
+                <a:cs typeface="Arial" panose="020B0604020202020204" pitchFamily="34" charset="0"/>
+              </a:rPr>
+              <a:t>)</a:t>
+            </a:r>
+          </a:p>
+          <a:p>
+            <a:r>
+              <a:rPr lang="en-US" sz="1050" dirty="0">
+                <a:latin typeface="Arial" panose="020B0604020202020204" pitchFamily="34" charset="0"/>
+                <a:cs typeface="Arial" panose="020B0604020202020204" pitchFamily="34" charset="0"/>
+              </a:rPr>
+              <a:t>Atlantic wolffish (</a:t>
+            </a:r>
+            <a:r>
+              <a:rPr lang="en-US" sz="1050" dirty="0" err="1">
+                <a:latin typeface="Arial" panose="020B0604020202020204" pitchFamily="34" charset="0"/>
+                <a:cs typeface="Arial" panose="020B0604020202020204" pitchFamily="34" charset="0"/>
+              </a:rPr>
+              <a:t>Anarhichas</a:t>
+            </a:r>
+            <a:r>
+              <a:rPr lang="en-US" sz="1050" dirty="0">
+                <a:latin typeface="Arial" panose="020B0604020202020204" pitchFamily="34" charset="0"/>
+                <a:cs typeface="Arial" panose="020B0604020202020204" pitchFamily="34" charset="0"/>
+              </a:rPr>
+              <a:t> lupus)</a:t>
+            </a:r>
+          </a:p>
+          <a:p>
+            <a:r>
+              <a:rPr lang="en-US" sz="1050" dirty="0">
+                <a:latin typeface="Arial" panose="020B0604020202020204" pitchFamily="34" charset="0"/>
+                <a:cs typeface="Arial" panose="020B0604020202020204" pitchFamily="34" charset="0"/>
+              </a:rPr>
+              <a:t>Ocean pout (</a:t>
+            </a:r>
+            <a:r>
+              <a:rPr lang="en-US" sz="1050" dirty="0" err="1">
+                <a:latin typeface="Arial" panose="020B0604020202020204" pitchFamily="34" charset="0"/>
+                <a:cs typeface="Arial" panose="020B0604020202020204" pitchFamily="34" charset="0"/>
+              </a:rPr>
+              <a:t>Macrozoarces</a:t>
+            </a:r>
+            <a:r>
+              <a:rPr lang="en-US" sz="1050" dirty="0">
+                <a:latin typeface="Arial" panose="020B0604020202020204" pitchFamily="34" charset="0"/>
+                <a:cs typeface="Arial" panose="020B0604020202020204" pitchFamily="34" charset="0"/>
+              </a:rPr>
+              <a:t> americanus)</a:t>
+            </a:r>
+          </a:p>
+        </p:txBody>
+      </p:sp>
+      <p:sp>
+        <p:nvSpPr>
+          <p:cNvPr id="6" name="TextBox 5">
+            <a:extLst>
+              <a:ext uri="{FF2B5EF4-FFF2-40B4-BE49-F238E27FC236}">
+                <a16:creationId xmlns:a16="http://schemas.microsoft.com/office/drawing/2014/main" id="{86C9F908-74C5-5918-625F-D22395601095}"/>
+              </a:ext>
+            </a:extLst>
+          </p:cNvPr>
+          <p:cNvSpPr txBox="1"/>
+          <p:nvPr/>
+        </p:nvSpPr>
+        <p:spPr>
+          <a:xfrm>
+            <a:off x="2217904" y="1553385"/>
+            <a:ext cx="1853962" cy="469968"/>
+          </a:xfrm>
+          <a:prstGeom prst="rect">
+            <a:avLst/>
+          </a:prstGeom>
+          <a:noFill/>
+        </p:spPr>
+        <p:txBody>
+          <a:bodyPr wrap="square" rtlCol="0">
+            <a:spAutoFit/>
+          </a:bodyPr>
+          <a:lstStyle/>
+          <a:p>
+            <a:r>
+              <a:rPr lang="en-US" sz="1200" i="1" dirty="0">
+                <a:latin typeface="Arial" panose="020B0604020202020204" pitchFamily="34" charset="0"/>
+                <a:cs typeface="Arial" panose="020B0604020202020204" pitchFamily="34" charset="0"/>
+              </a:rPr>
+              <a:t>Cod, haddock, and yellowtail flounder</a:t>
+            </a:r>
+          </a:p>
+        </p:txBody>
+      </p:sp>
+      <p:sp>
+        <p:nvSpPr>
+          <p:cNvPr id="7" name="TextBox 6">
+            <a:extLst>
+              <a:ext uri="{FF2B5EF4-FFF2-40B4-BE49-F238E27FC236}">
+                <a16:creationId xmlns:a16="http://schemas.microsoft.com/office/drawing/2014/main" id="{D3EA3721-5338-8355-B76E-3A11134E576D}"/>
+              </a:ext>
+            </a:extLst>
+          </p:cNvPr>
+          <p:cNvSpPr txBox="1"/>
+          <p:nvPr/>
+        </p:nvSpPr>
+        <p:spPr>
+          <a:xfrm>
+            <a:off x="30624" y="3013501"/>
+            <a:ext cx="3220153" cy="1015663"/>
+          </a:xfrm>
+          <a:prstGeom prst="rect">
+            <a:avLst/>
+          </a:prstGeom>
+          <a:noFill/>
+        </p:spPr>
+        <p:txBody>
+          <a:bodyPr wrap="square" rtlCol="0">
+            <a:spAutoFit/>
+          </a:bodyPr>
+          <a:lstStyle/>
+          <a:p>
+            <a:r>
+              <a:rPr lang="en-US" sz="1200" i="1" dirty="0">
+                <a:latin typeface="Arial" panose="020B0604020202020204" pitchFamily="34" charset="0"/>
+                <a:cs typeface="Arial" panose="020B0604020202020204" pitchFamily="34" charset="0"/>
+              </a:rPr>
+              <a:t>Cod, haddock, plaice, pollock, redfish, white hake, winter flounder, witch flounder, yellowtail flounder (halibut, pout, windowpane flounder, and wolffish not allocated to sectors)</a:t>
+            </a:r>
+          </a:p>
+        </p:txBody>
+      </p:sp>
+      <p:sp>
+        <p:nvSpPr>
+          <p:cNvPr id="8" name="TextBox 7">
+            <a:extLst>
+              <a:ext uri="{FF2B5EF4-FFF2-40B4-BE49-F238E27FC236}">
+                <a16:creationId xmlns:a16="http://schemas.microsoft.com/office/drawing/2014/main" id="{DA1CD69E-F3A0-E39E-77E8-AD1EBB4524A6}"/>
+              </a:ext>
+            </a:extLst>
+          </p:cNvPr>
+          <p:cNvSpPr txBox="1"/>
+          <p:nvPr/>
+        </p:nvSpPr>
+        <p:spPr>
+          <a:xfrm>
+            <a:off x="4751781" y="3761927"/>
+            <a:ext cx="1344219" cy="1200329"/>
+          </a:xfrm>
+          <a:prstGeom prst="rect">
+            <a:avLst/>
+          </a:prstGeom>
+          <a:noFill/>
+        </p:spPr>
+        <p:txBody>
+          <a:bodyPr wrap="square" rtlCol="0">
+            <a:spAutoFit/>
+          </a:bodyPr>
+          <a:lstStyle/>
+          <a:p>
+            <a:r>
+              <a:rPr lang="en-US" sz="1200" i="1" dirty="0">
+                <a:latin typeface="Arial" panose="020B0604020202020204" pitchFamily="34" charset="0"/>
+                <a:cs typeface="Arial" panose="020B0604020202020204" pitchFamily="34" charset="0"/>
+              </a:rPr>
+              <a:t>Only GOM haddock and cod have specified sub-ACL for recreational fisheries</a:t>
+            </a:r>
+          </a:p>
+        </p:txBody>
+      </p:sp>
+      <p:sp>
+        <p:nvSpPr>
+          <p:cNvPr id="11" name="TextBox 10">
+            <a:extLst>
+              <a:ext uri="{FF2B5EF4-FFF2-40B4-BE49-F238E27FC236}">
+                <a16:creationId xmlns:a16="http://schemas.microsoft.com/office/drawing/2014/main" id="{DE2E91DE-CE76-F765-C7E9-FB57BD91CAD1}"/>
+              </a:ext>
+            </a:extLst>
+          </p:cNvPr>
+          <p:cNvSpPr txBox="1"/>
+          <p:nvPr/>
+        </p:nvSpPr>
+        <p:spPr>
+          <a:xfrm>
+            <a:off x="7791558" y="3210365"/>
+            <a:ext cx="3220153" cy="276999"/>
+          </a:xfrm>
+          <a:prstGeom prst="rect">
+            <a:avLst/>
+          </a:prstGeom>
+          <a:noFill/>
+        </p:spPr>
+        <p:txBody>
+          <a:bodyPr wrap="square" rtlCol="0">
+            <a:spAutoFit/>
+          </a:bodyPr>
+          <a:lstStyle/>
+          <a:p>
+            <a:r>
+              <a:rPr lang="en-US" sz="1200" i="1" dirty="0">
+                <a:latin typeface="Arial" panose="020B0604020202020204" pitchFamily="34" charset="0"/>
+                <a:cs typeface="Arial" panose="020B0604020202020204" pitchFamily="34" charset="0"/>
+              </a:rPr>
+              <a:t>GB haddock</a:t>
+            </a:r>
+          </a:p>
+        </p:txBody>
+      </p:sp>
+      <p:sp>
+        <p:nvSpPr>
+          <p:cNvPr id="12" name="TextBox 11">
+            <a:extLst>
+              <a:ext uri="{FF2B5EF4-FFF2-40B4-BE49-F238E27FC236}">
+                <a16:creationId xmlns:a16="http://schemas.microsoft.com/office/drawing/2014/main" id="{6BFBD3D3-BE80-B1CC-A084-1526994F0BD2}"/>
+              </a:ext>
+            </a:extLst>
+          </p:cNvPr>
+          <p:cNvSpPr txBox="1"/>
+          <p:nvPr/>
+        </p:nvSpPr>
+        <p:spPr>
+          <a:xfrm>
+            <a:off x="7791557" y="3973880"/>
+            <a:ext cx="3220153" cy="461665"/>
+          </a:xfrm>
+          <a:prstGeom prst="rect">
+            <a:avLst/>
+          </a:prstGeom>
+          <a:noFill/>
+        </p:spPr>
+        <p:txBody>
+          <a:bodyPr wrap="square" rtlCol="0">
+            <a:spAutoFit/>
+          </a:bodyPr>
+          <a:lstStyle/>
+          <a:p>
+            <a:r>
+              <a:rPr lang="en-US" sz="1200" i="1" dirty="0">
+                <a:latin typeface="Arial" panose="020B0604020202020204" pitchFamily="34" charset="0"/>
+                <a:cs typeface="Arial" panose="020B0604020202020204" pitchFamily="34" charset="0"/>
+              </a:rPr>
+              <a:t>GB &amp; SNE/MA Yellowtail flounder, N &amp; S windowpane flounder</a:t>
+            </a:r>
+          </a:p>
+        </p:txBody>
+      </p:sp>
+      <p:sp>
+        <p:nvSpPr>
+          <p:cNvPr id="13" name="TextBox 12">
+            <a:extLst>
+              <a:ext uri="{FF2B5EF4-FFF2-40B4-BE49-F238E27FC236}">
+                <a16:creationId xmlns:a16="http://schemas.microsoft.com/office/drawing/2014/main" id="{F6F3F519-9116-CFA9-5843-733AC0218749}"/>
+              </a:ext>
+            </a:extLst>
+          </p:cNvPr>
+          <p:cNvSpPr txBox="1"/>
+          <p:nvPr/>
+        </p:nvSpPr>
+        <p:spPr>
+          <a:xfrm>
+            <a:off x="7791557" y="4731423"/>
+            <a:ext cx="3220153" cy="276999"/>
+          </a:xfrm>
+          <a:prstGeom prst="rect">
+            <a:avLst/>
+          </a:prstGeom>
+          <a:noFill/>
+        </p:spPr>
+        <p:txBody>
+          <a:bodyPr wrap="square" rtlCol="0">
+            <a:spAutoFit/>
+          </a:bodyPr>
+          <a:lstStyle/>
+          <a:p>
+            <a:r>
+              <a:rPr lang="en-US" sz="1200" i="1" dirty="0">
+                <a:latin typeface="Arial" panose="020B0604020202020204" pitchFamily="34" charset="0"/>
+                <a:cs typeface="Arial" panose="020B0604020202020204" pitchFamily="34" charset="0"/>
+              </a:rPr>
+              <a:t>GB yellowtail flounder</a:t>
+            </a:r>
+          </a:p>
+        </p:txBody>
+      </p:sp>
+      <p:sp>
+        <p:nvSpPr>
+          <p:cNvPr id="14" name="TextBox 13">
+            <a:extLst>
+              <a:ext uri="{FF2B5EF4-FFF2-40B4-BE49-F238E27FC236}">
+                <a16:creationId xmlns:a16="http://schemas.microsoft.com/office/drawing/2014/main" id="{04EE8CA0-B393-A6E9-E094-F3B4842E5944}"/>
+              </a:ext>
+            </a:extLst>
+          </p:cNvPr>
+          <p:cNvSpPr txBox="1"/>
+          <p:nvPr/>
+        </p:nvSpPr>
+        <p:spPr>
+          <a:xfrm>
+            <a:off x="7849923" y="5415297"/>
+            <a:ext cx="3220153" cy="646331"/>
+          </a:xfrm>
+          <a:prstGeom prst="rect">
+            <a:avLst/>
+          </a:prstGeom>
+          <a:noFill/>
+        </p:spPr>
+        <p:txBody>
+          <a:bodyPr wrap="square" rtlCol="0">
+            <a:spAutoFit/>
+          </a:bodyPr>
+          <a:lstStyle/>
+          <a:p>
+            <a:r>
+              <a:rPr lang="en-US" sz="1200" i="1" dirty="0">
+                <a:latin typeface="Arial" panose="020B0604020202020204" pitchFamily="34" charset="0"/>
+                <a:cs typeface="Arial" panose="020B0604020202020204" pitchFamily="34" charset="0"/>
+              </a:rPr>
+              <a:t>All except GB haddock, GB Yellowtail flounder, GB winter flounder, redfish, white hake, and ocean pout</a:t>
+            </a:r>
+          </a:p>
+        </p:txBody>
+      </p:sp>
+      <p:sp>
+        <p:nvSpPr>
+          <p:cNvPr id="15" name="TextBox 14">
+            <a:extLst>
+              <a:ext uri="{FF2B5EF4-FFF2-40B4-BE49-F238E27FC236}">
+                <a16:creationId xmlns:a16="http://schemas.microsoft.com/office/drawing/2014/main" id="{83772E16-34AD-E7C3-679A-94AD80A31958}"/>
+              </a:ext>
+            </a:extLst>
+          </p:cNvPr>
+          <p:cNvSpPr txBox="1"/>
+          <p:nvPr/>
+        </p:nvSpPr>
+        <p:spPr>
+          <a:xfrm>
+            <a:off x="10344724" y="4206448"/>
+            <a:ext cx="1914615" cy="1200329"/>
+          </a:xfrm>
+          <a:prstGeom prst="rect">
+            <a:avLst/>
+          </a:prstGeom>
+          <a:noFill/>
+        </p:spPr>
+        <p:txBody>
+          <a:bodyPr wrap="square" rtlCol="0">
+            <a:spAutoFit/>
+          </a:bodyPr>
+          <a:lstStyle/>
+          <a:p>
+            <a:r>
+              <a:rPr lang="en-US" sz="1200" i="1" dirty="0">
+                <a:latin typeface="Arial" panose="020B0604020202020204" pitchFamily="34" charset="0"/>
+                <a:cs typeface="Arial" panose="020B0604020202020204" pitchFamily="34" charset="0"/>
+              </a:rPr>
+              <a:t>”non-allocated fisheries”, not sure if I should include? https://</a:t>
+            </a:r>
+            <a:r>
+              <a:rPr lang="en-US" sz="1200" i="1" dirty="0" err="1">
+                <a:latin typeface="Arial" panose="020B0604020202020204" pitchFamily="34" charset="0"/>
+                <a:cs typeface="Arial" panose="020B0604020202020204" pitchFamily="34" charset="0"/>
+              </a:rPr>
+              <a:t>www.regulations.gov</a:t>
+            </a:r>
+            <a:r>
+              <a:rPr lang="en-US" sz="1200" i="1" dirty="0">
+                <a:latin typeface="Arial" panose="020B0604020202020204" pitchFamily="34" charset="0"/>
+                <a:cs typeface="Arial" panose="020B0604020202020204" pitchFamily="34" charset="0"/>
+              </a:rPr>
+              <a:t>/document/NOAA-NMFS-2023-0021-0013</a:t>
+            </a:r>
+          </a:p>
+        </p:txBody>
+      </p:sp>
+    </p:spTree>
+    <p:extLst>
+      <p:ext uri="{BB962C8B-B14F-4D97-AF65-F5344CB8AC3E}">
+        <p14:creationId xmlns:p14="http://schemas.microsoft.com/office/powerpoint/2010/main" val="945884705"/>
+      </p:ext>
+    </p:extLst>
+  </p:cSld>
+  <p:clrMapOvr>
+    <a:masterClrMapping/>
+  </p:clrMapOvr>
+</p:sld>
+</file>
+
 <file path=ppt/theme/theme1.xml><?xml version="1.0" encoding="utf-8"?>
 <a:theme xmlns:a="http://schemas.openxmlformats.org/drawingml/2006/main" name="Office Theme">
   <a:themeElements>

--- a/figures/flow_charts.pptx
+++ b/figures/flow_charts.pptx
@@ -6508,7 +6508,7 @@
       <dgm:spPr/>
     </dgm:pt>
     <dgm:pt modelId="{8070880A-6D9D-3E45-BBA5-857722588F19}" type="pres">
-      <dgm:prSet presAssocID="{18972EAA-2B0D-7948-96EA-38856287373F}" presName="rootText" presStyleLbl="node4" presStyleIdx="4" presStyleCnt="12" custLinFactX="-198285" custLinFactNeighborX="-200000" custLinFactNeighborY="63386">
+      <dgm:prSet presAssocID="{18972EAA-2B0D-7948-96EA-38856287373F}" presName="rootText" presStyleLbl="node4" presStyleIdx="4" presStyleCnt="12" custLinFactX="-198285" custLinFactY="23264" custLinFactNeighborX="-200000" custLinFactNeighborY="100000">
         <dgm:presLayoutVars>
           <dgm:chPref val="3"/>
         </dgm:presLayoutVars>
@@ -6544,7 +6544,7 @@
       <dgm:spPr/>
     </dgm:pt>
     <dgm:pt modelId="{7E75A885-90A3-2F4E-871B-4C65946DDE1A}" type="pres">
-      <dgm:prSet presAssocID="{2E6B4BCE-860A-8449-B8E5-DBE0F8F63945}" presName="rootText" presStyleLbl="node4" presStyleIdx="5" presStyleCnt="12" custLinFactX="-100000" custLinFactNeighborX="-137001" custLinFactNeighborY="866">
+      <dgm:prSet presAssocID="{2E6B4BCE-860A-8449-B8E5-DBE0F8F63945}" presName="rootText" presStyleLbl="node4" presStyleIdx="5" presStyleCnt="12" custLinFactX="-100000" custLinFactNeighborX="-137001" custLinFactNeighborY="60744">
         <dgm:presLayoutVars>
           <dgm:chPref val="3"/>
         </dgm:presLayoutVars>
@@ -6580,7 +6580,7 @@
       <dgm:spPr/>
     </dgm:pt>
     <dgm:pt modelId="{758C4E8E-D5A9-C842-A8AD-147A5CCD7FC5}" type="pres">
-      <dgm:prSet presAssocID="{BECB6D06-3BCB-CA4A-A6E6-9A54D7F3FE6A}" presName="rootText" presStyleLbl="node4" presStyleIdx="6" presStyleCnt="12" custLinFactX="-198284" custLinFactNeighborX="-200000" custLinFactNeighborY="-52815">
+      <dgm:prSet presAssocID="{BECB6D06-3BCB-CA4A-A6E6-9A54D7F3FE6A}" presName="rootText" presStyleLbl="node4" presStyleIdx="6" presStyleCnt="12" custLinFactX="-198284" custLinFactNeighborX="-200000" custLinFactNeighborY="4405">
         <dgm:presLayoutVars>
           <dgm:chPref val="3"/>
         </dgm:presLayoutVars>
@@ -11583,7 +11583,7 @@
       <dsp:spPr>
         <a:xfrm>
           <a:off x="2014609" y="4169444"/>
-          <a:ext cx="383014" cy="1339890"/>
+          <a:ext cx="383014" cy="1637370"/>
         </a:xfrm>
         <a:custGeom>
           <a:avLst/>
@@ -11597,10 +11597,10 @@
                 <a:pt x="383014" y="0"/>
               </a:moveTo>
               <a:lnTo>
-                <a:pt x="383014" y="1339890"/>
+                <a:pt x="383014" y="1637370"/>
               </a:lnTo>
               <a:lnTo>
-                <a:pt x="0" y="1339890"/>
+                <a:pt x="0" y="1637370"/>
               </a:lnTo>
             </a:path>
           </a:pathLst>
@@ -11642,7 +11642,7 @@
       <dsp:spPr>
         <a:xfrm>
           <a:off x="2397624" y="4169444"/>
-          <a:ext cx="297736" cy="849352"/>
+          <a:ext cx="297736" cy="1181924"/>
         </a:xfrm>
         <a:custGeom>
           <a:avLst/>
@@ -11656,10 +11656,10 @@
                 <a:pt x="0" y="0"/>
               </a:moveTo>
               <a:lnTo>
-                <a:pt x="0" y="849352"/>
+                <a:pt x="0" y="1181924"/>
               </a:lnTo>
               <a:lnTo>
-                <a:pt x="297736" y="849352"/>
+                <a:pt x="297736" y="1181924"/>
               </a:lnTo>
             </a:path>
           </a:pathLst>
@@ -11701,7 +11701,7 @@
       <dsp:spPr>
         <a:xfrm>
           <a:off x="2014598" y="4169444"/>
-          <a:ext cx="383025" cy="407908"/>
+          <a:ext cx="383025" cy="740480"/>
         </a:xfrm>
         <a:custGeom>
           <a:avLst/>
@@ -11715,10 +11715,10 @@
                 <a:pt x="383025" y="0"/>
               </a:moveTo>
               <a:lnTo>
-                <a:pt x="383025" y="407908"/>
+                <a:pt x="383025" y="740480"/>
               </a:lnTo>
               <a:lnTo>
-                <a:pt x="0" y="407908"/>
+                <a:pt x="0" y="740480"/>
               </a:lnTo>
             </a:path>
           </a:pathLst>
@@ -12843,7 +12843,7 @@
       </dsp:nvSpPr>
       <dsp:spPr>
         <a:xfrm>
-          <a:off x="903767" y="4299644"/>
+          <a:off x="903767" y="4632216"/>
           <a:ext cx="1110831" cy="555415"/>
         </a:xfrm>
         <a:prstGeom prst="rect">
@@ -12905,7 +12905,7 @@
         </a:p>
       </dsp:txBody>
       <dsp:txXfrm>
-        <a:off x="903767" y="4299644"/>
+        <a:off x="903767" y="4632216"/>
         <a:ext cx="1110831" cy="555415"/>
       </dsp:txXfrm>
     </dsp:sp>
@@ -12916,7 +12916,7 @@
       </dsp:nvSpPr>
       <dsp:spPr>
         <a:xfrm>
-          <a:off x="2695360" y="4741089"/>
+          <a:off x="2695360" y="5073660"/>
           <a:ext cx="1110831" cy="555415"/>
         </a:xfrm>
         <a:prstGeom prst="rect">
@@ -12978,7 +12978,7 @@
         </a:p>
       </dsp:txBody>
       <dsp:txXfrm>
-        <a:off x="2695360" y="4741089"/>
+        <a:off x="2695360" y="5073660"/>
         <a:ext cx="1110831" cy="555415"/>
       </dsp:txXfrm>
     </dsp:sp>
@@ -12989,7 +12989,7 @@
       </dsp:nvSpPr>
       <dsp:spPr>
         <a:xfrm>
-          <a:off x="903778" y="5231626"/>
+          <a:off x="903778" y="5529106"/>
           <a:ext cx="1110831" cy="555415"/>
         </a:xfrm>
         <a:prstGeom prst="rect">
@@ -13051,7 +13051,7 @@
         </a:p>
       </dsp:txBody>
       <dsp:txXfrm>
-        <a:off x="903778" y="5231626"/>
+        <a:off x="903778" y="5529106"/>
         <a:ext cx="1110831" cy="555415"/>
       </dsp:txXfrm>
     </dsp:sp>
@@ -26963,7 +26963,7 @@
           <a:p>
             <a:fld id="{7FCD9E77-C000-8647-A168-CF67FEF06FB1}" type="datetimeFigureOut">
               <a:rPr lang="en-US" smtClean="0"/>
-              <a:t>2/23/24</a:t>
+              <a:t>3/22/24</a:t>
             </a:fld>
             <a:endParaRPr lang="en-US"/>
           </a:p>
@@ -27161,7 +27161,7 @@
           <a:p>
             <a:fld id="{7FCD9E77-C000-8647-A168-CF67FEF06FB1}" type="datetimeFigureOut">
               <a:rPr lang="en-US" smtClean="0"/>
-              <a:t>2/23/24</a:t>
+              <a:t>3/22/24</a:t>
             </a:fld>
             <a:endParaRPr lang="en-US"/>
           </a:p>
@@ -27369,7 +27369,7 @@
           <a:p>
             <a:fld id="{7FCD9E77-C000-8647-A168-CF67FEF06FB1}" type="datetimeFigureOut">
               <a:rPr lang="en-US" smtClean="0"/>
-              <a:t>2/23/24</a:t>
+              <a:t>3/22/24</a:t>
             </a:fld>
             <a:endParaRPr lang="en-US"/>
           </a:p>
@@ -27567,7 +27567,7 @@
           <a:p>
             <a:fld id="{7FCD9E77-C000-8647-A168-CF67FEF06FB1}" type="datetimeFigureOut">
               <a:rPr lang="en-US" smtClean="0"/>
-              <a:t>2/23/24</a:t>
+              <a:t>3/22/24</a:t>
             </a:fld>
             <a:endParaRPr lang="en-US"/>
           </a:p>
@@ -27842,7 +27842,7 @@
           <a:p>
             <a:fld id="{7FCD9E77-C000-8647-A168-CF67FEF06FB1}" type="datetimeFigureOut">
               <a:rPr lang="en-US" smtClean="0"/>
-              <a:t>2/23/24</a:t>
+              <a:t>3/22/24</a:t>
             </a:fld>
             <a:endParaRPr lang="en-US"/>
           </a:p>
@@ -28107,7 +28107,7 @@
           <a:p>
             <a:fld id="{7FCD9E77-C000-8647-A168-CF67FEF06FB1}" type="datetimeFigureOut">
               <a:rPr lang="en-US" smtClean="0"/>
-              <a:t>2/23/24</a:t>
+              <a:t>3/22/24</a:t>
             </a:fld>
             <a:endParaRPr lang="en-US"/>
           </a:p>
@@ -28519,7 +28519,7 @@
           <a:p>
             <a:fld id="{7FCD9E77-C000-8647-A168-CF67FEF06FB1}" type="datetimeFigureOut">
               <a:rPr lang="en-US" smtClean="0"/>
-              <a:t>2/23/24</a:t>
+              <a:t>3/22/24</a:t>
             </a:fld>
             <a:endParaRPr lang="en-US"/>
           </a:p>
@@ -28660,7 +28660,7 @@
           <a:p>
             <a:fld id="{7FCD9E77-C000-8647-A168-CF67FEF06FB1}" type="datetimeFigureOut">
               <a:rPr lang="en-US" smtClean="0"/>
-              <a:t>2/23/24</a:t>
+              <a:t>3/22/24</a:t>
             </a:fld>
             <a:endParaRPr lang="en-US"/>
           </a:p>
@@ -28773,7 +28773,7 @@
           <a:p>
             <a:fld id="{7FCD9E77-C000-8647-A168-CF67FEF06FB1}" type="datetimeFigureOut">
               <a:rPr lang="en-US" smtClean="0"/>
-              <a:t>2/23/24</a:t>
+              <a:t>3/22/24</a:t>
             </a:fld>
             <a:endParaRPr lang="en-US"/>
           </a:p>
@@ -29084,7 +29084,7 @@
           <a:p>
             <a:fld id="{7FCD9E77-C000-8647-A168-CF67FEF06FB1}" type="datetimeFigureOut">
               <a:rPr lang="en-US" smtClean="0"/>
-              <a:t>2/23/24</a:t>
+              <a:t>3/22/24</a:t>
             </a:fld>
             <a:endParaRPr lang="en-US"/>
           </a:p>
@@ -29372,7 +29372,7 @@
           <a:p>
             <a:fld id="{7FCD9E77-C000-8647-A168-CF67FEF06FB1}" type="datetimeFigureOut">
               <a:rPr lang="en-US" smtClean="0"/>
-              <a:t>2/23/24</a:t>
+              <a:t>3/22/24</a:t>
             </a:fld>
             <a:endParaRPr lang="en-US"/>
           </a:p>
@@ -29613,7 +29613,7 @@
           <a:p>
             <a:fld id="{7FCD9E77-C000-8647-A168-CF67FEF06FB1}" type="datetimeFigureOut">
               <a:rPr lang="en-US" smtClean="0"/>
-              <a:t>2/23/24</a:t>
+              <a:t>3/22/24</a:t>
             </a:fld>
             <a:endParaRPr lang="en-US"/>
           </a:p>
@@ -30324,7 +30324,7 @@
           <p:nvPr>
             <p:extLst>
               <p:ext uri="{D42A27DB-BD31-4B8C-83A1-F6EECF244321}">
-                <p14:modId xmlns:p14="http://schemas.microsoft.com/office/powerpoint/2010/main" val="1276741873"/>
+                <p14:modId xmlns:p14="http://schemas.microsoft.com/office/powerpoint/2010/main" val="922938044"/>
               </p:ext>
             </p:extLst>
           </p:nvPr>
@@ -31198,6 +31198,106 @@
             <a:r>
               <a:rPr lang="en-US" dirty="0"/>
               <a:t>Incidental/bycatch</a:t>
+            </a:r>
+          </a:p>
+        </p:txBody>
+      </p:sp>
+      <p:sp>
+        <p:nvSpPr>
+          <p:cNvPr id="16" name="TextBox 15">
+            <a:extLst>
+              <a:ext uri="{FF2B5EF4-FFF2-40B4-BE49-F238E27FC236}">
+                <a16:creationId xmlns:a16="http://schemas.microsoft.com/office/drawing/2014/main" id="{0E38EE34-93CB-F0FD-5F53-533357849D2D}"/>
+              </a:ext>
+            </a:extLst>
+          </p:cNvPr>
+          <p:cNvSpPr txBox="1"/>
+          <p:nvPr/>
+        </p:nvSpPr>
+        <p:spPr>
+          <a:xfrm>
+            <a:off x="1620982" y="4989966"/>
+            <a:ext cx="1629795" cy="307777"/>
+          </a:xfrm>
+          <a:prstGeom prst="rect">
+            <a:avLst/>
+          </a:prstGeom>
+          <a:solidFill>
+            <a:srgbClr val="D883FF"/>
+          </a:solidFill>
+          <a:ln>
+            <a:noFill/>
+          </a:ln>
+        </p:spPr>
+        <p:txBody>
+          <a:bodyPr wrap="square" rtlCol="0">
+            <a:spAutoFit/>
+          </a:bodyPr>
+          <a:lstStyle/>
+          <a:p>
+            <a:pPr algn="ctr"/>
+            <a:r>
+              <a:rPr lang="en-US" sz="1400" dirty="0">
+                <a:solidFill>
+                  <a:schemeClr val="bg1"/>
+                </a:solidFill>
+              </a:rPr>
+              <a:t>Days-at-Sea</a:t>
+            </a:r>
+          </a:p>
+        </p:txBody>
+      </p:sp>
+      <p:sp>
+        <p:nvSpPr>
+          <p:cNvPr id="17" name="Rectangle 16">
+            <a:extLst>
+              <a:ext uri="{FF2B5EF4-FFF2-40B4-BE49-F238E27FC236}">
+                <a16:creationId xmlns:a16="http://schemas.microsoft.com/office/drawing/2014/main" id="{79BC48C3-5000-F12A-635B-9BA226155AD7}"/>
+              </a:ext>
+            </a:extLst>
+          </p:cNvPr>
+          <p:cNvSpPr/>
+          <p:nvPr/>
+        </p:nvSpPr>
+        <p:spPr>
+          <a:xfrm>
+            <a:off x="6602180" y="910928"/>
+            <a:ext cx="1247743" cy="347337"/>
+          </a:xfrm>
+          <a:prstGeom prst="rect">
+            <a:avLst/>
+          </a:prstGeom>
+          <a:solidFill>
+            <a:srgbClr val="D883FF"/>
+          </a:solidFill>
+          <a:ln>
+            <a:noFill/>
+          </a:ln>
+        </p:spPr>
+        <p:style>
+          <a:lnRef idx="2">
+            <a:schemeClr val="accent1">
+              <a:shade val="15000"/>
+            </a:schemeClr>
+          </a:lnRef>
+          <a:fillRef idx="1">
+            <a:schemeClr val="accent1"/>
+          </a:fillRef>
+          <a:effectRef idx="0">
+            <a:schemeClr val="accent1"/>
+          </a:effectRef>
+          <a:fontRef idx="minor">
+            <a:schemeClr val="lt1"/>
+          </a:fontRef>
+        </p:style>
+        <p:txBody>
+          <a:bodyPr rtlCol="0" anchor="ctr"/>
+          <a:lstStyle/>
+          <a:p>
+            <a:pPr algn="ctr"/>
+            <a:r>
+              <a:rPr lang="en-US" dirty="0"/>
+              <a:t>Effort</a:t>
             </a:r>
           </a:p>
         </p:txBody>

--- a/figures/flow_charts.pptx
+++ b/figures/flow_charts.pptx
@@ -5734,7 +5734,7 @@
         <a:p>
           <a:r>
             <a:rPr lang="en-US" dirty="0"/>
-            <a:t>98%</a:t>
+            <a:t>98%*</a:t>
           </a:r>
         </a:p>
       </dgm:t>
@@ -5776,7 +5776,7 @@
         <a:p>
           <a:r>
             <a:rPr lang="en-US" dirty="0"/>
-            <a:t>2%</a:t>
+            <a:t>2%*</a:t>
           </a:r>
         </a:p>
       </dgm:t>
@@ -12731,7 +12731,7 @@
           </a:pPr>
           <a:r>
             <a:rPr lang="en-US" sz="1400" kern="1200" dirty="0"/>
-            <a:t>98%</a:t>
+            <a:t>98%*</a:t>
           </a:r>
         </a:p>
       </dsp:txBody>
@@ -12827,7 +12827,7 @@
           </a:pPr>
           <a:r>
             <a:rPr lang="en-US" sz="1400" kern="1200" dirty="0"/>
-            <a:t>2%</a:t>
+            <a:t>2%*</a:t>
           </a:r>
         </a:p>
       </dsp:txBody>
@@ -30324,7 +30324,7 @@
           <p:nvPr>
             <p:extLst>
               <p:ext uri="{D42A27DB-BD31-4B8C-83A1-F6EECF244321}">
-                <p14:modId xmlns:p14="http://schemas.microsoft.com/office/powerpoint/2010/main" val="922938044"/>
+                <p14:modId xmlns:p14="http://schemas.microsoft.com/office/powerpoint/2010/main" val="2517317478"/>
               </p:ext>
             </p:extLst>
           </p:nvPr>
@@ -30370,348 +30370,6 @@
             <a:r>
               <a:rPr lang="en-US" sz="2800" dirty="0"/>
               <a:t>Groundfish</a:t>
-            </a:r>
-          </a:p>
-        </p:txBody>
-      </p:sp>
-      <p:sp>
-        <p:nvSpPr>
-          <p:cNvPr id="5" name="TextBox 4">
-            <a:extLst>
-              <a:ext uri="{FF2B5EF4-FFF2-40B4-BE49-F238E27FC236}">
-                <a16:creationId xmlns:a16="http://schemas.microsoft.com/office/drawing/2014/main" id="{C2723639-C7E6-B490-FB6A-D49E9B8357A6}"/>
-              </a:ext>
-            </a:extLst>
-          </p:cNvPr>
-          <p:cNvSpPr txBox="1"/>
-          <p:nvPr/>
-        </p:nvSpPr>
-        <p:spPr>
-          <a:xfrm>
-            <a:off x="8518558" y="53812"/>
-            <a:ext cx="3673442" cy="2354491"/>
-          </a:xfrm>
-          <a:prstGeom prst="rect">
-            <a:avLst/>
-          </a:prstGeom>
-          <a:noFill/>
-        </p:spPr>
-        <p:txBody>
-          <a:bodyPr wrap="square" numCol="2" rtlCol="0">
-            <a:spAutoFit/>
-          </a:bodyPr>
-          <a:lstStyle/>
-          <a:p>
-            <a:r>
-              <a:rPr lang="en-US" sz="1050" dirty="0">
-                <a:latin typeface="Arial" panose="020B0604020202020204" pitchFamily="34" charset="0"/>
-                <a:cs typeface="Arial" panose="020B0604020202020204" pitchFamily="34" charset="0"/>
-              </a:rPr>
-              <a:t>Atlantic cod (Gadus </a:t>
-            </a:r>
-            <a:r>
-              <a:rPr lang="en-US" sz="1050" dirty="0" err="1">
-                <a:latin typeface="Arial" panose="020B0604020202020204" pitchFamily="34" charset="0"/>
-                <a:cs typeface="Arial" panose="020B0604020202020204" pitchFamily="34" charset="0"/>
-              </a:rPr>
-              <a:t>morhua</a:t>
-            </a:r>
-            <a:r>
-              <a:rPr lang="en-US" sz="1050" dirty="0">
-                <a:latin typeface="Arial" panose="020B0604020202020204" pitchFamily="34" charset="0"/>
-                <a:cs typeface="Arial" panose="020B0604020202020204" pitchFamily="34" charset="0"/>
-              </a:rPr>
-              <a:t>)</a:t>
-            </a:r>
-          </a:p>
-          <a:p>
-            <a:r>
-              <a:rPr lang="en-US" sz="1050" dirty="0">
-                <a:latin typeface="Arial" panose="020B0604020202020204" pitchFamily="34" charset="0"/>
-                <a:cs typeface="Arial" panose="020B0604020202020204" pitchFamily="34" charset="0"/>
-              </a:rPr>
-              <a:t>Haddock (Melanogrammus aeglefinus)</a:t>
-            </a:r>
-          </a:p>
-          <a:p>
-            <a:r>
-              <a:rPr lang="en-US" sz="1050" dirty="0">
-                <a:latin typeface="Arial" panose="020B0604020202020204" pitchFamily="34" charset="0"/>
-                <a:cs typeface="Arial" panose="020B0604020202020204" pitchFamily="34" charset="0"/>
-              </a:rPr>
-              <a:t>Yellowtail flounder (</a:t>
-            </a:r>
-            <a:r>
-              <a:rPr lang="en-US" sz="1050" dirty="0" err="1">
-                <a:latin typeface="Arial" panose="020B0604020202020204" pitchFamily="34" charset="0"/>
-                <a:cs typeface="Arial" panose="020B0604020202020204" pitchFamily="34" charset="0"/>
-              </a:rPr>
-              <a:t>Limanda</a:t>
-            </a:r>
-            <a:r>
-              <a:rPr lang="en-US" sz="1050" dirty="0">
-                <a:latin typeface="Arial" panose="020B0604020202020204" pitchFamily="34" charset="0"/>
-                <a:cs typeface="Arial" panose="020B0604020202020204" pitchFamily="34" charset="0"/>
-              </a:rPr>
-              <a:t> </a:t>
-            </a:r>
-            <a:r>
-              <a:rPr lang="en-US" sz="1050" dirty="0" err="1">
-                <a:latin typeface="Arial" panose="020B0604020202020204" pitchFamily="34" charset="0"/>
-                <a:cs typeface="Arial" panose="020B0604020202020204" pitchFamily="34" charset="0"/>
-              </a:rPr>
-              <a:t>ferruginea</a:t>
-            </a:r>
-            <a:r>
-              <a:rPr lang="en-US" sz="1050" dirty="0">
-                <a:latin typeface="Arial" panose="020B0604020202020204" pitchFamily="34" charset="0"/>
-                <a:cs typeface="Arial" panose="020B0604020202020204" pitchFamily="34" charset="0"/>
-              </a:rPr>
-              <a:t>)</a:t>
-            </a:r>
-          </a:p>
-          <a:p>
-            <a:r>
-              <a:rPr lang="en-US" sz="1050" dirty="0">
-                <a:latin typeface="Arial" panose="020B0604020202020204" pitchFamily="34" charset="0"/>
-                <a:cs typeface="Arial" panose="020B0604020202020204" pitchFamily="34" charset="0"/>
-              </a:rPr>
-              <a:t>Pollock (Pollachius virens)</a:t>
-            </a:r>
-          </a:p>
-          <a:p>
-            <a:r>
-              <a:rPr lang="en-US" sz="1050" dirty="0">
-                <a:latin typeface="Arial" panose="020B0604020202020204" pitchFamily="34" charset="0"/>
-                <a:cs typeface="Arial" panose="020B0604020202020204" pitchFamily="34" charset="0"/>
-              </a:rPr>
-              <a:t>American plaice (</a:t>
-            </a:r>
-            <a:r>
-              <a:rPr lang="en-US" sz="1050" dirty="0" err="1">
-                <a:latin typeface="Arial" panose="020B0604020202020204" pitchFamily="34" charset="0"/>
-                <a:cs typeface="Arial" panose="020B0604020202020204" pitchFamily="34" charset="0"/>
-              </a:rPr>
-              <a:t>Hippoglossoides</a:t>
-            </a:r>
-            <a:r>
-              <a:rPr lang="en-US" sz="1050" dirty="0">
-                <a:latin typeface="Arial" panose="020B0604020202020204" pitchFamily="34" charset="0"/>
-                <a:cs typeface="Arial" panose="020B0604020202020204" pitchFamily="34" charset="0"/>
-              </a:rPr>
-              <a:t> </a:t>
-            </a:r>
-            <a:r>
-              <a:rPr lang="en-US" sz="1050" dirty="0" err="1">
-                <a:latin typeface="Arial" panose="020B0604020202020204" pitchFamily="34" charset="0"/>
-                <a:cs typeface="Arial" panose="020B0604020202020204" pitchFamily="34" charset="0"/>
-              </a:rPr>
-              <a:t>platessoides</a:t>
-            </a:r>
-            <a:r>
-              <a:rPr lang="en-US" sz="1050" dirty="0">
-                <a:latin typeface="Arial" panose="020B0604020202020204" pitchFamily="34" charset="0"/>
-                <a:cs typeface="Arial" panose="020B0604020202020204" pitchFamily="34" charset="0"/>
-              </a:rPr>
-              <a:t>)</a:t>
-            </a:r>
-          </a:p>
-          <a:p>
-            <a:r>
-              <a:rPr lang="en-US" sz="1050" dirty="0">
-                <a:latin typeface="Arial" panose="020B0604020202020204" pitchFamily="34" charset="0"/>
-                <a:cs typeface="Arial" panose="020B0604020202020204" pitchFamily="34" charset="0"/>
-              </a:rPr>
-              <a:t>Witch flounder (</a:t>
-            </a:r>
-            <a:r>
-              <a:rPr lang="en-US" sz="1050" dirty="0" err="1">
-                <a:latin typeface="Arial" panose="020B0604020202020204" pitchFamily="34" charset="0"/>
-                <a:cs typeface="Arial" panose="020B0604020202020204" pitchFamily="34" charset="0"/>
-              </a:rPr>
-              <a:t>Glyptocephalus</a:t>
-            </a:r>
-            <a:r>
-              <a:rPr lang="en-US" sz="1050" dirty="0">
-                <a:latin typeface="Arial" panose="020B0604020202020204" pitchFamily="34" charset="0"/>
-                <a:cs typeface="Arial" panose="020B0604020202020204" pitchFamily="34" charset="0"/>
-              </a:rPr>
-              <a:t> </a:t>
-            </a:r>
-            <a:r>
-              <a:rPr lang="en-US" sz="1050" dirty="0" err="1">
-                <a:latin typeface="Arial" panose="020B0604020202020204" pitchFamily="34" charset="0"/>
-                <a:cs typeface="Arial" panose="020B0604020202020204" pitchFamily="34" charset="0"/>
-              </a:rPr>
-              <a:t>cynoglossus</a:t>
-            </a:r>
-            <a:r>
-              <a:rPr lang="en-US" sz="1050" dirty="0">
-                <a:latin typeface="Arial" panose="020B0604020202020204" pitchFamily="34" charset="0"/>
-                <a:cs typeface="Arial" panose="020B0604020202020204" pitchFamily="34" charset="0"/>
-              </a:rPr>
-              <a:t>)</a:t>
-            </a:r>
-          </a:p>
-          <a:p>
-            <a:r>
-              <a:rPr lang="en-US" sz="1050" dirty="0">
-                <a:latin typeface="Arial" panose="020B0604020202020204" pitchFamily="34" charset="0"/>
-                <a:cs typeface="Arial" panose="020B0604020202020204" pitchFamily="34" charset="0"/>
-              </a:rPr>
-              <a:t>White hake (</a:t>
-            </a:r>
-            <a:r>
-              <a:rPr lang="en-US" sz="1050" dirty="0" err="1">
-                <a:latin typeface="Arial" panose="020B0604020202020204" pitchFamily="34" charset="0"/>
-                <a:cs typeface="Arial" panose="020B0604020202020204" pitchFamily="34" charset="0"/>
-              </a:rPr>
-              <a:t>Urophycis</a:t>
-            </a:r>
-            <a:r>
-              <a:rPr lang="en-US" sz="1050" dirty="0">
-                <a:latin typeface="Arial" panose="020B0604020202020204" pitchFamily="34" charset="0"/>
-                <a:cs typeface="Arial" panose="020B0604020202020204" pitchFamily="34" charset="0"/>
-              </a:rPr>
-              <a:t> tenuis)</a:t>
-            </a:r>
-          </a:p>
-          <a:p>
-            <a:r>
-              <a:rPr lang="en-US" sz="1050" dirty="0">
-                <a:latin typeface="Arial" panose="020B0604020202020204" pitchFamily="34" charset="0"/>
-                <a:cs typeface="Arial" panose="020B0604020202020204" pitchFamily="34" charset="0"/>
-              </a:rPr>
-              <a:t>Windowpane flounder (Scophthalmus </a:t>
-            </a:r>
-            <a:r>
-              <a:rPr lang="en-US" sz="1050" dirty="0" err="1">
-                <a:latin typeface="Arial" panose="020B0604020202020204" pitchFamily="34" charset="0"/>
-                <a:cs typeface="Arial" panose="020B0604020202020204" pitchFamily="34" charset="0"/>
-              </a:rPr>
-              <a:t>aquosus</a:t>
-            </a:r>
-            <a:r>
-              <a:rPr lang="en-US" sz="1050" dirty="0">
-                <a:latin typeface="Arial" panose="020B0604020202020204" pitchFamily="34" charset="0"/>
-                <a:cs typeface="Arial" panose="020B0604020202020204" pitchFamily="34" charset="0"/>
-              </a:rPr>
-              <a:t>)</a:t>
-            </a:r>
-          </a:p>
-          <a:p>
-            <a:r>
-              <a:rPr lang="en-US" sz="1050" dirty="0">
-                <a:latin typeface="Arial" panose="020B0604020202020204" pitchFamily="34" charset="0"/>
-                <a:cs typeface="Arial" panose="020B0604020202020204" pitchFamily="34" charset="0"/>
-              </a:rPr>
-              <a:t>Winter flounder (</a:t>
-            </a:r>
-            <a:r>
-              <a:rPr lang="en-US" sz="1050" dirty="0" err="1">
-                <a:latin typeface="Arial" panose="020B0604020202020204" pitchFamily="34" charset="0"/>
-                <a:cs typeface="Arial" panose="020B0604020202020204" pitchFamily="34" charset="0"/>
-              </a:rPr>
-              <a:t>Pseudopleuronectes</a:t>
-            </a:r>
-            <a:r>
-              <a:rPr lang="en-US" sz="1050" dirty="0">
-                <a:latin typeface="Arial" panose="020B0604020202020204" pitchFamily="34" charset="0"/>
-                <a:cs typeface="Arial" panose="020B0604020202020204" pitchFamily="34" charset="0"/>
-              </a:rPr>
-              <a:t> americanus)</a:t>
-            </a:r>
-          </a:p>
-          <a:p>
-            <a:r>
-              <a:rPr lang="en-US" sz="1050" dirty="0">
-                <a:latin typeface="Arial" panose="020B0604020202020204" pitchFamily="34" charset="0"/>
-                <a:cs typeface="Arial" panose="020B0604020202020204" pitchFamily="34" charset="0"/>
-              </a:rPr>
-              <a:t>Acadian redfish (Sebastes fasciatus)</a:t>
-            </a:r>
-          </a:p>
-          <a:p>
-            <a:r>
-              <a:rPr lang="en-US" sz="1050" dirty="0">
-                <a:latin typeface="Arial" panose="020B0604020202020204" pitchFamily="34" charset="0"/>
-                <a:cs typeface="Arial" panose="020B0604020202020204" pitchFamily="34" charset="0"/>
-              </a:rPr>
-              <a:t>Atlantic halibut (</a:t>
-            </a:r>
-            <a:r>
-              <a:rPr lang="en-US" sz="1050" dirty="0" err="1">
-                <a:latin typeface="Arial" panose="020B0604020202020204" pitchFamily="34" charset="0"/>
-                <a:cs typeface="Arial" panose="020B0604020202020204" pitchFamily="34" charset="0"/>
-              </a:rPr>
-              <a:t>Hippoglossus</a:t>
-            </a:r>
-            <a:r>
-              <a:rPr lang="en-US" sz="1050" dirty="0">
-                <a:latin typeface="Arial" panose="020B0604020202020204" pitchFamily="34" charset="0"/>
-                <a:cs typeface="Arial" panose="020B0604020202020204" pitchFamily="34" charset="0"/>
-              </a:rPr>
-              <a:t> </a:t>
-            </a:r>
-            <a:r>
-              <a:rPr lang="en-US" sz="1050" dirty="0" err="1">
-                <a:latin typeface="Arial" panose="020B0604020202020204" pitchFamily="34" charset="0"/>
-                <a:cs typeface="Arial" panose="020B0604020202020204" pitchFamily="34" charset="0"/>
-              </a:rPr>
-              <a:t>hippoglossus</a:t>
-            </a:r>
-            <a:r>
-              <a:rPr lang="en-US" sz="1050" dirty="0">
-                <a:latin typeface="Arial" panose="020B0604020202020204" pitchFamily="34" charset="0"/>
-                <a:cs typeface="Arial" panose="020B0604020202020204" pitchFamily="34" charset="0"/>
-              </a:rPr>
-              <a:t>)</a:t>
-            </a:r>
-          </a:p>
-          <a:p>
-            <a:r>
-              <a:rPr lang="en-US" sz="1050" dirty="0">
-                <a:latin typeface="Arial" panose="020B0604020202020204" pitchFamily="34" charset="0"/>
-                <a:cs typeface="Arial" panose="020B0604020202020204" pitchFamily="34" charset="0"/>
-              </a:rPr>
-              <a:t>Atlantic wolffish (</a:t>
-            </a:r>
-            <a:r>
-              <a:rPr lang="en-US" sz="1050" dirty="0" err="1">
-                <a:latin typeface="Arial" panose="020B0604020202020204" pitchFamily="34" charset="0"/>
-                <a:cs typeface="Arial" panose="020B0604020202020204" pitchFamily="34" charset="0"/>
-              </a:rPr>
-              <a:t>Anarhichas</a:t>
-            </a:r>
-            <a:r>
-              <a:rPr lang="en-US" sz="1050" dirty="0">
-                <a:latin typeface="Arial" panose="020B0604020202020204" pitchFamily="34" charset="0"/>
-                <a:cs typeface="Arial" panose="020B0604020202020204" pitchFamily="34" charset="0"/>
-              </a:rPr>
-              <a:t> lupus)</a:t>
-            </a:r>
-          </a:p>
-          <a:p>
-            <a:r>
-              <a:rPr lang="en-US" sz="1050" dirty="0">
-                <a:latin typeface="Arial" panose="020B0604020202020204" pitchFamily="34" charset="0"/>
-                <a:cs typeface="Arial" panose="020B0604020202020204" pitchFamily="34" charset="0"/>
-              </a:rPr>
-              <a:t>Ocean pout (</a:t>
-            </a:r>
-            <a:r>
-              <a:rPr lang="en-US" sz="1050" dirty="0" err="1">
-                <a:latin typeface="Arial" panose="020B0604020202020204" pitchFamily="34" charset="0"/>
-                <a:cs typeface="Arial" panose="020B0604020202020204" pitchFamily="34" charset="0"/>
-              </a:rPr>
-              <a:t>Macrozoarces</a:t>
-            </a:r>
-            <a:r>
-              <a:rPr lang="en-US" sz="1050" dirty="0">
-                <a:latin typeface="Arial" panose="020B0604020202020204" pitchFamily="34" charset="0"/>
-                <a:cs typeface="Arial" panose="020B0604020202020204" pitchFamily="34" charset="0"/>
-              </a:rPr>
-              <a:t> americanus)</a:t>
             </a:r>
           </a:p>
         </p:txBody>
@@ -30768,8 +30426,8 @@
         </p:nvSpPr>
         <p:spPr>
           <a:xfrm>
-            <a:off x="30624" y="3013501"/>
-            <a:ext cx="3220153" cy="1015663"/>
+            <a:off x="30625" y="3013501"/>
+            <a:ext cx="3025600" cy="1015663"/>
           </a:xfrm>
           <a:prstGeom prst="rect">
             <a:avLst/>
@@ -31298,6 +30956,44 @@
             <a:r>
               <a:rPr lang="en-US" dirty="0"/>
               <a:t>Effort</a:t>
+            </a:r>
+          </a:p>
+        </p:txBody>
+      </p:sp>
+      <p:sp>
+        <p:nvSpPr>
+          <p:cNvPr id="18" name="TextBox 17">
+            <a:extLst>
+              <a:ext uri="{FF2B5EF4-FFF2-40B4-BE49-F238E27FC236}">
+                <a16:creationId xmlns:a16="http://schemas.microsoft.com/office/drawing/2014/main" id="{4E3FEA88-06CC-5E11-ED59-EFFD90912524}"/>
+              </a:ext>
+            </a:extLst>
+          </p:cNvPr>
+          <p:cNvSpPr txBox="1"/>
+          <p:nvPr/>
+        </p:nvSpPr>
+        <p:spPr>
+          <a:xfrm>
+            <a:off x="3893234" y="5008422"/>
+            <a:ext cx="2456142" cy="1754326"/>
+          </a:xfrm>
+          <a:prstGeom prst="rect">
+            <a:avLst/>
+          </a:prstGeom>
+          <a:noFill/>
+        </p:spPr>
+        <p:txBody>
+          <a:bodyPr wrap="square" rtlCol="0">
+            <a:spAutoFit/>
+          </a:bodyPr>
+          <a:lstStyle/>
+          <a:p>
+            <a:r>
+              <a:rPr lang="en-US" sz="1200" i="1" dirty="0">
+                <a:latin typeface="Arial" panose="020B0604020202020204" pitchFamily="34" charset="0"/>
+                <a:cs typeface="Arial" panose="020B0604020202020204" pitchFamily="34" charset="0"/>
+              </a:rPr>
+              <a:t>*Commercial quota is not technically allocated between common pool and sector program, BUT fishermen ‘bring’ allocation to one of these two groups, which currently leads to 2% of allocation operating in common pool and 98% operating in sector program.</a:t>
             </a:r>
           </a:p>
         </p:txBody>

--- a/figures/flow_charts.pptx
+++ b/figures/flow_charts.pptx
@@ -7341,14 +7341,14 @@
       </dgm:t>
     </dgm:pt>
     <dgm:pt modelId="{D99A0CD7-62EA-5344-90EB-25E7B0A72E22}">
-      <dgm:prSet/>
+      <dgm:prSet custT="1"/>
       <dgm:spPr/>
       <dgm:t>
         <a:bodyPr/>
         <a:lstStyle/>
         <a:p>
           <a:r>
-            <a:rPr lang="en-US" dirty="0"/>
+            <a:rPr lang="en-US" sz="1400" dirty="0"/>
             <a:t>Individual Transferable Quota (ITQ)</a:t>
           </a:r>
         </a:p>
@@ -7377,14 +7377,14 @@
       </dgm:t>
     </dgm:pt>
     <dgm:pt modelId="{76A660BB-56A6-8F41-BC3E-78B959D09831}">
-      <dgm:prSet/>
+      <dgm:prSet custT="1"/>
       <dgm:spPr/>
       <dgm:t>
         <a:bodyPr/>
         <a:lstStyle/>
         <a:p>
           <a:r>
-            <a:rPr lang="en-US" dirty="0"/>
+            <a:rPr lang="en-US" sz="1400" dirty="0"/>
             <a:t>Non-ITQ</a:t>
           </a:r>
         </a:p>
@@ -7714,7 +7714,7 @@
       <dgm:spPr/>
     </dgm:pt>
     <dgm:pt modelId="{540C8371-8521-6E43-BCBE-82C4999C967F}" type="pres">
-      <dgm:prSet presAssocID="{D99A0CD7-62EA-5344-90EB-25E7B0A72E22}" presName="rootText" presStyleLbl="node4" presStyleIdx="0" presStyleCnt="2">
+      <dgm:prSet presAssocID="{D99A0CD7-62EA-5344-90EB-25E7B0A72E22}" presName="rootText" presStyleLbl="node4" presStyleIdx="0" presStyleCnt="2" custScaleY="48709" custLinFactNeighborY="56160">
         <dgm:presLayoutVars>
           <dgm:chPref val="3"/>
         </dgm:presLayoutVars>
@@ -7750,7 +7750,7 @@
       <dgm:spPr/>
     </dgm:pt>
     <dgm:pt modelId="{B6734A99-8241-C64D-9176-110278229A7E}" type="pres">
-      <dgm:prSet presAssocID="{76A660BB-56A6-8F41-BC3E-78B959D09831}" presName="rootText" presStyleLbl="node4" presStyleIdx="1" presStyleCnt="2">
+      <dgm:prSet presAssocID="{76A660BB-56A6-8F41-BC3E-78B959D09831}" presName="rootText" presStyleLbl="node4" presStyleIdx="1" presStyleCnt="2" custScaleY="40909" custLinFactNeighborY="52275">
         <dgm:presLayoutVars>
           <dgm:chPref val="3"/>
         </dgm:presLayoutVars>
@@ -13527,8 +13527,8 @@
       </dsp:nvSpPr>
       <dsp:spPr>
         <a:xfrm>
-          <a:off x="8774117" y="3486263"/>
-          <a:ext cx="266401" cy="2077931"/>
+          <a:off x="8774117" y="3976362"/>
+          <a:ext cx="266401" cy="1824304"/>
         </a:xfrm>
         <a:custGeom>
           <a:avLst/>
@@ -13542,10 +13542,10 @@
                 <a:pt x="0" y="0"/>
               </a:moveTo>
               <a:lnTo>
-                <a:pt x="0" y="2077931"/>
+                <a:pt x="0" y="1824304"/>
               </a:lnTo>
               <a:lnTo>
-                <a:pt x="266401" y="2077931"/>
+                <a:pt x="266401" y="1824304"/>
               </a:lnTo>
             </a:path>
           </a:pathLst>
@@ -13586,8 +13586,8 @@
       </dsp:nvSpPr>
       <dsp:spPr>
         <a:xfrm>
-          <a:off x="8774117" y="3486263"/>
-          <a:ext cx="266401" cy="816964"/>
+          <a:off x="8774117" y="3976362"/>
+          <a:ext cx="266401" cy="1087934"/>
         </a:xfrm>
         <a:custGeom>
           <a:avLst/>
@@ -13601,10 +13601,10 @@
                 <a:pt x="0" y="0"/>
               </a:moveTo>
               <a:lnTo>
-                <a:pt x="0" y="816964"/>
+                <a:pt x="0" y="1087934"/>
               </a:lnTo>
               <a:lnTo>
-                <a:pt x="266401" y="816964"/>
+                <a:pt x="266401" y="1087934"/>
               </a:lnTo>
             </a:path>
           </a:pathLst>
@@ -13645,7 +13645,7 @@
       </dsp:nvSpPr>
       <dsp:spPr>
         <a:xfrm>
-          <a:off x="7335548" y="2225296"/>
+          <a:off x="7335548" y="2715395"/>
           <a:ext cx="2148972" cy="372962"/>
         </a:xfrm>
         <a:custGeom>
@@ -13707,7 +13707,7 @@
       </dsp:nvSpPr>
       <dsp:spPr>
         <a:xfrm>
-          <a:off x="7289828" y="2225296"/>
+          <a:off x="7289828" y="2715395"/>
           <a:ext cx="91440" cy="372962"/>
         </a:xfrm>
         <a:custGeom>
@@ -13763,7 +13763,7 @@
       </dsp:nvSpPr>
       <dsp:spPr>
         <a:xfrm>
-          <a:off x="5186576" y="2225296"/>
+          <a:off x="5186576" y="2715395"/>
           <a:ext cx="2148972" cy="372962"/>
         </a:xfrm>
         <a:custGeom>
@@ -13825,7 +13825,7 @@
       </dsp:nvSpPr>
       <dsp:spPr>
         <a:xfrm>
-          <a:off x="4112090" y="964329"/>
+          <a:off x="4112090" y="1454428"/>
           <a:ext cx="3223458" cy="372962"/>
         </a:xfrm>
         <a:custGeom>
@@ -13887,7 +13887,7 @@
       </dsp:nvSpPr>
       <dsp:spPr>
         <a:xfrm>
-          <a:off x="4112090" y="964329"/>
+          <a:off x="4112090" y="1454428"/>
           <a:ext cx="1074486" cy="372962"/>
         </a:xfrm>
         <a:custGeom>
@@ -13949,7 +13949,7 @@
       </dsp:nvSpPr>
       <dsp:spPr>
         <a:xfrm>
-          <a:off x="3037604" y="964329"/>
+          <a:off x="3037604" y="1454428"/>
           <a:ext cx="1074486" cy="372962"/>
         </a:xfrm>
         <a:custGeom>
@@ -14011,7 +14011,7 @@
       </dsp:nvSpPr>
       <dsp:spPr>
         <a:xfrm>
-          <a:off x="888632" y="964329"/>
+          <a:off x="888632" y="1454428"/>
           <a:ext cx="3223458" cy="372962"/>
         </a:xfrm>
         <a:custGeom>
@@ -14073,7 +14073,7 @@
       </dsp:nvSpPr>
       <dsp:spPr>
         <a:xfrm>
-          <a:off x="3224085" y="76324"/>
+          <a:off x="3224085" y="566422"/>
           <a:ext cx="1776010" cy="888005"/>
         </a:xfrm>
         <a:prstGeom prst="rect">
@@ -14140,7 +14140,7 @@
         </a:p>
       </dsp:txBody>
       <dsp:txXfrm>
-        <a:off x="3224085" y="76324"/>
+        <a:off x="3224085" y="566422"/>
         <a:ext cx="1776010" cy="888005"/>
       </dsp:txXfrm>
     </dsp:sp>
@@ -14151,7 +14151,7 @@
       </dsp:nvSpPr>
       <dsp:spPr>
         <a:xfrm>
-          <a:off x="627" y="1337291"/>
+          <a:off x="627" y="1827390"/>
           <a:ext cx="1776010" cy="888005"/>
         </a:xfrm>
         <a:prstGeom prst="rect">
@@ -14213,7 +14213,7 @@
         </a:p>
       </dsp:txBody>
       <dsp:txXfrm>
-        <a:off x="627" y="1337291"/>
+        <a:off x="627" y="1827390"/>
         <a:ext cx="1776010" cy="888005"/>
       </dsp:txXfrm>
     </dsp:sp>
@@ -14224,7 +14224,7 @@
       </dsp:nvSpPr>
       <dsp:spPr>
         <a:xfrm>
-          <a:off x="2149599" y="1337291"/>
+          <a:off x="2149599" y="1827390"/>
           <a:ext cx="1776010" cy="888005"/>
         </a:xfrm>
         <a:prstGeom prst="rect">
@@ -14291,7 +14291,7 @@
         </a:p>
       </dsp:txBody>
       <dsp:txXfrm>
-        <a:off x="2149599" y="1337291"/>
+        <a:off x="2149599" y="1827390"/>
         <a:ext cx="1776010" cy="888005"/>
       </dsp:txXfrm>
     </dsp:sp>
@@ -14302,7 +14302,7 @@
       </dsp:nvSpPr>
       <dsp:spPr>
         <a:xfrm>
-          <a:off x="4298571" y="1337291"/>
+          <a:off x="4298571" y="1827390"/>
           <a:ext cx="1776010" cy="888005"/>
         </a:xfrm>
         <a:prstGeom prst="rect">
@@ -14369,7 +14369,7 @@
         </a:p>
       </dsp:txBody>
       <dsp:txXfrm>
-        <a:off x="4298571" y="1337291"/>
+        <a:off x="4298571" y="1827390"/>
         <a:ext cx="1776010" cy="888005"/>
       </dsp:txXfrm>
     </dsp:sp>
@@ -14380,7 +14380,7 @@
       </dsp:nvSpPr>
       <dsp:spPr>
         <a:xfrm>
-          <a:off x="6447543" y="1337291"/>
+          <a:off x="6447543" y="1827390"/>
           <a:ext cx="1776010" cy="888005"/>
         </a:xfrm>
         <a:prstGeom prst="rect">
@@ -14447,7 +14447,7 @@
         </a:p>
       </dsp:txBody>
       <dsp:txXfrm>
-        <a:off x="6447543" y="1337291"/>
+        <a:off x="6447543" y="1827390"/>
         <a:ext cx="1776010" cy="888005"/>
       </dsp:txXfrm>
     </dsp:sp>
@@ -14458,7 +14458,7 @@
       </dsp:nvSpPr>
       <dsp:spPr>
         <a:xfrm>
-          <a:off x="4298571" y="2598258"/>
+          <a:off x="4298571" y="3088357"/>
           <a:ext cx="1776010" cy="888005"/>
         </a:xfrm>
         <a:prstGeom prst="rect">
@@ -14525,7 +14525,7 @@
         </a:p>
       </dsp:txBody>
       <dsp:txXfrm>
-        <a:off x="4298571" y="2598258"/>
+        <a:off x="4298571" y="3088357"/>
         <a:ext cx="1776010" cy="888005"/>
       </dsp:txXfrm>
     </dsp:sp>
@@ -14536,7 +14536,7 @@
       </dsp:nvSpPr>
       <dsp:spPr>
         <a:xfrm>
-          <a:off x="6447543" y="2598258"/>
+          <a:off x="6447543" y="3088357"/>
           <a:ext cx="1776010" cy="888005"/>
         </a:xfrm>
         <a:prstGeom prst="rect">
@@ -14603,7 +14603,7 @@
         </a:p>
       </dsp:txBody>
       <dsp:txXfrm>
-        <a:off x="6447543" y="2598258"/>
+        <a:off x="6447543" y="3088357"/>
         <a:ext cx="1776010" cy="888005"/>
       </dsp:txXfrm>
     </dsp:sp>
@@ -14614,7 +14614,7 @@
       </dsp:nvSpPr>
       <dsp:spPr>
         <a:xfrm>
-          <a:off x="8596516" y="2598258"/>
+          <a:off x="8596516" y="3088357"/>
           <a:ext cx="1776010" cy="888005"/>
         </a:xfrm>
         <a:prstGeom prst="rect">
@@ -14681,7 +14681,7 @@
         </a:p>
       </dsp:txBody>
       <dsp:txXfrm>
-        <a:off x="8596516" y="2598258"/>
+        <a:off x="8596516" y="3088357"/>
         <a:ext cx="1776010" cy="888005"/>
       </dsp:txXfrm>
     </dsp:sp>
@@ -14692,8 +14692,8 @@
       </dsp:nvSpPr>
       <dsp:spPr>
         <a:xfrm>
-          <a:off x="9040518" y="3859225"/>
-          <a:ext cx="1776010" cy="888005"/>
+          <a:off x="9040518" y="4848028"/>
+          <a:ext cx="1776010" cy="432538"/>
         </a:xfrm>
         <a:prstGeom prst="rect">
           <a:avLst/>
@@ -14735,12 +14735,12 @@
         </a:fontRef>
       </dsp:style>
       <dsp:txBody>
-        <a:bodyPr spcFirstLastPara="0" vert="horz" wrap="square" lIns="12700" tIns="12700" rIns="12700" bIns="12700" numCol="1" spcCol="1270" anchor="ctr" anchorCtr="0">
+        <a:bodyPr spcFirstLastPara="0" vert="horz" wrap="square" lIns="8890" tIns="8890" rIns="8890" bIns="8890" numCol="1" spcCol="1270" anchor="ctr" anchorCtr="0">
           <a:noAutofit/>
         </a:bodyPr>
         <a:lstStyle/>
         <a:p>
-          <a:pPr marL="0" lvl="0" indent="0" algn="ctr" defTabSz="889000">
+          <a:pPr marL="0" lvl="0" indent="0" algn="ctr" defTabSz="622300">
             <a:lnSpc>
               <a:spcPct val="90000"/>
             </a:lnSpc>
@@ -14753,14 +14753,14 @@
             <a:buNone/>
           </a:pPr>
           <a:r>
-            <a:rPr lang="en-US" sz="2000" kern="1200" dirty="0"/>
+            <a:rPr lang="en-US" sz="1400" kern="1200" dirty="0"/>
             <a:t>Individual Transferable Quota (ITQ)</a:t>
           </a:r>
         </a:p>
       </dsp:txBody>
       <dsp:txXfrm>
-        <a:off x="9040518" y="3859225"/>
-        <a:ext cx="1776010" cy="888005"/>
+        <a:off x="9040518" y="4848028"/>
+        <a:ext cx="1776010" cy="432538"/>
       </dsp:txXfrm>
     </dsp:sp>
     <dsp:sp modelId="{B6734A99-8241-C64D-9176-110278229A7E}">
@@ -14770,8 +14770,8 @@
       </dsp:nvSpPr>
       <dsp:spPr>
         <a:xfrm>
-          <a:off x="9040518" y="5120192"/>
-          <a:ext cx="1776010" cy="888005"/>
+          <a:off x="9040518" y="5619029"/>
+          <a:ext cx="1776010" cy="363273"/>
         </a:xfrm>
         <a:prstGeom prst="rect">
           <a:avLst/>
@@ -14813,12 +14813,12 @@
         </a:fontRef>
       </dsp:style>
       <dsp:txBody>
-        <a:bodyPr spcFirstLastPara="0" vert="horz" wrap="square" lIns="12700" tIns="12700" rIns="12700" bIns="12700" numCol="1" spcCol="1270" anchor="ctr" anchorCtr="0">
+        <a:bodyPr spcFirstLastPara="0" vert="horz" wrap="square" lIns="8890" tIns="8890" rIns="8890" bIns="8890" numCol="1" spcCol="1270" anchor="ctr" anchorCtr="0">
           <a:noAutofit/>
         </a:bodyPr>
         <a:lstStyle/>
         <a:p>
-          <a:pPr marL="0" lvl="0" indent="0" algn="ctr" defTabSz="889000">
+          <a:pPr marL="0" lvl="0" indent="0" algn="ctr" defTabSz="622300">
             <a:lnSpc>
               <a:spcPct val="90000"/>
             </a:lnSpc>
@@ -14831,14 +14831,14 @@
             <a:buNone/>
           </a:pPr>
           <a:r>
-            <a:rPr lang="en-US" sz="2000" kern="1200" dirty="0"/>
+            <a:rPr lang="en-US" sz="1400" kern="1200" dirty="0"/>
             <a:t>Non-ITQ</a:t>
           </a:r>
         </a:p>
       </dsp:txBody>
       <dsp:txXfrm>
-        <a:off x="9040518" y="5120192"/>
-        <a:ext cx="1776010" cy="888005"/>
+        <a:off x="9040518" y="5619029"/>
+        <a:ext cx="1776010" cy="363273"/>
       </dsp:txXfrm>
     </dsp:sp>
   </dsp:spTree>
@@ -26963,7 +26963,7 @@
           <a:p>
             <a:fld id="{7FCD9E77-C000-8647-A168-CF67FEF06FB1}" type="datetimeFigureOut">
               <a:rPr lang="en-US" smtClean="0"/>
-              <a:t>3/22/24</a:t>
+              <a:t>3/24/24</a:t>
             </a:fld>
             <a:endParaRPr lang="en-US"/>
           </a:p>
@@ -27161,7 +27161,7 @@
           <a:p>
             <a:fld id="{7FCD9E77-C000-8647-A168-CF67FEF06FB1}" type="datetimeFigureOut">
               <a:rPr lang="en-US" smtClean="0"/>
-              <a:t>3/22/24</a:t>
+              <a:t>3/24/24</a:t>
             </a:fld>
             <a:endParaRPr lang="en-US"/>
           </a:p>
@@ -27369,7 +27369,7 @@
           <a:p>
             <a:fld id="{7FCD9E77-C000-8647-A168-CF67FEF06FB1}" type="datetimeFigureOut">
               <a:rPr lang="en-US" smtClean="0"/>
-              <a:t>3/22/24</a:t>
+              <a:t>3/24/24</a:t>
             </a:fld>
             <a:endParaRPr lang="en-US"/>
           </a:p>
@@ -27567,7 +27567,7 @@
           <a:p>
             <a:fld id="{7FCD9E77-C000-8647-A168-CF67FEF06FB1}" type="datetimeFigureOut">
               <a:rPr lang="en-US" smtClean="0"/>
-              <a:t>3/22/24</a:t>
+              <a:t>3/24/24</a:t>
             </a:fld>
             <a:endParaRPr lang="en-US"/>
           </a:p>
@@ -27842,7 +27842,7 @@
           <a:p>
             <a:fld id="{7FCD9E77-C000-8647-A168-CF67FEF06FB1}" type="datetimeFigureOut">
               <a:rPr lang="en-US" smtClean="0"/>
-              <a:t>3/22/24</a:t>
+              <a:t>3/24/24</a:t>
             </a:fld>
             <a:endParaRPr lang="en-US"/>
           </a:p>
@@ -28107,7 +28107,7 @@
           <a:p>
             <a:fld id="{7FCD9E77-C000-8647-A168-CF67FEF06FB1}" type="datetimeFigureOut">
               <a:rPr lang="en-US" smtClean="0"/>
-              <a:t>3/22/24</a:t>
+              <a:t>3/24/24</a:t>
             </a:fld>
             <a:endParaRPr lang="en-US"/>
           </a:p>
@@ -28519,7 +28519,7 @@
           <a:p>
             <a:fld id="{7FCD9E77-C000-8647-A168-CF67FEF06FB1}" type="datetimeFigureOut">
               <a:rPr lang="en-US" smtClean="0"/>
-              <a:t>3/22/24</a:t>
+              <a:t>3/24/24</a:t>
             </a:fld>
             <a:endParaRPr lang="en-US"/>
           </a:p>
@@ -28660,7 +28660,7 @@
           <a:p>
             <a:fld id="{7FCD9E77-C000-8647-A168-CF67FEF06FB1}" type="datetimeFigureOut">
               <a:rPr lang="en-US" smtClean="0"/>
-              <a:t>3/22/24</a:t>
+              <a:t>3/24/24</a:t>
             </a:fld>
             <a:endParaRPr lang="en-US"/>
           </a:p>
@@ -28773,7 +28773,7 @@
           <a:p>
             <a:fld id="{7FCD9E77-C000-8647-A168-CF67FEF06FB1}" type="datetimeFigureOut">
               <a:rPr lang="en-US" smtClean="0"/>
-              <a:t>3/22/24</a:t>
+              <a:t>3/24/24</a:t>
             </a:fld>
             <a:endParaRPr lang="en-US"/>
           </a:p>
@@ -29084,7 +29084,7 @@
           <a:p>
             <a:fld id="{7FCD9E77-C000-8647-A168-CF67FEF06FB1}" type="datetimeFigureOut">
               <a:rPr lang="en-US" smtClean="0"/>
-              <a:t>3/22/24</a:t>
+              <a:t>3/24/24</a:t>
             </a:fld>
             <a:endParaRPr lang="en-US"/>
           </a:p>
@@ -29372,7 +29372,7 @@
           <a:p>
             <a:fld id="{7FCD9E77-C000-8647-A168-CF67FEF06FB1}" type="datetimeFigureOut">
               <a:rPr lang="en-US" smtClean="0"/>
-              <a:t>3/22/24</a:t>
+              <a:t>3/24/24</a:t>
             </a:fld>
             <a:endParaRPr lang="en-US"/>
           </a:p>
@@ -29613,7 +29613,7 @@
           <a:p>
             <a:fld id="{7FCD9E77-C000-8647-A168-CF67FEF06FB1}" type="datetimeFigureOut">
               <a:rPr lang="en-US" smtClean="0"/>
-              <a:t>3/22/24</a:t>
+              <a:t>3/24/24</a:t>
             </a:fld>
             <a:endParaRPr lang="en-US"/>
           </a:p>
@@ -31047,7 +31047,7 @@
           <p:nvPr>
             <p:extLst>
               <p:ext uri="{D42A27DB-BD31-4B8C-83A1-F6EECF244321}">
-                <p14:modId xmlns:p14="http://schemas.microsoft.com/office/powerpoint/2010/main" val="1568470147"/>
+                <p14:modId xmlns:p14="http://schemas.microsoft.com/office/powerpoint/2010/main" val="2443976242"/>
               </p:ext>
             </p:extLst>
           </p:nvPr>
@@ -31111,7 +31111,7 @@
         </p:nvSpPr>
         <p:spPr>
           <a:xfrm>
-            <a:off x="7594600" y="4445000"/>
+            <a:off x="7594600" y="4922974"/>
             <a:ext cx="1447800" cy="914400"/>
           </a:xfrm>
           <a:prstGeom prst="rect">
@@ -31166,7 +31166,7 @@
         </p:nvCxnSpPr>
         <p:spPr>
           <a:xfrm>
-            <a:off x="7962900" y="4191000"/>
+            <a:off x="7962900" y="4668974"/>
             <a:ext cx="355600" cy="254000"/>
           </a:xfrm>
           <a:prstGeom prst="line">
@@ -31208,9 +31208,9 @@
           <p:nvPr/>
         </p:nvCxnSpPr>
         <p:spPr>
-          <a:xfrm>
-            <a:off x="9042400" y="5016500"/>
-            <a:ext cx="558800" cy="0"/>
+          <a:xfrm flipV="1">
+            <a:off x="9042400" y="5777433"/>
+            <a:ext cx="281709" cy="1155"/>
           </a:xfrm>
           <a:prstGeom prst="line">
             <a:avLst/>
@@ -31308,8 +31308,8 @@
         </p:nvCxnSpPr>
         <p:spPr>
           <a:xfrm flipH="1">
-            <a:off x="6819900" y="4902200"/>
-            <a:ext cx="774700" cy="1329315"/>
+            <a:off x="6819900" y="5380174"/>
+            <a:ext cx="774700" cy="457200"/>
           </a:xfrm>
           <a:prstGeom prst="line">
             <a:avLst/>
@@ -31706,6 +31706,247 @@
           <a:p>
             <a:pPr algn="ctr"/>
             <a:endParaRPr lang="en-US"/>
+          </a:p>
+        </p:txBody>
+      </p:sp>
+      <p:sp>
+        <p:nvSpPr>
+          <p:cNvPr id="5" name="TextBox 4">
+            <a:extLst>
+              <a:ext uri="{FF2B5EF4-FFF2-40B4-BE49-F238E27FC236}">
+                <a16:creationId xmlns:a16="http://schemas.microsoft.com/office/drawing/2014/main" id="{1A09C352-94D7-4EE8-669E-08FA25C62318}"/>
+              </a:ext>
+            </a:extLst>
+          </p:cNvPr>
+          <p:cNvSpPr txBox="1"/>
+          <p:nvPr/>
+        </p:nvSpPr>
+        <p:spPr>
+          <a:xfrm>
+            <a:off x="1101147" y="4703777"/>
+            <a:ext cx="4197928" cy="2246769"/>
+          </a:xfrm>
+          <a:prstGeom prst="rect">
+            <a:avLst/>
+          </a:prstGeom>
+          <a:noFill/>
+        </p:spPr>
+        <p:txBody>
+          <a:bodyPr wrap="square" rtlCol="0">
+            <a:spAutoFit/>
+          </a:bodyPr>
+          <a:lstStyle/>
+          <a:p>
+            <a:r>
+              <a:rPr lang="en-US" sz="1400" dirty="0"/>
+              <a:t>Full-time: </a:t>
+            </a:r>
+          </a:p>
+          <a:p>
+            <a:pPr marL="285750" indent="-285750">
+              <a:buFont typeface="Arial" panose="020B0604020202020204" pitchFamily="34" charset="0"/>
+              <a:buChar char="•"/>
+            </a:pPr>
+            <a:r>
+              <a:rPr lang="en-US" sz="1400" dirty="0"/>
+              <a:t>3 12,000 lbs. access area trips with 2 trips into Area II and one into NY Bight</a:t>
+            </a:r>
+          </a:p>
+          <a:p>
+            <a:pPr marL="285750" indent="-285750">
+              <a:buFont typeface="Arial" panose="020B0604020202020204" pitchFamily="34" charset="0"/>
+              <a:buChar char="•"/>
+            </a:pPr>
+            <a:r>
+              <a:rPr lang="en-US" sz="1400" dirty="0"/>
+              <a:t>20 open area DAS </a:t>
+            </a:r>
+          </a:p>
+          <a:p>
+            <a:r>
+              <a:rPr lang="en-US" sz="1400" dirty="0"/>
+              <a:t>Part-time:</a:t>
+            </a:r>
+          </a:p>
+          <a:p>
+            <a:pPr marL="285750" indent="-285750">
+              <a:buFont typeface="Arial" panose="020B0604020202020204" pitchFamily="34" charset="0"/>
+              <a:buChar char="•"/>
+            </a:pPr>
+            <a:r>
+              <a:rPr lang="en-US" sz="1400" dirty="0"/>
+              <a:t>1 14,400 lbs. in either Area II or NY Bight</a:t>
+            </a:r>
+          </a:p>
+          <a:p>
+            <a:pPr marL="285750" indent="-285750">
+              <a:buFont typeface="Arial" panose="020B0604020202020204" pitchFamily="34" charset="0"/>
+              <a:buChar char="•"/>
+            </a:pPr>
+            <a:r>
+              <a:rPr lang="en-US" sz="1400" dirty="0"/>
+              <a:t>8 open area DAS (always 40% of full-time)</a:t>
+            </a:r>
+          </a:p>
+          <a:p>
+            <a:r>
+              <a:rPr lang="en-US" sz="1400" dirty="0"/>
+              <a:t>Occasional</a:t>
+            </a:r>
+          </a:p>
+          <a:p>
+            <a:r>
+              <a:rPr lang="en-US" sz="1400" dirty="0"/>
+              <a:t>1.67 open area DAS (always 8.33% of full-time)</a:t>
+            </a:r>
+          </a:p>
+          <a:p>
+            <a:endParaRPr lang="en-US" sz="1400" dirty="0"/>
+          </a:p>
+        </p:txBody>
+      </p:sp>
+      <p:sp>
+        <p:nvSpPr>
+          <p:cNvPr id="6" name="TextBox 5">
+            <a:extLst>
+              <a:ext uri="{FF2B5EF4-FFF2-40B4-BE49-F238E27FC236}">
+                <a16:creationId xmlns:a16="http://schemas.microsoft.com/office/drawing/2014/main" id="{E5DE7574-E92A-B4AD-005F-789C304FA46F}"/>
+              </a:ext>
+            </a:extLst>
+          </p:cNvPr>
+          <p:cNvSpPr txBox="1"/>
+          <p:nvPr/>
+        </p:nvSpPr>
+        <p:spPr>
+          <a:xfrm>
+            <a:off x="11125196" y="3826531"/>
+            <a:ext cx="1231903" cy="1323439"/>
+          </a:xfrm>
+          <a:prstGeom prst="rect">
+            <a:avLst/>
+          </a:prstGeom>
+          <a:noFill/>
+        </p:spPr>
+        <p:txBody>
+          <a:bodyPr wrap="square" rtlCol="0">
+            <a:spAutoFit/>
+          </a:bodyPr>
+          <a:lstStyle/>
+          <a:p>
+            <a:r>
+              <a:rPr lang="en-US" sz="1600" dirty="0"/>
+              <a:t>856 access area trips across Area I, Area II, &amp; NY Bight</a:t>
+            </a:r>
+          </a:p>
+        </p:txBody>
+      </p:sp>
+      <p:sp>
+        <p:nvSpPr>
+          <p:cNvPr id="9" name="Rectangle 8">
+            <a:extLst>
+              <a:ext uri="{FF2B5EF4-FFF2-40B4-BE49-F238E27FC236}">
+                <a16:creationId xmlns:a16="http://schemas.microsoft.com/office/drawing/2014/main" id="{C3FC4416-2360-85F0-9FF2-89A56131610B}"/>
+              </a:ext>
+            </a:extLst>
+          </p:cNvPr>
+          <p:cNvSpPr/>
+          <p:nvPr/>
+        </p:nvSpPr>
+        <p:spPr>
+          <a:xfrm>
+            <a:off x="9124793" y="4776632"/>
+            <a:ext cx="1013370" cy="378113"/>
+          </a:xfrm>
+          <a:prstGeom prst="rect">
+            <a:avLst/>
+          </a:prstGeom>
+          <a:solidFill>
+            <a:schemeClr val="accent6"/>
+          </a:solidFill>
+          <a:ln>
+            <a:noFill/>
+          </a:ln>
+        </p:spPr>
+        <p:style>
+          <a:lnRef idx="2">
+            <a:schemeClr val="accent1">
+              <a:shade val="15000"/>
+            </a:schemeClr>
+          </a:lnRef>
+          <a:fillRef idx="1">
+            <a:schemeClr val="accent1"/>
+          </a:fillRef>
+          <a:effectRef idx="0">
+            <a:schemeClr val="accent1"/>
+          </a:effectRef>
+          <a:fontRef idx="minor">
+            <a:schemeClr val="lt1"/>
+          </a:fontRef>
+        </p:style>
+        <p:txBody>
+          <a:bodyPr rtlCol="0" anchor="ctr"/>
+          <a:lstStyle/>
+          <a:p>
+            <a:pPr algn="ctr"/>
+            <a:r>
+              <a:rPr lang="en-US" sz="1200" dirty="0"/>
+              <a:t>Access area allocations</a:t>
+            </a:r>
+          </a:p>
+        </p:txBody>
+      </p:sp>
+      <p:sp>
+        <p:nvSpPr>
+          <p:cNvPr id="11" name="Rectangle 10">
+            <a:extLst>
+              <a:ext uri="{FF2B5EF4-FFF2-40B4-BE49-F238E27FC236}">
+                <a16:creationId xmlns:a16="http://schemas.microsoft.com/office/drawing/2014/main" id="{A7DD4238-246F-BCCF-47E4-F8C552D65296}"/>
+              </a:ext>
+            </a:extLst>
+          </p:cNvPr>
+          <p:cNvSpPr/>
+          <p:nvPr/>
+        </p:nvSpPr>
+        <p:spPr>
+          <a:xfrm>
+            <a:off x="10139537" y="4767385"/>
+            <a:ext cx="1013370" cy="378113"/>
+          </a:xfrm>
+          <a:prstGeom prst="rect">
+            <a:avLst/>
+          </a:prstGeom>
+          <a:solidFill>
+            <a:srgbClr val="D883FF"/>
+          </a:solidFill>
+          <a:ln>
+            <a:noFill/>
+          </a:ln>
+        </p:spPr>
+        <p:style>
+          <a:lnRef idx="2">
+            <a:schemeClr val="accent1">
+              <a:shade val="15000"/>
+            </a:schemeClr>
+          </a:lnRef>
+          <a:fillRef idx="1">
+            <a:schemeClr val="accent1"/>
+          </a:fillRef>
+          <a:effectRef idx="0">
+            <a:schemeClr val="accent1"/>
+          </a:effectRef>
+          <a:fontRef idx="minor">
+            <a:schemeClr val="lt1"/>
+          </a:fontRef>
+        </p:style>
+        <p:txBody>
+          <a:bodyPr rtlCol="0" anchor="ctr"/>
+          <a:lstStyle/>
+          <a:p>
+            <a:pPr algn="ctr"/>
+            <a:r>
+              <a:rPr lang="en-US" sz="1200" dirty="0"/>
+              <a:t>Days at Sea</a:t>
+            </a:r>
           </a:p>
         </p:txBody>
       </p:sp>

--- a/figures/flow_charts.pptx
+++ b/figures/flow_charts.pptx
@@ -26963,7 +26963,7 @@
           <a:p>
             <a:fld id="{7FCD9E77-C000-8647-A168-CF67FEF06FB1}" type="datetimeFigureOut">
               <a:rPr lang="en-US" smtClean="0"/>
-              <a:t>3/24/24</a:t>
+              <a:t>3/25/24</a:t>
             </a:fld>
             <a:endParaRPr lang="en-US"/>
           </a:p>
@@ -27161,7 +27161,7 @@
           <a:p>
             <a:fld id="{7FCD9E77-C000-8647-A168-CF67FEF06FB1}" type="datetimeFigureOut">
               <a:rPr lang="en-US" smtClean="0"/>
-              <a:t>3/24/24</a:t>
+              <a:t>3/25/24</a:t>
             </a:fld>
             <a:endParaRPr lang="en-US"/>
           </a:p>
@@ -27369,7 +27369,7 @@
           <a:p>
             <a:fld id="{7FCD9E77-C000-8647-A168-CF67FEF06FB1}" type="datetimeFigureOut">
               <a:rPr lang="en-US" smtClean="0"/>
-              <a:t>3/24/24</a:t>
+              <a:t>3/25/24</a:t>
             </a:fld>
             <a:endParaRPr lang="en-US"/>
           </a:p>
@@ -27567,7 +27567,7 @@
           <a:p>
             <a:fld id="{7FCD9E77-C000-8647-A168-CF67FEF06FB1}" type="datetimeFigureOut">
               <a:rPr lang="en-US" smtClean="0"/>
-              <a:t>3/24/24</a:t>
+              <a:t>3/25/24</a:t>
             </a:fld>
             <a:endParaRPr lang="en-US"/>
           </a:p>
@@ -27842,7 +27842,7 @@
           <a:p>
             <a:fld id="{7FCD9E77-C000-8647-A168-CF67FEF06FB1}" type="datetimeFigureOut">
               <a:rPr lang="en-US" smtClean="0"/>
-              <a:t>3/24/24</a:t>
+              <a:t>3/25/24</a:t>
             </a:fld>
             <a:endParaRPr lang="en-US"/>
           </a:p>
@@ -28107,7 +28107,7 @@
           <a:p>
             <a:fld id="{7FCD9E77-C000-8647-A168-CF67FEF06FB1}" type="datetimeFigureOut">
               <a:rPr lang="en-US" smtClean="0"/>
-              <a:t>3/24/24</a:t>
+              <a:t>3/25/24</a:t>
             </a:fld>
             <a:endParaRPr lang="en-US"/>
           </a:p>
@@ -28519,7 +28519,7 @@
           <a:p>
             <a:fld id="{7FCD9E77-C000-8647-A168-CF67FEF06FB1}" type="datetimeFigureOut">
               <a:rPr lang="en-US" smtClean="0"/>
-              <a:t>3/24/24</a:t>
+              <a:t>3/25/24</a:t>
             </a:fld>
             <a:endParaRPr lang="en-US"/>
           </a:p>
@@ -28660,7 +28660,7 @@
           <a:p>
             <a:fld id="{7FCD9E77-C000-8647-A168-CF67FEF06FB1}" type="datetimeFigureOut">
               <a:rPr lang="en-US" smtClean="0"/>
-              <a:t>3/24/24</a:t>
+              <a:t>3/25/24</a:t>
             </a:fld>
             <a:endParaRPr lang="en-US"/>
           </a:p>
@@ -28773,7 +28773,7 @@
           <a:p>
             <a:fld id="{7FCD9E77-C000-8647-A168-CF67FEF06FB1}" type="datetimeFigureOut">
               <a:rPr lang="en-US" smtClean="0"/>
-              <a:t>3/24/24</a:t>
+              <a:t>3/25/24</a:t>
             </a:fld>
             <a:endParaRPr lang="en-US"/>
           </a:p>
@@ -29084,7 +29084,7 @@
           <a:p>
             <a:fld id="{7FCD9E77-C000-8647-A168-CF67FEF06FB1}" type="datetimeFigureOut">
               <a:rPr lang="en-US" smtClean="0"/>
-              <a:t>3/24/24</a:t>
+              <a:t>3/25/24</a:t>
             </a:fld>
             <a:endParaRPr lang="en-US"/>
           </a:p>
@@ -29372,7 +29372,7 @@
           <a:p>
             <a:fld id="{7FCD9E77-C000-8647-A168-CF67FEF06FB1}" type="datetimeFigureOut">
               <a:rPr lang="en-US" smtClean="0"/>
-              <a:t>3/24/24</a:t>
+              <a:t>3/25/24</a:t>
             </a:fld>
             <a:endParaRPr lang="en-US"/>
           </a:p>
@@ -29613,7 +29613,7 @@
           <a:p>
             <a:fld id="{7FCD9E77-C000-8647-A168-CF67FEF06FB1}" type="datetimeFigureOut">
               <a:rPr lang="en-US" smtClean="0"/>
-              <a:t>3/24/24</a:t>
+              <a:t>3/25/24</a:t>
             </a:fld>
             <a:endParaRPr lang="en-US"/>
           </a:p>
@@ -30654,7 +30654,7 @@
         </p:nvSpPr>
         <p:spPr>
           <a:xfrm>
-            <a:off x="10344724" y="4206448"/>
+            <a:off x="12259338" y="3835380"/>
             <a:ext cx="1914615" cy="1200329"/>
           </a:xfrm>
           <a:prstGeom prst="rect">

--- a/figures/flow_charts.pptx
+++ b/figures/flow_charts.pptx
@@ -7,6 +7,7 @@
   <p:sldIdLst>
     <p:sldId id="256" r:id="rId2"/>
     <p:sldId id="257" r:id="rId3"/>
+    <p:sldId id="258" r:id="rId4"/>
   </p:sldIdLst>
   <p:sldSz cx="12192000" cy="6858000"/>
   <p:notesSz cx="6858000" cy="9144000"/>
@@ -861,6 +862,753 @@
 </file>
 
 <file path=ppt/diagrams/colors2.xml><?xml version="1.0" encoding="utf-8"?>
+<dgm:colorsDef xmlns:dgm="http://schemas.openxmlformats.org/drawingml/2006/diagram" xmlns:a="http://schemas.openxmlformats.org/drawingml/2006/main" uniqueId="urn:microsoft.com/office/officeart/2005/8/colors/accent1_2">
+  <dgm:title val=""/>
+  <dgm:desc val=""/>
+  <dgm:catLst>
+    <dgm:cat type="accent1" pri="11200"/>
+  </dgm:catLst>
+  <dgm:styleLbl name="node0">
+    <dgm:fillClrLst meth="repeat">
+      <a:schemeClr val="accent1"/>
+    </dgm:fillClrLst>
+    <dgm:linClrLst meth="repeat">
+      <a:schemeClr val="lt1"/>
+    </dgm:linClrLst>
+    <dgm:effectClrLst/>
+    <dgm:txLinClrLst/>
+    <dgm:txFillClrLst/>
+    <dgm:txEffectClrLst/>
+  </dgm:styleLbl>
+  <dgm:styleLbl name="alignNode1">
+    <dgm:fillClrLst meth="repeat">
+      <a:schemeClr val="accent1"/>
+    </dgm:fillClrLst>
+    <dgm:linClrLst meth="repeat">
+      <a:schemeClr val="accent1"/>
+    </dgm:linClrLst>
+    <dgm:effectClrLst/>
+    <dgm:txLinClrLst/>
+    <dgm:txFillClrLst/>
+    <dgm:txEffectClrLst/>
+  </dgm:styleLbl>
+  <dgm:styleLbl name="node1">
+    <dgm:fillClrLst meth="repeat">
+      <a:schemeClr val="accent1"/>
+    </dgm:fillClrLst>
+    <dgm:linClrLst meth="repeat">
+      <a:schemeClr val="lt1"/>
+    </dgm:linClrLst>
+    <dgm:effectClrLst/>
+    <dgm:txLinClrLst/>
+    <dgm:txFillClrLst/>
+    <dgm:txEffectClrLst/>
+  </dgm:styleLbl>
+  <dgm:styleLbl name="lnNode1">
+    <dgm:fillClrLst meth="repeat">
+      <a:schemeClr val="accent1"/>
+    </dgm:fillClrLst>
+    <dgm:linClrLst meth="repeat">
+      <a:schemeClr val="lt1"/>
+    </dgm:linClrLst>
+    <dgm:effectClrLst/>
+    <dgm:txLinClrLst/>
+    <dgm:txFillClrLst/>
+    <dgm:txEffectClrLst/>
+  </dgm:styleLbl>
+  <dgm:styleLbl name="vennNode1">
+    <dgm:fillClrLst meth="repeat">
+      <a:schemeClr val="accent1">
+        <a:alpha val="50000"/>
+      </a:schemeClr>
+    </dgm:fillClrLst>
+    <dgm:linClrLst meth="repeat">
+      <a:schemeClr val="lt1"/>
+    </dgm:linClrLst>
+    <dgm:effectClrLst/>
+    <dgm:txLinClrLst/>
+    <dgm:txFillClrLst/>
+    <dgm:txEffectClrLst/>
+  </dgm:styleLbl>
+  <dgm:styleLbl name="node2">
+    <dgm:fillClrLst meth="repeat">
+      <a:schemeClr val="accent1"/>
+    </dgm:fillClrLst>
+    <dgm:linClrLst meth="repeat">
+      <a:schemeClr val="lt1"/>
+    </dgm:linClrLst>
+    <dgm:effectClrLst/>
+    <dgm:txLinClrLst/>
+    <dgm:txFillClrLst/>
+    <dgm:txEffectClrLst/>
+  </dgm:styleLbl>
+  <dgm:styleLbl name="node3">
+    <dgm:fillClrLst meth="repeat">
+      <a:schemeClr val="accent1"/>
+    </dgm:fillClrLst>
+    <dgm:linClrLst meth="repeat">
+      <a:schemeClr val="lt1"/>
+    </dgm:linClrLst>
+    <dgm:effectClrLst/>
+    <dgm:txLinClrLst/>
+    <dgm:txFillClrLst/>
+    <dgm:txEffectClrLst/>
+  </dgm:styleLbl>
+  <dgm:styleLbl name="node4">
+    <dgm:fillClrLst meth="repeat">
+      <a:schemeClr val="accent1"/>
+    </dgm:fillClrLst>
+    <dgm:linClrLst meth="repeat">
+      <a:schemeClr val="lt1"/>
+    </dgm:linClrLst>
+    <dgm:effectClrLst/>
+    <dgm:txLinClrLst/>
+    <dgm:txFillClrLst/>
+    <dgm:txEffectClrLst/>
+  </dgm:styleLbl>
+  <dgm:styleLbl name="fgImgPlace1">
+    <dgm:fillClrLst meth="repeat">
+      <a:schemeClr val="accent1">
+        <a:tint val="50000"/>
+      </a:schemeClr>
+    </dgm:fillClrLst>
+    <dgm:linClrLst meth="repeat">
+      <a:schemeClr val="lt1"/>
+    </dgm:linClrLst>
+    <dgm:effectClrLst/>
+    <dgm:txLinClrLst/>
+    <dgm:txFillClrLst meth="repeat">
+      <a:schemeClr val="lt1"/>
+    </dgm:txFillClrLst>
+    <dgm:txEffectClrLst/>
+  </dgm:styleLbl>
+  <dgm:styleLbl name="alignImgPlace1">
+    <dgm:fillClrLst meth="repeat">
+      <a:schemeClr val="accent1">
+        <a:tint val="50000"/>
+      </a:schemeClr>
+    </dgm:fillClrLst>
+    <dgm:linClrLst meth="repeat">
+      <a:schemeClr val="lt1"/>
+    </dgm:linClrLst>
+    <dgm:effectClrLst/>
+    <dgm:txLinClrLst/>
+    <dgm:txFillClrLst meth="repeat">
+      <a:schemeClr val="lt1"/>
+    </dgm:txFillClrLst>
+    <dgm:txEffectClrLst/>
+  </dgm:styleLbl>
+  <dgm:styleLbl name="bgImgPlace1">
+    <dgm:fillClrLst meth="repeat">
+      <a:schemeClr val="accent1">
+        <a:tint val="50000"/>
+      </a:schemeClr>
+    </dgm:fillClrLst>
+    <dgm:linClrLst meth="repeat">
+      <a:schemeClr val="lt1"/>
+    </dgm:linClrLst>
+    <dgm:effectClrLst/>
+    <dgm:txLinClrLst/>
+    <dgm:txFillClrLst meth="repeat">
+      <a:schemeClr val="lt1"/>
+    </dgm:txFillClrLst>
+    <dgm:txEffectClrLst/>
+  </dgm:styleLbl>
+  <dgm:styleLbl name="sibTrans2D1">
+    <dgm:fillClrLst meth="repeat">
+      <a:schemeClr val="accent1">
+        <a:tint val="60000"/>
+      </a:schemeClr>
+    </dgm:fillClrLst>
+    <dgm:linClrLst meth="repeat">
+      <a:schemeClr val="accent1">
+        <a:tint val="60000"/>
+      </a:schemeClr>
+    </dgm:linClrLst>
+    <dgm:effectClrLst/>
+    <dgm:txLinClrLst/>
+    <dgm:txFillClrLst/>
+    <dgm:txEffectClrLst/>
+  </dgm:styleLbl>
+  <dgm:styleLbl name="fgSibTrans2D1">
+    <dgm:fillClrLst meth="repeat">
+      <a:schemeClr val="accent1">
+        <a:tint val="60000"/>
+      </a:schemeClr>
+    </dgm:fillClrLst>
+    <dgm:linClrLst meth="repeat">
+      <a:schemeClr val="accent1">
+        <a:tint val="60000"/>
+      </a:schemeClr>
+    </dgm:linClrLst>
+    <dgm:effectClrLst/>
+    <dgm:txLinClrLst/>
+    <dgm:txFillClrLst/>
+    <dgm:txEffectClrLst/>
+  </dgm:styleLbl>
+  <dgm:styleLbl name="bgSibTrans2D1">
+    <dgm:fillClrLst meth="repeat">
+      <a:schemeClr val="accent1">
+        <a:tint val="60000"/>
+      </a:schemeClr>
+    </dgm:fillClrLst>
+    <dgm:linClrLst meth="repeat">
+      <a:schemeClr val="accent1">
+        <a:tint val="60000"/>
+      </a:schemeClr>
+    </dgm:linClrLst>
+    <dgm:effectClrLst/>
+    <dgm:txLinClrLst/>
+    <dgm:txFillClrLst/>
+    <dgm:txEffectClrLst/>
+  </dgm:styleLbl>
+  <dgm:styleLbl name="sibTrans1D1">
+    <dgm:fillClrLst meth="repeat">
+      <a:schemeClr val="accent1"/>
+    </dgm:fillClrLst>
+    <dgm:linClrLst meth="repeat">
+      <a:schemeClr val="accent1"/>
+    </dgm:linClrLst>
+    <dgm:effectClrLst/>
+    <dgm:txLinClrLst/>
+    <dgm:txFillClrLst meth="repeat">
+      <a:schemeClr val="tx1"/>
+    </dgm:txFillClrLst>
+    <dgm:txEffectClrLst/>
+  </dgm:styleLbl>
+  <dgm:styleLbl name="callout">
+    <dgm:fillClrLst meth="repeat">
+      <a:schemeClr val="accent1"/>
+    </dgm:fillClrLst>
+    <dgm:linClrLst meth="repeat">
+      <a:schemeClr val="accent1">
+        <a:tint val="50000"/>
+      </a:schemeClr>
+    </dgm:linClrLst>
+    <dgm:effectClrLst/>
+    <dgm:txLinClrLst/>
+    <dgm:txFillClrLst meth="repeat">
+      <a:schemeClr val="tx1"/>
+    </dgm:txFillClrLst>
+    <dgm:txEffectClrLst/>
+  </dgm:styleLbl>
+  <dgm:styleLbl name="asst0">
+    <dgm:fillClrLst meth="repeat">
+      <a:schemeClr val="accent1"/>
+    </dgm:fillClrLst>
+    <dgm:linClrLst meth="repeat">
+      <a:schemeClr val="lt1"/>
+    </dgm:linClrLst>
+    <dgm:effectClrLst/>
+    <dgm:txLinClrLst/>
+    <dgm:txFillClrLst/>
+    <dgm:txEffectClrLst/>
+  </dgm:styleLbl>
+  <dgm:styleLbl name="asst1">
+    <dgm:fillClrLst meth="repeat">
+      <a:schemeClr val="accent1"/>
+    </dgm:fillClrLst>
+    <dgm:linClrLst meth="repeat">
+      <a:schemeClr val="lt1"/>
+    </dgm:linClrLst>
+    <dgm:effectClrLst/>
+    <dgm:txLinClrLst/>
+    <dgm:txFillClrLst/>
+    <dgm:txEffectClrLst/>
+  </dgm:styleLbl>
+  <dgm:styleLbl name="asst2">
+    <dgm:fillClrLst meth="repeat">
+      <a:schemeClr val="accent1"/>
+    </dgm:fillClrLst>
+    <dgm:linClrLst meth="repeat">
+      <a:schemeClr val="lt1"/>
+    </dgm:linClrLst>
+    <dgm:effectClrLst/>
+    <dgm:txLinClrLst/>
+    <dgm:txFillClrLst/>
+    <dgm:txEffectClrLst/>
+  </dgm:styleLbl>
+  <dgm:styleLbl name="asst3">
+    <dgm:fillClrLst meth="repeat">
+      <a:schemeClr val="accent1"/>
+    </dgm:fillClrLst>
+    <dgm:linClrLst meth="repeat">
+      <a:schemeClr val="lt1"/>
+    </dgm:linClrLst>
+    <dgm:effectClrLst/>
+    <dgm:txLinClrLst/>
+    <dgm:txFillClrLst/>
+    <dgm:txEffectClrLst/>
+  </dgm:styleLbl>
+  <dgm:styleLbl name="asst4">
+    <dgm:fillClrLst meth="repeat">
+      <a:schemeClr val="accent1"/>
+    </dgm:fillClrLst>
+    <dgm:linClrLst meth="repeat">
+      <a:schemeClr val="lt1"/>
+    </dgm:linClrLst>
+    <dgm:effectClrLst/>
+    <dgm:txLinClrLst/>
+    <dgm:txFillClrLst/>
+    <dgm:txEffectClrLst/>
+  </dgm:styleLbl>
+  <dgm:styleLbl name="parChTrans2D1">
+    <dgm:fillClrLst meth="repeat">
+      <a:schemeClr val="accent1">
+        <a:tint val="60000"/>
+      </a:schemeClr>
+    </dgm:fillClrLst>
+    <dgm:linClrLst meth="repeat">
+      <a:schemeClr val="accent1">
+        <a:tint val="60000"/>
+      </a:schemeClr>
+    </dgm:linClrLst>
+    <dgm:effectClrLst/>
+    <dgm:txLinClrLst/>
+    <dgm:txFillClrLst meth="repeat">
+      <a:schemeClr val="lt1"/>
+    </dgm:txFillClrLst>
+    <dgm:txEffectClrLst/>
+  </dgm:styleLbl>
+  <dgm:styleLbl name="parChTrans2D2">
+    <dgm:fillClrLst meth="repeat">
+      <a:schemeClr val="accent1"/>
+    </dgm:fillClrLst>
+    <dgm:linClrLst meth="repeat">
+      <a:schemeClr val="accent1"/>
+    </dgm:linClrLst>
+    <dgm:effectClrLst/>
+    <dgm:txLinClrLst/>
+    <dgm:txFillClrLst meth="repeat">
+      <a:schemeClr val="lt1"/>
+    </dgm:txFillClrLst>
+    <dgm:txEffectClrLst/>
+  </dgm:styleLbl>
+  <dgm:styleLbl name="parChTrans2D3">
+    <dgm:fillClrLst meth="repeat">
+      <a:schemeClr val="accent1"/>
+    </dgm:fillClrLst>
+    <dgm:linClrLst meth="repeat">
+      <a:schemeClr val="accent1"/>
+    </dgm:linClrLst>
+    <dgm:effectClrLst/>
+    <dgm:txLinClrLst/>
+    <dgm:txFillClrLst meth="repeat">
+      <a:schemeClr val="lt1"/>
+    </dgm:txFillClrLst>
+    <dgm:txEffectClrLst/>
+  </dgm:styleLbl>
+  <dgm:styleLbl name="parChTrans2D4">
+    <dgm:fillClrLst meth="repeat">
+      <a:schemeClr val="accent1"/>
+    </dgm:fillClrLst>
+    <dgm:linClrLst meth="repeat">
+      <a:schemeClr val="accent1"/>
+    </dgm:linClrLst>
+    <dgm:effectClrLst/>
+    <dgm:txLinClrLst/>
+    <dgm:txFillClrLst meth="repeat">
+      <a:schemeClr val="lt1"/>
+    </dgm:txFillClrLst>
+    <dgm:txEffectClrLst/>
+  </dgm:styleLbl>
+  <dgm:styleLbl name="parChTrans1D1">
+    <dgm:fillClrLst meth="repeat">
+      <a:schemeClr val="accent1"/>
+    </dgm:fillClrLst>
+    <dgm:linClrLst meth="repeat">
+      <a:schemeClr val="accent1">
+        <a:shade val="60000"/>
+      </a:schemeClr>
+    </dgm:linClrLst>
+    <dgm:effectClrLst/>
+    <dgm:txLinClrLst/>
+    <dgm:txFillClrLst meth="repeat">
+      <a:schemeClr val="tx1"/>
+    </dgm:txFillClrLst>
+    <dgm:txEffectClrLst/>
+  </dgm:styleLbl>
+  <dgm:styleLbl name="parChTrans1D2">
+    <dgm:fillClrLst meth="repeat">
+      <a:schemeClr val="accent1"/>
+    </dgm:fillClrLst>
+    <dgm:linClrLst meth="repeat">
+      <a:schemeClr val="accent1">
+        <a:shade val="60000"/>
+      </a:schemeClr>
+    </dgm:linClrLst>
+    <dgm:effectClrLst/>
+    <dgm:txLinClrLst/>
+    <dgm:txFillClrLst meth="repeat">
+      <a:schemeClr val="tx1"/>
+    </dgm:txFillClrLst>
+    <dgm:txEffectClrLst/>
+  </dgm:styleLbl>
+  <dgm:styleLbl name="parChTrans1D3">
+    <dgm:fillClrLst meth="repeat">
+      <a:schemeClr val="accent1"/>
+    </dgm:fillClrLst>
+    <dgm:linClrLst meth="repeat">
+      <a:schemeClr val="accent1">
+        <a:shade val="80000"/>
+      </a:schemeClr>
+    </dgm:linClrLst>
+    <dgm:effectClrLst/>
+    <dgm:txLinClrLst/>
+    <dgm:txFillClrLst meth="repeat">
+      <a:schemeClr val="tx1"/>
+    </dgm:txFillClrLst>
+    <dgm:txEffectClrLst/>
+  </dgm:styleLbl>
+  <dgm:styleLbl name="parChTrans1D4">
+    <dgm:fillClrLst meth="repeat">
+      <a:schemeClr val="accent1"/>
+    </dgm:fillClrLst>
+    <dgm:linClrLst meth="repeat">
+      <a:schemeClr val="accent1">
+        <a:shade val="80000"/>
+      </a:schemeClr>
+    </dgm:linClrLst>
+    <dgm:effectClrLst/>
+    <dgm:txLinClrLst/>
+    <dgm:txFillClrLst meth="repeat">
+      <a:schemeClr val="tx1"/>
+    </dgm:txFillClrLst>
+    <dgm:txEffectClrLst/>
+  </dgm:styleLbl>
+  <dgm:styleLbl name="fgAcc1">
+    <dgm:fillClrLst meth="repeat">
+      <a:schemeClr val="lt1">
+        <a:alpha val="90000"/>
+      </a:schemeClr>
+    </dgm:fillClrLst>
+    <dgm:linClrLst meth="repeat">
+      <a:schemeClr val="accent1"/>
+    </dgm:linClrLst>
+    <dgm:effectClrLst/>
+    <dgm:txLinClrLst/>
+    <dgm:txFillClrLst meth="repeat">
+      <a:schemeClr val="dk1"/>
+    </dgm:txFillClrLst>
+    <dgm:txEffectClrLst/>
+  </dgm:styleLbl>
+  <dgm:styleLbl name="conFgAcc1">
+    <dgm:fillClrLst meth="repeat">
+      <a:schemeClr val="lt1">
+        <a:alpha val="90000"/>
+      </a:schemeClr>
+    </dgm:fillClrLst>
+    <dgm:linClrLst meth="repeat">
+      <a:schemeClr val="accent1"/>
+    </dgm:linClrLst>
+    <dgm:effectClrLst/>
+    <dgm:txLinClrLst/>
+    <dgm:txFillClrLst meth="repeat">
+      <a:schemeClr val="dk1"/>
+    </dgm:txFillClrLst>
+    <dgm:txEffectClrLst/>
+  </dgm:styleLbl>
+  <dgm:styleLbl name="alignAcc1">
+    <dgm:fillClrLst meth="repeat">
+      <a:schemeClr val="lt1">
+        <a:alpha val="90000"/>
+      </a:schemeClr>
+    </dgm:fillClrLst>
+    <dgm:linClrLst meth="repeat">
+      <a:schemeClr val="accent1"/>
+    </dgm:linClrLst>
+    <dgm:effectClrLst/>
+    <dgm:txLinClrLst/>
+    <dgm:txFillClrLst meth="repeat">
+      <a:schemeClr val="dk1"/>
+    </dgm:txFillClrLst>
+    <dgm:txEffectClrLst/>
+  </dgm:styleLbl>
+  <dgm:styleLbl name="trAlignAcc1">
+    <dgm:fillClrLst meth="repeat">
+      <a:schemeClr val="lt1">
+        <a:alpha val="40000"/>
+      </a:schemeClr>
+    </dgm:fillClrLst>
+    <dgm:linClrLst meth="repeat">
+      <a:schemeClr val="accent1"/>
+    </dgm:linClrLst>
+    <dgm:effectClrLst/>
+    <dgm:txLinClrLst/>
+    <dgm:txFillClrLst meth="repeat">
+      <a:schemeClr val="dk1"/>
+    </dgm:txFillClrLst>
+    <dgm:txEffectClrLst/>
+  </dgm:styleLbl>
+  <dgm:styleLbl name="bgAcc1">
+    <dgm:fillClrLst meth="repeat">
+      <a:schemeClr val="lt1">
+        <a:alpha val="90000"/>
+      </a:schemeClr>
+    </dgm:fillClrLst>
+    <dgm:linClrLst meth="repeat">
+      <a:schemeClr val="accent1"/>
+    </dgm:linClrLst>
+    <dgm:effectClrLst/>
+    <dgm:txLinClrLst/>
+    <dgm:txFillClrLst meth="repeat">
+      <a:schemeClr val="dk1"/>
+    </dgm:txFillClrLst>
+    <dgm:txEffectClrLst/>
+  </dgm:styleLbl>
+  <dgm:styleLbl name="solidFgAcc1">
+    <dgm:fillClrLst meth="repeat">
+      <a:schemeClr val="lt1"/>
+    </dgm:fillClrLst>
+    <dgm:linClrLst meth="repeat">
+      <a:schemeClr val="accent1"/>
+    </dgm:linClrLst>
+    <dgm:effectClrLst/>
+    <dgm:txLinClrLst/>
+    <dgm:txFillClrLst meth="repeat">
+      <a:schemeClr val="dk1"/>
+    </dgm:txFillClrLst>
+    <dgm:txEffectClrLst/>
+  </dgm:styleLbl>
+  <dgm:styleLbl name="solidAlignAcc1">
+    <dgm:fillClrLst meth="repeat">
+      <a:schemeClr val="lt1"/>
+    </dgm:fillClrLst>
+    <dgm:linClrLst meth="repeat">
+      <a:schemeClr val="accent1"/>
+    </dgm:linClrLst>
+    <dgm:effectClrLst/>
+    <dgm:txLinClrLst/>
+    <dgm:txFillClrLst meth="repeat">
+      <a:schemeClr val="dk1"/>
+    </dgm:txFillClrLst>
+    <dgm:txEffectClrLst/>
+  </dgm:styleLbl>
+  <dgm:styleLbl name="solidBgAcc1">
+    <dgm:fillClrLst meth="repeat">
+      <a:schemeClr val="lt1"/>
+    </dgm:fillClrLst>
+    <dgm:linClrLst meth="repeat">
+      <a:schemeClr val="accent1"/>
+    </dgm:linClrLst>
+    <dgm:effectClrLst/>
+    <dgm:txLinClrLst/>
+    <dgm:txFillClrLst meth="repeat">
+      <a:schemeClr val="dk1"/>
+    </dgm:txFillClrLst>
+    <dgm:txEffectClrLst/>
+  </dgm:styleLbl>
+  <dgm:styleLbl name="fgAccFollowNode1">
+    <dgm:fillClrLst meth="repeat">
+      <a:schemeClr val="accent1">
+        <a:alpha val="90000"/>
+        <a:tint val="40000"/>
+      </a:schemeClr>
+    </dgm:fillClrLst>
+    <dgm:linClrLst meth="repeat">
+      <a:schemeClr val="accent1">
+        <a:alpha val="90000"/>
+        <a:tint val="40000"/>
+      </a:schemeClr>
+    </dgm:linClrLst>
+    <dgm:effectClrLst/>
+    <dgm:txLinClrLst/>
+    <dgm:txFillClrLst meth="repeat">
+      <a:schemeClr val="dk1"/>
+    </dgm:txFillClrLst>
+    <dgm:txEffectClrLst/>
+  </dgm:styleLbl>
+  <dgm:styleLbl name="alignAccFollowNode1">
+    <dgm:fillClrLst meth="repeat">
+      <a:schemeClr val="accent1">
+        <a:alpha val="90000"/>
+        <a:tint val="40000"/>
+      </a:schemeClr>
+    </dgm:fillClrLst>
+    <dgm:linClrLst meth="repeat">
+      <a:schemeClr val="accent1">
+        <a:alpha val="90000"/>
+        <a:tint val="40000"/>
+      </a:schemeClr>
+    </dgm:linClrLst>
+    <dgm:effectClrLst/>
+    <dgm:txLinClrLst/>
+    <dgm:txFillClrLst meth="repeat">
+      <a:schemeClr val="dk1"/>
+    </dgm:txFillClrLst>
+    <dgm:txEffectClrLst/>
+  </dgm:styleLbl>
+  <dgm:styleLbl name="bgAccFollowNode1">
+    <dgm:fillClrLst meth="repeat">
+      <a:schemeClr val="accent1">
+        <a:alpha val="90000"/>
+        <a:tint val="40000"/>
+      </a:schemeClr>
+    </dgm:fillClrLst>
+    <dgm:linClrLst meth="repeat">
+      <a:schemeClr val="accent1">
+        <a:alpha val="90000"/>
+        <a:tint val="40000"/>
+      </a:schemeClr>
+    </dgm:linClrLst>
+    <dgm:effectClrLst/>
+    <dgm:txLinClrLst/>
+    <dgm:txFillClrLst meth="repeat">
+      <a:schemeClr val="dk1"/>
+    </dgm:txFillClrLst>
+    <dgm:txEffectClrLst/>
+  </dgm:styleLbl>
+  <dgm:styleLbl name="fgAcc0">
+    <dgm:fillClrLst meth="repeat">
+      <a:schemeClr val="lt1">
+        <a:alpha val="90000"/>
+      </a:schemeClr>
+    </dgm:fillClrLst>
+    <dgm:linClrLst meth="repeat">
+      <a:schemeClr val="accent1"/>
+    </dgm:linClrLst>
+    <dgm:effectClrLst/>
+    <dgm:txLinClrLst/>
+    <dgm:txFillClrLst meth="repeat">
+      <a:schemeClr val="dk1"/>
+    </dgm:txFillClrLst>
+    <dgm:txEffectClrLst/>
+  </dgm:styleLbl>
+  <dgm:styleLbl name="fgAcc2">
+    <dgm:fillClrLst meth="repeat">
+      <a:schemeClr val="lt1">
+        <a:alpha val="90000"/>
+      </a:schemeClr>
+    </dgm:fillClrLst>
+    <dgm:linClrLst meth="repeat">
+      <a:schemeClr val="accent1"/>
+    </dgm:linClrLst>
+    <dgm:effectClrLst/>
+    <dgm:txLinClrLst/>
+    <dgm:txFillClrLst meth="repeat">
+      <a:schemeClr val="dk1"/>
+    </dgm:txFillClrLst>
+    <dgm:txEffectClrLst/>
+  </dgm:styleLbl>
+  <dgm:styleLbl name="fgAcc3">
+    <dgm:fillClrLst meth="repeat">
+      <a:schemeClr val="lt1">
+        <a:alpha val="90000"/>
+      </a:schemeClr>
+    </dgm:fillClrLst>
+    <dgm:linClrLst meth="repeat">
+      <a:schemeClr val="accent1"/>
+    </dgm:linClrLst>
+    <dgm:effectClrLst/>
+    <dgm:txLinClrLst/>
+    <dgm:txFillClrLst meth="repeat">
+      <a:schemeClr val="dk1"/>
+    </dgm:txFillClrLst>
+    <dgm:txEffectClrLst/>
+  </dgm:styleLbl>
+  <dgm:styleLbl name="fgAcc4">
+    <dgm:fillClrLst meth="repeat">
+      <a:schemeClr val="lt1">
+        <a:alpha val="90000"/>
+      </a:schemeClr>
+    </dgm:fillClrLst>
+    <dgm:linClrLst meth="repeat">
+      <a:schemeClr val="accent1"/>
+    </dgm:linClrLst>
+    <dgm:effectClrLst/>
+    <dgm:txLinClrLst/>
+    <dgm:txFillClrLst meth="repeat">
+      <a:schemeClr val="dk1"/>
+    </dgm:txFillClrLst>
+    <dgm:txEffectClrLst/>
+  </dgm:styleLbl>
+  <dgm:styleLbl name="bgShp">
+    <dgm:fillClrLst meth="repeat">
+      <a:schemeClr val="accent1">
+        <a:tint val="40000"/>
+      </a:schemeClr>
+    </dgm:fillClrLst>
+    <dgm:linClrLst meth="repeat">
+      <a:schemeClr val="accent1"/>
+    </dgm:linClrLst>
+    <dgm:effectClrLst/>
+    <dgm:txLinClrLst/>
+    <dgm:txFillClrLst meth="repeat">
+      <a:schemeClr val="dk1"/>
+    </dgm:txFillClrLst>
+    <dgm:txEffectClrLst/>
+  </dgm:styleLbl>
+  <dgm:styleLbl name="dkBgShp">
+    <dgm:fillClrLst meth="repeat">
+      <a:schemeClr val="accent1">
+        <a:shade val="80000"/>
+      </a:schemeClr>
+    </dgm:fillClrLst>
+    <dgm:linClrLst meth="repeat">
+      <a:schemeClr val="accent1"/>
+    </dgm:linClrLst>
+    <dgm:effectClrLst/>
+    <dgm:txLinClrLst/>
+    <dgm:txFillClrLst meth="repeat">
+      <a:schemeClr val="lt1"/>
+    </dgm:txFillClrLst>
+    <dgm:txEffectClrLst/>
+  </dgm:styleLbl>
+  <dgm:styleLbl name="trBgShp">
+    <dgm:fillClrLst meth="repeat">
+      <a:schemeClr val="accent1">
+        <a:tint val="50000"/>
+        <a:alpha val="40000"/>
+      </a:schemeClr>
+    </dgm:fillClrLst>
+    <dgm:linClrLst meth="repeat">
+      <a:schemeClr val="accent1"/>
+    </dgm:linClrLst>
+    <dgm:effectClrLst/>
+    <dgm:txLinClrLst/>
+    <dgm:txFillClrLst meth="repeat">
+      <a:schemeClr val="lt1"/>
+    </dgm:txFillClrLst>
+    <dgm:txEffectClrLst/>
+  </dgm:styleLbl>
+  <dgm:styleLbl name="fgShp">
+    <dgm:fillClrLst meth="repeat">
+      <a:schemeClr val="accent1">
+        <a:tint val="60000"/>
+      </a:schemeClr>
+    </dgm:fillClrLst>
+    <dgm:linClrLst meth="repeat">
+      <a:schemeClr val="lt1"/>
+    </dgm:linClrLst>
+    <dgm:effectClrLst/>
+    <dgm:txLinClrLst/>
+    <dgm:txFillClrLst meth="repeat">
+      <a:schemeClr val="dk1"/>
+    </dgm:txFillClrLst>
+    <dgm:txEffectClrLst/>
+  </dgm:styleLbl>
+  <dgm:styleLbl name="revTx">
+    <dgm:fillClrLst meth="repeat">
+      <a:schemeClr val="lt1">
+        <a:alpha val="0"/>
+      </a:schemeClr>
+    </dgm:fillClrLst>
+    <dgm:linClrLst meth="repeat">
+      <a:schemeClr val="dk1">
+        <a:alpha val="0"/>
+      </a:schemeClr>
+    </dgm:linClrLst>
+    <dgm:effectClrLst/>
+    <dgm:txLinClrLst/>
+    <dgm:txFillClrLst meth="repeat">
+      <a:schemeClr val="tx1"/>
+    </dgm:txFillClrLst>
+    <dgm:txEffectClrLst/>
+  </dgm:styleLbl>
+</dgm:colorsDef>
+</file>
+
+<file path=ppt/diagrams/colors3.xml><?xml version="1.0" encoding="utf-8"?>
 <dgm:colorsDef xmlns:dgm="http://schemas.openxmlformats.org/drawingml/2006/diagram" xmlns:a="http://schemas.openxmlformats.org/drawingml/2006/main" uniqueId="urn:microsoft.com/office/officeart/2005/8/colors/accent1_2">
   <dgm:title val=""/>
   <dgm:desc val=""/>
@@ -3260,6 +4008,1363 @@
     <dgm:cxn modelId="{1EB3DB83-F0E2-754E-9044-BC7034AE9606}" type="presParOf" srcId="{E96F9590-96E3-A845-BDEC-DD270C570B9C}" destId="{8AD460FA-00F9-F948-95D8-72227144F42E}" srcOrd="2" destOrd="0" presId="urn:microsoft.com/office/officeart/2005/8/layout/orgChart1"/>
     <dgm:cxn modelId="{8B4161B0-0F2B-7B48-B3D0-D56A7B60F74F}" type="presParOf" srcId="{D933EB67-B5BF-F041-95F7-70641803076E}" destId="{D1B36D2A-033A-3947-8BF6-D1ACD296593A}" srcOrd="2" destOrd="0" presId="urn:microsoft.com/office/officeart/2005/8/layout/orgChart1"/>
     <dgm:cxn modelId="{FD0A4687-DFBA-8746-8D04-74C9CB58F785}" type="presParOf" srcId="{B2976406-1A78-E34F-BB05-D6917E5DCA3F}" destId="{8EC00019-ADF6-6F48-B854-62817677E67B}" srcOrd="2" destOrd="0" presId="urn:microsoft.com/office/officeart/2005/8/layout/orgChart1"/>
+  </dgm:cxnLst>
+  <dgm:bg/>
+  <dgm:whole/>
+  <dgm:extLst>
+    <a:ext uri="http://schemas.microsoft.com/office/drawing/2008/diagram">
+      <dsp:dataModelExt xmlns:dsp="http://schemas.microsoft.com/office/drawing/2008/diagram" relId="rId6" minVer="http://schemas.openxmlformats.org/drawingml/2006/diagram"/>
+    </a:ext>
+  </dgm:extLst>
+</dgm:dataModel>
+</file>
+
+<file path=ppt/diagrams/data3.xml><?xml version="1.0" encoding="utf-8"?>
+<dgm:dataModel xmlns:dgm="http://schemas.openxmlformats.org/drawingml/2006/diagram" xmlns:a="http://schemas.openxmlformats.org/drawingml/2006/main">
+  <dgm:ptLst>
+    <dgm:pt modelId="{8843D19D-CA5D-754E-A7E3-F3D82AF0C613}" type="doc">
+      <dgm:prSet loTypeId="urn:microsoft.com/office/officeart/2005/8/layout/orgChart1" loCatId="" qsTypeId="urn:microsoft.com/office/officeart/2005/8/quickstyle/simple1" qsCatId="simple" csTypeId="urn:microsoft.com/office/officeart/2005/8/colors/accent1_2" csCatId="accent1" phldr="1"/>
+      <dgm:spPr/>
+      <dgm:t>
+        <a:bodyPr/>
+        <a:lstStyle/>
+        <a:p>
+          <a:endParaRPr lang="en-US"/>
+        </a:p>
+      </dgm:t>
+    </dgm:pt>
+    <dgm:pt modelId="{9EDB6A98-A9E1-CC4C-AA7D-8B4C1F2388C1}">
+      <dgm:prSet phldrT="[Text]"/>
+      <dgm:spPr/>
+      <dgm:t>
+        <a:bodyPr/>
+        <a:lstStyle/>
+        <a:p>
+          <a:r>
+            <a:rPr lang="en-US" dirty="0"/>
+            <a:t>ABC</a:t>
+          </a:r>
+        </a:p>
+      </dgm:t>
+    </dgm:pt>
+    <dgm:pt modelId="{4E13CA82-E874-9349-A6E2-17B42C4D5018}" type="parTrans" cxnId="{1D901C13-68E0-5646-91C4-C26D433223CE}">
+      <dgm:prSet/>
+      <dgm:spPr/>
+      <dgm:t>
+        <a:bodyPr/>
+        <a:lstStyle/>
+        <a:p>
+          <a:endParaRPr lang="en-US"/>
+        </a:p>
+      </dgm:t>
+    </dgm:pt>
+    <dgm:pt modelId="{00D1CBD0-9AF0-274F-925B-3722DE29D81C}" type="sibTrans" cxnId="{1D901C13-68E0-5646-91C4-C26D433223CE}">
+      <dgm:prSet/>
+      <dgm:spPr/>
+      <dgm:t>
+        <a:bodyPr/>
+        <a:lstStyle/>
+        <a:p>
+          <a:endParaRPr lang="en-US"/>
+        </a:p>
+      </dgm:t>
+    </dgm:pt>
+    <dgm:pt modelId="{63B14DC6-B726-684F-B9A6-D67CF660FB5E}">
+      <dgm:prSet phldrT="[Text]"/>
+      <dgm:spPr/>
+      <dgm:t>
+        <a:bodyPr/>
+        <a:lstStyle/>
+        <a:p>
+          <a:r>
+            <a:rPr lang="en-US" dirty="0"/>
+            <a:t>“Set asides” for incidental catch, RSA, NGOM, observers</a:t>
+          </a:r>
+        </a:p>
+      </dgm:t>
+    </dgm:pt>
+    <dgm:pt modelId="{AC845045-5514-064F-B7DB-FDF80C14E149}" type="parTrans" cxnId="{E7010C4E-685C-454F-BFFD-9F5111EBA38D}">
+      <dgm:prSet/>
+      <dgm:spPr/>
+      <dgm:t>
+        <a:bodyPr/>
+        <a:lstStyle/>
+        <a:p>
+          <a:endParaRPr lang="en-US"/>
+        </a:p>
+      </dgm:t>
+    </dgm:pt>
+    <dgm:pt modelId="{4728A033-675F-734D-95E0-E43FF5FC14CB}" type="sibTrans" cxnId="{E7010C4E-685C-454F-BFFD-9F5111EBA38D}">
+      <dgm:prSet/>
+      <dgm:spPr/>
+      <dgm:t>
+        <a:bodyPr/>
+        <a:lstStyle/>
+        <a:p>
+          <a:endParaRPr lang="en-US"/>
+        </a:p>
+      </dgm:t>
+    </dgm:pt>
+    <dgm:pt modelId="{EC87CEA7-C335-C249-A4D9-C315C3363DC6}">
+      <dgm:prSet phldrT="[Text]"/>
+      <dgm:spPr/>
+      <dgm:t>
+        <a:bodyPr/>
+        <a:lstStyle/>
+        <a:p>
+          <a:r>
+            <a:rPr lang="en-US" dirty="0"/>
+            <a:t>Remaining catch</a:t>
+          </a:r>
+        </a:p>
+      </dgm:t>
+    </dgm:pt>
+    <dgm:pt modelId="{040A7765-82AB-7041-AB24-FE44F95F0233}" type="parTrans" cxnId="{B27F02D5-47ED-9B4C-A154-B48762F731B6}">
+      <dgm:prSet/>
+      <dgm:spPr/>
+      <dgm:t>
+        <a:bodyPr/>
+        <a:lstStyle/>
+        <a:p>
+          <a:endParaRPr lang="en-US"/>
+        </a:p>
+      </dgm:t>
+    </dgm:pt>
+    <dgm:pt modelId="{06B203B7-E870-E74E-B932-01C83A6F5725}" type="sibTrans" cxnId="{B27F02D5-47ED-9B4C-A154-B48762F731B6}">
+      <dgm:prSet/>
+      <dgm:spPr/>
+      <dgm:t>
+        <a:bodyPr/>
+        <a:lstStyle/>
+        <a:p>
+          <a:endParaRPr lang="en-US"/>
+        </a:p>
+      </dgm:t>
+    </dgm:pt>
+    <dgm:pt modelId="{605C8F1E-DA6C-9143-9DD0-D414112D9258}">
+      <dgm:prSet/>
+      <dgm:spPr/>
+      <dgm:t>
+        <a:bodyPr/>
+        <a:lstStyle/>
+        <a:p>
+          <a:r>
+            <a:rPr lang="en-US" dirty="0"/>
+            <a:t>Limit Access scallop fleet (larger “trip boat” fleet (94.5%)</a:t>
+          </a:r>
+        </a:p>
+      </dgm:t>
+    </dgm:pt>
+    <dgm:pt modelId="{E556DC90-8D75-2441-B3C4-349E1945C094}" type="parTrans" cxnId="{6AC57FD4-19AD-C241-801D-771FCC5AF337}">
+      <dgm:prSet/>
+      <dgm:spPr/>
+      <dgm:t>
+        <a:bodyPr/>
+        <a:lstStyle/>
+        <a:p>
+          <a:endParaRPr lang="en-US"/>
+        </a:p>
+      </dgm:t>
+    </dgm:pt>
+    <dgm:pt modelId="{E9C56D57-3797-9048-8F75-26EAE9493CAB}" type="sibTrans" cxnId="{6AC57FD4-19AD-C241-801D-771FCC5AF337}">
+      <dgm:prSet/>
+      <dgm:spPr/>
+      <dgm:t>
+        <a:bodyPr/>
+        <a:lstStyle/>
+        <a:p>
+          <a:endParaRPr lang="en-US"/>
+        </a:p>
+      </dgm:t>
+    </dgm:pt>
+    <dgm:pt modelId="{79614999-89A6-704D-B3C2-F1EA7D8B95D5}">
+      <dgm:prSet/>
+      <dgm:spPr/>
+      <dgm:t>
+        <a:bodyPr/>
+        <a:lstStyle/>
+        <a:p>
+          <a:r>
+            <a:rPr lang="en-US" dirty="0"/>
+            <a:t>Limited access general category (LAGC) IFQ fleet (smaller “day boat” fleet) (5%)</a:t>
+          </a:r>
+        </a:p>
+      </dgm:t>
+    </dgm:pt>
+    <dgm:pt modelId="{C44A9499-0E71-974A-AB01-5AC883932C74}" type="parTrans" cxnId="{52F99237-451C-CD44-8FC2-F4ECF2B6051D}">
+      <dgm:prSet/>
+      <dgm:spPr/>
+      <dgm:t>
+        <a:bodyPr/>
+        <a:lstStyle/>
+        <a:p>
+          <a:endParaRPr lang="en-US"/>
+        </a:p>
+      </dgm:t>
+    </dgm:pt>
+    <dgm:pt modelId="{48FA5F08-66F5-4B4B-96B0-67BF4081FCC9}" type="sibTrans" cxnId="{52F99237-451C-CD44-8FC2-F4ECF2B6051D}">
+      <dgm:prSet/>
+      <dgm:spPr/>
+      <dgm:t>
+        <a:bodyPr/>
+        <a:lstStyle/>
+        <a:p>
+          <a:endParaRPr lang="en-US"/>
+        </a:p>
+      </dgm:t>
+    </dgm:pt>
+    <dgm:pt modelId="{74762497-18FC-C949-9E7C-B0D062E2E6B9}">
+      <dgm:prSet/>
+      <dgm:spPr/>
+      <dgm:t>
+        <a:bodyPr/>
+        <a:lstStyle/>
+        <a:p>
+          <a:r>
+            <a:rPr lang="en-US" dirty="0"/>
+            <a:t>Limited access scallop vessels with LAGC IFQ permits (0.5%)</a:t>
+          </a:r>
+        </a:p>
+      </dgm:t>
+    </dgm:pt>
+    <dgm:pt modelId="{7BA1B945-51CC-034B-946C-4780F3DD2F50}" type="parTrans" cxnId="{5EED2C5D-8FEB-D64C-9A85-D00A8755DDD0}">
+      <dgm:prSet/>
+      <dgm:spPr/>
+      <dgm:t>
+        <a:bodyPr/>
+        <a:lstStyle/>
+        <a:p>
+          <a:endParaRPr lang="en-US"/>
+        </a:p>
+      </dgm:t>
+    </dgm:pt>
+    <dgm:pt modelId="{A9067819-60A2-7144-BD3E-5EFA1FC7F611}" type="sibTrans" cxnId="{5EED2C5D-8FEB-D64C-9A85-D00A8755DDD0}">
+      <dgm:prSet/>
+      <dgm:spPr/>
+      <dgm:t>
+        <a:bodyPr/>
+        <a:lstStyle/>
+        <a:p>
+          <a:endParaRPr lang="en-US"/>
+        </a:p>
+      </dgm:t>
+    </dgm:pt>
+    <dgm:pt modelId="{432076D7-A143-D747-8061-541F39DFC7AC}">
+      <dgm:prSet/>
+      <dgm:spPr/>
+      <dgm:t>
+        <a:bodyPr/>
+        <a:lstStyle/>
+        <a:p>
+          <a:r>
+            <a:rPr lang="en-US" dirty="0"/>
+            <a:t>Full-time </a:t>
+          </a:r>
+          <a:br>
+            <a:rPr lang="en-US" dirty="0"/>
+          </a:br>
+          <a:r>
+            <a:rPr lang="en-US" dirty="0"/>
+            <a:t>(23 days-at-sea)</a:t>
+          </a:r>
+        </a:p>
+      </dgm:t>
+    </dgm:pt>
+    <dgm:pt modelId="{2E81DCC0-C29E-4445-A3D4-7D3726D7FB32}" type="parTrans" cxnId="{920404E9-C095-A649-8F25-5FDB9A1DD187}">
+      <dgm:prSet/>
+      <dgm:spPr/>
+      <dgm:t>
+        <a:bodyPr/>
+        <a:lstStyle/>
+        <a:p>
+          <a:endParaRPr lang="en-US"/>
+        </a:p>
+      </dgm:t>
+    </dgm:pt>
+    <dgm:pt modelId="{918641BA-3368-D24A-B333-CD891BABC530}" type="sibTrans" cxnId="{920404E9-C095-A649-8F25-5FDB9A1DD187}">
+      <dgm:prSet/>
+      <dgm:spPr/>
+      <dgm:t>
+        <a:bodyPr/>
+        <a:lstStyle/>
+        <a:p>
+          <a:endParaRPr lang="en-US"/>
+        </a:p>
+      </dgm:t>
+    </dgm:pt>
+    <dgm:pt modelId="{47054F18-6524-2F49-862A-849704AD3E60}">
+      <dgm:prSet/>
+      <dgm:spPr/>
+      <dgm:t>
+        <a:bodyPr/>
+        <a:lstStyle/>
+        <a:p>
+          <a:r>
+            <a:rPr lang="en-US" dirty="0"/>
+            <a:t>Part-time </a:t>
+          </a:r>
+          <a:br>
+            <a:rPr lang="en-US" dirty="0"/>
+          </a:br>
+          <a:r>
+            <a:rPr lang="en-US" dirty="0"/>
+            <a:t>(9 days-at-sea)</a:t>
+          </a:r>
+        </a:p>
+      </dgm:t>
+    </dgm:pt>
+    <dgm:pt modelId="{5A7ADEDB-BFFD-E24F-9CDF-76A5B44F3737}" type="parTrans" cxnId="{0B4A8A23-576B-9842-9ED0-0982B48D7420}">
+      <dgm:prSet/>
+      <dgm:spPr/>
+      <dgm:t>
+        <a:bodyPr/>
+        <a:lstStyle/>
+        <a:p>
+          <a:endParaRPr lang="en-US"/>
+        </a:p>
+      </dgm:t>
+    </dgm:pt>
+    <dgm:pt modelId="{675C7A05-7648-2944-AF0C-E1CA42E42CE6}" type="sibTrans" cxnId="{0B4A8A23-576B-9842-9ED0-0982B48D7420}">
+      <dgm:prSet/>
+      <dgm:spPr/>
+      <dgm:t>
+        <a:bodyPr/>
+        <a:lstStyle/>
+        <a:p>
+          <a:endParaRPr lang="en-US"/>
+        </a:p>
+      </dgm:t>
+    </dgm:pt>
+    <dgm:pt modelId="{3360FD1A-FFDC-164D-91D4-8CEA8B1FD94D}">
+      <dgm:prSet/>
+      <dgm:spPr/>
+      <dgm:t>
+        <a:bodyPr/>
+        <a:lstStyle/>
+        <a:p>
+          <a:r>
+            <a:rPr lang="en-US" dirty="0"/>
+            <a:t>Occasional </a:t>
+          </a:r>
+          <a:br>
+            <a:rPr lang="en-US" dirty="0"/>
+          </a:br>
+          <a:r>
+            <a:rPr lang="en-US" dirty="0"/>
+            <a:t>(1.67 days-at-sea)</a:t>
+          </a:r>
+        </a:p>
+      </dgm:t>
+    </dgm:pt>
+    <dgm:pt modelId="{2997BE12-E563-D944-8097-C3E9D4B378FD}" type="parTrans" cxnId="{65687015-1E59-C34E-BC11-5587A25261E4}">
+      <dgm:prSet/>
+      <dgm:spPr/>
+      <dgm:t>
+        <a:bodyPr/>
+        <a:lstStyle/>
+        <a:p>
+          <a:endParaRPr lang="en-US"/>
+        </a:p>
+      </dgm:t>
+    </dgm:pt>
+    <dgm:pt modelId="{F3D3312A-9F3C-D14C-A510-F322A3B3562F}" type="sibTrans" cxnId="{65687015-1E59-C34E-BC11-5587A25261E4}">
+      <dgm:prSet/>
+      <dgm:spPr/>
+      <dgm:t>
+        <a:bodyPr/>
+        <a:lstStyle/>
+        <a:p>
+          <a:endParaRPr lang="en-US"/>
+        </a:p>
+      </dgm:t>
+    </dgm:pt>
+    <dgm:pt modelId="{D6E9DE8A-775C-5D43-947B-F6E3F057B38E}">
+      <dgm:prSet/>
+      <dgm:spPr/>
+      <dgm:t>
+        <a:bodyPr/>
+        <a:lstStyle/>
+        <a:p>
+          <a:r>
+            <a:rPr lang="en-US" dirty="0"/>
+            <a:t>Open areas </a:t>
+          </a:r>
+          <a:br>
+            <a:rPr lang="en-US" dirty="0"/>
+          </a:br>
+          <a:r>
+            <a:rPr lang="en-US" dirty="0"/>
+            <a:t>(20 days-at-sea)</a:t>
+          </a:r>
+        </a:p>
+      </dgm:t>
+    </dgm:pt>
+    <dgm:pt modelId="{BDFE7061-96BD-8C4A-A975-806AB3D8F52F}" type="parTrans" cxnId="{360C6E3F-DADC-6149-A009-4D3DE20D0551}">
+      <dgm:prSet/>
+      <dgm:spPr/>
+      <dgm:t>
+        <a:bodyPr/>
+        <a:lstStyle/>
+        <a:p>
+          <a:endParaRPr lang="en-US"/>
+        </a:p>
+      </dgm:t>
+    </dgm:pt>
+    <dgm:pt modelId="{4F1B9130-54D0-E645-989A-0F542D5D86D3}" type="sibTrans" cxnId="{360C6E3F-DADC-6149-A009-4D3DE20D0551}">
+      <dgm:prSet/>
+      <dgm:spPr/>
+      <dgm:t>
+        <a:bodyPr/>
+        <a:lstStyle/>
+        <a:p>
+          <a:endParaRPr lang="en-US"/>
+        </a:p>
+      </dgm:t>
+    </dgm:pt>
+    <dgm:pt modelId="{902828A7-ABE5-4545-8FE0-D8D71F4D011B}">
+      <dgm:prSet/>
+      <dgm:spPr/>
+      <dgm:t>
+        <a:bodyPr/>
+        <a:lstStyle/>
+        <a:p>
+          <a:r>
+            <a:rPr lang="en-US" dirty="0"/>
+            <a:t>Specified </a:t>
+          </a:r>
+        </a:p>
+        <a:p>
+          <a:r>
+            <a:rPr lang="en-US" dirty="0"/>
+            <a:t>access areas </a:t>
+          </a:r>
+          <a:br>
+            <a:rPr lang="en-US" dirty="0"/>
+          </a:br>
+          <a:r>
+            <a:rPr lang="en-US" dirty="0"/>
+            <a:t>(3 days-at-sea)</a:t>
+          </a:r>
+        </a:p>
+      </dgm:t>
+    </dgm:pt>
+    <dgm:pt modelId="{FCE60EBC-037A-4F4B-B102-C6C5B9DA7D74}" type="parTrans" cxnId="{26CCF64D-B662-734B-BD8C-695B092FF54F}">
+      <dgm:prSet/>
+      <dgm:spPr/>
+      <dgm:t>
+        <a:bodyPr/>
+        <a:lstStyle/>
+        <a:p>
+          <a:endParaRPr lang="en-US"/>
+        </a:p>
+      </dgm:t>
+    </dgm:pt>
+    <dgm:pt modelId="{4F25D7E5-1006-8B4B-A017-280E5FC3DC50}" type="sibTrans" cxnId="{26CCF64D-B662-734B-BD8C-695B092FF54F}">
+      <dgm:prSet/>
+      <dgm:spPr/>
+      <dgm:t>
+        <a:bodyPr/>
+        <a:lstStyle/>
+        <a:p>
+          <a:endParaRPr lang="en-US"/>
+        </a:p>
+      </dgm:t>
+    </dgm:pt>
+    <dgm:pt modelId="{3243BA8E-5467-3746-9E15-1B59BA21B990}">
+      <dgm:prSet/>
+      <dgm:spPr/>
+      <dgm:t>
+        <a:bodyPr/>
+        <a:lstStyle/>
+        <a:p>
+          <a:r>
+            <a:rPr lang="en-US" dirty="0"/>
+            <a:t>Open areas</a:t>
+          </a:r>
+        </a:p>
+        <a:p>
+          <a:r>
+            <a:rPr lang="en-US" dirty="0"/>
+            <a:t>(8 days-at-sea)</a:t>
+          </a:r>
+        </a:p>
+      </dgm:t>
+    </dgm:pt>
+    <dgm:pt modelId="{E5AAAF9D-0971-6743-8EFE-1030E6F1F660}" type="parTrans" cxnId="{94903686-1ACB-D743-BB81-00E73E01A988}">
+      <dgm:prSet/>
+      <dgm:spPr/>
+      <dgm:t>
+        <a:bodyPr/>
+        <a:lstStyle/>
+        <a:p>
+          <a:endParaRPr lang="en-US"/>
+        </a:p>
+      </dgm:t>
+    </dgm:pt>
+    <dgm:pt modelId="{8EC4F023-CF75-0C41-919B-A4B1DB9DE0F0}" type="sibTrans" cxnId="{94903686-1ACB-D743-BB81-00E73E01A988}">
+      <dgm:prSet/>
+      <dgm:spPr/>
+      <dgm:t>
+        <a:bodyPr/>
+        <a:lstStyle/>
+        <a:p>
+          <a:endParaRPr lang="en-US"/>
+        </a:p>
+      </dgm:t>
+    </dgm:pt>
+    <dgm:pt modelId="{FD6E3E8B-E60E-EA48-8126-3D9AD041FB84}">
+      <dgm:prSet/>
+      <dgm:spPr/>
+      <dgm:t>
+        <a:bodyPr/>
+        <a:lstStyle/>
+        <a:p>
+          <a:r>
+            <a:rPr lang="en-US" dirty="0"/>
+            <a:t>Specified </a:t>
+          </a:r>
+        </a:p>
+        <a:p>
+          <a:r>
+            <a:rPr lang="en-US" dirty="0"/>
+            <a:t>access areas </a:t>
+          </a:r>
+        </a:p>
+        <a:p>
+          <a:r>
+            <a:rPr lang="en-US" dirty="0"/>
+            <a:t>(1 days-at-sea)</a:t>
+          </a:r>
+        </a:p>
+      </dgm:t>
+    </dgm:pt>
+    <dgm:pt modelId="{3C087C5F-0BC4-9047-92A3-62F0363C0DFB}" type="parTrans" cxnId="{186F8112-BF68-3C40-9BA8-94EEF6DEE2C9}">
+      <dgm:prSet/>
+      <dgm:spPr/>
+      <dgm:t>
+        <a:bodyPr/>
+        <a:lstStyle/>
+        <a:p>
+          <a:endParaRPr lang="en-US"/>
+        </a:p>
+      </dgm:t>
+    </dgm:pt>
+    <dgm:pt modelId="{0513FF2F-5ED2-174A-8CF9-0045DD18E646}" type="sibTrans" cxnId="{186F8112-BF68-3C40-9BA8-94EEF6DEE2C9}">
+      <dgm:prSet/>
+      <dgm:spPr/>
+      <dgm:t>
+        <a:bodyPr/>
+        <a:lstStyle/>
+        <a:p>
+          <a:endParaRPr lang="en-US"/>
+        </a:p>
+      </dgm:t>
+    </dgm:pt>
+    <dgm:pt modelId="{5910E5FB-BC46-984F-9F7F-BE59D087C968}">
+      <dgm:prSet/>
+      <dgm:spPr/>
+      <dgm:t>
+        <a:bodyPr/>
+        <a:lstStyle/>
+        <a:p>
+          <a:r>
+            <a:rPr lang="en-US" dirty="0"/>
+            <a:t>Open areas </a:t>
+          </a:r>
+        </a:p>
+        <a:p>
+          <a:r>
+            <a:rPr lang="en-US" dirty="0"/>
+            <a:t>(1.67 days-at-sea)</a:t>
+          </a:r>
+        </a:p>
+      </dgm:t>
+    </dgm:pt>
+    <dgm:pt modelId="{FD375A62-31D7-2E44-B9C7-802D47825E49}" type="parTrans" cxnId="{71C28EFD-E543-F344-A8C8-53EF28A9A253}">
+      <dgm:prSet/>
+      <dgm:spPr/>
+      <dgm:t>
+        <a:bodyPr/>
+        <a:lstStyle/>
+        <a:p>
+          <a:endParaRPr lang="en-US"/>
+        </a:p>
+      </dgm:t>
+    </dgm:pt>
+    <dgm:pt modelId="{ABFE1934-24B9-1F4A-84F1-3AFA38B09410}" type="sibTrans" cxnId="{71C28EFD-E543-F344-A8C8-53EF28A9A253}">
+      <dgm:prSet/>
+      <dgm:spPr/>
+      <dgm:t>
+        <a:bodyPr/>
+        <a:lstStyle/>
+        <a:p>
+          <a:endParaRPr lang="en-US"/>
+        </a:p>
+      </dgm:t>
+    </dgm:pt>
+    <dgm:pt modelId="{5C55C895-CE6A-1E4B-B2A8-C348B06E826C}">
+      <dgm:prSet/>
+      <dgm:spPr/>
+      <dgm:t>
+        <a:bodyPr/>
+        <a:lstStyle/>
+        <a:p>
+          <a:r>
+            <a:rPr lang="en-US" dirty="0"/>
+            <a:t>Specified </a:t>
+          </a:r>
+        </a:p>
+        <a:p>
+          <a:r>
+            <a:rPr lang="en-US" dirty="0"/>
+            <a:t>access areas </a:t>
+          </a:r>
+        </a:p>
+        <a:p>
+          <a:r>
+            <a:rPr lang="en-US" dirty="0"/>
+            <a:t>(0 days-at-sea)</a:t>
+          </a:r>
+        </a:p>
+      </dgm:t>
+    </dgm:pt>
+    <dgm:pt modelId="{179D63BF-F91A-2249-B780-28654531CD80}" type="parTrans" cxnId="{AE0E54EA-4AA5-814C-A6A3-D0D56F550C06}">
+      <dgm:prSet/>
+      <dgm:spPr/>
+      <dgm:t>
+        <a:bodyPr/>
+        <a:lstStyle/>
+        <a:p>
+          <a:endParaRPr lang="en-US"/>
+        </a:p>
+      </dgm:t>
+    </dgm:pt>
+    <dgm:pt modelId="{86805073-D168-F04C-9C50-FB43F849DA20}" type="sibTrans" cxnId="{AE0E54EA-4AA5-814C-A6A3-D0D56F550C06}">
+      <dgm:prSet/>
+      <dgm:spPr/>
+      <dgm:t>
+        <a:bodyPr/>
+        <a:lstStyle/>
+        <a:p>
+          <a:endParaRPr lang="en-US"/>
+        </a:p>
+      </dgm:t>
+    </dgm:pt>
+    <dgm:pt modelId="{82CCA982-1DB6-0146-802E-9236FA2048C8}" type="pres">
+      <dgm:prSet presAssocID="{8843D19D-CA5D-754E-A7E3-F3D82AF0C613}" presName="hierChild1" presStyleCnt="0">
+        <dgm:presLayoutVars>
+          <dgm:orgChart val="1"/>
+          <dgm:chPref val="1"/>
+          <dgm:dir/>
+          <dgm:animOne val="branch"/>
+          <dgm:animLvl val="lvl"/>
+          <dgm:resizeHandles/>
+        </dgm:presLayoutVars>
+      </dgm:prSet>
+      <dgm:spPr/>
+    </dgm:pt>
+    <dgm:pt modelId="{B2976406-1A78-E34F-BB05-D6917E5DCA3F}" type="pres">
+      <dgm:prSet presAssocID="{9EDB6A98-A9E1-CC4C-AA7D-8B4C1F2388C1}" presName="hierRoot1" presStyleCnt="0">
+        <dgm:presLayoutVars>
+          <dgm:hierBranch/>
+        </dgm:presLayoutVars>
+      </dgm:prSet>
+      <dgm:spPr/>
+    </dgm:pt>
+    <dgm:pt modelId="{586E33AC-0A90-4548-AA21-6F324784FAD4}" type="pres">
+      <dgm:prSet presAssocID="{9EDB6A98-A9E1-CC4C-AA7D-8B4C1F2388C1}" presName="rootComposite1" presStyleCnt="0"/>
+      <dgm:spPr/>
+    </dgm:pt>
+    <dgm:pt modelId="{D16225A5-AC8D-604D-857F-A97DFC74364E}" type="pres">
+      <dgm:prSet presAssocID="{9EDB6A98-A9E1-CC4C-AA7D-8B4C1F2388C1}" presName="rootText1" presStyleLbl="node0" presStyleIdx="0" presStyleCnt="1">
+        <dgm:presLayoutVars>
+          <dgm:chPref val="3"/>
+        </dgm:presLayoutVars>
+      </dgm:prSet>
+      <dgm:spPr/>
+    </dgm:pt>
+    <dgm:pt modelId="{E4526696-D729-304F-8B91-A3A0395B577B}" type="pres">
+      <dgm:prSet presAssocID="{9EDB6A98-A9E1-CC4C-AA7D-8B4C1F2388C1}" presName="rootConnector1" presStyleLbl="node1" presStyleIdx="0" presStyleCnt="0"/>
+      <dgm:spPr/>
+    </dgm:pt>
+    <dgm:pt modelId="{6C5B700F-649D-9041-BE03-6C028CF18396}" type="pres">
+      <dgm:prSet presAssocID="{9EDB6A98-A9E1-CC4C-AA7D-8B4C1F2388C1}" presName="hierChild2" presStyleCnt="0"/>
+      <dgm:spPr/>
+    </dgm:pt>
+    <dgm:pt modelId="{08961B0F-7A0B-8A47-874D-5E98F02B22E9}" type="pres">
+      <dgm:prSet presAssocID="{AC845045-5514-064F-B7DB-FDF80C14E149}" presName="Name35" presStyleLbl="parChTrans1D2" presStyleIdx="0" presStyleCnt="2"/>
+      <dgm:spPr/>
+    </dgm:pt>
+    <dgm:pt modelId="{147DD188-F81D-D343-9B9D-E42A1C488543}" type="pres">
+      <dgm:prSet presAssocID="{63B14DC6-B726-684F-B9A6-D67CF660FB5E}" presName="hierRoot2" presStyleCnt="0">
+        <dgm:presLayoutVars>
+          <dgm:hierBranch val="init"/>
+        </dgm:presLayoutVars>
+      </dgm:prSet>
+      <dgm:spPr/>
+    </dgm:pt>
+    <dgm:pt modelId="{8C84C442-E264-8E41-9047-3C118A8448ED}" type="pres">
+      <dgm:prSet presAssocID="{63B14DC6-B726-684F-B9A6-D67CF660FB5E}" presName="rootComposite" presStyleCnt="0"/>
+      <dgm:spPr/>
+    </dgm:pt>
+    <dgm:pt modelId="{AFFBEF4C-20C3-A24B-95EA-8561507803E4}" type="pres">
+      <dgm:prSet presAssocID="{63B14DC6-B726-684F-B9A6-D67CF660FB5E}" presName="rootText" presStyleLbl="node2" presStyleIdx="0" presStyleCnt="2">
+        <dgm:presLayoutVars>
+          <dgm:chPref val="3"/>
+        </dgm:presLayoutVars>
+      </dgm:prSet>
+      <dgm:spPr/>
+    </dgm:pt>
+    <dgm:pt modelId="{FD5F2C9D-1690-2C47-8018-2526D6C88B11}" type="pres">
+      <dgm:prSet presAssocID="{63B14DC6-B726-684F-B9A6-D67CF660FB5E}" presName="rootConnector" presStyleLbl="node2" presStyleIdx="0" presStyleCnt="2"/>
+      <dgm:spPr/>
+    </dgm:pt>
+    <dgm:pt modelId="{9B6EE540-0AD9-E642-8BB7-103C84E792A5}" type="pres">
+      <dgm:prSet presAssocID="{63B14DC6-B726-684F-B9A6-D67CF660FB5E}" presName="hierChild4" presStyleCnt="0"/>
+      <dgm:spPr/>
+    </dgm:pt>
+    <dgm:pt modelId="{928B618B-D58F-D543-925B-53FB5DCB9BCA}" type="pres">
+      <dgm:prSet presAssocID="{63B14DC6-B726-684F-B9A6-D67CF660FB5E}" presName="hierChild5" presStyleCnt="0"/>
+      <dgm:spPr/>
+    </dgm:pt>
+    <dgm:pt modelId="{81597DCE-A2CE-8E41-8610-25EED82ECA7A}" type="pres">
+      <dgm:prSet presAssocID="{040A7765-82AB-7041-AB24-FE44F95F0233}" presName="Name35" presStyleLbl="parChTrans1D2" presStyleIdx="1" presStyleCnt="2"/>
+      <dgm:spPr/>
+    </dgm:pt>
+    <dgm:pt modelId="{D933EB67-B5BF-F041-95F7-70641803076E}" type="pres">
+      <dgm:prSet presAssocID="{EC87CEA7-C335-C249-A4D9-C315C3363DC6}" presName="hierRoot2" presStyleCnt="0">
+        <dgm:presLayoutVars>
+          <dgm:hierBranch val="init"/>
+        </dgm:presLayoutVars>
+      </dgm:prSet>
+      <dgm:spPr/>
+    </dgm:pt>
+    <dgm:pt modelId="{14AB5EDE-A25F-D349-A298-1CA0247857A0}" type="pres">
+      <dgm:prSet presAssocID="{EC87CEA7-C335-C249-A4D9-C315C3363DC6}" presName="rootComposite" presStyleCnt="0"/>
+      <dgm:spPr/>
+    </dgm:pt>
+    <dgm:pt modelId="{8C9A0B79-F0E3-2749-96B0-A5875CBFAA27}" type="pres">
+      <dgm:prSet presAssocID="{EC87CEA7-C335-C249-A4D9-C315C3363DC6}" presName="rootText" presStyleLbl="node2" presStyleIdx="1" presStyleCnt="2">
+        <dgm:presLayoutVars>
+          <dgm:chPref val="3"/>
+        </dgm:presLayoutVars>
+      </dgm:prSet>
+      <dgm:spPr/>
+    </dgm:pt>
+    <dgm:pt modelId="{402EDAC4-3A42-3A41-8B9F-41D3449004AF}" type="pres">
+      <dgm:prSet presAssocID="{EC87CEA7-C335-C249-A4D9-C315C3363DC6}" presName="rootConnector" presStyleLbl="node2" presStyleIdx="1" presStyleCnt="2"/>
+      <dgm:spPr/>
+    </dgm:pt>
+    <dgm:pt modelId="{79B1684E-4739-CB4E-AB31-06E4E2971AEA}" type="pres">
+      <dgm:prSet presAssocID="{EC87CEA7-C335-C249-A4D9-C315C3363DC6}" presName="hierChild4" presStyleCnt="0"/>
+      <dgm:spPr/>
+    </dgm:pt>
+    <dgm:pt modelId="{C5FB34AA-1850-7C43-8D49-7F6B278CC5F6}" type="pres">
+      <dgm:prSet presAssocID="{E556DC90-8D75-2441-B3C4-349E1945C094}" presName="Name37" presStyleLbl="parChTrans1D3" presStyleIdx="0" presStyleCnt="3"/>
+      <dgm:spPr/>
+    </dgm:pt>
+    <dgm:pt modelId="{74CB3E5E-3022-5649-A665-B5A80D2945B5}" type="pres">
+      <dgm:prSet presAssocID="{605C8F1E-DA6C-9143-9DD0-D414112D9258}" presName="hierRoot2" presStyleCnt="0">
+        <dgm:presLayoutVars>
+          <dgm:hierBranch val="init"/>
+        </dgm:presLayoutVars>
+      </dgm:prSet>
+      <dgm:spPr/>
+    </dgm:pt>
+    <dgm:pt modelId="{3C6E957E-87C9-8646-A70F-CA2A3BED58BA}" type="pres">
+      <dgm:prSet presAssocID="{605C8F1E-DA6C-9143-9DD0-D414112D9258}" presName="rootComposite" presStyleCnt="0"/>
+      <dgm:spPr/>
+    </dgm:pt>
+    <dgm:pt modelId="{CDAF039D-B252-E84D-BCED-23FE943C1D4B}" type="pres">
+      <dgm:prSet presAssocID="{605C8F1E-DA6C-9143-9DD0-D414112D9258}" presName="rootText" presStyleLbl="node3" presStyleIdx="0" presStyleCnt="3">
+        <dgm:presLayoutVars>
+          <dgm:chPref val="3"/>
+        </dgm:presLayoutVars>
+      </dgm:prSet>
+      <dgm:spPr/>
+    </dgm:pt>
+    <dgm:pt modelId="{E622597F-3EBC-624E-AD54-29516F95543F}" type="pres">
+      <dgm:prSet presAssocID="{605C8F1E-DA6C-9143-9DD0-D414112D9258}" presName="rootConnector" presStyleLbl="node3" presStyleIdx="0" presStyleCnt="3"/>
+      <dgm:spPr/>
+    </dgm:pt>
+    <dgm:pt modelId="{670B0A5F-7EAE-A64F-816A-2902B5B8732C}" type="pres">
+      <dgm:prSet presAssocID="{605C8F1E-DA6C-9143-9DD0-D414112D9258}" presName="hierChild4" presStyleCnt="0"/>
+      <dgm:spPr/>
+    </dgm:pt>
+    <dgm:pt modelId="{E6E50C92-EFB9-7F4B-A854-AF896FDFC388}" type="pres">
+      <dgm:prSet presAssocID="{2E81DCC0-C29E-4445-A3D4-7D3726D7FB32}" presName="Name37" presStyleLbl="parChTrans1D4" presStyleIdx="0" presStyleCnt="9"/>
+      <dgm:spPr/>
+    </dgm:pt>
+    <dgm:pt modelId="{86F6DBFA-66B6-5A45-AFC4-738B96B8FB12}" type="pres">
+      <dgm:prSet presAssocID="{432076D7-A143-D747-8061-541F39DFC7AC}" presName="hierRoot2" presStyleCnt="0">
+        <dgm:presLayoutVars>
+          <dgm:hierBranch val="init"/>
+        </dgm:presLayoutVars>
+      </dgm:prSet>
+      <dgm:spPr/>
+    </dgm:pt>
+    <dgm:pt modelId="{F2B55283-0F7D-2547-907C-48C9BAF0E5CB}" type="pres">
+      <dgm:prSet presAssocID="{432076D7-A143-D747-8061-541F39DFC7AC}" presName="rootComposite" presStyleCnt="0"/>
+      <dgm:spPr/>
+    </dgm:pt>
+    <dgm:pt modelId="{A90D722A-E883-DC4C-A1D2-BA64D8B29B5E}" type="pres">
+      <dgm:prSet presAssocID="{432076D7-A143-D747-8061-541F39DFC7AC}" presName="rootText" presStyleLbl="node4" presStyleIdx="0" presStyleCnt="9">
+        <dgm:presLayoutVars>
+          <dgm:chPref val="3"/>
+        </dgm:presLayoutVars>
+      </dgm:prSet>
+      <dgm:spPr/>
+    </dgm:pt>
+    <dgm:pt modelId="{D52712D7-CC57-7B46-845D-56AB10062DC9}" type="pres">
+      <dgm:prSet presAssocID="{432076D7-A143-D747-8061-541F39DFC7AC}" presName="rootConnector" presStyleLbl="node4" presStyleIdx="0" presStyleCnt="9"/>
+      <dgm:spPr/>
+    </dgm:pt>
+    <dgm:pt modelId="{DED7BA03-26C4-1343-99BC-F60E60B4B6B2}" type="pres">
+      <dgm:prSet presAssocID="{432076D7-A143-D747-8061-541F39DFC7AC}" presName="hierChild4" presStyleCnt="0"/>
+      <dgm:spPr/>
+    </dgm:pt>
+    <dgm:pt modelId="{151E8B87-E1F2-1D4F-AB50-66974EAFBB33}" type="pres">
+      <dgm:prSet presAssocID="{BDFE7061-96BD-8C4A-A975-806AB3D8F52F}" presName="Name37" presStyleLbl="parChTrans1D4" presStyleIdx="1" presStyleCnt="9"/>
+      <dgm:spPr/>
+    </dgm:pt>
+    <dgm:pt modelId="{9B3326E4-7BF3-6441-BCB5-39AE2EFD215A}" type="pres">
+      <dgm:prSet presAssocID="{D6E9DE8A-775C-5D43-947B-F6E3F057B38E}" presName="hierRoot2" presStyleCnt="0">
+        <dgm:presLayoutVars>
+          <dgm:hierBranch val="init"/>
+        </dgm:presLayoutVars>
+      </dgm:prSet>
+      <dgm:spPr/>
+    </dgm:pt>
+    <dgm:pt modelId="{7C74245D-A24F-1D44-BB64-378FAF960009}" type="pres">
+      <dgm:prSet presAssocID="{D6E9DE8A-775C-5D43-947B-F6E3F057B38E}" presName="rootComposite" presStyleCnt="0"/>
+      <dgm:spPr/>
+    </dgm:pt>
+    <dgm:pt modelId="{F3DD806C-799B-0946-B6AE-310F4EBFCB96}" type="pres">
+      <dgm:prSet presAssocID="{D6E9DE8A-775C-5D43-947B-F6E3F057B38E}" presName="rootText" presStyleLbl="node4" presStyleIdx="1" presStyleCnt="9">
+        <dgm:presLayoutVars>
+          <dgm:chPref val="3"/>
+        </dgm:presLayoutVars>
+      </dgm:prSet>
+      <dgm:spPr/>
+    </dgm:pt>
+    <dgm:pt modelId="{A35D1782-5E43-BD48-B088-C9F37137DA31}" type="pres">
+      <dgm:prSet presAssocID="{D6E9DE8A-775C-5D43-947B-F6E3F057B38E}" presName="rootConnector" presStyleLbl="node4" presStyleIdx="1" presStyleCnt="9"/>
+      <dgm:spPr/>
+    </dgm:pt>
+    <dgm:pt modelId="{DB4E8C91-EEDE-5D44-AA7B-5F7AB85174E3}" type="pres">
+      <dgm:prSet presAssocID="{D6E9DE8A-775C-5D43-947B-F6E3F057B38E}" presName="hierChild4" presStyleCnt="0"/>
+      <dgm:spPr/>
+    </dgm:pt>
+    <dgm:pt modelId="{38A0898B-4B5F-8346-B836-BC7C959A83F0}" type="pres">
+      <dgm:prSet presAssocID="{D6E9DE8A-775C-5D43-947B-F6E3F057B38E}" presName="hierChild5" presStyleCnt="0"/>
+      <dgm:spPr/>
+    </dgm:pt>
+    <dgm:pt modelId="{520F8DA3-C01D-CA4F-8C1F-2CC1590BF7D0}" type="pres">
+      <dgm:prSet presAssocID="{FCE60EBC-037A-4F4B-B102-C6C5B9DA7D74}" presName="Name37" presStyleLbl="parChTrans1D4" presStyleIdx="2" presStyleCnt="9"/>
+      <dgm:spPr/>
+    </dgm:pt>
+    <dgm:pt modelId="{DFD39401-CD6D-C84E-9B9C-E6CC75B0E5D9}" type="pres">
+      <dgm:prSet presAssocID="{902828A7-ABE5-4545-8FE0-D8D71F4D011B}" presName="hierRoot2" presStyleCnt="0">
+        <dgm:presLayoutVars>
+          <dgm:hierBranch val="init"/>
+        </dgm:presLayoutVars>
+      </dgm:prSet>
+      <dgm:spPr/>
+    </dgm:pt>
+    <dgm:pt modelId="{60002DD7-FABB-DE4C-9817-6288C88169EA}" type="pres">
+      <dgm:prSet presAssocID="{902828A7-ABE5-4545-8FE0-D8D71F4D011B}" presName="rootComposite" presStyleCnt="0"/>
+      <dgm:spPr/>
+    </dgm:pt>
+    <dgm:pt modelId="{FD0B7F04-1C65-9148-8551-8D76F04CF3D1}" type="pres">
+      <dgm:prSet presAssocID="{902828A7-ABE5-4545-8FE0-D8D71F4D011B}" presName="rootText" presStyleLbl="node4" presStyleIdx="2" presStyleCnt="9">
+        <dgm:presLayoutVars>
+          <dgm:chPref val="3"/>
+        </dgm:presLayoutVars>
+      </dgm:prSet>
+      <dgm:spPr/>
+    </dgm:pt>
+    <dgm:pt modelId="{1EE96B02-4D90-1943-AB01-8A978318E2F8}" type="pres">
+      <dgm:prSet presAssocID="{902828A7-ABE5-4545-8FE0-D8D71F4D011B}" presName="rootConnector" presStyleLbl="node4" presStyleIdx="2" presStyleCnt="9"/>
+      <dgm:spPr/>
+    </dgm:pt>
+    <dgm:pt modelId="{5AC59323-F8FB-8040-8E8D-0FDD6FB05590}" type="pres">
+      <dgm:prSet presAssocID="{902828A7-ABE5-4545-8FE0-D8D71F4D011B}" presName="hierChild4" presStyleCnt="0"/>
+      <dgm:spPr/>
+    </dgm:pt>
+    <dgm:pt modelId="{105E1F5E-F4F1-0F46-9E22-563DA264A250}" type="pres">
+      <dgm:prSet presAssocID="{902828A7-ABE5-4545-8FE0-D8D71F4D011B}" presName="hierChild5" presStyleCnt="0"/>
+      <dgm:spPr/>
+    </dgm:pt>
+    <dgm:pt modelId="{7A984FBF-B161-1447-BD0A-919B78DEEE3C}" type="pres">
+      <dgm:prSet presAssocID="{432076D7-A143-D747-8061-541F39DFC7AC}" presName="hierChild5" presStyleCnt="0"/>
+      <dgm:spPr/>
+    </dgm:pt>
+    <dgm:pt modelId="{741F2B82-F17E-3C45-B633-9BDB98D83078}" type="pres">
+      <dgm:prSet presAssocID="{5A7ADEDB-BFFD-E24F-9CDF-76A5B44F3737}" presName="Name37" presStyleLbl="parChTrans1D4" presStyleIdx="3" presStyleCnt="9"/>
+      <dgm:spPr/>
+    </dgm:pt>
+    <dgm:pt modelId="{00E85FE0-4753-9243-B0D0-C5EC5DA08B34}" type="pres">
+      <dgm:prSet presAssocID="{47054F18-6524-2F49-862A-849704AD3E60}" presName="hierRoot2" presStyleCnt="0">
+        <dgm:presLayoutVars>
+          <dgm:hierBranch val="init"/>
+        </dgm:presLayoutVars>
+      </dgm:prSet>
+      <dgm:spPr/>
+    </dgm:pt>
+    <dgm:pt modelId="{2B9CAAC6-686B-994F-B8D9-CA9954D37378}" type="pres">
+      <dgm:prSet presAssocID="{47054F18-6524-2F49-862A-849704AD3E60}" presName="rootComposite" presStyleCnt="0"/>
+      <dgm:spPr/>
+    </dgm:pt>
+    <dgm:pt modelId="{4E22F7B0-85BF-2B42-9D41-5221C162A096}" type="pres">
+      <dgm:prSet presAssocID="{47054F18-6524-2F49-862A-849704AD3E60}" presName="rootText" presStyleLbl="node4" presStyleIdx="3" presStyleCnt="9">
+        <dgm:presLayoutVars>
+          <dgm:chPref val="3"/>
+        </dgm:presLayoutVars>
+      </dgm:prSet>
+      <dgm:spPr/>
+    </dgm:pt>
+    <dgm:pt modelId="{345AD435-DCA5-084D-8CFD-2126A0CEF045}" type="pres">
+      <dgm:prSet presAssocID="{47054F18-6524-2F49-862A-849704AD3E60}" presName="rootConnector" presStyleLbl="node4" presStyleIdx="3" presStyleCnt="9"/>
+      <dgm:spPr/>
+    </dgm:pt>
+    <dgm:pt modelId="{B7039FCD-D5C5-304A-AEB8-E05767B0D9AF}" type="pres">
+      <dgm:prSet presAssocID="{47054F18-6524-2F49-862A-849704AD3E60}" presName="hierChild4" presStyleCnt="0"/>
+      <dgm:spPr/>
+    </dgm:pt>
+    <dgm:pt modelId="{0FA765B2-1FD6-1E4C-85BA-56656FAAA92B}" type="pres">
+      <dgm:prSet presAssocID="{E5AAAF9D-0971-6743-8EFE-1030E6F1F660}" presName="Name37" presStyleLbl="parChTrans1D4" presStyleIdx="4" presStyleCnt="9"/>
+      <dgm:spPr/>
+    </dgm:pt>
+    <dgm:pt modelId="{F6779AF7-7073-7C48-AE3E-1A7C16F56056}" type="pres">
+      <dgm:prSet presAssocID="{3243BA8E-5467-3746-9E15-1B59BA21B990}" presName="hierRoot2" presStyleCnt="0">
+        <dgm:presLayoutVars>
+          <dgm:hierBranch val="init"/>
+        </dgm:presLayoutVars>
+      </dgm:prSet>
+      <dgm:spPr/>
+    </dgm:pt>
+    <dgm:pt modelId="{2CF3D0B8-2369-0644-81E0-BEDFDEB2B27E}" type="pres">
+      <dgm:prSet presAssocID="{3243BA8E-5467-3746-9E15-1B59BA21B990}" presName="rootComposite" presStyleCnt="0"/>
+      <dgm:spPr/>
+    </dgm:pt>
+    <dgm:pt modelId="{ABABF6FC-96C6-CC42-8E1D-4A7FA53E3F5C}" type="pres">
+      <dgm:prSet presAssocID="{3243BA8E-5467-3746-9E15-1B59BA21B990}" presName="rootText" presStyleLbl="node4" presStyleIdx="4" presStyleCnt="9">
+        <dgm:presLayoutVars>
+          <dgm:chPref val="3"/>
+        </dgm:presLayoutVars>
+      </dgm:prSet>
+      <dgm:spPr/>
+    </dgm:pt>
+    <dgm:pt modelId="{D931D1BA-230B-A242-B87E-28F70E173D1F}" type="pres">
+      <dgm:prSet presAssocID="{3243BA8E-5467-3746-9E15-1B59BA21B990}" presName="rootConnector" presStyleLbl="node4" presStyleIdx="4" presStyleCnt="9"/>
+      <dgm:spPr/>
+    </dgm:pt>
+    <dgm:pt modelId="{0BA69E1E-5D46-DB4A-A5C3-9FF585CDDB4C}" type="pres">
+      <dgm:prSet presAssocID="{3243BA8E-5467-3746-9E15-1B59BA21B990}" presName="hierChild4" presStyleCnt="0"/>
+      <dgm:spPr/>
+    </dgm:pt>
+    <dgm:pt modelId="{84DB1D35-995F-8A48-AFB7-829042F57C6F}" type="pres">
+      <dgm:prSet presAssocID="{3243BA8E-5467-3746-9E15-1B59BA21B990}" presName="hierChild5" presStyleCnt="0"/>
+      <dgm:spPr/>
+    </dgm:pt>
+    <dgm:pt modelId="{2B039EDC-66C3-024C-9236-8D89D02D1AFC}" type="pres">
+      <dgm:prSet presAssocID="{3C087C5F-0BC4-9047-92A3-62F0363C0DFB}" presName="Name37" presStyleLbl="parChTrans1D4" presStyleIdx="5" presStyleCnt="9"/>
+      <dgm:spPr/>
+    </dgm:pt>
+    <dgm:pt modelId="{AEFFAC8B-CDDA-E546-A534-1B499E49B1BA}" type="pres">
+      <dgm:prSet presAssocID="{FD6E3E8B-E60E-EA48-8126-3D9AD041FB84}" presName="hierRoot2" presStyleCnt="0">
+        <dgm:presLayoutVars>
+          <dgm:hierBranch val="init"/>
+        </dgm:presLayoutVars>
+      </dgm:prSet>
+      <dgm:spPr/>
+    </dgm:pt>
+    <dgm:pt modelId="{F222579D-ABBD-624C-940B-9AA6348F2E9F}" type="pres">
+      <dgm:prSet presAssocID="{FD6E3E8B-E60E-EA48-8126-3D9AD041FB84}" presName="rootComposite" presStyleCnt="0"/>
+      <dgm:spPr/>
+    </dgm:pt>
+    <dgm:pt modelId="{5964B087-E7E2-6D4A-BEEF-F4FF01771ADA}" type="pres">
+      <dgm:prSet presAssocID="{FD6E3E8B-E60E-EA48-8126-3D9AD041FB84}" presName="rootText" presStyleLbl="node4" presStyleIdx="5" presStyleCnt="9">
+        <dgm:presLayoutVars>
+          <dgm:chPref val="3"/>
+        </dgm:presLayoutVars>
+      </dgm:prSet>
+      <dgm:spPr/>
+    </dgm:pt>
+    <dgm:pt modelId="{8DCBEF47-F874-4442-B136-1313C2787477}" type="pres">
+      <dgm:prSet presAssocID="{FD6E3E8B-E60E-EA48-8126-3D9AD041FB84}" presName="rootConnector" presStyleLbl="node4" presStyleIdx="5" presStyleCnt="9"/>
+      <dgm:spPr/>
+    </dgm:pt>
+    <dgm:pt modelId="{C13EAF81-DFCC-5F40-AEB2-B0820EEBD63B}" type="pres">
+      <dgm:prSet presAssocID="{FD6E3E8B-E60E-EA48-8126-3D9AD041FB84}" presName="hierChild4" presStyleCnt="0"/>
+      <dgm:spPr/>
+    </dgm:pt>
+    <dgm:pt modelId="{2CE83056-BCDF-8243-936B-2082828602F9}" type="pres">
+      <dgm:prSet presAssocID="{FD6E3E8B-E60E-EA48-8126-3D9AD041FB84}" presName="hierChild5" presStyleCnt="0"/>
+      <dgm:spPr/>
+    </dgm:pt>
+    <dgm:pt modelId="{DC5CC0D3-8E36-BC45-AB12-FD86ECF5C479}" type="pres">
+      <dgm:prSet presAssocID="{47054F18-6524-2F49-862A-849704AD3E60}" presName="hierChild5" presStyleCnt="0"/>
+      <dgm:spPr/>
+    </dgm:pt>
+    <dgm:pt modelId="{7BDE09AB-CB7F-5B4F-AD4F-F15BD4FDE8D0}" type="pres">
+      <dgm:prSet presAssocID="{2997BE12-E563-D944-8097-C3E9D4B378FD}" presName="Name37" presStyleLbl="parChTrans1D4" presStyleIdx="6" presStyleCnt="9"/>
+      <dgm:spPr/>
+    </dgm:pt>
+    <dgm:pt modelId="{8F07731D-D35A-1243-801A-511C41A4CFF1}" type="pres">
+      <dgm:prSet presAssocID="{3360FD1A-FFDC-164D-91D4-8CEA8B1FD94D}" presName="hierRoot2" presStyleCnt="0">
+        <dgm:presLayoutVars>
+          <dgm:hierBranch val="init"/>
+        </dgm:presLayoutVars>
+      </dgm:prSet>
+      <dgm:spPr/>
+    </dgm:pt>
+    <dgm:pt modelId="{398D220F-E819-8945-AF20-73D7B5EF04C9}" type="pres">
+      <dgm:prSet presAssocID="{3360FD1A-FFDC-164D-91D4-8CEA8B1FD94D}" presName="rootComposite" presStyleCnt="0"/>
+      <dgm:spPr/>
+    </dgm:pt>
+    <dgm:pt modelId="{6EE9C254-C0CF-9746-A0CD-325AA41769C7}" type="pres">
+      <dgm:prSet presAssocID="{3360FD1A-FFDC-164D-91D4-8CEA8B1FD94D}" presName="rootText" presStyleLbl="node4" presStyleIdx="6" presStyleCnt="9">
+        <dgm:presLayoutVars>
+          <dgm:chPref val="3"/>
+        </dgm:presLayoutVars>
+      </dgm:prSet>
+      <dgm:spPr/>
+    </dgm:pt>
+    <dgm:pt modelId="{DBFBA675-64EB-8D42-A7A5-82E8AEA0A825}" type="pres">
+      <dgm:prSet presAssocID="{3360FD1A-FFDC-164D-91D4-8CEA8B1FD94D}" presName="rootConnector" presStyleLbl="node4" presStyleIdx="6" presStyleCnt="9"/>
+      <dgm:spPr/>
+    </dgm:pt>
+    <dgm:pt modelId="{5EAB801B-A1F9-2743-BC4B-25D3E641E797}" type="pres">
+      <dgm:prSet presAssocID="{3360FD1A-FFDC-164D-91D4-8CEA8B1FD94D}" presName="hierChild4" presStyleCnt="0"/>
+      <dgm:spPr/>
+    </dgm:pt>
+    <dgm:pt modelId="{BD8D08CC-E0F6-914F-9F34-2A00FDC8D4C9}" type="pres">
+      <dgm:prSet presAssocID="{FD375A62-31D7-2E44-B9C7-802D47825E49}" presName="Name37" presStyleLbl="parChTrans1D4" presStyleIdx="7" presStyleCnt="9"/>
+      <dgm:spPr/>
+    </dgm:pt>
+    <dgm:pt modelId="{3704D19D-C393-2340-939F-9191F5F48182}" type="pres">
+      <dgm:prSet presAssocID="{5910E5FB-BC46-984F-9F7F-BE59D087C968}" presName="hierRoot2" presStyleCnt="0">
+        <dgm:presLayoutVars>
+          <dgm:hierBranch val="init"/>
+        </dgm:presLayoutVars>
+      </dgm:prSet>
+      <dgm:spPr/>
+    </dgm:pt>
+    <dgm:pt modelId="{624F1C17-2B22-3D47-AB9E-9983DA441D17}" type="pres">
+      <dgm:prSet presAssocID="{5910E5FB-BC46-984F-9F7F-BE59D087C968}" presName="rootComposite" presStyleCnt="0"/>
+      <dgm:spPr/>
+    </dgm:pt>
+    <dgm:pt modelId="{D1EBF31C-70F0-7841-8FE4-42BF848BDE9B}" type="pres">
+      <dgm:prSet presAssocID="{5910E5FB-BC46-984F-9F7F-BE59D087C968}" presName="rootText" presStyleLbl="node4" presStyleIdx="7" presStyleCnt="9">
+        <dgm:presLayoutVars>
+          <dgm:chPref val="3"/>
+        </dgm:presLayoutVars>
+      </dgm:prSet>
+      <dgm:spPr/>
+    </dgm:pt>
+    <dgm:pt modelId="{9B0BF182-2C41-ED4C-BDBE-9544CF42E551}" type="pres">
+      <dgm:prSet presAssocID="{5910E5FB-BC46-984F-9F7F-BE59D087C968}" presName="rootConnector" presStyleLbl="node4" presStyleIdx="7" presStyleCnt="9"/>
+      <dgm:spPr/>
+    </dgm:pt>
+    <dgm:pt modelId="{79649430-E1CF-0043-9921-A03A74E15C89}" type="pres">
+      <dgm:prSet presAssocID="{5910E5FB-BC46-984F-9F7F-BE59D087C968}" presName="hierChild4" presStyleCnt="0"/>
+      <dgm:spPr/>
+    </dgm:pt>
+    <dgm:pt modelId="{33A44B27-6D68-1648-8FEC-D471388350C8}" type="pres">
+      <dgm:prSet presAssocID="{5910E5FB-BC46-984F-9F7F-BE59D087C968}" presName="hierChild5" presStyleCnt="0"/>
+      <dgm:spPr/>
+    </dgm:pt>
+    <dgm:pt modelId="{486DA9F0-FFCD-1647-8F65-9ECF9C07AC6C}" type="pres">
+      <dgm:prSet presAssocID="{179D63BF-F91A-2249-B780-28654531CD80}" presName="Name37" presStyleLbl="parChTrans1D4" presStyleIdx="8" presStyleCnt="9"/>
+      <dgm:spPr/>
+    </dgm:pt>
+    <dgm:pt modelId="{2E4FC48E-B1C3-9D46-887F-26778C122707}" type="pres">
+      <dgm:prSet presAssocID="{5C55C895-CE6A-1E4B-B2A8-C348B06E826C}" presName="hierRoot2" presStyleCnt="0">
+        <dgm:presLayoutVars>
+          <dgm:hierBranch val="init"/>
+        </dgm:presLayoutVars>
+      </dgm:prSet>
+      <dgm:spPr/>
+    </dgm:pt>
+    <dgm:pt modelId="{A4AA6766-30E9-044A-93B7-780045C793E3}" type="pres">
+      <dgm:prSet presAssocID="{5C55C895-CE6A-1E4B-B2A8-C348B06E826C}" presName="rootComposite" presStyleCnt="0"/>
+      <dgm:spPr/>
+    </dgm:pt>
+    <dgm:pt modelId="{FDAEF228-0B48-4F4B-BF80-727B62E21F7E}" type="pres">
+      <dgm:prSet presAssocID="{5C55C895-CE6A-1E4B-B2A8-C348B06E826C}" presName="rootText" presStyleLbl="node4" presStyleIdx="8" presStyleCnt="9">
+        <dgm:presLayoutVars>
+          <dgm:chPref val="3"/>
+        </dgm:presLayoutVars>
+      </dgm:prSet>
+      <dgm:spPr/>
+    </dgm:pt>
+    <dgm:pt modelId="{614C42C1-BA28-B24F-B59F-8CE8BB11D5E6}" type="pres">
+      <dgm:prSet presAssocID="{5C55C895-CE6A-1E4B-B2A8-C348B06E826C}" presName="rootConnector" presStyleLbl="node4" presStyleIdx="8" presStyleCnt="9"/>
+      <dgm:spPr/>
+    </dgm:pt>
+    <dgm:pt modelId="{F6B54228-E30A-E64B-84BF-AC58DF815FF3}" type="pres">
+      <dgm:prSet presAssocID="{5C55C895-CE6A-1E4B-B2A8-C348B06E826C}" presName="hierChild4" presStyleCnt="0"/>
+      <dgm:spPr/>
+    </dgm:pt>
+    <dgm:pt modelId="{BC37F03B-1401-3D44-87EE-A5D967C2E4F3}" type="pres">
+      <dgm:prSet presAssocID="{5C55C895-CE6A-1E4B-B2A8-C348B06E826C}" presName="hierChild5" presStyleCnt="0"/>
+      <dgm:spPr/>
+    </dgm:pt>
+    <dgm:pt modelId="{9E953CE4-E326-8048-9BEE-AABD027D8BA5}" type="pres">
+      <dgm:prSet presAssocID="{3360FD1A-FFDC-164D-91D4-8CEA8B1FD94D}" presName="hierChild5" presStyleCnt="0"/>
+      <dgm:spPr/>
+    </dgm:pt>
+    <dgm:pt modelId="{279EFA41-E23F-B34D-B886-A99342BB7C14}" type="pres">
+      <dgm:prSet presAssocID="{605C8F1E-DA6C-9143-9DD0-D414112D9258}" presName="hierChild5" presStyleCnt="0"/>
+      <dgm:spPr/>
+    </dgm:pt>
+    <dgm:pt modelId="{2113F9D9-D20E-9342-97C0-8D556822BB79}" type="pres">
+      <dgm:prSet presAssocID="{C44A9499-0E71-974A-AB01-5AC883932C74}" presName="Name37" presStyleLbl="parChTrans1D3" presStyleIdx="1" presStyleCnt="3"/>
+      <dgm:spPr/>
+    </dgm:pt>
+    <dgm:pt modelId="{E96F9590-96E3-A845-BDEC-DD270C570B9C}" type="pres">
+      <dgm:prSet presAssocID="{79614999-89A6-704D-B3C2-F1EA7D8B95D5}" presName="hierRoot2" presStyleCnt="0">
+        <dgm:presLayoutVars>
+          <dgm:hierBranch val="init"/>
+        </dgm:presLayoutVars>
+      </dgm:prSet>
+      <dgm:spPr/>
+    </dgm:pt>
+    <dgm:pt modelId="{83D1293F-6ED6-5343-97A8-C2F8F20EE16B}" type="pres">
+      <dgm:prSet presAssocID="{79614999-89A6-704D-B3C2-F1EA7D8B95D5}" presName="rootComposite" presStyleCnt="0"/>
+      <dgm:spPr/>
+    </dgm:pt>
+    <dgm:pt modelId="{6DECA8F8-812B-784B-AE35-3184CBAA7F1B}" type="pres">
+      <dgm:prSet presAssocID="{79614999-89A6-704D-B3C2-F1EA7D8B95D5}" presName="rootText" presStyleLbl="node3" presStyleIdx="1" presStyleCnt="3">
+        <dgm:presLayoutVars>
+          <dgm:chPref val="3"/>
+        </dgm:presLayoutVars>
+      </dgm:prSet>
+      <dgm:spPr/>
+    </dgm:pt>
+    <dgm:pt modelId="{847129E5-67F8-3F4B-ABFD-BF677EAD96CE}" type="pres">
+      <dgm:prSet presAssocID="{79614999-89A6-704D-B3C2-F1EA7D8B95D5}" presName="rootConnector" presStyleLbl="node3" presStyleIdx="1" presStyleCnt="3"/>
+      <dgm:spPr/>
+    </dgm:pt>
+    <dgm:pt modelId="{DD4A08F9-7291-C94D-9E80-89FAAA6A1BB0}" type="pres">
+      <dgm:prSet presAssocID="{79614999-89A6-704D-B3C2-F1EA7D8B95D5}" presName="hierChild4" presStyleCnt="0"/>
+      <dgm:spPr/>
+    </dgm:pt>
+    <dgm:pt modelId="{8AD460FA-00F9-F948-95D8-72227144F42E}" type="pres">
+      <dgm:prSet presAssocID="{79614999-89A6-704D-B3C2-F1EA7D8B95D5}" presName="hierChild5" presStyleCnt="0"/>
+      <dgm:spPr/>
+    </dgm:pt>
+    <dgm:pt modelId="{00C014EF-31D2-1F4A-8EB5-566683DA6C97}" type="pres">
+      <dgm:prSet presAssocID="{7BA1B945-51CC-034B-946C-4780F3DD2F50}" presName="Name37" presStyleLbl="parChTrans1D3" presStyleIdx="2" presStyleCnt="3"/>
+      <dgm:spPr/>
+    </dgm:pt>
+    <dgm:pt modelId="{E3F40E18-D347-124C-875E-1A208FBF8BEE}" type="pres">
+      <dgm:prSet presAssocID="{74762497-18FC-C949-9E7C-B0D062E2E6B9}" presName="hierRoot2" presStyleCnt="0">
+        <dgm:presLayoutVars>
+          <dgm:hierBranch val="init"/>
+        </dgm:presLayoutVars>
+      </dgm:prSet>
+      <dgm:spPr/>
+    </dgm:pt>
+    <dgm:pt modelId="{ACA7C30E-1879-5C4F-96F7-E622433F40B6}" type="pres">
+      <dgm:prSet presAssocID="{74762497-18FC-C949-9E7C-B0D062E2E6B9}" presName="rootComposite" presStyleCnt="0"/>
+      <dgm:spPr/>
+    </dgm:pt>
+    <dgm:pt modelId="{B364965C-3C00-9944-B7EF-016D48A3C803}" type="pres">
+      <dgm:prSet presAssocID="{74762497-18FC-C949-9E7C-B0D062E2E6B9}" presName="rootText" presStyleLbl="node3" presStyleIdx="2" presStyleCnt="3">
+        <dgm:presLayoutVars>
+          <dgm:chPref val="3"/>
+        </dgm:presLayoutVars>
+      </dgm:prSet>
+      <dgm:spPr/>
+    </dgm:pt>
+    <dgm:pt modelId="{8FFFE0BE-3B56-DA4D-8525-F958D1F2CF9E}" type="pres">
+      <dgm:prSet presAssocID="{74762497-18FC-C949-9E7C-B0D062E2E6B9}" presName="rootConnector" presStyleLbl="node3" presStyleIdx="2" presStyleCnt="3"/>
+      <dgm:spPr/>
+    </dgm:pt>
+    <dgm:pt modelId="{3FD9825B-5012-1B4A-838B-DCF8A40C466E}" type="pres">
+      <dgm:prSet presAssocID="{74762497-18FC-C949-9E7C-B0D062E2E6B9}" presName="hierChild4" presStyleCnt="0"/>
+      <dgm:spPr/>
+    </dgm:pt>
+    <dgm:pt modelId="{4E06EE34-0B9E-3B4F-BB67-D1CF7B60A527}" type="pres">
+      <dgm:prSet presAssocID="{74762497-18FC-C949-9E7C-B0D062E2E6B9}" presName="hierChild5" presStyleCnt="0"/>
+      <dgm:spPr/>
+    </dgm:pt>
+    <dgm:pt modelId="{D1B36D2A-033A-3947-8BF6-D1ACD296593A}" type="pres">
+      <dgm:prSet presAssocID="{EC87CEA7-C335-C249-A4D9-C315C3363DC6}" presName="hierChild5" presStyleCnt="0"/>
+      <dgm:spPr/>
+    </dgm:pt>
+    <dgm:pt modelId="{8EC00019-ADF6-6F48-B854-62817677E67B}" type="pres">
+      <dgm:prSet presAssocID="{9EDB6A98-A9E1-CC4C-AA7D-8B4C1F2388C1}" presName="hierChild3" presStyleCnt="0"/>
+      <dgm:spPr/>
+    </dgm:pt>
+  </dgm:ptLst>
+  <dgm:cxnLst>
+    <dgm:cxn modelId="{EB67E904-87D2-F845-B298-DD24A1D43A13}" type="presOf" srcId="{C44A9499-0E71-974A-AB01-5AC883932C74}" destId="{2113F9D9-D20E-9342-97C0-8D556822BB79}" srcOrd="0" destOrd="0" presId="urn:microsoft.com/office/officeart/2005/8/layout/orgChart1"/>
+    <dgm:cxn modelId="{B186F20B-0010-4C4C-8457-D0E1371B2D84}" type="presOf" srcId="{AC845045-5514-064F-B7DB-FDF80C14E149}" destId="{08961B0F-7A0B-8A47-874D-5E98F02B22E9}" srcOrd="0" destOrd="0" presId="urn:microsoft.com/office/officeart/2005/8/layout/orgChart1"/>
+    <dgm:cxn modelId="{780B6512-E1A1-AF4E-9C2A-6538BDE1DBD5}" type="presOf" srcId="{D6E9DE8A-775C-5D43-947B-F6E3F057B38E}" destId="{F3DD806C-799B-0946-B6AE-310F4EBFCB96}" srcOrd="0" destOrd="0" presId="urn:microsoft.com/office/officeart/2005/8/layout/orgChart1"/>
+    <dgm:cxn modelId="{186F8112-BF68-3C40-9BA8-94EEF6DEE2C9}" srcId="{47054F18-6524-2F49-862A-849704AD3E60}" destId="{FD6E3E8B-E60E-EA48-8126-3D9AD041FB84}" srcOrd="1" destOrd="0" parTransId="{3C087C5F-0BC4-9047-92A3-62F0363C0DFB}" sibTransId="{0513FF2F-5ED2-174A-8CF9-0045DD18E646}"/>
+    <dgm:cxn modelId="{1D901C13-68E0-5646-91C4-C26D433223CE}" srcId="{8843D19D-CA5D-754E-A7E3-F3D82AF0C613}" destId="{9EDB6A98-A9E1-CC4C-AA7D-8B4C1F2388C1}" srcOrd="0" destOrd="0" parTransId="{4E13CA82-E874-9349-A6E2-17B42C4D5018}" sibTransId="{00D1CBD0-9AF0-274F-925B-3722DE29D81C}"/>
+    <dgm:cxn modelId="{65687015-1E59-C34E-BC11-5587A25261E4}" srcId="{605C8F1E-DA6C-9143-9DD0-D414112D9258}" destId="{3360FD1A-FFDC-164D-91D4-8CEA8B1FD94D}" srcOrd="2" destOrd="0" parTransId="{2997BE12-E563-D944-8097-C3E9D4B378FD}" sibTransId="{F3D3312A-9F3C-D14C-A510-F322A3B3562F}"/>
+    <dgm:cxn modelId="{6BF7E015-6C85-B44D-8B67-336993410B30}" type="presOf" srcId="{3360FD1A-FFDC-164D-91D4-8CEA8B1FD94D}" destId="{DBFBA675-64EB-8D42-A7A5-82E8AEA0A825}" srcOrd="1" destOrd="0" presId="urn:microsoft.com/office/officeart/2005/8/layout/orgChart1"/>
+    <dgm:cxn modelId="{1FA4FA1B-DCD1-1F49-927D-CFD606C277F8}" type="presOf" srcId="{179D63BF-F91A-2249-B780-28654531CD80}" destId="{486DA9F0-FFCD-1647-8F65-9ECF9C07AC6C}" srcOrd="0" destOrd="0" presId="urn:microsoft.com/office/officeart/2005/8/layout/orgChart1"/>
+    <dgm:cxn modelId="{87498721-6075-094C-B393-D329A709E13A}" type="presOf" srcId="{432076D7-A143-D747-8061-541F39DFC7AC}" destId="{D52712D7-CC57-7B46-845D-56AB10062DC9}" srcOrd="1" destOrd="0" presId="urn:microsoft.com/office/officeart/2005/8/layout/orgChart1"/>
+    <dgm:cxn modelId="{1FE2B721-6F31-3549-8DE7-745322E8FB22}" type="presOf" srcId="{FD6E3E8B-E60E-EA48-8126-3D9AD041FB84}" destId="{8DCBEF47-F874-4442-B136-1313C2787477}" srcOrd="1" destOrd="0" presId="urn:microsoft.com/office/officeart/2005/8/layout/orgChart1"/>
+    <dgm:cxn modelId="{0B4A8A23-576B-9842-9ED0-0982B48D7420}" srcId="{605C8F1E-DA6C-9143-9DD0-D414112D9258}" destId="{47054F18-6524-2F49-862A-849704AD3E60}" srcOrd="1" destOrd="0" parTransId="{5A7ADEDB-BFFD-E24F-9CDF-76A5B44F3737}" sibTransId="{675C7A05-7648-2944-AF0C-E1CA42E42CE6}"/>
+    <dgm:cxn modelId="{92B6D428-5C9F-E542-ADC1-0D4FFEE3995E}" type="presOf" srcId="{FD6E3E8B-E60E-EA48-8126-3D9AD041FB84}" destId="{5964B087-E7E2-6D4A-BEEF-F4FF01771ADA}" srcOrd="0" destOrd="0" presId="urn:microsoft.com/office/officeart/2005/8/layout/orgChart1"/>
+    <dgm:cxn modelId="{EA93FD2A-5DD6-144C-BC09-49D9C2DB0E8E}" type="presOf" srcId="{D6E9DE8A-775C-5D43-947B-F6E3F057B38E}" destId="{A35D1782-5E43-BD48-B088-C9F37137DA31}" srcOrd="1" destOrd="0" presId="urn:microsoft.com/office/officeart/2005/8/layout/orgChart1"/>
+    <dgm:cxn modelId="{854B992E-1BF3-294A-A89C-721C1BC9B981}" type="presOf" srcId="{EC87CEA7-C335-C249-A4D9-C315C3363DC6}" destId="{8C9A0B79-F0E3-2749-96B0-A5875CBFAA27}" srcOrd="0" destOrd="0" presId="urn:microsoft.com/office/officeart/2005/8/layout/orgChart1"/>
+    <dgm:cxn modelId="{FB569D32-AC34-C648-B347-339349BAB7BE}" type="presOf" srcId="{5910E5FB-BC46-984F-9F7F-BE59D087C968}" destId="{9B0BF182-2C41-ED4C-BDBE-9544CF42E551}" srcOrd="1" destOrd="0" presId="urn:microsoft.com/office/officeart/2005/8/layout/orgChart1"/>
+    <dgm:cxn modelId="{866DA436-0836-A841-9B5F-D72BBF5C401E}" type="presOf" srcId="{605C8F1E-DA6C-9143-9DD0-D414112D9258}" destId="{CDAF039D-B252-E84D-BCED-23FE943C1D4B}" srcOrd="0" destOrd="0" presId="urn:microsoft.com/office/officeart/2005/8/layout/orgChart1"/>
+    <dgm:cxn modelId="{52F99237-451C-CD44-8FC2-F4ECF2B6051D}" srcId="{EC87CEA7-C335-C249-A4D9-C315C3363DC6}" destId="{79614999-89A6-704D-B3C2-F1EA7D8B95D5}" srcOrd="1" destOrd="0" parTransId="{C44A9499-0E71-974A-AB01-5AC883932C74}" sibTransId="{48FA5F08-66F5-4B4B-96B0-67BF4081FCC9}"/>
+    <dgm:cxn modelId="{AB900E3B-64B9-E44E-A961-CF9A40FD5FFF}" type="presOf" srcId="{FCE60EBC-037A-4F4B-B102-C6C5B9DA7D74}" destId="{520F8DA3-C01D-CA4F-8C1F-2CC1590BF7D0}" srcOrd="0" destOrd="0" presId="urn:microsoft.com/office/officeart/2005/8/layout/orgChart1"/>
+    <dgm:cxn modelId="{916D673E-6C14-BF49-858E-52FDC8B73D61}" type="presOf" srcId="{74762497-18FC-C949-9E7C-B0D062E2E6B9}" destId="{B364965C-3C00-9944-B7EF-016D48A3C803}" srcOrd="0" destOrd="0" presId="urn:microsoft.com/office/officeart/2005/8/layout/orgChart1"/>
+    <dgm:cxn modelId="{360C6E3F-DADC-6149-A009-4D3DE20D0551}" srcId="{432076D7-A143-D747-8061-541F39DFC7AC}" destId="{D6E9DE8A-775C-5D43-947B-F6E3F057B38E}" srcOrd="0" destOrd="0" parTransId="{BDFE7061-96BD-8C4A-A975-806AB3D8F52F}" sibTransId="{4F1B9130-54D0-E645-989A-0F542D5D86D3}"/>
+    <dgm:cxn modelId="{5BC9A240-0010-F840-BE67-F95F82F3F909}" type="presOf" srcId="{3360FD1A-FFDC-164D-91D4-8CEA8B1FD94D}" destId="{6EE9C254-C0CF-9746-A0CD-325AA41769C7}" srcOrd="0" destOrd="0" presId="urn:microsoft.com/office/officeart/2005/8/layout/orgChart1"/>
+    <dgm:cxn modelId="{126C654A-9345-3344-8F30-038064A44535}" type="presOf" srcId="{3243BA8E-5467-3746-9E15-1B59BA21B990}" destId="{D931D1BA-230B-A242-B87E-28F70E173D1F}" srcOrd="1" destOrd="0" presId="urn:microsoft.com/office/officeart/2005/8/layout/orgChart1"/>
+    <dgm:cxn modelId="{260E454B-2BB1-DA44-996E-AD9234D414F7}" type="presOf" srcId="{040A7765-82AB-7041-AB24-FE44F95F0233}" destId="{81597DCE-A2CE-8E41-8610-25EED82ECA7A}" srcOrd="0" destOrd="0" presId="urn:microsoft.com/office/officeart/2005/8/layout/orgChart1"/>
+    <dgm:cxn modelId="{26CCF64D-B662-734B-BD8C-695B092FF54F}" srcId="{432076D7-A143-D747-8061-541F39DFC7AC}" destId="{902828A7-ABE5-4545-8FE0-D8D71F4D011B}" srcOrd="1" destOrd="0" parTransId="{FCE60EBC-037A-4F4B-B102-C6C5B9DA7D74}" sibTransId="{4F25D7E5-1006-8B4B-A017-280E5FC3DC50}"/>
+    <dgm:cxn modelId="{E7010C4E-685C-454F-BFFD-9F5111EBA38D}" srcId="{9EDB6A98-A9E1-CC4C-AA7D-8B4C1F2388C1}" destId="{63B14DC6-B726-684F-B9A6-D67CF660FB5E}" srcOrd="0" destOrd="0" parTransId="{AC845045-5514-064F-B7DB-FDF80C14E149}" sibTransId="{4728A033-675F-734D-95E0-E43FF5FC14CB}"/>
+    <dgm:cxn modelId="{6E323D50-6DA6-4847-8E61-B2AC2E55B539}" type="presOf" srcId="{432076D7-A143-D747-8061-541F39DFC7AC}" destId="{A90D722A-E883-DC4C-A1D2-BA64D8B29B5E}" srcOrd="0" destOrd="0" presId="urn:microsoft.com/office/officeart/2005/8/layout/orgChart1"/>
+    <dgm:cxn modelId="{02B29D55-7A0B-BC42-B680-D98FF2161698}" type="presOf" srcId="{605C8F1E-DA6C-9143-9DD0-D414112D9258}" destId="{E622597F-3EBC-624E-AD54-29516F95543F}" srcOrd="1" destOrd="0" presId="urn:microsoft.com/office/officeart/2005/8/layout/orgChart1"/>
+    <dgm:cxn modelId="{5C950C5A-AFFD-0B40-B5C9-AC7B8C23ECEA}" type="presOf" srcId="{E556DC90-8D75-2441-B3C4-349E1945C094}" destId="{C5FB34AA-1850-7C43-8D49-7F6B278CC5F6}" srcOrd="0" destOrd="0" presId="urn:microsoft.com/office/officeart/2005/8/layout/orgChart1"/>
+    <dgm:cxn modelId="{5EED2C5D-8FEB-D64C-9A85-D00A8755DDD0}" srcId="{EC87CEA7-C335-C249-A4D9-C315C3363DC6}" destId="{74762497-18FC-C949-9E7C-B0D062E2E6B9}" srcOrd="2" destOrd="0" parTransId="{7BA1B945-51CC-034B-946C-4780F3DD2F50}" sibTransId="{A9067819-60A2-7144-BD3E-5EFA1FC7F611}"/>
+    <dgm:cxn modelId="{E445F460-EDCF-E342-B2B4-CC01388042A5}" type="presOf" srcId="{9EDB6A98-A9E1-CC4C-AA7D-8B4C1F2388C1}" destId="{D16225A5-AC8D-604D-857F-A97DFC74364E}" srcOrd="0" destOrd="0" presId="urn:microsoft.com/office/officeart/2005/8/layout/orgChart1"/>
+    <dgm:cxn modelId="{5F795261-6741-1249-9F15-86289AA6C1BB}" type="presOf" srcId="{47054F18-6524-2F49-862A-849704AD3E60}" destId="{345AD435-DCA5-084D-8CFD-2126A0CEF045}" srcOrd="1" destOrd="0" presId="urn:microsoft.com/office/officeart/2005/8/layout/orgChart1"/>
+    <dgm:cxn modelId="{CF154173-B425-1B40-A864-A494A33EBDC5}" type="presOf" srcId="{902828A7-ABE5-4545-8FE0-D8D71F4D011B}" destId="{FD0B7F04-1C65-9148-8551-8D76F04CF3D1}" srcOrd="0" destOrd="0" presId="urn:microsoft.com/office/officeart/2005/8/layout/orgChart1"/>
+    <dgm:cxn modelId="{A2CAC977-CE0A-E04C-A009-41043BAE68DB}" type="presOf" srcId="{5C55C895-CE6A-1E4B-B2A8-C348B06E826C}" destId="{FDAEF228-0B48-4F4B-BF80-727B62E21F7E}" srcOrd="0" destOrd="0" presId="urn:microsoft.com/office/officeart/2005/8/layout/orgChart1"/>
+    <dgm:cxn modelId="{BD63227B-D919-3146-9B88-9B1556823989}" type="presOf" srcId="{7BA1B945-51CC-034B-946C-4780F3DD2F50}" destId="{00C014EF-31D2-1F4A-8EB5-566683DA6C97}" srcOrd="0" destOrd="0" presId="urn:microsoft.com/office/officeart/2005/8/layout/orgChart1"/>
+    <dgm:cxn modelId="{C27A207E-139E-0B4A-A4A6-1A81A158BD9B}" type="presOf" srcId="{3243BA8E-5467-3746-9E15-1B59BA21B990}" destId="{ABABF6FC-96C6-CC42-8E1D-4A7FA53E3F5C}" srcOrd="0" destOrd="0" presId="urn:microsoft.com/office/officeart/2005/8/layout/orgChart1"/>
+    <dgm:cxn modelId="{BBFB7F85-62CD-F24F-A00D-3CF466225C6A}" type="presOf" srcId="{5C55C895-CE6A-1E4B-B2A8-C348B06E826C}" destId="{614C42C1-BA28-B24F-B59F-8CE8BB11D5E6}" srcOrd="1" destOrd="0" presId="urn:microsoft.com/office/officeart/2005/8/layout/orgChart1"/>
+    <dgm:cxn modelId="{94903686-1ACB-D743-BB81-00E73E01A988}" srcId="{47054F18-6524-2F49-862A-849704AD3E60}" destId="{3243BA8E-5467-3746-9E15-1B59BA21B990}" srcOrd="0" destOrd="0" parTransId="{E5AAAF9D-0971-6743-8EFE-1030E6F1F660}" sibTransId="{8EC4F023-CF75-0C41-919B-A4B1DB9DE0F0}"/>
+    <dgm:cxn modelId="{7B3F0E8A-6489-5645-BD00-0CA9E95D42EF}" type="presOf" srcId="{EC87CEA7-C335-C249-A4D9-C315C3363DC6}" destId="{402EDAC4-3A42-3A41-8B9F-41D3449004AF}" srcOrd="1" destOrd="0" presId="urn:microsoft.com/office/officeart/2005/8/layout/orgChart1"/>
+    <dgm:cxn modelId="{0501F48B-6D82-624B-9CF5-FD24EEA86FF9}" type="presOf" srcId="{FD375A62-31D7-2E44-B9C7-802D47825E49}" destId="{BD8D08CC-E0F6-914F-9F34-2A00FDC8D4C9}" srcOrd="0" destOrd="0" presId="urn:microsoft.com/office/officeart/2005/8/layout/orgChart1"/>
+    <dgm:cxn modelId="{2DB697A9-54F5-3343-BC0D-823B897A4930}" type="presOf" srcId="{9EDB6A98-A9E1-CC4C-AA7D-8B4C1F2388C1}" destId="{E4526696-D729-304F-8B91-A3A0395B577B}" srcOrd="1" destOrd="0" presId="urn:microsoft.com/office/officeart/2005/8/layout/orgChart1"/>
+    <dgm:cxn modelId="{D19042B5-1E7C-3E4A-AF34-8DC530BE2BBC}" type="presOf" srcId="{79614999-89A6-704D-B3C2-F1EA7D8B95D5}" destId="{847129E5-67F8-3F4B-ABFD-BF677EAD96CE}" srcOrd="1" destOrd="0" presId="urn:microsoft.com/office/officeart/2005/8/layout/orgChart1"/>
+    <dgm:cxn modelId="{9C8D06BB-A0EA-A247-8603-65DD93A68326}" type="presOf" srcId="{3C087C5F-0BC4-9047-92A3-62F0363C0DFB}" destId="{2B039EDC-66C3-024C-9236-8D89D02D1AFC}" srcOrd="0" destOrd="0" presId="urn:microsoft.com/office/officeart/2005/8/layout/orgChart1"/>
+    <dgm:cxn modelId="{DF02B7BF-7C2A-F243-BE21-B783368FEFA3}" type="presOf" srcId="{74762497-18FC-C949-9E7C-B0D062E2E6B9}" destId="{8FFFE0BE-3B56-DA4D-8525-F958D1F2CF9E}" srcOrd="1" destOrd="0" presId="urn:microsoft.com/office/officeart/2005/8/layout/orgChart1"/>
+    <dgm:cxn modelId="{3A32D7C4-BF77-C048-AB24-68CBCD8FE27F}" type="presOf" srcId="{5A7ADEDB-BFFD-E24F-9CDF-76A5B44F3737}" destId="{741F2B82-F17E-3C45-B633-9BDB98D83078}" srcOrd="0" destOrd="0" presId="urn:microsoft.com/office/officeart/2005/8/layout/orgChart1"/>
+    <dgm:cxn modelId="{676285CB-1478-2C4B-8A7A-CBD7ADA768FD}" type="presOf" srcId="{BDFE7061-96BD-8C4A-A975-806AB3D8F52F}" destId="{151E8B87-E1F2-1D4F-AB50-66974EAFBB33}" srcOrd="0" destOrd="0" presId="urn:microsoft.com/office/officeart/2005/8/layout/orgChart1"/>
+    <dgm:cxn modelId="{FBEA6ACD-A77D-9B4F-8E5F-EC87920C4E22}" type="presOf" srcId="{5910E5FB-BC46-984F-9F7F-BE59D087C968}" destId="{D1EBF31C-70F0-7841-8FE4-42BF848BDE9B}" srcOrd="0" destOrd="0" presId="urn:microsoft.com/office/officeart/2005/8/layout/orgChart1"/>
+    <dgm:cxn modelId="{8850A8CF-DC5E-2D42-ADF3-3B0EDE1C6510}" type="presOf" srcId="{63B14DC6-B726-684F-B9A6-D67CF660FB5E}" destId="{AFFBEF4C-20C3-A24B-95EA-8561507803E4}" srcOrd="0" destOrd="0" presId="urn:microsoft.com/office/officeart/2005/8/layout/orgChart1"/>
+    <dgm:cxn modelId="{6AC57FD4-19AD-C241-801D-771FCC5AF337}" srcId="{EC87CEA7-C335-C249-A4D9-C315C3363DC6}" destId="{605C8F1E-DA6C-9143-9DD0-D414112D9258}" srcOrd="0" destOrd="0" parTransId="{E556DC90-8D75-2441-B3C4-349E1945C094}" sibTransId="{E9C56D57-3797-9048-8F75-26EAE9493CAB}"/>
+    <dgm:cxn modelId="{B27F02D5-47ED-9B4C-A154-B48762F731B6}" srcId="{9EDB6A98-A9E1-CC4C-AA7D-8B4C1F2388C1}" destId="{EC87CEA7-C335-C249-A4D9-C315C3363DC6}" srcOrd="1" destOrd="0" parTransId="{040A7765-82AB-7041-AB24-FE44F95F0233}" sibTransId="{06B203B7-E870-E74E-B932-01C83A6F5725}"/>
+    <dgm:cxn modelId="{91CCC3D9-F992-5547-B610-62758FCB4ADB}" type="presOf" srcId="{E5AAAF9D-0971-6743-8EFE-1030E6F1F660}" destId="{0FA765B2-1FD6-1E4C-85BA-56656FAAA92B}" srcOrd="0" destOrd="0" presId="urn:microsoft.com/office/officeart/2005/8/layout/orgChart1"/>
+    <dgm:cxn modelId="{BF3882DC-271D-754E-B3EB-057EE5403435}" type="presOf" srcId="{902828A7-ABE5-4545-8FE0-D8D71F4D011B}" destId="{1EE96B02-4D90-1943-AB01-8A978318E2F8}" srcOrd="1" destOrd="0" presId="urn:microsoft.com/office/officeart/2005/8/layout/orgChart1"/>
+    <dgm:cxn modelId="{8B3A63DD-FF83-7C44-8D04-73D4A0FB27E9}" type="presOf" srcId="{47054F18-6524-2F49-862A-849704AD3E60}" destId="{4E22F7B0-85BF-2B42-9D41-5221C162A096}" srcOrd="0" destOrd="0" presId="urn:microsoft.com/office/officeart/2005/8/layout/orgChart1"/>
+    <dgm:cxn modelId="{8987A6E4-9FF8-344A-8003-DB3050AAE0AD}" type="presOf" srcId="{63B14DC6-B726-684F-B9A6-D67CF660FB5E}" destId="{FD5F2C9D-1690-2C47-8018-2526D6C88B11}" srcOrd="1" destOrd="0" presId="urn:microsoft.com/office/officeart/2005/8/layout/orgChart1"/>
+    <dgm:cxn modelId="{1A0F93E6-C3E0-8A41-8FD0-94D29ECE4901}" type="presOf" srcId="{2E81DCC0-C29E-4445-A3D4-7D3726D7FB32}" destId="{E6E50C92-EFB9-7F4B-A854-AF896FDFC388}" srcOrd="0" destOrd="0" presId="urn:microsoft.com/office/officeart/2005/8/layout/orgChart1"/>
+    <dgm:cxn modelId="{920404E9-C095-A649-8F25-5FDB9A1DD187}" srcId="{605C8F1E-DA6C-9143-9DD0-D414112D9258}" destId="{432076D7-A143-D747-8061-541F39DFC7AC}" srcOrd="0" destOrd="0" parTransId="{2E81DCC0-C29E-4445-A3D4-7D3726D7FB32}" sibTransId="{918641BA-3368-D24A-B333-CD891BABC530}"/>
+    <dgm:cxn modelId="{AE0E54EA-4AA5-814C-A6A3-D0D56F550C06}" srcId="{3360FD1A-FFDC-164D-91D4-8CEA8B1FD94D}" destId="{5C55C895-CE6A-1E4B-B2A8-C348B06E826C}" srcOrd="1" destOrd="0" parTransId="{179D63BF-F91A-2249-B780-28654531CD80}" sibTransId="{86805073-D168-F04C-9C50-FB43F849DA20}"/>
+    <dgm:cxn modelId="{5499F1F0-C3AE-A444-9808-B561C281BE0E}" type="presOf" srcId="{2997BE12-E563-D944-8097-C3E9D4B378FD}" destId="{7BDE09AB-CB7F-5B4F-AD4F-F15BD4FDE8D0}" srcOrd="0" destOrd="0" presId="urn:microsoft.com/office/officeart/2005/8/layout/orgChart1"/>
+    <dgm:cxn modelId="{C8C531FD-9A18-7949-8800-D625ED67EEEB}" type="presOf" srcId="{8843D19D-CA5D-754E-A7E3-F3D82AF0C613}" destId="{82CCA982-1DB6-0146-802E-9236FA2048C8}" srcOrd="0" destOrd="0" presId="urn:microsoft.com/office/officeart/2005/8/layout/orgChart1"/>
+    <dgm:cxn modelId="{B00387FD-D02E-9B44-9AD6-4AF15B950DC6}" type="presOf" srcId="{79614999-89A6-704D-B3C2-F1EA7D8B95D5}" destId="{6DECA8F8-812B-784B-AE35-3184CBAA7F1B}" srcOrd="0" destOrd="0" presId="urn:microsoft.com/office/officeart/2005/8/layout/orgChart1"/>
+    <dgm:cxn modelId="{71C28EFD-E543-F344-A8C8-53EF28A9A253}" srcId="{3360FD1A-FFDC-164D-91D4-8CEA8B1FD94D}" destId="{5910E5FB-BC46-984F-9F7F-BE59D087C968}" srcOrd="0" destOrd="0" parTransId="{FD375A62-31D7-2E44-B9C7-802D47825E49}" sibTransId="{ABFE1934-24B9-1F4A-84F1-3AFA38B09410}"/>
+    <dgm:cxn modelId="{FA3165C7-46D0-5045-8637-770503406BA7}" type="presParOf" srcId="{82CCA982-1DB6-0146-802E-9236FA2048C8}" destId="{B2976406-1A78-E34F-BB05-D6917E5DCA3F}" srcOrd="0" destOrd="0" presId="urn:microsoft.com/office/officeart/2005/8/layout/orgChart1"/>
+    <dgm:cxn modelId="{2C626CD3-905F-D449-A3B5-7D5420374913}" type="presParOf" srcId="{B2976406-1A78-E34F-BB05-D6917E5DCA3F}" destId="{586E33AC-0A90-4548-AA21-6F324784FAD4}" srcOrd="0" destOrd="0" presId="urn:microsoft.com/office/officeart/2005/8/layout/orgChart1"/>
+    <dgm:cxn modelId="{0AB298B9-CF75-5B47-80D6-A89C346F3F30}" type="presParOf" srcId="{586E33AC-0A90-4548-AA21-6F324784FAD4}" destId="{D16225A5-AC8D-604D-857F-A97DFC74364E}" srcOrd="0" destOrd="0" presId="urn:microsoft.com/office/officeart/2005/8/layout/orgChart1"/>
+    <dgm:cxn modelId="{EBC07443-7812-DD4E-B5B6-C939D557F015}" type="presParOf" srcId="{586E33AC-0A90-4548-AA21-6F324784FAD4}" destId="{E4526696-D729-304F-8B91-A3A0395B577B}" srcOrd="1" destOrd="0" presId="urn:microsoft.com/office/officeart/2005/8/layout/orgChart1"/>
+    <dgm:cxn modelId="{D9B42622-8643-7049-9B59-BF65F932DF21}" type="presParOf" srcId="{B2976406-1A78-E34F-BB05-D6917E5DCA3F}" destId="{6C5B700F-649D-9041-BE03-6C028CF18396}" srcOrd="1" destOrd="0" presId="urn:microsoft.com/office/officeart/2005/8/layout/orgChart1"/>
+    <dgm:cxn modelId="{7B6ADC4E-483B-CC40-BA87-5B5BCB261094}" type="presParOf" srcId="{6C5B700F-649D-9041-BE03-6C028CF18396}" destId="{08961B0F-7A0B-8A47-874D-5E98F02B22E9}" srcOrd="0" destOrd="0" presId="urn:microsoft.com/office/officeart/2005/8/layout/orgChart1"/>
+    <dgm:cxn modelId="{F5D0D9C4-038A-1E49-BE3C-9B3574F9CB38}" type="presParOf" srcId="{6C5B700F-649D-9041-BE03-6C028CF18396}" destId="{147DD188-F81D-D343-9B9D-E42A1C488543}" srcOrd="1" destOrd="0" presId="urn:microsoft.com/office/officeart/2005/8/layout/orgChart1"/>
+    <dgm:cxn modelId="{AFB2FD60-C872-E842-9EFC-C208D3B9B666}" type="presParOf" srcId="{147DD188-F81D-D343-9B9D-E42A1C488543}" destId="{8C84C442-E264-8E41-9047-3C118A8448ED}" srcOrd="0" destOrd="0" presId="urn:microsoft.com/office/officeart/2005/8/layout/orgChart1"/>
+    <dgm:cxn modelId="{A0CB008A-FC36-1045-B1FC-CEF5F87FD181}" type="presParOf" srcId="{8C84C442-E264-8E41-9047-3C118A8448ED}" destId="{AFFBEF4C-20C3-A24B-95EA-8561507803E4}" srcOrd="0" destOrd="0" presId="urn:microsoft.com/office/officeart/2005/8/layout/orgChart1"/>
+    <dgm:cxn modelId="{18DB9B8A-5D12-0849-9D52-D734571CFD1B}" type="presParOf" srcId="{8C84C442-E264-8E41-9047-3C118A8448ED}" destId="{FD5F2C9D-1690-2C47-8018-2526D6C88B11}" srcOrd="1" destOrd="0" presId="urn:microsoft.com/office/officeart/2005/8/layout/orgChart1"/>
+    <dgm:cxn modelId="{23BFB7AF-CAB8-7A43-A6E6-8A278B78030D}" type="presParOf" srcId="{147DD188-F81D-D343-9B9D-E42A1C488543}" destId="{9B6EE540-0AD9-E642-8BB7-103C84E792A5}" srcOrd="1" destOrd="0" presId="urn:microsoft.com/office/officeart/2005/8/layout/orgChart1"/>
+    <dgm:cxn modelId="{79250312-E1B8-D34F-B25F-BC2536BB4B2E}" type="presParOf" srcId="{147DD188-F81D-D343-9B9D-E42A1C488543}" destId="{928B618B-D58F-D543-925B-53FB5DCB9BCA}" srcOrd="2" destOrd="0" presId="urn:microsoft.com/office/officeart/2005/8/layout/orgChart1"/>
+    <dgm:cxn modelId="{0D351446-6627-3541-BEB0-B8ED9F1023A2}" type="presParOf" srcId="{6C5B700F-649D-9041-BE03-6C028CF18396}" destId="{81597DCE-A2CE-8E41-8610-25EED82ECA7A}" srcOrd="2" destOrd="0" presId="urn:microsoft.com/office/officeart/2005/8/layout/orgChart1"/>
+    <dgm:cxn modelId="{E7888A95-43BC-D042-9C1A-52A6FC742E0E}" type="presParOf" srcId="{6C5B700F-649D-9041-BE03-6C028CF18396}" destId="{D933EB67-B5BF-F041-95F7-70641803076E}" srcOrd="3" destOrd="0" presId="urn:microsoft.com/office/officeart/2005/8/layout/orgChart1"/>
+    <dgm:cxn modelId="{396B529A-3272-104D-9FD6-A599B94E2354}" type="presParOf" srcId="{D933EB67-B5BF-F041-95F7-70641803076E}" destId="{14AB5EDE-A25F-D349-A298-1CA0247857A0}" srcOrd="0" destOrd="0" presId="urn:microsoft.com/office/officeart/2005/8/layout/orgChart1"/>
+    <dgm:cxn modelId="{DB392FA0-CF6B-C24C-BA2D-788E42155D7D}" type="presParOf" srcId="{14AB5EDE-A25F-D349-A298-1CA0247857A0}" destId="{8C9A0B79-F0E3-2749-96B0-A5875CBFAA27}" srcOrd="0" destOrd="0" presId="urn:microsoft.com/office/officeart/2005/8/layout/orgChart1"/>
+    <dgm:cxn modelId="{D09A94CA-BA97-6841-A93D-755506A3423B}" type="presParOf" srcId="{14AB5EDE-A25F-D349-A298-1CA0247857A0}" destId="{402EDAC4-3A42-3A41-8B9F-41D3449004AF}" srcOrd="1" destOrd="0" presId="urn:microsoft.com/office/officeart/2005/8/layout/orgChart1"/>
+    <dgm:cxn modelId="{FFEF4D5A-EE2D-A047-B9F6-EB4A3A501A78}" type="presParOf" srcId="{D933EB67-B5BF-F041-95F7-70641803076E}" destId="{79B1684E-4739-CB4E-AB31-06E4E2971AEA}" srcOrd="1" destOrd="0" presId="urn:microsoft.com/office/officeart/2005/8/layout/orgChart1"/>
+    <dgm:cxn modelId="{CB7BA092-CC37-B14F-ADFD-630680B1F16B}" type="presParOf" srcId="{79B1684E-4739-CB4E-AB31-06E4E2971AEA}" destId="{C5FB34AA-1850-7C43-8D49-7F6B278CC5F6}" srcOrd="0" destOrd="0" presId="urn:microsoft.com/office/officeart/2005/8/layout/orgChart1"/>
+    <dgm:cxn modelId="{656F94D3-09DF-CD40-8683-0A5FFF3F9831}" type="presParOf" srcId="{79B1684E-4739-CB4E-AB31-06E4E2971AEA}" destId="{74CB3E5E-3022-5649-A665-B5A80D2945B5}" srcOrd="1" destOrd="0" presId="urn:microsoft.com/office/officeart/2005/8/layout/orgChart1"/>
+    <dgm:cxn modelId="{CA05E1B0-F793-294A-B628-9063FBF50E4F}" type="presParOf" srcId="{74CB3E5E-3022-5649-A665-B5A80D2945B5}" destId="{3C6E957E-87C9-8646-A70F-CA2A3BED58BA}" srcOrd="0" destOrd="0" presId="urn:microsoft.com/office/officeart/2005/8/layout/orgChart1"/>
+    <dgm:cxn modelId="{50FE8BB6-BD3F-334C-8CC2-A4DF2D1F8979}" type="presParOf" srcId="{3C6E957E-87C9-8646-A70F-CA2A3BED58BA}" destId="{CDAF039D-B252-E84D-BCED-23FE943C1D4B}" srcOrd="0" destOrd="0" presId="urn:microsoft.com/office/officeart/2005/8/layout/orgChart1"/>
+    <dgm:cxn modelId="{635A4E58-20C7-C64E-B71E-7DF271CBDFD6}" type="presParOf" srcId="{3C6E957E-87C9-8646-A70F-CA2A3BED58BA}" destId="{E622597F-3EBC-624E-AD54-29516F95543F}" srcOrd="1" destOrd="0" presId="urn:microsoft.com/office/officeart/2005/8/layout/orgChart1"/>
+    <dgm:cxn modelId="{D73619C7-1971-2744-8843-9C35BFFE2A6D}" type="presParOf" srcId="{74CB3E5E-3022-5649-A665-B5A80D2945B5}" destId="{670B0A5F-7EAE-A64F-816A-2902B5B8732C}" srcOrd="1" destOrd="0" presId="urn:microsoft.com/office/officeart/2005/8/layout/orgChart1"/>
+    <dgm:cxn modelId="{54CB9A80-64BE-BE4A-9D23-5441615DFE76}" type="presParOf" srcId="{670B0A5F-7EAE-A64F-816A-2902B5B8732C}" destId="{E6E50C92-EFB9-7F4B-A854-AF896FDFC388}" srcOrd="0" destOrd="0" presId="urn:microsoft.com/office/officeart/2005/8/layout/orgChart1"/>
+    <dgm:cxn modelId="{7E40E499-3AB2-2745-ACA4-C7EF9942C610}" type="presParOf" srcId="{670B0A5F-7EAE-A64F-816A-2902B5B8732C}" destId="{86F6DBFA-66B6-5A45-AFC4-738B96B8FB12}" srcOrd="1" destOrd="0" presId="urn:microsoft.com/office/officeart/2005/8/layout/orgChart1"/>
+    <dgm:cxn modelId="{BEF86E0A-0042-2846-B642-2D930606E4FF}" type="presParOf" srcId="{86F6DBFA-66B6-5A45-AFC4-738B96B8FB12}" destId="{F2B55283-0F7D-2547-907C-48C9BAF0E5CB}" srcOrd="0" destOrd="0" presId="urn:microsoft.com/office/officeart/2005/8/layout/orgChart1"/>
+    <dgm:cxn modelId="{1015F412-9B95-634C-B80B-9EA1E6361711}" type="presParOf" srcId="{F2B55283-0F7D-2547-907C-48C9BAF0E5CB}" destId="{A90D722A-E883-DC4C-A1D2-BA64D8B29B5E}" srcOrd="0" destOrd="0" presId="urn:microsoft.com/office/officeart/2005/8/layout/orgChart1"/>
+    <dgm:cxn modelId="{934802CA-4DF3-4B42-BF26-1ED83634FFDB}" type="presParOf" srcId="{F2B55283-0F7D-2547-907C-48C9BAF0E5CB}" destId="{D52712D7-CC57-7B46-845D-56AB10062DC9}" srcOrd="1" destOrd="0" presId="urn:microsoft.com/office/officeart/2005/8/layout/orgChart1"/>
+    <dgm:cxn modelId="{1FFF1116-DB4A-6E4C-A447-BF08EE5B187F}" type="presParOf" srcId="{86F6DBFA-66B6-5A45-AFC4-738B96B8FB12}" destId="{DED7BA03-26C4-1343-99BC-F60E60B4B6B2}" srcOrd="1" destOrd="0" presId="urn:microsoft.com/office/officeart/2005/8/layout/orgChart1"/>
+    <dgm:cxn modelId="{6EC2B626-54EA-3E49-B9B5-524908C32326}" type="presParOf" srcId="{DED7BA03-26C4-1343-99BC-F60E60B4B6B2}" destId="{151E8B87-E1F2-1D4F-AB50-66974EAFBB33}" srcOrd="0" destOrd="0" presId="urn:microsoft.com/office/officeart/2005/8/layout/orgChart1"/>
+    <dgm:cxn modelId="{7B01238B-E8B1-3148-B934-47467038E242}" type="presParOf" srcId="{DED7BA03-26C4-1343-99BC-F60E60B4B6B2}" destId="{9B3326E4-7BF3-6441-BCB5-39AE2EFD215A}" srcOrd="1" destOrd="0" presId="urn:microsoft.com/office/officeart/2005/8/layout/orgChart1"/>
+    <dgm:cxn modelId="{AB2AECC5-56D4-664B-9906-E71B6626FB84}" type="presParOf" srcId="{9B3326E4-7BF3-6441-BCB5-39AE2EFD215A}" destId="{7C74245D-A24F-1D44-BB64-378FAF960009}" srcOrd="0" destOrd="0" presId="urn:microsoft.com/office/officeart/2005/8/layout/orgChart1"/>
+    <dgm:cxn modelId="{75C7F2D5-B2C7-D945-9431-DC1D680B76FD}" type="presParOf" srcId="{7C74245D-A24F-1D44-BB64-378FAF960009}" destId="{F3DD806C-799B-0946-B6AE-310F4EBFCB96}" srcOrd="0" destOrd="0" presId="urn:microsoft.com/office/officeart/2005/8/layout/orgChart1"/>
+    <dgm:cxn modelId="{54E9140F-C90D-B045-9CC3-CA86FF1A60F2}" type="presParOf" srcId="{7C74245D-A24F-1D44-BB64-378FAF960009}" destId="{A35D1782-5E43-BD48-B088-C9F37137DA31}" srcOrd="1" destOrd="0" presId="urn:microsoft.com/office/officeart/2005/8/layout/orgChart1"/>
+    <dgm:cxn modelId="{7384323F-500C-EE4C-8279-E8A5DC4DB478}" type="presParOf" srcId="{9B3326E4-7BF3-6441-BCB5-39AE2EFD215A}" destId="{DB4E8C91-EEDE-5D44-AA7B-5F7AB85174E3}" srcOrd="1" destOrd="0" presId="urn:microsoft.com/office/officeart/2005/8/layout/orgChart1"/>
+    <dgm:cxn modelId="{8EFF6602-8139-4140-A1DC-53E0E857D880}" type="presParOf" srcId="{9B3326E4-7BF3-6441-BCB5-39AE2EFD215A}" destId="{38A0898B-4B5F-8346-B836-BC7C959A83F0}" srcOrd="2" destOrd="0" presId="urn:microsoft.com/office/officeart/2005/8/layout/orgChart1"/>
+    <dgm:cxn modelId="{08902676-21E0-4B42-878F-47E49A06EA1B}" type="presParOf" srcId="{DED7BA03-26C4-1343-99BC-F60E60B4B6B2}" destId="{520F8DA3-C01D-CA4F-8C1F-2CC1590BF7D0}" srcOrd="2" destOrd="0" presId="urn:microsoft.com/office/officeart/2005/8/layout/orgChart1"/>
+    <dgm:cxn modelId="{4D6DE1D3-FA1C-8543-89E9-74A7DEC23607}" type="presParOf" srcId="{DED7BA03-26C4-1343-99BC-F60E60B4B6B2}" destId="{DFD39401-CD6D-C84E-9B9C-E6CC75B0E5D9}" srcOrd="3" destOrd="0" presId="urn:microsoft.com/office/officeart/2005/8/layout/orgChart1"/>
+    <dgm:cxn modelId="{2D3E1CAB-92ED-E640-8509-FFB5E362E9BF}" type="presParOf" srcId="{DFD39401-CD6D-C84E-9B9C-E6CC75B0E5D9}" destId="{60002DD7-FABB-DE4C-9817-6288C88169EA}" srcOrd="0" destOrd="0" presId="urn:microsoft.com/office/officeart/2005/8/layout/orgChart1"/>
+    <dgm:cxn modelId="{AE9AD7D7-46FE-CC4A-BE4C-63611F47B548}" type="presParOf" srcId="{60002DD7-FABB-DE4C-9817-6288C88169EA}" destId="{FD0B7F04-1C65-9148-8551-8D76F04CF3D1}" srcOrd="0" destOrd="0" presId="urn:microsoft.com/office/officeart/2005/8/layout/orgChart1"/>
+    <dgm:cxn modelId="{13F5F269-FD13-2344-B0C6-A2B9C47A5934}" type="presParOf" srcId="{60002DD7-FABB-DE4C-9817-6288C88169EA}" destId="{1EE96B02-4D90-1943-AB01-8A978318E2F8}" srcOrd="1" destOrd="0" presId="urn:microsoft.com/office/officeart/2005/8/layout/orgChart1"/>
+    <dgm:cxn modelId="{46C05881-B5C6-FD49-8B1C-2383D2461B45}" type="presParOf" srcId="{DFD39401-CD6D-C84E-9B9C-E6CC75B0E5D9}" destId="{5AC59323-F8FB-8040-8E8D-0FDD6FB05590}" srcOrd="1" destOrd="0" presId="urn:microsoft.com/office/officeart/2005/8/layout/orgChart1"/>
+    <dgm:cxn modelId="{8D991360-A587-E54F-B8A0-3F099BD0810B}" type="presParOf" srcId="{DFD39401-CD6D-C84E-9B9C-E6CC75B0E5D9}" destId="{105E1F5E-F4F1-0F46-9E22-563DA264A250}" srcOrd="2" destOrd="0" presId="urn:microsoft.com/office/officeart/2005/8/layout/orgChart1"/>
+    <dgm:cxn modelId="{8CC06FA1-AAA0-5747-8A74-82B742C732C7}" type="presParOf" srcId="{86F6DBFA-66B6-5A45-AFC4-738B96B8FB12}" destId="{7A984FBF-B161-1447-BD0A-919B78DEEE3C}" srcOrd="2" destOrd="0" presId="urn:microsoft.com/office/officeart/2005/8/layout/orgChart1"/>
+    <dgm:cxn modelId="{4E208FDC-9889-C74A-818A-AD87AE7C4A26}" type="presParOf" srcId="{670B0A5F-7EAE-A64F-816A-2902B5B8732C}" destId="{741F2B82-F17E-3C45-B633-9BDB98D83078}" srcOrd="2" destOrd="0" presId="urn:microsoft.com/office/officeart/2005/8/layout/orgChart1"/>
+    <dgm:cxn modelId="{CBA05DAE-3ED0-9E45-9F08-55CF55E18841}" type="presParOf" srcId="{670B0A5F-7EAE-A64F-816A-2902B5B8732C}" destId="{00E85FE0-4753-9243-B0D0-C5EC5DA08B34}" srcOrd="3" destOrd="0" presId="urn:microsoft.com/office/officeart/2005/8/layout/orgChart1"/>
+    <dgm:cxn modelId="{7134FFB4-5C51-D94F-B527-15EB0D7C6A1D}" type="presParOf" srcId="{00E85FE0-4753-9243-B0D0-C5EC5DA08B34}" destId="{2B9CAAC6-686B-994F-B8D9-CA9954D37378}" srcOrd="0" destOrd="0" presId="urn:microsoft.com/office/officeart/2005/8/layout/orgChart1"/>
+    <dgm:cxn modelId="{A852E6D1-AE8F-CF47-8364-8054F8C4118C}" type="presParOf" srcId="{2B9CAAC6-686B-994F-B8D9-CA9954D37378}" destId="{4E22F7B0-85BF-2B42-9D41-5221C162A096}" srcOrd="0" destOrd="0" presId="urn:microsoft.com/office/officeart/2005/8/layout/orgChart1"/>
+    <dgm:cxn modelId="{4DCB9CFB-8BC8-2C40-BE1E-8AC1AEA0688C}" type="presParOf" srcId="{2B9CAAC6-686B-994F-B8D9-CA9954D37378}" destId="{345AD435-DCA5-084D-8CFD-2126A0CEF045}" srcOrd="1" destOrd="0" presId="urn:microsoft.com/office/officeart/2005/8/layout/orgChart1"/>
+    <dgm:cxn modelId="{F0EBB22C-8540-AD45-B305-3256D42DA01A}" type="presParOf" srcId="{00E85FE0-4753-9243-B0D0-C5EC5DA08B34}" destId="{B7039FCD-D5C5-304A-AEB8-E05767B0D9AF}" srcOrd="1" destOrd="0" presId="urn:microsoft.com/office/officeart/2005/8/layout/orgChart1"/>
+    <dgm:cxn modelId="{CBCE110E-C4AC-D341-9270-E46D0662BCE4}" type="presParOf" srcId="{B7039FCD-D5C5-304A-AEB8-E05767B0D9AF}" destId="{0FA765B2-1FD6-1E4C-85BA-56656FAAA92B}" srcOrd="0" destOrd="0" presId="urn:microsoft.com/office/officeart/2005/8/layout/orgChart1"/>
+    <dgm:cxn modelId="{2AE616D8-8818-BA40-B51F-2113E10F13BF}" type="presParOf" srcId="{B7039FCD-D5C5-304A-AEB8-E05767B0D9AF}" destId="{F6779AF7-7073-7C48-AE3E-1A7C16F56056}" srcOrd="1" destOrd="0" presId="urn:microsoft.com/office/officeart/2005/8/layout/orgChart1"/>
+    <dgm:cxn modelId="{361FD7F0-2C9C-AC48-B933-A8857EEC1553}" type="presParOf" srcId="{F6779AF7-7073-7C48-AE3E-1A7C16F56056}" destId="{2CF3D0B8-2369-0644-81E0-BEDFDEB2B27E}" srcOrd="0" destOrd="0" presId="urn:microsoft.com/office/officeart/2005/8/layout/orgChart1"/>
+    <dgm:cxn modelId="{DDCA7191-E3CB-944A-8CEB-12BC29EFDD91}" type="presParOf" srcId="{2CF3D0B8-2369-0644-81E0-BEDFDEB2B27E}" destId="{ABABF6FC-96C6-CC42-8E1D-4A7FA53E3F5C}" srcOrd="0" destOrd="0" presId="urn:microsoft.com/office/officeart/2005/8/layout/orgChart1"/>
+    <dgm:cxn modelId="{49452403-B897-DC42-9176-A910B6205F9C}" type="presParOf" srcId="{2CF3D0B8-2369-0644-81E0-BEDFDEB2B27E}" destId="{D931D1BA-230B-A242-B87E-28F70E173D1F}" srcOrd="1" destOrd="0" presId="urn:microsoft.com/office/officeart/2005/8/layout/orgChart1"/>
+    <dgm:cxn modelId="{0E41631D-639E-1D45-8FC1-1DB9C55AA5A7}" type="presParOf" srcId="{F6779AF7-7073-7C48-AE3E-1A7C16F56056}" destId="{0BA69E1E-5D46-DB4A-A5C3-9FF585CDDB4C}" srcOrd="1" destOrd="0" presId="urn:microsoft.com/office/officeart/2005/8/layout/orgChart1"/>
+    <dgm:cxn modelId="{666993EF-B0F8-514D-8FE1-6CB55A34C734}" type="presParOf" srcId="{F6779AF7-7073-7C48-AE3E-1A7C16F56056}" destId="{84DB1D35-995F-8A48-AFB7-829042F57C6F}" srcOrd="2" destOrd="0" presId="urn:microsoft.com/office/officeart/2005/8/layout/orgChart1"/>
+    <dgm:cxn modelId="{7718ADDE-F8F1-F549-BAFF-5A693D9C5310}" type="presParOf" srcId="{B7039FCD-D5C5-304A-AEB8-E05767B0D9AF}" destId="{2B039EDC-66C3-024C-9236-8D89D02D1AFC}" srcOrd="2" destOrd="0" presId="urn:microsoft.com/office/officeart/2005/8/layout/orgChart1"/>
+    <dgm:cxn modelId="{5CB0318D-E6B3-9C4D-9115-DC66F9E4A341}" type="presParOf" srcId="{B7039FCD-D5C5-304A-AEB8-E05767B0D9AF}" destId="{AEFFAC8B-CDDA-E546-A534-1B499E49B1BA}" srcOrd="3" destOrd="0" presId="urn:microsoft.com/office/officeart/2005/8/layout/orgChart1"/>
+    <dgm:cxn modelId="{67FCEF74-A9C3-224C-BFF3-AB023558AF0F}" type="presParOf" srcId="{AEFFAC8B-CDDA-E546-A534-1B499E49B1BA}" destId="{F222579D-ABBD-624C-940B-9AA6348F2E9F}" srcOrd="0" destOrd="0" presId="urn:microsoft.com/office/officeart/2005/8/layout/orgChart1"/>
+    <dgm:cxn modelId="{72C98540-3495-CF45-8B70-7733D6D6D9C1}" type="presParOf" srcId="{F222579D-ABBD-624C-940B-9AA6348F2E9F}" destId="{5964B087-E7E2-6D4A-BEEF-F4FF01771ADA}" srcOrd="0" destOrd="0" presId="urn:microsoft.com/office/officeart/2005/8/layout/orgChart1"/>
+    <dgm:cxn modelId="{A7E90A01-D861-DF41-982A-674A10E7BC1F}" type="presParOf" srcId="{F222579D-ABBD-624C-940B-9AA6348F2E9F}" destId="{8DCBEF47-F874-4442-B136-1313C2787477}" srcOrd="1" destOrd="0" presId="urn:microsoft.com/office/officeart/2005/8/layout/orgChart1"/>
+    <dgm:cxn modelId="{2AF13335-85C0-5048-A43C-DD1FC082D048}" type="presParOf" srcId="{AEFFAC8B-CDDA-E546-A534-1B499E49B1BA}" destId="{C13EAF81-DFCC-5F40-AEB2-B0820EEBD63B}" srcOrd="1" destOrd="0" presId="urn:microsoft.com/office/officeart/2005/8/layout/orgChart1"/>
+    <dgm:cxn modelId="{7661EB5B-0DF9-5244-8FE7-69B3BA2F1F6F}" type="presParOf" srcId="{AEFFAC8B-CDDA-E546-A534-1B499E49B1BA}" destId="{2CE83056-BCDF-8243-936B-2082828602F9}" srcOrd="2" destOrd="0" presId="urn:microsoft.com/office/officeart/2005/8/layout/orgChart1"/>
+    <dgm:cxn modelId="{3126136E-6EF5-2A4A-B2F0-5F97731EEC98}" type="presParOf" srcId="{00E85FE0-4753-9243-B0D0-C5EC5DA08B34}" destId="{DC5CC0D3-8E36-BC45-AB12-FD86ECF5C479}" srcOrd="2" destOrd="0" presId="urn:microsoft.com/office/officeart/2005/8/layout/orgChart1"/>
+    <dgm:cxn modelId="{A8725AD5-A9EB-D74A-BFAC-E17FCC593FF1}" type="presParOf" srcId="{670B0A5F-7EAE-A64F-816A-2902B5B8732C}" destId="{7BDE09AB-CB7F-5B4F-AD4F-F15BD4FDE8D0}" srcOrd="4" destOrd="0" presId="urn:microsoft.com/office/officeart/2005/8/layout/orgChart1"/>
+    <dgm:cxn modelId="{04444B10-D112-0149-BD4F-D112E43ACFCB}" type="presParOf" srcId="{670B0A5F-7EAE-A64F-816A-2902B5B8732C}" destId="{8F07731D-D35A-1243-801A-511C41A4CFF1}" srcOrd="5" destOrd="0" presId="urn:microsoft.com/office/officeart/2005/8/layout/orgChart1"/>
+    <dgm:cxn modelId="{34D6BB8F-412F-FF49-B36D-6476FB9EB1BC}" type="presParOf" srcId="{8F07731D-D35A-1243-801A-511C41A4CFF1}" destId="{398D220F-E819-8945-AF20-73D7B5EF04C9}" srcOrd="0" destOrd="0" presId="urn:microsoft.com/office/officeart/2005/8/layout/orgChart1"/>
+    <dgm:cxn modelId="{4D3F8689-C576-234D-891C-5354514FFE04}" type="presParOf" srcId="{398D220F-E819-8945-AF20-73D7B5EF04C9}" destId="{6EE9C254-C0CF-9746-A0CD-325AA41769C7}" srcOrd="0" destOrd="0" presId="urn:microsoft.com/office/officeart/2005/8/layout/orgChart1"/>
+    <dgm:cxn modelId="{DA2F71DA-B7E4-424B-A8B9-B90E66FD6BC6}" type="presParOf" srcId="{398D220F-E819-8945-AF20-73D7B5EF04C9}" destId="{DBFBA675-64EB-8D42-A7A5-82E8AEA0A825}" srcOrd="1" destOrd="0" presId="urn:microsoft.com/office/officeart/2005/8/layout/orgChart1"/>
+    <dgm:cxn modelId="{5F8E1FDF-ABDA-D24F-9F64-79FC213B9DDB}" type="presParOf" srcId="{8F07731D-D35A-1243-801A-511C41A4CFF1}" destId="{5EAB801B-A1F9-2743-BC4B-25D3E641E797}" srcOrd="1" destOrd="0" presId="urn:microsoft.com/office/officeart/2005/8/layout/orgChart1"/>
+    <dgm:cxn modelId="{7B298DD3-B90F-5D4C-BB6E-AE25C71BB111}" type="presParOf" srcId="{5EAB801B-A1F9-2743-BC4B-25D3E641E797}" destId="{BD8D08CC-E0F6-914F-9F34-2A00FDC8D4C9}" srcOrd="0" destOrd="0" presId="urn:microsoft.com/office/officeart/2005/8/layout/orgChart1"/>
+    <dgm:cxn modelId="{F70DD7B3-D070-D44B-B3F4-3E2CB141AB8B}" type="presParOf" srcId="{5EAB801B-A1F9-2743-BC4B-25D3E641E797}" destId="{3704D19D-C393-2340-939F-9191F5F48182}" srcOrd="1" destOrd="0" presId="urn:microsoft.com/office/officeart/2005/8/layout/orgChart1"/>
+    <dgm:cxn modelId="{953C693B-E616-7645-854E-8558C3D82D68}" type="presParOf" srcId="{3704D19D-C393-2340-939F-9191F5F48182}" destId="{624F1C17-2B22-3D47-AB9E-9983DA441D17}" srcOrd="0" destOrd="0" presId="urn:microsoft.com/office/officeart/2005/8/layout/orgChart1"/>
+    <dgm:cxn modelId="{7779922D-22BC-4D45-BD42-88A2B86ABBF0}" type="presParOf" srcId="{624F1C17-2B22-3D47-AB9E-9983DA441D17}" destId="{D1EBF31C-70F0-7841-8FE4-42BF848BDE9B}" srcOrd="0" destOrd="0" presId="urn:microsoft.com/office/officeart/2005/8/layout/orgChart1"/>
+    <dgm:cxn modelId="{53EA908C-A14F-1940-86B0-E294369AE786}" type="presParOf" srcId="{624F1C17-2B22-3D47-AB9E-9983DA441D17}" destId="{9B0BF182-2C41-ED4C-BDBE-9544CF42E551}" srcOrd="1" destOrd="0" presId="urn:microsoft.com/office/officeart/2005/8/layout/orgChart1"/>
+    <dgm:cxn modelId="{EEE99D19-9900-2240-AD1C-556D940E5AF3}" type="presParOf" srcId="{3704D19D-C393-2340-939F-9191F5F48182}" destId="{79649430-E1CF-0043-9921-A03A74E15C89}" srcOrd="1" destOrd="0" presId="urn:microsoft.com/office/officeart/2005/8/layout/orgChart1"/>
+    <dgm:cxn modelId="{BECE8770-C8C6-9E4B-9474-456414CD45E4}" type="presParOf" srcId="{3704D19D-C393-2340-939F-9191F5F48182}" destId="{33A44B27-6D68-1648-8FEC-D471388350C8}" srcOrd="2" destOrd="0" presId="urn:microsoft.com/office/officeart/2005/8/layout/orgChart1"/>
+    <dgm:cxn modelId="{ABD217D1-D74C-5546-BD8E-4F4371C84DEC}" type="presParOf" srcId="{5EAB801B-A1F9-2743-BC4B-25D3E641E797}" destId="{486DA9F0-FFCD-1647-8F65-9ECF9C07AC6C}" srcOrd="2" destOrd="0" presId="urn:microsoft.com/office/officeart/2005/8/layout/orgChart1"/>
+    <dgm:cxn modelId="{91A5DF58-06EE-3F4C-8583-97262E45D880}" type="presParOf" srcId="{5EAB801B-A1F9-2743-BC4B-25D3E641E797}" destId="{2E4FC48E-B1C3-9D46-887F-26778C122707}" srcOrd="3" destOrd="0" presId="urn:microsoft.com/office/officeart/2005/8/layout/orgChart1"/>
+    <dgm:cxn modelId="{864CBD53-A5EB-C346-B118-540CB74EFC31}" type="presParOf" srcId="{2E4FC48E-B1C3-9D46-887F-26778C122707}" destId="{A4AA6766-30E9-044A-93B7-780045C793E3}" srcOrd="0" destOrd="0" presId="urn:microsoft.com/office/officeart/2005/8/layout/orgChart1"/>
+    <dgm:cxn modelId="{67C9984C-FD17-5147-B117-1C66384D25EE}" type="presParOf" srcId="{A4AA6766-30E9-044A-93B7-780045C793E3}" destId="{FDAEF228-0B48-4F4B-BF80-727B62E21F7E}" srcOrd="0" destOrd="0" presId="urn:microsoft.com/office/officeart/2005/8/layout/orgChart1"/>
+    <dgm:cxn modelId="{75F7AA41-D644-A542-A44C-BB54CBD5D9EB}" type="presParOf" srcId="{A4AA6766-30E9-044A-93B7-780045C793E3}" destId="{614C42C1-BA28-B24F-B59F-8CE8BB11D5E6}" srcOrd="1" destOrd="0" presId="urn:microsoft.com/office/officeart/2005/8/layout/orgChart1"/>
+    <dgm:cxn modelId="{039F601D-95C4-CE47-A06F-AD565CE875F8}" type="presParOf" srcId="{2E4FC48E-B1C3-9D46-887F-26778C122707}" destId="{F6B54228-E30A-E64B-84BF-AC58DF815FF3}" srcOrd="1" destOrd="0" presId="urn:microsoft.com/office/officeart/2005/8/layout/orgChart1"/>
+    <dgm:cxn modelId="{82AC0600-9DFC-C84F-88FF-B5B5C2DE3898}" type="presParOf" srcId="{2E4FC48E-B1C3-9D46-887F-26778C122707}" destId="{BC37F03B-1401-3D44-87EE-A5D967C2E4F3}" srcOrd="2" destOrd="0" presId="urn:microsoft.com/office/officeart/2005/8/layout/orgChart1"/>
+    <dgm:cxn modelId="{CB49C332-308F-B447-92D0-D56215CF1077}" type="presParOf" srcId="{8F07731D-D35A-1243-801A-511C41A4CFF1}" destId="{9E953CE4-E326-8048-9BEE-AABD027D8BA5}" srcOrd="2" destOrd="0" presId="urn:microsoft.com/office/officeart/2005/8/layout/orgChart1"/>
+    <dgm:cxn modelId="{69725078-C3A1-524F-88E3-27F296B03D4B}" type="presParOf" srcId="{74CB3E5E-3022-5649-A665-B5A80D2945B5}" destId="{279EFA41-E23F-B34D-B886-A99342BB7C14}" srcOrd="2" destOrd="0" presId="urn:microsoft.com/office/officeart/2005/8/layout/orgChart1"/>
+    <dgm:cxn modelId="{02BFB60D-05CC-B74B-A95C-59A09DA33918}" type="presParOf" srcId="{79B1684E-4739-CB4E-AB31-06E4E2971AEA}" destId="{2113F9D9-D20E-9342-97C0-8D556822BB79}" srcOrd="2" destOrd="0" presId="urn:microsoft.com/office/officeart/2005/8/layout/orgChart1"/>
+    <dgm:cxn modelId="{2C35ED36-6105-8B43-B06A-993C307F4B4E}" type="presParOf" srcId="{79B1684E-4739-CB4E-AB31-06E4E2971AEA}" destId="{E96F9590-96E3-A845-BDEC-DD270C570B9C}" srcOrd="3" destOrd="0" presId="urn:microsoft.com/office/officeart/2005/8/layout/orgChart1"/>
+    <dgm:cxn modelId="{2A70BF98-7383-1342-A797-F764529890D4}" type="presParOf" srcId="{E96F9590-96E3-A845-BDEC-DD270C570B9C}" destId="{83D1293F-6ED6-5343-97A8-C2F8F20EE16B}" srcOrd="0" destOrd="0" presId="urn:microsoft.com/office/officeart/2005/8/layout/orgChart1"/>
+    <dgm:cxn modelId="{30C1A409-E13A-8C40-8F7C-0B856ECD8BB5}" type="presParOf" srcId="{83D1293F-6ED6-5343-97A8-C2F8F20EE16B}" destId="{6DECA8F8-812B-784B-AE35-3184CBAA7F1B}" srcOrd="0" destOrd="0" presId="urn:microsoft.com/office/officeart/2005/8/layout/orgChart1"/>
+    <dgm:cxn modelId="{2E59063F-7386-E742-A241-4F268892F9EB}" type="presParOf" srcId="{83D1293F-6ED6-5343-97A8-C2F8F20EE16B}" destId="{847129E5-67F8-3F4B-ABFD-BF677EAD96CE}" srcOrd="1" destOrd="0" presId="urn:microsoft.com/office/officeart/2005/8/layout/orgChart1"/>
+    <dgm:cxn modelId="{7D6FC6ED-72FD-7447-AD7E-B01B60A10B8F}" type="presParOf" srcId="{E96F9590-96E3-A845-BDEC-DD270C570B9C}" destId="{DD4A08F9-7291-C94D-9E80-89FAAA6A1BB0}" srcOrd="1" destOrd="0" presId="urn:microsoft.com/office/officeart/2005/8/layout/orgChart1"/>
+    <dgm:cxn modelId="{D7C61C92-1308-1D43-BD41-D7CFF5D8EFD8}" type="presParOf" srcId="{E96F9590-96E3-A845-BDEC-DD270C570B9C}" destId="{8AD460FA-00F9-F948-95D8-72227144F42E}" srcOrd="2" destOrd="0" presId="urn:microsoft.com/office/officeart/2005/8/layout/orgChart1"/>
+    <dgm:cxn modelId="{B2361504-2ADD-F94C-A914-A69342B91C50}" type="presParOf" srcId="{79B1684E-4739-CB4E-AB31-06E4E2971AEA}" destId="{00C014EF-31D2-1F4A-8EB5-566683DA6C97}" srcOrd="4" destOrd="0" presId="urn:microsoft.com/office/officeart/2005/8/layout/orgChart1"/>
+    <dgm:cxn modelId="{6680EF7B-496B-0C46-AAF1-6589362CEBD6}" type="presParOf" srcId="{79B1684E-4739-CB4E-AB31-06E4E2971AEA}" destId="{E3F40E18-D347-124C-875E-1A208FBF8BEE}" srcOrd="5" destOrd="0" presId="urn:microsoft.com/office/officeart/2005/8/layout/orgChart1"/>
+    <dgm:cxn modelId="{BCBC2112-600C-744F-AF8B-70D7325333D5}" type="presParOf" srcId="{E3F40E18-D347-124C-875E-1A208FBF8BEE}" destId="{ACA7C30E-1879-5C4F-96F7-E622433F40B6}" srcOrd="0" destOrd="0" presId="urn:microsoft.com/office/officeart/2005/8/layout/orgChart1"/>
+    <dgm:cxn modelId="{36554E64-00A2-1A43-B14D-ACA3ADBF3A88}" type="presParOf" srcId="{ACA7C30E-1879-5C4F-96F7-E622433F40B6}" destId="{B364965C-3C00-9944-B7EF-016D48A3C803}" srcOrd="0" destOrd="0" presId="urn:microsoft.com/office/officeart/2005/8/layout/orgChart1"/>
+    <dgm:cxn modelId="{98915925-DB6C-C044-8653-D56D1C9D9A75}" type="presParOf" srcId="{ACA7C30E-1879-5C4F-96F7-E622433F40B6}" destId="{8FFFE0BE-3B56-DA4D-8525-F958D1F2CF9E}" srcOrd="1" destOrd="0" presId="urn:microsoft.com/office/officeart/2005/8/layout/orgChart1"/>
+    <dgm:cxn modelId="{AD0C0A25-C1DA-9345-A0F9-12B3F341DB20}" type="presParOf" srcId="{E3F40E18-D347-124C-875E-1A208FBF8BEE}" destId="{3FD9825B-5012-1B4A-838B-DCF8A40C466E}" srcOrd="1" destOrd="0" presId="urn:microsoft.com/office/officeart/2005/8/layout/orgChart1"/>
+    <dgm:cxn modelId="{2304723E-43E3-EA40-BD72-9BD03DA2FE75}" type="presParOf" srcId="{E3F40E18-D347-124C-875E-1A208FBF8BEE}" destId="{4E06EE34-0B9E-3B4F-BB67-D1CF7B60A527}" srcOrd="2" destOrd="0" presId="urn:microsoft.com/office/officeart/2005/8/layout/orgChart1"/>
+    <dgm:cxn modelId="{3DC7B35F-78A0-604F-824F-15DF2D080782}" type="presParOf" srcId="{D933EB67-B5BF-F041-95F7-70641803076E}" destId="{D1B36D2A-033A-3947-8BF6-D1ACD296593A}" srcOrd="2" destOrd="0" presId="urn:microsoft.com/office/officeart/2005/8/layout/orgChart1"/>
+    <dgm:cxn modelId="{B9DE0A72-C37B-6440-9395-0DA0B791F619}" type="presParOf" srcId="{B2976406-1A78-E34F-BB05-D6917E5DCA3F}" destId="{8EC00019-ADF6-6F48-B854-62817677E67B}" srcOrd="2" destOrd="0" presId="urn:microsoft.com/office/officeart/2005/8/layout/orgChart1"/>
   </dgm:cxnLst>
   <dgm:bg/>
   <dgm:whole/>
@@ -5842,6 +7947,2187 @@
 </dsp:drawing>
 </file>
 
+<file path=ppt/diagrams/drawing3.xml><?xml version="1.0" encoding="utf-8"?>
+<dsp:drawing xmlns:dgm="http://schemas.openxmlformats.org/drawingml/2006/diagram" xmlns:dsp="http://schemas.microsoft.com/office/drawing/2008/diagram" xmlns:a="http://schemas.openxmlformats.org/drawingml/2006/main">
+  <dsp:spTree>
+    <dsp:nvGrpSpPr>
+      <dsp:cNvPr id="0" name=""/>
+      <dsp:cNvGrpSpPr/>
+    </dsp:nvGrpSpPr>
+    <dsp:grpSpPr/>
+    <dsp:sp modelId="{00C014EF-31D2-1F4A-8EB5-566683DA6C97}">
+      <dsp:nvSpPr>
+        <dsp:cNvPr id="0" name=""/>
+        <dsp:cNvSpPr/>
+      </dsp:nvSpPr>
+      <dsp:spPr>
+        <a:xfrm>
+          <a:off x="4872868" y="1619700"/>
+          <a:ext cx="1617736" cy="280764"/>
+        </a:xfrm>
+        <a:custGeom>
+          <a:avLst/>
+          <a:gdLst/>
+          <a:ahLst/>
+          <a:cxnLst/>
+          <a:rect l="0" t="0" r="0" b="0"/>
+          <a:pathLst>
+            <a:path>
+              <a:moveTo>
+                <a:pt x="0" y="0"/>
+              </a:moveTo>
+              <a:lnTo>
+                <a:pt x="0" y="140382"/>
+              </a:lnTo>
+              <a:lnTo>
+                <a:pt x="1617736" y="140382"/>
+              </a:lnTo>
+              <a:lnTo>
+                <a:pt x="1617736" y="280764"/>
+              </a:lnTo>
+            </a:path>
+          </a:pathLst>
+        </a:custGeom>
+        <a:noFill/>
+        <a:ln w="12700" cap="flat" cmpd="sng" algn="ctr">
+          <a:solidFill>
+            <a:schemeClr val="accent1">
+              <a:shade val="80000"/>
+              <a:hueOff val="0"/>
+              <a:satOff val="0"/>
+              <a:lumOff val="0"/>
+              <a:alphaOff val="0"/>
+            </a:schemeClr>
+          </a:solidFill>
+          <a:prstDash val="solid"/>
+          <a:miter lim="800000"/>
+        </a:ln>
+        <a:effectLst/>
+      </dsp:spPr>
+      <dsp:style>
+        <a:lnRef idx="2">
+          <a:scrgbClr r="0" g="0" b="0"/>
+        </a:lnRef>
+        <a:fillRef idx="0">
+          <a:scrgbClr r="0" g="0" b="0"/>
+        </a:fillRef>
+        <a:effectRef idx="0">
+          <a:scrgbClr r="0" g="0" b="0"/>
+        </a:effectRef>
+        <a:fontRef idx="minor"/>
+      </dsp:style>
+    </dsp:sp>
+    <dsp:sp modelId="{2113F9D9-D20E-9342-97C0-8D556822BB79}">
+      <dsp:nvSpPr>
+        <dsp:cNvPr id="0" name=""/>
+        <dsp:cNvSpPr/>
+      </dsp:nvSpPr>
+      <dsp:spPr>
+        <a:xfrm>
+          <a:off x="4827148" y="1619700"/>
+          <a:ext cx="91440" cy="280764"/>
+        </a:xfrm>
+        <a:custGeom>
+          <a:avLst/>
+          <a:gdLst/>
+          <a:ahLst/>
+          <a:cxnLst/>
+          <a:rect l="0" t="0" r="0" b="0"/>
+          <a:pathLst>
+            <a:path>
+              <a:moveTo>
+                <a:pt x="45720" y="0"/>
+              </a:moveTo>
+              <a:lnTo>
+                <a:pt x="45720" y="280764"/>
+              </a:lnTo>
+            </a:path>
+          </a:pathLst>
+        </a:custGeom>
+        <a:noFill/>
+        <a:ln w="12700" cap="flat" cmpd="sng" algn="ctr">
+          <a:solidFill>
+            <a:schemeClr val="accent1">
+              <a:shade val="80000"/>
+              <a:hueOff val="0"/>
+              <a:satOff val="0"/>
+              <a:lumOff val="0"/>
+              <a:alphaOff val="0"/>
+            </a:schemeClr>
+          </a:solidFill>
+          <a:prstDash val="solid"/>
+          <a:miter lim="800000"/>
+        </a:ln>
+        <a:effectLst/>
+      </dsp:spPr>
+      <dsp:style>
+        <a:lnRef idx="2">
+          <a:scrgbClr r="0" g="0" b="0"/>
+        </a:lnRef>
+        <a:fillRef idx="0">
+          <a:scrgbClr r="0" g="0" b="0"/>
+        </a:fillRef>
+        <a:effectRef idx="0">
+          <a:scrgbClr r="0" g="0" b="0"/>
+        </a:effectRef>
+        <a:fontRef idx="minor"/>
+      </dsp:style>
+    </dsp:sp>
+    <dsp:sp modelId="{486DA9F0-FFCD-1647-8F65-9ECF9C07AC6C}">
+      <dsp:nvSpPr>
+        <dsp:cNvPr id="0" name=""/>
+        <dsp:cNvSpPr/>
+      </dsp:nvSpPr>
+      <dsp:spPr>
+        <a:xfrm>
+          <a:off x="4338079" y="3518201"/>
+          <a:ext cx="200545" cy="1564258"/>
+        </a:xfrm>
+        <a:custGeom>
+          <a:avLst/>
+          <a:gdLst/>
+          <a:ahLst/>
+          <a:cxnLst/>
+          <a:rect l="0" t="0" r="0" b="0"/>
+          <a:pathLst>
+            <a:path>
+              <a:moveTo>
+                <a:pt x="0" y="0"/>
+              </a:moveTo>
+              <a:lnTo>
+                <a:pt x="0" y="1564258"/>
+              </a:lnTo>
+              <a:lnTo>
+                <a:pt x="200545" y="1564258"/>
+              </a:lnTo>
+            </a:path>
+          </a:pathLst>
+        </a:custGeom>
+        <a:noFill/>
+        <a:ln w="12700" cap="flat" cmpd="sng" algn="ctr">
+          <a:solidFill>
+            <a:schemeClr val="accent1">
+              <a:shade val="80000"/>
+              <a:hueOff val="0"/>
+              <a:satOff val="0"/>
+              <a:lumOff val="0"/>
+              <a:alphaOff val="0"/>
+            </a:schemeClr>
+          </a:solidFill>
+          <a:prstDash val="solid"/>
+          <a:miter lim="800000"/>
+        </a:ln>
+        <a:effectLst/>
+      </dsp:spPr>
+      <dsp:style>
+        <a:lnRef idx="2">
+          <a:scrgbClr r="0" g="0" b="0"/>
+        </a:lnRef>
+        <a:fillRef idx="0">
+          <a:scrgbClr r="0" g="0" b="0"/>
+        </a:fillRef>
+        <a:effectRef idx="0">
+          <a:scrgbClr r="0" g="0" b="0"/>
+        </a:effectRef>
+        <a:fontRef idx="minor"/>
+      </dsp:style>
+    </dsp:sp>
+    <dsp:sp modelId="{BD8D08CC-E0F6-914F-9F34-2A00FDC8D4C9}">
+      <dsp:nvSpPr>
+        <dsp:cNvPr id="0" name=""/>
+        <dsp:cNvSpPr/>
+      </dsp:nvSpPr>
+      <dsp:spPr>
+        <a:xfrm>
+          <a:off x="4338079" y="3518201"/>
+          <a:ext cx="200545" cy="615007"/>
+        </a:xfrm>
+        <a:custGeom>
+          <a:avLst/>
+          <a:gdLst/>
+          <a:ahLst/>
+          <a:cxnLst/>
+          <a:rect l="0" t="0" r="0" b="0"/>
+          <a:pathLst>
+            <a:path>
+              <a:moveTo>
+                <a:pt x="0" y="0"/>
+              </a:moveTo>
+              <a:lnTo>
+                <a:pt x="0" y="615007"/>
+              </a:lnTo>
+              <a:lnTo>
+                <a:pt x="200545" y="615007"/>
+              </a:lnTo>
+            </a:path>
+          </a:pathLst>
+        </a:custGeom>
+        <a:noFill/>
+        <a:ln w="12700" cap="flat" cmpd="sng" algn="ctr">
+          <a:solidFill>
+            <a:schemeClr val="accent1">
+              <a:shade val="80000"/>
+              <a:hueOff val="0"/>
+              <a:satOff val="0"/>
+              <a:lumOff val="0"/>
+              <a:alphaOff val="0"/>
+            </a:schemeClr>
+          </a:solidFill>
+          <a:prstDash val="solid"/>
+          <a:miter lim="800000"/>
+        </a:ln>
+        <a:effectLst/>
+      </dsp:spPr>
+      <dsp:style>
+        <a:lnRef idx="2">
+          <a:scrgbClr r="0" g="0" b="0"/>
+        </a:lnRef>
+        <a:fillRef idx="0">
+          <a:scrgbClr r="0" g="0" b="0"/>
+        </a:fillRef>
+        <a:effectRef idx="0">
+          <a:scrgbClr r="0" g="0" b="0"/>
+        </a:effectRef>
+        <a:fontRef idx="minor"/>
+      </dsp:style>
+    </dsp:sp>
+    <dsp:sp modelId="{7BDE09AB-CB7F-5B4F-AD4F-F15BD4FDE8D0}">
+      <dsp:nvSpPr>
+        <dsp:cNvPr id="0" name=""/>
+        <dsp:cNvSpPr/>
+      </dsp:nvSpPr>
+      <dsp:spPr>
+        <a:xfrm>
+          <a:off x="3255131" y="2568951"/>
+          <a:ext cx="1617736" cy="280764"/>
+        </a:xfrm>
+        <a:custGeom>
+          <a:avLst/>
+          <a:gdLst/>
+          <a:ahLst/>
+          <a:cxnLst/>
+          <a:rect l="0" t="0" r="0" b="0"/>
+          <a:pathLst>
+            <a:path>
+              <a:moveTo>
+                <a:pt x="0" y="0"/>
+              </a:moveTo>
+              <a:lnTo>
+                <a:pt x="0" y="140382"/>
+              </a:lnTo>
+              <a:lnTo>
+                <a:pt x="1617736" y="140382"/>
+              </a:lnTo>
+              <a:lnTo>
+                <a:pt x="1617736" y="280764"/>
+              </a:lnTo>
+            </a:path>
+          </a:pathLst>
+        </a:custGeom>
+        <a:noFill/>
+        <a:ln w="12700" cap="flat" cmpd="sng" algn="ctr">
+          <a:solidFill>
+            <a:schemeClr val="accent1">
+              <a:shade val="80000"/>
+              <a:hueOff val="0"/>
+              <a:satOff val="0"/>
+              <a:lumOff val="0"/>
+              <a:alphaOff val="0"/>
+            </a:schemeClr>
+          </a:solidFill>
+          <a:prstDash val="solid"/>
+          <a:miter lim="800000"/>
+        </a:ln>
+        <a:effectLst/>
+      </dsp:spPr>
+      <dsp:style>
+        <a:lnRef idx="2">
+          <a:scrgbClr r="0" g="0" b="0"/>
+        </a:lnRef>
+        <a:fillRef idx="0">
+          <a:scrgbClr r="0" g="0" b="0"/>
+        </a:fillRef>
+        <a:effectRef idx="0">
+          <a:scrgbClr r="0" g="0" b="0"/>
+        </a:effectRef>
+        <a:fontRef idx="minor"/>
+      </dsp:style>
+    </dsp:sp>
+    <dsp:sp modelId="{2B039EDC-66C3-024C-9236-8D89D02D1AFC}">
+      <dsp:nvSpPr>
+        <dsp:cNvPr id="0" name=""/>
+        <dsp:cNvSpPr/>
+      </dsp:nvSpPr>
+      <dsp:spPr>
+        <a:xfrm>
+          <a:off x="2720342" y="3518201"/>
+          <a:ext cx="200545" cy="1564258"/>
+        </a:xfrm>
+        <a:custGeom>
+          <a:avLst/>
+          <a:gdLst/>
+          <a:ahLst/>
+          <a:cxnLst/>
+          <a:rect l="0" t="0" r="0" b="0"/>
+          <a:pathLst>
+            <a:path>
+              <a:moveTo>
+                <a:pt x="0" y="0"/>
+              </a:moveTo>
+              <a:lnTo>
+                <a:pt x="0" y="1564258"/>
+              </a:lnTo>
+              <a:lnTo>
+                <a:pt x="200545" y="1564258"/>
+              </a:lnTo>
+            </a:path>
+          </a:pathLst>
+        </a:custGeom>
+        <a:noFill/>
+        <a:ln w="12700" cap="flat" cmpd="sng" algn="ctr">
+          <a:solidFill>
+            <a:schemeClr val="accent1">
+              <a:shade val="80000"/>
+              <a:hueOff val="0"/>
+              <a:satOff val="0"/>
+              <a:lumOff val="0"/>
+              <a:alphaOff val="0"/>
+            </a:schemeClr>
+          </a:solidFill>
+          <a:prstDash val="solid"/>
+          <a:miter lim="800000"/>
+        </a:ln>
+        <a:effectLst/>
+      </dsp:spPr>
+      <dsp:style>
+        <a:lnRef idx="2">
+          <a:scrgbClr r="0" g="0" b="0"/>
+        </a:lnRef>
+        <a:fillRef idx="0">
+          <a:scrgbClr r="0" g="0" b="0"/>
+        </a:fillRef>
+        <a:effectRef idx="0">
+          <a:scrgbClr r="0" g="0" b="0"/>
+        </a:effectRef>
+        <a:fontRef idx="minor"/>
+      </dsp:style>
+    </dsp:sp>
+    <dsp:sp modelId="{0FA765B2-1FD6-1E4C-85BA-56656FAAA92B}">
+      <dsp:nvSpPr>
+        <dsp:cNvPr id="0" name=""/>
+        <dsp:cNvSpPr/>
+      </dsp:nvSpPr>
+      <dsp:spPr>
+        <a:xfrm>
+          <a:off x="2720342" y="3518201"/>
+          <a:ext cx="200545" cy="615007"/>
+        </a:xfrm>
+        <a:custGeom>
+          <a:avLst/>
+          <a:gdLst/>
+          <a:ahLst/>
+          <a:cxnLst/>
+          <a:rect l="0" t="0" r="0" b="0"/>
+          <a:pathLst>
+            <a:path>
+              <a:moveTo>
+                <a:pt x="0" y="0"/>
+              </a:moveTo>
+              <a:lnTo>
+                <a:pt x="0" y="615007"/>
+              </a:lnTo>
+              <a:lnTo>
+                <a:pt x="200545" y="615007"/>
+              </a:lnTo>
+            </a:path>
+          </a:pathLst>
+        </a:custGeom>
+        <a:noFill/>
+        <a:ln w="12700" cap="flat" cmpd="sng" algn="ctr">
+          <a:solidFill>
+            <a:schemeClr val="accent1">
+              <a:shade val="80000"/>
+              <a:hueOff val="0"/>
+              <a:satOff val="0"/>
+              <a:lumOff val="0"/>
+              <a:alphaOff val="0"/>
+            </a:schemeClr>
+          </a:solidFill>
+          <a:prstDash val="solid"/>
+          <a:miter lim="800000"/>
+        </a:ln>
+        <a:effectLst/>
+      </dsp:spPr>
+      <dsp:style>
+        <a:lnRef idx="2">
+          <a:scrgbClr r="0" g="0" b="0"/>
+        </a:lnRef>
+        <a:fillRef idx="0">
+          <a:scrgbClr r="0" g="0" b="0"/>
+        </a:fillRef>
+        <a:effectRef idx="0">
+          <a:scrgbClr r="0" g="0" b="0"/>
+        </a:effectRef>
+        <a:fontRef idx="minor"/>
+      </dsp:style>
+    </dsp:sp>
+    <dsp:sp modelId="{741F2B82-F17E-3C45-B633-9BDB98D83078}">
+      <dsp:nvSpPr>
+        <dsp:cNvPr id="0" name=""/>
+        <dsp:cNvSpPr/>
+      </dsp:nvSpPr>
+      <dsp:spPr>
+        <a:xfrm>
+          <a:off x="3209411" y="2568951"/>
+          <a:ext cx="91440" cy="280764"/>
+        </a:xfrm>
+        <a:custGeom>
+          <a:avLst/>
+          <a:gdLst/>
+          <a:ahLst/>
+          <a:cxnLst/>
+          <a:rect l="0" t="0" r="0" b="0"/>
+          <a:pathLst>
+            <a:path>
+              <a:moveTo>
+                <a:pt x="45720" y="0"/>
+              </a:moveTo>
+              <a:lnTo>
+                <a:pt x="45720" y="280764"/>
+              </a:lnTo>
+            </a:path>
+          </a:pathLst>
+        </a:custGeom>
+        <a:noFill/>
+        <a:ln w="12700" cap="flat" cmpd="sng" algn="ctr">
+          <a:solidFill>
+            <a:schemeClr val="accent1">
+              <a:shade val="80000"/>
+              <a:hueOff val="0"/>
+              <a:satOff val="0"/>
+              <a:lumOff val="0"/>
+              <a:alphaOff val="0"/>
+            </a:schemeClr>
+          </a:solidFill>
+          <a:prstDash val="solid"/>
+          <a:miter lim="800000"/>
+        </a:ln>
+        <a:effectLst/>
+      </dsp:spPr>
+      <dsp:style>
+        <a:lnRef idx="2">
+          <a:scrgbClr r="0" g="0" b="0"/>
+        </a:lnRef>
+        <a:fillRef idx="0">
+          <a:scrgbClr r="0" g="0" b="0"/>
+        </a:fillRef>
+        <a:effectRef idx="0">
+          <a:scrgbClr r="0" g="0" b="0"/>
+        </a:effectRef>
+        <a:fontRef idx="minor"/>
+      </dsp:style>
+    </dsp:sp>
+    <dsp:sp modelId="{520F8DA3-C01D-CA4F-8C1F-2CC1590BF7D0}">
+      <dsp:nvSpPr>
+        <dsp:cNvPr id="0" name=""/>
+        <dsp:cNvSpPr/>
+      </dsp:nvSpPr>
+      <dsp:spPr>
+        <a:xfrm>
+          <a:off x="1102605" y="3518201"/>
+          <a:ext cx="200545" cy="1564258"/>
+        </a:xfrm>
+        <a:custGeom>
+          <a:avLst/>
+          <a:gdLst/>
+          <a:ahLst/>
+          <a:cxnLst/>
+          <a:rect l="0" t="0" r="0" b="0"/>
+          <a:pathLst>
+            <a:path>
+              <a:moveTo>
+                <a:pt x="0" y="0"/>
+              </a:moveTo>
+              <a:lnTo>
+                <a:pt x="0" y="1564258"/>
+              </a:lnTo>
+              <a:lnTo>
+                <a:pt x="200545" y="1564258"/>
+              </a:lnTo>
+            </a:path>
+          </a:pathLst>
+        </a:custGeom>
+        <a:noFill/>
+        <a:ln w="12700" cap="flat" cmpd="sng" algn="ctr">
+          <a:solidFill>
+            <a:schemeClr val="accent1">
+              <a:shade val="80000"/>
+              <a:hueOff val="0"/>
+              <a:satOff val="0"/>
+              <a:lumOff val="0"/>
+              <a:alphaOff val="0"/>
+            </a:schemeClr>
+          </a:solidFill>
+          <a:prstDash val="solid"/>
+          <a:miter lim="800000"/>
+        </a:ln>
+        <a:effectLst/>
+      </dsp:spPr>
+      <dsp:style>
+        <a:lnRef idx="2">
+          <a:scrgbClr r="0" g="0" b="0"/>
+        </a:lnRef>
+        <a:fillRef idx="0">
+          <a:scrgbClr r="0" g="0" b="0"/>
+        </a:fillRef>
+        <a:effectRef idx="0">
+          <a:scrgbClr r="0" g="0" b="0"/>
+        </a:effectRef>
+        <a:fontRef idx="minor"/>
+      </dsp:style>
+    </dsp:sp>
+    <dsp:sp modelId="{151E8B87-E1F2-1D4F-AB50-66974EAFBB33}">
+      <dsp:nvSpPr>
+        <dsp:cNvPr id="0" name=""/>
+        <dsp:cNvSpPr/>
+      </dsp:nvSpPr>
+      <dsp:spPr>
+        <a:xfrm>
+          <a:off x="1102605" y="3518201"/>
+          <a:ext cx="200545" cy="615007"/>
+        </a:xfrm>
+        <a:custGeom>
+          <a:avLst/>
+          <a:gdLst/>
+          <a:ahLst/>
+          <a:cxnLst/>
+          <a:rect l="0" t="0" r="0" b="0"/>
+          <a:pathLst>
+            <a:path>
+              <a:moveTo>
+                <a:pt x="0" y="0"/>
+              </a:moveTo>
+              <a:lnTo>
+                <a:pt x="0" y="615007"/>
+              </a:lnTo>
+              <a:lnTo>
+                <a:pt x="200545" y="615007"/>
+              </a:lnTo>
+            </a:path>
+          </a:pathLst>
+        </a:custGeom>
+        <a:noFill/>
+        <a:ln w="12700" cap="flat" cmpd="sng" algn="ctr">
+          <a:solidFill>
+            <a:schemeClr val="accent1">
+              <a:shade val="80000"/>
+              <a:hueOff val="0"/>
+              <a:satOff val="0"/>
+              <a:lumOff val="0"/>
+              <a:alphaOff val="0"/>
+            </a:schemeClr>
+          </a:solidFill>
+          <a:prstDash val="solid"/>
+          <a:miter lim="800000"/>
+        </a:ln>
+        <a:effectLst/>
+      </dsp:spPr>
+      <dsp:style>
+        <a:lnRef idx="2">
+          <a:scrgbClr r="0" g="0" b="0"/>
+        </a:lnRef>
+        <a:fillRef idx="0">
+          <a:scrgbClr r="0" g="0" b="0"/>
+        </a:fillRef>
+        <a:effectRef idx="0">
+          <a:scrgbClr r="0" g="0" b="0"/>
+        </a:effectRef>
+        <a:fontRef idx="minor"/>
+      </dsp:style>
+    </dsp:sp>
+    <dsp:sp modelId="{E6E50C92-EFB9-7F4B-A854-AF896FDFC388}">
+      <dsp:nvSpPr>
+        <dsp:cNvPr id="0" name=""/>
+        <dsp:cNvSpPr/>
+      </dsp:nvSpPr>
+      <dsp:spPr>
+        <a:xfrm>
+          <a:off x="1637394" y="2568951"/>
+          <a:ext cx="1617736" cy="280764"/>
+        </a:xfrm>
+        <a:custGeom>
+          <a:avLst/>
+          <a:gdLst/>
+          <a:ahLst/>
+          <a:cxnLst/>
+          <a:rect l="0" t="0" r="0" b="0"/>
+          <a:pathLst>
+            <a:path>
+              <a:moveTo>
+                <a:pt x="1617736" y="0"/>
+              </a:moveTo>
+              <a:lnTo>
+                <a:pt x="1617736" y="140382"/>
+              </a:lnTo>
+              <a:lnTo>
+                <a:pt x="0" y="140382"/>
+              </a:lnTo>
+              <a:lnTo>
+                <a:pt x="0" y="280764"/>
+              </a:lnTo>
+            </a:path>
+          </a:pathLst>
+        </a:custGeom>
+        <a:noFill/>
+        <a:ln w="12700" cap="flat" cmpd="sng" algn="ctr">
+          <a:solidFill>
+            <a:schemeClr val="accent1">
+              <a:shade val="80000"/>
+              <a:hueOff val="0"/>
+              <a:satOff val="0"/>
+              <a:lumOff val="0"/>
+              <a:alphaOff val="0"/>
+            </a:schemeClr>
+          </a:solidFill>
+          <a:prstDash val="solid"/>
+          <a:miter lim="800000"/>
+        </a:ln>
+        <a:effectLst/>
+      </dsp:spPr>
+      <dsp:style>
+        <a:lnRef idx="2">
+          <a:scrgbClr r="0" g="0" b="0"/>
+        </a:lnRef>
+        <a:fillRef idx="0">
+          <a:scrgbClr r="0" g="0" b="0"/>
+        </a:fillRef>
+        <a:effectRef idx="0">
+          <a:scrgbClr r="0" g="0" b="0"/>
+        </a:effectRef>
+        <a:fontRef idx="minor"/>
+      </dsp:style>
+    </dsp:sp>
+    <dsp:sp modelId="{C5FB34AA-1850-7C43-8D49-7F6B278CC5F6}">
+      <dsp:nvSpPr>
+        <dsp:cNvPr id="0" name=""/>
+        <dsp:cNvSpPr/>
+      </dsp:nvSpPr>
+      <dsp:spPr>
+        <a:xfrm>
+          <a:off x="3255131" y="1619700"/>
+          <a:ext cx="1617736" cy="280764"/>
+        </a:xfrm>
+        <a:custGeom>
+          <a:avLst/>
+          <a:gdLst/>
+          <a:ahLst/>
+          <a:cxnLst/>
+          <a:rect l="0" t="0" r="0" b="0"/>
+          <a:pathLst>
+            <a:path>
+              <a:moveTo>
+                <a:pt x="1617736" y="0"/>
+              </a:moveTo>
+              <a:lnTo>
+                <a:pt x="1617736" y="140382"/>
+              </a:lnTo>
+              <a:lnTo>
+                <a:pt x="0" y="140382"/>
+              </a:lnTo>
+              <a:lnTo>
+                <a:pt x="0" y="280764"/>
+              </a:lnTo>
+            </a:path>
+          </a:pathLst>
+        </a:custGeom>
+        <a:noFill/>
+        <a:ln w="12700" cap="flat" cmpd="sng" algn="ctr">
+          <a:solidFill>
+            <a:schemeClr val="accent1">
+              <a:shade val="80000"/>
+              <a:hueOff val="0"/>
+              <a:satOff val="0"/>
+              <a:lumOff val="0"/>
+              <a:alphaOff val="0"/>
+            </a:schemeClr>
+          </a:solidFill>
+          <a:prstDash val="solid"/>
+          <a:miter lim="800000"/>
+        </a:ln>
+        <a:effectLst/>
+      </dsp:spPr>
+      <dsp:style>
+        <a:lnRef idx="2">
+          <a:scrgbClr r="0" g="0" b="0"/>
+        </a:lnRef>
+        <a:fillRef idx="0">
+          <a:scrgbClr r="0" g="0" b="0"/>
+        </a:fillRef>
+        <a:effectRef idx="0">
+          <a:scrgbClr r="0" g="0" b="0"/>
+        </a:effectRef>
+        <a:fontRef idx="minor"/>
+      </dsp:style>
+    </dsp:sp>
+    <dsp:sp modelId="{81597DCE-A2CE-8E41-8610-25EED82ECA7A}">
+      <dsp:nvSpPr>
+        <dsp:cNvPr id="0" name=""/>
+        <dsp:cNvSpPr/>
+      </dsp:nvSpPr>
+      <dsp:spPr>
+        <a:xfrm>
+          <a:off x="4064000" y="670450"/>
+          <a:ext cx="808868" cy="280764"/>
+        </a:xfrm>
+        <a:custGeom>
+          <a:avLst/>
+          <a:gdLst/>
+          <a:ahLst/>
+          <a:cxnLst/>
+          <a:rect l="0" t="0" r="0" b="0"/>
+          <a:pathLst>
+            <a:path>
+              <a:moveTo>
+                <a:pt x="0" y="0"/>
+              </a:moveTo>
+              <a:lnTo>
+                <a:pt x="0" y="140382"/>
+              </a:lnTo>
+              <a:lnTo>
+                <a:pt x="808868" y="140382"/>
+              </a:lnTo>
+              <a:lnTo>
+                <a:pt x="808868" y="280764"/>
+              </a:lnTo>
+            </a:path>
+          </a:pathLst>
+        </a:custGeom>
+        <a:noFill/>
+        <a:ln w="12700" cap="flat" cmpd="sng" algn="ctr">
+          <a:solidFill>
+            <a:schemeClr val="accent1">
+              <a:shade val="60000"/>
+              <a:hueOff val="0"/>
+              <a:satOff val="0"/>
+              <a:lumOff val="0"/>
+              <a:alphaOff val="0"/>
+            </a:schemeClr>
+          </a:solidFill>
+          <a:prstDash val="solid"/>
+          <a:miter lim="800000"/>
+        </a:ln>
+        <a:effectLst/>
+      </dsp:spPr>
+      <dsp:style>
+        <a:lnRef idx="2">
+          <a:scrgbClr r="0" g="0" b="0"/>
+        </a:lnRef>
+        <a:fillRef idx="0">
+          <a:scrgbClr r="0" g="0" b="0"/>
+        </a:fillRef>
+        <a:effectRef idx="0">
+          <a:scrgbClr r="0" g="0" b="0"/>
+        </a:effectRef>
+        <a:fontRef idx="minor"/>
+      </dsp:style>
+    </dsp:sp>
+    <dsp:sp modelId="{08961B0F-7A0B-8A47-874D-5E98F02B22E9}">
+      <dsp:nvSpPr>
+        <dsp:cNvPr id="0" name=""/>
+        <dsp:cNvSpPr/>
+      </dsp:nvSpPr>
+      <dsp:spPr>
+        <a:xfrm>
+          <a:off x="3255131" y="670450"/>
+          <a:ext cx="808868" cy="280764"/>
+        </a:xfrm>
+        <a:custGeom>
+          <a:avLst/>
+          <a:gdLst/>
+          <a:ahLst/>
+          <a:cxnLst/>
+          <a:rect l="0" t="0" r="0" b="0"/>
+          <a:pathLst>
+            <a:path>
+              <a:moveTo>
+                <a:pt x="808868" y="0"/>
+              </a:moveTo>
+              <a:lnTo>
+                <a:pt x="808868" y="140382"/>
+              </a:lnTo>
+              <a:lnTo>
+                <a:pt x="0" y="140382"/>
+              </a:lnTo>
+              <a:lnTo>
+                <a:pt x="0" y="280764"/>
+              </a:lnTo>
+            </a:path>
+          </a:pathLst>
+        </a:custGeom>
+        <a:noFill/>
+        <a:ln w="12700" cap="flat" cmpd="sng" algn="ctr">
+          <a:solidFill>
+            <a:schemeClr val="accent1">
+              <a:shade val="60000"/>
+              <a:hueOff val="0"/>
+              <a:satOff val="0"/>
+              <a:lumOff val="0"/>
+              <a:alphaOff val="0"/>
+            </a:schemeClr>
+          </a:solidFill>
+          <a:prstDash val="solid"/>
+          <a:miter lim="800000"/>
+        </a:ln>
+        <a:effectLst/>
+      </dsp:spPr>
+      <dsp:style>
+        <a:lnRef idx="2">
+          <a:scrgbClr r="0" g="0" b="0"/>
+        </a:lnRef>
+        <a:fillRef idx="0">
+          <a:scrgbClr r="0" g="0" b="0"/>
+        </a:fillRef>
+        <a:effectRef idx="0">
+          <a:scrgbClr r="0" g="0" b="0"/>
+        </a:effectRef>
+        <a:fontRef idx="minor"/>
+      </dsp:style>
+    </dsp:sp>
+    <dsp:sp modelId="{D16225A5-AC8D-604D-857F-A97DFC74364E}">
+      <dsp:nvSpPr>
+        <dsp:cNvPr id="0" name=""/>
+        <dsp:cNvSpPr/>
+      </dsp:nvSpPr>
+      <dsp:spPr>
+        <a:xfrm>
+          <a:off x="3395513" y="1963"/>
+          <a:ext cx="1336972" cy="668486"/>
+        </a:xfrm>
+        <a:prstGeom prst="rect">
+          <a:avLst/>
+        </a:prstGeom>
+        <a:solidFill>
+          <a:schemeClr val="accent1">
+            <a:hueOff val="0"/>
+            <a:satOff val="0"/>
+            <a:lumOff val="0"/>
+            <a:alphaOff val="0"/>
+          </a:schemeClr>
+        </a:solidFill>
+        <a:ln w="12700" cap="flat" cmpd="sng" algn="ctr">
+          <a:solidFill>
+            <a:schemeClr val="lt1">
+              <a:hueOff val="0"/>
+              <a:satOff val="0"/>
+              <a:lumOff val="0"/>
+              <a:alphaOff val="0"/>
+            </a:schemeClr>
+          </a:solidFill>
+          <a:prstDash val="solid"/>
+          <a:miter lim="800000"/>
+        </a:ln>
+        <a:effectLst/>
+      </dsp:spPr>
+      <dsp:style>
+        <a:lnRef idx="2">
+          <a:scrgbClr r="0" g="0" b="0"/>
+        </a:lnRef>
+        <a:fillRef idx="1">
+          <a:scrgbClr r="0" g="0" b="0"/>
+        </a:fillRef>
+        <a:effectRef idx="0">
+          <a:scrgbClr r="0" g="0" b="0"/>
+        </a:effectRef>
+        <a:fontRef idx="minor">
+          <a:schemeClr val="lt1"/>
+        </a:fontRef>
+      </dsp:style>
+      <dsp:txBody>
+        <a:bodyPr spcFirstLastPara="0" vert="horz" wrap="square" lIns="6985" tIns="6985" rIns="6985" bIns="6985" numCol="1" spcCol="1270" anchor="ctr" anchorCtr="0">
+          <a:noAutofit/>
+        </a:bodyPr>
+        <a:lstStyle/>
+        <a:p>
+          <a:pPr marL="0" lvl="0" indent="0" algn="ctr" defTabSz="488950">
+            <a:lnSpc>
+              <a:spcPct val="90000"/>
+            </a:lnSpc>
+            <a:spcBef>
+              <a:spcPct val="0"/>
+            </a:spcBef>
+            <a:spcAft>
+              <a:spcPct val="35000"/>
+            </a:spcAft>
+            <a:buNone/>
+          </a:pPr>
+          <a:r>
+            <a:rPr lang="en-US" sz="1100" kern="1200" dirty="0"/>
+            <a:t>ABC</a:t>
+          </a:r>
+        </a:p>
+      </dsp:txBody>
+      <dsp:txXfrm>
+        <a:off x="3395513" y="1963"/>
+        <a:ext cx="1336972" cy="668486"/>
+      </dsp:txXfrm>
+    </dsp:sp>
+    <dsp:sp modelId="{AFFBEF4C-20C3-A24B-95EA-8561507803E4}">
+      <dsp:nvSpPr>
+        <dsp:cNvPr id="0" name=""/>
+        <dsp:cNvSpPr/>
+      </dsp:nvSpPr>
+      <dsp:spPr>
+        <a:xfrm>
+          <a:off x="2586645" y="951214"/>
+          <a:ext cx="1336972" cy="668486"/>
+        </a:xfrm>
+        <a:prstGeom prst="rect">
+          <a:avLst/>
+        </a:prstGeom>
+        <a:solidFill>
+          <a:schemeClr val="accent1">
+            <a:hueOff val="0"/>
+            <a:satOff val="0"/>
+            <a:lumOff val="0"/>
+            <a:alphaOff val="0"/>
+          </a:schemeClr>
+        </a:solidFill>
+        <a:ln w="12700" cap="flat" cmpd="sng" algn="ctr">
+          <a:solidFill>
+            <a:schemeClr val="lt1">
+              <a:hueOff val="0"/>
+              <a:satOff val="0"/>
+              <a:lumOff val="0"/>
+              <a:alphaOff val="0"/>
+            </a:schemeClr>
+          </a:solidFill>
+          <a:prstDash val="solid"/>
+          <a:miter lim="800000"/>
+        </a:ln>
+        <a:effectLst/>
+      </dsp:spPr>
+      <dsp:style>
+        <a:lnRef idx="2">
+          <a:scrgbClr r="0" g="0" b="0"/>
+        </a:lnRef>
+        <a:fillRef idx="1">
+          <a:scrgbClr r="0" g="0" b="0"/>
+        </a:fillRef>
+        <a:effectRef idx="0">
+          <a:scrgbClr r="0" g="0" b="0"/>
+        </a:effectRef>
+        <a:fontRef idx="minor">
+          <a:schemeClr val="lt1"/>
+        </a:fontRef>
+      </dsp:style>
+      <dsp:txBody>
+        <a:bodyPr spcFirstLastPara="0" vert="horz" wrap="square" lIns="6985" tIns="6985" rIns="6985" bIns="6985" numCol="1" spcCol="1270" anchor="ctr" anchorCtr="0">
+          <a:noAutofit/>
+        </a:bodyPr>
+        <a:lstStyle/>
+        <a:p>
+          <a:pPr marL="0" lvl="0" indent="0" algn="ctr" defTabSz="488950">
+            <a:lnSpc>
+              <a:spcPct val="90000"/>
+            </a:lnSpc>
+            <a:spcBef>
+              <a:spcPct val="0"/>
+            </a:spcBef>
+            <a:spcAft>
+              <a:spcPct val="35000"/>
+            </a:spcAft>
+            <a:buNone/>
+          </a:pPr>
+          <a:r>
+            <a:rPr lang="en-US" sz="1100" kern="1200" dirty="0"/>
+            <a:t>“Set asides” for incidental catch, RSA, NGOM, observers</a:t>
+          </a:r>
+        </a:p>
+      </dsp:txBody>
+      <dsp:txXfrm>
+        <a:off x="2586645" y="951214"/>
+        <a:ext cx="1336972" cy="668486"/>
+      </dsp:txXfrm>
+    </dsp:sp>
+    <dsp:sp modelId="{8C9A0B79-F0E3-2749-96B0-A5875CBFAA27}">
+      <dsp:nvSpPr>
+        <dsp:cNvPr id="0" name=""/>
+        <dsp:cNvSpPr/>
+      </dsp:nvSpPr>
+      <dsp:spPr>
+        <a:xfrm>
+          <a:off x="4204382" y="951214"/>
+          <a:ext cx="1336972" cy="668486"/>
+        </a:xfrm>
+        <a:prstGeom prst="rect">
+          <a:avLst/>
+        </a:prstGeom>
+        <a:solidFill>
+          <a:schemeClr val="accent1">
+            <a:hueOff val="0"/>
+            <a:satOff val="0"/>
+            <a:lumOff val="0"/>
+            <a:alphaOff val="0"/>
+          </a:schemeClr>
+        </a:solidFill>
+        <a:ln w="12700" cap="flat" cmpd="sng" algn="ctr">
+          <a:solidFill>
+            <a:schemeClr val="lt1">
+              <a:hueOff val="0"/>
+              <a:satOff val="0"/>
+              <a:lumOff val="0"/>
+              <a:alphaOff val="0"/>
+            </a:schemeClr>
+          </a:solidFill>
+          <a:prstDash val="solid"/>
+          <a:miter lim="800000"/>
+        </a:ln>
+        <a:effectLst/>
+      </dsp:spPr>
+      <dsp:style>
+        <a:lnRef idx="2">
+          <a:scrgbClr r="0" g="0" b="0"/>
+        </a:lnRef>
+        <a:fillRef idx="1">
+          <a:scrgbClr r="0" g="0" b="0"/>
+        </a:fillRef>
+        <a:effectRef idx="0">
+          <a:scrgbClr r="0" g="0" b="0"/>
+        </a:effectRef>
+        <a:fontRef idx="minor">
+          <a:schemeClr val="lt1"/>
+        </a:fontRef>
+      </dsp:style>
+      <dsp:txBody>
+        <a:bodyPr spcFirstLastPara="0" vert="horz" wrap="square" lIns="6985" tIns="6985" rIns="6985" bIns="6985" numCol="1" spcCol="1270" anchor="ctr" anchorCtr="0">
+          <a:noAutofit/>
+        </a:bodyPr>
+        <a:lstStyle/>
+        <a:p>
+          <a:pPr marL="0" lvl="0" indent="0" algn="ctr" defTabSz="488950">
+            <a:lnSpc>
+              <a:spcPct val="90000"/>
+            </a:lnSpc>
+            <a:spcBef>
+              <a:spcPct val="0"/>
+            </a:spcBef>
+            <a:spcAft>
+              <a:spcPct val="35000"/>
+            </a:spcAft>
+            <a:buNone/>
+          </a:pPr>
+          <a:r>
+            <a:rPr lang="en-US" sz="1100" kern="1200" dirty="0"/>
+            <a:t>Remaining catch</a:t>
+          </a:r>
+        </a:p>
+      </dsp:txBody>
+      <dsp:txXfrm>
+        <a:off x="4204382" y="951214"/>
+        <a:ext cx="1336972" cy="668486"/>
+      </dsp:txXfrm>
+    </dsp:sp>
+    <dsp:sp modelId="{CDAF039D-B252-E84D-BCED-23FE943C1D4B}">
+      <dsp:nvSpPr>
+        <dsp:cNvPr id="0" name=""/>
+        <dsp:cNvSpPr/>
+      </dsp:nvSpPr>
+      <dsp:spPr>
+        <a:xfrm>
+          <a:off x="2586645" y="1900465"/>
+          <a:ext cx="1336972" cy="668486"/>
+        </a:xfrm>
+        <a:prstGeom prst="rect">
+          <a:avLst/>
+        </a:prstGeom>
+        <a:solidFill>
+          <a:schemeClr val="accent1">
+            <a:hueOff val="0"/>
+            <a:satOff val="0"/>
+            <a:lumOff val="0"/>
+            <a:alphaOff val="0"/>
+          </a:schemeClr>
+        </a:solidFill>
+        <a:ln w="12700" cap="flat" cmpd="sng" algn="ctr">
+          <a:solidFill>
+            <a:schemeClr val="lt1">
+              <a:hueOff val="0"/>
+              <a:satOff val="0"/>
+              <a:lumOff val="0"/>
+              <a:alphaOff val="0"/>
+            </a:schemeClr>
+          </a:solidFill>
+          <a:prstDash val="solid"/>
+          <a:miter lim="800000"/>
+        </a:ln>
+        <a:effectLst/>
+      </dsp:spPr>
+      <dsp:style>
+        <a:lnRef idx="2">
+          <a:scrgbClr r="0" g="0" b="0"/>
+        </a:lnRef>
+        <a:fillRef idx="1">
+          <a:scrgbClr r="0" g="0" b="0"/>
+        </a:fillRef>
+        <a:effectRef idx="0">
+          <a:scrgbClr r="0" g="0" b="0"/>
+        </a:effectRef>
+        <a:fontRef idx="minor">
+          <a:schemeClr val="lt1"/>
+        </a:fontRef>
+      </dsp:style>
+      <dsp:txBody>
+        <a:bodyPr spcFirstLastPara="0" vert="horz" wrap="square" lIns="6985" tIns="6985" rIns="6985" bIns="6985" numCol="1" spcCol="1270" anchor="ctr" anchorCtr="0">
+          <a:noAutofit/>
+        </a:bodyPr>
+        <a:lstStyle/>
+        <a:p>
+          <a:pPr marL="0" lvl="0" indent="0" algn="ctr" defTabSz="488950">
+            <a:lnSpc>
+              <a:spcPct val="90000"/>
+            </a:lnSpc>
+            <a:spcBef>
+              <a:spcPct val="0"/>
+            </a:spcBef>
+            <a:spcAft>
+              <a:spcPct val="35000"/>
+            </a:spcAft>
+            <a:buNone/>
+          </a:pPr>
+          <a:r>
+            <a:rPr lang="en-US" sz="1100" kern="1200" dirty="0"/>
+            <a:t>Limit Access scallop fleet (larger “trip boat” fleet (94.5%)</a:t>
+          </a:r>
+        </a:p>
+      </dsp:txBody>
+      <dsp:txXfrm>
+        <a:off x="2586645" y="1900465"/>
+        <a:ext cx="1336972" cy="668486"/>
+      </dsp:txXfrm>
+    </dsp:sp>
+    <dsp:sp modelId="{A90D722A-E883-DC4C-A1D2-BA64D8B29B5E}">
+      <dsp:nvSpPr>
+        <dsp:cNvPr id="0" name=""/>
+        <dsp:cNvSpPr/>
+      </dsp:nvSpPr>
+      <dsp:spPr>
+        <a:xfrm>
+          <a:off x="968908" y="2849715"/>
+          <a:ext cx="1336972" cy="668486"/>
+        </a:xfrm>
+        <a:prstGeom prst="rect">
+          <a:avLst/>
+        </a:prstGeom>
+        <a:solidFill>
+          <a:schemeClr val="accent1">
+            <a:hueOff val="0"/>
+            <a:satOff val="0"/>
+            <a:lumOff val="0"/>
+            <a:alphaOff val="0"/>
+          </a:schemeClr>
+        </a:solidFill>
+        <a:ln w="12700" cap="flat" cmpd="sng" algn="ctr">
+          <a:solidFill>
+            <a:schemeClr val="lt1">
+              <a:hueOff val="0"/>
+              <a:satOff val="0"/>
+              <a:lumOff val="0"/>
+              <a:alphaOff val="0"/>
+            </a:schemeClr>
+          </a:solidFill>
+          <a:prstDash val="solid"/>
+          <a:miter lim="800000"/>
+        </a:ln>
+        <a:effectLst/>
+      </dsp:spPr>
+      <dsp:style>
+        <a:lnRef idx="2">
+          <a:scrgbClr r="0" g="0" b="0"/>
+        </a:lnRef>
+        <a:fillRef idx="1">
+          <a:scrgbClr r="0" g="0" b="0"/>
+        </a:fillRef>
+        <a:effectRef idx="0">
+          <a:scrgbClr r="0" g="0" b="0"/>
+        </a:effectRef>
+        <a:fontRef idx="minor">
+          <a:schemeClr val="lt1"/>
+        </a:fontRef>
+      </dsp:style>
+      <dsp:txBody>
+        <a:bodyPr spcFirstLastPara="0" vert="horz" wrap="square" lIns="6985" tIns="6985" rIns="6985" bIns="6985" numCol="1" spcCol="1270" anchor="ctr" anchorCtr="0">
+          <a:noAutofit/>
+        </a:bodyPr>
+        <a:lstStyle/>
+        <a:p>
+          <a:pPr marL="0" lvl="0" indent="0" algn="ctr" defTabSz="488950">
+            <a:lnSpc>
+              <a:spcPct val="90000"/>
+            </a:lnSpc>
+            <a:spcBef>
+              <a:spcPct val="0"/>
+            </a:spcBef>
+            <a:spcAft>
+              <a:spcPct val="35000"/>
+            </a:spcAft>
+            <a:buNone/>
+          </a:pPr>
+          <a:r>
+            <a:rPr lang="en-US" sz="1100" kern="1200" dirty="0"/>
+            <a:t>Full-time </a:t>
+          </a:r>
+          <a:br>
+            <a:rPr lang="en-US" sz="1100" kern="1200" dirty="0"/>
+          </a:br>
+          <a:r>
+            <a:rPr lang="en-US" sz="1100" kern="1200" dirty="0"/>
+            <a:t>(23 days-at-sea)</a:t>
+          </a:r>
+        </a:p>
+      </dsp:txBody>
+      <dsp:txXfrm>
+        <a:off x="968908" y="2849715"/>
+        <a:ext cx="1336972" cy="668486"/>
+      </dsp:txXfrm>
+    </dsp:sp>
+    <dsp:sp modelId="{F3DD806C-799B-0946-B6AE-310F4EBFCB96}">
+      <dsp:nvSpPr>
+        <dsp:cNvPr id="0" name=""/>
+        <dsp:cNvSpPr/>
+      </dsp:nvSpPr>
+      <dsp:spPr>
+        <a:xfrm>
+          <a:off x="1303151" y="3798966"/>
+          <a:ext cx="1336972" cy="668486"/>
+        </a:xfrm>
+        <a:prstGeom prst="rect">
+          <a:avLst/>
+        </a:prstGeom>
+        <a:solidFill>
+          <a:schemeClr val="accent1">
+            <a:hueOff val="0"/>
+            <a:satOff val="0"/>
+            <a:lumOff val="0"/>
+            <a:alphaOff val="0"/>
+          </a:schemeClr>
+        </a:solidFill>
+        <a:ln w="12700" cap="flat" cmpd="sng" algn="ctr">
+          <a:solidFill>
+            <a:schemeClr val="lt1">
+              <a:hueOff val="0"/>
+              <a:satOff val="0"/>
+              <a:lumOff val="0"/>
+              <a:alphaOff val="0"/>
+            </a:schemeClr>
+          </a:solidFill>
+          <a:prstDash val="solid"/>
+          <a:miter lim="800000"/>
+        </a:ln>
+        <a:effectLst/>
+      </dsp:spPr>
+      <dsp:style>
+        <a:lnRef idx="2">
+          <a:scrgbClr r="0" g="0" b="0"/>
+        </a:lnRef>
+        <a:fillRef idx="1">
+          <a:scrgbClr r="0" g="0" b="0"/>
+        </a:fillRef>
+        <a:effectRef idx="0">
+          <a:scrgbClr r="0" g="0" b="0"/>
+        </a:effectRef>
+        <a:fontRef idx="minor">
+          <a:schemeClr val="lt1"/>
+        </a:fontRef>
+      </dsp:style>
+      <dsp:txBody>
+        <a:bodyPr spcFirstLastPara="0" vert="horz" wrap="square" lIns="6985" tIns="6985" rIns="6985" bIns="6985" numCol="1" spcCol="1270" anchor="ctr" anchorCtr="0">
+          <a:noAutofit/>
+        </a:bodyPr>
+        <a:lstStyle/>
+        <a:p>
+          <a:pPr marL="0" lvl="0" indent="0" algn="ctr" defTabSz="488950">
+            <a:lnSpc>
+              <a:spcPct val="90000"/>
+            </a:lnSpc>
+            <a:spcBef>
+              <a:spcPct val="0"/>
+            </a:spcBef>
+            <a:spcAft>
+              <a:spcPct val="35000"/>
+            </a:spcAft>
+            <a:buNone/>
+          </a:pPr>
+          <a:r>
+            <a:rPr lang="en-US" sz="1100" kern="1200" dirty="0"/>
+            <a:t>Open areas </a:t>
+          </a:r>
+          <a:br>
+            <a:rPr lang="en-US" sz="1100" kern="1200" dirty="0"/>
+          </a:br>
+          <a:r>
+            <a:rPr lang="en-US" sz="1100" kern="1200" dirty="0"/>
+            <a:t>(20 days-at-sea)</a:t>
+          </a:r>
+        </a:p>
+      </dsp:txBody>
+      <dsp:txXfrm>
+        <a:off x="1303151" y="3798966"/>
+        <a:ext cx="1336972" cy="668486"/>
+      </dsp:txXfrm>
+    </dsp:sp>
+    <dsp:sp modelId="{FD0B7F04-1C65-9148-8551-8D76F04CF3D1}">
+      <dsp:nvSpPr>
+        <dsp:cNvPr id="0" name=""/>
+        <dsp:cNvSpPr/>
+      </dsp:nvSpPr>
+      <dsp:spPr>
+        <a:xfrm>
+          <a:off x="1303151" y="4748216"/>
+          <a:ext cx="1336972" cy="668486"/>
+        </a:xfrm>
+        <a:prstGeom prst="rect">
+          <a:avLst/>
+        </a:prstGeom>
+        <a:solidFill>
+          <a:schemeClr val="accent1">
+            <a:hueOff val="0"/>
+            <a:satOff val="0"/>
+            <a:lumOff val="0"/>
+            <a:alphaOff val="0"/>
+          </a:schemeClr>
+        </a:solidFill>
+        <a:ln w="12700" cap="flat" cmpd="sng" algn="ctr">
+          <a:solidFill>
+            <a:schemeClr val="lt1">
+              <a:hueOff val="0"/>
+              <a:satOff val="0"/>
+              <a:lumOff val="0"/>
+              <a:alphaOff val="0"/>
+            </a:schemeClr>
+          </a:solidFill>
+          <a:prstDash val="solid"/>
+          <a:miter lim="800000"/>
+        </a:ln>
+        <a:effectLst/>
+      </dsp:spPr>
+      <dsp:style>
+        <a:lnRef idx="2">
+          <a:scrgbClr r="0" g="0" b="0"/>
+        </a:lnRef>
+        <a:fillRef idx="1">
+          <a:scrgbClr r="0" g="0" b="0"/>
+        </a:fillRef>
+        <a:effectRef idx="0">
+          <a:scrgbClr r="0" g="0" b="0"/>
+        </a:effectRef>
+        <a:fontRef idx="minor">
+          <a:schemeClr val="lt1"/>
+        </a:fontRef>
+      </dsp:style>
+      <dsp:txBody>
+        <a:bodyPr spcFirstLastPara="0" vert="horz" wrap="square" lIns="6985" tIns="6985" rIns="6985" bIns="6985" numCol="1" spcCol="1270" anchor="ctr" anchorCtr="0">
+          <a:noAutofit/>
+        </a:bodyPr>
+        <a:lstStyle/>
+        <a:p>
+          <a:pPr marL="0" lvl="0" indent="0" algn="ctr" defTabSz="488950">
+            <a:lnSpc>
+              <a:spcPct val="90000"/>
+            </a:lnSpc>
+            <a:spcBef>
+              <a:spcPct val="0"/>
+            </a:spcBef>
+            <a:spcAft>
+              <a:spcPct val="35000"/>
+            </a:spcAft>
+            <a:buNone/>
+          </a:pPr>
+          <a:r>
+            <a:rPr lang="en-US" sz="1100" kern="1200" dirty="0"/>
+            <a:t>Specified </a:t>
+          </a:r>
+        </a:p>
+        <a:p>
+          <a:pPr marL="0" lvl="0" indent="0" algn="ctr" defTabSz="488950">
+            <a:lnSpc>
+              <a:spcPct val="90000"/>
+            </a:lnSpc>
+            <a:spcBef>
+              <a:spcPct val="0"/>
+            </a:spcBef>
+            <a:spcAft>
+              <a:spcPct val="35000"/>
+            </a:spcAft>
+            <a:buNone/>
+          </a:pPr>
+          <a:r>
+            <a:rPr lang="en-US" sz="1100" kern="1200" dirty="0"/>
+            <a:t>access areas </a:t>
+          </a:r>
+          <a:br>
+            <a:rPr lang="en-US" sz="1100" kern="1200" dirty="0"/>
+          </a:br>
+          <a:r>
+            <a:rPr lang="en-US" sz="1100" kern="1200" dirty="0"/>
+            <a:t>(3 days-at-sea)</a:t>
+          </a:r>
+        </a:p>
+      </dsp:txBody>
+      <dsp:txXfrm>
+        <a:off x="1303151" y="4748216"/>
+        <a:ext cx="1336972" cy="668486"/>
+      </dsp:txXfrm>
+    </dsp:sp>
+    <dsp:sp modelId="{4E22F7B0-85BF-2B42-9D41-5221C162A096}">
+      <dsp:nvSpPr>
+        <dsp:cNvPr id="0" name=""/>
+        <dsp:cNvSpPr/>
+      </dsp:nvSpPr>
+      <dsp:spPr>
+        <a:xfrm>
+          <a:off x="2586645" y="2849715"/>
+          <a:ext cx="1336972" cy="668486"/>
+        </a:xfrm>
+        <a:prstGeom prst="rect">
+          <a:avLst/>
+        </a:prstGeom>
+        <a:solidFill>
+          <a:schemeClr val="accent1">
+            <a:hueOff val="0"/>
+            <a:satOff val="0"/>
+            <a:lumOff val="0"/>
+            <a:alphaOff val="0"/>
+          </a:schemeClr>
+        </a:solidFill>
+        <a:ln w="12700" cap="flat" cmpd="sng" algn="ctr">
+          <a:solidFill>
+            <a:schemeClr val="lt1">
+              <a:hueOff val="0"/>
+              <a:satOff val="0"/>
+              <a:lumOff val="0"/>
+              <a:alphaOff val="0"/>
+            </a:schemeClr>
+          </a:solidFill>
+          <a:prstDash val="solid"/>
+          <a:miter lim="800000"/>
+        </a:ln>
+        <a:effectLst/>
+      </dsp:spPr>
+      <dsp:style>
+        <a:lnRef idx="2">
+          <a:scrgbClr r="0" g="0" b="0"/>
+        </a:lnRef>
+        <a:fillRef idx="1">
+          <a:scrgbClr r="0" g="0" b="0"/>
+        </a:fillRef>
+        <a:effectRef idx="0">
+          <a:scrgbClr r="0" g="0" b="0"/>
+        </a:effectRef>
+        <a:fontRef idx="minor">
+          <a:schemeClr val="lt1"/>
+        </a:fontRef>
+      </dsp:style>
+      <dsp:txBody>
+        <a:bodyPr spcFirstLastPara="0" vert="horz" wrap="square" lIns="6985" tIns="6985" rIns="6985" bIns="6985" numCol="1" spcCol="1270" anchor="ctr" anchorCtr="0">
+          <a:noAutofit/>
+        </a:bodyPr>
+        <a:lstStyle/>
+        <a:p>
+          <a:pPr marL="0" lvl="0" indent="0" algn="ctr" defTabSz="488950">
+            <a:lnSpc>
+              <a:spcPct val="90000"/>
+            </a:lnSpc>
+            <a:spcBef>
+              <a:spcPct val="0"/>
+            </a:spcBef>
+            <a:spcAft>
+              <a:spcPct val="35000"/>
+            </a:spcAft>
+            <a:buNone/>
+          </a:pPr>
+          <a:r>
+            <a:rPr lang="en-US" sz="1100" kern="1200" dirty="0"/>
+            <a:t>Part-time </a:t>
+          </a:r>
+          <a:br>
+            <a:rPr lang="en-US" sz="1100" kern="1200" dirty="0"/>
+          </a:br>
+          <a:r>
+            <a:rPr lang="en-US" sz="1100" kern="1200" dirty="0"/>
+            <a:t>(9 days-at-sea)</a:t>
+          </a:r>
+        </a:p>
+      </dsp:txBody>
+      <dsp:txXfrm>
+        <a:off x="2586645" y="2849715"/>
+        <a:ext cx="1336972" cy="668486"/>
+      </dsp:txXfrm>
+    </dsp:sp>
+    <dsp:sp modelId="{ABABF6FC-96C6-CC42-8E1D-4A7FA53E3F5C}">
+      <dsp:nvSpPr>
+        <dsp:cNvPr id="0" name=""/>
+        <dsp:cNvSpPr/>
+      </dsp:nvSpPr>
+      <dsp:spPr>
+        <a:xfrm>
+          <a:off x="2920888" y="3798966"/>
+          <a:ext cx="1336972" cy="668486"/>
+        </a:xfrm>
+        <a:prstGeom prst="rect">
+          <a:avLst/>
+        </a:prstGeom>
+        <a:solidFill>
+          <a:schemeClr val="accent1">
+            <a:hueOff val="0"/>
+            <a:satOff val="0"/>
+            <a:lumOff val="0"/>
+            <a:alphaOff val="0"/>
+          </a:schemeClr>
+        </a:solidFill>
+        <a:ln w="12700" cap="flat" cmpd="sng" algn="ctr">
+          <a:solidFill>
+            <a:schemeClr val="lt1">
+              <a:hueOff val="0"/>
+              <a:satOff val="0"/>
+              <a:lumOff val="0"/>
+              <a:alphaOff val="0"/>
+            </a:schemeClr>
+          </a:solidFill>
+          <a:prstDash val="solid"/>
+          <a:miter lim="800000"/>
+        </a:ln>
+        <a:effectLst/>
+      </dsp:spPr>
+      <dsp:style>
+        <a:lnRef idx="2">
+          <a:scrgbClr r="0" g="0" b="0"/>
+        </a:lnRef>
+        <a:fillRef idx="1">
+          <a:scrgbClr r="0" g="0" b="0"/>
+        </a:fillRef>
+        <a:effectRef idx="0">
+          <a:scrgbClr r="0" g="0" b="0"/>
+        </a:effectRef>
+        <a:fontRef idx="minor">
+          <a:schemeClr val="lt1"/>
+        </a:fontRef>
+      </dsp:style>
+      <dsp:txBody>
+        <a:bodyPr spcFirstLastPara="0" vert="horz" wrap="square" lIns="6985" tIns="6985" rIns="6985" bIns="6985" numCol="1" spcCol="1270" anchor="ctr" anchorCtr="0">
+          <a:noAutofit/>
+        </a:bodyPr>
+        <a:lstStyle/>
+        <a:p>
+          <a:pPr marL="0" lvl="0" indent="0" algn="ctr" defTabSz="488950">
+            <a:lnSpc>
+              <a:spcPct val="90000"/>
+            </a:lnSpc>
+            <a:spcBef>
+              <a:spcPct val="0"/>
+            </a:spcBef>
+            <a:spcAft>
+              <a:spcPct val="35000"/>
+            </a:spcAft>
+            <a:buNone/>
+          </a:pPr>
+          <a:r>
+            <a:rPr lang="en-US" sz="1100" kern="1200" dirty="0"/>
+            <a:t>Open areas</a:t>
+          </a:r>
+        </a:p>
+        <a:p>
+          <a:pPr marL="0" lvl="0" indent="0" algn="ctr" defTabSz="488950">
+            <a:lnSpc>
+              <a:spcPct val="90000"/>
+            </a:lnSpc>
+            <a:spcBef>
+              <a:spcPct val="0"/>
+            </a:spcBef>
+            <a:spcAft>
+              <a:spcPct val="35000"/>
+            </a:spcAft>
+            <a:buNone/>
+          </a:pPr>
+          <a:r>
+            <a:rPr lang="en-US" sz="1100" kern="1200" dirty="0"/>
+            <a:t>(8 days-at-sea)</a:t>
+          </a:r>
+        </a:p>
+      </dsp:txBody>
+      <dsp:txXfrm>
+        <a:off x="2920888" y="3798966"/>
+        <a:ext cx="1336972" cy="668486"/>
+      </dsp:txXfrm>
+    </dsp:sp>
+    <dsp:sp modelId="{5964B087-E7E2-6D4A-BEEF-F4FF01771ADA}">
+      <dsp:nvSpPr>
+        <dsp:cNvPr id="0" name=""/>
+        <dsp:cNvSpPr/>
+      </dsp:nvSpPr>
+      <dsp:spPr>
+        <a:xfrm>
+          <a:off x="2920888" y="4748216"/>
+          <a:ext cx="1336972" cy="668486"/>
+        </a:xfrm>
+        <a:prstGeom prst="rect">
+          <a:avLst/>
+        </a:prstGeom>
+        <a:solidFill>
+          <a:schemeClr val="accent1">
+            <a:hueOff val="0"/>
+            <a:satOff val="0"/>
+            <a:lumOff val="0"/>
+            <a:alphaOff val="0"/>
+          </a:schemeClr>
+        </a:solidFill>
+        <a:ln w="12700" cap="flat" cmpd="sng" algn="ctr">
+          <a:solidFill>
+            <a:schemeClr val="lt1">
+              <a:hueOff val="0"/>
+              <a:satOff val="0"/>
+              <a:lumOff val="0"/>
+              <a:alphaOff val="0"/>
+            </a:schemeClr>
+          </a:solidFill>
+          <a:prstDash val="solid"/>
+          <a:miter lim="800000"/>
+        </a:ln>
+        <a:effectLst/>
+      </dsp:spPr>
+      <dsp:style>
+        <a:lnRef idx="2">
+          <a:scrgbClr r="0" g="0" b="0"/>
+        </a:lnRef>
+        <a:fillRef idx="1">
+          <a:scrgbClr r="0" g="0" b="0"/>
+        </a:fillRef>
+        <a:effectRef idx="0">
+          <a:scrgbClr r="0" g="0" b="0"/>
+        </a:effectRef>
+        <a:fontRef idx="minor">
+          <a:schemeClr val="lt1"/>
+        </a:fontRef>
+      </dsp:style>
+      <dsp:txBody>
+        <a:bodyPr spcFirstLastPara="0" vert="horz" wrap="square" lIns="6985" tIns="6985" rIns="6985" bIns="6985" numCol="1" spcCol="1270" anchor="ctr" anchorCtr="0">
+          <a:noAutofit/>
+        </a:bodyPr>
+        <a:lstStyle/>
+        <a:p>
+          <a:pPr marL="0" lvl="0" indent="0" algn="ctr" defTabSz="488950">
+            <a:lnSpc>
+              <a:spcPct val="90000"/>
+            </a:lnSpc>
+            <a:spcBef>
+              <a:spcPct val="0"/>
+            </a:spcBef>
+            <a:spcAft>
+              <a:spcPct val="35000"/>
+            </a:spcAft>
+            <a:buNone/>
+          </a:pPr>
+          <a:r>
+            <a:rPr lang="en-US" sz="1100" kern="1200" dirty="0"/>
+            <a:t>Specified </a:t>
+          </a:r>
+        </a:p>
+        <a:p>
+          <a:pPr marL="0" lvl="0" indent="0" algn="ctr" defTabSz="488950">
+            <a:lnSpc>
+              <a:spcPct val="90000"/>
+            </a:lnSpc>
+            <a:spcBef>
+              <a:spcPct val="0"/>
+            </a:spcBef>
+            <a:spcAft>
+              <a:spcPct val="35000"/>
+            </a:spcAft>
+            <a:buNone/>
+          </a:pPr>
+          <a:r>
+            <a:rPr lang="en-US" sz="1100" kern="1200" dirty="0"/>
+            <a:t>access areas </a:t>
+          </a:r>
+        </a:p>
+        <a:p>
+          <a:pPr marL="0" lvl="0" indent="0" algn="ctr" defTabSz="488950">
+            <a:lnSpc>
+              <a:spcPct val="90000"/>
+            </a:lnSpc>
+            <a:spcBef>
+              <a:spcPct val="0"/>
+            </a:spcBef>
+            <a:spcAft>
+              <a:spcPct val="35000"/>
+            </a:spcAft>
+            <a:buNone/>
+          </a:pPr>
+          <a:r>
+            <a:rPr lang="en-US" sz="1100" kern="1200" dirty="0"/>
+            <a:t>(1 days-at-sea)</a:t>
+          </a:r>
+        </a:p>
+      </dsp:txBody>
+      <dsp:txXfrm>
+        <a:off x="2920888" y="4748216"/>
+        <a:ext cx="1336972" cy="668486"/>
+      </dsp:txXfrm>
+    </dsp:sp>
+    <dsp:sp modelId="{6EE9C254-C0CF-9746-A0CD-325AA41769C7}">
+      <dsp:nvSpPr>
+        <dsp:cNvPr id="0" name=""/>
+        <dsp:cNvSpPr/>
+      </dsp:nvSpPr>
+      <dsp:spPr>
+        <a:xfrm>
+          <a:off x="4204382" y="2849715"/>
+          <a:ext cx="1336972" cy="668486"/>
+        </a:xfrm>
+        <a:prstGeom prst="rect">
+          <a:avLst/>
+        </a:prstGeom>
+        <a:solidFill>
+          <a:schemeClr val="accent1">
+            <a:hueOff val="0"/>
+            <a:satOff val="0"/>
+            <a:lumOff val="0"/>
+            <a:alphaOff val="0"/>
+          </a:schemeClr>
+        </a:solidFill>
+        <a:ln w="12700" cap="flat" cmpd="sng" algn="ctr">
+          <a:solidFill>
+            <a:schemeClr val="lt1">
+              <a:hueOff val="0"/>
+              <a:satOff val="0"/>
+              <a:lumOff val="0"/>
+              <a:alphaOff val="0"/>
+            </a:schemeClr>
+          </a:solidFill>
+          <a:prstDash val="solid"/>
+          <a:miter lim="800000"/>
+        </a:ln>
+        <a:effectLst/>
+      </dsp:spPr>
+      <dsp:style>
+        <a:lnRef idx="2">
+          <a:scrgbClr r="0" g="0" b="0"/>
+        </a:lnRef>
+        <a:fillRef idx="1">
+          <a:scrgbClr r="0" g="0" b="0"/>
+        </a:fillRef>
+        <a:effectRef idx="0">
+          <a:scrgbClr r="0" g="0" b="0"/>
+        </a:effectRef>
+        <a:fontRef idx="minor">
+          <a:schemeClr val="lt1"/>
+        </a:fontRef>
+      </dsp:style>
+      <dsp:txBody>
+        <a:bodyPr spcFirstLastPara="0" vert="horz" wrap="square" lIns="6985" tIns="6985" rIns="6985" bIns="6985" numCol="1" spcCol="1270" anchor="ctr" anchorCtr="0">
+          <a:noAutofit/>
+        </a:bodyPr>
+        <a:lstStyle/>
+        <a:p>
+          <a:pPr marL="0" lvl="0" indent="0" algn="ctr" defTabSz="488950">
+            <a:lnSpc>
+              <a:spcPct val="90000"/>
+            </a:lnSpc>
+            <a:spcBef>
+              <a:spcPct val="0"/>
+            </a:spcBef>
+            <a:spcAft>
+              <a:spcPct val="35000"/>
+            </a:spcAft>
+            <a:buNone/>
+          </a:pPr>
+          <a:r>
+            <a:rPr lang="en-US" sz="1100" kern="1200" dirty="0"/>
+            <a:t>Occasional </a:t>
+          </a:r>
+          <a:br>
+            <a:rPr lang="en-US" sz="1100" kern="1200" dirty="0"/>
+          </a:br>
+          <a:r>
+            <a:rPr lang="en-US" sz="1100" kern="1200" dirty="0"/>
+            <a:t>(1.67 days-at-sea)</a:t>
+          </a:r>
+        </a:p>
+      </dsp:txBody>
+      <dsp:txXfrm>
+        <a:off x="4204382" y="2849715"/>
+        <a:ext cx="1336972" cy="668486"/>
+      </dsp:txXfrm>
+    </dsp:sp>
+    <dsp:sp modelId="{D1EBF31C-70F0-7841-8FE4-42BF848BDE9B}">
+      <dsp:nvSpPr>
+        <dsp:cNvPr id="0" name=""/>
+        <dsp:cNvSpPr/>
+      </dsp:nvSpPr>
+      <dsp:spPr>
+        <a:xfrm>
+          <a:off x="4538625" y="3798966"/>
+          <a:ext cx="1336972" cy="668486"/>
+        </a:xfrm>
+        <a:prstGeom prst="rect">
+          <a:avLst/>
+        </a:prstGeom>
+        <a:solidFill>
+          <a:schemeClr val="accent1">
+            <a:hueOff val="0"/>
+            <a:satOff val="0"/>
+            <a:lumOff val="0"/>
+            <a:alphaOff val="0"/>
+          </a:schemeClr>
+        </a:solidFill>
+        <a:ln w="12700" cap="flat" cmpd="sng" algn="ctr">
+          <a:solidFill>
+            <a:schemeClr val="lt1">
+              <a:hueOff val="0"/>
+              <a:satOff val="0"/>
+              <a:lumOff val="0"/>
+              <a:alphaOff val="0"/>
+            </a:schemeClr>
+          </a:solidFill>
+          <a:prstDash val="solid"/>
+          <a:miter lim="800000"/>
+        </a:ln>
+        <a:effectLst/>
+      </dsp:spPr>
+      <dsp:style>
+        <a:lnRef idx="2">
+          <a:scrgbClr r="0" g="0" b="0"/>
+        </a:lnRef>
+        <a:fillRef idx="1">
+          <a:scrgbClr r="0" g="0" b="0"/>
+        </a:fillRef>
+        <a:effectRef idx="0">
+          <a:scrgbClr r="0" g="0" b="0"/>
+        </a:effectRef>
+        <a:fontRef idx="minor">
+          <a:schemeClr val="lt1"/>
+        </a:fontRef>
+      </dsp:style>
+      <dsp:txBody>
+        <a:bodyPr spcFirstLastPara="0" vert="horz" wrap="square" lIns="6985" tIns="6985" rIns="6985" bIns="6985" numCol="1" spcCol="1270" anchor="ctr" anchorCtr="0">
+          <a:noAutofit/>
+        </a:bodyPr>
+        <a:lstStyle/>
+        <a:p>
+          <a:pPr marL="0" lvl="0" indent="0" algn="ctr" defTabSz="488950">
+            <a:lnSpc>
+              <a:spcPct val="90000"/>
+            </a:lnSpc>
+            <a:spcBef>
+              <a:spcPct val="0"/>
+            </a:spcBef>
+            <a:spcAft>
+              <a:spcPct val="35000"/>
+            </a:spcAft>
+            <a:buNone/>
+          </a:pPr>
+          <a:r>
+            <a:rPr lang="en-US" sz="1100" kern="1200" dirty="0"/>
+            <a:t>Open areas </a:t>
+          </a:r>
+        </a:p>
+        <a:p>
+          <a:pPr marL="0" lvl="0" indent="0" algn="ctr" defTabSz="488950">
+            <a:lnSpc>
+              <a:spcPct val="90000"/>
+            </a:lnSpc>
+            <a:spcBef>
+              <a:spcPct val="0"/>
+            </a:spcBef>
+            <a:spcAft>
+              <a:spcPct val="35000"/>
+            </a:spcAft>
+            <a:buNone/>
+          </a:pPr>
+          <a:r>
+            <a:rPr lang="en-US" sz="1100" kern="1200" dirty="0"/>
+            <a:t>(1.67 days-at-sea)</a:t>
+          </a:r>
+        </a:p>
+      </dsp:txBody>
+      <dsp:txXfrm>
+        <a:off x="4538625" y="3798966"/>
+        <a:ext cx="1336972" cy="668486"/>
+      </dsp:txXfrm>
+    </dsp:sp>
+    <dsp:sp modelId="{FDAEF228-0B48-4F4B-BF80-727B62E21F7E}">
+      <dsp:nvSpPr>
+        <dsp:cNvPr id="0" name=""/>
+        <dsp:cNvSpPr/>
+      </dsp:nvSpPr>
+      <dsp:spPr>
+        <a:xfrm>
+          <a:off x="4538625" y="4748216"/>
+          <a:ext cx="1336972" cy="668486"/>
+        </a:xfrm>
+        <a:prstGeom prst="rect">
+          <a:avLst/>
+        </a:prstGeom>
+        <a:solidFill>
+          <a:schemeClr val="accent1">
+            <a:hueOff val="0"/>
+            <a:satOff val="0"/>
+            <a:lumOff val="0"/>
+            <a:alphaOff val="0"/>
+          </a:schemeClr>
+        </a:solidFill>
+        <a:ln w="12700" cap="flat" cmpd="sng" algn="ctr">
+          <a:solidFill>
+            <a:schemeClr val="lt1">
+              <a:hueOff val="0"/>
+              <a:satOff val="0"/>
+              <a:lumOff val="0"/>
+              <a:alphaOff val="0"/>
+            </a:schemeClr>
+          </a:solidFill>
+          <a:prstDash val="solid"/>
+          <a:miter lim="800000"/>
+        </a:ln>
+        <a:effectLst/>
+      </dsp:spPr>
+      <dsp:style>
+        <a:lnRef idx="2">
+          <a:scrgbClr r="0" g="0" b="0"/>
+        </a:lnRef>
+        <a:fillRef idx="1">
+          <a:scrgbClr r="0" g="0" b="0"/>
+        </a:fillRef>
+        <a:effectRef idx="0">
+          <a:scrgbClr r="0" g="0" b="0"/>
+        </a:effectRef>
+        <a:fontRef idx="minor">
+          <a:schemeClr val="lt1"/>
+        </a:fontRef>
+      </dsp:style>
+      <dsp:txBody>
+        <a:bodyPr spcFirstLastPara="0" vert="horz" wrap="square" lIns="6985" tIns="6985" rIns="6985" bIns="6985" numCol="1" spcCol="1270" anchor="ctr" anchorCtr="0">
+          <a:noAutofit/>
+        </a:bodyPr>
+        <a:lstStyle/>
+        <a:p>
+          <a:pPr marL="0" lvl="0" indent="0" algn="ctr" defTabSz="488950">
+            <a:lnSpc>
+              <a:spcPct val="90000"/>
+            </a:lnSpc>
+            <a:spcBef>
+              <a:spcPct val="0"/>
+            </a:spcBef>
+            <a:spcAft>
+              <a:spcPct val="35000"/>
+            </a:spcAft>
+            <a:buNone/>
+          </a:pPr>
+          <a:r>
+            <a:rPr lang="en-US" sz="1100" kern="1200" dirty="0"/>
+            <a:t>Specified </a:t>
+          </a:r>
+        </a:p>
+        <a:p>
+          <a:pPr marL="0" lvl="0" indent="0" algn="ctr" defTabSz="488950">
+            <a:lnSpc>
+              <a:spcPct val="90000"/>
+            </a:lnSpc>
+            <a:spcBef>
+              <a:spcPct val="0"/>
+            </a:spcBef>
+            <a:spcAft>
+              <a:spcPct val="35000"/>
+            </a:spcAft>
+            <a:buNone/>
+          </a:pPr>
+          <a:r>
+            <a:rPr lang="en-US" sz="1100" kern="1200" dirty="0"/>
+            <a:t>access areas </a:t>
+          </a:r>
+        </a:p>
+        <a:p>
+          <a:pPr marL="0" lvl="0" indent="0" algn="ctr" defTabSz="488950">
+            <a:lnSpc>
+              <a:spcPct val="90000"/>
+            </a:lnSpc>
+            <a:spcBef>
+              <a:spcPct val="0"/>
+            </a:spcBef>
+            <a:spcAft>
+              <a:spcPct val="35000"/>
+            </a:spcAft>
+            <a:buNone/>
+          </a:pPr>
+          <a:r>
+            <a:rPr lang="en-US" sz="1100" kern="1200" dirty="0"/>
+            <a:t>(0 days-at-sea)</a:t>
+          </a:r>
+        </a:p>
+      </dsp:txBody>
+      <dsp:txXfrm>
+        <a:off x="4538625" y="4748216"/>
+        <a:ext cx="1336972" cy="668486"/>
+      </dsp:txXfrm>
+    </dsp:sp>
+    <dsp:sp modelId="{6DECA8F8-812B-784B-AE35-3184CBAA7F1B}">
+      <dsp:nvSpPr>
+        <dsp:cNvPr id="0" name=""/>
+        <dsp:cNvSpPr/>
+      </dsp:nvSpPr>
+      <dsp:spPr>
+        <a:xfrm>
+          <a:off x="4204382" y="1900465"/>
+          <a:ext cx="1336972" cy="668486"/>
+        </a:xfrm>
+        <a:prstGeom prst="rect">
+          <a:avLst/>
+        </a:prstGeom>
+        <a:solidFill>
+          <a:schemeClr val="accent1">
+            <a:hueOff val="0"/>
+            <a:satOff val="0"/>
+            <a:lumOff val="0"/>
+            <a:alphaOff val="0"/>
+          </a:schemeClr>
+        </a:solidFill>
+        <a:ln w="12700" cap="flat" cmpd="sng" algn="ctr">
+          <a:solidFill>
+            <a:schemeClr val="lt1">
+              <a:hueOff val="0"/>
+              <a:satOff val="0"/>
+              <a:lumOff val="0"/>
+              <a:alphaOff val="0"/>
+            </a:schemeClr>
+          </a:solidFill>
+          <a:prstDash val="solid"/>
+          <a:miter lim="800000"/>
+        </a:ln>
+        <a:effectLst/>
+      </dsp:spPr>
+      <dsp:style>
+        <a:lnRef idx="2">
+          <a:scrgbClr r="0" g="0" b="0"/>
+        </a:lnRef>
+        <a:fillRef idx="1">
+          <a:scrgbClr r="0" g="0" b="0"/>
+        </a:fillRef>
+        <a:effectRef idx="0">
+          <a:scrgbClr r="0" g="0" b="0"/>
+        </a:effectRef>
+        <a:fontRef idx="minor">
+          <a:schemeClr val="lt1"/>
+        </a:fontRef>
+      </dsp:style>
+      <dsp:txBody>
+        <a:bodyPr spcFirstLastPara="0" vert="horz" wrap="square" lIns="6985" tIns="6985" rIns="6985" bIns="6985" numCol="1" spcCol="1270" anchor="ctr" anchorCtr="0">
+          <a:noAutofit/>
+        </a:bodyPr>
+        <a:lstStyle/>
+        <a:p>
+          <a:pPr marL="0" lvl="0" indent="0" algn="ctr" defTabSz="488950">
+            <a:lnSpc>
+              <a:spcPct val="90000"/>
+            </a:lnSpc>
+            <a:spcBef>
+              <a:spcPct val="0"/>
+            </a:spcBef>
+            <a:spcAft>
+              <a:spcPct val="35000"/>
+            </a:spcAft>
+            <a:buNone/>
+          </a:pPr>
+          <a:r>
+            <a:rPr lang="en-US" sz="1100" kern="1200" dirty="0"/>
+            <a:t>Limited access general category (LAGC) IFQ fleet (smaller “day boat” fleet) (5%)</a:t>
+          </a:r>
+        </a:p>
+      </dsp:txBody>
+      <dsp:txXfrm>
+        <a:off x="4204382" y="1900465"/>
+        <a:ext cx="1336972" cy="668486"/>
+      </dsp:txXfrm>
+    </dsp:sp>
+    <dsp:sp modelId="{B364965C-3C00-9944-B7EF-016D48A3C803}">
+      <dsp:nvSpPr>
+        <dsp:cNvPr id="0" name=""/>
+        <dsp:cNvSpPr/>
+      </dsp:nvSpPr>
+      <dsp:spPr>
+        <a:xfrm>
+          <a:off x="5822119" y="1900465"/>
+          <a:ext cx="1336972" cy="668486"/>
+        </a:xfrm>
+        <a:prstGeom prst="rect">
+          <a:avLst/>
+        </a:prstGeom>
+        <a:solidFill>
+          <a:schemeClr val="accent1">
+            <a:hueOff val="0"/>
+            <a:satOff val="0"/>
+            <a:lumOff val="0"/>
+            <a:alphaOff val="0"/>
+          </a:schemeClr>
+        </a:solidFill>
+        <a:ln w="12700" cap="flat" cmpd="sng" algn="ctr">
+          <a:solidFill>
+            <a:schemeClr val="lt1">
+              <a:hueOff val="0"/>
+              <a:satOff val="0"/>
+              <a:lumOff val="0"/>
+              <a:alphaOff val="0"/>
+            </a:schemeClr>
+          </a:solidFill>
+          <a:prstDash val="solid"/>
+          <a:miter lim="800000"/>
+        </a:ln>
+        <a:effectLst/>
+      </dsp:spPr>
+      <dsp:style>
+        <a:lnRef idx="2">
+          <a:scrgbClr r="0" g="0" b="0"/>
+        </a:lnRef>
+        <a:fillRef idx="1">
+          <a:scrgbClr r="0" g="0" b="0"/>
+        </a:fillRef>
+        <a:effectRef idx="0">
+          <a:scrgbClr r="0" g="0" b="0"/>
+        </a:effectRef>
+        <a:fontRef idx="minor">
+          <a:schemeClr val="lt1"/>
+        </a:fontRef>
+      </dsp:style>
+      <dsp:txBody>
+        <a:bodyPr spcFirstLastPara="0" vert="horz" wrap="square" lIns="6985" tIns="6985" rIns="6985" bIns="6985" numCol="1" spcCol="1270" anchor="ctr" anchorCtr="0">
+          <a:noAutofit/>
+        </a:bodyPr>
+        <a:lstStyle/>
+        <a:p>
+          <a:pPr marL="0" lvl="0" indent="0" algn="ctr" defTabSz="488950">
+            <a:lnSpc>
+              <a:spcPct val="90000"/>
+            </a:lnSpc>
+            <a:spcBef>
+              <a:spcPct val="0"/>
+            </a:spcBef>
+            <a:spcAft>
+              <a:spcPct val="35000"/>
+            </a:spcAft>
+            <a:buNone/>
+          </a:pPr>
+          <a:r>
+            <a:rPr lang="en-US" sz="1100" kern="1200" dirty="0"/>
+            <a:t>Limited access scallop vessels with LAGC IFQ permits (0.5%)</a:t>
+          </a:r>
+        </a:p>
+      </dsp:txBody>
+      <dsp:txXfrm>
+        <a:off x="5822119" y="1900465"/>
+        <a:ext cx="1336972" cy="668486"/>
+      </dsp:txXfrm>
+    </dsp:sp>
+  </dsp:spTree>
+</dsp:drawing>
+</file>
+
 <file path=ppt/diagrams/layout1.xml><?xml version="1.0" encoding="utf-8"?>
 <dgm:layoutDef xmlns:dgm="http://schemas.openxmlformats.org/drawingml/2006/diagram" xmlns:a="http://schemas.openxmlformats.org/drawingml/2006/main" uniqueId="urn:microsoft.com/office/officeart/2005/8/layout/orgChart1">
   <dgm:title val=""/>
@@ -8134,6 +12420,1152 @@
 </dgm:layoutDef>
 </file>
 
+<file path=ppt/diagrams/layout3.xml><?xml version="1.0" encoding="utf-8"?>
+<dgm:layoutDef xmlns:dgm="http://schemas.openxmlformats.org/drawingml/2006/diagram" xmlns:a="http://schemas.openxmlformats.org/drawingml/2006/main" uniqueId="urn:microsoft.com/office/officeart/2005/8/layout/orgChart1">
+  <dgm:title val=""/>
+  <dgm:desc val=""/>
+  <dgm:catLst>
+    <dgm:cat type="hierarchy" pri="1000"/>
+    <dgm:cat type="convert" pri="6000"/>
+  </dgm:catLst>
+  <dgm:sampData>
+    <dgm:dataModel>
+      <dgm:ptLst>
+        <dgm:pt modelId="0" type="doc"/>
+        <dgm:pt modelId="1">
+          <dgm:prSet phldr="1"/>
+        </dgm:pt>
+        <dgm:pt modelId="2" type="asst">
+          <dgm:prSet phldr="1"/>
+        </dgm:pt>
+        <dgm:pt modelId="3">
+          <dgm:prSet phldr="1"/>
+        </dgm:pt>
+        <dgm:pt modelId="4">
+          <dgm:prSet phldr="1"/>
+        </dgm:pt>
+        <dgm:pt modelId="5">
+          <dgm:prSet phldr="1"/>
+        </dgm:pt>
+      </dgm:ptLst>
+      <dgm:cxnLst>
+        <dgm:cxn modelId="5" srcId="0" destId="1" srcOrd="0" destOrd="0"/>
+        <dgm:cxn modelId="6" srcId="1" destId="2" srcOrd="0" destOrd="0"/>
+        <dgm:cxn modelId="7" srcId="1" destId="3" srcOrd="1" destOrd="0"/>
+        <dgm:cxn modelId="8" srcId="1" destId="4" srcOrd="2" destOrd="0"/>
+        <dgm:cxn modelId="9" srcId="1" destId="5" srcOrd="3" destOrd="0"/>
+      </dgm:cxnLst>
+      <dgm:bg/>
+      <dgm:whole/>
+    </dgm:dataModel>
+  </dgm:sampData>
+  <dgm:styleData>
+    <dgm:dataModel>
+      <dgm:ptLst>
+        <dgm:pt modelId="0" type="doc"/>
+        <dgm:pt modelId="1"/>
+        <dgm:pt modelId="12"/>
+        <dgm:pt modelId="13"/>
+      </dgm:ptLst>
+      <dgm:cxnLst>
+        <dgm:cxn modelId="2" srcId="0" destId="1" srcOrd="0" destOrd="0"/>
+        <dgm:cxn modelId="16" srcId="1" destId="12" srcOrd="1" destOrd="0"/>
+        <dgm:cxn modelId="17" srcId="1" destId="13" srcOrd="2" destOrd="0"/>
+      </dgm:cxnLst>
+      <dgm:bg/>
+      <dgm:whole/>
+    </dgm:dataModel>
+  </dgm:styleData>
+  <dgm:clrData>
+    <dgm:dataModel>
+      <dgm:ptLst>
+        <dgm:pt modelId="0" type="doc"/>
+        <dgm:pt modelId="1"/>
+        <dgm:pt modelId="11" type="asst"/>
+        <dgm:pt modelId="12"/>
+        <dgm:pt modelId="13"/>
+        <dgm:pt modelId="14"/>
+      </dgm:ptLst>
+      <dgm:cxnLst>
+        <dgm:cxn modelId="2" srcId="0" destId="1" srcOrd="0" destOrd="0"/>
+        <dgm:cxn modelId="15" srcId="1" destId="11" srcOrd="0" destOrd="0"/>
+        <dgm:cxn modelId="16" srcId="1" destId="12" srcOrd="1" destOrd="0"/>
+        <dgm:cxn modelId="17" srcId="1" destId="13" srcOrd="2" destOrd="0"/>
+        <dgm:cxn modelId="18" srcId="1" destId="14" srcOrd="2" destOrd="0"/>
+      </dgm:cxnLst>
+      <dgm:bg/>
+      <dgm:whole/>
+    </dgm:dataModel>
+  </dgm:clrData>
+  <dgm:layoutNode name="hierChild1">
+    <dgm:varLst>
+      <dgm:orgChart val="1"/>
+      <dgm:chPref val="1"/>
+      <dgm:dir/>
+      <dgm:animOne val="branch"/>
+      <dgm:animLvl val="lvl"/>
+      <dgm:resizeHandles/>
+    </dgm:varLst>
+    <dgm:choose name="Name0">
+      <dgm:if name="Name1" func="var" arg="dir" op="equ" val="norm">
+        <dgm:alg type="hierChild">
+          <dgm:param type="linDir" val="fromL"/>
+        </dgm:alg>
+      </dgm:if>
+      <dgm:else name="Name2">
+        <dgm:alg type="hierChild">
+          <dgm:param type="linDir" val="fromR"/>
+        </dgm:alg>
+      </dgm:else>
+    </dgm:choose>
+    <dgm:shape xmlns:r="http://schemas.openxmlformats.org/officeDocument/2006/relationships" r:blip="">
+      <dgm:adjLst/>
+    </dgm:shape>
+    <dgm:presOf/>
+    <dgm:constrLst>
+      <dgm:constr type="w" for="des" forName="rootComposite1" refType="w" fact="10"/>
+      <dgm:constr type="h" for="des" forName="rootComposite1" refType="w" refFor="des" refForName="rootComposite1" fact="0.5"/>
+      <dgm:constr type="w" for="des" forName="rootComposite" refType="w" fact="10"/>
+      <dgm:constr type="h" for="des" forName="rootComposite" refType="w" refFor="des" refForName="rootComposite1" fact="0.5"/>
+      <dgm:constr type="w" for="des" forName="rootComposite3" refType="w" fact="10"/>
+      <dgm:constr type="h" for="des" forName="rootComposite3" refType="w" refFor="des" refForName="rootComposite1" fact="0.5"/>
+      <dgm:constr type="primFontSz" for="des" ptType="node" op="equ"/>
+      <dgm:constr type="sp" for="des" op="equ"/>
+      <dgm:constr type="sp" for="des" forName="hierRoot1" refType="w" refFor="des" refForName="rootComposite1" fact="0.21"/>
+      <dgm:constr type="sp" for="des" forName="hierRoot2" refType="sp" refFor="des" refForName="hierRoot1"/>
+      <dgm:constr type="sp" for="des" forName="hierRoot3" refType="sp" refFor="des" refForName="hierRoot1"/>
+      <dgm:constr type="sibSp" refType="w" refFor="des" refForName="rootComposite1" fact="0.21"/>
+      <dgm:constr type="sibSp" for="des" forName="hierChild2" refType="sibSp"/>
+      <dgm:constr type="sibSp" for="des" forName="hierChild3" refType="sibSp"/>
+      <dgm:constr type="sibSp" for="des" forName="hierChild4" refType="sibSp"/>
+      <dgm:constr type="sibSp" for="des" forName="hierChild5" refType="sibSp"/>
+      <dgm:constr type="sibSp" for="des" forName="hierChild6" refType="sibSp"/>
+      <dgm:constr type="sibSp" for="des" forName="hierChild7" refType="sibSp"/>
+      <dgm:constr type="secSibSp" refType="w" refFor="des" refForName="rootComposite1" fact="0.21"/>
+      <dgm:constr type="secSibSp" for="des" forName="hierChild2" refType="secSibSp"/>
+      <dgm:constr type="secSibSp" for="des" forName="hierChild3" refType="secSibSp"/>
+      <dgm:constr type="secSibSp" for="des" forName="hierChild4" refType="secSibSp"/>
+      <dgm:constr type="secSibSp" for="des" forName="hierChild5" refType="secSibSp"/>
+      <dgm:constr type="secSibSp" for="des" forName="hierChild6" refType="secSibSp"/>
+      <dgm:constr type="secSibSp" for="des" forName="hierChild7" refType="secSibSp"/>
+    </dgm:constrLst>
+    <dgm:ruleLst/>
+    <dgm:forEach name="Name3" axis="ch">
+      <dgm:forEach name="Name4" axis="self" ptType="node">
+        <dgm:layoutNode name="hierRoot1">
+          <dgm:varLst>
+            <dgm:hierBranch val="init"/>
+          </dgm:varLst>
+          <dgm:choose name="Name5">
+            <dgm:if name="Name6" func="var" arg="hierBranch" op="equ" val="l">
+              <dgm:choose name="Name7">
+                <dgm:if name="Name8" axis="ch" ptType="asst" func="cnt" op="gte" val="1">
+                  <dgm:alg type="hierRoot">
+                    <dgm:param type="hierAlign" val="tR"/>
+                  </dgm:alg>
+                  <dgm:constrLst>
+                    <dgm:constr type="alignOff" val="0.65"/>
+                  </dgm:constrLst>
+                </dgm:if>
+                <dgm:else name="Name9">
+                  <dgm:alg type="hierRoot">
+                    <dgm:param type="hierAlign" val="tR"/>
+                  </dgm:alg>
+                  <dgm:constrLst>
+                    <dgm:constr type="alignOff" val="0.25"/>
+                  </dgm:constrLst>
+                </dgm:else>
+              </dgm:choose>
+            </dgm:if>
+            <dgm:if name="Name10" func="var" arg="hierBranch" op="equ" val="r">
+              <dgm:choose name="Name11">
+                <dgm:if name="Name12" axis="ch" ptType="asst" func="cnt" op="gte" val="1">
+                  <dgm:alg type="hierRoot">
+                    <dgm:param type="hierAlign" val="tL"/>
+                  </dgm:alg>
+                  <dgm:constrLst>
+                    <dgm:constr type="alignOff" val="0.65"/>
+                  </dgm:constrLst>
+                </dgm:if>
+                <dgm:else name="Name13">
+                  <dgm:alg type="hierRoot">
+                    <dgm:param type="hierAlign" val="tL"/>
+                  </dgm:alg>
+                  <dgm:constrLst>
+                    <dgm:constr type="alignOff" val="0.25"/>
+                  </dgm:constrLst>
+                </dgm:else>
+              </dgm:choose>
+            </dgm:if>
+            <dgm:if name="Name14" func="var" arg="hierBranch" op="equ" val="hang">
+              <dgm:alg type="hierRoot"/>
+              <dgm:constrLst>
+                <dgm:constr type="alignOff" val="0.65"/>
+              </dgm:constrLst>
+            </dgm:if>
+            <dgm:else name="Name15">
+              <dgm:alg type="hierRoot"/>
+              <dgm:constrLst>
+                <dgm:constr type="alignOff"/>
+                <dgm:constr type="bendDist" for="des" ptType="parTrans" refType="sp" fact="0.5"/>
+              </dgm:constrLst>
+            </dgm:else>
+          </dgm:choose>
+          <dgm:shape xmlns:r="http://schemas.openxmlformats.org/officeDocument/2006/relationships" r:blip="">
+            <dgm:adjLst/>
+          </dgm:shape>
+          <dgm:presOf/>
+          <dgm:ruleLst/>
+          <dgm:layoutNode name="rootComposite1">
+            <dgm:alg type="composite"/>
+            <dgm:shape xmlns:r="http://schemas.openxmlformats.org/officeDocument/2006/relationships" r:blip="">
+              <dgm:adjLst/>
+            </dgm:shape>
+            <dgm:presOf axis="self" ptType="node" cnt="1"/>
+            <dgm:choose name="Name16">
+              <dgm:if name="Name17" func="var" arg="hierBranch" op="equ" val="init">
+                <dgm:constrLst>
+                  <dgm:constr type="l" for="ch" forName="rootText1"/>
+                  <dgm:constr type="t" for="ch" forName="rootText1"/>
+                  <dgm:constr type="w" for="ch" forName="rootText1" refType="w"/>
+                  <dgm:constr type="h" for="ch" forName="rootText1" refType="h"/>
+                  <dgm:constr type="l" for="ch" forName="rootConnector1"/>
+                  <dgm:constr type="t" for="ch" forName="rootConnector1"/>
+                  <dgm:constr type="w" for="ch" forName="rootConnector1" refType="w" refFor="ch" refForName="rootText1" fact="0.2"/>
+                  <dgm:constr type="h" for="ch" forName="rootConnector1" refType="h" refFor="ch" refForName="rootText1"/>
+                </dgm:constrLst>
+              </dgm:if>
+              <dgm:if name="Name18" func="var" arg="hierBranch" op="equ" val="l">
+                <dgm:constrLst>
+                  <dgm:constr type="l" for="ch" forName="rootText1"/>
+                  <dgm:constr type="t" for="ch" forName="rootText1"/>
+                  <dgm:constr type="w" for="ch" forName="rootText1" refType="w"/>
+                  <dgm:constr type="h" for="ch" forName="rootText1" refType="h"/>
+                  <dgm:constr type="r" for="ch" forName="rootConnector1" refType="w"/>
+                  <dgm:constr type="t" for="ch" forName="rootConnector1"/>
+                  <dgm:constr type="w" for="ch" forName="rootConnector1" refType="w" refFor="ch" refForName="rootText1" fact="0.2"/>
+                  <dgm:constr type="h" for="ch" forName="rootConnector1" refType="h" refFor="ch" refForName="rootText1"/>
+                </dgm:constrLst>
+              </dgm:if>
+              <dgm:if name="Name19" func="var" arg="hierBranch" op="equ" val="r">
+                <dgm:constrLst>
+                  <dgm:constr type="l" for="ch" forName="rootText1"/>
+                  <dgm:constr type="t" for="ch" forName="rootText1"/>
+                  <dgm:constr type="w" for="ch" forName="rootText1" refType="w"/>
+                  <dgm:constr type="h" for="ch" forName="rootText1" refType="h"/>
+                  <dgm:constr type="l" for="ch" forName="rootConnector1"/>
+                  <dgm:constr type="t" for="ch" forName="rootConnector1"/>
+                  <dgm:constr type="w" for="ch" forName="rootConnector1" refType="w" refFor="ch" refForName="rootText1" fact="0.2"/>
+                  <dgm:constr type="h" for="ch" forName="rootConnector1" refType="h" refFor="ch" refForName="rootText1"/>
+                </dgm:constrLst>
+              </dgm:if>
+              <dgm:else name="Name20">
+                <dgm:constrLst>
+                  <dgm:constr type="l" for="ch" forName="rootText1"/>
+                  <dgm:constr type="t" for="ch" forName="rootText1"/>
+                  <dgm:constr type="w" for="ch" forName="rootText1" refType="w"/>
+                  <dgm:constr type="h" for="ch" forName="rootText1" refType="h"/>
+                  <dgm:constr type="r" for="ch" forName="rootConnector1" refType="w"/>
+                  <dgm:constr type="t" for="ch" forName="rootConnector1"/>
+                  <dgm:constr type="w" for="ch" forName="rootConnector1" refType="w" refFor="ch" refForName="rootText1" fact="0.2"/>
+                  <dgm:constr type="h" for="ch" forName="rootConnector1" refType="h" refFor="ch" refForName="rootText1"/>
+                </dgm:constrLst>
+              </dgm:else>
+            </dgm:choose>
+            <dgm:ruleLst/>
+            <dgm:layoutNode name="rootText1" styleLbl="node0">
+              <dgm:varLst>
+                <dgm:chPref val="3"/>
+              </dgm:varLst>
+              <dgm:alg type="tx"/>
+              <dgm:shape xmlns:r="http://schemas.openxmlformats.org/officeDocument/2006/relationships" type="rect" r:blip="">
+                <dgm:adjLst/>
+              </dgm:shape>
+              <dgm:presOf axis="self" ptType="node" cnt="1"/>
+              <dgm:constrLst>
+                <dgm:constr type="primFontSz" val="65"/>
+                <dgm:constr type="lMarg" refType="primFontSz" fact="0.05"/>
+                <dgm:constr type="rMarg" refType="primFontSz" fact="0.05"/>
+                <dgm:constr type="tMarg" refType="primFontSz" fact="0.05"/>
+                <dgm:constr type="bMarg" refType="primFontSz" fact="0.05"/>
+              </dgm:constrLst>
+              <dgm:ruleLst>
+                <dgm:rule type="primFontSz" val="5" fact="NaN" max="NaN"/>
+              </dgm:ruleLst>
+            </dgm:layoutNode>
+            <dgm:layoutNode name="rootConnector1" moveWith="rootText1">
+              <dgm:alg type="sp"/>
+              <dgm:shape xmlns:r="http://schemas.openxmlformats.org/officeDocument/2006/relationships" type="rect" r:blip="" hideGeom="1">
+                <dgm:adjLst/>
+              </dgm:shape>
+              <dgm:presOf axis="self" ptType="node" cnt="1"/>
+              <dgm:constrLst/>
+              <dgm:ruleLst/>
+            </dgm:layoutNode>
+          </dgm:layoutNode>
+          <dgm:layoutNode name="hierChild2">
+            <dgm:choose name="Name21">
+              <dgm:if name="Name22" func="var" arg="hierBranch" op="equ" val="l">
+                <dgm:alg type="hierChild">
+                  <dgm:param type="chAlign" val="r"/>
+                  <dgm:param type="linDir" val="fromT"/>
+                </dgm:alg>
+              </dgm:if>
+              <dgm:if name="Name23" func="var" arg="hierBranch" op="equ" val="r">
+                <dgm:alg type="hierChild">
+                  <dgm:param type="chAlign" val="l"/>
+                  <dgm:param type="linDir" val="fromT"/>
+                </dgm:alg>
+              </dgm:if>
+              <dgm:if name="Name24" func="var" arg="hierBranch" op="equ" val="hang">
+                <dgm:choose name="Name25">
+                  <dgm:if name="Name26" func="var" arg="dir" op="equ" val="norm">
+                    <dgm:alg type="hierChild">
+                      <dgm:param type="chAlign" val="l"/>
+                      <dgm:param type="linDir" val="fromL"/>
+                      <dgm:param type="secChAlign" val="t"/>
+                      <dgm:param type="secLinDir" val="fromT"/>
+                    </dgm:alg>
+                  </dgm:if>
+                  <dgm:else name="Name27">
+                    <dgm:alg type="hierChild">
+                      <dgm:param type="chAlign" val="l"/>
+                      <dgm:param type="linDir" val="fromR"/>
+                      <dgm:param type="secChAlign" val="t"/>
+                      <dgm:param type="secLinDir" val="fromT"/>
+                    </dgm:alg>
+                  </dgm:else>
+                </dgm:choose>
+              </dgm:if>
+              <dgm:else name="Name28">
+                <dgm:choose name="Name29">
+                  <dgm:if name="Name30" func="var" arg="dir" op="equ" val="norm">
+                    <dgm:alg type="hierChild"/>
+                  </dgm:if>
+                  <dgm:else name="Name31">
+                    <dgm:alg type="hierChild">
+                      <dgm:param type="linDir" val="fromR"/>
+                    </dgm:alg>
+                  </dgm:else>
+                </dgm:choose>
+              </dgm:else>
+            </dgm:choose>
+            <dgm:shape xmlns:r="http://schemas.openxmlformats.org/officeDocument/2006/relationships" r:blip="">
+              <dgm:adjLst/>
+            </dgm:shape>
+            <dgm:presOf/>
+            <dgm:constrLst/>
+            <dgm:ruleLst/>
+            <dgm:forEach name="rep2a" axis="ch" ptType="nonAsst">
+              <dgm:forEach name="Name32" axis="precedSib" ptType="parTrans" st="-1" cnt="1">
+                <dgm:choose name="Name33">
+                  <dgm:if name="Name34" func="var" arg="hierBranch" op="equ" val="std">
+                    <dgm:layoutNode name="Name35">
+                      <dgm:alg type="conn">
+                        <dgm:param type="connRout" val="bend"/>
+                        <dgm:param type="dim" val="1D"/>
+                        <dgm:param type="endSty" val="noArr"/>
+                        <dgm:param type="begPts" val="bCtr"/>
+                        <dgm:param type="endPts" val="tCtr"/>
+                        <dgm:param type="bendPt" val="end"/>
+                      </dgm:alg>
+                      <dgm:shape xmlns:r="http://schemas.openxmlformats.org/officeDocument/2006/relationships" type="conn" r:blip="" zOrderOff="-99999">
+                        <dgm:adjLst/>
+                      </dgm:shape>
+                      <dgm:presOf axis="self"/>
+                      <dgm:constrLst>
+                        <dgm:constr type="begPad"/>
+                        <dgm:constr type="endPad"/>
+                      </dgm:constrLst>
+                      <dgm:ruleLst/>
+                    </dgm:layoutNode>
+                  </dgm:if>
+                  <dgm:if name="Name36" func="var" arg="hierBranch" op="equ" val="init">
+                    <dgm:layoutNode name="Name37">
+                      <dgm:choose name="Name38">
+                        <dgm:if name="Name39" axis="self" func="depth" op="lte" val="2">
+                          <dgm:alg type="conn">
+                            <dgm:param type="connRout" val="bend"/>
+                            <dgm:param type="dim" val="1D"/>
+                            <dgm:param type="endSty" val="noArr"/>
+                            <dgm:param type="begPts" val="bCtr"/>
+                            <dgm:param type="endPts" val="tCtr"/>
+                            <dgm:param type="bendPt" val="end"/>
+                          </dgm:alg>
+                        </dgm:if>
+                        <dgm:else name="Name40">
+                          <dgm:choose name="Name41">
+                            <dgm:if name="Name42" axis="par des" func="maxDepth" op="lte" val="1">
+                              <dgm:choose name="Name43">
+                                <dgm:if name="Name44" axis="par ch" ptType="node asst" func="cnt" op="gte" val="1">
+                                  <dgm:alg type="conn">
+                                    <dgm:param type="connRout" val="bend"/>
+                                    <dgm:param type="dim" val="1D"/>
+                                    <dgm:param type="endSty" val="noArr"/>
+                                    <dgm:param type="begPts" val="bCtr"/>
+                                    <dgm:param type="endPts" val="midL midR"/>
+                                  </dgm:alg>
+                                </dgm:if>
+                                <dgm:else name="Name45">
+                                  <dgm:alg type="conn">
+                                    <dgm:param type="connRout" val="bend"/>
+                                    <dgm:param type="dim" val="1D"/>
+                                    <dgm:param type="endSty" val="noArr"/>
+                                    <dgm:param type="begPts" val="bCtr"/>
+                                    <dgm:param type="endPts" val="midL midR"/>
+                                    <dgm:param type="srcNode" val="rootConnector"/>
+                                  </dgm:alg>
+                                </dgm:else>
+                              </dgm:choose>
+                            </dgm:if>
+                            <dgm:else name="Name46">
+                              <dgm:alg type="conn">
+                                <dgm:param type="connRout" val="bend"/>
+                                <dgm:param type="dim" val="1D"/>
+                                <dgm:param type="endSty" val="noArr"/>
+                                <dgm:param type="begPts" val="bCtr"/>
+                                <dgm:param type="endPts" val="tCtr"/>
+                                <dgm:param type="bendPt" val="end"/>
+                              </dgm:alg>
+                            </dgm:else>
+                          </dgm:choose>
+                        </dgm:else>
+                      </dgm:choose>
+                      <dgm:shape xmlns:r="http://schemas.openxmlformats.org/officeDocument/2006/relationships" type="conn" r:blip="" zOrderOff="-99999">
+                        <dgm:adjLst/>
+                      </dgm:shape>
+                      <dgm:presOf axis="self"/>
+                      <dgm:constrLst>
+                        <dgm:constr type="begPad"/>
+                        <dgm:constr type="endPad"/>
+                      </dgm:constrLst>
+                      <dgm:ruleLst/>
+                    </dgm:layoutNode>
+                  </dgm:if>
+                  <dgm:if name="Name47" func="var" arg="hierBranch" op="equ" val="hang">
+                    <dgm:layoutNode name="Name48">
+                      <dgm:alg type="conn">
+                        <dgm:param type="connRout" val="bend"/>
+                        <dgm:param type="dim" val="1D"/>
+                        <dgm:param type="endSty" val="noArr"/>
+                        <dgm:param type="begPts" val="bCtr"/>
+                        <dgm:param type="endPts" val="midL midR"/>
+                      </dgm:alg>
+                      <dgm:shape xmlns:r="http://schemas.openxmlformats.org/officeDocument/2006/relationships" type="conn" r:blip="" zOrderOff="-99999">
+                        <dgm:adjLst/>
+                      </dgm:shape>
+                      <dgm:presOf axis="self"/>
+                      <dgm:constrLst>
+                        <dgm:constr type="begPad"/>
+                        <dgm:constr type="endPad"/>
+                      </dgm:constrLst>
+                      <dgm:ruleLst/>
+                    </dgm:layoutNode>
+                  </dgm:if>
+                  <dgm:else name="Name49">
+                    <dgm:layoutNode name="Name50">
+                      <dgm:choose name="Name51">
+                        <dgm:if name="Name52" axis="self" func="depth" op="lte" val="2">
+                          <dgm:choose name="Name53">
+                            <dgm:if name="Name54" axis="par ch" ptType="node asst" func="cnt" op="gte" val="1">
+                              <dgm:alg type="conn">
+                                <dgm:param type="connRout" val="bend"/>
+                                <dgm:param type="dim" val="1D"/>
+                                <dgm:param type="endSty" val="noArr"/>
+                                <dgm:param type="begPts" val="bCtr"/>
+                                <dgm:param type="endPts" val="midL midR"/>
+                              </dgm:alg>
+                            </dgm:if>
+                            <dgm:else name="Name55">
+                              <dgm:alg type="conn">
+                                <dgm:param type="connRout" val="bend"/>
+                                <dgm:param type="dim" val="1D"/>
+                                <dgm:param type="endSty" val="noArr"/>
+                                <dgm:param type="begPts" val="bCtr"/>
+                                <dgm:param type="endPts" val="midL midR"/>
+                                <dgm:param type="srcNode" val="rootConnector1"/>
+                              </dgm:alg>
+                            </dgm:else>
+                          </dgm:choose>
+                        </dgm:if>
+                        <dgm:else name="Name56">
+                          <dgm:choose name="Name57">
+                            <dgm:if name="Name58" axis="par ch" ptType="node asst" func="cnt" op="gte" val="1">
+                              <dgm:alg type="conn">
+                                <dgm:param type="connRout" val="bend"/>
+                                <dgm:param type="dim" val="1D"/>
+                                <dgm:param type="endSty" val="noArr"/>
+                                <dgm:param type="begPts" val="bCtr"/>
+                                <dgm:param type="endPts" val="midL midR"/>
+                              </dgm:alg>
+                            </dgm:if>
+                            <dgm:else name="Name59">
+                              <dgm:alg type="conn">
+                                <dgm:param type="connRout" val="bend"/>
+                                <dgm:param type="dim" val="1D"/>
+                                <dgm:param type="endSty" val="noArr"/>
+                                <dgm:param type="begPts" val="bCtr"/>
+                                <dgm:param type="endPts" val="midL midR"/>
+                                <dgm:param type="srcNode" val="rootConnector"/>
+                              </dgm:alg>
+                            </dgm:else>
+                          </dgm:choose>
+                        </dgm:else>
+                      </dgm:choose>
+                      <dgm:shape xmlns:r="http://schemas.openxmlformats.org/officeDocument/2006/relationships" type="conn" r:blip="" zOrderOff="-99999">
+                        <dgm:adjLst/>
+                      </dgm:shape>
+                      <dgm:presOf axis="self"/>
+                      <dgm:constrLst>
+                        <dgm:constr type="begPad"/>
+                        <dgm:constr type="endPad"/>
+                      </dgm:constrLst>
+                      <dgm:ruleLst/>
+                    </dgm:layoutNode>
+                  </dgm:else>
+                </dgm:choose>
+              </dgm:forEach>
+              <dgm:layoutNode name="hierRoot2">
+                <dgm:varLst>
+                  <dgm:hierBranch val="init"/>
+                </dgm:varLst>
+                <dgm:choose name="Name60">
+                  <dgm:if name="Name61" func="var" arg="hierBranch" op="equ" val="l">
+                    <dgm:choose name="Name62">
+                      <dgm:if name="Name63" axis="ch" ptType="asst" func="cnt" op="gte" val="1">
+                        <dgm:alg type="hierRoot">
+                          <dgm:param type="hierAlign" val="tR"/>
+                        </dgm:alg>
+                        <dgm:shape xmlns:r="http://schemas.openxmlformats.org/officeDocument/2006/relationships" r:blip="">
+                          <dgm:adjLst/>
+                        </dgm:shape>
+                        <dgm:presOf/>
+                        <dgm:constrLst>
+                          <dgm:constr type="alignOff" val="0.65"/>
+                        </dgm:constrLst>
+                      </dgm:if>
+                      <dgm:else name="Name64">
+                        <dgm:alg type="hierRoot">
+                          <dgm:param type="hierAlign" val="tR"/>
+                        </dgm:alg>
+                        <dgm:shape xmlns:r="http://schemas.openxmlformats.org/officeDocument/2006/relationships" r:blip="">
+                          <dgm:adjLst/>
+                        </dgm:shape>
+                        <dgm:presOf/>
+                        <dgm:constrLst>
+                          <dgm:constr type="alignOff" val="0.25"/>
+                        </dgm:constrLst>
+                      </dgm:else>
+                    </dgm:choose>
+                  </dgm:if>
+                  <dgm:if name="Name65" func="var" arg="hierBranch" op="equ" val="r">
+                    <dgm:choose name="Name66">
+                      <dgm:if name="Name67" axis="ch" ptType="asst" func="cnt" op="gte" val="1">
+                        <dgm:alg type="hierRoot">
+                          <dgm:param type="hierAlign" val="tL"/>
+                        </dgm:alg>
+                        <dgm:shape xmlns:r="http://schemas.openxmlformats.org/officeDocument/2006/relationships" r:blip="">
+                          <dgm:adjLst/>
+                        </dgm:shape>
+                        <dgm:presOf/>
+                        <dgm:constrLst>
+                          <dgm:constr type="alignOff" val="0.65"/>
+                        </dgm:constrLst>
+                      </dgm:if>
+                      <dgm:else name="Name68">
+                        <dgm:alg type="hierRoot">
+                          <dgm:param type="hierAlign" val="tL"/>
+                        </dgm:alg>
+                        <dgm:shape xmlns:r="http://schemas.openxmlformats.org/officeDocument/2006/relationships" r:blip="">
+                          <dgm:adjLst/>
+                        </dgm:shape>
+                        <dgm:presOf/>
+                        <dgm:constrLst>
+                          <dgm:constr type="alignOff" val="0.25"/>
+                        </dgm:constrLst>
+                      </dgm:else>
+                    </dgm:choose>
+                  </dgm:if>
+                  <dgm:if name="Name69" func="var" arg="hierBranch" op="equ" val="std">
+                    <dgm:alg type="hierRoot"/>
+                    <dgm:shape xmlns:r="http://schemas.openxmlformats.org/officeDocument/2006/relationships" r:blip="">
+                      <dgm:adjLst/>
+                    </dgm:shape>
+                    <dgm:presOf/>
+                    <dgm:constrLst>
+                      <dgm:constr type="alignOff"/>
+                      <dgm:constr type="bendDist" for="des" ptType="parTrans" refType="sp" fact="0.5"/>
+                    </dgm:constrLst>
+                  </dgm:if>
+                  <dgm:if name="Name70" func="var" arg="hierBranch" op="equ" val="init">
+                    <dgm:choose name="Name71">
+                      <dgm:if name="Name72" axis="des" func="maxDepth" op="lte" val="1">
+                        <dgm:choose name="Name73">
+                          <dgm:if name="Name74" axis="ch" ptType="asst" func="cnt" op="gte" val="1">
+                            <dgm:alg type="hierRoot">
+                              <dgm:param type="hierAlign" val="tL"/>
+                            </dgm:alg>
+                            <dgm:shape xmlns:r="http://schemas.openxmlformats.org/officeDocument/2006/relationships" r:blip="">
+                              <dgm:adjLst/>
+                            </dgm:shape>
+                            <dgm:presOf/>
+                            <dgm:constrLst>
+                              <dgm:constr type="alignOff" val="0.65"/>
+                            </dgm:constrLst>
+                          </dgm:if>
+                          <dgm:else name="Name75">
+                            <dgm:alg type="hierRoot">
+                              <dgm:param type="hierAlign" val="tL"/>
+                            </dgm:alg>
+                            <dgm:shape xmlns:r="http://schemas.openxmlformats.org/officeDocument/2006/relationships" r:blip="">
+                              <dgm:adjLst/>
+                            </dgm:shape>
+                            <dgm:presOf/>
+                            <dgm:constrLst>
+                              <dgm:constr type="alignOff" val="0.25"/>
+                            </dgm:constrLst>
+                          </dgm:else>
+                        </dgm:choose>
+                      </dgm:if>
+                      <dgm:else name="Name76">
+                        <dgm:alg type="hierRoot"/>
+                        <dgm:shape xmlns:r="http://schemas.openxmlformats.org/officeDocument/2006/relationships" r:blip="">
+                          <dgm:adjLst/>
+                        </dgm:shape>
+                        <dgm:presOf/>
+                        <dgm:constrLst>
+                          <dgm:constr type="alignOff"/>
+                          <dgm:constr type="bendDist" for="des" ptType="parTrans" refType="sp" fact="0.5"/>
+                        </dgm:constrLst>
+                      </dgm:else>
+                    </dgm:choose>
+                  </dgm:if>
+                  <dgm:else name="Name77">
+                    <dgm:alg type="hierRoot"/>
+                    <dgm:shape xmlns:r="http://schemas.openxmlformats.org/officeDocument/2006/relationships" r:blip="">
+                      <dgm:adjLst/>
+                    </dgm:shape>
+                    <dgm:presOf/>
+                    <dgm:constrLst>
+                      <dgm:constr type="alignOff" val="0.65"/>
+                    </dgm:constrLst>
+                  </dgm:else>
+                </dgm:choose>
+                <dgm:ruleLst/>
+                <dgm:layoutNode name="rootComposite">
+                  <dgm:alg type="composite"/>
+                  <dgm:shape xmlns:r="http://schemas.openxmlformats.org/officeDocument/2006/relationships" r:blip="">
+                    <dgm:adjLst/>
+                  </dgm:shape>
+                  <dgm:presOf axis="self" ptType="node" cnt="1"/>
+                  <dgm:choose name="Name78">
+                    <dgm:if name="Name79" func="var" arg="hierBranch" op="equ" val="init">
+                      <dgm:constrLst>
+                        <dgm:constr type="l" for="ch" forName="rootText"/>
+                        <dgm:constr type="t" for="ch" forName="rootText"/>
+                        <dgm:constr type="w" for="ch" forName="rootText" refType="w"/>
+                        <dgm:constr type="h" for="ch" forName="rootText" refType="h"/>
+                        <dgm:constr type="l" for="ch" forName="rootConnector"/>
+                        <dgm:constr type="t" for="ch" forName="rootConnector"/>
+                        <dgm:constr type="w" for="ch" forName="rootConnector" refType="w" refFor="ch" refForName="rootText" fact="0.2"/>
+                        <dgm:constr type="h" for="ch" forName="rootConnector" refType="h" refFor="ch" refForName="rootText"/>
+                      </dgm:constrLst>
+                    </dgm:if>
+                    <dgm:if name="Name80" func="var" arg="hierBranch" op="equ" val="l">
+                      <dgm:constrLst>
+                        <dgm:constr type="l" for="ch" forName="rootText"/>
+                        <dgm:constr type="t" for="ch" forName="rootText"/>
+                        <dgm:constr type="w" for="ch" forName="rootText" refType="w"/>
+                        <dgm:constr type="h" for="ch" forName="rootText" refType="h"/>
+                        <dgm:constr type="r" for="ch" forName="rootConnector" refType="w"/>
+                        <dgm:constr type="t" for="ch" forName="rootConnector"/>
+                        <dgm:constr type="w" for="ch" forName="rootConnector" refType="w" refFor="ch" refForName="rootText" fact="0.2"/>
+                        <dgm:constr type="h" for="ch" forName="rootConnector" refType="h" refFor="ch" refForName="rootText"/>
+                      </dgm:constrLst>
+                    </dgm:if>
+                    <dgm:if name="Name81" func="var" arg="hierBranch" op="equ" val="r">
+                      <dgm:constrLst>
+                        <dgm:constr type="l" for="ch" forName="rootText"/>
+                        <dgm:constr type="t" for="ch" forName="rootText"/>
+                        <dgm:constr type="w" for="ch" forName="rootText" refType="w"/>
+                        <dgm:constr type="h" for="ch" forName="rootText" refType="h"/>
+                        <dgm:constr type="l" for="ch" forName="rootConnector"/>
+                        <dgm:constr type="t" for="ch" forName="rootConnector"/>
+                        <dgm:constr type="w" for="ch" forName="rootConnector" refType="w" refFor="ch" refForName="rootText" fact="0.2"/>
+                        <dgm:constr type="h" for="ch" forName="rootConnector" refType="h" refFor="ch" refForName="rootText"/>
+                      </dgm:constrLst>
+                    </dgm:if>
+                    <dgm:else name="Name82">
+                      <dgm:constrLst>
+                        <dgm:constr type="l" for="ch" forName="rootText"/>
+                        <dgm:constr type="t" for="ch" forName="rootText"/>
+                        <dgm:constr type="w" for="ch" forName="rootText" refType="w"/>
+                        <dgm:constr type="h" for="ch" forName="rootText" refType="h"/>
+                        <dgm:constr type="r" for="ch" forName="rootConnector" refType="w"/>
+                        <dgm:constr type="t" for="ch" forName="rootConnector"/>
+                        <dgm:constr type="w" for="ch" forName="rootConnector" refType="w" refFor="ch" refForName="rootText" fact="0.2"/>
+                        <dgm:constr type="h" for="ch" forName="rootConnector" refType="h" refFor="ch" refForName="rootText"/>
+                      </dgm:constrLst>
+                    </dgm:else>
+                  </dgm:choose>
+                  <dgm:ruleLst/>
+                  <dgm:layoutNode name="rootText">
+                    <dgm:varLst>
+                      <dgm:chPref val="3"/>
+                    </dgm:varLst>
+                    <dgm:alg type="tx"/>
+                    <dgm:shape xmlns:r="http://schemas.openxmlformats.org/officeDocument/2006/relationships" type="rect" r:blip="">
+                      <dgm:adjLst/>
+                    </dgm:shape>
+                    <dgm:presOf axis="self" ptType="node" cnt="1"/>
+                    <dgm:constrLst>
+                      <dgm:constr type="primFontSz" val="65"/>
+                      <dgm:constr type="lMarg" refType="primFontSz" fact="0.05"/>
+                      <dgm:constr type="rMarg" refType="primFontSz" fact="0.05"/>
+                      <dgm:constr type="tMarg" refType="primFontSz" fact="0.05"/>
+                      <dgm:constr type="bMarg" refType="primFontSz" fact="0.05"/>
+                    </dgm:constrLst>
+                    <dgm:ruleLst>
+                      <dgm:rule type="primFontSz" val="5" fact="NaN" max="NaN"/>
+                    </dgm:ruleLst>
+                  </dgm:layoutNode>
+                  <dgm:layoutNode name="rootConnector" moveWith="rootText">
+                    <dgm:alg type="sp"/>
+                    <dgm:shape xmlns:r="http://schemas.openxmlformats.org/officeDocument/2006/relationships" type="rect" r:blip="" hideGeom="1">
+                      <dgm:adjLst/>
+                    </dgm:shape>
+                    <dgm:presOf axis="self" ptType="node" cnt="1"/>
+                    <dgm:constrLst/>
+                    <dgm:ruleLst/>
+                  </dgm:layoutNode>
+                </dgm:layoutNode>
+                <dgm:layoutNode name="hierChild4">
+                  <dgm:choose name="Name83">
+                    <dgm:if name="Name84" func="var" arg="hierBranch" op="equ" val="l">
+                      <dgm:alg type="hierChild">
+                        <dgm:param type="chAlign" val="r"/>
+                        <dgm:param type="linDir" val="fromT"/>
+                      </dgm:alg>
+                    </dgm:if>
+                    <dgm:if name="Name85" func="var" arg="hierBranch" op="equ" val="r">
+                      <dgm:alg type="hierChild">
+                        <dgm:param type="chAlign" val="l"/>
+                        <dgm:param type="linDir" val="fromT"/>
+                      </dgm:alg>
+                    </dgm:if>
+                    <dgm:if name="Name86" func="var" arg="hierBranch" op="equ" val="hang">
+                      <dgm:choose name="Name87">
+                        <dgm:if name="Name88" func="var" arg="dir" op="equ" val="norm">
+                          <dgm:alg type="hierChild">
+                            <dgm:param type="chAlign" val="l"/>
+                            <dgm:param type="linDir" val="fromL"/>
+                            <dgm:param type="secChAlign" val="t"/>
+                            <dgm:param type="secLinDir" val="fromT"/>
+                          </dgm:alg>
+                        </dgm:if>
+                        <dgm:else name="Name89">
+                          <dgm:alg type="hierChild">
+                            <dgm:param type="chAlign" val="l"/>
+                            <dgm:param type="linDir" val="fromR"/>
+                            <dgm:param type="secChAlign" val="t"/>
+                            <dgm:param type="secLinDir" val="fromT"/>
+                          </dgm:alg>
+                        </dgm:else>
+                      </dgm:choose>
+                    </dgm:if>
+                    <dgm:if name="Name90" func="var" arg="hierBranch" op="equ" val="std">
+                      <dgm:choose name="Name91">
+                        <dgm:if name="Name92" func="var" arg="dir" op="equ" val="norm">
+                          <dgm:alg type="hierChild"/>
+                        </dgm:if>
+                        <dgm:else name="Name93">
+                          <dgm:alg type="hierChild">
+                            <dgm:param type="linDir" val="fromR"/>
+                          </dgm:alg>
+                        </dgm:else>
+                      </dgm:choose>
+                    </dgm:if>
+                    <dgm:if name="Name94" func="var" arg="hierBranch" op="equ" val="init">
+                      <dgm:choose name="Name95">
+                        <dgm:if name="Name96" axis="des" func="maxDepth" op="lte" val="1">
+                          <dgm:alg type="hierChild">
+                            <dgm:param type="chAlign" val="l"/>
+                            <dgm:param type="linDir" val="fromT"/>
+                          </dgm:alg>
+                        </dgm:if>
+                        <dgm:else name="Name97">
+                          <dgm:choose name="Name98">
+                            <dgm:if name="Name99" func="var" arg="dir" op="equ" val="norm">
+                              <dgm:alg type="hierChild"/>
+                            </dgm:if>
+                            <dgm:else name="Name100">
+                              <dgm:alg type="hierChild">
+                                <dgm:param type="linDir" val="fromR"/>
+                              </dgm:alg>
+                            </dgm:else>
+                          </dgm:choose>
+                        </dgm:else>
+                      </dgm:choose>
+                    </dgm:if>
+                    <dgm:else name="Name101"/>
+                  </dgm:choose>
+                  <dgm:shape xmlns:r="http://schemas.openxmlformats.org/officeDocument/2006/relationships" r:blip="">
+                    <dgm:adjLst/>
+                  </dgm:shape>
+                  <dgm:presOf/>
+                  <dgm:constrLst/>
+                  <dgm:ruleLst/>
+                  <dgm:forEach name="Name102" ref="rep2a"/>
+                </dgm:layoutNode>
+                <dgm:layoutNode name="hierChild5">
+                  <dgm:choose name="Name103">
+                    <dgm:if name="Name104" func="var" arg="dir" op="equ" val="norm">
+                      <dgm:alg type="hierChild">
+                        <dgm:param type="chAlign" val="l"/>
+                        <dgm:param type="linDir" val="fromL"/>
+                        <dgm:param type="secChAlign" val="t"/>
+                        <dgm:param type="secLinDir" val="fromT"/>
+                      </dgm:alg>
+                    </dgm:if>
+                    <dgm:else name="Name105">
+                      <dgm:alg type="hierChild">
+                        <dgm:param type="chAlign" val="l"/>
+                        <dgm:param type="linDir" val="fromR"/>
+                        <dgm:param type="secChAlign" val="t"/>
+                        <dgm:param type="secLinDir" val="fromT"/>
+                      </dgm:alg>
+                    </dgm:else>
+                  </dgm:choose>
+                  <dgm:shape xmlns:r="http://schemas.openxmlformats.org/officeDocument/2006/relationships" r:blip="">
+                    <dgm:adjLst/>
+                  </dgm:shape>
+                  <dgm:presOf/>
+                  <dgm:constrLst/>
+                  <dgm:ruleLst/>
+                  <dgm:forEach name="Name106" ref="rep2b"/>
+                </dgm:layoutNode>
+              </dgm:layoutNode>
+            </dgm:forEach>
+          </dgm:layoutNode>
+          <dgm:layoutNode name="hierChild3">
+            <dgm:choose name="Name107">
+              <dgm:if name="Name108" func="var" arg="dir" op="equ" val="norm">
+                <dgm:alg type="hierChild">
+                  <dgm:param type="chAlign" val="l"/>
+                  <dgm:param type="linDir" val="fromL"/>
+                  <dgm:param type="secChAlign" val="t"/>
+                  <dgm:param type="secLinDir" val="fromT"/>
+                </dgm:alg>
+              </dgm:if>
+              <dgm:else name="Name109">
+                <dgm:alg type="hierChild">
+                  <dgm:param type="chAlign" val="l"/>
+                  <dgm:param type="linDir" val="fromR"/>
+                  <dgm:param type="secChAlign" val="t"/>
+                  <dgm:param type="secLinDir" val="fromT"/>
+                </dgm:alg>
+              </dgm:else>
+            </dgm:choose>
+            <dgm:shape xmlns:r="http://schemas.openxmlformats.org/officeDocument/2006/relationships" r:blip="">
+              <dgm:adjLst/>
+            </dgm:shape>
+            <dgm:presOf/>
+            <dgm:constrLst/>
+            <dgm:ruleLst/>
+            <dgm:forEach name="rep2b" axis="ch" ptType="asst">
+              <dgm:forEach name="Name110" axis="precedSib" ptType="parTrans" st="-1" cnt="1">
+                <dgm:layoutNode name="Name111">
+                  <dgm:alg type="conn">
+                    <dgm:param type="connRout" val="bend"/>
+                    <dgm:param type="dim" val="1D"/>
+                    <dgm:param type="endSty" val="noArr"/>
+                    <dgm:param type="begPts" val="bCtr"/>
+                    <dgm:param type="endPts" val="midL midR"/>
+                  </dgm:alg>
+                  <dgm:shape xmlns:r="http://schemas.openxmlformats.org/officeDocument/2006/relationships" type="conn" r:blip="" zOrderOff="-99999">
+                    <dgm:adjLst/>
+                  </dgm:shape>
+                  <dgm:presOf axis="self"/>
+                  <dgm:constrLst>
+                    <dgm:constr type="begPad"/>
+                    <dgm:constr type="endPad"/>
+                  </dgm:constrLst>
+                  <dgm:ruleLst/>
+                </dgm:layoutNode>
+              </dgm:forEach>
+              <dgm:layoutNode name="hierRoot3">
+                <dgm:varLst>
+                  <dgm:hierBranch val="init"/>
+                </dgm:varLst>
+                <dgm:choose name="Name112">
+                  <dgm:if name="Name113" func="var" arg="hierBranch" op="equ" val="l">
+                    <dgm:alg type="hierRoot">
+                      <dgm:param type="hierAlign" val="tR"/>
+                    </dgm:alg>
+                    <dgm:shape xmlns:r="http://schemas.openxmlformats.org/officeDocument/2006/relationships" r:blip="">
+                      <dgm:adjLst/>
+                    </dgm:shape>
+                    <dgm:presOf/>
+                    <dgm:constrLst>
+                      <dgm:constr type="alignOff" val="0.65"/>
+                    </dgm:constrLst>
+                  </dgm:if>
+                  <dgm:if name="Name114" func="var" arg="hierBranch" op="equ" val="r">
+                    <dgm:alg type="hierRoot">
+                      <dgm:param type="hierAlign" val="tL"/>
+                    </dgm:alg>
+                    <dgm:shape xmlns:r="http://schemas.openxmlformats.org/officeDocument/2006/relationships" r:blip="">
+                      <dgm:adjLst/>
+                    </dgm:shape>
+                    <dgm:presOf/>
+                    <dgm:constrLst>
+                      <dgm:constr type="alignOff" val="0.65"/>
+                    </dgm:constrLst>
+                  </dgm:if>
+                  <dgm:if name="Name115" func="var" arg="hierBranch" op="equ" val="hang">
+                    <dgm:alg type="hierRoot"/>
+                    <dgm:shape xmlns:r="http://schemas.openxmlformats.org/officeDocument/2006/relationships" r:blip="">
+                      <dgm:adjLst/>
+                    </dgm:shape>
+                    <dgm:presOf/>
+                    <dgm:constrLst>
+                      <dgm:constr type="alignOff" val="0.65"/>
+                    </dgm:constrLst>
+                  </dgm:if>
+                  <dgm:if name="Name116" func="var" arg="hierBranch" op="equ" val="std">
+                    <dgm:alg type="hierRoot"/>
+                    <dgm:shape xmlns:r="http://schemas.openxmlformats.org/officeDocument/2006/relationships" r:blip="">
+                      <dgm:adjLst/>
+                    </dgm:shape>
+                    <dgm:presOf/>
+                    <dgm:constrLst>
+                      <dgm:constr type="alignOff"/>
+                      <dgm:constr type="bendDist" for="des" ptType="parTrans" refType="sp" fact="0.5"/>
+                    </dgm:constrLst>
+                  </dgm:if>
+                  <dgm:if name="Name117" func="var" arg="hierBranch" op="equ" val="init">
+                    <dgm:choose name="Name118">
+                      <dgm:if name="Name119" axis="des" func="maxDepth" op="lte" val="1">
+                        <dgm:alg type="hierRoot">
+                          <dgm:param type="hierAlign" val="tL"/>
+                        </dgm:alg>
+                        <dgm:shape xmlns:r="http://schemas.openxmlformats.org/officeDocument/2006/relationships" r:blip="">
+                          <dgm:adjLst/>
+                        </dgm:shape>
+                        <dgm:presOf/>
+                        <dgm:constrLst>
+                          <dgm:constr type="alignOff" val="0.65"/>
+                        </dgm:constrLst>
+                      </dgm:if>
+                      <dgm:else name="Name120">
+                        <dgm:alg type="hierRoot"/>
+                        <dgm:shape xmlns:r="http://schemas.openxmlformats.org/officeDocument/2006/relationships" r:blip="">
+                          <dgm:adjLst/>
+                        </dgm:shape>
+                        <dgm:presOf/>
+                        <dgm:constrLst>
+                          <dgm:constr type="alignOff"/>
+                          <dgm:constr type="bendDist" for="des" ptType="parTrans" refType="sp" fact="0.5"/>
+                        </dgm:constrLst>
+                      </dgm:else>
+                    </dgm:choose>
+                  </dgm:if>
+                  <dgm:else name="Name121"/>
+                </dgm:choose>
+                <dgm:ruleLst/>
+                <dgm:layoutNode name="rootComposite3">
+                  <dgm:alg type="composite"/>
+                  <dgm:shape xmlns:r="http://schemas.openxmlformats.org/officeDocument/2006/relationships" r:blip="">
+                    <dgm:adjLst/>
+                  </dgm:shape>
+                  <dgm:presOf axis="self" ptType="node" cnt="1"/>
+                  <dgm:choose name="Name122">
+                    <dgm:if name="Name123" func="var" arg="hierBranch" op="equ" val="init">
+                      <dgm:constrLst>
+                        <dgm:constr type="l" for="ch" forName="rootText3"/>
+                        <dgm:constr type="t" for="ch" forName="rootText3"/>
+                        <dgm:constr type="w" for="ch" forName="rootText3" refType="w"/>
+                        <dgm:constr type="h" for="ch" forName="rootText3" refType="h"/>
+                        <dgm:constr type="l" for="ch" forName="rootConnector3"/>
+                        <dgm:constr type="t" for="ch" forName="rootConnector3"/>
+                        <dgm:constr type="w" for="ch" forName="rootConnector3" refType="w" refFor="ch" refForName="rootText3" fact="0.2"/>
+                        <dgm:constr type="h" for="ch" forName="rootConnector3" refType="h" refFor="ch" refForName="rootText3"/>
+                      </dgm:constrLst>
+                    </dgm:if>
+                    <dgm:if name="Name124" func="var" arg="hierBranch" op="equ" val="l">
+                      <dgm:constrLst>
+                        <dgm:constr type="l" for="ch" forName="rootText3"/>
+                        <dgm:constr type="t" for="ch" forName="rootText3"/>
+                        <dgm:constr type="w" for="ch" forName="rootText3" refType="w"/>
+                        <dgm:constr type="h" for="ch" forName="rootText3" refType="h"/>
+                        <dgm:constr type="r" for="ch" forName="rootConnector3" refType="w"/>
+                        <dgm:constr type="t" for="ch" forName="rootConnector3"/>
+                        <dgm:constr type="w" for="ch" forName="rootConnector3" refType="w" refFor="ch" refForName="rootText3" fact="0.2"/>
+                        <dgm:constr type="h" for="ch" forName="rootConnector3" refType="h" refFor="ch" refForName="rootText3"/>
+                      </dgm:constrLst>
+                    </dgm:if>
+                    <dgm:if name="Name125" func="var" arg="hierBranch" op="equ" val="r">
+                      <dgm:constrLst>
+                        <dgm:constr type="l" for="ch" forName="rootText3"/>
+                        <dgm:constr type="t" for="ch" forName="rootText3"/>
+                        <dgm:constr type="w" for="ch" forName="rootText3" refType="w"/>
+                        <dgm:constr type="h" for="ch" forName="rootText3" refType="h"/>
+                        <dgm:constr type="l" for="ch" forName="rootConnector3"/>
+                        <dgm:constr type="t" for="ch" forName="rootConnector3"/>
+                        <dgm:constr type="w" for="ch" forName="rootConnector3" refType="w" refFor="ch" refForName="rootText3" fact="0.2"/>
+                        <dgm:constr type="h" for="ch" forName="rootConnector3" refType="h" refFor="ch" refForName="rootText3"/>
+                      </dgm:constrLst>
+                    </dgm:if>
+                    <dgm:else name="Name126">
+                      <dgm:constrLst>
+                        <dgm:constr type="l" for="ch" forName="rootText3"/>
+                        <dgm:constr type="t" for="ch" forName="rootText3"/>
+                        <dgm:constr type="w" for="ch" forName="rootText3" refType="w"/>
+                        <dgm:constr type="h" for="ch" forName="rootText3" refType="h"/>
+                        <dgm:constr type="r" for="ch" forName="rootConnector3" refType="w"/>
+                        <dgm:constr type="t" for="ch" forName="rootConnector3"/>
+                        <dgm:constr type="w" for="ch" forName="rootConnector3" refType="w" refFor="ch" refForName="rootText3" fact="0.2"/>
+                        <dgm:constr type="h" for="ch" forName="rootConnector3" refType="h" refFor="ch" refForName="rootText3"/>
+                      </dgm:constrLst>
+                    </dgm:else>
+                  </dgm:choose>
+                  <dgm:ruleLst/>
+                  <dgm:layoutNode name="rootText3">
+                    <dgm:varLst>
+                      <dgm:chPref val="3"/>
+                    </dgm:varLst>
+                    <dgm:alg type="tx"/>
+                    <dgm:shape xmlns:r="http://schemas.openxmlformats.org/officeDocument/2006/relationships" type="rect" r:blip="">
+                      <dgm:adjLst/>
+                    </dgm:shape>
+                    <dgm:presOf axis="self" ptType="node" cnt="1"/>
+                    <dgm:constrLst>
+                      <dgm:constr type="primFontSz" val="65"/>
+                      <dgm:constr type="lMarg" refType="primFontSz" fact="0.05"/>
+                      <dgm:constr type="rMarg" refType="primFontSz" fact="0.05"/>
+                      <dgm:constr type="tMarg" refType="primFontSz" fact="0.05"/>
+                      <dgm:constr type="bMarg" refType="primFontSz" fact="0.05"/>
+                    </dgm:constrLst>
+                    <dgm:ruleLst>
+                      <dgm:rule type="primFontSz" val="5" fact="NaN" max="NaN"/>
+                    </dgm:ruleLst>
+                  </dgm:layoutNode>
+                  <dgm:layoutNode name="rootConnector3" moveWith="rootText1">
+                    <dgm:alg type="sp"/>
+                    <dgm:shape xmlns:r="http://schemas.openxmlformats.org/officeDocument/2006/relationships" type="rect" r:blip="" hideGeom="1">
+                      <dgm:adjLst/>
+                    </dgm:shape>
+                    <dgm:presOf axis="self" ptType="node" cnt="1"/>
+                    <dgm:constrLst/>
+                    <dgm:ruleLst/>
+                  </dgm:layoutNode>
+                </dgm:layoutNode>
+                <dgm:layoutNode name="hierChild6">
+                  <dgm:choose name="Name127">
+                    <dgm:if name="Name128" func="var" arg="hierBranch" op="equ" val="l">
+                      <dgm:alg type="hierChild">
+                        <dgm:param type="chAlign" val="r"/>
+                        <dgm:param type="linDir" val="fromT"/>
+                      </dgm:alg>
+                    </dgm:if>
+                    <dgm:if name="Name129" func="var" arg="hierBranch" op="equ" val="r">
+                      <dgm:alg type="hierChild">
+                        <dgm:param type="chAlign" val="l"/>
+                        <dgm:param type="linDir" val="fromT"/>
+                      </dgm:alg>
+                    </dgm:if>
+                    <dgm:if name="Name130" func="var" arg="hierBranch" op="equ" val="hang">
+                      <dgm:choose name="Name131">
+                        <dgm:if name="Name132" func="var" arg="dir" op="equ" val="norm">
+                          <dgm:alg type="hierChild">
+                            <dgm:param type="chAlign" val="l"/>
+                            <dgm:param type="linDir" val="fromL"/>
+                            <dgm:param type="secChAlign" val="t"/>
+                            <dgm:param type="secLinDir" val="fromT"/>
+                          </dgm:alg>
+                        </dgm:if>
+                        <dgm:else name="Name133">
+                          <dgm:alg type="hierChild">
+                            <dgm:param type="chAlign" val="l"/>
+                            <dgm:param type="linDir" val="fromR"/>
+                            <dgm:param type="secChAlign" val="t"/>
+                            <dgm:param type="secLinDir" val="fromT"/>
+                          </dgm:alg>
+                        </dgm:else>
+                      </dgm:choose>
+                    </dgm:if>
+                    <dgm:if name="Name134" func="var" arg="hierBranch" op="equ" val="std">
+                      <dgm:choose name="Name135">
+                        <dgm:if name="Name136" func="var" arg="dir" op="equ" val="norm">
+                          <dgm:alg type="hierChild"/>
+                        </dgm:if>
+                        <dgm:else name="Name137">
+                          <dgm:alg type="hierChild">
+                            <dgm:param type="linDir" val="fromR"/>
+                          </dgm:alg>
+                        </dgm:else>
+                      </dgm:choose>
+                    </dgm:if>
+                    <dgm:if name="Name138" func="var" arg="hierBranch" op="equ" val="init">
+                      <dgm:choose name="Name139">
+                        <dgm:if name="Name140" axis="des" func="maxDepth" op="lte" val="1">
+                          <dgm:alg type="hierChild">
+                            <dgm:param type="chAlign" val="l"/>
+                            <dgm:param type="linDir" val="fromT"/>
+                          </dgm:alg>
+                        </dgm:if>
+                        <dgm:else name="Name141">
+                          <dgm:alg type="hierChild"/>
+                        </dgm:else>
+                      </dgm:choose>
+                    </dgm:if>
+                    <dgm:else name="Name142"/>
+                  </dgm:choose>
+                  <dgm:shape xmlns:r="http://schemas.openxmlformats.org/officeDocument/2006/relationships" r:blip="">
+                    <dgm:adjLst/>
+                  </dgm:shape>
+                  <dgm:presOf/>
+                  <dgm:constrLst/>
+                  <dgm:ruleLst/>
+                  <dgm:forEach name="Name143" ref="rep2a"/>
+                </dgm:layoutNode>
+                <dgm:layoutNode name="hierChild7">
+                  <dgm:choose name="Name144">
+                    <dgm:if name="Name145" func="var" arg="dir" op="equ" val="norm">
+                      <dgm:alg type="hierChild">
+                        <dgm:param type="chAlign" val="l"/>
+                        <dgm:param type="linDir" val="fromL"/>
+                        <dgm:param type="secChAlign" val="t"/>
+                        <dgm:param type="secLinDir" val="fromT"/>
+                      </dgm:alg>
+                    </dgm:if>
+                    <dgm:else name="Name146">
+                      <dgm:alg type="hierChild">
+                        <dgm:param type="chAlign" val="l"/>
+                        <dgm:param type="linDir" val="fromR"/>
+                        <dgm:param type="secChAlign" val="t"/>
+                        <dgm:param type="secLinDir" val="fromT"/>
+                      </dgm:alg>
+                    </dgm:else>
+                  </dgm:choose>
+                  <dgm:shape xmlns:r="http://schemas.openxmlformats.org/officeDocument/2006/relationships" r:blip="">
+                    <dgm:adjLst/>
+                  </dgm:shape>
+                  <dgm:presOf/>
+                  <dgm:constrLst/>
+                  <dgm:ruleLst/>
+                  <dgm:forEach name="Name147" ref="rep2b"/>
+                </dgm:layoutNode>
+              </dgm:layoutNode>
+            </dgm:forEach>
+          </dgm:layoutNode>
+        </dgm:layoutNode>
+      </dgm:forEach>
+    </dgm:forEach>
+  </dgm:layoutNode>
+</dgm:layoutDef>
+</file>
+
 <file path=ppt/diagrams/quickStyle1.xml><?xml version="1.0" encoding="utf-8"?>
 <dgm:styleDef xmlns:dgm="http://schemas.openxmlformats.org/drawingml/2006/diagram" xmlns:a="http://schemas.openxmlformats.org/drawingml/2006/main" uniqueId="urn:microsoft.com/office/officeart/2005/8/quickstyle/simple1">
   <dgm:title val=""/>
@@ -9169,6 +14601,1040 @@
 </file>
 
 <file path=ppt/diagrams/quickStyle2.xml><?xml version="1.0" encoding="utf-8"?>
+<dgm:styleDef xmlns:dgm="http://schemas.openxmlformats.org/drawingml/2006/diagram" xmlns:a="http://schemas.openxmlformats.org/drawingml/2006/main" uniqueId="urn:microsoft.com/office/officeart/2005/8/quickstyle/simple1">
+  <dgm:title val=""/>
+  <dgm:desc val=""/>
+  <dgm:catLst>
+    <dgm:cat type="simple" pri="10100"/>
+  </dgm:catLst>
+  <dgm:scene3d>
+    <a:camera prst="orthographicFront"/>
+    <a:lightRig rig="threePt" dir="t"/>
+  </dgm:scene3d>
+  <dgm:styleLbl name="node0">
+    <dgm:scene3d>
+      <a:camera prst="orthographicFront"/>
+      <a:lightRig rig="threePt" dir="t"/>
+    </dgm:scene3d>
+    <dgm:sp3d/>
+    <dgm:txPr/>
+    <dgm:style>
+      <a:lnRef idx="2">
+        <a:scrgbClr r="0" g="0" b="0"/>
+      </a:lnRef>
+      <a:fillRef idx="1">
+        <a:scrgbClr r="0" g="0" b="0"/>
+      </a:fillRef>
+      <a:effectRef idx="0">
+        <a:scrgbClr r="0" g="0" b="0"/>
+      </a:effectRef>
+      <a:fontRef idx="minor">
+        <a:schemeClr val="lt1"/>
+      </a:fontRef>
+    </dgm:style>
+  </dgm:styleLbl>
+  <dgm:styleLbl name="lnNode1">
+    <dgm:scene3d>
+      <a:camera prst="orthographicFront"/>
+      <a:lightRig rig="threePt" dir="t"/>
+    </dgm:scene3d>
+    <dgm:sp3d/>
+    <dgm:txPr/>
+    <dgm:style>
+      <a:lnRef idx="2">
+        <a:scrgbClr r="0" g="0" b="0"/>
+      </a:lnRef>
+      <a:fillRef idx="1">
+        <a:scrgbClr r="0" g="0" b="0"/>
+      </a:fillRef>
+      <a:effectRef idx="0">
+        <a:scrgbClr r="0" g="0" b="0"/>
+      </a:effectRef>
+      <a:fontRef idx="minor">
+        <a:schemeClr val="lt1"/>
+      </a:fontRef>
+    </dgm:style>
+  </dgm:styleLbl>
+  <dgm:styleLbl name="vennNode1">
+    <dgm:scene3d>
+      <a:camera prst="orthographicFront"/>
+      <a:lightRig rig="threePt" dir="t"/>
+    </dgm:scene3d>
+    <dgm:sp3d/>
+    <dgm:txPr/>
+    <dgm:style>
+      <a:lnRef idx="2">
+        <a:scrgbClr r="0" g="0" b="0"/>
+      </a:lnRef>
+      <a:fillRef idx="1">
+        <a:scrgbClr r="0" g="0" b="0"/>
+      </a:fillRef>
+      <a:effectRef idx="0">
+        <a:scrgbClr r="0" g="0" b="0"/>
+      </a:effectRef>
+      <a:fontRef idx="minor">
+        <a:schemeClr val="tx1"/>
+      </a:fontRef>
+    </dgm:style>
+  </dgm:styleLbl>
+  <dgm:styleLbl name="alignNode1">
+    <dgm:scene3d>
+      <a:camera prst="orthographicFront"/>
+      <a:lightRig rig="threePt" dir="t"/>
+    </dgm:scene3d>
+    <dgm:sp3d/>
+    <dgm:txPr/>
+    <dgm:style>
+      <a:lnRef idx="2">
+        <a:scrgbClr r="0" g="0" b="0"/>
+      </a:lnRef>
+      <a:fillRef idx="1">
+        <a:scrgbClr r="0" g="0" b="0"/>
+      </a:fillRef>
+      <a:effectRef idx="0">
+        <a:scrgbClr r="0" g="0" b="0"/>
+      </a:effectRef>
+      <a:fontRef idx="minor">
+        <a:schemeClr val="lt1"/>
+      </a:fontRef>
+    </dgm:style>
+  </dgm:styleLbl>
+  <dgm:styleLbl name="node1">
+    <dgm:scene3d>
+      <a:camera prst="orthographicFront"/>
+      <a:lightRig rig="threePt" dir="t"/>
+    </dgm:scene3d>
+    <dgm:sp3d/>
+    <dgm:txPr/>
+    <dgm:style>
+      <a:lnRef idx="2">
+        <a:scrgbClr r="0" g="0" b="0"/>
+      </a:lnRef>
+      <a:fillRef idx="1">
+        <a:scrgbClr r="0" g="0" b="0"/>
+      </a:fillRef>
+      <a:effectRef idx="0">
+        <a:scrgbClr r="0" g="0" b="0"/>
+      </a:effectRef>
+      <a:fontRef idx="minor">
+        <a:schemeClr val="lt1"/>
+      </a:fontRef>
+    </dgm:style>
+  </dgm:styleLbl>
+  <dgm:styleLbl name="node2">
+    <dgm:scene3d>
+      <a:camera prst="orthographicFront"/>
+      <a:lightRig rig="threePt" dir="t"/>
+    </dgm:scene3d>
+    <dgm:sp3d/>
+    <dgm:txPr/>
+    <dgm:style>
+      <a:lnRef idx="2">
+        <a:scrgbClr r="0" g="0" b="0"/>
+      </a:lnRef>
+      <a:fillRef idx="1">
+        <a:scrgbClr r="0" g="0" b="0"/>
+      </a:fillRef>
+      <a:effectRef idx="0">
+        <a:scrgbClr r="0" g="0" b="0"/>
+      </a:effectRef>
+      <a:fontRef idx="minor">
+        <a:schemeClr val="lt1"/>
+      </a:fontRef>
+    </dgm:style>
+  </dgm:styleLbl>
+  <dgm:styleLbl name="node3">
+    <dgm:scene3d>
+      <a:camera prst="orthographicFront"/>
+      <a:lightRig rig="threePt" dir="t"/>
+    </dgm:scene3d>
+    <dgm:sp3d/>
+    <dgm:txPr/>
+    <dgm:style>
+      <a:lnRef idx="2">
+        <a:scrgbClr r="0" g="0" b="0"/>
+      </a:lnRef>
+      <a:fillRef idx="1">
+        <a:scrgbClr r="0" g="0" b="0"/>
+      </a:fillRef>
+      <a:effectRef idx="0">
+        <a:scrgbClr r="0" g="0" b="0"/>
+      </a:effectRef>
+      <a:fontRef idx="minor">
+        <a:schemeClr val="lt1"/>
+      </a:fontRef>
+    </dgm:style>
+  </dgm:styleLbl>
+  <dgm:styleLbl name="node4">
+    <dgm:scene3d>
+      <a:camera prst="orthographicFront"/>
+      <a:lightRig rig="threePt" dir="t"/>
+    </dgm:scene3d>
+    <dgm:sp3d/>
+    <dgm:txPr/>
+    <dgm:style>
+      <a:lnRef idx="2">
+        <a:scrgbClr r="0" g="0" b="0"/>
+      </a:lnRef>
+      <a:fillRef idx="1">
+        <a:scrgbClr r="0" g="0" b="0"/>
+      </a:fillRef>
+      <a:effectRef idx="0">
+        <a:scrgbClr r="0" g="0" b="0"/>
+      </a:effectRef>
+      <a:fontRef idx="minor">
+        <a:schemeClr val="lt1"/>
+      </a:fontRef>
+    </dgm:style>
+  </dgm:styleLbl>
+  <dgm:styleLbl name="fgImgPlace1">
+    <dgm:scene3d>
+      <a:camera prst="orthographicFront"/>
+      <a:lightRig rig="threePt" dir="t"/>
+    </dgm:scene3d>
+    <dgm:sp3d/>
+    <dgm:txPr/>
+    <dgm:style>
+      <a:lnRef idx="2">
+        <a:scrgbClr r="0" g="0" b="0"/>
+      </a:lnRef>
+      <a:fillRef idx="1">
+        <a:scrgbClr r="0" g="0" b="0"/>
+      </a:fillRef>
+      <a:effectRef idx="0">
+        <a:scrgbClr r="0" g="0" b="0"/>
+      </a:effectRef>
+      <a:fontRef idx="minor"/>
+    </dgm:style>
+  </dgm:styleLbl>
+  <dgm:styleLbl name="alignImgPlace1">
+    <dgm:scene3d>
+      <a:camera prst="orthographicFront"/>
+      <a:lightRig rig="threePt" dir="t"/>
+    </dgm:scene3d>
+    <dgm:sp3d/>
+    <dgm:txPr/>
+    <dgm:style>
+      <a:lnRef idx="2">
+        <a:scrgbClr r="0" g="0" b="0"/>
+      </a:lnRef>
+      <a:fillRef idx="1">
+        <a:scrgbClr r="0" g="0" b="0"/>
+      </a:fillRef>
+      <a:effectRef idx="0">
+        <a:scrgbClr r="0" g="0" b="0"/>
+      </a:effectRef>
+      <a:fontRef idx="minor"/>
+    </dgm:style>
+  </dgm:styleLbl>
+  <dgm:styleLbl name="bgImgPlace1">
+    <dgm:scene3d>
+      <a:camera prst="orthographicFront"/>
+      <a:lightRig rig="threePt" dir="t"/>
+    </dgm:scene3d>
+    <dgm:sp3d/>
+    <dgm:txPr/>
+    <dgm:style>
+      <a:lnRef idx="2">
+        <a:scrgbClr r="0" g="0" b="0"/>
+      </a:lnRef>
+      <a:fillRef idx="1">
+        <a:scrgbClr r="0" g="0" b="0"/>
+      </a:fillRef>
+      <a:effectRef idx="0">
+        <a:scrgbClr r="0" g="0" b="0"/>
+      </a:effectRef>
+      <a:fontRef idx="minor"/>
+    </dgm:style>
+  </dgm:styleLbl>
+  <dgm:styleLbl name="sibTrans2D1">
+    <dgm:scene3d>
+      <a:camera prst="orthographicFront"/>
+      <a:lightRig rig="threePt" dir="t"/>
+    </dgm:scene3d>
+    <dgm:sp3d/>
+    <dgm:txPr/>
+    <dgm:style>
+      <a:lnRef idx="0">
+        <a:scrgbClr r="0" g="0" b="0"/>
+      </a:lnRef>
+      <a:fillRef idx="1">
+        <a:scrgbClr r="0" g="0" b="0"/>
+      </a:fillRef>
+      <a:effectRef idx="0">
+        <a:scrgbClr r="0" g="0" b="0"/>
+      </a:effectRef>
+      <a:fontRef idx="minor">
+        <a:schemeClr val="lt1"/>
+      </a:fontRef>
+    </dgm:style>
+  </dgm:styleLbl>
+  <dgm:styleLbl name="fgSibTrans2D1">
+    <dgm:scene3d>
+      <a:camera prst="orthographicFront"/>
+      <a:lightRig rig="threePt" dir="t"/>
+    </dgm:scene3d>
+    <dgm:sp3d/>
+    <dgm:txPr/>
+    <dgm:style>
+      <a:lnRef idx="0">
+        <a:scrgbClr r="0" g="0" b="0"/>
+      </a:lnRef>
+      <a:fillRef idx="1">
+        <a:scrgbClr r="0" g="0" b="0"/>
+      </a:fillRef>
+      <a:effectRef idx="0">
+        <a:scrgbClr r="0" g="0" b="0"/>
+      </a:effectRef>
+      <a:fontRef idx="minor">
+        <a:schemeClr val="lt1"/>
+      </a:fontRef>
+    </dgm:style>
+  </dgm:styleLbl>
+  <dgm:styleLbl name="bgSibTrans2D1">
+    <dgm:scene3d>
+      <a:camera prst="orthographicFront"/>
+      <a:lightRig rig="threePt" dir="t"/>
+    </dgm:scene3d>
+    <dgm:sp3d/>
+    <dgm:txPr/>
+    <dgm:style>
+      <a:lnRef idx="0">
+        <a:scrgbClr r="0" g="0" b="0"/>
+      </a:lnRef>
+      <a:fillRef idx="1">
+        <a:scrgbClr r="0" g="0" b="0"/>
+      </a:fillRef>
+      <a:effectRef idx="0">
+        <a:scrgbClr r="0" g="0" b="0"/>
+      </a:effectRef>
+      <a:fontRef idx="minor">
+        <a:schemeClr val="lt1"/>
+      </a:fontRef>
+    </dgm:style>
+  </dgm:styleLbl>
+  <dgm:styleLbl name="sibTrans1D1">
+    <dgm:scene3d>
+      <a:camera prst="orthographicFront"/>
+      <a:lightRig rig="threePt" dir="t"/>
+    </dgm:scene3d>
+    <dgm:sp3d/>
+    <dgm:txPr/>
+    <dgm:style>
+      <a:lnRef idx="1">
+        <a:scrgbClr r="0" g="0" b="0"/>
+      </a:lnRef>
+      <a:fillRef idx="0">
+        <a:scrgbClr r="0" g="0" b="0"/>
+      </a:fillRef>
+      <a:effectRef idx="0">
+        <a:scrgbClr r="0" g="0" b="0"/>
+      </a:effectRef>
+      <a:fontRef idx="minor"/>
+    </dgm:style>
+  </dgm:styleLbl>
+  <dgm:styleLbl name="callout">
+    <dgm:scene3d>
+      <a:camera prst="orthographicFront"/>
+      <a:lightRig rig="threePt" dir="t"/>
+    </dgm:scene3d>
+    <dgm:sp3d/>
+    <dgm:txPr/>
+    <dgm:style>
+      <a:lnRef idx="2">
+        <a:scrgbClr r="0" g="0" b="0"/>
+      </a:lnRef>
+      <a:fillRef idx="1">
+        <a:scrgbClr r="0" g="0" b="0"/>
+      </a:fillRef>
+      <a:effectRef idx="0">
+        <a:scrgbClr r="0" g="0" b="0"/>
+      </a:effectRef>
+      <a:fontRef idx="minor"/>
+    </dgm:style>
+  </dgm:styleLbl>
+  <dgm:styleLbl name="asst0">
+    <dgm:scene3d>
+      <a:camera prst="orthographicFront"/>
+      <a:lightRig rig="threePt" dir="t"/>
+    </dgm:scene3d>
+    <dgm:sp3d/>
+    <dgm:txPr/>
+    <dgm:style>
+      <a:lnRef idx="2">
+        <a:scrgbClr r="0" g="0" b="0"/>
+      </a:lnRef>
+      <a:fillRef idx="1">
+        <a:scrgbClr r="0" g="0" b="0"/>
+      </a:fillRef>
+      <a:effectRef idx="0">
+        <a:scrgbClr r="0" g="0" b="0"/>
+      </a:effectRef>
+      <a:fontRef idx="minor">
+        <a:schemeClr val="lt1"/>
+      </a:fontRef>
+    </dgm:style>
+  </dgm:styleLbl>
+  <dgm:styleLbl name="asst1">
+    <dgm:scene3d>
+      <a:camera prst="orthographicFront"/>
+      <a:lightRig rig="threePt" dir="t"/>
+    </dgm:scene3d>
+    <dgm:sp3d/>
+    <dgm:txPr/>
+    <dgm:style>
+      <a:lnRef idx="2">
+        <a:scrgbClr r="0" g="0" b="0"/>
+      </a:lnRef>
+      <a:fillRef idx="1">
+        <a:scrgbClr r="0" g="0" b="0"/>
+      </a:fillRef>
+      <a:effectRef idx="0">
+        <a:scrgbClr r="0" g="0" b="0"/>
+      </a:effectRef>
+      <a:fontRef idx="minor">
+        <a:schemeClr val="lt1"/>
+      </a:fontRef>
+    </dgm:style>
+  </dgm:styleLbl>
+  <dgm:styleLbl name="asst2">
+    <dgm:scene3d>
+      <a:camera prst="orthographicFront"/>
+      <a:lightRig rig="threePt" dir="t"/>
+    </dgm:scene3d>
+    <dgm:sp3d/>
+    <dgm:txPr/>
+    <dgm:style>
+      <a:lnRef idx="2">
+        <a:scrgbClr r="0" g="0" b="0"/>
+      </a:lnRef>
+      <a:fillRef idx="1">
+        <a:scrgbClr r="0" g="0" b="0"/>
+      </a:fillRef>
+      <a:effectRef idx="0">
+        <a:scrgbClr r="0" g="0" b="0"/>
+      </a:effectRef>
+      <a:fontRef idx="minor">
+        <a:schemeClr val="lt1"/>
+      </a:fontRef>
+    </dgm:style>
+  </dgm:styleLbl>
+  <dgm:styleLbl name="asst3">
+    <dgm:scene3d>
+      <a:camera prst="orthographicFront"/>
+      <a:lightRig rig="threePt" dir="t"/>
+    </dgm:scene3d>
+    <dgm:sp3d/>
+    <dgm:txPr/>
+    <dgm:style>
+      <a:lnRef idx="2">
+        <a:scrgbClr r="0" g="0" b="0"/>
+      </a:lnRef>
+      <a:fillRef idx="1">
+        <a:scrgbClr r="0" g="0" b="0"/>
+      </a:fillRef>
+      <a:effectRef idx="0">
+        <a:scrgbClr r="0" g="0" b="0"/>
+      </a:effectRef>
+      <a:fontRef idx="minor">
+        <a:schemeClr val="lt1"/>
+      </a:fontRef>
+    </dgm:style>
+  </dgm:styleLbl>
+  <dgm:styleLbl name="asst4">
+    <dgm:scene3d>
+      <a:camera prst="orthographicFront"/>
+      <a:lightRig rig="threePt" dir="t"/>
+    </dgm:scene3d>
+    <dgm:sp3d/>
+    <dgm:txPr/>
+    <dgm:style>
+      <a:lnRef idx="2">
+        <a:scrgbClr r="0" g="0" b="0"/>
+      </a:lnRef>
+      <a:fillRef idx="1">
+        <a:scrgbClr r="0" g="0" b="0"/>
+      </a:fillRef>
+      <a:effectRef idx="0">
+        <a:scrgbClr r="0" g="0" b="0"/>
+      </a:effectRef>
+      <a:fontRef idx="minor">
+        <a:schemeClr val="lt1"/>
+      </a:fontRef>
+    </dgm:style>
+  </dgm:styleLbl>
+  <dgm:styleLbl name="parChTrans2D1">
+    <dgm:scene3d>
+      <a:camera prst="orthographicFront"/>
+      <a:lightRig rig="threePt" dir="t"/>
+    </dgm:scene3d>
+    <dgm:sp3d/>
+    <dgm:txPr/>
+    <dgm:style>
+      <a:lnRef idx="2">
+        <a:scrgbClr r="0" g="0" b="0"/>
+      </a:lnRef>
+      <a:fillRef idx="1">
+        <a:scrgbClr r="0" g="0" b="0"/>
+      </a:fillRef>
+      <a:effectRef idx="0">
+        <a:scrgbClr r="0" g="0" b="0"/>
+      </a:effectRef>
+      <a:fontRef idx="minor">
+        <a:schemeClr val="lt1"/>
+      </a:fontRef>
+    </dgm:style>
+  </dgm:styleLbl>
+  <dgm:styleLbl name="parChTrans2D2">
+    <dgm:scene3d>
+      <a:camera prst="orthographicFront"/>
+      <a:lightRig rig="threePt" dir="t"/>
+    </dgm:scene3d>
+    <dgm:sp3d/>
+    <dgm:txPr/>
+    <dgm:style>
+      <a:lnRef idx="2">
+        <a:scrgbClr r="0" g="0" b="0"/>
+      </a:lnRef>
+      <a:fillRef idx="1">
+        <a:scrgbClr r="0" g="0" b="0"/>
+      </a:fillRef>
+      <a:effectRef idx="0">
+        <a:scrgbClr r="0" g="0" b="0"/>
+      </a:effectRef>
+      <a:fontRef idx="minor">
+        <a:schemeClr val="lt1"/>
+      </a:fontRef>
+    </dgm:style>
+  </dgm:styleLbl>
+  <dgm:styleLbl name="parChTrans2D3">
+    <dgm:scene3d>
+      <a:camera prst="orthographicFront"/>
+      <a:lightRig rig="threePt" dir="t"/>
+    </dgm:scene3d>
+    <dgm:sp3d/>
+    <dgm:txPr/>
+    <dgm:style>
+      <a:lnRef idx="2">
+        <a:scrgbClr r="0" g="0" b="0"/>
+      </a:lnRef>
+      <a:fillRef idx="1">
+        <a:scrgbClr r="0" g="0" b="0"/>
+      </a:fillRef>
+      <a:effectRef idx="0">
+        <a:scrgbClr r="0" g="0" b="0"/>
+      </a:effectRef>
+      <a:fontRef idx="minor">
+        <a:schemeClr val="lt1"/>
+      </a:fontRef>
+    </dgm:style>
+  </dgm:styleLbl>
+  <dgm:styleLbl name="parChTrans2D4">
+    <dgm:scene3d>
+      <a:camera prst="orthographicFront"/>
+      <a:lightRig rig="threePt" dir="t"/>
+    </dgm:scene3d>
+    <dgm:sp3d/>
+    <dgm:txPr/>
+    <dgm:style>
+      <a:lnRef idx="2">
+        <a:scrgbClr r="0" g="0" b="0"/>
+      </a:lnRef>
+      <a:fillRef idx="1">
+        <a:scrgbClr r="0" g="0" b="0"/>
+      </a:fillRef>
+      <a:effectRef idx="0">
+        <a:scrgbClr r="0" g="0" b="0"/>
+      </a:effectRef>
+      <a:fontRef idx="minor">
+        <a:schemeClr val="lt1"/>
+      </a:fontRef>
+    </dgm:style>
+  </dgm:styleLbl>
+  <dgm:styleLbl name="parChTrans1D1">
+    <dgm:scene3d>
+      <a:camera prst="orthographicFront"/>
+      <a:lightRig rig="threePt" dir="t"/>
+    </dgm:scene3d>
+    <dgm:sp3d/>
+    <dgm:txPr/>
+    <dgm:style>
+      <a:lnRef idx="2">
+        <a:scrgbClr r="0" g="0" b="0"/>
+      </a:lnRef>
+      <a:fillRef idx="0">
+        <a:scrgbClr r="0" g="0" b="0"/>
+      </a:fillRef>
+      <a:effectRef idx="0">
+        <a:scrgbClr r="0" g="0" b="0"/>
+      </a:effectRef>
+      <a:fontRef idx="minor"/>
+    </dgm:style>
+  </dgm:styleLbl>
+  <dgm:styleLbl name="parChTrans1D2">
+    <dgm:scene3d>
+      <a:camera prst="orthographicFront"/>
+      <a:lightRig rig="threePt" dir="t"/>
+    </dgm:scene3d>
+    <dgm:sp3d/>
+    <dgm:txPr/>
+    <dgm:style>
+      <a:lnRef idx="2">
+        <a:scrgbClr r="0" g="0" b="0"/>
+      </a:lnRef>
+      <a:fillRef idx="0">
+        <a:scrgbClr r="0" g="0" b="0"/>
+      </a:fillRef>
+      <a:effectRef idx="0">
+        <a:scrgbClr r="0" g="0" b="0"/>
+      </a:effectRef>
+      <a:fontRef idx="minor"/>
+    </dgm:style>
+  </dgm:styleLbl>
+  <dgm:styleLbl name="parChTrans1D3">
+    <dgm:scene3d>
+      <a:camera prst="orthographicFront"/>
+      <a:lightRig rig="threePt" dir="t"/>
+    </dgm:scene3d>
+    <dgm:sp3d/>
+    <dgm:txPr/>
+    <dgm:style>
+      <a:lnRef idx="2">
+        <a:scrgbClr r="0" g="0" b="0"/>
+      </a:lnRef>
+      <a:fillRef idx="0">
+        <a:scrgbClr r="0" g="0" b="0"/>
+      </a:fillRef>
+      <a:effectRef idx="0">
+        <a:scrgbClr r="0" g="0" b="0"/>
+      </a:effectRef>
+      <a:fontRef idx="minor"/>
+    </dgm:style>
+  </dgm:styleLbl>
+  <dgm:styleLbl name="parChTrans1D4">
+    <dgm:scene3d>
+      <a:camera prst="orthographicFront"/>
+      <a:lightRig rig="threePt" dir="t"/>
+    </dgm:scene3d>
+    <dgm:sp3d/>
+    <dgm:txPr/>
+    <dgm:style>
+      <a:lnRef idx="2">
+        <a:scrgbClr r="0" g="0" b="0"/>
+      </a:lnRef>
+      <a:fillRef idx="0">
+        <a:scrgbClr r="0" g="0" b="0"/>
+      </a:fillRef>
+      <a:effectRef idx="0">
+        <a:scrgbClr r="0" g="0" b="0"/>
+      </a:effectRef>
+      <a:fontRef idx="minor"/>
+    </dgm:style>
+  </dgm:styleLbl>
+  <dgm:styleLbl name="fgAcc1">
+    <dgm:scene3d>
+      <a:camera prst="orthographicFront"/>
+      <a:lightRig rig="threePt" dir="t"/>
+    </dgm:scene3d>
+    <dgm:sp3d/>
+    <dgm:txPr/>
+    <dgm:style>
+      <a:lnRef idx="2">
+        <a:scrgbClr r="0" g="0" b="0"/>
+      </a:lnRef>
+      <a:fillRef idx="1">
+        <a:scrgbClr r="0" g="0" b="0"/>
+      </a:fillRef>
+      <a:effectRef idx="0">
+        <a:scrgbClr r="0" g="0" b="0"/>
+      </a:effectRef>
+      <a:fontRef idx="minor"/>
+    </dgm:style>
+  </dgm:styleLbl>
+  <dgm:styleLbl name="conFgAcc1">
+    <dgm:scene3d>
+      <a:camera prst="orthographicFront"/>
+      <a:lightRig rig="threePt" dir="t"/>
+    </dgm:scene3d>
+    <dgm:sp3d/>
+    <dgm:txPr/>
+    <dgm:style>
+      <a:lnRef idx="2">
+        <a:scrgbClr r="0" g="0" b="0"/>
+      </a:lnRef>
+      <a:fillRef idx="1">
+        <a:scrgbClr r="0" g="0" b="0"/>
+      </a:fillRef>
+      <a:effectRef idx="0">
+        <a:scrgbClr r="0" g="0" b="0"/>
+      </a:effectRef>
+      <a:fontRef idx="minor"/>
+    </dgm:style>
+  </dgm:styleLbl>
+  <dgm:styleLbl name="alignAcc1">
+    <dgm:scene3d>
+      <a:camera prst="orthographicFront"/>
+      <a:lightRig rig="threePt" dir="t"/>
+    </dgm:scene3d>
+    <dgm:sp3d/>
+    <dgm:txPr/>
+    <dgm:style>
+      <a:lnRef idx="2">
+        <a:scrgbClr r="0" g="0" b="0"/>
+      </a:lnRef>
+      <a:fillRef idx="1">
+        <a:scrgbClr r="0" g="0" b="0"/>
+      </a:fillRef>
+      <a:effectRef idx="0">
+        <a:scrgbClr r="0" g="0" b="0"/>
+      </a:effectRef>
+      <a:fontRef idx="minor"/>
+    </dgm:style>
+  </dgm:styleLbl>
+  <dgm:styleLbl name="trAlignAcc1">
+    <dgm:scene3d>
+      <a:camera prst="orthographicFront"/>
+      <a:lightRig rig="threePt" dir="t"/>
+    </dgm:scene3d>
+    <dgm:sp3d/>
+    <dgm:txPr/>
+    <dgm:style>
+      <a:lnRef idx="1">
+        <a:scrgbClr r="0" g="0" b="0"/>
+      </a:lnRef>
+      <a:fillRef idx="1">
+        <a:scrgbClr r="0" g="0" b="0"/>
+      </a:fillRef>
+      <a:effectRef idx="0">
+        <a:scrgbClr r="0" g="0" b="0"/>
+      </a:effectRef>
+      <a:fontRef idx="minor"/>
+    </dgm:style>
+  </dgm:styleLbl>
+  <dgm:styleLbl name="bgAcc1">
+    <dgm:scene3d>
+      <a:camera prst="orthographicFront"/>
+      <a:lightRig rig="threePt" dir="t"/>
+    </dgm:scene3d>
+    <dgm:sp3d/>
+    <dgm:txPr/>
+    <dgm:style>
+      <a:lnRef idx="2">
+        <a:scrgbClr r="0" g="0" b="0"/>
+      </a:lnRef>
+      <a:fillRef idx="1">
+        <a:scrgbClr r="0" g="0" b="0"/>
+      </a:fillRef>
+      <a:effectRef idx="0">
+        <a:scrgbClr r="0" g="0" b="0"/>
+      </a:effectRef>
+      <a:fontRef idx="minor"/>
+    </dgm:style>
+  </dgm:styleLbl>
+  <dgm:styleLbl name="solidFgAcc1">
+    <dgm:scene3d>
+      <a:camera prst="orthographicFront"/>
+      <a:lightRig rig="threePt" dir="t"/>
+    </dgm:scene3d>
+    <dgm:sp3d/>
+    <dgm:txPr/>
+    <dgm:style>
+      <a:lnRef idx="2">
+        <a:scrgbClr r="0" g="0" b="0"/>
+      </a:lnRef>
+      <a:fillRef idx="1">
+        <a:scrgbClr r="0" g="0" b="0"/>
+      </a:fillRef>
+      <a:effectRef idx="0">
+        <a:scrgbClr r="0" g="0" b="0"/>
+      </a:effectRef>
+      <a:fontRef idx="minor"/>
+    </dgm:style>
+  </dgm:styleLbl>
+  <dgm:styleLbl name="solidAlignAcc1">
+    <dgm:scene3d>
+      <a:camera prst="orthographicFront"/>
+      <a:lightRig rig="threePt" dir="t"/>
+    </dgm:scene3d>
+    <dgm:sp3d/>
+    <dgm:txPr/>
+    <dgm:style>
+      <a:lnRef idx="2">
+        <a:scrgbClr r="0" g="0" b="0"/>
+      </a:lnRef>
+      <a:fillRef idx="1">
+        <a:scrgbClr r="0" g="0" b="0"/>
+      </a:fillRef>
+      <a:effectRef idx="0">
+        <a:scrgbClr r="0" g="0" b="0"/>
+      </a:effectRef>
+      <a:fontRef idx="minor"/>
+    </dgm:style>
+  </dgm:styleLbl>
+  <dgm:styleLbl name="solidBgAcc1">
+    <dgm:scene3d>
+      <a:camera prst="orthographicFront"/>
+      <a:lightRig rig="threePt" dir="t"/>
+    </dgm:scene3d>
+    <dgm:sp3d/>
+    <dgm:txPr/>
+    <dgm:style>
+      <a:lnRef idx="2">
+        <a:scrgbClr r="0" g="0" b="0"/>
+      </a:lnRef>
+      <a:fillRef idx="1">
+        <a:scrgbClr r="0" g="0" b="0"/>
+      </a:fillRef>
+      <a:effectRef idx="0">
+        <a:scrgbClr r="0" g="0" b="0"/>
+      </a:effectRef>
+      <a:fontRef idx="minor"/>
+    </dgm:style>
+  </dgm:styleLbl>
+  <dgm:styleLbl name="fgAccFollowNode1">
+    <dgm:scene3d>
+      <a:camera prst="orthographicFront"/>
+      <a:lightRig rig="threePt" dir="t"/>
+    </dgm:scene3d>
+    <dgm:sp3d/>
+    <dgm:txPr/>
+    <dgm:style>
+      <a:lnRef idx="2">
+        <a:scrgbClr r="0" g="0" b="0"/>
+      </a:lnRef>
+      <a:fillRef idx="1">
+        <a:scrgbClr r="0" g="0" b="0"/>
+      </a:fillRef>
+      <a:effectRef idx="0">
+        <a:scrgbClr r="0" g="0" b="0"/>
+      </a:effectRef>
+      <a:fontRef idx="minor"/>
+    </dgm:style>
+  </dgm:styleLbl>
+  <dgm:styleLbl name="alignAccFollowNode1">
+    <dgm:scene3d>
+      <a:camera prst="orthographicFront"/>
+      <a:lightRig rig="threePt" dir="t"/>
+    </dgm:scene3d>
+    <dgm:sp3d/>
+    <dgm:txPr/>
+    <dgm:style>
+      <a:lnRef idx="2">
+        <a:scrgbClr r="0" g="0" b="0"/>
+      </a:lnRef>
+      <a:fillRef idx="1">
+        <a:scrgbClr r="0" g="0" b="0"/>
+      </a:fillRef>
+      <a:effectRef idx="0">
+        <a:scrgbClr r="0" g="0" b="0"/>
+      </a:effectRef>
+      <a:fontRef idx="minor"/>
+    </dgm:style>
+  </dgm:styleLbl>
+  <dgm:styleLbl name="bgAccFollowNode1">
+    <dgm:scene3d>
+      <a:camera prst="orthographicFront"/>
+      <a:lightRig rig="threePt" dir="t"/>
+    </dgm:scene3d>
+    <dgm:sp3d/>
+    <dgm:txPr/>
+    <dgm:style>
+      <a:lnRef idx="2">
+        <a:scrgbClr r="0" g="0" b="0"/>
+      </a:lnRef>
+      <a:fillRef idx="1">
+        <a:scrgbClr r="0" g="0" b="0"/>
+      </a:fillRef>
+      <a:effectRef idx="0">
+        <a:scrgbClr r="0" g="0" b="0"/>
+      </a:effectRef>
+      <a:fontRef idx="minor"/>
+    </dgm:style>
+  </dgm:styleLbl>
+  <dgm:styleLbl name="fgAcc0">
+    <dgm:scene3d>
+      <a:camera prst="orthographicFront"/>
+      <a:lightRig rig="threePt" dir="t"/>
+    </dgm:scene3d>
+    <dgm:sp3d/>
+    <dgm:txPr/>
+    <dgm:style>
+      <a:lnRef idx="2">
+        <a:scrgbClr r="0" g="0" b="0"/>
+      </a:lnRef>
+      <a:fillRef idx="1">
+        <a:scrgbClr r="0" g="0" b="0"/>
+      </a:fillRef>
+      <a:effectRef idx="0">
+        <a:scrgbClr r="0" g="0" b="0"/>
+      </a:effectRef>
+      <a:fontRef idx="minor"/>
+    </dgm:style>
+  </dgm:styleLbl>
+  <dgm:styleLbl name="fgAcc2">
+    <dgm:scene3d>
+      <a:camera prst="orthographicFront"/>
+      <a:lightRig rig="threePt" dir="t"/>
+    </dgm:scene3d>
+    <dgm:sp3d/>
+    <dgm:txPr/>
+    <dgm:style>
+      <a:lnRef idx="2">
+        <a:scrgbClr r="0" g="0" b="0"/>
+      </a:lnRef>
+      <a:fillRef idx="1">
+        <a:scrgbClr r="0" g="0" b="0"/>
+      </a:fillRef>
+      <a:effectRef idx="0">
+        <a:scrgbClr r="0" g="0" b="0"/>
+      </a:effectRef>
+      <a:fontRef idx="minor"/>
+    </dgm:style>
+  </dgm:styleLbl>
+  <dgm:styleLbl name="fgAcc3">
+    <dgm:scene3d>
+      <a:camera prst="orthographicFront"/>
+      <a:lightRig rig="threePt" dir="t"/>
+    </dgm:scene3d>
+    <dgm:sp3d/>
+    <dgm:txPr/>
+    <dgm:style>
+      <a:lnRef idx="2">
+        <a:scrgbClr r="0" g="0" b="0"/>
+      </a:lnRef>
+      <a:fillRef idx="1">
+        <a:scrgbClr r="0" g="0" b="0"/>
+      </a:fillRef>
+      <a:effectRef idx="0">
+        <a:scrgbClr r="0" g="0" b="0"/>
+      </a:effectRef>
+      <a:fontRef idx="minor"/>
+    </dgm:style>
+  </dgm:styleLbl>
+  <dgm:styleLbl name="fgAcc4">
+    <dgm:scene3d>
+      <a:camera prst="orthographicFront"/>
+      <a:lightRig rig="threePt" dir="t"/>
+    </dgm:scene3d>
+    <dgm:sp3d/>
+    <dgm:txPr/>
+    <dgm:style>
+      <a:lnRef idx="2">
+        <a:scrgbClr r="0" g="0" b="0"/>
+      </a:lnRef>
+      <a:fillRef idx="1">
+        <a:scrgbClr r="0" g="0" b="0"/>
+      </a:fillRef>
+      <a:effectRef idx="0">
+        <a:scrgbClr r="0" g="0" b="0"/>
+      </a:effectRef>
+      <a:fontRef idx="minor"/>
+    </dgm:style>
+  </dgm:styleLbl>
+  <dgm:styleLbl name="bgShp">
+    <dgm:scene3d>
+      <a:camera prst="orthographicFront"/>
+      <a:lightRig rig="threePt" dir="t"/>
+    </dgm:scene3d>
+    <dgm:sp3d/>
+    <dgm:txPr/>
+    <dgm:style>
+      <a:lnRef idx="0">
+        <a:scrgbClr r="0" g="0" b="0"/>
+      </a:lnRef>
+      <a:fillRef idx="1">
+        <a:scrgbClr r="0" g="0" b="0"/>
+      </a:fillRef>
+      <a:effectRef idx="0">
+        <a:scrgbClr r="0" g="0" b="0"/>
+      </a:effectRef>
+      <a:fontRef idx="minor"/>
+    </dgm:style>
+  </dgm:styleLbl>
+  <dgm:styleLbl name="dkBgShp">
+    <dgm:scene3d>
+      <a:camera prst="orthographicFront"/>
+      <a:lightRig rig="threePt" dir="t"/>
+    </dgm:scene3d>
+    <dgm:sp3d/>
+    <dgm:txPr/>
+    <dgm:style>
+      <a:lnRef idx="0">
+        <a:scrgbClr r="0" g="0" b="0"/>
+      </a:lnRef>
+      <a:fillRef idx="1">
+        <a:scrgbClr r="0" g="0" b="0"/>
+      </a:fillRef>
+      <a:effectRef idx="0">
+        <a:scrgbClr r="0" g="0" b="0"/>
+      </a:effectRef>
+      <a:fontRef idx="minor"/>
+    </dgm:style>
+  </dgm:styleLbl>
+  <dgm:styleLbl name="trBgShp">
+    <dgm:scene3d>
+      <a:camera prst="orthographicFront"/>
+      <a:lightRig rig="threePt" dir="t"/>
+    </dgm:scene3d>
+    <dgm:sp3d/>
+    <dgm:txPr/>
+    <dgm:style>
+      <a:lnRef idx="0">
+        <a:scrgbClr r="0" g="0" b="0"/>
+      </a:lnRef>
+      <a:fillRef idx="1">
+        <a:scrgbClr r="0" g="0" b="0"/>
+      </a:fillRef>
+      <a:effectRef idx="0">
+        <a:scrgbClr r="0" g="0" b="0"/>
+      </a:effectRef>
+      <a:fontRef idx="minor"/>
+    </dgm:style>
+  </dgm:styleLbl>
+  <dgm:styleLbl name="fgShp">
+    <dgm:scene3d>
+      <a:camera prst="orthographicFront"/>
+      <a:lightRig rig="threePt" dir="t"/>
+    </dgm:scene3d>
+    <dgm:sp3d/>
+    <dgm:txPr/>
+    <dgm:style>
+      <a:lnRef idx="2">
+        <a:scrgbClr r="0" g="0" b="0"/>
+      </a:lnRef>
+      <a:fillRef idx="1">
+        <a:scrgbClr r="0" g="0" b="0"/>
+      </a:fillRef>
+      <a:effectRef idx="0">
+        <a:scrgbClr r="0" g="0" b="0"/>
+      </a:effectRef>
+      <a:fontRef idx="minor"/>
+    </dgm:style>
+  </dgm:styleLbl>
+  <dgm:styleLbl name="revTx">
+    <dgm:scene3d>
+      <a:camera prst="orthographicFront"/>
+      <a:lightRig rig="threePt" dir="t"/>
+    </dgm:scene3d>
+    <dgm:sp3d/>
+    <dgm:txPr/>
+    <dgm:style>
+      <a:lnRef idx="0">
+        <a:scrgbClr r="0" g="0" b="0"/>
+      </a:lnRef>
+      <a:fillRef idx="0">
+        <a:scrgbClr r="0" g="0" b="0"/>
+      </a:fillRef>
+      <a:effectRef idx="0">
+        <a:scrgbClr r="0" g="0" b="0"/>
+      </a:effectRef>
+      <a:fontRef idx="minor"/>
+    </dgm:style>
+  </dgm:styleLbl>
+</dgm:styleDef>
+</file>
+
+<file path=ppt/diagrams/quickStyle3.xml><?xml version="1.0" encoding="utf-8"?>
 <dgm:styleDef xmlns:dgm="http://schemas.openxmlformats.org/drawingml/2006/diagram" xmlns:a="http://schemas.openxmlformats.org/drawingml/2006/main" uniqueId="urn:microsoft.com/office/officeart/2005/8/quickstyle/simple1">
   <dgm:title val=""/>
   <dgm:desc val=""/>
@@ -10349,7 +16815,7 @@
           <a:p>
             <a:fld id="{7FCD9E77-C000-8647-A168-CF67FEF06FB1}" type="datetimeFigureOut">
               <a:rPr lang="en-US" smtClean="0"/>
-              <a:t>1/22/24</a:t>
+              <a:t>4/9/24</a:t>
             </a:fld>
             <a:endParaRPr lang="en-US"/>
           </a:p>
@@ -10547,7 +17013,7 @@
           <a:p>
             <a:fld id="{7FCD9E77-C000-8647-A168-CF67FEF06FB1}" type="datetimeFigureOut">
               <a:rPr lang="en-US" smtClean="0"/>
-              <a:t>1/22/24</a:t>
+              <a:t>4/9/24</a:t>
             </a:fld>
             <a:endParaRPr lang="en-US"/>
           </a:p>
@@ -10755,7 +17221,7 @@
           <a:p>
             <a:fld id="{7FCD9E77-C000-8647-A168-CF67FEF06FB1}" type="datetimeFigureOut">
               <a:rPr lang="en-US" smtClean="0"/>
-              <a:t>1/22/24</a:t>
+              <a:t>4/9/24</a:t>
             </a:fld>
             <a:endParaRPr lang="en-US"/>
           </a:p>
@@ -10953,7 +17419,7 @@
           <a:p>
             <a:fld id="{7FCD9E77-C000-8647-A168-CF67FEF06FB1}" type="datetimeFigureOut">
               <a:rPr lang="en-US" smtClean="0"/>
-              <a:t>1/22/24</a:t>
+              <a:t>4/9/24</a:t>
             </a:fld>
             <a:endParaRPr lang="en-US"/>
           </a:p>
@@ -11228,7 +17694,7 @@
           <a:p>
             <a:fld id="{7FCD9E77-C000-8647-A168-CF67FEF06FB1}" type="datetimeFigureOut">
               <a:rPr lang="en-US" smtClean="0"/>
-              <a:t>1/22/24</a:t>
+              <a:t>4/9/24</a:t>
             </a:fld>
             <a:endParaRPr lang="en-US"/>
           </a:p>
@@ -11493,7 +17959,7 @@
           <a:p>
             <a:fld id="{7FCD9E77-C000-8647-A168-CF67FEF06FB1}" type="datetimeFigureOut">
               <a:rPr lang="en-US" smtClean="0"/>
-              <a:t>1/22/24</a:t>
+              <a:t>4/9/24</a:t>
             </a:fld>
             <a:endParaRPr lang="en-US"/>
           </a:p>
@@ -11905,7 +18371,7 @@
           <a:p>
             <a:fld id="{7FCD9E77-C000-8647-A168-CF67FEF06FB1}" type="datetimeFigureOut">
               <a:rPr lang="en-US" smtClean="0"/>
-              <a:t>1/22/24</a:t>
+              <a:t>4/9/24</a:t>
             </a:fld>
             <a:endParaRPr lang="en-US"/>
           </a:p>
@@ -12046,7 +18512,7 @@
           <a:p>
             <a:fld id="{7FCD9E77-C000-8647-A168-CF67FEF06FB1}" type="datetimeFigureOut">
               <a:rPr lang="en-US" smtClean="0"/>
-              <a:t>1/22/24</a:t>
+              <a:t>4/9/24</a:t>
             </a:fld>
             <a:endParaRPr lang="en-US"/>
           </a:p>
@@ -12159,7 +18625,7 @@
           <a:p>
             <a:fld id="{7FCD9E77-C000-8647-A168-CF67FEF06FB1}" type="datetimeFigureOut">
               <a:rPr lang="en-US" smtClean="0"/>
-              <a:t>1/22/24</a:t>
+              <a:t>4/9/24</a:t>
             </a:fld>
             <a:endParaRPr lang="en-US"/>
           </a:p>
@@ -12470,7 +18936,7 @@
           <a:p>
             <a:fld id="{7FCD9E77-C000-8647-A168-CF67FEF06FB1}" type="datetimeFigureOut">
               <a:rPr lang="en-US" smtClean="0"/>
-              <a:t>1/22/24</a:t>
+              <a:t>4/9/24</a:t>
             </a:fld>
             <a:endParaRPr lang="en-US"/>
           </a:p>
@@ -12758,7 +19224,7 @@
           <a:p>
             <a:fld id="{7FCD9E77-C000-8647-A168-CF67FEF06FB1}" type="datetimeFigureOut">
               <a:rPr lang="en-US" smtClean="0"/>
-              <a:t>1/22/24</a:t>
+              <a:t>4/9/24</a:t>
             </a:fld>
             <a:endParaRPr lang="en-US"/>
           </a:p>
@@ -12999,7 +19465,7 @@
           <a:p>
             <a:fld id="{7FCD9E77-C000-8647-A168-CF67FEF06FB1}" type="datetimeFigureOut">
               <a:rPr lang="en-US" smtClean="0"/>
-              <a:t>1/22/24</a:t>
+              <a:t>4/9/24</a:t>
             </a:fld>
             <a:endParaRPr lang="en-US"/>
           </a:p>
@@ -13591,6 +20057,105 @@
 </p:sld>
 </file>
 
+<file path=ppt/slides/slide3.xml><?xml version="1.0" encoding="utf-8"?>
+<p:sld xmlns:a="http://schemas.openxmlformats.org/drawingml/2006/main" xmlns:r="http://schemas.openxmlformats.org/officeDocument/2006/relationships" xmlns:p="http://schemas.openxmlformats.org/presentationml/2006/main">
+  <p:cSld>
+    <p:spTree>
+      <p:nvGrpSpPr>
+        <p:cNvPr id="1" name="">
+          <a:extLst>
+            <a:ext uri="{FF2B5EF4-FFF2-40B4-BE49-F238E27FC236}">
+              <a16:creationId xmlns:a16="http://schemas.microsoft.com/office/drawing/2014/main" id="{526DA3DC-A90E-03A2-FB04-DAE26E8F7347}"/>
+            </a:ext>
+          </a:extLst>
+        </p:cNvPr>
+        <p:cNvGrpSpPr/>
+        <p:nvPr/>
+      </p:nvGrpSpPr>
+      <p:grpSpPr>
+        <a:xfrm>
+          <a:off x="0" y="0"/>
+          <a:ext cx="0" cy="0"/>
+          <a:chOff x="0" y="0"/>
+          <a:chExt cx="0" cy="0"/>
+        </a:xfrm>
+      </p:grpSpPr>
+      <p:graphicFrame>
+        <p:nvGraphicFramePr>
+          <p:cNvPr id="4" name="Diagram 3">
+            <a:extLst>
+              <a:ext uri="{FF2B5EF4-FFF2-40B4-BE49-F238E27FC236}">
+                <a16:creationId xmlns:a16="http://schemas.microsoft.com/office/drawing/2014/main" id="{F86CA876-85EE-ADDE-7AEC-1EF7841468C9}"/>
+              </a:ext>
+            </a:extLst>
+          </p:cNvPr>
+          <p:cNvGraphicFramePr/>
+          <p:nvPr>
+            <p:extLst>
+              <p:ext uri="{D42A27DB-BD31-4B8C-83A1-F6EECF244321}">
+                <p14:modId xmlns:p14="http://schemas.microsoft.com/office/powerpoint/2010/main" val="2282323712"/>
+              </p:ext>
+            </p:extLst>
+          </p:nvPr>
+        </p:nvGraphicFramePr>
+        <p:xfrm>
+          <a:off x="2032000" y="719666"/>
+          <a:ext cx="8128000" cy="5418667"/>
+        </p:xfrm>
+        <a:graphic>
+          <a:graphicData uri="http://schemas.openxmlformats.org/drawingml/2006/diagram">
+            <dgm:relIds xmlns:dgm="http://schemas.openxmlformats.org/drawingml/2006/diagram" xmlns:r="http://schemas.openxmlformats.org/officeDocument/2006/relationships" r:dm="rId2" r:lo="rId3" r:qs="rId4" r:cs="rId5"/>
+          </a:graphicData>
+        </a:graphic>
+      </p:graphicFrame>
+      <p:sp>
+        <p:nvSpPr>
+          <p:cNvPr id="2" name="TextBox 1">
+            <a:extLst>
+              <a:ext uri="{FF2B5EF4-FFF2-40B4-BE49-F238E27FC236}">
+                <a16:creationId xmlns:a16="http://schemas.microsoft.com/office/drawing/2014/main" id="{388C3912-1430-3F7A-3389-3932763A7FE0}"/>
+              </a:ext>
+            </a:extLst>
+          </p:cNvPr>
+          <p:cNvSpPr txBox="1"/>
+          <p:nvPr/>
+        </p:nvSpPr>
+        <p:spPr>
+          <a:xfrm>
+            <a:off x="0" y="0"/>
+            <a:ext cx="2383025" cy="523220"/>
+          </a:xfrm>
+          <a:prstGeom prst="rect">
+            <a:avLst/>
+          </a:prstGeom>
+          <a:noFill/>
+        </p:spPr>
+        <p:txBody>
+          <a:bodyPr wrap="none" rtlCol="0">
+            <a:spAutoFit/>
+          </a:bodyPr>
+          <a:lstStyle/>
+          <a:p>
+            <a:r>
+              <a:rPr lang="en-US" sz="2800" dirty="0"/>
+              <a:t>Atlantic scallop</a:t>
+            </a:r>
+          </a:p>
+        </p:txBody>
+      </p:sp>
+    </p:spTree>
+    <p:extLst>
+      <p:ext uri="{BB962C8B-B14F-4D97-AF65-F5344CB8AC3E}">
+        <p14:creationId xmlns:p14="http://schemas.microsoft.com/office/powerpoint/2010/main" val="3460426952"/>
+      </p:ext>
+    </p:extLst>
+  </p:cSld>
+  <p:clrMapOvr>
+    <a:masterClrMapping/>
+  </p:clrMapOvr>
+</p:sld>
+</file>
+
 <file path=ppt/theme/theme1.xml><?xml version="1.0" encoding="utf-8"?>
 <a:theme xmlns:a="http://schemas.openxmlformats.org/drawingml/2006/main" name="Office Theme">
   <a:themeElements>
